--- a/tex/figures/WorkEnergy/Figures.pptx
+++ b/tex/figures/WorkEnergy/Figures.pptx
@@ -4179,8 +4179,8 @@
             </a:fontRef>
           </p:style>
         </p:cxnSp>
-        <mc:AlternateContent xmlns:mc="http://schemas.openxmlformats.org/markup-compatibility/2006">
-          <mc:Choice xmlns:a14="http://schemas.microsoft.com/office/drawing/2010/main" Requires="a14">
+        <mc:AlternateContent xmlns:mc="http://schemas.openxmlformats.org/markup-compatibility/2006" xmlns:a14="http://schemas.microsoft.com/office/drawing/2010/main">
+          <mc:Choice Requires="a14">
             <p:sp>
               <p:nvSpPr>
                 <p:cNvPr id="28" name="Rectangle 27"/>
@@ -4224,7 +4224,7 @@
               </p:txBody>
             </p:sp>
           </mc:Choice>
-          <mc:Fallback>
+          <mc:Fallback xmlns="">
             <p:sp>
               <p:nvSpPr>
                 <p:cNvPr id="28" name="Rectangle 27"/>
@@ -4263,8 +4263,8 @@
             </p:sp>
           </mc:Fallback>
         </mc:AlternateContent>
-        <mc:AlternateContent xmlns:mc="http://schemas.openxmlformats.org/markup-compatibility/2006">
-          <mc:Choice xmlns:a14="http://schemas.microsoft.com/office/drawing/2010/main" Requires="a14">
+        <mc:AlternateContent xmlns:mc="http://schemas.openxmlformats.org/markup-compatibility/2006" xmlns:a14="http://schemas.microsoft.com/office/drawing/2010/main">
+          <mc:Choice Requires="a14">
             <p:sp>
               <p:nvSpPr>
                 <p:cNvPr id="29" name="TextBox 28"/>
@@ -4287,6 +4287,7 @@
                 </a:bodyPr>
                 <a:lstStyle/>
                 <a:p>
+                  <a:pPr/>
                   <a14:m>
                     <m:oMathPara xmlns:m="http://schemas.openxmlformats.org/officeDocument/2006/math">
                       <m:oMathParaPr>
@@ -4311,7 +4312,7 @@
               </p:txBody>
             </p:sp>
           </mc:Choice>
-          <mc:Fallback>
+          <mc:Fallback xmlns="">
             <p:sp>
               <p:nvSpPr>
                 <p:cNvPr id="29" name="TextBox 28"/>
@@ -4592,8 +4593,8 @@
                 </a:fontRef>
               </p:style>
             </p:cxnSp>
-            <mc:AlternateContent xmlns:mc="http://schemas.openxmlformats.org/markup-compatibility/2006">
-              <mc:Choice xmlns:a14="http://schemas.microsoft.com/office/drawing/2010/main" Requires="a14">
+            <mc:AlternateContent xmlns:mc="http://schemas.openxmlformats.org/markup-compatibility/2006" xmlns:a14="http://schemas.microsoft.com/office/drawing/2010/main">
+              <mc:Choice Requires="a14">
                 <p:sp>
                   <p:nvSpPr>
                     <p:cNvPr id="7" name="Rectangle 6"/>
@@ -4637,7 +4638,7 @@
                   </p:txBody>
                 </p:sp>
               </mc:Choice>
-              <mc:Fallback>
+              <mc:Fallback xmlns="">
                 <p:sp>
                   <p:nvSpPr>
                     <p:cNvPr id="7" name="Rectangle 6"/>
@@ -4676,8 +4677,8 @@
                 </p:sp>
               </mc:Fallback>
             </mc:AlternateContent>
-            <mc:AlternateContent xmlns:mc="http://schemas.openxmlformats.org/markup-compatibility/2006">
-              <mc:Choice xmlns:a14="http://schemas.microsoft.com/office/drawing/2010/main" Requires="a14">
+            <mc:AlternateContent xmlns:mc="http://schemas.openxmlformats.org/markup-compatibility/2006" xmlns:a14="http://schemas.microsoft.com/office/drawing/2010/main">
+              <mc:Choice Requires="a14">
                 <p:sp>
                   <p:nvSpPr>
                     <p:cNvPr id="9" name="TextBox 8"/>
@@ -4700,6 +4701,7 @@
                     </a:bodyPr>
                     <a:lstStyle/>
                     <a:p>
+                      <a:pPr/>
                       <a14:m>
                         <m:oMathPara xmlns:m="http://schemas.openxmlformats.org/officeDocument/2006/math">
                           <m:oMathParaPr>
@@ -4724,7 +4726,7 @@
                   </p:txBody>
                 </p:sp>
               </mc:Choice>
-              <mc:Fallback>
+              <mc:Fallback xmlns="">
                 <p:sp>
                   <p:nvSpPr>
                     <p:cNvPr id="9" name="TextBox 8"/>
@@ -4911,8 +4913,8 @@
               </a:fontRef>
             </p:style>
           </p:cxnSp>
-          <mc:AlternateContent xmlns:mc="http://schemas.openxmlformats.org/markup-compatibility/2006">
-            <mc:Choice xmlns:a14="http://schemas.microsoft.com/office/drawing/2010/main" Requires="a14">
+          <mc:AlternateContent xmlns:mc="http://schemas.openxmlformats.org/markup-compatibility/2006" xmlns:a14="http://schemas.microsoft.com/office/drawing/2010/main">
+            <mc:Choice Requires="a14">
               <p:sp>
                 <p:nvSpPr>
                   <p:cNvPr id="18" name="TextBox 17"/>
@@ -4935,6 +4937,7 @@
                   </a:bodyPr>
                   <a:lstStyle/>
                   <a:p>
+                    <a:pPr/>
                     <a14:m>
                       <m:oMathPara xmlns:m="http://schemas.openxmlformats.org/officeDocument/2006/math">
                         <m:oMathParaPr>
@@ -4980,7 +4983,7 @@
                 </p:txBody>
               </p:sp>
             </mc:Choice>
-            <mc:Fallback>
+            <mc:Fallback xmlns="">
               <p:sp>
                 <p:nvSpPr>
                   <p:cNvPr id="18" name="TextBox 17"/>
@@ -5019,8 +5022,8 @@
               </p:sp>
             </mc:Fallback>
           </mc:AlternateContent>
-          <mc:AlternateContent xmlns:mc="http://schemas.openxmlformats.org/markup-compatibility/2006">
-            <mc:Choice xmlns:a14="http://schemas.microsoft.com/office/drawing/2010/main" Requires="a14">
+          <mc:AlternateContent xmlns:mc="http://schemas.openxmlformats.org/markup-compatibility/2006" xmlns:a14="http://schemas.microsoft.com/office/drawing/2010/main">
+            <mc:Choice Requires="a14">
               <p:sp>
                 <p:nvSpPr>
                   <p:cNvPr id="19" name="TextBox 18"/>
@@ -5043,6 +5046,7 @@
                   </a:bodyPr>
                   <a:lstStyle/>
                   <a:p>
+                    <a:pPr/>
                     <a14:m>
                       <m:oMathPara xmlns:m="http://schemas.openxmlformats.org/officeDocument/2006/math">
                         <m:oMathParaPr>
@@ -5088,7 +5092,7 @@
                 </p:txBody>
               </p:sp>
             </mc:Choice>
-            <mc:Fallback>
+            <mc:Fallback xmlns="">
               <p:sp>
                 <p:nvSpPr>
                   <p:cNvPr id="19" name="TextBox 18"/>
@@ -5164,8 +5168,8 @@
               </a:fontRef>
             </p:style>
           </p:cxnSp>
-          <mc:AlternateContent xmlns:mc="http://schemas.openxmlformats.org/markup-compatibility/2006">
-            <mc:Choice xmlns:a14="http://schemas.microsoft.com/office/drawing/2010/main" Requires="a14">
+          <mc:AlternateContent xmlns:mc="http://schemas.openxmlformats.org/markup-compatibility/2006" xmlns:a14="http://schemas.microsoft.com/office/drawing/2010/main">
+            <mc:Choice Requires="a14">
               <p:sp>
                 <p:nvSpPr>
                   <p:cNvPr id="22" name="TextBox 21"/>
@@ -5188,6 +5192,7 @@
                   </a:bodyPr>
                   <a:lstStyle/>
                   <a:p>
+                    <a:pPr/>
                     <a14:m>
                       <m:oMathPara xmlns:m="http://schemas.openxmlformats.org/officeDocument/2006/math">
                         <m:oMathParaPr>
@@ -5222,7 +5227,7 @@
                 </p:txBody>
               </p:sp>
             </mc:Choice>
-            <mc:Fallback>
+            <mc:Fallback xmlns="">
               <p:sp>
                 <p:nvSpPr>
                   <p:cNvPr id="22" name="TextBox 21"/>
@@ -5261,8 +5266,8 @@
               </p:sp>
             </mc:Fallback>
           </mc:AlternateContent>
-          <mc:AlternateContent xmlns:mc="http://schemas.openxmlformats.org/markup-compatibility/2006">
-            <mc:Choice xmlns:a14="http://schemas.microsoft.com/office/drawing/2010/main" Requires="a14">
+          <mc:AlternateContent xmlns:mc="http://schemas.openxmlformats.org/markup-compatibility/2006" xmlns:a14="http://schemas.microsoft.com/office/drawing/2010/main">
+            <mc:Choice Requires="a14">
               <p:sp>
                 <p:nvSpPr>
                   <p:cNvPr id="25" name="TextBox 24"/>
@@ -5285,6 +5290,7 @@
                   </a:bodyPr>
                   <a:lstStyle/>
                   <a:p>
+                    <a:pPr/>
                     <a14:m>
                       <m:oMathPara xmlns:m="http://schemas.openxmlformats.org/officeDocument/2006/math">
                         <m:oMathParaPr>
@@ -5322,7 +5328,7 @@
                 </p:txBody>
               </p:sp>
             </mc:Choice>
-            <mc:Fallback>
+            <mc:Fallback xmlns="">
               <p:sp>
                 <p:nvSpPr>
                   <p:cNvPr id="25" name="TextBox 24"/>
@@ -5398,8 +5404,8 @@
             </a:fontRef>
           </p:style>
         </p:cxnSp>
-        <mc:AlternateContent xmlns:mc="http://schemas.openxmlformats.org/markup-compatibility/2006">
-          <mc:Choice xmlns:a14="http://schemas.microsoft.com/office/drawing/2010/main" Requires="a14">
+        <mc:AlternateContent xmlns:mc="http://schemas.openxmlformats.org/markup-compatibility/2006" xmlns:a14="http://schemas.microsoft.com/office/drawing/2010/main">
+          <mc:Choice Requires="a14">
             <p:sp>
               <p:nvSpPr>
                 <p:cNvPr id="30" name="TextBox 29"/>
@@ -5422,6 +5428,7 @@
                 </a:bodyPr>
                 <a:lstStyle/>
                 <a:p>
+                  <a:pPr/>
                   <a14:m>
                     <m:oMathPara xmlns:m="http://schemas.openxmlformats.org/officeDocument/2006/math">
                       <m:oMathParaPr>
@@ -5459,7 +5466,7 @@
               </p:txBody>
             </p:sp>
           </mc:Choice>
-          <mc:Fallback>
+          <mc:Fallback xmlns="">
             <p:sp>
               <p:nvSpPr>
                 <p:cNvPr id="30" name="TextBox 29"/>
@@ -5661,8 +5668,8 @@
               </a:fontRef>
             </p:style>
           </p:cxnSp>
-          <mc:AlternateContent xmlns:mc="http://schemas.openxmlformats.org/markup-compatibility/2006">
-            <mc:Choice xmlns:a14="http://schemas.microsoft.com/office/drawing/2010/main" Requires="a14">
+          <mc:AlternateContent xmlns:mc="http://schemas.openxmlformats.org/markup-compatibility/2006" xmlns:a14="http://schemas.microsoft.com/office/drawing/2010/main">
+            <mc:Choice Requires="a14">
               <p:sp>
                 <p:nvSpPr>
                   <p:cNvPr id="65" name="Rectangle 64"/>
@@ -5706,7 +5713,7 @@
                 </p:txBody>
               </p:sp>
             </mc:Choice>
-            <mc:Fallback>
+            <mc:Fallback xmlns="">
               <p:sp>
                 <p:nvSpPr>
                   <p:cNvPr id="65" name="Rectangle 64"/>
@@ -5745,8 +5752,8 @@
               </p:sp>
             </mc:Fallback>
           </mc:AlternateContent>
-          <mc:AlternateContent xmlns:mc="http://schemas.openxmlformats.org/markup-compatibility/2006">
-            <mc:Choice xmlns:a14="http://schemas.microsoft.com/office/drawing/2010/main" Requires="a14">
+          <mc:AlternateContent xmlns:mc="http://schemas.openxmlformats.org/markup-compatibility/2006" xmlns:a14="http://schemas.microsoft.com/office/drawing/2010/main">
+            <mc:Choice Requires="a14">
               <p:sp>
                 <p:nvSpPr>
                   <p:cNvPr id="66" name="TextBox 65"/>
@@ -5769,6 +5776,7 @@
                   </a:bodyPr>
                   <a:lstStyle/>
                   <a:p>
+                    <a:pPr/>
                     <a14:m>
                       <m:oMathPara xmlns:m="http://schemas.openxmlformats.org/officeDocument/2006/math">
                         <m:oMathParaPr>
@@ -5793,7 +5801,7 @@
                 </p:txBody>
               </p:sp>
             </mc:Choice>
-            <mc:Fallback>
+            <mc:Fallback xmlns="">
               <p:sp>
                 <p:nvSpPr>
                   <p:cNvPr id="66" name="TextBox 65"/>
@@ -5978,8 +5986,8 @@
             </a:fontRef>
           </p:style>
         </p:cxnSp>
-        <mc:AlternateContent xmlns:mc="http://schemas.openxmlformats.org/markup-compatibility/2006">
-          <mc:Choice xmlns:a14="http://schemas.microsoft.com/office/drawing/2010/main" Requires="a14">
+        <mc:AlternateContent xmlns:mc="http://schemas.openxmlformats.org/markup-compatibility/2006" xmlns:a14="http://schemas.microsoft.com/office/drawing/2010/main">
+          <mc:Choice Requires="a14">
             <p:sp>
               <p:nvSpPr>
                 <p:cNvPr id="39" name="TextBox 38"/>
@@ -6002,6 +6010,7 @@
                 </a:bodyPr>
                 <a:lstStyle/>
                 <a:p>
+                  <a:pPr/>
                   <a14:m>
                     <m:oMathPara xmlns:m="http://schemas.openxmlformats.org/officeDocument/2006/math">
                       <m:oMathParaPr>
@@ -6047,7 +6056,7 @@
               </p:txBody>
             </p:sp>
           </mc:Choice>
-          <mc:Fallback>
+          <mc:Fallback xmlns="">
             <p:sp>
               <p:nvSpPr>
                 <p:cNvPr id="39" name="TextBox 38"/>
@@ -6086,8 +6095,8 @@
             </p:sp>
           </mc:Fallback>
         </mc:AlternateContent>
-        <mc:AlternateContent xmlns:mc="http://schemas.openxmlformats.org/markup-compatibility/2006">
-          <mc:Choice xmlns:a14="http://schemas.microsoft.com/office/drawing/2010/main" Requires="a14">
+        <mc:AlternateContent xmlns:mc="http://schemas.openxmlformats.org/markup-compatibility/2006" xmlns:a14="http://schemas.microsoft.com/office/drawing/2010/main">
+          <mc:Choice Requires="a14">
             <p:sp>
               <p:nvSpPr>
                 <p:cNvPr id="40" name="TextBox 39"/>
@@ -6110,6 +6119,7 @@
                 </a:bodyPr>
                 <a:lstStyle/>
                 <a:p>
+                  <a:pPr/>
                   <a14:m>
                     <m:oMathPara xmlns:m="http://schemas.openxmlformats.org/officeDocument/2006/math">
                       <m:oMathParaPr>
@@ -6155,7 +6165,7 @@
               </p:txBody>
             </p:sp>
           </mc:Choice>
-          <mc:Fallback>
+          <mc:Fallback xmlns="">
             <p:sp>
               <p:nvSpPr>
                 <p:cNvPr id="40" name="TextBox 39"/>
@@ -6231,8 +6241,8 @@
             </a:fontRef>
           </p:style>
         </p:cxnSp>
-        <mc:AlternateContent xmlns:mc="http://schemas.openxmlformats.org/markup-compatibility/2006">
-          <mc:Choice xmlns:a14="http://schemas.microsoft.com/office/drawing/2010/main" Requires="a14">
+        <mc:AlternateContent xmlns:mc="http://schemas.openxmlformats.org/markup-compatibility/2006" xmlns:a14="http://schemas.microsoft.com/office/drawing/2010/main">
+          <mc:Choice Requires="a14">
             <p:sp>
               <p:nvSpPr>
                 <p:cNvPr id="42" name="TextBox 41"/>
@@ -6255,6 +6265,7 @@
                 </a:bodyPr>
                 <a:lstStyle/>
                 <a:p>
+                  <a:pPr/>
                   <a14:m>
                     <m:oMathPara xmlns:m="http://schemas.openxmlformats.org/officeDocument/2006/math">
                       <m:oMathParaPr>
@@ -6289,7 +6300,7 @@
               </p:txBody>
             </p:sp>
           </mc:Choice>
-          <mc:Fallback>
+          <mc:Fallback xmlns="">
             <p:sp>
               <p:nvSpPr>
                 <p:cNvPr id="42" name="TextBox 41"/>
@@ -6328,8 +6339,8 @@
             </p:sp>
           </mc:Fallback>
         </mc:AlternateContent>
-        <mc:AlternateContent xmlns:mc="http://schemas.openxmlformats.org/markup-compatibility/2006">
-          <mc:Choice xmlns:a14="http://schemas.microsoft.com/office/drawing/2010/main" Requires="a14">
+        <mc:AlternateContent xmlns:mc="http://schemas.openxmlformats.org/markup-compatibility/2006" xmlns:a14="http://schemas.microsoft.com/office/drawing/2010/main">
+          <mc:Choice Requires="a14">
             <p:sp>
               <p:nvSpPr>
                 <p:cNvPr id="43" name="TextBox 42"/>
@@ -6352,6 +6363,7 @@
                 </a:bodyPr>
                 <a:lstStyle/>
                 <a:p>
+                  <a:pPr/>
                   <a14:m>
                     <m:oMathPara xmlns:m="http://schemas.openxmlformats.org/officeDocument/2006/math">
                       <m:oMathParaPr>
@@ -6410,7 +6422,7 @@
               </p:txBody>
             </p:sp>
           </mc:Choice>
-          <mc:Fallback>
+          <mc:Fallback xmlns="">
             <p:sp>
               <p:nvSpPr>
                 <p:cNvPr id="43" name="TextBox 42"/>
@@ -6485,8 +6497,8 @@
             </a:fontRef>
           </p:style>
         </p:cxnSp>
-        <mc:AlternateContent xmlns:mc="http://schemas.openxmlformats.org/markup-compatibility/2006">
-          <mc:Choice xmlns:a14="http://schemas.microsoft.com/office/drawing/2010/main" Requires="a14">
+        <mc:AlternateContent xmlns:mc="http://schemas.openxmlformats.org/markup-compatibility/2006" xmlns:a14="http://schemas.microsoft.com/office/drawing/2010/main">
+          <mc:Choice Requires="a14">
             <p:sp>
               <p:nvSpPr>
                 <p:cNvPr id="45" name="TextBox 44"/>
@@ -6509,6 +6521,7 @@
                 </a:bodyPr>
                 <a:lstStyle/>
                 <a:p>
+                  <a:pPr/>
                   <a14:m>
                     <m:oMathPara xmlns:m="http://schemas.openxmlformats.org/officeDocument/2006/math">
                       <m:oMathParaPr>
@@ -6567,7 +6580,7 @@
               </p:txBody>
             </p:sp>
           </mc:Choice>
-          <mc:Fallback>
+          <mc:Fallback xmlns="">
             <p:sp>
               <p:nvSpPr>
                 <p:cNvPr id="45" name="TextBox 44"/>
@@ -6643,8 +6656,8 @@
             </a:fontRef>
           </p:style>
         </p:cxnSp>
-        <mc:AlternateContent xmlns:mc="http://schemas.openxmlformats.org/markup-compatibility/2006">
-          <mc:Choice xmlns:a14="http://schemas.microsoft.com/office/drawing/2010/main" Requires="a14">
+        <mc:AlternateContent xmlns:mc="http://schemas.openxmlformats.org/markup-compatibility/2006" xmlns:a14="http://schemas.microsoft.com/office/drawing/2010/main">
+          <mc:Choice Requires="a14">
             <p:sp>
               <p:nvSpPr>
                 <p:cNvPr id="47" name="TextBox 46"/>
@@ -6667,6 +6680,7 @@
                 </a:bodyPr>
                 <a:lstStyle/>
                 <a:p>
+                  <a:pPr/>
                   <a14:m>
                     <m:oMathPara xmlns:m="http://schemas.openxmlformats.org/officeDocument/2006/math">
                       <m:oMathParaPr>
@@ -6701,7 +6715,7 @@
               </p:txBody>
             </p:sp>
           </mc:Choice>
-          <mc:Fallback>
+          <mc:Fallback xmlns="">
             <p:sp>
               <p:nvSpPr>
                 <p:cNvPr id="47" name="TextBox 46"/>
@@ -6777,8 +6791,8 @@
             </a:fontRef>
           </p:style>
         </p:cxnSp>
-        <mc:AlternateContent xmlns:mc="http://schemas.openxmlformats.org/markup-compatibility/2006">
-          <mc:Choice xmlns:a14="http://schemas.microsoft.com/office/drawing/2010/main" Requires="a14">
+        <mc:AlternateContent xmlns:mc="http://schemas.openxmlformats.org/markup-compatibility/2006" xmlns:a14="http://schemas.microsoft.com/office/drawing/2010/main">
+          <mc:Choice Requires="a14">
             <p:sp>
               <p:nvSpPr>
                 <p:cNvPr id="49" name="TextBox 48"/>
@@ -6801,6 +6815,7 @@
                 </a:bodyPr>
                 <a:lstStyle/>
                 <a:p>
+                  <a:pPr/>
                   <a14:m>
                     <m:oMathPara xmlns:m="http://schemas.openxmlformats.org/officeDocument/2006/math">
                       <m:oMathParaPr>
@@ -6835,7 +6850,7 @@
               </p:txBody>
             </p:sp>
           </mc:Choice>
-          <mc:Fallback>
+          <mc:Fallback xmlns="">
             <p:sp>
               <p:nvSpPr>
                 <p:cNvPr id="49" name="TextBox 48"/>
@@ -6946,8 +6961,8 @@
             </a:fontRef>
           </p:style>
         </p:cxnSp>
-        <mc:AlternateContent xmlns:mc="http://schemas.openxmlformats.org/markup-compatibility/2006">
-          <mc:Choice xmlns:a14="http://schemas.microsoft.com/office/drawing/2010/main" Requires="a14">
+        <mc:AlternateContent xmlns:mc="http://schemas.openxmlformats.org/markup-compatibility/2006" xmlns:a14="http://schemas.microsoft.com/office/drawing/2010/main">
+          <mc:Choice Requires="a14">
             <p:sp>
               <p:nvSpPr>
                 <p:cNvPr id="52" name="TextBox 51"/>
@@ -6970,6 +6985,7 @@
                 </a:bodyPr>
                 <a:lstStyle/>
                 <a:p>
+                  <a:pPr/>
                   <a14:m>
                     <m:oMathPara xmlns:m="http://schemas.openxmlformats.org/officeDocument/2006/math">
                       <m:oMathParaPr>
@@ -7015,7 +7031,7 @@
               </p:txBody>
             </p:sp>
           </mc:Choice>
-          <mc:Fallback>
+          <mc:Fallback xmlns="">
             <p:sp>
               <p:nvSpPr>
                 <p:cNvPr id="52" name="TextBox 51"/>
@@ -7054,8 +7070,8 @@
             </p:sp>
           </mc:Fallback>
         </mc:AlternateContent>
-        <mc:AlternateContent xmlns:mc="http://schemas.openxmlformats.org/markup-compatibility/2006">
-          <mc:Choice xmlns:a14="http://schemas.microsoft.com/office/drawing/2010/main" Requires="a14">
+        <mc:AlternateContent xmlns:mc="http://schemas.openxmlformats.org/markup-compatibility/2006" xmlns:a14="http://schemas.microsoft.com/office/drawing/2010/main">
+          <mc:Choice Requires="a14">
             <p:sp>
               <p:nvSpPr>
                 <p:cNvPr id="53" name="TextBox 52"/>
@@ -7078,6 +7094,7 @@
                 </a:bodyPr>
                 <a:lstStyle/>
                 <a:p>
+                  <a:pPr/>
                   <a14:m>
                     <m:oMathPara xmlns:m="http://schemas.openxmlformats.org/officeDocument/2006/math">
                       <m:oMathParaPr>
@@ -7123,7 +7140,7 @@
               </p:txBody>
             </p:sp>
           </mc:Choice>
-          <mc:Fallback>
+          <mc:Fallback xmlns="">
             <p:sp>
               <p:nvSpPr>
                 <p:cNvPr id="53" name="TextBox 52"/>
@@ -7247,8 +7264,8 @@
             </a:fontRef>
           </p:style>
         </p:cxnSp>
-        <mc:AlternateContent xmlns:mc="http://schemas.openxmlformats.org/markup-compatibility/2006">
-          <mc:Choice xmlns:a14="http://schemas.microsoft.com/office/drawing/2010/main" Requires="a14">
+        <mc:AlternateContent xmlns:mc="http://schemas.openxmlformats.org/markup-compatibility/2006" xmlns:a14="http://schemas.microsoft.com/office/drawing/2010/main">
+          <mc:Choice Requires="a14">
             <p:sp>
               <p:nvSpPr>
                 <p:cNvPr id="56" name="TextBox 55"/>
@@ -7271,6 +7288,7 @@
                 </a:bodyPr>
                 <a:lstStyle/>
                 <a:p>
+                  <a:pPr/>
                   <a14:m>
                     <m:oMathPara xmlns:m="http://schemas.openxmlformats.org/officeDocument/2006/math">
                       <m:oMathParaPr>
@@ -7329,7 +7347,7 @@
               </p:txBody>
             </p:sp>
           </mc:Choice>
-          <mc:Fallback>
+          <mc:Fallback xmlns="">
             <p:sp>
               <p:nvSpPr>
                 <p:cNvPr id="56" name="TextBox 55"/>
@@ -7453,8 +7471,8 @@
             </a:fontRef>
           </p:style>
         </p:cxnSp>
-        <mc:AlternateContent xmlns:mc="http://schemas.openxmlformats.org/markup-compatibility/2006">
-          <mc:Choice xmlns:a14="http://schemas.microsoft.com/office/drawing/2010/main" Requires="a14">
+        <mc:AlternateContent xmlns:mc="http://schemas.openxmlformats.org/markup-compatibility/2006" xmlns:a14="http://schemas.microsoft.com/office/drawing/2010/main">
+          <mc:Choice Requires="a14">
             <p:sp>
               <p:nvSpPr>
                 <p:cNvPr id="59" name="TextBox 58"/>
@@ -7477,6 +7495,7 @@
                 </a:bodyPr>
                 <a:lstStyle/>
                 <a:p>
+                  <a:pPr/>
                   <a14:m>
                     <m:oMathPara xmlns:m="http://schemas.openxmlformats.org/officeDocument/2006/math">
                       <m:oMathParaPr>
@@ -7535,7 +7554,7 @@
               </p:txBody>
             </p:sp>
           </mc:Choice>
-          <mc:Fallback>
+          <mc:Fallback xmlns="">
             <p:sp>
               <p:nvSpPr>
                 <p:cNvPr id="59" name="TextBox 58"/>
@@ -7610,8 +7629,8 @@
             </a:fontRef>
           </p:style>
         </p:cxnSp>
-        <mc:AlternateContent xmlns:mc="http://schemas.openxmlformats.org/markup-compatibility/2006">
-          <mc:Choice xmlns:a14="http://schemas.microsoft.com/office/drawing/2010/main" Requires="a14">
+        <mc:AlternateContent xmlns:mc="http://schemas.openxmlformats.org/markup-compatibility/2006" xmlns:a14="http://schemas.microsoft.com/office/drawing/2010/main">
+          <mc:Choice Requires="a14">
             <p:sp>
               <p:nvSpPr>
                 <p:cNvPr id="61" name="TextBox 60"/>
@@ -7634,6 +7653,7 @@
                 </a:bodyPr>
                 <a:lstStyle/>
                 <a:p>
+                  <a:pPr/>
                   <a14:m>
                     <m:oMathPara xmlns:m="http://schemas.openxmlformats.org/officeDocument/2006/math">
                       <m:oMathParaPr>
@@ -7643,7 +7663,7 @@
                         <m:sSub>
                           <m:sSubPr>
                             <m:ctrlPr>
-                              <a:rPr lang="en-US" sz="2000" b="0" i="0" smtClean="0">
+                              <a:rPr lang="en-US" sz="2000" b="0" i="1" smtClean="0">
                                 <a:latin typeface="Cambria Math" panose="02040503050406030204" pitchFamily="18" charset="0"/>
                                 <a:cs typeface="Arial" panose="020B0604020202020204" pitchFamily="34" charset="0"/>
                               </a:rPr>
@@ -7692,7 +7712,7 @@
               </p:txBody>
             </p:sp>
           </mc:Choice>
-          <mc:Fallback>
+          <mc:Fallback xmlns="">
             <p:sp>
               <p:nvSpPr>
                 <p:cNvPr id="61" name="TextBox 60"/>
@@ -7767,8 +7787,8 @@
             </a:fontRef>
           </p:style>
         </p:cxnSp>
-        <mc:AlternateContent xmlns:mc="http://schemas.openxmlformats.org/markup-compatibility/2006">
-          <mc:Choice xmlns:a14="http://schemas.microsoft.com/office/drawing/2010/main" Requires="a14">
+        <mc:AlternateContent xmlns:mc="http://schemas.openxmlformats.org/markup-compatibility/2006" xmlns:a14="http://schemas.microsoft.com/office/drawing/2010/main">
+          <mc:Choice Requires="a14">
             <p:sp>
               <p:nvSpPr>
                 <p:cNvPr id="63" name="TextBox 62"/>
@@ -7791,6 +7811,7 @@
                 </a:bodyPr>
                 <a:lstStyle/>
                 <a:p>
+                  <a:pPr/>
                   <a14:m>
                     <m:oMathPara xmlns:m="http://schemas.openxmlformats.org/officeDocument/2006/math">
                       <m:oMathParaPr>
@@ -7849,7 +7870,7 @@
               </p:txBody>
             </p:sp>
           </mc:Choice>
-          <mc:Fallback>
+          <mc:Fallback xmlns="">
             <p:sp>
               <p:nvSpPr>
                 <p:cNvPr id="63" name="TextBox 62"/>
@@ -7891,5275 +7912,13 @@
       </p:grpSp>
       <p:grpSp>
         <p:nvGrpSpPr>
-          <p:cNvPr id="104" name="Group 103"/>
+          <p:cNvPr id="87" name="Group 86"/>
           <p:cNvGrpSpPr/>
           <p:nvPr/>
         </p:nvGrpSpPr>
         <p:grpSpPr>
           <a:xfrm>
-            <a:off x="6380410" y="327618"/>
-            <a:ext cx="4031829" cy="2634394"/>
-            <a:chOff x="6380410" y="327618"/>
-            <a:chExt cx="4031829" cy="2634394"/>
-          </a:xfrm>
-        </p:grpSpPr>
-        <p:grpSp>
-          <p:nvGrpSpPr>
-            <p:cNvPr id="92" name="Group 91"/>
-            <p:cNvGrpSpPr/>
-            <p:nvPr/>
-          </p:nvGrpSpPr>
-          <p:grpSpPr>
-            <a:xfrm>
-              <a:off x="6380410" y="626354"/>
-              <a:ext cx="4031829" cy="2335658"/>
-              <a:chOff x="5672271" y="170059"/>
-              <a:chExt cx="4031829" cy="2335658"/>
-            </a:xfrm>
-          </p:grpSpPr>
-          <p:grpSp>
-            <p:nvGrpSpPr>
-              <p:cNvPr id="68" name="Group 67"/>
-              <p:cNvGrpSpPr/>
-              <p:nvPr/>
-            </p:nvGrpSpPr>
-            <p:grpSpPr>
-              <a:xfrm>
-                <a:off x="5672271" y="170059"/>
-                <a:ext cx="4031829" cy="2335658"/>
-                <a:chOff x="744676" y="594879"/>
-                <a:chExt cx="4031829" cy="2335658"/>
-              </a:xfrm>
-            </p:grpSpPr>
-            <p:grpSp>
-              <p:nvGrpSpPr>
-                <p:cNvPr id="69" name="Group 68"/>
-                <p:cNvGrpSpPr/>
-                <p:nvPr/>
-              </p:nvGrpSpPr>
-              <p:grpSpPr>
-                <a:xfrm>
-                  <a:off x="744676" y="1075899"/>
-                  <a:ext cx="4031829" cy="1854638"/>
-                  <a:chOff x="923095" y="2146416"/>
-                  <a:chExt cx="4031829" cy="1854638"/>
-                </a:xfrm>
-              </p:grpSpPr>
-              <p:sp>
-                <p:nvSpPr>
-                  <p:cNvPr id="72" name="Rectangle 71"/>
-                  <p:cNvSpPr/>
-                  <p:nvPr/>
-                </p:nvSpPr>
-                <p:spPr>
-                  <a:xfrm>
-                    <a:off x="1099058" y="2932955"/>
-                    <a:ext cx="3746810" cy="189569"/>
-                  </a:xfrm>
-                  <a:prstGeom prst="rect">
-                    <a:avLst/>
-                  </a:prstGeom>
-                  <a:solidFill>
-                    <a:schemeClr val="bg2">
-                      <a:lumMod val="90000"/>
-                    </a:schemeClr>
-                  </a:solidFill>
-                  <a:ln w="38100">
-                    <a:solidFill>
-                      <a:schemeClr val="tx1"/>
-                    </a:solidFill>
-                  </a:ln>
-                </p:spPr>
-                <p:style>
-                  <a:lnRef idx="2">
-                    <a:schemeClr val="accent1">
-                      <a:shade val="50000"/>
-                    </a:schemeClr>
-                  </a:lnRef>
-                  <a:fillRef idx="1">
-                    <a:schemeClr val="accent1"/>
-                  </a:fillRef>
-                  <a:effectRef idx="0">
-                    <a:schemeClr val="accent1"/>
-                  </a:effectRef>
-                  <a:fontRef idx="minor">
-                    <a:schemeClr val="lt1"/>
-                  </a:fontRef>
-                </p:style>
-                <p:txBody>
-                  <a:bodyPr rtlCol="0" anchor="ctr"/>
-                  <a:lstStyle/>
-                  <a:p>
-                    <a:pPr algn="ctr"/>
-                    <a:endParaRPr lang="en-US"/>
-                  </a:p>
-                </p:txBody>
-              </p:sp>
-              <p:sp>
-                <p:nvSpPr>
-                  <p:cNvPr id="73" name="Rectangle 72"/>
-                  <p:cNvSpPr/>
-                  <p:nvPr/>
-                </p:nvSpPr>
-                <p:spPr>
-                  <a:xfrm>
-                    <a:off x="1527717" y="2326592"/>
-                    <a:ext cx="657922" cy="602166"/>
-                  </a:xfrm>
-                  <a:prstGeom prst="rect">
-                    <a:avLst/>
-                  </a:prstGeom>
-                  <a:solidFill>
-                    <a:schemeClr val="bg2"/>
-                  </a:solidFill>
-                  <a:ln w="38100">
-                    <a:solidFill>
-                      <a:schemeClr val="tx1"/>
-                    </a:solidFill>
-                  </a:ln>
-                </p:spPr>
-                <p:style>
-                  <a:lnRef idx="2">
-                    <a:schemeClr val="accent1">
-                      <a:shade val="50000"/>
-                    </a:schemeClr>
-                  </a:lnRef>
-                  <a:fillRef idx="1">
-                    <a:schemeClr val="accent1"/>
-                  </a:fillRef>
-                  <a:effectRef idx="0">
-                    <a:schemeClr val="accent1"/>
-                  </a:effectRef>
-                  <a:fontRef idx="minor">
-                    <a:schemeClr val="lt1"/>
-                  </a:fontRef>
-                </p:style>
-                <p:txBody>
-                  <a:bodyPr rtlCol="0" anchor="ctr"/>
-                  <a:lstStyle/>
-                  <a:p>
-                    <a:pPr algn="ctr"/>
-                    <a:endParaRPr lang="en-US" dirty="0"/>
-                  </a:p>
-                </p:txBody>
-              </p:sp>
-              <p:grpSp>
-                <p:nvGrpSpPr>
-                  <p:cNvPr id="74" name="Group 73"/>
-                  <p:cNvGrpSpPr/>
-                  <p:nvPr/>
-                </p:nvGrpSpPr>
-                <p:grpSpPr>
-                  <a:xfrm>
-                    <a:off x="923095" y="3442520"/>
-                    <a:ext cx="4031829" cy="558534"/>
-                    <a:chOff x="919312" y="3331012"/>
-                    <a:chExt cx="4031829" cy="558534"/>
-                  </a:xfrm>
-                </p:grpSpPr>
-                <p:cxnSp>
-                  <p:nvCxnSpPr>
-                    <p:cNvPr id="83" name="Straight Arrow Connector 82"/>
-                    <p:cNvCxnSpPr/>
-                    <p:nvPr/>
-                  </p:nvCxnSpPr>
-                  <p:spPr>
-                    <a:xfrm flipV="1">
-                      <a:off x="1025912" y="3438955"/>
-                      <a:ext cx="3925229" cy="1"/>
-                    </a:xfrm>
-                    <a:prstGeom prst="straightConnector1">
-                      <a:avLst/>
-                    </a:prstGeom>
-                    <a:ln w="38100">
-                      <a:solidFill>
-                        <a:schemeClr val="tx1"/>
-                      </a:solidFill>
-                      <a:tailEnd type="triangle"/>
-                    </a:ln>
-                  </p:spPr>
-                  <p:style>
-                    <a:lnRef idx="1">
-                      <a:schemeClr val="accent1"/>
-                    </a:lnRef>
-                    <a:fillRef idx="0">
-                      <a:schemeClr val="accent1"/>
-                    </a:fillRef>
-                    <a:effectRef idx="0">
-                      <a:schemeClr val="accent1"/>
-                    </a:effectRef>
-                    <a:fontRef idx="minor">
-                      <a:schemeClr val="tx1"/>
-                    </a:fontRef>
-                  </p:style>
-                </p:cxnSp>
-                <mc:AlternateContent xmlns:mc="http://schemas.openxmlformats.org/markup-compatibility/2006">
-                  <mc:Choice xmlns:a14="http://schemas.microsoft.com/office/drawing/2010/main" Requires="a14">
-                    <p:sp>
-                      <p:nvSpPr>
-                        <p:cNvPr id="84" name="Rectangle 83"/>
-                        <p:cNvSpPr/>
-                        <p:nvPr/>
-                      </p:nvSpPr>
-                      <p:spPr>
-                        <a:xfrm>
-                          <a:off x="4404738" y="3438955"/>
-                          <a:ext cx="367985" cy="369332"/>
-                        </a:xfrm>
-                        <a:prstGeom prst="rect">
-                          <a:avLst/>
-                        </a:prstGeom>
-                      </p:spPr>
-                      <p:txBody>
-                        <a:bodyPr wrap="square">
-                          <a:spAutoFit/>
-                        </a:bodyPr>
-                        <a:lstStyle/>
-                        <a:p>
-                          <a:pPr/>
-                          <a14:m>
-                            <m:oMathPara xmlns:m="http://schemas.openxmlformats.org/officeDocument/2006/math">
-                              <m:oMathParaPr>
-                                <m:jc m:val="centerGroup"/>
-                              </m:oMathParaPr>
-                              <m:oMath xmlns:m="http://schemas.openxmlformats.org/officeDocument/2006/math">
-                                <m:r>
-                                  <a:rPr lang="en-US" i="1">
-                                    <a:latin typeface="Cambria Math" panose="02040503050406030204" pitchFamily="18" charset="0"/>
-                                    <a:cs typeface="Arial" panose="020B0604020202020204" pitchFamily="34" charset="0"/>
-                                  </a:rPr>
-                                  <m:t>𝑥</m:t>
-                                </m:r>
-                              </m:oMath>
-                            </m:oMathPara>
-                          </a14:m>
-                          <a:endParaRPr lang="en-CA" dirty="0"/>
-                        </a:p>
-                      </p:txBody>
-                    </p:sp>
-                  </mc:Choice>
-                  <mc:Fallback>
-                    <p:sp>
-                      <p:nvSpPr>
-                        <p:cNvPr id="84" name="Rectangle 83"/>
-                        <p:cNvSpPr>
-                          <a:spLocks noRot="1" noChangeAspect="1" noMove="1" noResize="1" noEditPoints="1" noAdjustHandles="1" noChangeArrowheads="1" noChangeShapeType="1" noTextEdit="1"/>
-                        </p:cNvSpPr>
-                        <p:nvPr/>
-                      </p:nvSpPr>
-                      <p:spPr>
-                        <a:xfrm>
-                          <a:off x="4404738" y="3438955"/>
-                          <a:ext cx="367985" cy="369332"/>
-                        </a:xfrm>
-                        <a:prstGeom prst="rect">
-                          <a:avLst/>
-                        </a:prstGeom>
-                        <a:blipFill>
-                          <a:blip r:embed="rId24"/>
-                          <a:stretch>
-                            <a:fillRect/>
-                          </a:stretch>
-                        </a:blipFill>
-                      </p:spPr>
-                      <p:txBody>
-                        <a:bodyPr/>
-                        <a:lstStyle/>
-                        <a:p>
-                          <a:r>
-                            <a:rPr lang="en-US">
-                              <a:noFill/>
-                            </a:rPr>
-                            <a:t> </a:t>
-                          </a:r>
-                        </a:p>
-                      </p:txBody>
-                    </p:sp>
-                  </mc:Fallback>
-                </mc:AlternateContent>
-                <mc:AlternateContent xmlns:mc="http://schemas.openxmlformats.org/markup-compatibility/2006">
-                  <mc:Choice xmlns:a14="http://schemas.microsoft.com/office/drawing/2010/main" Requires="a14">
-                    <p:sp>
-                      <p:nvSpPr>
-                        <p:cNvPr id="85" name="TextBox 84"/>
-                        <p:cNvSpPr txBox="1"/>
-                        <p:nvPr/>
-                      </p:nvSpPr>
-                      <p:spPr>
-                        <a:xfrm>
-                          <a:off x="919312" y="3581769"/>
-                          <a:ext cx="213200" cy="307777"/>
-                        </a:xfrm>
-                        <a:prstGeom prst="rect">
-                          <a:avLst/>
-                        </a:prstGeom>
-                        <a:noFill/>
-                      </p:spPr>
-                      <p:txBody>
-                        <a:bodyPr wrap="none" lIns="0" tIns="0" rIns="0" bIns="0" rtlCol="0">
-                          <a:spAutoFit/>
-                        </a:bodyPr>
-                        <a:lstStyle/>
-                        <a:p>
-                          <a14:m>
-                            <m:oMathPara xmlns:m="http://schemas.openxmlformats.org/officeDocument/2006/math">
-                              <m:oMathParaPr>
-                                <m:jc m:val="centerGroup"/>
-                              </m:oMathParaPr>
-                              <m:oMath xmlns:m="http://schemas.openxmlformats.org/officeDocument/2006/math">
-                                <m:r>
-                                  <a:rPr lang="en-US" sz="2000" b="0" i="1" smtClean="0">
-                                    <a:latin typeface="Cambria Math" panose="02040503050406030204" pitchFamily="18" charset="0"/>
-                                    <a:cs typeface="Arial" panose="020B0604020202020204" pitchFamily="34" charset="0"/>
-                                  </a:rPr>
-                                  <m:t>0</m:t>
-                                </m:r>
-                              </m:oMath>
-                            </m:oMathPara>
-                          </a14:m>
-                          <a:endParaRPr lang="en-US" sz="2000" dirty="0" smtClean="0">
-                            <a:latin typeface="Arial" panose="020B0604020202020204" pitchFamily="34" charset="0"/>
-                            <a:cs typeface="Arial" panose="020B0604020202020204" pitchFamily="34" charset="0"/>
-                          </a:endParaRPr>
-                        </a:p>
-                      </p:txBody>
-                    </p:sp>
-                  </mc:Choice>
-                  <mc:Fallback>
-                    <p:sp>
-                      <p:nvSpPr>
-                        <p:cNvPr id="85" name="TextBox 84"/>
-                        <p:cNvSpPr txBox="1">
-                          <a:spLocks noRot="1" noChangeAspect="1" noMove="1" noResize="1" noEditPoints="1" noAdjustHandles="1" noChangeArrowheads="1" noChangeShapeType="1" noTextEdit="1"/>
-                        </p:cNvSpPr>
-                        <p:nvPr/>
-                      </p:nvSpPr>
-                      <p:spPr>
-                        <a:xfrm>
-                          <a:off x="919312" y="3581769"/>
-                          <a:ext cx="213200" cy="307777"/>
-                        </a:xfrm>
-                        <a:prstGeom prst="rect">
-                          <a:avLst/>
-                        </a:prstGeom>
-                        <a:blipFill>
-                          <a:blip r:embed="rId25"/>
-                          <a:stretch>
-                            <a:fillRect l="-25714" r="-22857" b="-9804"/>
-                          </a:stretch>
-                        </a:blipFill>
-                      </p:spPr>
-                      <p:txBody>
-                        <a:bodyPr/>
-                        <a:lstStyle/>
-                        <a:p>
-                          <a:r>
-                            <a:rPr lang="en-US">
-                              <a:noFill/>
-                            </a:rPr>
-                            <a:t> </a:t>
-                          </a:r>
-                        </a:p>
-                      </p:txBody>
-                    </p:sp>
-                  </mc:Fallback>
-                </mc:AlternateContent>
-                <p:cxnSp>
-                  <p:nvCxnSpPr>
-                    <p:cNvPr id="86" name="Straight Connector 85"/>
-                    <p:cNvCxnSpPr/>
-                    <p:nvPr/>
-                  </p:nvCxnSpPr>
-                  <p:spPr>
-                    <a:xfrm flipV="1">
-                      <a:off x="1099058" y="3331012"/>
-                      <a:ext cx="0" cy="239606"/>
-                    </a:xfrm>
-                    <a:prstGeom prst="line">
-                      <a:avLst/>
-                    </a:prstGeom>
-                    <a:ln w="38100">
-                      <a:solidFill>
-                        <a:schemeClr val="tx1"/>
-                      </a:solidFill>
-                    </a:ln>
-                  </p:spPr>
-                  <p:style>
-                    <a:lnRef idx="1">
-                      <a:schemeClr val="accent1"/>
-                    </a:lnRef>
-                    <a:fillRef idx="0">
-                      <a:schemeClr val="accent1"/>
-                    </a:fillRef>
-                    <a:effectRef idx="0">
-                      <a:schemeClr val="accent1"/>
-                    </a:effectRef>
-                    <a:fontRef idx="minor">
-                      <a:schemeClr val="tx1"/>
-                    </a:fontRef>
-                  </p:style>
-                </p:cxnSp>
-              </p:grpSp>
-              <p:cxnSp>
-                <p:nvCxnSpPr>
-                  <p:cNvPr id="75" name="Straight Arrow Connector 74"/>
-                  <p:cNvCxnSpPr/>
-                  <p:nvPr/>
-                </p:nvCxnSpPr>
-                <p:spPr>
-                  <a:xfrm flipV="1">
-                    <a:off x="2208738" y="2291438"/>
-                    <a:ext cx="664516" cy="336237"/>
-                  </a:xfrm>
-                  <a:prstGeom prst="straightConnector1">
-                    <a:avLst/>
-                  </a:prstGeom>
-                  <a:ln w="38100">
-                    <a:solidFill>
-                      <a:schemeClr val="tx1"/>
-                    </a:solidFill>
-                    <a:tailEnd type="triangle"/>
-                  </a:ln>
-                </p:spPr>
-                <p:style>
-                  <a:lnRef idx="1">
-                    <a:schemeClr val="accent1"/>
-                  </a:lnRef>
-                  <a:fillRef idx="0">
-                    <a:schemeClr val="accent1"/>
-                  </a:fillRef>
-                  <a:effectRef idx="0">
-                    <a:schemeClr val="accent1"/>
-                  </a:effectRef>
-                  <a:fontRef idx="minor">
-                    <a:schemeClr val="tx1"/>
-                  </a:fontRef>
-                </p:style>
-              </p:cxnSp>
-              <p:cxnSp>
-                <p:nvCxnSpPr>
-                  <p:cNvPr id="76" name="Straight Connector 75"/>
-                  <p:cNvCxnSpPr>
-                    <a:endCxn id="78" idx="0"/>
-                  </p:cNvCxnSpPr>
-                  <p:nvPr/>
-                </p:nvCxnSpPr>
-                <p:spPr>
-                  <a:xfrm>
-                    <a:off x="1523951" y="2928758"/>
-                    <a:ext cx="11151" cy="583351"/>
-                  </a:xfrm>
-                  <a:prstGeom prst="line">
-                    <a:avLst/>
-                  </a:prstGeom>
-                  <a:ln w="19050">
-                    <a:solidFill>
-                      <a:schemeClr val="tx1"/>
-                    </a:solidFill>
-                    <a:prstDash val="sysDot"/>
-                  </a:ln>
-                </p:spPr>
-                <p:style>
-                  <a:lnRef idx="1">
-                    <a:schemeClr val="accent1"/>
-                  </a:lnRef>
-                  <a:fillRef idx="0">
-                    <a:schemeClr val="accent1"/>
-                  </a:fillRef>
-                  <a:effectRef idx="0">
-                    <a:schemeClr val="accent1"/>
-                  </a:effectRef>
-                  <a:fontRef idx="minor">
-                    <a:schemeClr val="tx1"/>
-                  </a:fontRef>
-                </p:style>
-              </p:cxnSp>
-              <p:cxnSp>
-                <p:nvCxnSpPr>
-                  <p:cNvPr id="77" name="Straight Connector 76"/>
-                  <p:cNvCxnSpPr>
-                    <a:endCxn id="79" idx="0"/>
-                  </p:cNvCxnSpPr>
-                  <p:nvPr/>
-                </p:nvCxnSpPr>
-                <p:spPr>
-                  <a:xfrm>
-                    <a:off x="3349034" y="2931093"/>
-                    <a:ext cx="0" cy="581015"/>
-                  </a:xfrm>
-                  <a:prstGeom prst="line">
-                    <a:avLst/>
-                  </a:prstGeom>
-                  <a:ln w="19050">
-                    <a:solidFill>
-                      <a:schemeClr val="tx1"/>
-                    </a:solidFill>
-                    <a:prstDash val="sysDot"/>
-                  </a:ln>
-                </p:spPr>
-                <p:style>
-                  <a:lnRef idx="1">
-                    <a:schemeClr val="accent1"/>
-                  </a:lnRef>
-                  <a:fillRef idx="0">
-                    <a:schemeClr val="accent1"/>
-                  </a:fillRef>
-                  <a:effectRef idx="0">
-                    <a:schemeClr val="accent1"/>
-                  </a:effectRef>
-                  <a:fontRef idx="minor">
-                    <a:schemeClr val="tx1"/>
-                  </a:fontRef>
-                </p:style>
-              </p:cxnSp>
-              <mc:AlternateContent xmlns:mc="http://schemas.openxmlformats.org/markup-compatibility/2006">
-                <mc:Choice xmlns:a14="http://schemas.microsoft.com/office/drawing/2010/main" Requires="a14">
-                  <p:sp>
-                    <p:nvSpPr>
-                      <p:cNvPr id="78" name="TextBox 77"/>
-                      <p:cNvSpPr txBox="1"/>
-                      <p:nvPr/>
-                    </p:nvSpPr>
-                    <p:spPr>
-                      <a:xfrm>
-                        <a:off x="1373134" y="3512109"/>
-                        <a:ext cx="323935" cy="307777"/>
-                      </a:xfrm>
-                      <a:prstGeom prst="rect">
-                        <a:avLst/>
-                      </a:prstGeom>
-                      <a:noFill/>
-                    </p:spPr>
-                    <p:txBody>
-                      <a:bodyPr wrap="none" lIns="0" tIns="0" rIns="0" bIns="0" rtlCol="0">
-                        <a:spAutoFit/>
-                      </a:bodyPr>
-                      <a:lstStyle/>
-                      <a:p>
-                        <a14:m>
-                          <m:oMathPara xmlns:m="http://schemas.openxmlformats.org/officeDocument/2006/math">
-                            <m:oMathParaPr>
-                              <m:jc m:val="centerGroup"/>
-                            </m:oMathParaPr>
-                            <m:oMath xmlns:m="http://schemas.openxmlformats.org/officeDocument/2006/math">
-                              <m:sSub>
-                                <m:sSubPr>
-                                  <m:ctrlPr>
-                                    <a:rPr lang="en-US" sz="2000" b="0" i="1" smtClean="0">
-                                      <a:latin typeface="Cambria Math" panose="02040503050406030204" pitchFamily="18" charset="0"/>
-                                      <a:cs typeface="Arial" panose="020B0604020202020204" pitchFamily="34" charset="0"/>
-                                    </a:rPr>
-                                  </m:ctrlPr>
-                                </m:sSubPr>
-                                <m:e>
-                                  <m:r>
-                                    <a:rPr lang="en-US" sz="2000" b="0" i="1" smtClean="0">
-                                      <a:latin typeface="Cambria Math" panose="02040503050406030204" pitchFamily="18" charset="0"/>
-                                      <a:cs typeface="Arial" panose="020B0604020202020204" pitchFamily="34" charset="0"/>
-                                    </a:rPr>
-                                    <m:t>𝑥</m:t>
-                                  </m:r>
-                                </m:e>
-                                <m:sub>
-                                  <m:r>
-                                    <a:rPr lang="en-US" sz="2000" b="0" i="1" smtClean="0">
-                                      <a:latin typeface="Cambria Math" panose="02040503050406030204" pitchFamily="18" charset="0"/>
-                                      <a:cs typeface="Arial" panose="020B0604020202020204" pitchFamily="34" charset="0"/>
-                                    </a:rPr>
-                                    <m:t>0</m:t>
-                                  </m:r>
-                                </m:sub>
-                              </m:sSub>
-                            </m:oMath>
-                          </m:oMathPara>
-                        </a14:m>
-                        <a:endParaRPr lang="en-US" sz="2000" dirty="0" smtClean="0">
-                          <a:latin typeface="Arial" panose="020B0604020202020204" pitchFamily="34" charset="0"/>
-                          <a:cs typeface="Arial" panose="020B0604020202020204" pitchFamily="34" charset="0"/>
-                        </a:endParaRPr>
-                      </a:p>
-                    </p:txBody>
-                  </p:sp>
-                </mc:Choice>
-                <mc:Fallback>
-                  <p:sp>
-                    <p:nvSpPr>
-                      <p:cNvPr id="78" name="TextBox 77"/>
-                      <p:cNvSpPr txBox="1">
-                        <a:spLocks noRot="1" noChangeAspect="1" noMove="1" noResize="1" noEditPoints="1" noAdjustHandles="1" noChangeArrowheads="1" noChangeShapeType="1" noTextEdit="1"/>
-                      </p:cNvSpPr>
-                      <p:nvPr/>
-                    </p:nvSpPr>
-                    <p:spPr>
-                      <a:xfrm>
-                        <a:off x="1373134" y="3512109"/>
-                        <a:ext cx="323935" cy="307777"/>
-                      </a:xfrm>
-                      <a:prstGeom prst="rect">
-                        <a:avLst/>
-                      </a:prstGeom>
-                      <a:blipFill>
-                        <a:blip r:embed="rId26"/>
-                        <a:stretch>
-                          <a:fillRect l="-7407" r="-5556" b="-20000"/>
-                        </a:stretch>
-                      </a:blipFill>
-                    </p:spPr>
-                    <p:txBody>
-                      <a:bodyPr/>
-                      <a:lstStyle/>
-                      <a:p>
-                        <a:r>
-                          <a:rPr lang="en-US">
-                            <a:noFill/>
-                          </a:rPr>
-                          <a:t> </a:t>
-                        </a:r>
-                      </a:p>
-                    </p:txBody>
-                  </p:sp>
-                </mc:Fallback>
-              </mc:AlternateContent>
-              <mc:AlternateContent xmlns:mc="http://schemas.openxmlformats.org/markup-compatibility/2006">
-                <mc:Choice xmlns:a14="http://schemas.microsoft.com/office/drawing/2010/main" Requires="a14">
-                  <p:sp>
-                    <p:nvSpPr>
-                      <p:cNvPr id="79" name="TextBox 78"/>
-                      <p:cNvSpPr txBox="1"/>
-                      <p:nvPr/>
-                    </p:nvSpPr>
-                    <p:spPr>
-                      <a:xfrm>
-                        <a:off x="3187066" y="3512108"/>
-                        <a:ext cx="323935" cy="307777"/>
-                      </a:xfrm>
-                      <a:prstGeom prst="rect">
-                        <a:avLst/>
-                      </a:prstGeom>
-                      <a:noFill/>
-                    </p:spPr>
-                    <p:txBody>
-                      <a:bodyPr wrap="none" lIns="0" tIns="0" rIns="0" bIns="0" rtlCol="0">
-                        <a:spAutoFit/>
-                      </a:bodyPr>
-                      <a:lstStyle/>
-                      <a:p>
-                        <a14:m>
-                          <m:oMathPara xmlns:m="http://schemas.openxmlformats.org/officeDocument/2006/math">
-                            <m:oMathParaPr>
-                              <m:jc m:val="centerGroup"/>
-                            </m:oMathParaPr>
-                            <m:oMath xmlns:m="http://schemas.openxmlformats.org/officeDocument/2006/math">
-                              <m:sSub>
-                                <m:sSubPr>
-                                  <m:ctrlPr>
-                                    <a:rPr lang="en-US" sz="2000" b="0" i="1" smtClean="0">
-                                      <a:latin typeface="Cambria Math" panose="02040503050406030204" pitchFamily="18" charset="0"/>
-                                      <a:cs typeface="Arial" panose="020B0604020202020204" pitchFamily="34" charset="0"/>
-                                    </a:rPr>
-                                  </m:ctrlPr>
-                                </m:sSubPr>
-                                <m:e>
-                                  <m:r>
-                                    <a:rPr lang="en-US" sz="2000" b="0" i="1" smtClean="0">
-                                      <a:latin typeface="Cambria Math" panose="02040503050406030204" pitchFamily="18" charset="0"/>
-                                      <a:cs typeface="Arial" panose="020B0604020202020204" pitchFamily="34" charset="0"/>
-                                    </a:rPr>
-                                    <m:t>𝑥</m:t>
-                                  </m:r>
-                                </m:e>
-                                <m:sub>
-                                  <m:r>
-                                    <a:rPr lang="en-US" sz="2000" b="0" i="1" smtClean="0">
-                                      <a:latin typeface="Cambria Math" panose="02040503050406030204" pitchFamily="18" charset="0"/>
-                                      <a:cs typeface="Arial" panose="020B0604020202020204" pitchFamily="34" charset="0"/>
-                                    </a:rPr>
-                                    <m:t>1</m:t>
-                                  </m:r>
-                                </m:sub>
-                              </m:sSub>
-                            </m:oMath>
-                          </m:oMathPara>
-                        </a14:m>
-                        <a:endParaRPr lang="en-US" sz="2000" dirty="0" smtClean="0">
-                          <a:latin typeface="Arial" panose="020B0604020202020204" pitchFamily="34" charset="0"/>
-                          <a:cs typeface="Arial" panose="020B0604020202020204" pitchFamily="34" charset="0"/>
-                        </a:endParaRPr>
-                      </a:p>
-                    </p:txBody>
-                  </p:sp>
-                </mc:Choice>
-                <mc:Fallback>
-                  <p:sp>
-                    <p:nvSpPr>
-                      <p:cNvPr id="79" name="TextBox 78"/>
-                      <p:cNvSpPr txBox="1">
-                        <a:spLocks noRot="1" noChangeAspect="1" noMove="1" noResize="1" noEditPoints="1" noAdjustHandles="1" noChangeArrowheads="1" noChangeShapeType="1" noTextEdit="1"/>
-                      </p:cNvSpPr>
-                      <p:nvPr/>
-                    </p:nvSpPr>
-                    <p:spPr>
-                      <a:xfrm>
-                        <a:off x="3187066" y="3512108"/>
-                        <a:ext cx="323935" cy="307777"/>
-                      </a:xfrm>
-                      <a:prstGeom prst="rect">
-                        <a:avLst/>
-                      </a:prstGeom>
-                      <a:blipFill>
-                        <a:blip r:embed="rId27"/>
-                        <a:stretch>
-                          <a:fillRect l="-7547" r="-3774" b="-20000"/>
-                        </a:stretch>
-                      </a:blipFill>
-                    </p:spPr>
-                    <p:txBody>
-                      <a:bodyPr/>
-                      <a:lstStyle/>
-                      <a:p>
-                        <a:r>
-                          <a:rPr lang="en-US">
-                            <a:noFill/>
-                          </a:rPr>
-                          <a:t> </a:t>
-                        </a:r>
-                      </a:p>
-                    </p:txBody>
-                  </p:sp>
-                </mc:Fallback>
-              </mc:AlternateContent>
-              <p:cxnSp>
-                <p:nvCxnSpPr>
-                  <p:cNvPr id="80" name="Straight Arrow Connector 79"/>
-                  <p:cNvCxnSpPr/>
-                  <p:nvPr/>
-                </p:nvCxnSpPr>
-                <p:spPr>
-                  <a:xfrm>
-                    <a:off x="1523952" y="3244478"/>
-                    <a:ext cx="1825082" cy="0"/>
-                  </a:xfrm>
-                  <a:prstGeom prst="straightConnector1">
-                    <a:avLst/>
-                  </a:prstGeom>
-                  <a:ln w="38100">
-                    <a:solidFill>
-                      <a:schemeClr val="tx1"/>
-                    </a:solidFill>
-                    <a:headEnd type="triangle"/>
-                    <a:tailEnd type="triangle"/>
-                  </a:ln>
-                </p:spPr>
-                <p:style>
-                  <a:lnRef idx="1">
-                    <a:schemeClr val="accent1"/>
-                  </a:lnRef>
-                  <a:fillRef idx="0">
-                    <a:schemeClr val="accent1"/>
-                  </a:fillRef>
-                  <a:effectRef idx="0">
-                    <a:schemeClr val="accent1"/>
-                  </a:effectRef>
-                  <a:fontRef idx="minor">
-                    <a:schemeClr val="tx1"/>
-                  </a:fontRef>
-                </p:style>
-              </p:cxnSp>
-              <mc:AlternateContent xmlns:mc="http://schemas.openxmlformats.org/markup-compatibility/2006">
-                <mc:Choice xmlns:a14="http://schemas.microsoft.com/office/drawing/2010/main" Requires="a14">
-                  <p:sp>
-                    <p:nvSpPr>
-                      <p:cNvPr id="81" name="TextBox 80"/>
-                      <p:cNvSpPr txBox="1"/>
-                      <p:nvPr/>
-                    </p:nvSpPr>
-                    <p:spPr>
-                      <a:xfrm>
-                        <a:off x="2253077" y="3205083"/>
-                        <a:ext cx="366832" cy="307777"/>
-                      </a:xfrm>
-                      <a:prstGeom prst="rect">
-                        <a:avLst/>
-                      </a:prstGeom>
-                      <a:noFill/>
-                    </p:spPr>
-                    <p:txBody>
-                      <a:bodyPr wrap="none" lIns="0" tIns="0" rIns="0" bIns="0" rtlCol="0">
-                        <a:spAutoFit/>
-                      </a:bodyPr>
-                      <a:lstStyle/>
-                      <a:p>
-                        <a14:m>
-                          <m:oMathPara xmlns:m="http://schemas.openxmlformats.org/officeDocument/2006/math">
-                            <m:oMathParaPr>
-                              <m:jc m:val="centerGroup"/>
-                            </m:oMathParaPr>
-                            <m:oMath xmlns:m="http://schemas.openxmlformats.org/officeDocument/2006/math">
-                              <m:r>
-                                <m:rPr>
-                                  <m:sty m:val="p"/>
-                                </m:rPr>
-                                <a:rPr lang="en-US" sz="2000" b="0" i="0" smtClean="0">
-                                  <a:latin typeface="Cambria Math" panose="02040503050406030204" pitchFamily="18" charset="0"/>
-                                  <a:cs typeface="Arial" panose="020B0604020202020204" pitchFamily="34" charset="0"/>
-                                </a:rPr>
-                                <m:t>Δ</m:t>
-                              </m:r>
-                              <m:r>
-                                <a:rPr lang="en-US" sz="2000" b="0" i="1" smtClean="0">
-                                  <a:latin typeface="Cambria Math" panose="02040503050406030204" pitchFamily="18" charset="0"/>
-                                  <a:cs typeface="Arial" panose="020B0604020202020204" pitchFamily="34" charset="0"/>
-                                </a:rPr>
-                                <m:t>𝑥</m:t>
-                              </m:r>
-                            </m:oMath>
-                          </m:oMathPara>
-                        </a14:m>
-                        <a:endParaRPr lang="en-US" sz="2000" dirty="0" smtClean="0">
-                          <a:latin typeface="Arial" panose="020B0604020202020204" pitchFamily="34" charset="0"/>
-                          <a:cs typeface="Arial" panose="020B0604020202020204" pitchFamily="34" charset="0"/>
-                        </a:endParaRPr>
-                      </a:p>
-                    </p:txBody>
-                  </p:sp>
-                </mc:Choice>
-                <mc:Fallback>
-                  <p:sp>
-                    <p:nvSpPr>
-                      <p:cNvPr id="81" name="TextBox 80"/>
-                      <p:cNvSpPr txBox="1">
-                        <a:spLocks noRot="1" noChangeAspect="1" noMove="1" noResize="1" noEditPoints="1" noAdjustHandles="1" noChangeArrowheads="1" noChangeShapeType="1" noTextEdit="1"/>
-                      </p:cNvSpPr>
-                      <p:nvPr/>
-                    </p:nvSpPr>
-                    <p:spPr>
-                      <a:xfrm>
-                        <a:off x="2253077" y="3205083"/>
-                        <a:ext cx="366832" cy="307777"/>
-                      </a:xfrm>
-                      <a:prstGeom prst="rect">
-                        <a:avLst/>
-                      </a:prstGeom>
-                      <a:blipFill>
-                        <a:blip r:embed="rId28"/>
-                        <a:stretch>
-                          <a:fillRect l="-15000" r="-5000" b="-9804"/>
-                        </a:stretch>
-                      </a:blipFill>
-                    </p:spPr>
-                    <p:txBody>
-                      <a:bodyPr/>
-                      <a:lstStyle/>
-                      <a:p>
-                        <a:r>
-                          <a:rPr lang="en-US">
-                            <a:noFill/>
-                          </a:rPr>
-                          <a:t> </a:t>
-                        </a:r>
-                      </a:p>
-                    </p:txBody>
-                  </p:sp>
-                </mc:Fallback>
-              </mc:AlternateContent>
-              <mc:AlternateContent xmlns:mc="http://schemas.openxmlformats.org/markup-compatibility/2006">
-                <mc:Choice xmlns:a14="http://schemas.microsoft.com/office/drawing/2010/main" Requires="a14">
-                  <p:sp>
-                    <p:nvSpPr>
-                      <p:cNvPr id="82" name="TextBox 81"/>
-                      <p:cNvSpPr txBox="1"/>
-                      <p:nvPr/>
-                    </p:nvSpPr>
-                    <p:spPr>
-                      <a:xfrm>
-                        <a:off x="2327610" y="2146416"/>
-                        <a:ext cx="237629" cy="345159"/>
-                      </a:xfrm>
-                      <a:prstGeom prst="rect">
-                        <a:avLst/>
-                      </a:prstGeom>
-                      <a:noFill/>
-                    </p:spPr>
-                    <p:txBody>
-                      <a:bodyPr wrap="none" lIns="0" tIns="0" rIns="0" bIns="0" rtlCol="0">
-                        <a:spAutoFit/>
-                      </a:bodyPr>
-                      <a:lstStyle/>
-                      <a:p>
-                        <a14:m>
-                          <m:oMathPara xmlns:m="http://schemas.openxmlformats.org/officeDocument/2006/math">
-                            <m:oMathParaPr>
-                              <m:jc m:val="centerGroup"/>
-                            </m:oMathParaPr>
-                            <m:oMath xmlns:m="http://schemas.openxmlformats.org/officeDocument/2006/math">
-                              <m:acc>
-                                <m:accPr>
-                                  <m:chr m:val="⃗"/>
-                                  <m:ctrlPr>
-                                    <a:rPr lang="en-US" sz="2000" b="0" i="1" smtClean="0">
-                                      <a:latin typeface="Cambria Math" panose="02040503050406030204" pitchFamily="18" charset="0"/>
-                                      <a:cs typeface="Arial" panose="020B0604020202020204" pitchFamily="34" charset="0"/>
-                                    </a:rPr>
-                                  </m:ctrlPr>
-                                </m:accPr>
-                                <m:e>
-                                  <m:r>
-                                    <a:rPr lang="en-US" sz="2000" b="0" i="1" smtClean="0">
-                                      <a:latin typeface="Cambria Math" panose="02040503050406030204" pitchFamily="18" charset="0"/>
-                                      <a:cs typeface="Arial" panose="020B0604020202020204" pitchFamily="34" charset="0"/>
-                                    </a:rPr>
-                                    <m:t>𝐹</m:t>
-                                  </m:r>
-                                </m:e>
-                              </m:acc>
-                            </m:oMath>
-                          </m:oMathPara>
-                        </a14:m>
-                        <a:endParaRPr lang="en-US" sz="2000" dirty="0" smtClean="0">
-                          <a:latin typeface="Arial" panose="020B0604020202020204" pitchFamily="34" charset="0"/>
-                          <a:cs typeface="Arial" panose="020B0604020202020204" pitchFamily="34" charset="0"/>
-                        </a:endParaRPr>
-                      </a:p>
-                    </p:txBody>
-                  </p:sp>
-                </mc:Choice>
-                <mc:Fallback>
-                  <p:sp>
-                    <p:nvSpPr>
-                      <p:cNvPr id="82" name="TextBox 81"/>
-                      <p:cNvSpPr txBox="1">
-                        <a:spLocks noRot="1" noChangeAspect="1" noMove="1" noResize="1" noEditPoints="1" noAdjustHandles="1" noChangeArrowheads="1" noChangeShapeType="1" noTextEdit="1"/>
-                      </p:cNvSpPr>
-                      <p:nvPr/>
-                    </p:nvSpPr>
-                    <p:spPr>
-                      <a:xfrm>
-                        <a:off x="2327610" y="2146416"/>
-                        <a:ext cx="237629" cy="345159"/>
-                      </a:xfrm>
-                      <a:prstGeom prst="rect">
-                        <a:avLst/>
-                      </a:prstGeom>
-                      <a:blipFill>
-                        <a:blip r:embed="rId29"/>
-                        <a:stretch>
-                          <a:fillRect l="-20513" t="-35714" r="-92308" b="-8929"/>
-                        </a:stretch>
-                      </a:blipFill>
-                    </p:spPr>
-                    <p:txBody>
-                      <a:bodyPr/>
-                      <a:lstStyle/>
-                      <a:p>
-                        <a:r>
-                          <a:rPr lang="en-US">
-                            <a:noFill/>
-                          </a:rPr>
-                          <a:t> </a:t>
-                        </a:r>
-                      </a:p>
-                    </p:txBody>
-                  </p:sp>
-                </mc:Fallback>
-              </mc:AlternateContent>
-            </p:grpSp>
-            <p:cxnSp>
-              <p:nvCxnSpPr>
-                <p:cNvPr id="70" name="Straight Arrow Connector 69"/>
-                <p:cNvCxnSpPr/>
-                <p:nvPr/>
-              </p:nvCxnSpPr>
-              <p:spPr>
-                <a:xfrm>
-                  <a:off x="1329469" y="947854"/>
-                  <a:ext cx="1825082" cy="0"/>
-                </a:xfrm>
-                <a:prstGeom prst="straightConnector1">
-                  <a:avLst/>
-                </a:prstGeom>
-                <a:ln w="38100">
-                  <a:solidFill>
-                    <a:schemeClr val="tx1"/>
-                  </a:solidFill>
-                  <a:tailEnd type="triangle"/>
-                </a:ln>
-              </p:spPr>
-              <p:style>
-                <a:lnRef idx="1">
-                  <a:schemeClr val="accent1"/>
-                </a:lnRef>
-                <a:fillRef idx="0">
-                  <a:schemeClr val="accent1"/>
-                </a:fillRef>
-                <a:effectRef idx="0">
-                  <a:schemeClr val="accent1"/>
-                </a:effectRef>
-                <a:fontRef idx="minor">
-                  <a:schemeClr val="tx1"/>
-                </a:fontRef>
-              </p:style>
-            </p:cxnSp>
-            <mc:AlternateContent xmlns:mc="http://schemas.openxmlformats.org/markup-compatibility/2006">
-              <mc:Choice xmlns:a14="http://schemas.microsoft.com/office/drawing/2010/main" Requires="a14">
-                <p:sp>
-                  <p:nvSpPr>
-                    <p:cNvPr id="71" name="TextBox 70"/>
-                    <p:cNvSpPr txBox="1"/>
-                    <p:nvPr/>
-                  </p:nvSpPr>
-                  <p:spPr>
-                    <a:xfrm>
-                      <a:off x="2351875" y="594879"/>
-                      <a:ext cx="227755" cy="353302"/>
-                    </a:xfrm>
-                    <a:prstGeom prst="rect">
-                      <a:avLst/>
-                    </a:prstGeom>
-                    <a:noFill/>
-                  </p:spPr>
-                  <p:txBody>
-                    <a:bodyPr wrap="none" lIns="0" tIns="0" rIns="0" bIns="0" rtlCol="0">
-                      <a:spAutoFit/>
-                    </a:bodyPr>
-                    <a:lstStyle/>
-                    <a:p>
-                      <a14:m>
-                        <m:oMathPara xmlns:m="http://schemas.openxmlformats.org/officeDocument/2006/math">
-                          <m:oMathParaPr>
-                            <m:jc m:val="centerGroup"/>
-                          </m:oMathParaPr>
-                          <m:oMath xmlns:m="http://schemas.openxmlformats.org/officeDocument/2006/math">
-                            <m:acc>
-                              <m:accPr>
-                                <m:chr m:val="⃗"/>
-                                <m:ctrlPr>
-                                  <a:rPr lang="en-US" sz="2000" b="0" i="1" smtClean="0">
-                                    <a:latin typeface="Cambria Math" panose="02040503050406030204" pitchFamily="18" charset="0"/>
-                                    <a:cs typeface="Arial" panose="020B0604020202020204" pitchFamily="34" charset="0"/>
-                                  </a:rPr>
-                                </m:ctrlPr>
-                              </m:accPr>
-                              <m:e>
-                                <m:r>
-                                  <a:rPr lang="en-US" sz="2000" b="0" i="1" smtClean="0">
-                                    <a:latin typeface="Cambria Math" panose="02040503050406030204" pitchFamily="18" charset="0"/>
-                                    <a:cs typeface="Arial" panose="020B0604020202020204" pitchFamily="34" charset="0"/>
-                                  </a:rPr>
-                                  <m:t>𝑑</m:t>
-                                </m:r>
-                              </m:e>
-                            </m:acc>
-                          </m:oMath>
-                        </m:oMathPara>
-                      </a14:m>
-                      <a:endParaRPr lang="en-US" sz="2000" dirty="0" smtClean="0">
-                        <a:latin typeface="Arial" panose="020B0604020202020204" pitchFamily="34" charset="0"/>
-                        <a:cs typeface="Arial" panose="020B0604020202020204" pitchFamily="34" charset="0"/>
-                      </a:endParaRPr>
-                    </a:p>
-                  </p:txBody>
-                </p:sp>
-              </mc:Choice>
-              <mc:Fallback>
-                <p:sp>
-                  <p:nvSpPr>
-                    <p:cNvPr id="71" name="TextBox 70"/>
-                    <p:cNvSpPr txBox="1">
-                      <a:spLocks noRot="1" noChangeAspect="1" noMove="1" noResize="1" noEditPoints="1" noAdjustHandles="1" noChangeArrowheads="1" noChangeShapeType="1" noTextEdit="1"/>
-                    </p:cNvSpPr>
-                    <p:nvPr/>
-                  </p:nvSpPr>
-                  <p:spPr>
-                    <a:xfrm>
-                      <a:off x="2351875" y="594879"/>
-                      <a:ext cx="227755" cy="353302"/>
-                    </a:xfrm>
-                    <a:prstGeom prst="rect">
-                      <a:avLst/>
-                    </a:prstGeom>
-                    <a:blipFill>
-                      <a:blip r:embed="rId30"/>
-                      <a:stretch>
-                        <a:fillRect l="-23684" t="-34483" r="-92105" b="-8621"/>
-                      </a:stretch>
-                    </a:blipFill>
-                  </p:spPr>
-                  <p:txBody>
-                    <a:bodyPr/>
-                    <a:lstStyle/>
-                    <a:p>
-                      <a:r>
-                        <a:rPr lang="en-US">
-                          <a:noFill/>
-                        </a:rPr>
-                        <a:t> </a:t>
-                      </a:r>
-                    </a:p>
-                  </p:txBody>
-                </p:sp>
-              </mc:Fallback>
-            </mc:AlternateContent>
-          </p:grpSp>
-          <p:cxnSp>
-            <p:nvCxnSpPr>
-              <p:cNvPr id="88" name="Straight Connector 87"/>
-              <p:cNvCxnSpPr/>
-              <p:nvPr/>
-            </p:nvCxnSpPr>
-            <p:spPr>
-              <a:xfrm flipV="1">
-                <a:off x="6934815" y="1131773"/>
-                <a:ext cx="1147331" cy="11716"/>
-              </a:xfrm>
-              <a:prstGeom prst="line">
-                <a:avLst/>
-              </a:prstGeom>
-              <a:ln w="19050">
-                <a:solidFill>
-                  <a:schemeClr val="tx1"/>
-                </a:solidFill>
-                <a:prstDash val="sysDot"/>
-              </a:ln>
-            </p:spPr>
-            <p:style>
-              <a:lnRef idx="1">
-                <a:schemeClr val="accent1"/>
-              </a:lnRef>
-              <a:fillRef idx="0">
-                <a:schemeClr val="accent1"/>
-              </a:fillRef>
-              <a:effectRef idx="0">
-                <a:schemeClr val="accent1"/>
-              </a:effectRef>
-              <a:fontRef idx="minor">
-                <a:schemeClr val="tx1"/>
-              </a:fontRef>
-            </p:style>
-          </p:cxnSp>
-          <mc:AlternateContent xmlns:mc="http://schemas.openxmlformats.org/markup-compatibility/2006">
-            <mc:Choice xmlns:a14="http://schemas.microsoft.com/office/drawing/2010/main" Requires="a14">
-              <p:sp>
-                <p:nvSpPr>
-                  <p:cNvPr id="91" name="TextBox 90"/>
-                  <p:cNvSpPr txBox="1"/>
-                  <p:nvPr/>
-                </p:nvSpPr>
-                <p:spPr>
-                  <a:xfrm>
-                    <a:off x="7523201" y="821897"/>
-                    <a:ext cx="222304" cy="307777"/>
-                  </a:xfrm>
-                  <a:prstGeom prst="rect">
-                    <a:avLst/>
-                  </a:prstGeom>
-                  <a:noFill/>
-                </p:spPr>
-                <p:txBody>
-                  <a:bodyPr wrap="none" lIns="0" tIns="0" rIns="0" bIns="0" rtlCol="0">
-                    <a:spAutoFit/>
-                  </a:bodyPr>
-                  <a:lstStyle/>
-                  <a:p>
-                    <a14:m>
-                      <m:oMathPara xmlns:m="http://schemas.openxmlformats.org/officeDocument/2006/math">
-                        <m:oMathParaPr>
-                          <m:jc m:val="centerGroup"/>
-                        </m:oMathParaPr>
-                        <m:oMath xmlns:m="http://schemas.openxmlformats.org/officeDocument/2006/math">
-                          <m:r>
-                            <a:rPr lang="en-US" sz="2000" b="0" i="1" smtClean="0">
-                              <a:latin typeface="Cambria Math" panose="02040503050406030204" pitchFamily="18" charset="0"/>
-                              <a:cs typeface="Arial" panose="020B0604020202020204" pitchFamily="34" charset="0"/>
-                            </a:rPr>
-                            <m:t>𝜃</m:t>
-                          </m:r>
-                        </m:oMath>
-                      </m:oMathPara>
-                    </a14:m>
-                    <a:endParaRPr lang="en-US" sz="2000" dirty="0" smtClean="0">
-                      <a:latin typeface="Arial" panose="020B0604020202020204" pitchFamily="34" charset="0"/>
-                      <a:cs typeface="Arial" panose="020B0604020202020204" pitchFamily="34" charset="0"/>
-                    </a:endParaRPr>
-                  </a:p>
-                </p:txBody>
-              </p:sp>
-            </mc:Choice>
-            <mc:Fallback>
-              <p:sp>
-                <p:nvSpPr>
-                  <p:cNvPr id="91" name="TextBox 90"/>
-                  <p:cNvSpPr txBox="1">
-                    <a:spLocks noRot="1" noChangeAspect="1" noMove="1" noResize="1" noEditPoints="1" noAdjustHandles="1" noChangeArrowheads="1" noChangeShapeType="1" noTextEdit="1"/>
-                  </p:cNvSpPr>
-                  <p:nvPr/>
-                </p:nvSpPr>
-                <p:spPr>
-                  <a:xfrm>
-                    <a:off x="7523201" y="821897"/>
-                    <a:ext cx="222304" cy="307777"/>
-                  </a:xfrm>
-                  <a:prstGeom prst="rect">
-                    <a:avLst/>
-                  </a:prstGeom>
-                  <a:blipFill>
-                    <a:blip r:embed="rId31"/>
-                    <a:stretch>
-                      <a:fillRect l="-24324" r="-21622" b="-12000"/>
-                    </a:stretch>
-                  </a:blipFill>
-                </p:spPr>
-                <p:txBody>
-                  <a:bodyPr/>
-                  <a:lstStyle/>
-                  <a:p>
-                    <a:r>
-                      <a:rPr lang="en-US">
-                        <a:noFill/>
-                      </a:rPr>
-                      <a:t> </a:t>
-                    </a:r>
-                  </a:p>
-                </p:txBody>
-              </p:sp>
-            </mc:Fallback>
-          </mc:AlternateContent>
-        </p:grpSp>
-        <p:cxnSp>
-          <p:nvCxnSpPr>
-            <p:cNvPr id="94" name="Straight Arrow Connector 93"/>
-            <p:cNvCxnSpPr>
-              <a:stCxn id="73" idx="3"/>
-              <a:endCxn id="91" idx="2"/>
-            </p:cNvCxnSpPr>
-            <p:nvPr/>
-          </p:nvCxnSpPr>
-          <p:spPr>
-            <a:xfrm flipV="1">
-              <a:off x="7642954" y="1585969"/>
-              <a:ext cx="699538" cy="2664"/>
-            </a:xfrm>
-            <a:prstGeom prst="straightConnector1">
-              <a:avLst/>
-            </a:prstGeom>
-            <a:ln w="38100">
-              <a:solidFill>
-                <a:schemeClr val="tx1"/>
-              </a:solidFill>
-              <a:prstDash val="sysDot"/>
-              <a:tailEnd type="triangle"/>
-            </a:ln>
-          </p:spPr>
-          <p:style>
-            <a:lnRef idx="1">
-              <a:schemeClr val="accent1"/>
-            </a:lnRef>
-            <a:fillRef idx="0">
-              <a:schemeClr val="accent1"/>
-            </a:fillRef>
-            <a:effectRef idx="0">
-              <a:schemeClr val="accent1"/>
-            </a:effectRef>
-            <a:fontRef idx="minor">
-              <a:schemeClr val="tx1"/>
-            </a:fontRef>
-          </p:style>
-        </p:cxnSp>
-        <mc:AlternateContent xmlns:mc="http://schemas.openxmlformats.org/markup-compatibility/2006">
-          <mc:Choice xmlns:a14="http://schemas.microsoft.com/office/drawing/2010/main" Requires="a14">
-            <p:sp>
-              <p:nvSpPr>
-                <p:cNvPr id="96" name="TextBox 95"/>
-                <p:cNvSpPr txBox="1"/>
-                <p:nvPr/>
-              </p:nvSpPr>
-              <p:spPr>
-                <a:xfrm>
-                  <a:off x="7919806" y="1555410"/>
-                  <a:ext cx="296813" cy="314253"/>
-                </a:xfrm>
-                <a:prstGeom prst="rect">
-                  <a:avLst/>
-                </a:prstGeom>
-                <a:noFill/>
-                <a:ln>
-                  <a:noFill/>
-                </a:ln>
-              </p:spPr>
-              <p:txBody>
-                <a:bodyPr wrap="none" lIns="0" tIns="0" rIns="0" bIns="0" rtlCol="0">
-                  <a:spAutoFit/>
-                </a:bodyPr>
-                <a:lstStyle/>
-                <a:p>
-                  <a14:m>
-                    <m:oMathPara xmlns:m="http://schemas.openxmlformats.org/officeDocument/2006/math">
-                      <m:oMathParaPr>
-                        <m:jc m:val="centerGroup"/>
-                      </m:oMathParaPr>
-                      <m:oMath xmlns:m="http://schemas.openxmlformats.org/officeDocument/2006/math">
-                        <m:sSub>
-                          <m:sSubPr>
-                            <m:ctrlPr>
-                              <a:rPr lang="en-US" sz="2000" b="0" i="1" smtClean="0">
-                                <a:latin typeface="Cambria Math" panose="02040503050406030204" pitchFamily="18" charset="0"/>
-                                <a:cs typeface="Arial" panose="020B0604020202020204" pitchFamily="34" charset="0"/>
-                              </a:rPr>
-                            </m:ctrlPr>
-                          </m:sSubPr>
-                          <m:e>
-                            <m:r>
-                              <a:rPr lang="en-US" sz="2000" b="0" i="1" smtClean="0">
-                                <a:latin typeface="Cambria Math" panose="02040503050406030204" pitchFamily="18" charset="0"/>
-                                <a:cs typeface="Arial" panose="020B0604020202020204" pitchFamily="34" charset="0"/>
-                              </a:rPr>
-                              <m:t>𝐹</m:t>
-                            </m:r>
-                          </m:e>
-                          <m:sub>
-                            <m:r>
-                              <a:rPr lang="en-US" sz="2000" b="0" i="1" smtClean="0">
-                                <a:latin typeface="Cambria Math" panose="02040503050406030204" pitchFamily="18" charset="0"/>
-                                <a:cs typeface="Arial" panose="020B0604020202020204" pitchFamily="34" charset="0"/>
-                              </a:rPr>
-                              <m:t>∥</m:t>
-                            </m:r>
-                          </m:sub>
-                        </m:sSub>
-                      </m:oMath>
-                    </m:oMathPara>
-                  </a14:m>
-                  <a:endParaRPr lang="en-US" sz="2000" b="0" dirty="0" smtClean="0">
-                    <a:latin typeface="Arial" panose="020B0604020202020204" pitchFamily="34" charset="0"/>
-                    <a:cs typeface="Arial" panose="020B0604020202020204" pitchFamily="34" charset="0"/>
-                  </a:endParaRPr>
-                </a:p>
-              </p:txBody>
-            </p:sp>
-          </mc:Choice>
-          <mc:Fallback>
-            <p:sp>
-              <p:nvSpPr>
-                <p:cNvPr id="96" name="TextBox 95"/>
-                <p:cNvSpPr txBox="1">
-                  <a:spLocks noRot="1" noChangeAspect="1" noMove="1" noResize="1" noEditPoints="1" noAdjustHandles="1" noChangeArrowheads="1" noChangeShapeType="1" noTextEdit="1"/>
-                </p:cNvSpPr>
-                <p:nvPr/>
-              </p:nvSpPr>
-              <p:spPr>
-                <a:xfrm>
-                  <a:off x="7919806" y="1555410"/>
-                  <a:ext cx="296813" cy="314253"/>
-                </a:xfrm>
-                <a:prstGeom prst="rect">
-                  <a:avLst/>
-                </a:prstGeom>
-                <a:blipFill>
-                  <a:blip r:embed="rId32"/>
-                  <a:stretch>
-                    <a:fillRect l="-16327" r="-10204" b="-25000"/>
-                  </a:stretch>
-                </a:blipFill>
-                <a:ln>
-                  <a:noFill/>
-                </a:ln>
-              </p:spPr>
-              <p:txBody>
-                <a:bodyPr/>
-                <a:lstStyle/>
-                <a:p>
-                  <a:r>
-                    <a:rPr lang="en-US">
-                      <a:noFill/>
-                    </a:rPr>
-                    <a:t> </a:t>
-                  </a:r>
-                </a:p>
-              </p:txBody>
-            </p:sp>
-          </mc:Fallback>
-        </mc:AlternateContent>
-        <p:cxnSp>
-          <p:nvCxnSpPr>
-            <p:cNvPr id="97" name="Straight Connector 96"/>
-            <p:cNvCxnSpPr/>
-            <p:nvPr/>
-          </p:nvCxnSpPr>
-          <p:spPr>
-            <a:xfrm>
-              <a:off x="8342492" y="327618"/>
-              <a:ext cx="427452" cy="655909"/>
-            </a:xfrm>
-            <a:prstGeom prst="line">
-              <a:avLst/>
-            </a:prstGeom>
-            <a:ln w="19050">
-              <a:solidFill>
-                <a:schemeClr val="tx1"/>
-              </a:solidFill>
-              <a:prstDash val="sysDot"/>
-            </a:ln>
-          </p:spPr>
-          <p:style>
-            <a:lnRef idx="1">
-              <a:schemeClr val="accent1"/>
-            </a:lnRef>
-            <a:fillRef idx="0">
-              <a:schemeClr val="accent1"/>
-            </a:fillRef>
-            <a:effectRef idx="0">
-              <a:schemeClr val="accent1"/>
-            </a:effectRef>
-            <a:fontRef idx="minor">
-              <a:schemeClr val="tx1"/>
-            </a:fontRef>
-          </p:style>
-        </p:cxnSp>
-        <p:cxnSp>
-          <p:nvCxnSpPr>
-            <p:cNvPr id="99" name="Straight Arrow Connector 98"/>
-            <p:cNvCxnSpPr/>
-            <p:nvPr/>
-          </p:nvCxnSpPr>
-          <p:spPr>
-            <a:xfrm flipV="1">
-              <a:off x="6981735" y="327618"/>
-              <a:ext cx="1348834" cy="655910"/>
-            </a:xfrm>
-            <a:prstGeom prst="straightConnector1">
-              <a:avLst/>
-            </a:prstGeom>
-            <a:ln w="38100">
-              <a:solidFill>
-                <a:schemeClr val="bg2">
-                  <a:lumMod val="75000"/>
-                </a:schemeClr>
-              </a:solidFill>
-              <a:prstDash val="dash"/>
-              <a:tailEnd type="triangle"/>
-            </a:ln>
-          </p:spPr>
-          <p:style>
-            <a:lnRef idx="1">
-              <a:schemeClr val="accent1"/>
-            </a:lnRef>
-            <a:fillRef idx="0">
-              <a:schemeClr val="accent1"/>
-            </a:fillRef>
-            <a:effectRef idx="0">
-              <a:schemeClr val="accent1"/>
-            </a:effectRef>
-            <a:fontRef idx="minor">
-              <a:schemeClr val="tx1"/>
-            </a:fontRef>
-          </p:style>
-        </p:cxnSp>
-        <mc:AlternateContent xmlns:mc="http://schemas.openxmlformats.org/markup-compatibility/2006">
-          <mc:Choice xmlns:a14="http://schemas.microsoft.com/office/drawing/2010/main" Requires="a14">
-            <p:sp>
-              <p:nvSpPr>
-                <p:cNvPr id="103" name="TextBox 102"/>
-                <p:cNvSpPr txBox="1"/>
-                <p:nvPr/>
-              </p:nvSpPr>
-              <p:spPr>
-                <a:xfrm>
-                  <a:off x="7206393" y="361270"/>
-                  <a:ext cx="316818" cy="314253"/>
-                </a:xfrm>
-                <a:prstGeom prst="rect">
-                  <a:avLst/>
-                </a:prstGeom>
-                <a:noFill/>
-              </p:spPr>
-              <p:txBody>
-                <a:bodyPr wrap="none" lIns="0" tIns="0" rIns="0" bIns="0" rtlCol="0">
-                  <a:spAutoFit/>
-                </a:bodyPr>
-                <a:lstStyle/>
-                <a:p>
-                  <a14:m>
-                    <m:oMathPara xmlns:m="http://schemas.openxmlformats.org/officeDocument/2006/math">
-                      <m:oMathParaPr>
-                        <m:jc m:val="centerGroup"/>
-                      </m:oMathParaPr>
-                      <m:oMath xmlns:m="http://schemas.openxmlformats.org/officeDocument/2006/math">
-                        <m:sSub>
-                          <m:sSubPr>
-                            <m:ctrlPr>
-                              <a:rPr lang="en-US" sz="2000" b="0" i="1" smtClean="0">
-                                <a:latin typeface="Cambria Math" panose="02040503050406030204" pitchFamily="18" charset="0"/>
-                                <a:cs typeface="Arial" panose="020B0604020202020204" pitchFamily="34" charset="0"/>
-                              </a:rPr>
-                            </m:ctrlPr>
-                          </m:sSubPr>
-                          <m:e>
-                            <m:r>
-                              <a:rPr lang="en-US" sz="2000" b="0" i="1" smtClean="0">
-                                <a:latin typeface="Cambria Math" panose="02040503050406030204" pitchFamily="18" charset="0"/>
-                                <a:cs typeface="Arial" panose="020B0604020202020204" pitchFamily="34" charset="0"/>
-                              </a:rPr>
-                              <m:t>𝑑</m:t>
-                            </m:r>
-                          </m:e>
-                          <m:sub>
-                            <m:r>
-                              <a:rPr lang="en-US" sz="2000" b="0" i="1" smtClean="0">
-                                <a:latin typeface="Cambria Math" panose="02040503050406030204" pitchFamily="18" charset="0"/>
-                                <a:cs typeface="Arial" panose="020B0604020202020204" pitchFamily="34" charset="0"/>
-                              </a:rPr>
-                              <m:t>∥</m:t>
-                            </m:r>
-                          </m:sub>
-                        </m:sSub>
-                      </m:oMath>
-                    </m:oMathPara>
-                  </a14:m>
-                  <a:endParaRPr lang="en-US" sz="2000" b="0" dirty="0" smtClean="0">
-                    <a:latin typeface="Arial" panose="020B0604020202020204" pitchFamily="34" charset="0"/>
-                    <a:cs typeface="Arial" panose="020B0604020202020204" pitchFamily="34" charset="0"/>
-                  </a:endParaRPr>
-                </a:p>
-              </p:txBody>
-            </p:sp>
-          </mc:Choice>
-          <mc:Fallback>
-            <p:sp>
-              <p:nvSpPr>
-                <p:cNvPr id="103" name="TextBox 102"/>
-                <p:cNvSpPr txBox="1">
-                  <a:spLocks noRot="1" noChangeAspect="1" noMove="1" noResize="1" noEditPoints="1" noAdjustHandles="1" noChangeArrowheads="1" noChangeShapeType="1" noTextEdit="1"/>
-                </p:cNvSpPr>
-                <p:nvPr/>
-              </p:nvSpPr>
-              <p:spPr>
-                <a:xfrm>
-                  <a:off x="7206393" y="361270"/>
-                  <a:ext cx="316818" cy="314253"/>
-                </a:xfrm>
-                <a:prstGeom prst="rect">
-                  <a:avLst/>
-                </a:prstGeom>
-                <a:blipFill>
-                  <a:blip r:embed="rId33"/>
-                  <a:stretch>
-                    <a:fillRect l="-17308" r="-9615" b="-25000"/>
-                  </a:stretch>
-                </a:blipFill>
-              </p:spPr>
-              <p:txBody>
-                <a:bodyPr/>
-                <a:lstStyle/>
-                <a:p>
-                  <a:r>
-                    <a:rPr lang="en-US">
-                      <a:noFill/>
-                    </a:rPr>
-                    <a:t> </a:t>
-                  </a:r>
-                </a:p>
-              </p:txBody>
-            </p:sp>
-          </mc:Fallback>
-        </mc:AlternateContent>
-      </p:grpSp>
-    </p:spTree>
-    <p:extLst>
-      <p:ext uri="{BB962C8B-B14F-4D97-AF65-F5344CB8AC3E}">
-        <p14:creationId xmlns:p14="http://schemas.microsoft.com/office/powerpoint/2010/main" val="3297151317"/>
-      </p:ext>
-    </p:extLst>
-  </p:cSld>
-  <p:clrMapOvr>
-    <a:masterClrMapping/>
-  </p:clrMapOvr>
-</p:sld>
-</file>
-
-<file path=ppt/slides/slide3.xml><?xml version="1.0" encoding="utf-8"?>
-<p:sld xmlns:a="http://schemas.openxmlformats.org/drawingml/2006/main" xmlns:r="http://schemas.openxmlformats.org/officeDocument/2006/relationships" xmlns:p="http://schemas.openxmlformats.org/presentationml/2006/main">
-  <p:cSld>
-    <p:spTree>
-      <p:nvGrpSpPr>
-        <p:cNvPr id="1" name=""/>
-        <p:cNvGrpSpPr/>
-        <p:nvPr/>
-      </p:nvGrpSpPr>
-      <p:grpSpPr>
-        <a:xfrm>
-          <a:off x="0" y="0"/>
-          <a:ext cx="0" cy="0"/>
-          <a:chOff x="0" y="0"/>
-          <a:chExt cx="0" cy="0"/>
-        </a:xfrm>
-      </p:grpSpPr>
-      <p:grpSp>
-        <p:nvGrpSpPr>
-          <p:cNvPr id="60" name="Group 59"/>
-          <p:cNvGrpSpPr/>
-          <p:nvPr/>
-        </p:nvGrpSpPr>
-        <p:grpSpPr>
-          <a:xfrm>
-            <a:off x="7935626" y="295492"/>
-            <a:ext cx="1708104" cy="2423815"/>
-            <a:chOff x="7935626" y="295492"/>
-            <a:chExt cx="1708104" cy="2423815"/>
-          </a:xfrm>
-        </p:grpSpPr>
-        <p:sp>
-          <p:nvSpPr>
-            <p:cNvPr id="39" name="Oval 38"/>
-            <p:cNvSpPr/>
-            <p:nvPr/>
-          </p:nvSpPr>
-          <p:spPr>
-            <a:xfrm>
-              <a:off x="8642236" y="1533452"/>
-              <a:ext cx="120943" cy="119766"/>
-            </a:xfrm>
-            <a:prstGeom prst="ellipse">
-              <a:avLst/>
-            </a:prstGeom>
-            <a:solidFill>
-              <a:schemeClr val="tx1"/>
-            </a:solidFill>
-            <a:ln w="38100">
-              <a:solidFill>
-                <a:schemeClr val="tx1"/>
-              </a:solidFill>
-            </a:ln>
-          </p:spPr>
-          <p:style>
-            <a:lnRef idx="2">
-              <a:schemeClr val="accent1">
-                <a:shade val="50000"/>
-              </a:schemeClr>
-            </a:lnRef>
-            <a:fillRef idx="1">
-              <a:schemeClr val="accent1"/>
-            </a:fillRef>
-            <a:effectRef idx="0">
-              <a:schemeClr val="accent1"/>
-            </a:effectRef>
-            <a:fontRef idx="minor">
-              <a:schemeClr val="lt1"/>
-            </a:fontRef>
-          </p:style>
-          <p:txBody>
-            <a:bodyPr rtlCol="0" anchor="ctr"/>
-            <a:lstStyle/>
-            <a:p>
-              <a:pPr algn="ctr"/>
-              <a:endParaRPr lang="en-US"/>
-            </a:p>
-          </p:txBody>
-        </p:sp>
-        <p:cxnSp>
-          <p:nvCxnSpPr>
-            <p:cNvPr id="41" name="Straight Arrow Connector 40"/>
-            <p:cNvCxnSpPr/>
-            <p:nvPr/>
-          </p:nvCxnSpPr>
-          <p:spPr>
-            <a:xfrm flipH="1" flipV="1">
-              <a:off x="8691558" y="843308"/>
-              <a:ext cx="11149" cy="682795"/>
-            </a:xfrm>
-            <a:prstGeom prst="straightConnector1">
-              <a:avLst/>
-            </a:prstGeom>
-            <a:ln w="38100">
-              <a:solidFill>
-                <a:schemeClr val="tx1"/>
-              </a:solidFill>
-              <a:tailEnd type="triangle"/>
-            </a:ln>
-          </p:spPr>
-          <p:style>
-            <a:lnRef idx="1">
-              <a:schemeClr val="accent1"/>
-            </a:lnRef>
-            <a:fillRef idx="0">
-              <a:schemeClr val="accent1"/>
-            </a:fillRef>
-            <a:effectRef idx="0">
-              <a:schemeClr val="accent1"/>
-            </a:effectRef>
-            <a:fontRef idx="minor">
-              <a:schemeClr val="tx1"/>
-            </a:fontRef>
-          </p:style>
-        </p:cxnSp>
-        <p:cxnSp>
-          <p:nvCxnSpPr>
-            <p:cNvPr id="43" name="Straight Arrow Connector 42"/>
-            <p:cNvCxnSpPr/>
-            <p:nvPr/>
-          </p:nvCxnSpPr>
-          <p:spPr>
-            <a:xfrm>
-              <a:off x="8702707" y="1667915"/>
-              <a:ext cx="3716" cy="682795"/>
-            </a:xfrm>
-            <a:prstGeom prst="straightConnector1">
-              <a:avLst/>
-            </a:prstGeom>
-            <a:ln w="38100">
-              <a:solidFill>
-                <a:schemeClr val="tx1"/>
-              </a:solidFill>
-              <a:tailEnd type="triangle"/>
-            </a:ln>
-          </p:spPr>
-          <p:style>
-            <a:lnRef idx="1">
-              <a:schemeClr val="accent1"/>
-            </a:lnRef>
-            <a:fillRef idx="0">
-              <a:schemeClr val="accent1"/>
-            </a:fillRef>
-            <a:effectRef idx="0">
-              <a:schemeClr val="accent1"/>
-            </a:effectRef>
-            <a:fontRef idx="minor">
-              <a:schemeClr val="tx1"/>
-            </a:fontRef>
-          </p:style>
-        </p:cxnSp>
-        <p:cxnSp>
-          <p:nvCxnSpPr>
-            <p:cNvPr id="46" name="Straight Arrow Connector 45"/>
-            <p:cNvCxnSpPr/>
-            <p:nvPr/>
-          </p:nvCxnSpPr>
-          <p:spPr>
-            <a:xfrm flipV="1">
-              <a:off x="8777286" y="1581436"/>
-              <a:ext cx="546410" cy="11151"/>
-            </a:xfrm>
-            <a:prstGeom prst="straightConnector1">
-              <a:avLst/>
-            </a:prstGeom>
-            <a:ln w="38100">
-              <a:solidFill>
-                <a:schemeClr val="tx1"/>
-              </a:solidFill>
-              <a:tailEnd type="triangle"/>
-            </a:ln>
-          </p:spPr>
-          <p:style>
-            <a:lnRef idx="1">
-              <a:schemeClr val="accent1"/>
-            </a:lnRef>
-            <a:fillRef idx="0">
-              <a:schemeClr val="accent1"/>
-            </a:fillRef>
-            <a:effectRef idx="0">
-              <a:schemeClr val="accent1"/>
-            </a:effectRef>
-            <a:fontRef idx="minor">
-              <a:schemeClr val="tx1"/>
-            </a:fontRef>
-          </p:style>
-        </p:cxnSp>
-        <mc:AlternateContent xmlns:mc="http://schemas.openxmlformats.org/markup-compatibility/2006" xmlns:a14="http://schemas.microsoft.com/office/drawing/2010/main">
-          <mc:Choice Requires="a14">
-            <p:sp>
-              <p:nvSpPr>
-                <p:cNvPr id="47" name="TextBox 46"/>
-                <p:cNvSpPr txBox="1"/>
-                <p:nvPr/>
-              </p:nvSpPr>
-              <p:spPr>
-                <a:xfrm>
-                  <a:off x="8338371" y="1959817"/>
-                  <a:ext cx="303865" cy="377219"/>
-                </a:xfrm>
-                <a:prstGeom prst="rect">
-                  <a:avLst/>
-                </a:prstGeom>
-                <a:noFill/>
-              </p:spPr>
-              <p:txBody>
-                <a:bodyPr wrap="none" lIns="0" tIns="0" rIns="0" bIns="0" rtlCol="0">
-                  <a:spAutoFit/>
-                </a:bodyPr>
-                <a:lstStyle/>
-                <a:p>
-                  <a:pPr/>
-                  <a14:m>
-                    <m:oMathPara xmlns:m="http://schemas.openxmlformats.org/officeDocument/2006/math">
-                      <m:oMathParaPr>
-                        <m:jc m:val="centerGroup"/>
-                      </m:oMathParaPr>
-                      <m:oMath xmlns:m="http://schemas.openxmlformats.org/officeDocument/2006/math">
-                        <m:sSub>
-                          <m:sSubPr>
-                            <m:ctrlPr>
-                              <a:rPr lang="en-US" sz="2000" b="0" i="1" smtClean="0">
-                                <a:latin typeface="Cambria Math" panose="02040503050406030204" pitchFamily="18" charset="0"/>
-                                <a:cs typeface="Arial" panose="020B0604020202020204" pitchFamily="34" charset="0"/>
-                              </a:rPr>
-                            </m:ctrlPr>
-                          </m:sSubPr>
-                          <m:e>
-                            <m:acc>
-                              <m:accPr>
-                                <m:chr m:val="⃗"/>
-                                <m:ctrlPr>
-                                  <a:rPr lang="en-US" sz="2000" b="0" i="1" smtClean="0">
-                                    <a:latin typeface="Cambria Math" panose="02040503050406030204" pitchFamily="18" charset="0"/>
-                                    <a:cs typeface="Arial" panose="020B0604020202020204" pitchFamily="34" charset="0"/>
-                                  </a:rPr>
-                                </m:ctrlPr>
-                              </m:accPr>
-                              <m:e>
-                                <m:r>
-                                  <a:rPr lang="en-US" sz="2000" b="0" i="1" smtClean="0">
-                                    <a:latin typeface="Cambria Math" panose="02040503050406030204" pitchFamily="18" charset="0"/>
-                                    <a:cs typeface="Arial" panose="020B0604020202020204" pitchFamily="34" charset="0"/>
-                                  </a:rPr>
-                                  <m:t>𝐹</m:t>
-                                </m:r>
-                              </m:e>
-                            </m:acc>
-                          </m:e>
-                          <m:sub>
-                            <m:r>
-                              <a:rPr lang="en-US" sz="2000" b="0" i="1" smtClean="0">
-                                <a:latin typeface="Cambria Math" panose="02040503050406030204" pitchFamily="18" charset="0"/>
-                                <a:cs typeface="Arial" panose="020B0604020202020204" pitchFamily="34" charset="0"/>
-                              </a:rPr>
-                              <m:t>𝑔</m:t>
-                            </m:r>
-                          </m:sub>
-                        </m:sSub>
-                      </m:oMath>
-                    </m:oMathPara>
-                  </a14:m>
-                  <a:endParaRPr lang="en-US" sz="2000" dirty="0" smtClean="0">
-                    <a:latin typeface="Arial" panose="020B0604020202020204" pitchFamily="34" charset="0"/>
-                    <a:cs typeface="Arial" panose="020B0604020202020204" pitchFamily="34" charset="0"/>
-                  </a:endParaRPr>
-                </a:p>
-              </p:txBody>
-            </p:sp>
-          </mc:Choice>
-          <mc:Fallback xmlns="">
-            <p:sp>
-              <p:nvSpPr>
-                <p:cNvPr id="47" name="TextBox 46"/>
-                <p:cNvSpPr txBox="1">
-                  <a:spLocks noRot="1" noChangeAspect="1" noMove="1" noResize="1" noEditPoints="1" noAdjustHandles="1" noChangeArrowheads="1" noChangeShapeType="1" noTextEdit="1"/>
-                </p:cNvSpPr>
-                <p:nvPr/>
-              </p:nvSpPr>
-              <p:spPr>
-                <a:xfrm>
-                  <a:off x="8338371" y="1959817"/>
-                  <a:ext cx="303865" cy="377219"/>
-                </a:xfrm>
-                <a:prstGeom prst="rect">
-                  <a:avLst/>
-                </a:prstGeom>
-                <a:blipFill>
-                  <a:blip r:embed="rId2"/>
-                  <a:stretch>
-                    <a:fillRect l="-18000" t="-30645" r="-70000" b="-17742"/>
-                  </a:stretch>
-                </a:blipFill>
-              </p:spPr>
-              <p:txBody>
-                <a:bodyPr/>
-                <a:lstStyle/>
-                <a:p>
-                  <a:r>
-                    <a:rPr lang="en-US">
-                      <a:noFill/>
-                    </a:rPr>
-                    <a:t> </a:t>
-                  </a:r>
-                </a:p>
-              </p:txBody>
-            </p:sp>
-          </mc:Fallback>
-        </mc:AlternateContent>
-        <mc:AlternateContent xmlns:mc="http://schemas.openxmlformats.org/markup-compatibility/2006" xmlns:a14="http://schemas.microsoft.com/office/drawing/2010/main">
-          <mc:Choice Requires="a14">
-            <p:sp>
-              <p:nvSpPr>
-                <p:cNvPr id="48" name="TextBox 47"/>
-                <p:cNvSpPr txBox="1"/>
-                <p:nvPr/>
-              </p:nvSpPr>
-              <p:spPr>
-                <a:xfrm>
-                  <a:off x="8385021" y="940399"/>
-                  <a:ext cx="264367" cy="345159"/>
-                </a:xfrm>
-                <a:prstGeom prst="rect">
-                  <a:avLst/>
-                </a:prstGeom>
-                <a:noFill/>
-              </p:spPr>
-              <p:txBody>
-                <a:bodyPr wrap="none" lIns="0" tIns="0" rIns="0" bIns="0" rtlCol="0">
-                  <a:spAutoFit/>
-                </a:bodyPr>
-                <a:lstStyle/>
-                <a:p>
-                  <a:pPr/>
-                  <a14:m>
-                    <m:oMathPara xmlns:m="http://schemas.openxmlformats.org/officeDocument/2006/math">
-                      <m:oMathParaPr>
-                        <m:jc m:val="centerGroup"/>
-                      </m:oMathParaPr>
-                      <m:oMath xmlns:m="http://schemas.openxmlformats.org/officeDocument/2006/math">
-                        <m:acc>
-                          <m:accPr>
-                            <m:chr m:val="⃗"/>
-                            <m:ctrlPr>
-                              <a:rPr lang="en-US" sz="2000" b="0" i="1" smtClean="0">
-                                <a:latin typeface="Cambria Math" panose="02040503050406030204" pitchFamily="18" charset="0"/>
-                                <a:cs typeface="Arial" panose="020B0604020202020204" pitchFamily="34" charset="0"/>
-                              </a:rPr>
-                            </m:ctrlPr>
-                          </m:accPr>
-                          <m:e>
-                            <m:r>
-                              <a:rPr lang="en-US" sz="2000" b="0" i="1" smtClean="0">
-                                <a:latin typeface="Cambria Math" panose="02040503050406030204" pitchFamily="18" charset="0"/>
-                                <a:cs typeface="Arial" panose="020B0604020202020204" pitchFamily="34" charset="0"/>
-                              </a:rPr>
-                              <m:t>𝑁</m:t>
-                            </m:r>
-                          </m:e>
-                        </m:acc>
-                      </m:oMath>
-                    </m:oMathPara>
-                  </a14:m>
-                  <a:endParaRPr lang="en-US" sz="2000" dirty="0" smtClean="0">
-                    <a:latin typeface="Arial" panose="020B0604020202020204" pitchFamily="34" charset="0"/>
-                    <a:cs typeface="Arial" panose="020B0604020202020204" pitchFamily="34" charset="0"/>
-                  </a:endParaRPr>
-                </a:p>
-              </p:txBody>
-            </p:sp>
-          </mc:Choice>
-          <mc:Fallback xmlns="">
-            <p:sp>
-              <p:nvSpPr>
-                <p:cNvPr id="48" name="TextBox 47"/>
-                <p:cNvSpPr txBox="1">
-                  <a:spLocks noRot="1" noChangeAspect="1" noMove="1" noResize="1" noEditPoints="1" noAdjustHandles="1" noChangeArrowheads="1" noChangeShapeType="1" noTextEdit="1"/>
-                </p:cNvSpPr>
-                <p:nvPr/>
-              </p:nvSpPr>
-              <p:spPr>
-                <a:xfrm>
-                  <a:off x="8385021" y="940399"/>
-                  <a:ext cx="264367" cy="345159"/>
-                </a:xfrm>
-                <a:prstGeom prst="rect">
-                  <a:avLst/>
-                </a:prstGeom>
-                <a:blipFill>
-                  <a:blip r:embed="rId3"/>
-                  <a:stretch>
-                    <a:fillRect l="-18182" r="-18182" b="-8772"/>
-                  </a:stretch>
-                </a:blipFill>
-              </p:spPr>
-              <p:txBody>
-                <a:bodyPr/>
-                <a:lstStyle/>
-                <a:p>
-                  <a:r>
-                    <a:rPr lang="en-US">
-                      <a:noFill/>
-                    </a:rPr>
-                    <a:t> </a:t>
-                  </a:r>
-                </a:p>
-              </p:txBody>
-            </p:sp>
-          </mc:Fallback>
-        </mc:AlternateContent>
-        <mc:AlternateContent xmlns:mc="http://schemas.openxmlformats.org/markup-compatibility/2006" xmlns:a14="http://schemas.microsoft.com/office/drawing/2010/main">
-          <mc:Choice Requires="a14">
-            <p:sp>
-              <p:nvSpPr>
-                <p:cNvPr id="49" name="TextBox 48"/>
-                <p:cNvSpPr txBox="1"/>
-                <p:nvPr/>
-              </p:nvSpPr>
-              <p:spPr>
-                <a:xfrm>
-                  <a:off x="9050491" y="1156939"/>
-                  <a:ext cx="593239" cy="345159"/>
-                </a:xfrm>
-                <a:prstGeom prst="rect">
-                  <a:avLst/>
-                </a:prstGeom>
-                <a:noFill/>
-              </p:spPr>
-              <p:txBody>
-                <a:bodyPr wrap="none" lIns="0" tIns="0" rIns="0" bIns="0" rtlCol="0">
-                  <a:spAutoFit/>
-                </a:bodyPr>
-                <a:lstStyle/>
-                <a:p>
-                  <a:pPr/>
-                  <a14:m>
-                    <m:oMathPara xmlns:m="http://schemas.openxmlformats.org/officeDocument/2006/math">
-                      <m:oMathParaPr>
-                        <m:jc m:val="centerGroup"/>
-                      </m:oMathParaPr>
-                      <m:oMath xmlns:m="http://schemas.openxmlformats.org/officeDocument/2006/math">
-                        <m:acc>
-                          <m:accPr>
-                            <m:chr m:val="⃗"/>
-                            <m:ctrlPr>
-                              <a:rPr lang="en-US" sz="2000" b="0" i="1" smtClean="0">
-                                <a:latin typeface="Cambria Math" panose="02040503050406030204" pitchFamily="18" charset="0"/>
-                                <a:cs typeface="Arial" panose="020B0604020202020204" pitchFamily="34" charset="0"/>
-                              </a:rPr>
-                            </m:ctrlPr>
-                          </m:accPr>
-                          <m:e>
-                            <m:r>
-                              <a:rPr lang="en-US" sz="2000" b="0" i="1" smtClean="0">
-                                <a:latin typeface="Cambria Math" panose="02040503050406030204" pitchFamily="18" charset="0"/>
-                                <a:cs typeface="Arial" panose="020B0604020202020204" pitchFamily="34" charset="0"/>
-                              </a:rPr>
-                              <m:t>𝐹</m:t>
-                            </m:r>
-                          </m:e>
-                        </m:acc>
-                        <m:r>
-                          <a:rPr lang="en-US" sz="2000" b="0" i="1" smtClean="0">
-                            <a:latin typeface="Cambria Math" panose="02040503050406030204" pitchFamily="18" charset="0"/>
-                            <a:cs typeface="Arial" panose="020B0604020202020204" pitchFamily="34" charset="0"/>
-                          </a:rPr>
-                          <m:t>(</m:t>
-                        </m:r>
-                        <m:r>
-                          <a:rPr lang="en-US" sz="2000" b="0" i="1" smtClean="0">
-                            <a:latin typeface="Cambria Math" panose="02040503050406030204" pitchFamily="18" charset="0"/>
-                            <a:cs typeface="Arial" panose="020B0604020202020204" pitchFamily="34" charset="0"/>
-                          </a:rPr>
-                          <m:t>𝑥</m:t>
-                        </m:r>
-                        <m:r>
-                          <a:rPr lang="en-US" sz="2000" b="0" i="1" smtClean="0">
-                            <a:latin typeface="Cambria Math" panose="02040503050406030204" pitchFamily="18" charset="0"/>
-                            <a:cs typeface="Arial" panose="020B0604020202020204" pitchFamily="34" charset="0"/>
-                          </a:rPr>
-                          <m:t>)</m:t>
-                        </m:r>
-                      </m:oMath>
-                    </m:oMathPara>
-                  </a14:m>
-                  <a:endParaRPr lang="en-US" sz="2000" dirty="0" smtClean="0">
-                    <a:latin typeface="Arial" panose="020B0604020202020204" pitchFamily="34" charset="0"/>
-                    <a:cs typeface="Arial" panose="020B0604020202020204" pitchFamily="34" charset="0"/>
-                  </a:endParaRPr>
-                </a:p>
-              </p:txBody>
-            </p:sp>
-          </mc:Choice>
-          <mc:Fallback xmlns="">
-            <p:sp>
-              <p:nvSpPr>
-                <p:cNvPr id="49" name="TextBox 48"/>
-                <p:cNvSpPr txBox="1">
-                  <a:spLocks noRot="1" noChangeAspect="1" noMove="1" noResize="1" noEditPoints="1" noAdjustHandles="1" noChangeArrowheads="1" noChangeShapeType="1" noTextEdit="1"/>
-                </p:cNvSpPr>
-                <p:nvPr/>
-              </p:nvSpPr>
-              <p:spPr>
-                <a:xfrm>
-                  <a:off x="9050491" y="1156939"/>
-                  <a:ext cx="593239" cy="345159"/>
-                </a:xfrm>
-                <a:prstGeom prst="rect">
-                  <a:avLst/>
-                </a:prstGeom>
-                <a:blipFill>
-                  <a:blip r:embed="rId4"/>
-                  <a:stretch>
-                    <a:fillRect l="-9278" t="-35714" r="-14433" b="-35714"/>
-                  </a:stretch>
-                </a:blipFill>
-              </p:spPr>
-              <p:txBody>
-                <a:bodyPr/>
-                <a:lstStyle/>
-                <a:p>
-                  <a:r>
-                    <a:rPr lang="en-US">
-                      <a:noFill/>
-                    </a:rPr>
-                    <a:t> </a:t>
-                  </a:r>
-                </a:p>
-              </p:txBody>
-            </p:sp>
-          </mc:Fallback>
-        </mc:AlternateContent>
-        <p:grpSp>
-          <p:nvGrpSpPr>
-            <p:cNvPr id="50" name="Group 49"/>
-            <p:cNvGrpSpPr/>
-            <p:nvPr/>
-          </p:nvGrpSpPr>
-          <p:grpSpPr>
-            <a:xfrm>
-              <a:off x="7935626" y="2009312"/>
-              <a:ext cx="898789" cy="709995"/>
-              <a:chOff x="758520" y="708040"/>
-              <a:chExt cx="2596102" cy="2135605"/>
-            </a:xfrm>
-          </p:grpSpPr>
-          <p:grpSp>
-            <p:nvGrpSpPr>
-              <p:cNvPr id="51" name="Group 50"/>
-              <p:cNvGrpSpPr/>
-              <p:nvPr/>
-            </p:nvGrpSpPr>
-            <p:grpSpPr>
-              <a:xfrm>
-                <a:off x="758520" y="708040"/>
-                <a:ext cx="2596102" cy="2135605"/>
-                <a:chOff x="785815" y="680744"/>
-                <a:chExt cx="2596102" cy="2135605"/>
-              </a:xfrm>
-            </p:grpSpPr>
-            <p:cxnSp>
-              <p:nvCxnSpPr>
-                <p:cNvPr id="53" name="Straight Arrow Connector 52"/>
-                <p:cNvCxnSpPr/>
-                <p:nvPr/>
-              </p:nvCxnSpPr>
-              <p:spPr>
-                <a:xfrm flipV="1">
-                  <a:off x="1516583" y="680744"/>
-                  <a:ext cx="7683" cy="1859535"/>
-                </a:xfrm>
-                <a:prstGeom prst="straightConnector1">
-                  <a:avLst/>
-                </a:prstGeom>
-                <a:ln w="38100">
-                  <a:solidFill>
-                    <a:schemeClr val="tx1"/>
-                  </a:solidFill>
-                  <a:tailEnd type="triangle"/>
-                </a:ln>
-              </p:spPr>
-              <p:style>
-                <a:lnRef idx="1">
-                  <a:schemeClr val="accent1"/>
-                </a:lnRef>
-                <a:fillRef idx="0">
-                  <a:schemeClr val="accent1"/>
-                </a:fillRef>
-                <a:effectRef idx="0">
-                  <a:schemeClr val="accent1"/>
-                </a:effectRef>
-                <a:fontRef idx="minor">
-                  <a:schemeClr val="tx1"/>
-                </a:fontRef>
-              </p:style>
-            </p:cxnSp>
-            <p:cxnSp>
-              <p:nvCxnSpPr>
-                <p:cNvPr id="54" name="Straight Arrow Connector 53"/>
-                <p:cNvCxnSpPr/>
-                <p:nvPr/>
-              </p:nvCxnSpPr>
-              <p:spPr>
-                <a:xfrm flipV="1">
-                  <a:off x="1507013" y="2535259"/>
-                  <a:ext cx="1874904" cy="1"/>
-                </a:xfrm>
-                <a:prstGeom prst="straightConnector1">
-                  <a:avLst/>
-                </a:prstGeom>
-                <a:ln w="38100">
-                  <a:solidFill>
-                    <a:schemeClr val="tx1"/>
-                  </a:solidFill>
-                  <a:tailEnd type="triangle"/>
-                </a:ln>
-              </p:spPr>
-              <p:style>
-                <a:lnRef idx="1">
-                  <a:schemeClr val="accent1"/>
-                </a:lnRef>
-                <a:fillRef idx="0">
-                  <a:schemeClr val="accent1"/>
-                </a:fillRef>
-                <a:effectRef idx="0">
-                  <a:schemeClr val="accent1"/>
-                </a:effectRef>
-                <a:fontRef idx="minor">
-                  <a:schemeClr val="tx1"/>
-                </a:fontRef>
-              </p:style>
-            </p:cxnSp>
-            <mc:AlternateContent xmlns:mc="http://schemas.openxmlformats.org/markup-compatibility/2006" xmlns:a14="http://schemas.microsoft.com/office/drawing/2010/main">
-              <mc:Choice Requires="a14">
-                <p:sp>
-                  <p:nvSpPr>
-                    <p:cNvPr id="55" name="Rectangle 54"/>
-                    <p:cNvSpPr/>
-                    <p:nvPr/>
-                  </p:nvSpPr>
-                  <p:spPr>
-                    <a:xfrm>
-                      <a:off x="2697555" y="2447016"/>
-                      <a:ext cx="367985" cy="369333"/>
-                    </a:xfrm>
-                    <a:prstGeom prst="rect">
-                      <a:avLst/>
-                    </a:prstGeom>
-                  </p:spPr>
-                  <p:txBody>
-                    <a:bodyPr wrap="none">
-                      <a:spAutoFit/>
-                    </a:bodyPr>
-                    <a:lstStyle/>
-                    <a:p>
-                      <a:pPr/>
-                      <a14:m>
-                        <m:oMathPara xmlns:m="http://schemas.openxmlformats.org/officeDocument/2006/math">
-                          <m:oMathParaPr>
-                            <m:jc m:val="centerGroup"/>
-                          </m:oMathParaPr>
-                          <m:oMath xmlns:m="http://schemas.openxmlformats.org/officeDocument/2006/math">
-                            <m:r>
-                              <a:rPr lang="en-US" i="1">
-                                <a:latin typeface="Cambria Math" panose="02040503050406030204" pitchFamily="18" charset="0"/>
-                                <a:cs typeface="Arial" panose="020B0604020202020204" pitchFamily="34" charset="0"/>
-                              </a:rPr>
-                              <m:t>𝑥</m:t>
-                            </m:r>
-                          </m:oMath>
-                        </m:oMathPara>
-                      </a14:m>
-                      <a:endParaRPr lang="en-CA" dirty="0"/>
-                    </a:p>
-                  </p:txBody>
-                </p:sp>
-              </mc:Choice>
-              <mc:Fallback xmlns="">
-                <p:sp>
-                  <p:nvSpPr>
-                    <p:cNvPr id="107" name="Rectangle 106"/>
-                    <p:cNvSpPr>
-                      <a:spLocks noRot="1" noChangeAspect="1" noMove="1" noResize="1" noEditPoints="1" noAdjustHandles="1" noChangeArrowheads="1" noChangeShapeType="1" noTextEdit="1"/>
-                    </p:cNvSpPr>
-                    <p:nvPr/>
-                  </p:nvSpPr>
-                  <p:spPr>
-                    <a:xfrm>
-                      <a:off x="2697555" y="2447016"/>
-                      <a:ext cx="367985" cy="369333"/>
-                    </a:xfrm>
-                    <a:prstGeom prst="rect">
-                      <a:avLst/>
-                    </a:prstGeom>
-                    <a:blipFill>
-                      <a:blip r:embed="rId27"/>
-                      <a:stretch>
-                        <a:fillRect r="-95238" b="-160000"/>
-                      </a:stretch>
-                    </a:blipFill>
-                  </p:spPr>
-                  <p:txBody>
-                    <a:bodyPr/>
-                    <a:lstStyle/>
-                    <a:p>
-                      <a:r>
-                        <a:rPr lang="en-US">
-                          <a:noFill/>
-                        </a:rPr>
-                        <a:t> </a:t>
-                      </a:r>
-                    </a:p>
-                  </p:txBody>
-                </p:sp>
-              </mc:Fallback>
-            </mc:AlternateContent>
-            <mc:AlternateContent xmlns:mc="http://schemas.openxmlformats.org/markup-compatibility/2006" xmlns:a14="http://schemas.microsoft.com/office/drawing/2010/main">
-              <mc:Choice Requires="a14">
-                <p:sp>
-                  <p:nvSpPr>
-                    <p:cNvPr id="56" name="Rectangle 55"/>
-                    <p:cNvSpPr/>
-                    <p:nvPr/>
-                  </p:nvSpPr>
-                  <p:spPr>
-                    <a:xfrm>
-                      <a:off x="785815" y="912420"/>
-                      <a:ext cx="371385" cy="369333"/>
-                    </a:xfrm>
-                    <a:prstGeom prst="rect">
-                      <a:avLst/>
-                    </a:prstGeom>
-                  </p:spPr>
-                  <p:txBody>
-                    <a:bodyPr wrap="none">
-                      <a:spAutoFit/>
-                    </a:bodyPr>
-                    <a:lstStyle/>
-                    <a:p>
-                      <a:pPr/>
-                      <a14:m>
-                        <m:oMathPara xmlns:m="http://schemas.openxmlformats.org/officeDocument/2006/math">
-                          <m:oMathParaPr>
-                            <m:jc m:val="centerGroup"/>
-                          </m:oMathParaPr>
-                          <m:oMath xmlns:m="http://schemas.openxmlformats.org/officeDocument/2006/math">
-                            <m:r>
-                              <a:rPr lang="en-US" b="0" i="1" smtClean="0">
-                                <a:latin typeface="Cambria Math" panose="02040503050406030204" pitchFamily="18" charset="0"/>
-                              </a:rPr>
-                              <m:t>𝑦</m:t>
-                            </m:r>
-                          </m:oMath>
-                        </m:oMathPara>
-                      </a14:m>
-                      <a:endParaRPr lang="en-CA" dirty="0"/>
-                    </a:p>
-                  </p:txBody>
-                </p:sp>
-              </mc:Choice>
-              <mc:Fallback xmlns="">
-                <p:sp>
-                  <p:nvSpPr>
-                    <p:cNvPr id="108" name="Rectangle 107"/>
-                    <p:cNvSpPr>
-                      <a:spLocks noRot="1" noChangeAspect="1" noMove="1" noResize="1" noEditPoints="1" noAdjustHandles="1" noChangeArrowheads="1" noChangeShapeType="1" noTextEdit="1"/>
-                    </p:cNvSpPr>
-                    <p:nvPr/>
-                  </p:nvSpPr>
-                  <p:spPr>
-                    <a:xfrm>
-                      <a:off x="785815" y="912420"/>
-                      <a:ext cx="371385" cy="369333"/>
-                    </a:xfrm>
-                    <a:prstGeom prst="rect">
-                      <a:avLst/>
-                    </a:prstGeom>
-                    <a:blipFill>
-                      <a:blip r:embed="rId28"/>
-                      <a:stretch>
-                        <a:fillRect l="-19048" r="-114286" b="-220000"/>
-                      </a:stretch>
-                    </a:blipFill>
-                  </p:spPr>
-                  <p:txBody>
-                    <a:bodyPr/>
-                    <a:lstStyle/>
-                    <a:p>
-                      <a:r>
-                        <a:rPr lang="en-US">
-                          <a:noFill/>
-                        </a:rPr>
-                        <a:t> </a:t>
-                      </a:r>
-                    </a:p>
-                  </p:txBody>
-                </p:sp>
-              </mc:Fallback>
-            </mc:AlternateContent>
-            <mc:AlternateContent xmlns:mc="http://schemas.openxmlformats.org/markup-compatibility/2006" xmlns:a14="http://schemas.microsoft.com/office/drawing/2010/main">
-              <mc:Choice Requires="a14">
-                <p:sp>
-                  <p:nvSpPr>
-                    <p:cNvPr id="57" name="Rectangle 56"/>
-                    <p:cNvSpPr/>
-                    <p:nvPr/>
-                  </p:nvSpPr>
-                  <p:spPr>
-                    <a:xfrm>
-                      <a:off x="1006642" y="2350591"/>
-                      <a:ext cx="367985" cy="369333"/>
-                    </a:xfrm>
-                    <a:prstGeom prst="rect">
-                      <a:avLst/>
-                    </a:prstGeom>
-                  </p:spPr>
-                  <p:txBody>
-                    <a:bodyPr wrap="none">
-                      <a:spAutoFit/>
-                    </a:bodyPr>
-                    <a:lstStyle/>
-                    <a:p>
-                      <a:pPr/>
-                      <a14:m>
-                        <m:oMathPara xmlns:m="http://schemas.openxmlformats.org/officeDocument/2006/math">
-                          <m:oMathParaPr>
-                            <m:jc m:val="centerGroup"/>
-                          </m:oMathParaPr>
-                          <m:oMath xmlns:m="http://schemas.openxmlformats.org/officeDocument/2006/math">
-                            <m:r>
-                              <a:rPr lang="en-US" b="0" i="1" smtClean="0">
-                                <a:latin typeface="Cambria Math" panose="02040503050406030204" pitchFamily="18" charset="0"/>
-                                <a:cs typeface="Arial" panose="020B0604020202020204" pitchFamily="34" charset="0"/>
-                              </a:rPr>
-                              <m:t>0</m:t>
-                            </m:r>
-                          </m:oMath>
-                        </m:oMathPara>
-                      </a14:m>
-                      <a:endParaRPr lang="en-CA" dirty="0"/>
-                    </a:p>
-                  </p:txBody>
-                </p:sp>
-              </mc:Choice>
-              <mc:Fallback xmlns="">
-                <p:sp>
-                  <p:nvSpPr>
-                    <p:cNvPr id="109" name="Rectangle 108"/>
-                    <p:cNvSpPr>
-                      <a:spLocks noRot="1" noChangeAspect="1" noMove="1" noResize="1" noEditPoints="1" noAdjustHandles="1" noChangeArrowheads="1" noChangeShapeType="1" noTextEdit="1"/>
-                    </p:cNvSpPr>
-                    <p:nvPr/>
-                  </p:nvSpPr>
-                  <p:spPr>
-                    <a:xfrm>
-                      <a:off x="1006642" y="2350591"/>
-                      <a:ext cx="367985" cy="369333"/>
-                    </a:xfrm>
-                    <a:prstGeom prst="rect">
-                      <a:avLst/>
-                    </a:prstGeom>
-                    <a:blipFill>
-                      <a:blip r:embed="rId29"/>
-                      <a:stretch>
-                        <a:fillRect l="-14286" r="-114286" b="-180000"/>
-                      </a:stretch>
-                    </a:blipFill>
-                  </p:spPr>
-                  <p:txBody>
-                    <a:bodyPr/>
-                    <a:lstStyle/>
-                    <a:p>
-                      <a:r>
-                        <a:rPr lang="en-US">
-                          <a:noFill/>
-                        </a:rPr>
-                        <a:t> </a:t>
-                      </a:r>
-                    </a:p>
-                  </p:txBody>
-                </p:sp>
-              </mc:Fallback>
-            </mc:AlternateContent>
-          </p:grpSp>
-          <p:sp>
-            <p:nvSpPr>
-              <p:cNvPr id="52" name="Rectangle 51"/>
-              <p:cNvSpPr/>
-              <p:nvPr/>
-            </p:nvSpPr>
-            <p:spPr>
-              <a:xfrm>
-                <a:off x="1129904" y="1614682"/>
-                <a:ext cx="184731" cy="369332"/>
-              </a:xfrm>
-              <a:prstGeom prst="rect">
-                <a:avLst/>
-              </a:prstGeom>
-            </p:spPr>
-            <p:txBody>
-              <a:bodyPr wrap="none">
-                <a:spAutoFit/>
-              </a:bodyPr>
-              <a:lstStyle/>
-              <a:p>
-                <a:endParaRPr lang="en-CA" dirty="0"/>
-              </a:p>
-            </p:txBody>
-          </p:sp>
-        </p:grpSp>
-        <p:sp>
-          <p:nvSpPr>
-            <p:cNvPr id="58" name="Right Arrow 57"/>
-            <p:cNvSpPr/>
-            <p:nvPr/>
-          </p:nvSpPr>
-          <p:spPr>
-            <a:xfrm rot="10800000" flipH="1">
-              <a:off x="8388270" y="631368"/>
-              <a:ext cx="606575" cy="107622"/>
-            </a:xfrm>
-            <a:prstGeom prst="rightArrow">
-              <a:avLst/>
-            </a:prstGeom>
-            <a:solidFill>
-              <a:schemeClr val="tx1"/>
-            </a:solidFill>
-            <a:ln w="38100">
-              <a:solidFill>
-                <a:schemeClr val="tx1"/>
-              </a:solidFill>
-            </a:ln>
-          </p:spPr>
-          <p:style>
-            <a:lnRef idx="2">
-              <a:schemeClr val="accent1">
-                <a:shade val="50000"/>
-              </a:schemeClr>
-            </a:lnRef>
-            <a:fillRef idx="1">
-              <a:schemeClr val="accent1"/>
-            </a:fillRef>
-            <a:effectRef idx="0">
-              <a:schemeClr val="accent1"/>
-            </a:effectRef>
-            <a:fontRef idx="minor">
-              <a:schemeClr val="lt1"/>
-            </a:fontRef>
-          </p:style>
-          <p:txBody>
-            <a:bodyPr rtlCol="0" anchor="ctr"/>
-            <a:lstStyle/>
-            <a:p>
-              <a:pPr algn="ctr"/>
-              <a:endParaRPr lang="en-US"/>
-            </a:p>
-          </p:txBody>
-        </p:sp>
-        <mc:AlternateContent xmlns:mc="http://schemas.openxmlformats.org/markup-compatibility/2006" xmlns:a14="http://schemas.microsoft.com/office/drawing/2010/main">
-          <mc:Choice Requires="a14">
-            <p:sp>
-              <p:nvSpPr>
-                <p:cNvPr id="59" name="TextBox 58"/>
-                <p:cNvSpPr txBox="1"/>
-                <p:nvPr/>
-              </p:nvSpPr>
-              <p:spPr>
-                <a:xfrm>
-                  <a:off x="8614932" y="295492"/>
-                  <a:ext cx="219483" cy="307777"/>
-                </a:xfrm>
-                <a:prstGeom prst="rect">
-                  <a:avLst/>
-                </a:prstGeom>
-                <a:noFill/>
-              </p:spPr>
-              <p:txBody>
-                <a:bodyPr wrap="none" lIns="0" tIns="0" rIns="0" bIns="0" rtlCol="0">
-                  <a:spAutoFit/>
-                </a:bodyPr>
-                <a:lstStyle/>
-                <a:p>
-                  <a:pPr/>
-                  <a14:m>
-                    <m:oMathPara xmlns:m="http://schemas.openxmlformats.org/officeDocument/2006/math">
-                      <m:oMathParaPr>
-                        <m:jc m:val="centerGroup"/>
-                      </m:oMathParaPr>
-                      <m:oMath xmlns:m="http://schemas.openxmlformats.org/officeDocument/2006/math">
-                        <m:acc>
-                          <m:accPr>
-                            <m:chr m:val="⃗"/>
-                            <m:ctrlPr>
-                              <a:rPr lang="en-US" sz="2000" b="0" i="1" smtClean="0">
-                                <a:latin typeface="Cambria Math" panose="02040503050406030204" pitchFamily="18" charset="0"/>
-                                <a:cs typeface="Arial" panose="020B0604020202020204" pitchFamily="34" charset="0"/>
-                              </a:rPr>
-                            </m:ctrlPr>
-                          </m:accPr>
-                          <m:e>
-                            <m:r>
-                              <a:rPr lang="en-US" sz="2000" b="0" i="1" smtClean="0">
-                                <a:latin typeface="Cambria Math" panose="02040503050406030204" pitchFamily="18" charset="0"/>
-                                <a:cs typeface="Arial" panose="020B0604020202020204" pitchFamily="34" charset="0"/>
-                              </a:rPr>
-                              <m:t>𝑎</m:t>
-                            </m:r>
-                          </m:e>
-                        </m:acc>
-                      </m:oMath>
-                    </m:oMathPara>
-                  </a14:m>
-                  <a:endParaRPr lang="en-US" sz="2000" dirty="0" smtClean="0">
-                    <a:latin typeface="Arial" panose="020B0604020202020204" pitchFamily="34" charset="0"/>
-                    <a:cs typeface="Arial" panose="020B0604020202020204" pitchFamily="34" charset="0"/>
-                  </a:endParaRPr>
-                </a:p>
-              </p:txBody>
-            </p:sp>
-          </mc:Choice>
-          <mc:Fallback xmlns="">
-            <p:sp>
-              <p:nvSpPr>
-                <p:cNvPr id="59" name="TextBox 58"/>
-                <p:cNvSpPr txBox="1">
-                  <a:spLocks noRot="1" noChangeAspect="1" noMove="1" noResize="1" noEditPoints="1" noAdjustHandles="1" noChangeArrowheads="1" noChangeShapeType="1" noTextEdit="1"/>
-                </p:cNvSpPr>
-                <p:nvPr/>
-              </p:nvSpPr>
-              <p:spPr>
-                <a:xfrm>
-                  <a:off x="8614932" y="295492"/>
-                  <a:ext cx="219483" cy="307777"/>
-                </a:xfrm>
-                <a:prstGeom prst="rect">
-                  <a:avLst/>
-                </a:prstGeom>
-                <a:blipFill>
-                  <a:blip r:embed="rId30"/>
-                  <a:stretch>
-                    <a:fillRect l="-19444" t="-33333" r="-94444" b="-5882"/>
-                  </a:stretch>
-                </a:blipFill>
-              </p:spPr>
-              <p:txBody>
-                <a:bodyPr/>
-                <a:lstStyle/>
-                <a:p>
-                  <a:r>
-                    <a:rPr lang="en-US">
-                      <a:noFill/>
-                    </a:rPr>
-                    <a:t> </a:t>
-                  </a:r>
-                </a:p>
-              </p:txBody>
-            </p:sp>
-          </mc:Fallback>
-        </mc:AlternateContent>
-      </p:grpSp>
-      <p:grpSp>
-        <p:nvGrpSpPr>
-          <p:cNvPr id="75" name="Group 74"/>
-          <p:cNvGrpSpPr/>
-          <p:nvPr/>
-        </p:nvGrpSpPr>
-        <p:grpSpPr>
-          <a:xfrm>
-            <a:off x="524107" y="615322"/>
-            <a:ext cx="7138848" cy="2655517"/>
-            <a:chOff x="524107" y="615322"/>
-            <a:chExt cx="7138848" cy="2655517"/>
-          </a:xfrm>
-        </p:grpSpPr>
-        <p:grpSp>
-          <p:nvGrpSpPr>
-            <p:cNvPr id="64" name="Group 63"/>
-            <p:cNvGrpSpPr/>
-            <p:nvPr/>
-          </p:nvGrpSpPr>
-          <p:grpSpPr>
-            <a:xfrm>
-              <a:off x="524107" y="615322"/>
-              <a:ext cx="7138848" cy="2631429"/>
-              <a:chOff x="524107" y="615322"/>
-              <a:chExt cx="7138848" cy="2631429"/>
-            </a:xfrm>
-          </p:grpSpPr>
-          <p:grpSp>
-            <p:nvGrpSpPr>
-              <p:cNvPr id="38" name="Group 37"/>
-              <p:cNvGrpSpPr/>
-              <p:nvPr/>
-            </p:nvGrpSpPr>
-            <p:grpSpPr>
-              <a:xfrm>
-                <a:off x="524107" y="1083326"/>
-                <a:ext cx="7138848" cy="2163425"/>
-                <a:chOff x="524107" y="1083326"/>
-                <a:chExt cx="7138848" cy="2163425"/>
-              </a:xfrm>
-            </p:grpSpPr>
-            <p:grpSp>
-              <p:nvGrpSpPr>
-                <p:cNvPr id="34" name="Group 33"/>
-                <p:cNvGrpSpPr/>
-                <p:nvPr/>
-              </p:nvGrpSpPr>
-              <p:grpSpPr>
-                <a:xfrm>
-                  <a:off x="524107" y="1083326"/>
-                  <a:ext cx="7138848" cy="2163425"/>
-                  <a:chOff x="524107" y="1083326"/>
-                  <a:chExt cx="7138848" cy="2163425"/>
-                </a:xfrm>
-              </p:grpSpPr>
-              <p:grpSp>
-                <p:nvGrpSpPr>
-                  <p:cNvPr id="22" name="Group 21"/>
-                  <p:cNvGrpSpPr/>
-                  <p:nvPr/>
-                </p:nvGrpSpPr>
-                <p:grpSpPr>
-                  <a:xfrm>
-                    <a:off x="524107" y="1083326"/>
-                    <a:ext cx="6378497" cy="1418455"/>
-                    <a:chOff x="769434" y="1908516"/>
-                    <a:chExt cx="6378497" cy="1418455"/>
-                  </a:xfrm>
-                </p:grpSpPr>
-                <p:sp>
-                  <p:nvSpPr>
-                    <p:cNvPr id="4" name="Rectangle 3"/>
-                    <p:cNvSpPr/>
-                    <p:nvPr/>
-                  </p:nvSpPr>
-                  <p:spPr>
-                    <a:xfrm>
-                      <a:off x="1315844" y="2587084"/>
-                      <a:ext cx="5832087" cy="167268"/>
-                    </a:xfrm>
-                    <a:prstGeom prst="rect">
-                      <a:avLst/>
-                    </a:prstGeom>
-                    <a:solidFill>
-                      <a:schemeClr val="bg2">
-                        <a:lumMod val="90000"/>
-                      </a:schemeClr>
-                    </a:solidFill>
-                    <a:ln w="38100">
-                      <a:solidFill>
-                        <a:schemeClr val="tx1"/>
-                      </a:solidFill>
-                    </a:ln>
-                  </p:spPr>
-                  <p:style>
-                    <a:lnRef idx="2">
-                      <a:schemeClr val="accent1">
-                        <a:shade val="50000"/>
-                      </a:schemeClr>
-                    </a:lnRef>
-                    <a:fillRef idx="1">
-                      <a:schemeClr val="accent1"/>
-                    </a:fillRef>
-                    <a:effectRef idx="0">
-                      <a:schemeClr val="accent1"/>
-                    </a:effectRef>
-                    <a:fontRef idx="minor">
-                      <a:schemeClr val="lt1"/>
-                    </a:fontRef>
-                  </p:style>
-                  <p:txBody>
-                    <a:bodyPr rtlCol="0" anchor="ctr"/>
-                    <a:lstStyle/>
-                    <a:p>
-                      <a:pPr algn="ctr"/>
-                      <a:endParaRPr lang="en-US"/>
-                    </a:p>
-                  </p:txBody>
-                </p:sp>
-                <p:sp>
-                  <p:nvSpPr>
-                    <p:cNvPr id="5" name="Rectangle 4"/>
-                    <p:cNvSpPr/>
-                    <p:nvPr/>
-                  </p:nvSpPr>
-                  <p:spPr>
-                    <a:xfrm>
-                      <a:off x="1315844" y="1984917"/>
-                      <a:ext cx="657922" cy="602166"/>
-                    </a:xfrm>
-                    <a:prstGeom prst="rect">
-                      <a:avLst/>
-                    </a:prstGeom>
-                    <a:solidFill>
-                      <a:schemeClr val="bg2"/>
-                    </a:solidFill>
-                    <a:ln w="38100">
-                      <a:solidFill>
-                        <a:schemeClr val="tx1"/>
-                      </a:solidFill>
-                    </a:ln>
-                  </p:spPr>
-                  <p:style>
-                    <a:lnRef idx="2">
-                      <a:schemeClr val="accent1">
-                        <a:shade val="50000"/>
-                      </a:schemeClr>
-                    </a:lnRef>
-                    <a:fillRef idx="1">
-                      <a:schemeClr val="accent1"/>
-                    </a:fillRef>
-                    <a:effectRef idx="0">
-                      <a:schemeClr val="accent1"/>
-                    </a:effectRef>
-                    <a:fontRef idx="minor">
-                      <a:schemeClr val="lt1"/>
-                    </a:fontRef>
-                  </p:style>
-                  <p:txBody>
-                    <a:bodyPr rtlCol="0" anchor="ctr"/>
-                    <a:lstStyle/>
-                    <a:p>
-                      <a:pPr algn="ctr"/>
-                      <a:endParaRPr lang="en-US"/>
-                    </a:p>
-                  </p:txBody>
-                </p:sp>
-                <p:cxnSp>
-                  <p:nvCxnSpPr>
-                    <p:cNvPr id="7" name="Straight Arrow Connector 6"/>
-                    <p:cNvCxnSpPr/>
-                    <p:nvPr/>
-                  </p:nvCxnSpPr>
-                  <p:spPr>
-                    <a:xfrm flipV="1">
-                      <a:off x="769434" y="2280425"/>
-                      <a:ext cx="546410" cy="11151"/>
-                    </a:xfrm>
-                    <a:prstGeom prst="straightConnector1">
-                      <a:avLst/>
-                    </a:prstGeom>
-                    <a:ln w="38100">
-                      <a:solidFill>
-                        <a:schemeClr val="tx1"/>
-                      </a:solidFill>
-                      <a:tailEnd type="triangle"/>
-                    </a:ln>
-                  </p:spPr>
-                  <p:style>
-                    <a:lnRef idx="1">
-                      <a:schemeClr val="accent1"/>
-                    </a:lnRef>
-                    <a:fillRef idx="0">
-                      <a:schemeClr val="accent1"/>
-                    </a:fillRef>
-                    <a:effectRef idx="0">
-                      <a:schemeClr val="accent1"/>
-                    </a:effectRef>
-                    <a:fontRef idx="minor">
-                      <a:schemeClr val="tx1"/>
-                    </a:fontRef>
-                  </p:style>
-                </p:cxnSp>
-                <p:sp>
-                  <p:nvSpPr>
-                    <p:cNvPr id="8" name="Rectangle 7"/>
-                    <p:cNvSpPr/>
-                    <p:nvPr/>
-                  </p:nvSpPr>
-                  <p:spPr>
-                    <a:xfrm>
-                      <a:off x="3263590" y="1982129"/>
-                      <a:ext cx="657922" cy="602166"/>
-                    </a:xfrm>
-                    <a:prstGeom prst="rect">
-                      <a:avLst/>
-                    </a:prstGeom>
-                    <a:solidFill>
-                      <a:schemeClr val="bg2"/>
-                    </a:solidFill>
-                    <a:ln w="38100">
-                      <a:solidFill>
-                        <a:schemeClr val="tx1"/>
-                      </a:solidFill>
-                    </a:ln>
-                  </p:spPr>
-                  <p:style>
-                    <a:lnRef idx="2">
-                      <a:schemeClr val="accent1">
-                        <a:shade val="50000"/>
-                      </a:schemeClr>
-                    </a:lnRef>
-                    <a:fillRef idx="1">
-                      <a:schemeClr val="accent1"/>
-                    </a:fillRef>
-                    <a:effectRef idx="0">
-                      <a:schemeClr val="accent1"/>
-                    </a:effectRef>
-                    <a:fontRef idx="minor">
-                      <a:schemeClr val="lt1"/>
-                    </a:fontRef>
-                  </p:style>
-                  <p:txBody>
-                    <a:bodyPr rtlCol="0" anchor="ctr"/>
-                    <a:lstStyle/>
-                    <a:p>
-                      <a:pPr algn="ctr"/>
-                      <a:endParaRPr lang="en-US"/>
-                    </a:p>
-                  </p:txBody>
-                </p:sp>
-                <p:cxnSp>
-                  <p:nvCxnSpPr>
-                    <p:cNvPr id="9" name="Straight Arrow Connector 8"/>
-                    <p:cNvCxnSpPr/>
-                    <p:nvPr/>
-                  </p:nvCxnSpPr>
-                  <p:spPr>
-                    <a:xfrm flipV="1">
-                      <a:off x="2448886" y="2277639"/>
-                      <a:ext cx="814704" cy="11149"/>
-                    </a:xfrm>
-                    <a:prstGeom prst="straightConnector1">
-                      <a:avLst/>
-                    </a:prstGeom>
-                    <a:ln w="38100">
-                      <a:solidFill>
-                        <a:schemeClr val="tx1"/>
-                      </a:solidFill>
-                      <a:tailEnd type="triangle"/>
-                    </a:ln>
-                  </p:spPr>
-                  <p:style>
-                    <a:lnRef idx="1">
-                      <a:schemeClr val="accent1"/>
-                    </a:lnRef>
-                    <a:fillRef idx="0">
-                      <a:schemeClr val="accent1"/>
-                    </a:fillRef>
-                    <a:effectRef idx="0">
-                      <a:schemeClr val="accent1"/>
-                    </a:effectRef>
-                    <a:fontRef idx="minor">
-                      <a:schemeClr val="tx1"/>
-                    </a:fontRef>
-                  </p:style>
-                </p:cxnSp>
-                <p:sp>
-                  <p:nvSpPr>
-                    <p:cNvPr id="10" name="Rectangle 9"/>
-                    <p:cNvSpPr/>
-                    <p:nvPr/>
-                  </p:nvSpPr>
-                  <p:spPr>
-                    <a:xfrm>
-                      <a:off x="5211336" y="1987705"/>
-                      <a:ext cx="657922" cy="602166"/>
-                    </a:xfrm>
-                    <a:prstGeom prst="rect">
-                      <a:avLst/>
-                    </a:prstGeom>
-                    <a:solidFill>
-                      <a:schemeClr val="bg2"/>
-                    </a:solidFill>
-                    <a:ln w="38100">
-                      <a:solidFill>
-                        <a:schemeClr val="tx1"/>
-                      </a:solidFill>
-                    </a:ln>
-                  </p:spPr>
-                  <p:style>
-                    <a:lnRef idx="2">
-                      <a:schemeClr val="accent1">
-                        <a:shade val="50000"/>
-                      </a:schemeClr>
-                    </a:lnRef>
-                    <a:fillRef idx="1">
-                      <a:schemeClr val="accent1"/>
-                    </a:fillRef>
-                    <a:effectRef idx="0">
-                      <a:schemeClr val="accent1"/>
-                    </a:effectRef>
-                    <a:fontRef idx="minor">
-                      <a:schemeClr val="lt1"/>
-                    </a:fontRef>
-                  </p:style>
-                  <p:txBody>
-                    <a:bodyPr rtlCol="0" anchor="ctr"/>
-                    <a:lstStyle/>
-                    <a:p>
-                      <a:pPr algn="ctr"/>
-                      <a:endParaRPr lang="en-US"/>
-                    </a:p>
-                  </p:txBody>
-                </p:sp>
-                <p:cxnSp>
-                  <p:nvCxnSpPr>
-                    <p:cNvPr id="11" name="Straight Arrow Connector 10"/>
-                    <p:cNvCxnSpPr/>
-                    <p:nvPr/>
-                  </p:nvCxnSpPr>
-                  <p:spPr>
-                    <a:xfrm flipV="1">
-                      <a:off x="4078294" y="2283214"/>
-                      <a:ext cx="1133042" cy="16181"/>
-                    </a:xfrm>
-                    <a:prstGeom prst="straightConnector1">
-                      <a:avLst/>
-                    </a:prstGeom>
-                    <a:ln w="38100">
-                      <a:solidFill>
-                        <a:schemeClr val="tx1"/>
-                      </a:solidFill>
-                      <a:tailEnd type="triangle"/>
-                    </a:ln>
-                  </p:spPr>
-                  <p:style>
-                    <a:lnRef idx="1">
-                      <a:schemeClr val="accent1"/>
-                    </a:lnRef>
-                    <a:fillRef idx="0">
-                      <a:schemeClr val="accent1"/>
-                    </a:fillRef>
-                    <a:effectRef idx="0">
-                      <a:schemeClr val="accent1"/>
-                    </a:effectRef>
-                    <a:fontRef idx="minor">
-                      <a:schemeClr val="tx1"/>
-                    </a:fontRef>
-                  </p:style>
-                </p:cxnSp>
-                <mc:AlternateContent xmlns:mc="http://schemas.openxmlformats.org/markup-compatibility/2006" xmlns:a14="http://schemas.microsoft.com/office/drawing/2010/main">
-                  <mc:Choice Requires="a14">
-                    <p:sp>
-                      <p:nvSpPr>
-                        <p:cNvPr id="12" name="TextBox 11"/>
-                        <p:cNvSpPr txBox="1"/>
-                        <p:nvPr/>
-                      </p:nvSpPr>
-                      <p:spPr>
-                        <a:xfrm>
-                          <a:off x="845908" y="1910440"/>
-                          <a:ext cx="313291" cy="345159"/>
-                        </a:xfrm>
-                        <a:prstGeom prst="rect">
-                          <a:avLst/>
-                        </a:prstGeom>
-                        <a:noFill/>
-                      </p:spPr>
-                      <p:txBody>
-                        <a:bodyPr wrap="none" lIns="0" tIns="0" rIns="0" bIns="0" rtlCol="0">
-                          <a:spAutoFit/>
-                        </a:bodyPr>
-                        <a:lstStyle/>
-                        <a:p>
-                          <a:pPr/>
-                          <a14:m>
-                            <m:oMathPara xmlns:m="http://schemas.openxmlformats.org/officeDocument/2006/math">
-                              <m:oMathParaPr>
-                                <m:jc m:val="centerGroup"/>
-                              </m:oMathParaPr>
-                              <m:oMath xmlns:m="http://schemas.openxmlformats.org/officeDocument/2006/math">
-                                <m:sSub>
-                                  <m:sSubPr>
-                                    <m:ctrlPr>
-                                      <a:rPr lang="en-US" sz="2000" b="0" i="1" smtClean="0">
-                                        <a:latin typeface="Cambria Math" panose="02040503050406030204" pitchFamily="18" charset="0"/>
-                                        <a:cs typeface="Arial" panose="020B0604020202020204" pitchFamily="34" charset="0"/>
-                                      </a:rPr>
-                                    </m:ctrlPr>
-                                  </m:sSubPr>
-                                  <m:e>
-                                    <m:acc>
-                                      <m:accPr>
-                                        <m:chr m:val="⃗"/>
-                                        <m:ctrlPr>
-                                          <a:rPr lang="en-US" sz="2000" b="0" i="1" smtClean="0">
-                                            <a:latin typeface="Cambria Math" panose="02040503050406030204" pitchFamily="18" charset="0"/>
-                                            <a:cs typeface="Arial" panose="020B0604020202020204" pitchFamily="34" charset="0"/>
-                                          </a:rPr>
-                                        </m:ctrlPr>
-                                      </m:accPr>
-                                      <m:e>
-                                        <m:r>
-                                          <a:rPr lang="en-US" sz="2000" b="0" i="1" smtClean="0">
-                                            <a:latin typeface="Cambria Math" panose="02040503050406030204" pitchFamily="18" charset="0"/>
-                                            <a:cs typeface="Arial" panose="020B0604020202020204" pitchFamily="34" charset="0"/>
-                                          </a:rPr>
-                                          <m:t>𝐹</m:t>
-                                        </m:r>
-                                      </m:e>
-                                    </m:acc>
-                                  </m:e>
-                                  <m:sub>
-                                    <m:r>
-                                      <a:rPr lang="en-US" sz="2000" b="0" i="1" smtClean="0">
-                                        <a:latin typeface="Cambria Math" panose="02040503050406030204" pitchFamily="18" charset="0"/>
-                                        <a:cs typeface="Arial" panose="020B0604020202020204" pitchFamily="34" charset="0"/>
-                                      </a:rPr>
-                                      <m:t>1</m:t>
-                                    </m:r>
-                                  </m:sub>
-                                </m:sSub>
-                              </m:oMath>
-                            </m:oMathPara>
-                          </a14:m>
-                          <a:endParaRPr lang="en-US" sz="2000" dirty="0" smtClean="0">
-                            <a:latin typeface="Arial" panose="020B0604020202020204" pitchFamily="34" charset="0"/>
-                            <a:cs typeface="Arial" panose="020B0604020202020204" pitchFamily="34" charset="0"/>
-                          </a:endParaRPr>
-                        </a:p>
-                      </p:txBody>
-                    </p:sp>
-                  </mc:Choice>
-                  <mc:Fallback xmlns="">
-                    <p:sp>
-                      <p:nvSpPr>
-                        <p:cNvPr id="12" name="TextBox 11"/>
-                        <p:cNvSpPr txBox="1">
-                          <a:spLocks noRot="1" noChangeAspect="1" noMove="1" noResize="1" noEditPoints="1" noAdjustHandles="1" noChangeArrowheads="1" noChangeShapeType="1" noTextEdit="1"/>
-                        </p:cNvSpPr>
-                        <p:nvPr/>
-                      </p:nvSpPr>
-                      <p:spPr>
-                        <a:xfrm>
-                          <a:off x="845908" y="1910440"/>
-                          <a:ext cx="313291" cy="345159"/>
-                        </a:xfrm>
-                        <a:prstGeom prst="rect">
-                          <a:avLst/>
-                        </a:prstGeom>
-                        <a:blipFill>
-                          <a:blip r:embed="rId31"/>
-                          <a:stretch>
-                            <a:fillRect l="-17647" t="-33333" r="-68627" b="-15789"/>
-                          </a:stretch>
-                        </a:blipFill>
-                      </p:spPr>
-                      <p:txBody>
-                        <a:bodyPr/>
-                        <a:lstStyle/>
-                        <a:p>
-                          <a:r>
-                            <a:rPr lang="en-US">
-                              <a:noFill/>
-                            </a:rPr>
-                            <a:t> </a:t>
-                          </a:r>
-                        </a:p>
-                      </p:txBody>
-                    </p:sp>
-                  </mc:Fallback>
-                </mc:AlternateContent>
-                <mc:AlternateContent xmlns:mc="http://schemas.openxmlformats.org/markup-compatibility/2006" xmlns:a14="http://schemas.microsoft.com/office/drawing/2010/main">
-                  <mc:Choice Requires="a14">
-                    <p:sp>
-                      <p:nvSpPr>
-                        <p:cNvPr id="13" name="TextBox 12"/>
-                        <p:cNvSpPr txBox="1"/>
-                        <p:nvPr/>
-                      </p:nvSpPr>
-                      <p:spPr>
-                        <a:xfrm>
-                          <a:off x="2856238" y="1908516"/>
-                          <a:ext cx="319254" cy="345159"/>
-                        </a:xfrm>
-                        <a:prstGeom prst="rect">
-                          <a:avLst/>
-                        </a:prstGeom>
-                        <a:noFill/>
-                      </p:spPr>
-                      <p:txBody>
-                        <a:bodyPr wrap="none" lIns="0" tIns="0" rIns="0" bIns="0" rtlCol="0">
-                          <a:spAutoFit/>
-                        </a:bodyPr>
-                        <a:lstStyle/>
-                        <a:p>
-                          <a:pPr/>
-                          <a14:m>
-                            <m:oMathPara xmlns:m="http://schemas.openxmlformats.org/officeDocument/2006/math">
-                              <m:oMathParaPr>
-                                <m:jc m:val="centerGroup"/>
-                              </m:oMathParaPr>
-                              <m:oMath xmlns:m="http://schemas.openxmlformats.org/officeDocument/2006/math">
-                                <m:sSub>
-                                  <m:sSubPr>
-                                    <m:ctrlPr>
-                                      <a:rPr lang="en-US" sz="2000" b="0" i="1" smtClean="0">
-                                        <a:latin typeface="Cambria Math" panose="02040503050406030204" pitchFamily="18" charset="0"/>
-                                        <a:cs typeface="Arial" panose="020B0604020202020204" pitchFamily="34" charset="0"/>
-                                      </a:rPr>
-                                    </m:ctrlPr>
-                                  </m:sSubPr>
-                                  <m:e>
-                                    <m:acc>
-                                      <m:accPr>
-                                        <m:chr m:val="⃗"/>
-                                        <m:ctrlPr>
-                                          <a:rPr lang="en-US" sz="2000" b="0" i="1" smtClean="0">
-                                            <a:latin typeface="Cambria Math" panose="02040503050406030204" pitchFamily="18" charset="0"/>
-                                            <a:cs typeface="Arial" panose="020B0604020202020204" pitchFamily="34" charset="0"/>
-                                          </a:rPr>
-                                        </m:ctrlPr>
-                                      </m:accPr>
-                                      <m:e>
-                                        <m:r>
-                                          <a:rPr lang="en-US" sz="2000" b="0" i="1" smtClean="0">
-                                            <a:latin typeface="Cambria Math" panose="02040503050406030204" pitchFamily="18" charset="0"/>
-                                            <a:cs typeface="Arial" panose="020B0604020202020204" pitchFamily="34" charset="0"/>
-                                          </a:rPr>
-                                          <m:t>𝐹</m:t>
-                                        </m:r>
-                                      </m:e>
-                                    </m:acc>
-                                  </m:e>
-                                  <m:sub>
-                                    <m:r>
-                                      <a:rPr lang="en-US" sz="2000" b="0" i="1" smtClean="0">
-                                        <a:latin typeface="Cambria Math" panose="02040503050406030204" pitchFamily="18" charset="0"/>
-                                        <a:cs typeface="Arial" panose="020B0604020202020204" pitchFamily="34" charset="0"/>
-                                      </a:rPr>
-                                      <m:t>2</m:t>
-                                    </m:r>
-                                  </m:sub>
-                                </m:sSub>
-                              </m:oMath>
-                            </m:oMathPara>
-                          </a14:m>
-                          <a:endParaRPr lang="en-US" sz="2000" dirty="0" smtClean="0">
-                            <a:latin typeface="Arial" panose="020B0604020202020204" pitchFamily="34" charset="0"/>
-                            <a:cs typeface="Arial" panose="020B0604020202020204" pitchFamily="34" charset="0"/>
-                          </a:endParaRPr>
-                        </a:p>
-                      </p:txBody>
-                    </p:sp>
-                  </mc:Choice>
-                  <mc:Fallback xmlns="">
-                    <p:sp>
-                      <p:nvSpPr>
-                        <p:cNvPr id="13" name="TextBox 12"/>
-                        <p:cNvSpPr txBox="1">
-                          <a:spLocks noRot="1" noChangeAspect="1" noMove="1" noResize="1" noEditPoints="1" noAdjustHandles="1" noChangeArrowheads="1" noChangeShapeType="1" noTextEdit="1"/>
-                        </p:cNvSpPr>
-                        <p:nvPr/>
-                      </p:nvSpPr>
-                      <p:spPr>
-                        <a:xfrm>
-                          <a:off x="2856238" y="1908516"/>
-                          <a:ext cx="319254" cy="345159"/>
-                        </a:xfrm>
-                        <a:prstGeom prst="rect">
-                          <a:avLst/>
-                        </a:prstGeom>
-                        <a:blipFill>
-                          <a:blip r:embed="rId32"/>
-                          <a:stretch>
-                            <a:fillRect l="-15094" t="-35714" r="-66038" b="-17857"/>
-                          </a:stretch>
-                        </a:blipFill>
-                      </p:spPr>
-                      <p:txBody>
-                        <a:bodyPr/>
-                        <a:lstStyle/>
-                        <a:p>
-                          <a:r>
-                            <a:rPr lang="en-US">
-                              <a:noFill/>
-                            </a:rPr>
-                            <a:t> </a:t>
-                          </a:r>
-                        </a:p>
-                      </p:txBody>
-                    </p:sp>
-                  </mc:Fallback>
-                </mc:AlternateContent>
-                <mc:AlternateContent xmlns:mc="http://schemas.openxmlformats.org/markup-compatibility/2006" xmlns:a14="http://schemas.microsoft.com/office/drawing/2010/main">
-                  <mc:Choice Requires="a14">
-                    <p:sp>
-                      <p:nvSpPr>
-                        <p:cNvPr id="14" name="TextBox 13"/>
-                        <p:cNvSpPr txBox="1"/>
-                        <p:nvPr/>
-                      </p:nvSpPr>
-                      <p:spPr>
-                        <a:xfrm>
-                          <a:off x="4781486" y="1908516"/>
-                          <a:ext cx="319254" cy="345159"/>
-                        </a:xfrm>
-                        <a:prstGeom prst="rect">
-                          <a:avLst/>
-                        </a:prstGeom>
-                        <a:noFill/>
-                      </p:spPr>
-                      <p:txBody>
-                        <a:bodyPr wrap="none" lIns="0" tIns="0" rIns="0" bIns="0" rtlCol="0">
-                          <a:spAutoFit/>
-                        </a:bodyPr>
-                        <a:lstStyle/>
-                        <a:p>
-                          <a:pPr/>
-                          <a14:m>
-                            <m:oMathPara xmlns:m="http://schemas.openxmlformats.org/officeDocument/2006/math">
-                              <m:oMathParaPr>
-                                <m:jc m:val="centerGroup"/>
-                              </m:oMathParaPr>
-                              <m:oMath xmlns:m="http://schemas.openxmlformats.org/officeDocument/2006/math">
-                                <m:sSub>
-                                  <m:sSubPr>
-                                    <m:ctrlPr>
-                                      <a:rPr lang="en-US" sz="2000" b="0" i="1" smtClean="0">
-                                        <a:latin typeface="Cambria Math" panose="02040503050406030204" pitchFamily="18" charset="0"/>
-                                        <a:cs typeface="Arial" panose="020B0604020202020204" pitchFamily="34" charset="0"/>
-                                      </a:rPr>
-                                    </m:ctrlPr>
-                                  </m:sSubPr>
-                                  <m:e>
-                                    <m:acc>
-                                      <m:accPr>
-                                        <m:chr m:val="⃗"/>
-                                        <m:ctrlPr>
-                                          <a:rPr lang="en-US" sz="2000" b="0" i="1" smtClean="0">
-                                            <a:latin typeface="Cambria Math" panose="02040503050406030204" pitchFamily="18" charset="0"/>
-                                            <a:cs typeface="Arial" panose="020B0604020202020204" pitchFamily="34" charset="0"/>
-                                          </a:rPr>
-                                        </m:ctrlPr>
-                                      </m:accPr>
-                                      <m:e>
-                                        <m:r>
-                                          <a:rPr lang="en-US" sz="2000" b="0" i="1" smtClean="0">
-                                            <a:latin typeface="Cambria Math" panose="02040503050406030204" pitchFamily="18" charset="0"/>
-                                            <a:cs typeface="Arial" panose="020B0604020202020204" pitchFamily="34" charset="0"/>
-                                          </a:rPr>
-                                          <m:t>𝐹</m:t>
-                                        </m:r>
-                                      </m:e>
-                                    </m:acc>
-                                  </m:e>
-                                  <m:sub>
-                                    <m:r>
-                                      <a:rPr lang="en-US" sz="2000" b="0" i="1" smtClean="0">
-                                        <a:latin typeface="Cambria Math" panose="02040503050406030204" pitchFamily="18" charset="0"/>
-                                        <a:cs typeface="Arial" panose="020B0604020202020204" pitchFamily="34" charset="0"/>
-                                      </a:rPr>
-                                      <m:t>3</m:t>
-                                    </m:r>
-                                  </m:sub>
-                                </m:sSub>
-                              </m:oMath>
-                            </m:oMathPara>
-                          </a14:m>
-                          <a:endParaRPr lang="en-US" sz="2000" dirty="0" smtClean="0">
-                            <a:latin typeface="Arial" panose="020B0604020202020204" pitchFamily="34" charset="0"/>
-                            <a:cs typeface="Arial" panose="020B0604020202020204" pitchFamily="34" charset="0"/>
-                          </a:endParaRPr>
-                        </a:p>
-                      </p:txBody>
-                    </p:sp>
-                  </mc:Choice>
-                  <mc:Fallback xmlns="">
-                    <p:sp>
-                      <p:nvSpPr>
-                        <p:cNvPr id="14" name="TextBox 13"/>
-                        <p:cNvSpPr txBox="1">
-                          <a:spLocks noRot="1" noChangeAspect="1" noMove="1" noResize="1" noEditPoints="1" noAdjustHandles="1" noChangeArrowheads="1" noChangeShapeType="1" noTextEdit="1"/>
-                        </p:cNvSpPr>
-                        <p:nvPr/>
-                      </p:nvSpPr>
-                      <p:spPr>
-                        <a:xfrm>
-                          <a:off x="4781486" y="1908516"/>
-                          <a:ext cx="319254" cy="345159"/>
-                        </a:xfrm>
-                        <a:prstGeom prst="rect">
-                          <a:avLst/>
-                        </a:prstGeom>
-                        <a:blipFill>
-                          <a:blip r:embed="rId33"/>
-                          <a:stretch>
-                            <a:fillRect l="-15385" t="-35714" r="-69231" b="-17857"/>
-                          </a:stretch>
-                        </a:blipFill>
-                      </p:spPr>
-                      <p:txBody>
-                        <a:bodyPr/>
-                        <a:lstStyle/>
-                        <a:p>
-                          <a:r>
-                            <a:rPr lang="en-US">
-                              <a:noFill/>
-                            </a:rPr>
-                            <a:t> </a:t>
-                          </a:r>
-                        </a:p>
-                      </p:txBody>
-                    </p:sp>
-                  </mc:Fallback>
-                </mc:AlternateContent>
-                <p:cxnSp>
-                  <p:nvCxnSpPr>
-                    <p:cNvPr id="16" name="Straight Arrow Connector 15"/>
-                    <p:cNvCxnSpPr/>
-                    <p:nvPr/>
-                  </p:nvCxnSpPr>
-                  <p:spPr>
-                    <a:xfrm flipV="1">
-                      <a:off x="1315844" y="2932771"/>
-                      <a:ext cx="1947746" cy="22302"/>
-                    </a:xfrm>
-                    <a:prstGeom prst="straightConnector1">
-                      <a:avLst/>
-                    </a:prstGeom>
-                    <a:ln w="38100">
-                      <a:solidFill>
-                        <a:schemeClr val="tx1"/>
-                      </a:solidFill>
-                      <a:headEnd type="triangle"/>
-                      <a:tailEnd type="triangle"/>
-                    </a:ln>
-                  </p:spPr>
-                  <p:style>
-                    <a:lnRef idx="1">
-                      <a:schemeClr val="accent1"/>
-                    </a:lnRef>
-                    <a:fillRef idx="0">
-                      <a:schemeClr val="accent1"/>
-                    </a:fillRef>
-                    <a:effectRef idx="0">
-                      <a:schemeClr val="accent1"/>
-                    </a:effectRef>
-                    <a:fontRef idx="minor">
-                      <a:schemeClr val="tx1"/>
-                    </a:fontRef>
-                  </p:style>
-                </p:cxnSp>
-                <p:cxnSp>
-                  <p:nvCxnSpPr>
-                    <p:cNvPr id="17" name="Straight Arrow Connector 16"/>
-                    <p:cNvCxnSpPr/>
-                    <p:nvPr/>
-                  </p:nvCxnSpPr>
-                  <p:spPr>
-                    <a:xfrm flipV="1">
-                      <a:off x="3263590" y="2921620"/>
-                      <a:ext cx="1947746" cy="22302"/>
-                    </a:xfrm>
-                    <a:prstGeom prst="straightConnector1">
-                      <a:avLst/>
-                    </a:prstGeom>
-                    <a:ln w="38100">
-                      <a:solidFill>
-                        <a:schemeClr val="tx1"/>
-                      </a:solidFill>
-                      <a:headEnd type="triangle"/>
-                      <a:tailEnd type="triangle"/>
-                    </a:ln>
-                  </p:spPr>
-                  <p:style>
-                    <a:lnRef idx="1">
-                      <a:schemeClr val="accent1"/>
-                    </a:lnRef>
-                    <a:fillRef idx="0">
-                      <a:schemeClr val="accent1"/>
-                    </a:fillRef>
-                    <a:effectRef idx="0">
-                      <a:schemeClr val="accent1"/>
-                    </a:effectRef>
-                    <a:fontRef idx="minor">
-                      <a:schemeClr val="tx1"/>
-                    </a:fontRef>
-                  </p:style>
-                </p:cxnSp>
-                <p:cxnSp>
-                  <p:nvCxnSpPr>
-                    <p:cNvPr id="18" name="Straight Arrow Connector 17"/>
-                    <p:cNvCxnSpPr/>
-                    <p:nvPr/>
-                  </p:nvCxnSpPr>
-                  <p:spPr>
-                    <a:xfrm flipV="1">
-                      <a:off x="5200185" y="2893743"/>
-                      <a:ext cx="1947746" cy="22302"/>
-                    </a:xfrm>
-                    <a:prstGeom prst="straightConnector1">
-                      <a:avLst/>
-                    </a:prstGeom>
-                    <a:ln w="38100">
-                      <a:solidFill>
-                        <a:schemeClr val="tx1"/>
-                      </a:solidFill>
-                      <a:headEnd type="triangle"/>
-                      <a:tailEnd type="triangle"/>
-                    </a:ln>
-                  </p:spPr>
-                  <p:style>
-                    <a:lnRef idx="1">
-                      <a:schemeClr val="accent1"/>
-                    </a:lnRef>
-                    <a:fillRef idx="0">
-                      <a:schemeClr val="accent1"/>
-                    </a:fillRef>
-                    <a:effectRef idx="0">
-                      <a:schemeClr val="accent1"/>
-                    </a:effectRef>
-                    <a:fontRef idx="minor">
-                      <a:schemeClr val="tx1"/>
-                    </a:fontRef>
-                  </p:style>
-                </p:cxnSp>
-                <mc:AlternateContent xmlns:mc="http://schemas.openxmlformats.org/markup-compatibility/2006" xmlns:a14="http://schemas.microsoft.com/office/drawing/2010/main">
-                  <mc:Choice Requires="a14">
-                    <p:sp>
-                      <p:nvSpPr>
-                        <p:cNvPr id="19" name="TextBox 18"/>
-                        <p:cNvSpPr txBox="1"/>
-                        <p:nvPr/>
-                      </p:nvSpPr>
-                      <p:spPr>
-                        <a:xfrm>
-                          <a:off x="2106301" y="3019194"/>
-                          <a:ext cx="366832" cy="307777"/>
-                        </a:xfrm>
-                        <a:prstGeom prst="rect">
-                          <a:avLst/>
-                        </a:prstGeom>
-                        <a:noFill/>
-                      </p:spPr>
-                      <p:txBody>
-                        <a:bodyPr wrap="none" lIns="0" tIns="0" rIns="0" bIns="0" rtlCol="0">
-                          <a:spAutoFit/>
-                        </a:bodyPr>
-                        <a:lstStyle/>
-                        <a:p>
-                          <a:pPr/>
-                          <a14:m>
-                            <m:oMathPara xmlns:m="http://schemas.openxmlformats.org/officeDocument/2006/math">
-                              <m:oMathParaPr>
-                                <m:jc m:val="centerGroup"/>
-                              </m:oMathParaPr>
-                              <m:oMath xmlns:m="http://schemas.openxmlformats.org/officeDocument/2006/math">
-                                <m:r>
-                                  <m:rPr>
-                                    <m:sty m:val="p"/>
-                                  </m:rPr>
-                                  <a:rPr lang="en-US" sz="2000" b="0" i="0" smtClean="0">
-                                    <a:latin typeface="Cambria Math" panose="02040503050406030204" pitchFamily="18" charset="0"/>
-                                    <a:cs typeface="Arial" panose="020B0604020202020204" pitchFamily="34" charset="0"/>
-                                  </a:rPr>
-                                  <m:t>Δ</m:t>
-                                </m:r>
-                                <m:r>
-                                  <a:rPr lang="en-US" sz="2000" b="0" i="1" smtClean="0">
-                                    <a:latin typeface="Cambria Math" panose="02040503050406030204" pitchFamily="18" charset="0"/>
-                                    <a:cs typeface="Arial" panose="020B0604020202020204" pitchFamily="34" charset="0"/>
-                                  </a:rPr>
-                                  <m:t>𝑥</m:t>
-                                </m:r>
-                              </m:oMath>
-                            </m:oMathPara>
-                          </a14:m>
-                          <a:endParaRPr lang="en-US" sz="2000" dirty="0" smtClean="0">
-                            <a:latin typeface="Arial" panose="020B0604020202020204" pitchFamily="34" charset="0"/>
-                            <a:cs typeface="Arial" panose="020B0604020202020204" pitchFamily="34" charset="0"/>
-                          </a:endParaRPr>
-                        </a:p>
-                      </p:txBody>
-                    </p:sp>
-                  </mc:Choice>
-                  <mc:Fallback xmlns="">
-                    <p:sp>
-                      <p:nvSpPr>
-                        <p:cNvPr id="19" name="TextBox 18"/>
-                        <p:cNvSpPr txBox="1">
-                          <a:spLocks noRot="1" noChangeAspect="1" noMove="1" noResize="1" noEditPoints="1" noAdjustHandles="1" noChangeArrowheads="1" noChangeShapeType="1" noTextEdit="1"/>
-                        </p:cNvSpPr>
-                        <p:nvPr/>
-                      </p:nvSpPr>
-                      <p:spPr>
-                        <a:xfrm>
-                          <a:off x="2106301" y="3019194"/>
-                          <a:ext cx="366832" cy="307777"/>
-                        </a:xfrm>
-                        <a:prstGeom prst="rect">
-                          <a:avLst/>
-                        </a:prstGeom>
-                        <a:blipFill>
-                          <a:blip r:embed="rId34"/>
-                          <a:stretch>
-                            <a:fillRect l="-13333" r="-6667" b="-10000"/>
-                          </a:stretch>
-                        </a:blipFill>
-                      </p:spPr>
-                      <p:txBody>
-                        <a:bodyPr/>
-                        <a:lstStyle/>
-                        <a:p>
-                          <a:r>
-                            <a:rPr lang="en-US">
-                              <a:noFill/>
-                            </a:rPr>
-                            <a:t> </a:t>
-                          </a:r>
-                        </a:p>
-                      </p:txBody>
-                    </p:sp>
-                  </mc:Fallback>
-                </mc:AlternateContent>
-                <mc:AlternateContent xmlns:mc="http://schemas.openxmlformats.org/markup-compatibility/2006" xmlns:a14="http://schemas.microsoft.com/office/drawing/2010/main">
-                  <mc:Choice Requires="a14">
-                    <p:sp>
-                      <p:nvSpPr>
-                        <p:cNvPr id="20" name="TextBox 19"/>
-                        <p:cNvSpPr txBox="1"/>
-                        <p:nvPr/>
-                      </p:nvSpPr>
-                      <p:spPr>
-                        <a:xfrm>
-                          <a:off x="4048471" y="3018636"/>
-                          <a:ext cx="366832" cy="307777"/>
-                        </a:xfrm>
-                        <a:prstGeom prst="rect">
-                          <a:avLst/>
-                        </a:prstGeom>
-                        <a:noFill/>
-                      </p:spPr>
-                      <p:txBody>
-                        <a:bodyPr wrap="none" lIns="0" tIns="0" rIns="0" bIns="0" rtlCol="0">
-                          <a:spAutoFit/>
-                        </a:bodyPr>
-                        <a:lstStyle/>
-                        <a:p>
-                          <a:pPr/>
-                          <a14:m>
-                            <m:oMathPara xmlns:m="http://schemas.openxmlformats.org/officeDocument/2006/math">
-                              <m:oMathParaPr>
-                                <m:jc m:val="centerGroup"/>
-                              </m:oMathParaPr>
-                              <m:oMath xmlns:m="http://schemas.openxmlformats.org/officeDocument/2006/math">
-                                <m:r>
-                                  <m:rPr>
-                                    <m:sty m:val="p"/>
-                                  </m:rPr>
-                                  <a:rPr lang="en-US" sz="2000" b="0" i="0" smtClean="0">
-                                    <a:latin typeface="Cambria Math" panose="02040503050406030204" pitchFamily="18" charset="0"/>
-                                    <a:cs typeface="Arial" panose="020B0604020202020204" pitchFamily="34" charset="0"/>
-                                  </a:rPr>
-                                  <m:t>Δ</m:t>
-                                </m:r>
-                                <m:r>
-                                  <a:rPr lang="en-US" sz="2000" b="0" i="1" smtClean="0">
-                                    <a:latin typeface="Cambria Math" panose="02040503050406030204" pitchFamily="18" charset="0"/>
-                                    <a:cs typeface="Arial" panose="020B0604020202020204" pitchFamily="34" charset="0"/>
-                                  </a:rPr>
-                                  <m:t>𝑥</m:t>
-                                </m:r>
-                              </m:oMath>
-                            </m:oMathPara>
-                          </a14:m>
-                          <a:endParaRPr lang="en-US" sz="2000" dirty="0" smtClean="0">
-                            <a:latin typeface="Arial" panose="020B0604020202020204" pitchFamily="34" charset="0"/>
-                            <a:cs typeface="Arial" panose="020B0604020202020204" pitchFamily="34" charset="0"/>
-                          </a:endParaRPr>
-                        </a:p>
-                      </p:txBody>
-                    </p:sp>
-                  </mc:Choice>
-                  <mc:Fallback xmlns="">
-                    <p:sp>
-                      <p:nvSpPr>
-                        <p:cNvPr id="20" name="TextBox 19"/>
-                        <p:cNvSpPr txBox="1">
-                          <a:spLocks noRot="1" noChangeAspect="1" noMove="1" noResize="1" noEditPoints="1" noAdjustHandles="1" noChangeArrowheads="1" noChangeShapeType="1" noTextEdit="1"/>
-                        </p:cNvSpPr>
-                        <p:nvPr/>
-                      </p:nvSpPr>
-                      <p:spPr>
-                        <a:xfrm>
-                          <a:off x="4048471" y="3018636"/>
-                          <a:ext cx="366832" cy="307777"/>
-                        </a:xfrm>
-                        <a:prstGeom prst="rect">
-                          <a:avLst/>
-                        </a:prstGeom>
-                        <a:blipFill>
-                          <a:blip r:embed="rId35"/>
-                          <a:stretch>
-                            <a:fillRect l="-15000" r="-5000" b="-10000"/>
-                          </a:stretch>
-                        </a:blipFill>
-                      </p:spPr>
-                      <p:txBody>
-                        <a:bodyPr/>
-                        <a:lstStyle/>
-                        <a:p>
-                          <a:r>
-                            <a:rPr lang="en-US">
-                              <a:noFill/>
-                            </a:rPr>
-                            <a:t> </a:t>
-                          </a:r>
-                        </a:p>
-                      </p:txBody>
-                    </p:sp>
-                  </mc:Fallback>
-                </mc:AlternateContent>
-                <mc:AlternateContent xmlns:mc="http://schemas.openxmlformats.org/markup-compatibility/2006" xmlns:a14="http://schemas.microsoft.com/office/drawing/2010/main">
-                  <mc:Choice Requires="a14">
-                    <p:sp>
-                      <p:nvSpPr>
-                        <p:cNvPr id="21" name="TextBox 20"/>
-                        <p:cNvSpPr txBox="1"/>
-                        <p:nvPr/>
-                      </p:nvSpPr>
-                      <p:spPr>
-                        <a:xfrm>
-                          <a:off x="5990642" y="3018636"/>
-                          <a:ext cx="366832" cy="307777"/>
-                        </a:xfrm>
-                        <a:prstGeom prst="rect">
-                          <a:avLst/>
-                        </a:prstGeom>
-                        <a:noFill/>
-                      </p:spPr>
-                      <p:txBody>
-                        <a:bodyPr wrap="none" lIns="0" tIns="0" rIns="0" bIns="0" rtlCol="0">
-                          <a:spAutoFit/>
-                        </a:bodyPr>
-                        <a:lstStyle/>
-                        <a:p>
-                          <a:pPr/>
-                          <a14:m>
-                            <m:oMathPara xmlns:m="http://schemas.openxmlformats.org/officeDocument/2006/math">
-                              <m:oMathParaPr>
-                                <m:jc m:val="centerGroup"/>
-                              </m:oMathParaPr>
-                              <m:oMath xmlns:m="http://schemas.openxmlformats.org/officeDocument/2006/math">
-                                <m:r>
-                                  <m:rPr>
-                                    <m:sty m:val="p"/>
-                                  </m:rPr>
-                                  <a:rPr lang="en-US" sz="2000" b="0" i="0" smtClean="0">
-                                    <a:latin typeface="Cambria Math" panose="02040503050406030204" pitchFamily="18" charset="0"/>
-                                    <a:cs typeface="Arial" panose="020B0604020202020204" pitchFamily="34" charset="0"/>
-                                  </a:rPr>
-                                  <m:t>Δ</m:t>
-                                </m:r>
-                                <m:r>
-                                  <a:rPr lang="en-US" sz="2000" b="0" i="1" smtClean="0">
-                                    <a:latin typeface="Cambria Math" panose="02040503050406030204" pitchFamily="18" charset="0"/>
-                                    <a:cs typeface="Arial" panose="020B0604020202020204" pitchFamily="34" charset="0"/>
-                                  </a:rPr>
-                                  <m:t>𝑥</m:t>
-                                </m:r>
-                              </m:oMath>
-                            </m:oMathPara>
-                          </a14:m>
-                          <a:endParaRPr lang="en-US" sz="2000" dirty="0" smtClean="0">
-                            <a:latin typeface="Arial" panose="020B0604020202020204" pitchFamily="34" charset="0"/>
-                            <a:cs typeface="Arial" panose="020B0604020202020204" pitchFamily="34" charset="0"/>
-                          </a:endParaRPr>
-                        </a:p>
-                      </p:txBody>
-                    </p:sp>
-                  </mc:Choice>
-                  <mc:Fallback xmlns="">
-                    <p:sp>
-                      <p:nvSpPr>
-                        <p:cNvPr id="21" name="TextBox 20"/>
-                        <p:cNvSpPr txBox="1">
-                          <a:spLocks noRot="1" noChangeAspect="1" noMove="1" noResize="1" noEditPoints="1" noAdjustHandles="1" noChangeArrowheads="1" noChangeShapeType="1" noTextEdit="1"/>
-                        </p:cNvSpPr>
-                        <p:nvPr/>
-                      </p:nvSpPr>
-                      <p:spPr>
-                        <a:xfrm>
-                          <a:off x="5990642" y="3018636"/>
-                          <a:ext cx="366832" cy="307777"/>
-                        </a:xfrm>
-                        <a:prstGeom prst="rect">
-                          <a:avLst/>
-                        </a:prstGeom>
-                        <a:blipFill>
-                          <a:blip r:embed="rId36"/>
-                          <a:stretch>
-                            <a:fillRect l="-13115" r="-4918" b="-10000"/>
-                          </a:stretch>
-                        </a:blipFill>
-                      </p:spPr>
-                      <p:txBody>
-                        <a:bodyPr/>
-                        <a:lstStyle/>
-                        <a:p>
-                          <a:r>
-                            <a:rPr lang="en-US">
-                              <a:noFill/>
-                            </a:rPr>
-                            <a:t> </a:t>
-                          </a:r>
-                        </a:p>
-                      </p:txBody>
-                    </p:sp>
-                  </mc:Fallback>
-                </mc:AlternateContent>
-              </p:grpSp>
-              <p:grpSp>
-                <p:nvGrpSpPr>
-                  <p:cNvPr id="26" name="Group 25"/>
-                  <p:cNvGrpSpPr/>
-                  <p:nvPr/>
-                </p:nvGrpSpPr>
-                <p:grpSpPr>
-                  <a:xfrm>
-                    <a:off x="797312" y="2308302"/>
-                    <a:ext cx="6865643" cy="938449"/>
-                    <a:chOff x="758520" y="708040"/>
-                    <a:chExt cx="19831027" cy="2822775"/>
-                  </a:xfrm>
-                </p:grpSpPr>
-                <p:grpSp>
-                  <p:nvGrpSpPr>
-                    <p:cNvPr id="27" name="Group 26"/>
-                    <p:cNvGrpSpPr/>
-                    <p:nvPr/>
-                  </p:nvGrpSpPr>
-                  <p:grpSpPr>
-                    <a:xfrm>
-                      <a:off x="758520" y="708040"/>
-                      <a:ext cx="19831027" cy="2822775"/>
-                      <a:chOff x="785815" y="680744"/>
-                      <a:chExt cx="19831027" cy="2822775"/>
-                    </a:xfrm>
-                  </p:grpSpPr>
-                  <p:cxnSp>
-                    <p:nvCxnSpPr>
-                      <p:cNvPr id="29" name="Straight Arrow Connector 28"/>
-                      <p:cNvCxnSpPr/>
-                      <p:nvPr/>
-                    </p:nvCxnSpPr>
-                    <p:spPr>
-                      <a:xfrm flipV="1">
-                        <a:off x="1516583" y="680744"/>
-                        <a:ext cx="7683" cy="1859535"/>
-                      </a:xfrm>
-                      <a:prstGeom prst="straightConnector1">
-                        <a:avLst/>
-                      </a:prstGeom>
-                      <a:ln w="38100">
-                        <a:solidFill>
-                          <a:schemeClr val="tx1"/>
-                        </a:solidFill>
-                        <a:tailEnd type="triangle"/>
-                      </a:ln>
-                    </p:spPr>
-                    <p:style>
-                      <a:lnRef idx="1">
-                        <a:schemeClr val="accent1"/>
-                      </a:lnRef>
-                      <a:fillRef idx="0">
-                        <a:schemeClr val="accent1"/>
-                      </a:fillRef>
-                      <a:effectRef idx="0">
-                        <a:schemeClr val="accent1"/>
-                      </a:effectRef>
-                      <a:fontRef idx="minor">
-                        <a:schemeClr val="tx1"/>
-                      </a:fontRef>
-                    </p:style>
-                  </p:cxnSp>
-                  <p:cxnSp>
-                    <p:nvCxnSpPr>
-                      <p:cNvPr id="30" name="Straight Arrow Connector 29"/>
-                      <p:cNvCxnSpPr/>
-                      <p:nvPr/>
-                    </p:nvCxnSpPr>
-                    <p:spPr>
-                      <a:xfrm flipV="1">
-                        <a:off x="1507013" y="2473843"/>
-                        <a:ext cx="18491875" cy="61419"/>
-                      </a:xfrm>
-                      <a:prstGeom prst="straightConnector1">
-                        <a:avLst/>
-                      </a:prstGeom>
-                      <a:ln w="38100">
-                        <a:solidFill>
-                          <a:schemeClr val="tx1"/>
-                        </a:solidFill>
-                        <a:tailEnd type="triangle"/>
-                      </a:ln>
-                    </p:spPr>
-                    <p:style>
-                      <a:lnRef idx="1">
-                        <a:schemeClr val="accent1"/>
-                      </a:lnRef>
-                      <a:fillRef idx="0">
-                        <a:schemeClr val="accent1"/>
-                      </a:fillRef>
-                      <a:effectRef idx="0">
-                        <a:schemeClr val="accent1"/>
-                      </a:effectRef>
-                      <a:fontRef idx="minor">
-                        <a:schemeClr val="tx1"/>
-                      </a:fontRef>
-                    </p:style>
-                  </p:cxnSp>
-                  <mc:AlternateContent xmlns:mc="http://schemas.openxmlformats.org/markup-compatibility/2006" xmlns:a14="http://schemas.microsoft.com/office/drawing/2010/main">
-                    <mc:Choice Requires="a14">
-                      <p:sp>
-                        <p:nvSpPr>
-                          <p:cNvPr id="31" name="Rectangle 30"/>
-                          <p:cNvSpPr/>
-                          <p:nvPr/>
-                        </p:nvSpPr>
-                        <p:spPr>
-                          <a:xfrm>
-                            <a:off x="19098251" y="2392600"/>
-                            <a:ext cx="1518591" cy="1110919"/>
-                          </a:xfrm>
-                          <a:prstGeom prst="rect">
-                            <a:avLst/>
-                          </a:prstGeom>
-                        </p:spPr>
-                        <p:txBody>
-                          <a:bodyPr wrap="square">
-                            <a:spAutoFit/>
-                          </a:bodyPr>
-                          <a:lstStyle/>
-                          <a:p>
-                            <a:pPr/>
-                            <a14:m>
-                              <m:oMathPara xmlns:m="http://schemas.openxmlformats.org/officeDocument/2006/math">
-                                <m:oMathParaPr>
-                                  <m:jc m:val="centerGroup"/>
-                                </m:oMathParaPr>
-                                <m:oMath xmlns:m="http://schemas.openxmlformats.org/officeDocument/2006/math">
-                                  <m:r>
-                                    <a:rPr lang="en-US" i="1">
-                                      <a:latin typeface="Cambria Math" panose="02040503050406030204" pitchFamily="18" charset="0"/>
-                                      <a:cs typeface="Arial" panose="020B0604020202020204" pitchFamily="34" charset="0"/>
-                                    </a:rPr>
-                                    <m:t>𝑥</m:t>
-                                  </m:r>
-                                </m:oMath>
-                              </m:oMathPara>
-                            </a14:m>
-                            <a:endParaRPr lang="en-CA" dirty="0"/>
-                          </a:p>
-                        </p:txBody>
-                      </p:sp>
-                    </mc:Choice>
-                    <mc:Fallback xmlns="">
-                      <p:sp>
-                        <p:nvSpPr>
-                          <p:cNvPr id="31" name="Rectangle 30"/>
-                          <p:cNvSpPr>
-                            <a:spLocks noRot="1" noChangeAspect="1" noMove="1" noResize="1" noEditPoints="1" noAdjustHandles="1" noChangeArrowheads="1" noChangeShapeType="1" noTextEdit="1"/>
-                          </p:cNvSpPr>
-                          <p:nvPr/>
-                        </p:nvSpPr>
-                        <p:spPr>
-                          <a:xfrm>
-                            <a:off x="19098251" y="2392600"/>
-                            <a:ext cx="1518591" cy="1110919"/>
-                          </a:xfrm>
-                          <a:prstGeom prst="rect">
-                            <a:avLst/>
-                          </a:prstGeom>
-                          <a:blipFill>
-                            <a:blip r:embed="rId37"/>
-                            <a:stretch>
-                              <a:fillRect/>
-                            </a:stretch>
-                          </a:blipFill>
-                        </p:spPr>
-                        <p:txBody>
-                          <a:bodyPr/>
-                          <a:lstStyle/>
-                          <a:p>
-                            <a:r>
-                              <a:rPr lang="en-US">
-                                <a:noFill/>
-                              </a:rPr>
-                              <a:t> </a:t>
-                            </a:r>
-                          </a:p>
-                        </p:txBody>
-                      </p:sp>
-                    </mc:Fallback>
-                  </mc:AlternateContent>
-                  <mc:AlternateContent xmlns:mc="http://schemas.openxmlformats.org/markup-compatibility/2006" xmlns:a14="http://schemas.microsoft.com/office/drawing/2010/main">
-                    <mc:Choice Requires="a14">
-                      <p:sp>
-                        <p:nvSpPr>
-                          <p:cNvPr id="32" name="Rectangle 31"/>
-                          <p:cNvSpPr/>
-                          <p:nvPr/>
-                        </p:nvSpPr>
-                        <p:spPr>
-                          <a:xfrm>
-                            <a:off x="785815" y="912420"/>
-                            <a:ext cx="371385" cy="369333"/>
-                          </a:xfrm>
-                          <a:prstGeom prst="rect">
-                            <a:avLst/>
-                          </a:prstGeom>
-                        </p:spPr>
-                        <p:txBody>
-                          <a:bodyPr wrap="none">
-                            <a:spAutoFit/>
-                          </a:bodyPr>
-                          <a:lstStyle/>
-                          <a:p>
-                            <a:pPr/>
-                            <a14:m>
-                              <m:oMathPara xmlns:m="http://schemas.openxmlformats.org/officeDocument/2006/math">
-                                <m:oMathParaPr>
-                                  <m:jc m:val="centerGroup"/>
-                                </m:oMathParaPr>
-                                <m:oMath xmlns:m="http://schemas.openxmlformats.org/officeDocument/2006/math">
-                                  <m:r>
-                                    <a:rPr lang="en-US" b="0" i="1" smtClean="0">
-                                      <a:latin typeface="Cambria Math" panose="02040503050406030204" pitchFamily="18" charset="0"/>
-                                    </a:rPr>
-                                    <m:t>𝑦</m:t>
-                                  </m:r>
-                                </m:oMath>
-                              </m:oMathPara>
-                            </a14:m>
-                            <a:endParaRPr lang="en-CA" dirty="0"/>
-                          </a:p>
-                        </p:txBody>
-                      </p:sp>
-                    </mc:Choice>
-                    <mc:Fallback xmlns="">
-                      <p:sp>
-                        <p:nvSpPr>
-                          <p:cNvPr id="108" name="Rectangle 107"/>
-                          <p:cNvSpPr>
-                            <a:spLocks noRot="1" noChangeAspect="1" noMove="1" noResize="1" noEditPoints="1" noAdjustHandles="1" noChangeArrowheads="1" noChangeShapeType="1" noTextEdit="1"/>
-                          </p:cNvSpPr>
-                          <p:nvPr/>
-                        </p:nvSpPr>
-                        <p:spPr>
-                          <a:xfrm>
-                            <a:off x="785815" y="912420"/>
-                            <a:ext cx="371385" cy="369333"/>
-                          </a:xfrm>
-                          <a:prstGeom prst="rect">
-                            <a:avLst/>
-                          </a:prstGeom>
-                          <a:blipFill>
-                            <a:blip r:embed="rId28"/>
-                            <a:stretch>
-                              <a:fillRect l="-19048" r="-114286" b="-220000"/>
-                            </a:stretch>
-                          </a:blipFill>
-                        </p:spPr>
-                        <p:txBody>
-                          <a:bodyPr/>
-                          <a:lstStyle/>
-                          <a:p>
-                            <a:r>
-                              <a:rPr lang="en-US">
-                                <a:noFill/>
-                              </a:rPr>
-                              <a:t> </a:t>
-                            </a:r>
-                          </a:p>
-                        </p:txBody>
-                      </p:sp>
-                    </mc:Fallback>
-                  </mc:AlternateContent>
-                  <mc:AlternateContent xmlns:mc="http://schemas.openxmlformats.org/markup-compatibility/2006" xmlns:a14="http://schemas.microsoft.com/office/drawing/2010/main">
-                    <mc:Choice Requires="a14">
-                      <p:sp>
-                        <p:nvSpPr>
-                          <p:cNvPr id="33" name="Rectangle 32"/>
-                          <p:cNvSpPr/>
-                          <p:nvPr/>
-                        </p:nvSpPr>
-                        <p:spPr>
-                          <a:xfrm>
-                            <a:off x="828630" y="1748951"/>
-                            <a:ext cx="804975" cy="1110919"/>
-                          </a:xfrm>
-                          <a:prstGeom prst="rect">
-                            <a:avLst/>
-                          </a:prstGeom>
-                        </p:spPr>
-                        <p:txBody>
-                          <a:bodyPr wrap="square">
-                            <a:spAutoFit/>
-                          </a:bodyPr>
-                          <a:lstStyle/>
-                          <a:p>
-                            <a:pPr/>
-                            <a14:m>
-                              <m:oMathPara xmlns:m="http://schemas.openxmlformats.org/officeDocument/2006/math">
-                                <m:oMathParaPr>
-                                  <m:jc m:val="centerGroup"/>
-                                </m:oMathParaPr>
-                                <m:oMath xmlns:m="http://schemas.openxmlformats.org/officeDocument/2006/math">
-                                  <m:r>
-                                    <a:rPr lang="en-US" b="0" i="1" smtClean="0">
-                                      <a:latin typeface="Cambria Math" panose="02040503050406030204" pitchFamily="18" charset="0"/>
-                                      <a:cs typeface="Arial" panose="020B0604020202020204" pitchFamily="34" charset="0"/>
-                                    </a:rPr>
-                                    <m:t>0</m:t>
-                                  </m:r>
-                                </m:oMath>
-                              </m:oMathPara>
-                            </a14:m>
-                            <a:endParaRPr lang="en-CA" dirty="0"/>
-                          </a:p>
-                        </p:txBody>
-                      </p:sp>
-                    </mc:Choice>
-                    <mc:Fallback xmlns="">
-                      <p:sp>
-                        <p:nvSpPr>
-                          <p:cNvPr id="33" name="Rectangle 32"/>
-                          <p:cNvSpPr>
-                            <a:spLocks noRot="1" noChangeAspect="1" noMove="1" noResize="1" noEditPoints="1" noAdjustHandles="1" noChangeArrowheads="1" noChangeShapeType="1" noTextEdit="1"/>
-                          </p:cNvSpPr>
-                          <p:nvPr/>
-                        </p:nvSpPr>
-                        <p:spPr>
-                          <a:xfrm>
-                            <a:off x="828630" y="1748951"/>
-                            <a:ext cx="804975" cy="1110919"/>
-                          </a:xfrm>
-                          <a:prstGeom prst="rect">
-                            <a:avLst/>
-                          </a:prstGeom>
-                          <a:blipFill>
-                            <a:blip r:embed="rId38"/>
-                            <a:stretch>
-                              <a:fillRect r="-8696"/>
-                            </a:stretch>
-                          </a:blipFill>
-                        </p:spPr>
-                        <p:txBody>
-                          <a:bodyPr/>
-                          <a:lstStyle/>
-                          <a:p>
-                            <a:r>
-                              <a:rPr lang="en-US">
-                                <a:noFill/>
-                              </a:rPr>
-                              <a:t> </a:t>
-                            </a:r>
-                          </a:p>
-                        </p:txBody>
-                      </p:sp>
-                    </mc:Fallback>
-                  </mc:AlternateContent>
-                </p:grpSp>
-                <p:sp>
-                  <p:nvSpPr>
-                    <p:cNvPr id="28" name="Rectangle 27"/>
-                    <p:cNvSpPr/>
-                    <p:nvPr/>
-                  </p:nvSpPr>
-                  <p:spPr>
-                    <a:xfrm>
-                      <a:off x="1129904" y="1614682"/>
-                      <a:ext cx="184731" cy="369332"/>
-                    </a:xfrm>
-                    <a:prstGeom prst="rect">
-                      <a:avLst/>
-                    </a:prstGeom>
-                  </p:spPr>
-                  <p:txBody>
-                    <a:bodyPr wrap="none">
-                      <a:spAutoFit/>
-                    </a:bodyPr>
-                    <a:lstStyle/>
-                    <a:p>
-                      <a:endParaRPr lang="en-CA" dirty="0"/>
-                    </a:p>
-                  </p:txBody>
-                </p:sp>
-              </p:grpSp>
-            </p:grpSp>
-            <mc:AlternateContent xmlns:mc="http://schemas.openxmlformats.org/markup-compatibility/2006" xmlns:a14="http://schemas.microsoft.com/office/drawing/2010/main">
-              <mc:Choice Requires="a14">
-                <p:sp>
-                  <p:nvSpPr>
-                    <p:cNvPr id="35" name="TextBox 34"/>
-                    <p:cNvSpPr txBox="1"/>
-                    <p:nvPr/>
-                  </p:nvSpPr>
-                  <p:spPr>
-                    <a:xfrm>
-                      <a:off x="1107542" y="1285560"/>
-                      <a:ext cx="562899" cy="307777"/>
-                    </a:xfrm>
-                    <a:prstGeom prst="rect">
-                      <a:avLst/>
-                    </a:prstGeom>
-                    <a:noFill/>
-                  </p:spPr>
-                  <p:txBody>
-                    <a:bodyPr wrap="square" lIns="0" tIns="0" rIns="0" bIns="0" rtlCol="0">
-                      <a:spAutoFit/>
-                    </a:bodyPr>
-                    <a:lstStyle/>
-                    <a:p>
-                      <a:pPr/>
-                      <a14:m>
-                        <m:oMathPara xmlns:m="http://schemas.openxmlformats.org/officeDocument/2006/math">
-                          <m:oMathParaPr>
-                            <m:jc m:val="centerGroup"/>
-                          </m:oMathParaPr>
-                          <m:oMath xmlns:m="http://schemas.openxmlformats.org/officeDocument/2006/math">
-                            <m:r>
-                              <a:rPr lang="en-US" sz="2000" b="0" i="1" smtClean="0">
-                                <a:latin typeface="Cambria Math" panose="02040503050406030204" pitchFamily="18" charset="0"/>
-                                <a:cs typeface="Arial" panose="020B0604020202020204" pitchFamily="34" charset="0"/>
-                              </a:rPr>
-                              <m:t>𝑚</m:t>
-                            </m:r>
-                          </m:oMath>
-                        </m:oMathPara>
-                      </a14:m>
-                      <a:endParaRPr lang="en-US" sz="2000" dirty="0" smtClean="0">
-                        <a:latin typeface="Arial" panose="020B0604020202020204" pitchFamily="34" charset="0"/>
-                        <a:cs typeface="Arial" panose="020B0604020202020204" pitchFamily="34" charset="0"/>
-                      </a:endParaRPr>
-                    </a:p>
-                  </p:txBody>
-                </p:sp>
-              </mc:Choice>
-              <mc:Fallback xmlns="">
-                <p:sp>
-                  <p:nvSpPr>
-                    <p:cNvPr id="35" name="TextBox 34"/>
-                    <p:cNvSpPr txBox="1">
-                      <a:spLocks noRot="1" noChangeAspect="1" noMove="1" noResize="1" noEditPoints="1" noAdjustHandles="1" noChangeArrowheads="1" noChangeShapeType="1" noTextEdit="1"/>
-                    </p:cNvSpPr>
-                    <p:nvPr/>
-                  </p:nvSpPr>
-                  <p:spPr>
-                    <a:xfrm>
-                      <a:off x="1107542" y="1285560"/>
-                      <a:ext cx="562899" cy="307777"/>
-                    </a:xfrm>
-                    <a:prstGeom prst="rect">
-                      <a:avLst/>
-                    </a:prstGeom>
-                    <a:blipFill>
-                      <a:blip r:embed="rId39"/>
-                      <a:stretch>
-                        <a:fillRect b="-2000"/>
-                      </a:stretch>
-                    </a:blipFill>
-                  </p:spPr>
-                  <p:txBody>
-                    <a:bodyPr/>
-                    <a:lstStyle/>
-                    <a:p>
-                      <a:r>
-                        <a:rPr lang="en-US">
-                          <a:noFill/>
-                        </a:rPr>
-                        <a:t> </a:t>
-                      </a:r>
-                    </a:p>
-                  </p:txBody>
-                </p:sp>
-              </mc:Fallback>
-            </mc:AlternateContent>
-            <mc:AlternateContent xmlns:mc="http://schemas.openxmlformats.org/markup-compatibility/2006" xmlns:a14="http://schemas.microsoft.com/office/drawing/2010/main">
-              <mc:Choice Requires="a14">
-                <p:sp>
-                  <p:nvSpPr>
-                    <p:cNvPr id="36" name="TextBox 35"/>
-                    <p:cNvSpPr txBox="1"/>
-                    <p:nvPr/>
-                  </p:nvSpPr>
-                  <p:spPr>
-                    <a:xfrm>
-                      <a:off x="3066490" y="1285559"/>
-                      <a:ext cx="562899" cy="307777"/>
-                    </a:xfrm>
-                    <a:prstGeom prst="rect">
-                      <a:avLst/>
-                    </a:prstGeom>
-                    <a:noFill/>
-                  </p:spPr>
-                  <p:txBody>
-                    <a:bodyPr wrap="square" lIns="0" tIns="0" rIns="0" bIns="0" rtlCol="0">
-                      <a:spAutoFit/>
-                    </a:bodyPr>
-                    <a:lstStyle/>
-                    <a:p>
-                      <a:pPr/>
-                      <a14:m>
-                        <m:oMathPara xmlns:m="http://schemas.openxmlformats.org/officeDocument/2006/math">
-                          <m:oMathParaPr>
-                            <m:jc m:val="centerGroup"/>
-                          </m:oMathParaPr>
-                          <m:oMath xmlns:m="http://schemas.openxmlformats.org/officeDocument/2006/math">
-                            <m:r>
-                              <a:rPr lang="en-US" sz="2000" b="0" i="1" smtClean="0">
-                                <a:latin typeface="Cambria Math" panose="02040503050406030204" pitchFamily="18" charset="0"/>
-                                <a:cs typeface="Arial" panose="020B0604020202020204" pitchFamily="34" charset="0"/>
-                              </a:rPr>
-                              <m:t>𝑚</m:t>
-                            </m:r>
-                          </m:oMath>
-                        </m:oMathPara>
-                      </a14:m>
-                      <a:endParaRPr lang="en-US" sz="2000" dirty="0" smtClean="0">
-                        <a:latin typeface="Arial" panose="020B0604020202020204" pitchFamily="34" charset="0"/>
-                        <a:cs typeface="Arial" panose="020B0604020202020204" pitchFamily="34" charset="0"/>
-                      </a:endParaRPr>
-                    </a:p>
-                  </p:txBody>
-                </p:sp>
-              </mc:Choice>
-              <mc:Fallback xmlns="">
-                <p:sp>
-                  <p:nvSpPr>
-                    <p:cNvPr id="36" name="TextBox 35"/>
-                    <p:cNvSpPr txBox="1">
-                      <a:spLocks noRot="1" noChangeAspect="1" noMove="1" noResize="1" noEditPoints="1" noAdjustHandles="1" noChangeArrowheads="1" noChangeShapeType="1" noTextEdit="1"/>
-                    </p:cNvSpPr>
-                    <p:nvPr/>
-                  </p:nvSpPr>
-                  <p:spPr>
-                    <a:xfrm>
-                      <a:off x="3066490" y="1285559"/>
-                      <a:ext cx="562899" cy="307777"/>
-                    </a:xfrm>
-                    <a:prstGeom prst="rect">
-                      <a:avLst/>
-                    </a:prstGeom>
-                    <a:blipFill>
-                      <a:blip r:embed="rId40"/>
-                      <a:stretch>
-                        <a:fillRect b="-2000"/>
-                      </a:stretch>
-                    </a:blipFill>
-                  </p:spPr>
-                  <p:txBody>
-                    <a:bodyPr/>
-                    <a:lstStyle/>
-                    <a:p>
-                      <a:r>
-                        <a:rPr lang="en-US">
-                          <a:noFill/>
-                        </a:rPr>
-                        <a:t> </a:t>
-                      </a:r>
-                    </a:p>
-                  </p:txBody>
-                </p:sp>
-              </mc:Fallback>
-            </mc:AlternateContent>
-            <mc:AlternateContent xmlns:mc="http://schemas.openxmlformats.org/markup-compatibility/2006" xmlns:a14="http://schemas.microsoft.com/office/drawing/2010/main">
-              <mc:Choice Requires="a14">
-                <p:sp>
-                  <p:nvSpPr>
-                    <p:cNvPr id="37" name="TextBox 36"/>
-                    <p:cNvSpPr txBox="1"/>
-                    <p:nvPr/>
-                  </p:nvSpPr>
-                  <p:spPr>
-                    <a:xfrm>
-                      <a:off x="5013520" y="1285558"/>
-                      <a:ext cx="562899" cy="307777"/>
-                    </a:xfrm>
-                    <a:prstGeom prst="rect">
-                      <a:avLst/>
-                    </a:prstGeom>
-                    <a:noFill/>
-                  </p:spPr>
-                  <p:txBody>
-                    <a:bodyPr wrap="square" lIns="0" tIns="0" rIns="0" bIns="0" rtlCol="0">
-                      <a:spAutoFit/>
-                    </a:bodyPr>
-                    <a:lstStyle/>
-                    <a:p>
-                      <a:pPr/>
-                      <a14:m>
-                        <m:oMathPara xmlns:m="http://schemas.openxmlformats.org/officeDocument/2006/math">
-                          <m:oMathParaPr>
-                            <m:jc m:val="centerGroup"/>
-                          </m:oMathParaPr>
-                          <m:oMath xmlns:m="http://schemas.openxmlformats.org/officeDocument/2006/math">
-                            <m:r>
-                              <a:rPr lang="en-US" sz="2000" b="0" i="1" smtClean="0">
-                                <a:latin typeface="Cambria Math" panose="02040503050406030204" pitchFamily="18" charset="0"/>
-                                <a:cs typeface="Arial" panose="020B0604020202020204" pitchFamily="34" charset="0"/>
-                              </a:rPr>
-                              <m:t>𝑚</m:t>
-                            </m:r>
-                          </m:oMath>
-                        </m:oMathPara>
-                      </a14:m>
-                      <a:endParaRPr lang="en-US" sz="2000" dirty="0" smtClean="0">
-                        <a:latin typeface="Arial" panose="020B0604020202020204" pitchFamily="34" charset="0"/>
-                        <a:cs typeface="Arial" panose="020B0604020202020204" pitchFamily="34" charset="0"/>
-                      </a:endParaRPr>
-                    </a:p>
-                  </p:txBody>
-                </p:sp>
-              </mc:Choice>
-              <mc:Fallback xmlns="">
-                <p:sp>
-                  <p:nvSpPr>
-                    <p:cNvPr id="37" name="TextBox 36"/>
-                    <p:cNvSpPr txBox="1">
-                      <a:spLocks noRot="1" noChangeAspect="1" noMove="1" noResize="1" noEditPoints="1" noAdjustHandles="1" noChangeArrowheads="1" noChangeShapeType="1" noTextEdit="1"/>
-                    </p:cNvSpPr>
-                    <p:nvPr/>
-                  </p:nvSpPr>
-                  <p:spPr>
-                    <a:xfrm>
-                      <a:off x="5013520" y="1285558"/>
-                      <a:ext cx="562899" cy="307777"/>
-                    </a:xfrm>
-                    <a:prstGeom prst="rect">
-                      <a:avLst/>
-                    </a:prstGeom>
-                    <a:blipFill>
-                      <a:blip r:embed="rId41"/>
-                      <a:stretch>
-                        <a:fillRect b="-2000"/>
-                      </a:stretch>
-                    </a:blipFill>
-                  </p:spPr>
-                  <p:txBody>
-                    <a:bodyPr/>
-                    <a:lstStyle/>
-                    <a:p>
-                      <a:r>
-                        <a:rPr lang="en-US">
-                          <a:noFill/>
-                        </a:rPr>
-                        <a:t> </a:t>
-                      </a:r>
-                    </a:p>
-                  </p:txBody>
-                </p:sp>
-              </mc:Fallback>
-            </mc:AlternateContent>
-          </p:grpSp>
-          <mc:AlternateContent xmlns:mc="http://schemas.openxmlformats.org/markup-compatibility/2006" xmlns:a14="http://schemas.microsoft.com/office/drawing/2010/main">
-            <mc:Choice Requires="a14">
-              <p:sp>
-                <p:nvSpPr>
-                  <p:cNvPr id="61" name="TextBox 60"/>
-                  <p:cNvSpPr txBox="1"/>
-                  <p:nvPr/>
-                </p:nvSpPr>
-                <p:spPr>
-                  <a:xfrm>
-                    <a:off x="1415508" y="620266"/>
-                    <a:ext cx="1267848" cy="307777"/>
-                  </a:xfrm>
-                  <a:prstGeom prst="rect">
-                    <a:avLst/>
-                  </a:prstGeom>
-                  <a:noFill/>
-                </p:spPr>
-                <p:txBody>
-                  <a:bodyPr wrap="none" lIns="0" tIns="0" rIns="0" bIns="0" rtlCol="0">
-                    <a:spAutoFit/>
-                  </a:bodyPr>
-                  <a:lstStyle/>
-                  <a:p>
-                    <a:pPr/>
-                    <a14:m>
-                      <m:oMathPara xmlns:m="http://schemas.openxmlformats.org/officeDocument/2006/math">
-                        <m:oMathParaPr>
-                          <m:jc m:val="centerGroup"/>
-                        </m:oMathParaPr>
-                        <m:oMath xmlns:m="http://schemas.openxmlformats.org/officeDocument/2006/math">
-                          <m:r>
-                            <a:rPr lang="en-US" sz="2000" b="0" i="1" smtClean="0">
-                              <a:latin typeface="Cambria Math" panose="02040503050406030204" pitchFamily="18" charset="0"/>
-                              <a:cs typeface="Arial" panose="020B0604020202020204" pitchFamily="34" charset="0"/>
-                            </a:rPr>
-                            <m:t>𝑠𝑒𝑔𝑚𝑒𝑛𝑡</m:t>
-                          </m:r>
-                          <m:r>
-                            <a:rPr lang="en-US" sz="2000" b="0" i="1" smtClean="0">
-                              <a:latin typeface="Cambria Math" panose="02040503050406030204" pitchFamily="18" charset="0"/>
-                              <a:cs typeface="Arial" panose="020B0604020202020204" pitchFamily="34" charset="0"/>
-                            </a:rPr>
-                            <m:t> 1</m:t>
-                          </m:r>
-                        </m:oMath>
-                      </m:oMathPara>
-                    </a14:m>
-                    <a:endParaRPr lang="en-US" sz="2000" dirty="0" smtClean="0">
-                      <a:latin typeface="Arial" panose="020B0604020202020204" pitchFamily="34" charset="0"/>
-                      <a:cs typeface="Arial" panose="020B0604020202020204" pitchFamily="34" charset="0"/>
-                    </a:endParaRPr>
-                  </a:p>
-                </p:txBody>
-              </p:sp>
-            </mc:Choice>
-            <mc:Fallback xmlns="">
-              <p:sp>
-                <p:nvSpPr>
-                  <p:cNvPr id="61" name="TextBox 60"/>
-                  <p:cNvSpPr txBox="1">
-                    <a:spLocks noRot="1" noChangeAspect="1" noMove="1" noResize="1" noEditPoints="1" noAdjustHandles="1" noChangeArrowheads="1" noChangeShapeType="1" noTextEdit="1"/>
-                  </p:cNvSpPr>
-                  <p:nvPr/>
-                </p:nvSpPr>
-                <p:spPr>
-                  <a:xfrm>
-                    <a:off x="1415508" y="620266"/>
-                    <a:ext cx="1267848" cy="307777"/>
-                  </a:xfrm>
-                  <a:prstGeom prst="rect">
-                    <a:avLst/>
-                  </a:prstGeom>
-                  <a:blipFill>
-                    <a:blip r:embed="rId42"/>
-                    <a:stretch>
-                      <a:fillRect l="-4808" r="-3846" b="-34000"/>
-                    </a:stretch>
-                  </a:blipFill>
-                </p:spPr>
-                <p:txBody>
-                  <a:bodyPr/>
-                  <a:lstStyle/>
-                  <a:p>
-                    <a:r>
-                      <a:rPr lang="en-US">
-                        <a:noFill/>
-                      </a:rPr>
-                      <a:t> </a:t>
-                    </a:r>
-                  </a:p>
-                </p:txBody>
-              </p:sp>
-            </mc:Fallback>
-          </mc:AlternateContent>
-          <mc:AlternateContent xmlns:mc="http://schemas.openxmlformats.org/markup-compatibility/2006" xmlns:a14="http://schemas.microsoft.com/office/drawing/2010/main">
-            <mc:Choice Requires="a14">
-              <p:sp>
-                <p:nvSpPr>
-                  <p:cNvPr id="62" name="TextBox 61"/>
-                  <p:cNvSpPr txBox="1"/>
-                  <p:nvPr/>
-                </p:nvSpPr>
-                <p:spPr>
-                  <a:xfrm>
-                    <a:off x="3352636" y="616453"/>
-                    <a:ext cx="1267848" cy="307777"/>
-                  </a:xfrm>
-                  <a:prstGeom prst="rect">
-                    <a:avLst/>
-                  </a:prstGeom>
-                  <a:noFill/>
-                </p:spPr>
-                <p:txBody>
-                  <a:bodyPr wrap="none" lIns="0" tIns="0" rIns="0" bIns="0" rtlCol="0">
-                    <a:spAutoFit/>
-                  </a:bodyPr>
-                  <a:lstStyle/>
-                  <a:p>
-                    <a:pPr/>
-                    <a14:m>
-                      <m:oMathPara xmlns:m="http://schemas.openxmlformats.org/officeDocument/2006/math">
-                        <m:oMathParaPr>
-                          <m:jc m:val="centerGroup"/>
-                        </m:oMathParaPr>
-                        <m:oMath xmlns:m="http://schemas.openxmlformats.org/officeDocument/2006/math">
-                          <m:r>
-                            <a:rPr lang="en-US" sz="2000" b="0" i="1" smtClean="0">
-                              <a:latin typeface="Cambria Math" panose="02040503050406030204" pitchFamily="18" charset="0"/>
-                              <a:cs typeface="Arial" panose="020B0604020202020204" pitchFamily="34" charset="0"/>
-                            </a:rPr>
-                            <m:t>𝑠𝑒𝑔𝑚𝑒𝑛𝑡</m:t>
-                          </m:r>
-                          <m:r>
-                            <a:rPr lang="en-US" sz="2000" b="0" i="1" smtClean="0">
-                              <a:latin typeface="Cambria Math" panose="02040503050406030204" pitchFamily="18" charset="0"/>
-                              <a:cs typeface="Arial" panose="020B0604020202020204" pitchFamily="34" charset="0"/>
-                            </a:rPr>
-                            <m:t> 2</m:t>
-                          </m:r>
-                        </m:oMath>
-                      </m:oMathPara>
-                    </a14:m>
-                    <a:endParaRPr lang="en-US" sz="2000" dirty="0" smtClean="0">
-                      <a:latin typeface="Arial" panose="020B0604020202020204" pitchFamily="34" charset="0"/>
-                      <a:cs typeface="Arial" panose="020B0604020202020204" pitchFamily="34" charset="0"/>
-                    </a:endParaRPr>
-                  </a:p>
-                </p:txBody>
-              </p:sp>
-            </mc:Choice>
-            <mc:Fallback xmlns="">
-              <p:sp>
-                <p:nvSpPr>
-                  <p:cNvPr id="62" name="TextBox 61"/>
-                  <p:cNvSpPr txBox="1">
-                    <a:spLocks noRot="1" noChangeAspect="1" noMove="1" noResize="1" noEditPoints="1" noAdjustHandles="1" noChangeArrowheads="1" noChangeShapeType="1" noTextEdit="1"/>
-                  </p:cNvSpPr>
-                  <p:nvPr/>
-                </p:nvSpPr>
-                <p:spPr>
-                  <a:xfrm>
-                    <a:off x="3352636" y="616453"/>
-                    <a:ext cx="1267848" cy="307777"/>
-                  </a:xfrm>
-                  <a:prstGeom prst="rect">
-                    <a:avLst/>
-                  </a:prstGeom>
-                  <a:blipFill>
-                    <a:blip r:embed="rId43"/>
-                    <a:stretch>
-                      <a:fillRect l="-5288" r="-3365" b="-33333"/>
-                    </a:stretch>
-                  </a:blipFill>
-                </p:spPr>
-                <p:txBody>
-                  <a:bodyPr/>
-                  <a:lstStyle/>
-                  <a:p>
-                    <a:r>
-                      <a:rPr lang="en-US">
-                        <a:noFill/>
-                      </a:rPr>
-                      <a:t> </a:t>
-                    </a:r>
-                  </a:p>
-                </p:txBody>
-              </p:sp>
-            </mc:Fallback>
-          </mc:AlternateContent>
-          <mc:AlternateContent xmlns:mc="http://schemas.openxmlformats.org/markup-compatibility/2006" xmlns:a14="http://schemas.microsoft.com/office/drawing/2010/main">
-            <mc:Choice Requires="a14">
-              <p:sp>
-                <p:nvSpPr>
-                  <p:cNvPr id="63" name="TextBox 62"/>
-                  <p:cNvSpPr txBox="1"/>
-                  <p:nvPr/>
-                </p:nvSpPr>
-                <p:spPr>
-                  <a:xfrm>
-                    <a:off x="5289764" y="615322"/>
-                    <a:ext cx="1267848" cy="307777"/>
-                  </a:xfrm>
-                  <a:prstGeom prst="rect">
-                    <a:avLst/>
-                  </a:prstGeom>
-                  <a:noFill/>
-                </p:spPr>
-                <p:txBody>
-                  <a:bodyPr wrap="none" lIns="0" tIns="0" rIns="0" bIns="0" rtlCol="0">
-                    <a:spAutoFit/>
-                  </a:bodyPr>
-                  <a:lstStyle/>
-                  <a:p>
-                    <a:pPr/>
-                    <a14:m>
-                      <m:oMathPara xmlns:m="http://schemas.openxmlformats.org/officeDocument/2006/math">
-                        <m:oMathParaPr>
-                          <m:jc m:val="centerGroup"/>
-                        </m:oMathParaPr>
-                        <m:oMath xmlns:m="http://schemas.openxmlformats.org/officeDocument/2006/math">
-                          <m:r>
-                            <a:rPr lang="en-US" sz="2000" b="0" i="1" smtClean="0">
-                              <a:latin typeface="Cambria Math" panose="02040503050406030204" pitchFamily="18" charset="0"/>
-                              <a:cs typeface="Arial" panose="020B0604020202020204" pitchFamily="34" charset="0"/>
-                            </a:rPr>
-                            <m:t>𝑠𝑒𝑔𝑚𝑒𝑛𝑡</m:t>
-                          </m:r>
-                          <m:r>
-                            <a:rPr lang="en-US" sz="2000" b="0" i="1" smtClean="0">
-                              <a:latin typeface="Cambria Math" panose="02040503050406030204" pitchFamily="18" charset="0"/>
-                              <a:cs typeface="Arial" panose="020B0604020202020204" pitchFamily="34" charset="0"/>
-                            </a:rPr>
-                            <m:t> 3</m:t>
-                          </m:r>
-                        </m:oMath>
-                      </m:oMathPara>
-                    </a14:m>
-                    <a:endParaRPr lang="en-US" sz="2000" dirty="0" smtClean="0">
-                      <a:latin typeface="Arial" panose="020B0604020202020204" pitchFamily="34" charset="0"/>
-                      <a:cs typeface="Arial" panose="020B0604020202020204" pitchFamily="34" charset="0"/>
-                    </a:endParaRPr>
-                  </a:p>
-                </p:txBody>
-              </p:sp>
-            </mc:Choice>
-            <mc:Fallback xmlns="">
-              <p:sp>
-                <p:nvSpPr>
-                  <p:cNvPr id="63" name="TextBox 62"/>
-                  <p:cNvSpPr txBox="1">
-                    <a:spLocks noRot="1" noChangeAspect="1" noMove="1" noResize="1" noEditPoints="1" noAdjustHandles="1" noChangeArrowheads="1" noChangeShapeType="1" noTextEdit="1"/>
-                  </p:cNvSpPr>
-                  <p:nvPr/>
-                </p:nvSpPr>
-                <p:spPr>
-                  <a:xfrm>
-                    <a:off x="5289764" y="615322"/>
-                    <a:ext cx="1267848" cy="307777"/>
-                  </a:xfrm>
-                  <a:prstGeom prst="rect">
-                    <a:avLst/>
-                  </a:prstGeom>
-                  <a:blipFill>
-                    <a:blip r:embed="rId44"/>
-                    <a:stretch>
-                      <a:fillRect l="-5288" r="-3365" b="-34000"/>
-                    </a:stretch>
-                  </a:blipFill>
-                </p:spPr>
-                <p:txBody>
-                  <a:bodyPr/>
-                  <a:lstStyle/>
-                  <a:p>
-                    <a:r>
-                      <a:rPr lang="en-US">
-                        <a:noFill/>
-                      </a:rPr>
-                      <a:t> </a:t>
-                    </a:r>
-                  </a:p>
-                </p:txBody>
-              </p:sp>
-            </mc:Fallback>
-          </mc:AlternateContent>
-        </p:grpSp>
-        <mc:AlternateContent xmlns:mc="http://schemas.openxmlformats.org/markup-compatibility/2006" xmlns:a14="http://schemas.microsoft.com/office/drawing/2010/main">
-          <mc:Choice Requires="a14">
-            <p:sp>
-              <p:nvSpPr>
-                <p:cNvPr id="65" name="TextBox 64"/>
-                <p:cNvSpPr txBox="1"/>
-                <p:nvPr/>
-              </p:nvSpPr>
-              <p:spPr>
-                <a:xfrm>
-                  <a:off x="951479" y="2953599"/>
-                  <a:ext cx="261343" cy="317240"/>
-                </a:xfrm>
-                <a:prstGeom prst="rect">
-                  <a:avLst/>
-                </a:prstGeom>
-                <a:noFill/>
-              </p:spPr>
-              <p:txBody>
-                <a:bodyPr wrap="square" lIns="0" tIns="0" rIns="0" bIns="0" rtlCol="0">
-                  <a:spAutoFit/>
-                </a:bodyPr>
-                <a:lstStyle/>
-                <a:p>
-                  <a:pPr/>
-                  <a14:m>
-                    <m:oMathPara xmlns:m="http://schemas.openxmlformats.org/officeDocument/2006/math">
-                      <m:oMathParaPr>
-                        <m:jc m:val="centerGroup"/>
-                      </m:oMathParaPr>
-                      <m:oMath xmlns:m="http://schemas.openxmlformats.org/officeDocument/2006/math">
-                        <m:sSub>
-                          <m:sSubPr>
-                            <m:ctrlPr>
-                              <a:rPr lang="en-US" sz="2000" b="0" i="1" smtClean="0">
-                                <a:latin typeface="Cambria Math" panose="02040503050406030204" pitchFamily="18" charset="0"/>
-                                <a:cs typeface="Arial" panose="020B0604020202020204" pitchFamily="34" charset="0"/>
-                              </a:rPr>
-                            </m:ctrlPr>
-                          </m:sSubPr>
-                          <m:e>
-                            <m:r>
-                              <a:rPr lang="en-US" sz="2000" b="0" i="1" smtClean="0">
-                                <a:latin typeface="Cambria Math" panose="02040503050406030204" pitchFamily="18" charset="0"/>
-                                <a:cs typeface="Arial" panose="020B0604020202020204" pitchFamily="34" charset="0"/>
-                              </a:rPr>
-                              <m:t>𝑥</m:t>
-                            </m:r>
-                          </m:e>
-                          <m:sub>
-                            <m:r>
-                              <a:rPr lang="en-US" sz="2000" b="0" i="1" smtClean="0">
-                                <a:latin typeface="Cambria Math" panose="02040503050406030204" pitchFamily="18" charset="0"/>
-                                <a:cs typeface="Arial" panose="020B0604020202020204" pitchFamily="34" charset="0"/>
-                              </a:rPr>
-                              <m:t>0</m:t>
-                            </m:r>
-                          </m:sub>
-                        </m:sSub>
-                      </m:oMath>
-                    </m:oMathPara>
-                  </a14:m>
-                  <a:endParaRPr lang="en-US" sz="2000" dirty="0" smtClean="0">
-                    <a:latin typeface="Arial" panose="020B0604020202020204" pitchFamily="34" charset="0"/>
-                    <a:cs typeface="Arial" panose="020B0604020202020204" pitchFamily="34" charset="0"/>
-                  </a:endParaRPr>
-                </a:p>
-              </p:txBody>
-            </p:sp>
-          </mc:Choice>
-          <mc:Fallback xmlns="">
-            <p:sp>
-              <p:nvSpPr>
-                <p:cNvPr id="65" name="TextBox 64"/>
-                <p:cNvSpPr txBox="1">
-                  <a:spLocks noRot="1" noChangeAspect="1" noMove="1" noResize="1" noEditPoints="1" noAdjustHandles="1" noChangeArrowheads="1" noChangeShapeType="1" noTextEdit="1"/>
-                </p:cNvSpPr>
-                <p:nvPr/>
-              </p:nvSpPr>
-              <p:spPr>
-                <a:xfrm>
-                  <a:off x="951479" y="2953599"/>
-                  <a:ext cx="261343" cy="317240"/>
-                </a:xfrm>
-                <a:prstGeom prst="rect">
-                  <a:avLst/>
-                </a:prstGeom>
-                <a:blipFill>
-                  <a:blip r:embed="rId45"/>
-                  <a:stretch>
-                    <a:fillRect l="-20930" r="-20930" b="-15385"/>
-                  </a:stretch>
-                </a:blipFill>
-              </p:spPr>
-              <p:txBody>
-                <a:bodyPr/>
-                <a:lstStyle/>
-                <a:p>
-                  <a:r>
-                    <a:rPr lang="en-US">
-                      <a:noFill/>
-                    </a:rPr>
-                    <a:t> </a:t>
-                  </a:r>
-                </a:p>
-              </p:txBody>
-            </p:sp>
-          </mc:Fallback>
-        </mc:AlternateContent>
-        <mc:AlternateContent xmlns:mc="http://schemas.openxmlformats.org/markup-compatibility/2006" xmlns:a14="http://schemas.microsoft.com/office/drawing/2010/main">
-          <mc:Choice Requires="a14">
-            <p:sp>
-              <p:nvSpPr>
-                <p:cNvPr id="67" name="TextBox 66"/>
-                <p:cNvSpPr txBox="1"/>
-                <p:nvPr/>
-              </p:nvSpPr>
-              <p:spPr>
-                <a:xfrm>
-                  <a:off x="2930165" y="2958330"/>
-                  <a:ext cx="317972" cy="307777"/>
-                </a:xfrm>
-                <a:prstGeom prst="rect">
-                  <a:avLst/>
-                </a:prstGeom>
-                <a:noFill/>
-              </p:spPr>
-              <p:txBody>
-                <a:bodyPr wrap="none" lIns="0" tIns="0" rIns="0" bIns="0" rtlCol="0">
-                  <a:spAutoFit/>
-                </a:bodyPr>
-                <a:lstStyle/>
-                <a:p>
-                  <a:pPr/>
-                  <a14:m>
-                    <m:oMathPara xmlns:m="http://schemas.openxmlformats.org/officeDocument/2006/math">
-                      <m:oMathParaPr>
-                        <m:jc m:val="centerGroup"/>
-                      </m:oMathParaPr>
-                      <m:oMath xmlns:m="http://schemas.openxmlformats.org/officeDocument/2006/math">
-                        <m:sSub>
-                          <m:sSubPr>
-                            <m:ctrlPr>
-                              <a:rPr lang="en-US" sz="2000" b="0" i="1" smtClean="0">
-                                <a:latin typeface="Cambria Math" panose="02040503050406030204" pitchFamily="18" charset="0"/>
-                                <a:cs typeface="Arial" panose="020B0604020202020204" pitchFamily="34" charset="0"/>
-                              </a:rPr>
-                            </m:ctrlPr>
-                          </m:sSubPr>
-                          <m:e>
-                            <m:r>
-                              <a:rPr lang="en-US" sz="2000" b="0" i="1" smtClean="0">
-                                <a:latin typeface="Cambria Math" panose="02040503050406030204" pitchFamily="18" charset="0"/>
-                                <a:cs typeface="Arial" panose="020B0604020202020204" pitchFamily="34" charset="0"/>
-                              </a:rPr>
-                              <m:t>𝑥</m:t>
-                            </m:r>
-                          </m:e>
-                          <m:sub>
-                            <m:r>
-                              <a:rPr lang="en-US" sz="2000" b="0" i="1" smtClean="0">
-                                <a:latin typeface="Cambria Math" panose="02040503050406030204" pitchFamily="18" charset="0"/>
-                                <a:cs typeface="Arial" panose="020B0604020202020204" pitchFamily="34" charset="0"/>
-                              </a:rPr>
-                              <m:t>1</m:t>
-                            </m:r>
-                          </m:sub>
-                        </m:sSub>
-                      </m:oMath>
-                    </m:oMathPara>
-                  </a14:m>
-                  <a:endParaRPr lang="en-US" sz="2000" dirty="0" smtClean="0">
-                    <a:latin typeface="Arial" panose="020B0604020202020204" pitchFamily="34" charset="0"/>
-                    <a:cs typeface="Arial" panose="020B0604020202020204" pitchFamily="34" charset="0"/>
-                  </a:endParaRPr>
-                </a:p>
-              </p:txBody>
-            </p:sp>
-          </mc:Choice>
-          <mc:Fallback xmlns="">
-            <p:sp>
-              <p:nvSpPr>
-                <p:cNvPr id="67" name="TextBox 66"/>
-                <p:cNvSpPr txBox="1">
-                  <a:spLocks noRot="1" noChangeAspect="1" noMove="1" noResize="1" noEditPoints="1" noAdjustHandles="1" noChangeArrowheads="1" noChangeShapeType="1" noTextEdit="1"/>
-                </p:cNvSpPr>
-                <p:nvPr/>
-              </p:nvSpPr>
-              <p:spPr>
-                <a:xfrm>
-                  <a:off x="2930165" y="2958330"/>
-                  <a:ext cx="317972" cy="307777"/>
-                </a:xfrm>
-                <a:prstGeom prst="rect">
-                  <a:avLst/>
-                </a:prstGeom>
-                <a:blipFill>
-                  <a:blip r:embed="rId46"/>
-                  <a:stretch>
-                    <a:fillRect l="-9615" r="-5769" b="-17647"/>
-                  </a:stretch>
-                </a:blipFill>
-              </p:spPr>
-              <p:txBody>
-                <a:bodyPr/>
-                <a:lstStyle/>
-                <a:p>
-                  <a:r>
-                    <a:rPr lang="en-US">
-                      <a:noFill/>
-                    </a:rPr>
-                    <a:t> </a:t>
-                  </a:r>
-                </a:p>
-              </p:txBody>
-            </p:sp>
-          </mc:Fallback>
-        </mc:AlternateContent>
-        <mc:AlternateContent xmlns:mc="http://schemas.openxmlformats.org/markup-compatibility/2006" xmlns:a14="http://schemas.microsoft.com/office/drawing/2010/main">
-          <mc:Choice Requires="a14">
-            <p:sp>
-              <p:nvSpPr>
-                <p:cNvPr id="68" name="TextBox 67"/>
-                <p:cNvSpPr txBox="1"/>
-                <p:nvPr/>
-              </p:nvSpPr>
-              <p:spPr>
-                <a:xfrm>
-                  <a:off x="4855104" y="2955396"/>
-                  <a:ext cx="323935" cy="307777"/>
-                </a:xfrm>
-                <a:prstGeom prst="rect">
-                  <a:avLst/>
-                </a:prstGeom>
-                <a:noFill/>
-              </p:spPr>
-              <p:txBody>
-                <a:bodyPr wrap="none" lIns="0" tIns="0" rIns="0" bIns="0" rtlCol="0">
-                  <a:spAutoFit/>
-                </a:bodyPr>
-                <a:lstStyle/>
-                <a:p>
-                  <a:pPr/>
-                  <a14:m>
-                    <m:oMathPara xmlns:m="http://schemas.openxmlformats.org/officeDocument/2006/math">
-                      <m:oMathParaPr>
-                        <m:jc m:val="centerGroup"/>
-                      </m:oMathParaPr>
-                      <m:oMath xmlns:m="http://schemas.openxmlformats.org/officeDocument/2006/math">
-                        <m:sSub>
-                          <m:sSubPr>
-                            <m:ctrlPr>
-                              <a:rPr lang="en-US" sz="2000" b="0" i="1" smtClean="0">
-                                <a:latin typeface="Cambria Math" panose="02040503050406030204" pitchFamily="18" charset="0"/>
-                                <a:cs typeface="Arial" panose="020B0604020202020204" pitchFamily="34" charset="0"/>
-                              </a:rPr>
-                            </m:ctrlPr>
-                          </m:sSubPr>
-                          <m:e>
-                            <m:r>
-                              <a:rPr lang="en-US" sz="2000" b="0" i="1" smtClean="0">
-                                <a:latin typeface="Cambria Math" panose="02040503050406030204" pitchFamily="18" charset="0"/>
-                                <a:cs typeface="Arial" panose="020B0604020202020204" pitchFamily="34" charset="0"/>
-                              </a:rPr>
-                              <m:t>𝑥</m:t>
-                            </m:r>
-                          </m:e>
-                          <m:sub>
-                            <m:r>
-                              <a:rPr lang="en-US" sz="2000" b="0" i="1" smtClean="0">
-                                <a:latin typeface="Cambria Math" panose="02040503050406030204" pitchFamily="18" charset="0"/>
-                                <a:cs typeface="Arial" panose="020B0604020202020204" pitchFamily="34" charset="0"/>
-                              </a:rPr>
-                              <m:t>2</m:t>
-                            </m:r>
-                          </m:sub>
-                        </m:sSub>
-                      </m:oMath>
-                    </m:oMathPara>
-                  </a14:m>
-                  <a:endParaRPr lang="en-US" sz="2000" dirty="0" smtClean="0">
-                    <a:latin typeface="Arial" panose="020B0604020202020204" pitchFamily="34" charset="0"/>
-                    <a:cs typeface="Arial" panose="020B0604020202020204" pitchFamily="34" charset="0"/>
-                  </a:endParaRPr>
-                </a:p>
-              </p:txBody>
-            </p:sp>
-          </mc:Choice>
-          <mc:Fallback xmlns="">
-            <p:sp>
-              <p:nvSpPr>
-                <p:cNvPr id="68" name="TextBox 67"/>
-                <p:cNvSpPr txBox="1">
-                  <a:spLocks noRot="1" noChangeAspect="1" noMove="1" noResize="1" noEditPoints="1" noAdjustHandles="1" noChangeArrowheads="1" noChangeShapeType="1" noTextEdit="1"/>
-                </p:cNvSpPr>
-                <p:nvPr/>
-              </p:nvSpPr>
-              <p:spPr>
-                <a:xfrm>
-                  <a:off x="4855104" y="2955396"/>
-                  <a:ext cx="323935" cy="307777"/>
-                </a:xfrm>
-                <a:prstGeom prst="rect">
-                  <a:avLst/>
-                </a:prstGeom>
-                <a:blipFill>
-                  <a:blip r:embed="rId47"/>
-                  <a:stretch>
-                    <a:fillRect l="-7407" r="-5556" b="-20000"/>
-                  </a:stretch>
-                </a:blipFill>
-              </p:spPr>
-              <p:txBody>
-                <a:bodyPr/>
-                <a:lstStyle/>
-                <a:p>
-                  <a:r>
-                    <a:rPr lang="en-US">
-                      <a:noFill/>
-                    </a:rPr>
-                    <a:t> </a:t>
-                  </a:r>
-                </a:p>
-              </p:txBody>
-            </p:sp>
-          </mc:Fallback>
-        </mc:AlternateContent>
-        <mc:AlternateContent xmlns:mc="http://schemas.openxmlformats.org/markup-compatibility/2006" xmlns:a14="http://schemas.microsoft.com/office/drawing/2010/main">
-          <mc:Choice Requires="a14">
-            <p:sp>
-              <p:nvSpPr>
-                <p:cNvPr id="69" name="TextBox 68"/>
-                <p:cNvSpPr txBox="1"/>
-                <p:nvPr/>
-              </p:nvSpPr>
-              <p:spPr>
-                <a:xfrm>
-                  <a:off x="6743056" y="2962844"/>
-                  <a:ext cx="323935" cy="307777"/>
-                </a:xfrm>
-                <a:prstGeom prst="rect">
-                  <a:avLst/>
-                </a:prstGeom>
-                <a:noFill/>
-              </p:spPr>
-              <p:txBody>
-                <a:bodyPr wrap="none" lIns="0" tIns="0" rIns="0" bIns="0" rtlCol="0">
-                  <a:spAutoFit/>
-                </a:bodyPr>
-                <a:lstStyle/>
-                <a:p>
-                  <a:pPr/>
-                  <a14:m>
-                    <m:oMathPara xmlns:m="http://schemas.openxmlformats.org/officeDocument/2006/math">
-                      <m:oMathParaPr>
-                        <m:jc m:val="centerGroup"/>
-                      </m:oMathParaPr>
-                      <m:oMath xmlns:m="http://schemas.openxmlformats.org/officeDocument/2006/math">
-                        <m:sSub>
-                          <m:sSubPr>
-                            <m:ctrlPr>
-                              <a:rPr lang="en-US" sz="2000" b="0" i="1" smtClean="0">
-                                <a:latin typeface="Cambria Math" panose="02040503050406030204" pitchFamily="18" charset="0"/>
-                                <a:cs typeface="Arial" panose="020B0604020202020204" pitchFamily="34" charset="0"/>
-                              </a:rPr>
-                            </m:ctrlPr>
-                          </m:sSubPr>
-                          <m:e>
-                            <m:r>
-                              <a:rPr lang="en-US" sz="2000" b="0" i="1" smtClean="0">
-                                <a:latin typeface="Cambria Math" panose="02040503050406030204" pitchFamily="18" charset="0"/>
-                                <a:cs typeface="Arial" panose="020B0604020202020204" pitchFamily="34" charset="0"/>
-                              </a:rPr>
-                              <m:t>𝑥</m:t>
-                            </m:r>
-                          </m:e>
-                          <m:sub>
-                            <m:r>
-                              <a:rPr lang="en-US" sz="2000" b="0" i="1" smtClean="0">
-                                <a:latin typeface="Cambria Math" panose="02040503050406030204" pitchFamily="18" charset="0"/>
-                                <a:cs typeface="Arial" panose="020B0604020202020204" pitchFamily="34" charset="0"/>
-                              </a:rPr>
-                              <m:t>3</m:t>
-                            </m:r>
-                          </m:sub>
-                        </m:sSub>
-                      </m:oMath>
-                    </m:oMathPara>
-                  </a14:m>
-                  <a:endParaRPr lang="en-US" sz="2000" dirty="0" smtClean="0">
-                    <a:latin typeface="Arial" panose="020B0604020202020204" pitchFamily="34" charset="0"/>
-                    <a:cs typeface="Arial" panose="020B0604020202020204" pitchFamily="34" charset="0"/>
-                  </a:endParaRPr>
-                </a:p>
-              </p:txBody>
-            </p:sp>
-          </mc:Choice>
-          <mc:Fallback xmlns="">
-            <p:sp>
-              <p:nvSpPr>
-                <p:cNvPr id="69" name="TextBox 68"/>
-                <p:cNvSpPr txBox="1">
-                  <a:spLocks noRot="1" noChangeAspect="1" noMove="1" noResize="1" noEditPoints="1" noAdjustHandles="1" noChangeArrowheads="1" noChangeShapeType="1" noTextEdit="1"/>
-                </p:cNvSpPr>
-                <p:nvPr/>
-              </p:nvSpPr>
-              <p:spPr>
-                <a:xfrm>
-                  <a:off x="6743056" y="2962844"/>
-                  <a:ext cx="323935" cy="307777"/>
-                </a:xfrm>
-                <a:prstGeom prst="rect">
-                  <a:avLst/>
-                </a:prstGeom>
-                <a:blipFill>
-                  <a:blip r:embed="rId48"/>
-                  <a:stretch>
-                    <a:fillRect l="-7547" r="-7547" b="-19608"/>
-                  </a:stretch>
-                </a:blipFill>
-              </p:spPr>
-              <p:txBody>
-                <a:bodyPr/>
-                <a:lstStyle/>
-                <a:p>
-                  <a:r>
-                    <a:rPr lang="en-US">
-                      <a:noFill/>
-                    </a:rPr>
-                    <a:t> </a:t>
-                  </a:r>
-                </a:p>
-              </p:txBody>
-            </p:sp>
-          </mc:Fallback>
-        </mc:AlternateContent>
-        <p:cxnSp>
-          <p:nvCxnSpPr>
-            <p:cNvPr id="72" name="Straight Connector 71"/>
-            <p:cNvCxnSpPr/>
-            <p:nvPr/>
-          </p:nvCxnSpPr>
-          <p:spPr>
-            <a:xfrm flipV="1">
-              <a:off x="3044188" y="2819853"/>
-              <a:ext cx="0" cy="189570"/>
-            </a:xfrm>
-            <a:prstGeom prst="line">
-              <a:avLst/>
-            </a:prstGeom>
-            <a:ln w="38100">
-              <a:solidFill>
-                <a:schemeClr val="tx1"/>
-              </a:solidFill>
-            </a:ln>
-          </p:spPr>
-          <p:style>
-            <a:lnRef idx="1">
-              <a:schemeClr val="accent1"/>
-            </a:lnRef>
-            <a:fillRef idx="0">
-              <a:schemeClr val="accent1"/>
-            </a:fillRef>
-            <a:effectRef idx="0">
-              <a:schemeClr val="accent1"/>
-            </a:effectRef>
-            <a:fontRef idx="minor">
-              <a:schemeClr val="tx1"/>
-            </a:fontRef>
-          </p:style>
-        </p:cxnSp>
-        <p:cxnSp>
-          <p:nvCxnSpPr>
-            <p:cNvPr id="73" name="Straight Connector 72"/>
-            <p:cNvCxnSpPr/>
-            <p:nvPr/>
-          </p:nvCxnSpPr>
-          <p:spPr>
-            <a:xfrm flipV="1">
-              <a:off x="4954858" y="2819853"/>
-              <a:ext cx="0" cy="189570"/>
-            </a:xfrm>
-            <a:prstGeom prst="line">
-              <a:avLst/>
-            </a:prstGeom>
-            <a:ln w="38100">
-              <a:solidFill>
-                <a:schemeClr val="tx1"/>
-              </a:solidFill>
-            </a:ln>
-          </p:spPr>
-          <p:style>
-            <a:lnRef idx="1">
-              <a:schemeClr val="accent1"/>
-            </a:lnRef>
-            <a:fillRef idx="0">
-              <a:schemeClr val="accent1"/>
-            </a:fillRef>
-            <a:effectRef idx="0">
-              <a:schemeClr val="accent1"/>
-            </a:effectRef>
-            <a:fontRef idx="minor">
-              <a:schemeClr val="tx1"/>
-            </a:fontRef>
-          </p:style>
-        </p:cxnSp>
-        <p:cxnSp>
-          <p:nvCxnSpPr>
-            <p:cNvPr id="74" name="Straight Connector 73"/>
-            <p:cNvCxnSpPr/>
-            <p:nvPr/>
-          </p:nvCxnSpPr>
-          <p:spPr>
-            <a:xfrm flipV="1">
-              <a:off x="6902042" y="2782634"/>
-              <a:ext cx="0" cy="189570"/>
-            </a:xfrm>
-            <a:prstGeom prst="line">
-              <a:avLst/>
-            </a:prstGeom>
-            <a:ln w="38100">
-              <a:solidFill>
-                <a:schemeClr val="tx1"/>
-              </a:solidFill>
-            </a:ln>
-          </p:spPr>
-          <p:style>
-            <a:lnRef idx="1">
-              <a:schemeClr val="accent1"/>
-            </a:lnRef>
-            <a:fillRef idx="0">
-              <a:schemeClr val="accent1"/>
-            </a:fillRef>
-            <a:effectRef idx="0">
-              <a:schemeClr val="accent1"/>
-            </a:effectRef>
-            <a:fontRef idx="minor">
-              <a:schemeClr val="tx1"/>
-            </a:fontRef>
-          </p:style>
-        </p:cxnSp>
-      </p:grpSp>
-      <p:grpSp>
-        <p:nvGrpSpPr>
-          <p:cNvPr id="23" name="Group 22"/>
-          <p:cNvGrpSpPr/>
-          <p:nvPr/>
-        </p:nvGrpSpPr>
-        <p:grpSpPr>
-          <a:xfrm>
-            <a:off x="957865" y="3767038"/>
+            <a:off x="8397745" y="2954862"/>
             <a:ext cx="3159937" cy="2478188"/>
             <a:chOff x="957865" y="3767038"/>
             <a:chExt cx="3159937" cy="2478188"/>
@@ -13167,7 +7926,7 @@
         </p:grpSpPr>
         <p:grpSp>
           <p:nvGrpSpPr>
-            <p:cNvPr id="2" name="Group 1"/>
+            <p:cNvPr id="89" name="Group 88"/>
             <p:cNvGrpSpPr/>
             <p:nvPr/>
           </p:nvGrpSpPr>
@@ -13181,7 +7940,7 @@
           </p:grpSpPr>
           <p:grpSp>
             <p:nvGrpSpPr>
-              <p:cNvPr id="107" name="Group 106"/>
+              <p:cNvPr id="93" name="Group 92"/>
               <p:cNvGrpSpPr/>
               <p:nvPr/>
             </p:nvGrpSpPr>
@@ -13195,7 +7954,7 @@
             </p:grpSpPr>
             <p:grpSp>
               <p:nvGrpSpPr>
-                <p:cNvPr id="87" name="Group 86"/>
+                <p:cNvPr id="100" name="Group 99"/>
                 <p:cNvGrpSpPr/>
                 <p:nvPr/>
               </p:nvGrpSpPr>
@@ -13209,7 +7968,7 @@
               </p:grpSpPr>
               <p:sp>
                 <p:nvSpPr>
-                  <p:cNvPr id="100" name="Freeform 99"/>
+                  <p:cNvPr id="113" name="Freeform 112"/>
                   <p:cNvSpPr/>
                   <p:nvPr/>
                 </p:nvSpPr>
@@ -13391,7 +8150,7 @@
               </p:sp>
               <p:sp>
                 <p:nvSpPr>
-                  <p:cNvPr id="101" name="Rectangle 100"/>
+                  <p:cNvPr id="114" name="Rectangle 113"/>
                   <p:cNvSpPr/>
                   <p:nvPr/>
                 </p:nvSpPr>
@@ -13440,7 +8199,7 @@
             </p:grpSp>
             <p:cxnSp>
               <p:nvCxnSpPr>
-                <p:cNvPr id="88" name="Straight Arrow Connector 87"/>
+                <p:cNvPr id="101" name="Straight Arrow Connector 100"/>
                 <p:cNvCxnSpPr/>
                 <p:nvPr/>
               </p:nvCxnSpPr>
@@ -13476,7 +8235,7 @@
             </p:cxnSp>
             <p:cxnSp>
               <p:nvCxnSpPr>
-                <p:cNvPr id="89" name="Straight Connector 88"/>
+                <p:cNvPr id="102" name="Straight Connector 101"/>
                 <p:cNvCxnSpPr/>
                 <p:nvPr/>
               </p:nvCxnSpPr>
@@ -13514,7 +8273,7 @@
               <mc:Choice Requires="a14">
                 <p:sp>
                   <p:nvSpPr>
-                    <p:cNvPr id="90" name="TextBox 89"/>
+                    <p:cNvPr id="105" name="TextBox 104"/>
                     <p:cNvSpPr txBox="1"/>
                     <p:nvPr/>
                   </p:nvSpPr>
@@ -13600,7 +8359,7 @@
             </mc:AlternateContent>
             <p:sp>
               <p:nvSpPr>
-                <p:cNvPr id="91" name="Freeform 90"/>
+                <p:cNvPr id="106" name="Freeform 105"/>
                 <p:cNvSpPr/>
                 <p:nvPr/>
               </p:nvSpPr>
@@ -13782,7 +8541,7 @@
             </p:sp>
             <p:sp>
               <p:nvSpPr>
-                <p:cNvPr id="92" name="Rectangle 91"/>
+                <p:cNvPr id="107" name="Rectangle 106"/>
                 <p:cNvSpPr/>
                 <p:nvPr/>
               </p:nvSpPr>
@@ -13832,7 +8591,7 @@
             </p:sp>
             <p:sp>
               <p:nvSpPr>
-                <p:cNvPr id="93" name="Rectangle 92"/>
+                <p:cNvPr id="108" name="Rectangle 107"/>
                 <p:cNvSpPr/>
                 <p:nvPr/>
               </p:nvSpPr>
@@ -13884,7 +8643,7 @@
               <mc:Choice Requires="a14">
                 <p:sp>
                   <p:nvSpPr>
-                    <p:cNvPr id="94" name="Rectangle 93"/>
+                    <p:cNvPr id="109" name="Rectangle 108"/>
                     <p:cNvSpPr/>
                     <p:nvPr/>
                   </p:nvSpPr>
@@ -13965,7 +8724,7 @@
             </mc:AlternateContent>
             <p:cxnSp>
               <p:nvCxnSpPr>
-                <p:cNvPr id="95" name="Straight Connector 94"/>
+                <p:cNvPr id="110" name="Straight Connector 109"/>
                 <p:cNvCxnSpPr/>
                 <p:nvPr/>
               </p:nvCxnSpPr>
@@ -14001,7 +8760,7 @@
             </p:cxnSp>
             <p:sp>
               <p:nvSpPr>
-                <p:cNvPr id="99" name="Rectangle 98"/>
+                <p:cNvPr id="111" name="Rectangle 110"/>
                 <p:cNvSpPr/>
                 <p:nvPr/>
               </p:nvSpPr>
@@ -14051,7 +8810,7 @@
               <mc:Choice Requires="a14">
                 <p:sp>
                   <p:nvSpPr>
-                    <p:cNvPr id="106" name="TextBox 105"/>
+                    <p:cNvPr id="112" name="TextBox 111"/>
                     <p:cNvSpPr txBox="1"/>
                     <p:nvPr/>
                   </p:nvSpPr>
@@ -14138,7 +8897,7 @@
           </p:grpSp>
           <p:sp>
             <p:nvSpPr>
-              <p:cNvPr id="78" name="Rectangle 77"/>
+              <p:cNvPr id="95" name="Rectangle 94"/>
               <p:cNvSpPr/>
               <p:nvPr/>
             </p:nvSpPr>
@@ -14186,7 +8945,7 @@
           </p:sp>
           <p:sp>
             <p:nvSpPr>
-              <p:cNvPr id="79" name="Rectangle 78"/>
+              <p:cNvPr id="98" name="Rectangle 97"/>
               <p:cNvSpPr/>
               <p:nvPr/>
             </p:nvSpPr>
@@ -14235,7 +8994,7 @@
         </p:grpSp>
         <p:cxnSp>
           <p:nvCxnSpPr>
-            <p:cNvPr id="6" name="Straight Arrow Connector 5"/>
+            <p:cNvPr id="90" name="Straight Arrow Connector 89"/>
             <p:cNvCxnSpPr/>
             <p:nvPr/>
           </p:nvCxnSpPr>
@@ -14270,6 +9029,1618 @@
             </a:fontRef>
           </p:style>
         </p:cxnSp>
+      </p:grpSp>
+    </p:spTree>
+    <p:extLst>
+      <p:ext uri="{BB962C8B-B14F-4D97-AF65-F5344CB8AC3E}">
+        <p14:creationId xmlns:p14="http://schemas.microsoft.com/office/powerpoint/2010/main" val="3297151317"/>
+      </p:ext>
+    </p:extLst>
+  </p:cSld>
+  <p:clrMapOvr>
+    <a:masterClrMapping/>
+  </p:clrMapOvr>
+</p:sld>
+</file>
+
+<file path=ppt/slides/slide3.xml><?xml version="1.0" encoding="utf-8"?>
+<p:sld xmlns:a="http://schemas.openxmlformats.org/drawingml/2006/main" xmlns:r="http://schemas.openxmlformats.org/officeDocument/2006/relationships" xmlns:p="http://schemas.openxmlformats.org/presentationml/2006/main">
+  <p:cSld>
+    <p:spTree>
+      <p:nvGrpSpPr>
+        <p:cNvPr id="1" name=""/>
+        <p:cNvGrpSpPr/>
+        <p:nvPr/>
+      </p:nvGrpSpPr>
+      <p:grpSpPr>
+        <a:xfrm>
+          <a:off x="0" y="0"/>
+          <a:ext cx="0" cy="0"/>
+          <a:chOff x="0" y="0"/>
+          <a:chExt cx="0" cy="0"/>
+        </a:xfrm>
+      </p:grpSpPr>
+      <p:grpSp>
+        <p:nvGrpSpPr>
+          <p:cNvPr id="81" name="Group 80"/>
+          <p:cNvGrpSpPr/>
+          <p:nvPr/>
+        </p:nvGrpSpPr>
+        <p:grpSpPr>
+          <a:xfrm>
+            <a:off x="280693" y="338770"/>
+            <a:ext cx="4031829" cy="2634394"/>
+            <a:chOff x="6380410" y="327618"/>
+            <a:chExt cx="4031829" cy="2634394"/>
+          </a:xfrm>
+        </p:grpSpPr>
+        <p:grpSp>
+          <p:nvGrpSpPr>
+            <p:cNvPr id="82" name="Group 81"/>
+            <p:cNvGrpSpPr/>
+            <p:nvPr/>
+          </p:nvGrpSpPr>
+          <p:grpSpPr>
+            <a:xfrm>
+              <a:off x="6380410" y="626354"/>
+              <a:ext cx="4031829" cy="2335658"/>
+              <a:chOff x="5672271" y="170059"/>
+              <a:chExt cx="4031829" cy="2335658"/>
+            </a:xfrm>
+          </p:grpSpPr>
+          <p:grpSp>
+            <p:nvGrpSpPr>
+              <p:cNvPr id="97" name="Group 96"/>
+              <p:cNvGrpSpPr/>
+              <p:nvPr/>
+            </p:nvGrpSpPr>
+            <p:grpSpPr>
+              <a:xfrm>
+                <a:off x="5672271" y="170059"/>
+                <a:ext cx="4031829" cy="2335658"/>
+                <a:chOff x="744676" y="594879"/>
+                <a:chExt cx="4031829" cy="2335658"/>
+              </a:xfrm>
+            </p:grpSpPr>
+            <p:grpSp>
+              <p:nvGrpSpPr>
+                <p:cNvPr id="103" name="Group 102"/>
+                <p:cNvGrpSpPr/>
+                <p:nvPr/>
+              </p:nvGrpSpPr>
+              <p:grpSpPr>
+                <a:xfrm>
+                  <a:off x="744676" y="1075899"/>
+                  <a:ext cx="4031829" cy="1854638"/>
+                  <a:chOff x="923095" y="2146416"/>
+                  <a:chExt cx="4031829" cy="1854638"/>
+                </a:xfrm>
+              </p:grpSpPr>
+              <p:sp>
+                <p:nvSpPr>
+                  <p:cNvPr id="108" name="Rectangle 107"/>
+                  <p:cNvSpPr/>
+                  <p:nvPr/>
+                </p:nvSpPr>
+                <p:spPr>
+                  <a:xfrm>
+                    <a:off x="1099058" y="2932955"/>
+                    <a:ext cx="3746810" cy="189569"/>
+                  </a:xfrm>
+                  <a:prstGeom prst="rect">
+                    <a:avLst/>
+                  </a:prstGeom>
+                  <a:solidFill>
+                    <a:schemeClr val="bg2">
+                      <a:lumMod val="90000"/>
+                    </a:schemeClr>
+                  </a:solidFill>
+                  <a:ln w="38100">
+                    <a:solidFill>
+                      <a:schemeClr val="tx1"/>
+                    </a:solidFill>
+                  </a:ln>
+                </p:spPr>
+                <p:style>
+                  <a:lnRef idx="2">
+                    <a:schemeClr val="accent1">
+                      <a:shade val="50000"/>
+                    </a:schemeClr>
+                  </a:lnRef>
+                  <a:fillRef idx="1">
+                    <a:schemeClr val="accent1"/>
+                  </a:fillRef>
+                  <a:effectRef idx="0">
+                    <a:schemeClr val="accent1"/>
+                  </a:effectRef>
+                  <a:fontRef idx="minor">
+                    <a:schemeClr val="lt1"/>
+                  </a:fontRef>
+                </p:style>
+                <p:txBody>
+                  <a:bodyPr rtlCol="0" anchor="ctr"/>
+                  <a:lstStyle/>
+                  <a:p>
+                    <a:pPr algn="ctr"/>
+                    <a:endParaRPr lang="en-US"/>
+                  </a:p>
+                </p:txBody>
+              </p:sp>
+              <p:sp>
+                <p:nvSpPr>
+                  <p:cNvPr id="109" name="Rectangle 108"/>
+                  <p:cNvSpPr/>
+                  <p:nvPr/>
+                </p:nvSpPr>
+                <p:spPr>
+                  <a:xfrm>
+                    <a:off x="1527717" y="2326592"/>
+                    <a:ext cx="657922" cy="602166"/>
+                  </a:xfrm>
+                  <a:prstGeom prst="rect">
+                    <a:avLst/>
+                  </a:prstGeom>
+                  <a:solidFill>
+                    <a:schemeClr val="bg2"/>
+                  </a:solidFill>
+                  <a:ln w="38100">
+                    <a:solidFill>
+                      <a:schemeClr val="tx1"/>
+                    </a:solidFill>
+                  </a:ln>
+                </p:spPr>
+                <p:style>
+                  <a:lnRef idx="2">
+                    <a:schemeClr val="accent1">
+                      <a:shade val="50000"/>
+                    </a:schemeClr>
+                  </a:lnRef>
+                  <a:fillRef idx="1">
+                    <a:schemeClr val="accent1"/>
+                  </a:fillRef>
+                  <a:effectRef idx="0">
+                    <a:schemeClr val="accent1"/>
+                  </a:effectRef>
+                  <a:fontRef idx="minor">
+                    <a:schemeClr val="lt1"/>
+                  </a:fontRef>
+                </p:style>
+                <p:txBody>
+                  <a:bodyPr rtlCol="0" anchor="ctr"/>
+                  <a:lstStyle/>
+                  <a:p>
+                    <a:pPr algn="ctr"/>
+                    <a:endParaRPr lang="en-US" dirty="0"/>
+                  </a:p>
+                </p:txBody>
+              </p:sp>
+              <p:grpSp>
+                <p:nvGrpSpPr>
+                  <p:cNvPr id="110" name="Group 109"/>
+                  <p:cNvGrpSpPr/>
+                  <p:nvPr/>
+                </p:nvGrpSpPr>
+                <p:grpSpPr>
+                  <a:xfrm>
+                    <a:off x="923095" y="3442520"/>
+                    <a:ext cx="4031829" cy="558534"/>
+                    <a:chOff x="919312" y="3331012"/>
+                    <a:chExt cx="4031829" cy="558534"/>
+                  </a:xfrm>
+                </p:grpSpPr>
+                <p:cxnSp>
+                  <p:nvCxnSpPr>
+                    <p:cNvPr id="119" name="Straight Arrow Connector 118"/>
+                    <p:cNvCxnSpPr/>
+                    <p:nvPr/>
+                  </p:nvCxnSpPr>
+                  <p:spPr>
+                    <a:xfrm flipV="1">
+                      <a:off x="1025912" y="3438955"/>
+                      <a:ext cx="3925229" cy="1"/>
+                    </a:xfrm>
+                    <a:prstGeom prst="straightConnector1">
+                      <a:avLst/>
+                    </a:prstGeom>
+                    <a:ln w="38100">
+                      <a:solidFill>
+                        <a:schemeClr val="tx1"/>
+                      </a:solidFill>
+                      <a:tailEnd type="triangle"/>
+                    </a:ln>
+                  </p:spPr>
+                  <p:style>
+                    <a:lnRef idx="1">
+                      <a:schemeClr val="accent1"/>
+                    </a:lnRef>
+                    <a:fillRef idx="0">
+                      <a:schemeClr val="accent1"/>
+                    </a:fillRef>
+                    <a:effectRef idx="0">
+                      <a:schemeClr val="accent1"/>
+                    </a:effectRef>
+                    <a:fontRef idx="minor">
+                      <a:schemeClr val="tx1"/>
+                    </a:fontRef>
+                  </p:style>
+                </p:cxnSp>
+                <mc:AlternateContent xmlns:mc="http://schemas.openxmlformats.org/markup-compatibility/2006" xmlns:a14="http://schemas.microsoft.com/office/drawing/2010/main">
+                  <mc:Choice Requires="a14">
+                    <p:sp>
+                      <p:nvSpPr>
+                        <p:cNvPr id="120" name="Rectangle 119"/>
+                        <p:cNvSpPr/>
+                        <p:nvPr/>
+                      </p:nvSpPr>
+                      <p:spPr>
+                        <a:xfrm>
+                          <a:off x="4404738" y="3438955"/>
+                          <a:ext cx="367985" cy="369332"/>
+                        </a:xfrm>
+                        <a:prstGeom prst="rect">
+                          <a:avLst/>
+                        </a:prstGeom>
+                      </p:spPr>
+                      <p:txBody>
+                        <a:bodyPr wrap="square">
+                          <a:spAutoFit/>
+                        </a:bodyPr>
+                        <a:lstStyle/>
+                        <a:p>
+                          <a:pPr/>
+                          <a14:m>
+                            <m:oMathPara xmlns:m="http://schemas.openxmlformats.org/officeDocument/2006/math">
+                              <m:oMathParaPr>
+                                <m:jc m:val="centerGroup"/>
+                              </m:oMathParaPr>
+                              <m:oMath xmlns:m="http://schemas.openxmlformats.org/officeDocument/2006/math">
+                                <m:r>
+                                  <a:rPr lang="en-US" i="1">
+                                    <a:latin typeface="Cambria Math" panose="02040503050406030204" pitchFamily="18" charset="0"/>
+                                    <a:cs typeface="Arial" panose="020B0604020202020204" pitchFamily="34" charset="0"/>
+                                  </a:rPr>
+                                  <m:t>𝑥</m:t>
+                                </m:r>
+                              </m:oMath>
+                            </m:oMathPara>
+                          </a14:m>
+                          <a:endParaRPr lang="en-CA" dirty="0"/>
+                        </a:p>
+                      </p:txBody>
+                    </p:sp>
+                  </mc:Choice>
+                  <mc:Fallback xmlns="">
+                    <p:sp>
+                      <p:nvSpPr>
+                        <p:cNvPr id="84" name="Rectangle 83"/>
+                        <p:cNvSpPr>
+                          <a:spLocks noRot="1" noChangeAspect="1" noMove="1" noResize="1" noEditPoints="1" noAdjustHandles="1" noChangeArrowheads="1" noChangeShapeType="1" noTextEdit="1"/>
+                        </p:cNvSpPr>
+                        <p:nvPr/>
+                      </p:nvSpPr>
+                      <p:spPr>
+                        <a:xfrm>
+                          <a:off x="4404738" y="3438955"/>
+                          <a:ext cx="367985" cy="369332"/>
+                        </a:xfrm>
+                        <a:prstGeom prst="rect">
+                          <a:avLst/>
+                        </a:prstGeom>
+                        <a:blipFill>
+                          <a:blip r:embed="rId24"/>
+                          <a:stretch>
+                            <a:fillRect/>
+                          </a:stretch>
+                        </a:blipFill>
+                      </p:spPr>
+                      <p:txBody>
+                        <a:bodyPr/>
+                        <a:lstStyle/>
+                        <a:p>
+                          <a:r>
+                            <a:rPr lang="en-US">
+                              <a:noFill/>
+                            </a:rPr>
+                            <a:t> </a:t>
+                          </a:r>
+                        </a:p>
+                      </p:txBody>
+                    </p:sp>
+                  </mc:Fallback>
+                </mc:AlternateContent>
+                <mc:AlternateContent xmlns:mc="http://schemas.openxmlformats.org/markup-compatibility/2006" xmlns:a14="http://schemas.microsoft.com/office/drawing/2010/main">
+                  <mc:Choice Requires="a14">
+                    <p:sp>
+                      <p:nvSpPr>
+                        <p:cNvPr id="121" name="TextBox 120"/>
+                        <p:cNvSpPr txBox="1"/>
+                        <p:nvPr/>
+                      </p:nvSpPr>
+                      <p:spPr>
+                        <a:xfrm>
+                          <a:off x="919312" y="3581769"/>
+                          <a:ext cx="213200" cy="307777"/>
+                        </a:xfrm>
+                        <a:prstGeom prst="rect">
+                          <a:avLst/>
+                        </a:prstGeom>
+                        <a:noFill/>
+                      </p:spPr>
+                      <p:txBody>
+                        <a:bodyPr wrap="none" lIns="0" tIns="0" rIns="0" bIns="0" rtlCol="0">
+                          <a:spAutoFit/>
+                        </a:bodyPr>
+                        <a:lstStyle/>
+                        <a:p>
+                          <a:pPr/>
+                          <a14:m>
+                            <m:oMathPara xmlns:m="http://schemas.openxmlformats.org/officeDocument/2006/math">
+                              <m:oMathParaPr>
+                                <m:jc m:val="centerGroup"/>
+                              </m:oMathParaPr>
+                              <m:oMath xmlns:m="http://schemas.openxmlformats.org/officeDocument/2006/math">
+                                <m:r>
+                                  <a:rPr lang="en-US" sz="2000" b="0" i="1" smtClean="0">
+                                    <a:latin typeface="Cambria Math" panose="02040503050406030204" pitchFamily="18" charset="0"/>
+                                    <a:cs typeface="Arial" panose="020B0604020202020204" pitchFamily="34" charset="0"/>
+                                  </a:rPr>
+                                  <m:t>0</m:t>
+                                </m:r>
+                              </m:oMath>
+                            </m:oMathPara>
+                          </a14:m>
+                          <a:endParaRPr lang="en-US" sz="2000" dirty="0" smtClean="0">
+                            <a:latin typeface="Arial" panose="020B0604020202020204" pitchFamily="34" charset="0"/>
+                            <a:cs typeface="Arial" panose="020B0604020202020204" pitchFamily="34" charset="0"/>
+                          </a:endParaRPr>
+                        </a:p>
+                      </p:txBody>
+                    </p:sp>
+                  </mc:Choice>
+                  <mc:Fallback xmlns="">
+                    <p:sp>
+                      <p:nvSpPr>
+                        <p:cNvPr id="85" name="TextBox 84"/>
+                        <p:cNvSpPr txBox="1">
+                          <a:spLocks noRot="1" noChangeAspect="1" noMove="1" noResize="1" noEditPoints="1" noAdjustHandles="1" noChangeArrowheads="1" noChangeShapeType="1" noTextEdit="1"/>
+                        </p:cNvSpPr>
+                        <p:nvPr/>
+                      </p:nvSpPr>
+                      <p:spPr>
+                        <a:xfrm>
+                          <a:off x="919312" y="3581769"/>
+                          <a:ext cx="213200" cy="307777"/>
+                        </a:xfrm>
+                        <a:prstGeom prst="rect">
+                          <a:avLst/>
+                        </a:prstGeom>
+                        <a:blipFill>
+                          <a:blip r:embed="rId25"/>
+                          <a:stretch>
+                            <a:fillRect l="-25714" r="-22857" b="-9804"/>
+                          </a:stretch>
+                        </a:blipFill>
+                      </p:spPr>
+                      <p:txBody>
+                        <a:bodyPr/>
+                        <a:lstStyle/>
+                        <a:p>
+                          <a:r>
+                            <a:rPr lang="en-US">
+                              <a:noFill/>
+                            </a:rPr>
+                            <a:t> </a:t>
+                          </a:r>
+                        </a:p>
+                      </p:txBody>
+                    </p:sp>
+                  </mc:Fallback>
+                </mc:AlternateContent>
+                <p:cxnSp>
+                  <p:nvCxnSpPr>
+                    <p:cNvPr id="122" name="Straight Connector 121"/>
+                    <p:cNvCxnSpPr/>
+                    <p:nvPr/>
+                  </p:nvCxnSpPr>
+                  <p:spPr>
+                    <a:xfrm flipV="1">
+                      <a:off x="1099058" y="3331012"/>
+                      <a:ext cx="0" cy="239606"/>
+                    </a:xfrm>
+                    <a:prstGeom prst="line">
+                      <a:avLst/>
+                    </a:prstGeom>
+                    <a:ln w="38100">
+                      <a:solidFill>
+                        <a:schemeClr val="tx1"/>
+                      </a:solidFill>
+                    </a:ln>
+                  </p:spPr>
+                  <p:style>
+                    <a:lnRef idx="1">
+                      <a:schemeClr val="accent1"/>
+                    </a:lnRef>
+                    <a:fillRef idx="0">
+                      <a:schemeClr val="accent1"/>
+                    </a:fillRef>
+                    <a:effectRef idx="0">
+                      <a:schemeClr val="accent1"/>
+                    </a:effectRef>
+                    <a:fontRef idx="minor">
+                      <a:schemeClr val="tx1"/>
+                    </a:fontRef>
+                  </p:style>
+                </p:cxnSp>
+              </p:grpSp>
+              <p:cxnSp>
+                <p:nvCxnSpPr>
+                  <p:cNvPr id="111" name="Straight Arrow Connector 110"/>
+                  <p:cNvCxnSpPr/>
+                  <p:nvPr/>
+                </p:nvCxnSpPr>
+                <p:spPr>
+                  <a:xfrm flipV="1">
+                    <a:off x="2208738" y="2291438"/>
+                    <a:ext cx="664516" cy="336237"/>
+                  </a:xfrm>
+                  <a:prstGeom prst="straightConnector1">
+                    <a:avLst/>
+                  </a:prstGeom>
+                  <a:ln w="38100">
+                    <a:solidFill>
+                      <a:schemeClr val="tx1"/>
+                    </a:solidFill>
+                    <a:tailEnd type="triangle"/>
+                  </a:ln>
+                </p:spPr>
+                <p:style>
+                  <a:lnRef idx="1">
+                    <a:schemeClr val="accent1"/>
+                  </a:lnRef>
+                  <a:fillRef idx="0">
+                    <a:schemeClr val="accent1"/>
+                  </a:fillRef>
+                  <a:effectRef idx="0">
+                    <a:schemeClr val="accent1"/>
+                  </a:effectRef>
+                  <a:fontRef idx="minor">
+                    <a:schemeClr val="tx1"/>
+                  </a:fontRef>
+                </p:style>
+              </p:cxnSp>
+              <p:cxnSp>
+                <p:nvCxnSpPr>
+                  <p:cNvPr id="112" name="Straight Connector 111"/>
+                  <p:cNvCxnSpPr>
+                    <a:endCxn id="114" idx="0"/>
+                  </p:cNvCxnSpPr>
+                  <p:nvPr/>
+                </p:nvCxnSpPr>
+                <p:spPr>
+                  <a:xfrm>
+                    <a:off x="1523951" y="2928758"/>
+                    <a:ext cx="11151" cy="583351"/>
+                  </a:xfrm>
+                  <a:prstGeom prst="line">
+                    <a:avLst/>
+                  </a:prstGeom>
+                  <a:ln w="19050">
+                    <a:solidFill>
+                      <a:schemeClr val="tx1"/>
+                    </a:solidFill>
+                    <a:prstDash val="sysDot"/>
+                  </a:ln>
+                </p:spPr>
+                <p:style>
+                  <a:lnRef idx="1">
+                    <a:schemeClr val="accent1"/>
+                  </a:lnRef>
+                  <a:fillRef idx="0">
+                    <a:schemeClr val="accent1"/>
+                  </a:fillRef>
+                  <a:effectRef idx="0">
+                    <a:schemeClr val="accent1"/>
+                  </a:effectRef>
+                  <a:fontRef idx="minor">
+                    <a:schemeClr val="tx1"/>
+                  </a:fontRef>
+                </p:style>
+              </p:cxnSp>
+              <p:cxnSp>
+                <p:nvCxnSpPr>
+                  <p:cNvPr id="113" name="Straight Connector 112"/>
+                  <p:cNvCxnSpPr>
+                    <a:endCxn id="115" idx="0"/>
+                  </p:cNvCxnSpPr>
+                  <p:nvPr/>
+                </p:nvCxnSpPr>
+                <p:spPr>
+                  <a:xfrm>
+                    <a:off x="3349034" y="2931093"/>
+                    <a:ext cx="0" cy="581015"/>
+                  </a:xfrm>
+                  <a:prstGeom prst="line">
+                    <a:avLst/>
+                  </a:prstGeom>
+                  <a:ln w="19050">
+                    <a:solidFill>
+                      <a:schemeClr val="tx1"/>
+                    </a:solidFill>
+                    <a:prstDash val="sysDot"/>
+                  </a:ln>
+                </p:spPr>
+                <p:style>
+                  <a:lnRef idx="1">
+                    <a:schemeClr val="accent1"/>
+                  </a:lnRef>
+                  <a:fillRef idx="0">
+                    <a:schemeClr val="accent1"/>
+                  </a:fillRef>
+                  <a:effectRef idx="0">
+                    <a:schemeClr val="accent1"/>
+                  </a:effectRef>
+                  <a:fontRef idx="minor">
+                    <a:schemeClr val="tx1"/>
+                  </a:fontRef>
+                </p:style>
+              </p:cxnSp>
+              <mc:AlternateContent xmlns:mc="http://schemas.openxmlformats.org/markup-compatibility/2006" xmlns:a14="http://schemas.microsoft.com/office/drawing/2010/main">
+                <mc:Choice Requires="a14">
+                  <p:sp>
+                    <p:nvSpPr>
+                      <p:cNvPr id="114" name="TextBox 113"/>
+                      <p:cNvSpPr txBox="1"/>
+                      <p:nvPr/>
+                    </p:nvSpPr>
+                    <p:spPr>
+                      <a:xfrm>
+                        <a:off x="1373134" y="3512109"/>
+                        <a:ext cx="323935" cy="307777"/>
+                      </a:xfrm>
+                      <a:prstGeom prst="rect">
+                        <a:avLst/>
+                      </a:prstGeom>
+                      <a:noFill/>
+                    </p:spPr>
+                    <p:txBody>
+                      <a:bodyPr wrap="none" lIns="0" tIns="0" rIns="0" bIns="0" rtlCol="0">
+                        <a:spAutoFit/>
+                      </a:bodyPr>
+                      <a:lstStyle/>
+                      <a:p>
+                        <a:pPr/>
+                        <a14:m>
+                          <m:oMathPara xmlns:m="http://schemas.openxmlformats.org/officeDocument/2006/math">
+                            <m:oMathParaPr>
+                              <m:jc m:val="centerGroup"/>
+                            </m:oMathParaPr>
+                            <m:oMath xmlns:m="http://schemas.openxmlformats.org/officeDocument/2006/math">
+                              <m:sSub>
+                                <m:sSubPr>
+                                  <m:ctrlPr>
+                                    <a:rPr lang="en-US" sz="2000" b="0" i="1" smtClean="0">
+                                      <a:latin typeface="Cambria Math" panose="02040503050406030204" pitchFamily="18" charset="0"/>
+                                      <a:cs typeface="Arial" panose="020B0604020202020204" pitchFamily="34" charset="0"/>
+                                    </a:rPr>
+                                  </m:ctrlPr>
+                                </m:sSubPr>
+                                <m:e>
+                                  <m:r>
+                                    <a:rPr lang="en-US" sz="2000" b="0" i="1" smtClean="0">
+                                      <a:latin typeface="Cambria Math" panose="02040503050406030204" pitchFamily="18" charset="0"/>
+                                      <a:cs typeface="Arial" panose="020B0604020202020204" pitchFamily="34" charset="0"/>
+                                    </a:rPr>
+                                    <m:t>𝑥</m:t>
+                                  </m:r>
+                                </m:e>
+                                <m:sub>
+                                  <m:r>
+                                    <a:rPr lang="en-US" sz="2000" b="0" i="1" smtClean="0">
+                                      <a:latin typeface="Cambria Math" panose="02040503050406030204" pitchFamily="18" charset="0"/>
+                                      <a:cs typeface="Arial" panose="020B0604020202020204" pitchFamily="34" charset="0"/>
+                                    </a:rPr>
+                                    <m:t>0</m:t>
+                                  </m:r>
+                                </m:sub>
+                              </m:sSub>
+                            </m:oMath>
+                          </m:oMathPara>
+                        </a14:m>
+                        <a:endParaRPr lang="en-US" sz="2000" dirty="0" smtClean="0">
+                          <a:latin typeface="Arial" panose="020B0604020202020204" pitchFamily="34" charset="0"/>
+                          <a:cs typeface="Arial" panose="020B0604020202020204" pitchFamily="34" charset="0"/>
+                        </a:endParaRPr>
+                      </a:p>
+                    </p:txBody>
+                  </p:sp>
+                </mc:Choice>
+                <mc:Fallback xmlns="">
+                  <p:sp>
+                    <p:nvSpPr>
+                      <p:cNvPr id="78" name="TextBox 77"/>
+                      <p:cNvSpPr txBox="1">
+                        <a:spLocks noRot="1" noChangeAspect="1" noMove="1" noResize="1" noEditPoints="1" noAdjustHandles="1" noChangeArrowheads="1" noChangeShapeType="1" noTextEdit="1"/>
+                      </p:cNvSpPr>
+                      <p:nvPr/>
+                    </p:nvSpPr>
+                    <p:spPr>
+                      <a:xfrm>
+                        <a:off x="1373134" y="3512109"/>
+                        <a:ext cx="323935" cy="307777"/>
+                      </a:xfrm>
+                      <a:prstGeom prst="rect">
+                        <a:avLst/>
+                      </a:prstGeom>
+                      <a:blipFill>
+                        <a:blip r:embed="rId26"/>
+                        <a:stretch>
+                          <a:fillRect l="-7407" r="-5556" b="-20000"/>
+                        </a:stretch>
+                      </a:blipFill>
+                    </p:spPr>
+                    <p:txBody>
+                      <a:bodyPr/>
+                      <a:lstStyle/>
+                      <a:p>
+                        <a:r>
+                          <a:rPr lang="en-US">
+                            <a:noFill/>
+                          </a:rPr>
+                          <a:t> </a:t>
+                        </a:r>
+                      </a:p>
+                    </p:txBody>
+                  </p:sp>
+                </mc:Fallback>
+              </mc:AlternateContent>
+              <mc:AlternateContent xmlns:mc="http://schemas.openxmlformats.org/markup-compatibility/2006" xmlns:a14="http://schemas.microsoft.com/office/drawing/2010/main">
+                <mc:Choice Requires="a14">
+                  <p:sp>
+                    <p:nvSpPr>
+                      <p:cNvPr id="115" name="TextBox 114"/>
+                      <p:cNvSpPr txBox="1"/>
+                      <p:nvPr/>
+                    </p:nvSpPr>
+                    <p:spPr>
+                      <a:xfrm>
+                        <a:off x="3187066" y="3512108"/>
+                        <a:ext cx="323935" cy="307777"/>
+                      </a:xfrm>
+                      <a:prstGeom prst="rect">
+                        <a:avLst/>
+                      </a:prstGeom>
+                      <a:noFill/>
+                    </p:spPr>
+                    <p:txBody>
+                      <a:bodyPr wrap="none" lIns="0" tIns="0" rIns="0" bIns="0" rtlCol="0">
+                        <a:spAutoFit/>
+                      </a:bodyPr>
+                      <a:lstStyle/>
+                      <a:p>
+                        <a:pPr/>
+                        <a14:m>
+                          <m:oMathPara xmlns:m="http://schemas.openxmlformats.org/officeDocument/2006/math">
+                            <m:oMathParaPr>
+                              <m:jc m:val="centerGroup"/>
+                            </m:oMathParaPr>
+                            <m:oMath xmlns:m="http://schemas.openxmlformats.org/officeDocument/2006/math">
+                              <m:sSub>
+                                <m:sSubPr>
+                                  <m:ctrlPr>
+                                    <a:rPr lang="en-US" sz="2000" b="0" i="1" smtClean="0">
+                                      <a:latin typeface="Cambria Math" panose="02040503050406030204" pitchFamily="18" charset="0"/>
+                                      <a:cs typeface="Arial" panose="020B0604020202020204" pitchFamily="34" charset="0"/>
+                                    </a:rPr>
+                                  </m:ctrlPr>
+                                </m:sSubPr>
+                                <m:e>
+                                  <m:r>
+                                    <a:rPr lang="en-US" sz="2000" b="0" i="1" smtClean="0">
+                                      <a:latin typeface="Cambria Math" panose="02040503050406030204" pitchFamily="18" charset="0"/>
+                                      <a:cs typeface="Arial" panose="020B0604020202020204" pitchFamily="34" charset="0"/>
+                                    </a:rPr>
+                                    <m:t>𝑥</m:t>
+                                  </m:r>
+                                </m:e>
+                                <m:sub>
+                                  <m:r>
+                                    <a:rPr lang="en-US" sz="2000" b="0" i="1" smtClean="0">
+                                      <a:latin typeface="Cambria Math" panose="02040503050406030204" pitchFamily="18" charset="0"/>
+                                      <a:cs typeface="Arial" panose="020B0604020202020204" pitchFamily="34" charset="0"/>
+                                    </a:rPr>
+                                    <m:t>1</m:t>
+                                  </m:r>
+                                </m:sub>
+                              </m:sSub>
+                            </m:oMath>
+                          </m:oMathPara>
+                        </a14:m>
+                        <a:endParaRPr lang="en-US" sz="2000" dirty="0" smtClean="0">
+                          <a:latin typeface="Arial" panose="020B0604020202020204" pitchFamily="34" charset="0"/>
+                          <a:cs typeface="Arial" panose="020B0604020202020204" pitchFamily="34" charset="0"/>
+                        </a:endParaRPr>
+                      </a:p>
+                    </p:txBody>
+                  </p:sp>
+                </mc:Choice>
+                <mc:Fallback xmlns="">
+                  <p:sp>
+                    <p:nvSpPr>
+                      <p:cNvPr id="79" name="TextBox 78"/>
+                      <p:cNvSpPr txBox="1">
+                        <a:spLocks noRot="1" noChangeAspect="1" noMove="1" noResize="1" noEditPoints="1" noAdjustHandles="1" noChangeArrowheads="1" noChangeShapeType="1" noTextEdit="1"/>
+                      </p:cNvSpPr>
+                      <p:nvPr/>
+                    </p:nvSpPr>
+                    <p:spPr>
+                      <a:xfrm>
+                        <a:off x="3187066" y="3512108"/>
+                        <a:ext cx="323935" cy="307777"/>
+                      </a:xfrm>
+                      <a:prstGeom prst="rect">
+                        <a:avLst/>
+                      </a:prstGeom>
+                      <a:blipFill>
+                        <a:blip r:embed="rId27"/>
+                        <a:stretch>
+                          <a:fillRect l="-7547" r="-3774" b="-20000"/>
+                        </a:stretch>
+                      </a:blipFill>
+                    </p:spPr>
+                    <p:txBody>
+                      <a:bodyPr/>
+                      <a:lstStyle/>
+                      <a:p>
+                        <a:r>
+                          <a:rPr lang="en-US">
+                            <a:noFill/>
+                          </a:rPr>
+                          <a:t> </a:t>
+                        </a:r>
+                      </a:p>
+                    </p:txBody>
+                  </p:sp>
+                </mc:Fallback>
+              </mc:AlternateContent>
+              <p:cxnSp>
+                <p:nvCxnSpPr>
+                  <p:cNvPr id="116" name="Straight Arrow Connector 115"/>
+                  <p:cNvCxnSpPr/>
+                  <p:nvPr/>
+                </p:nvCxnSpPr>
+                <p:spPr>
+                  <a:xfrm>
+                    <a:off x="1523952" y="3244478"/>
+                    <a:ext cx="1825082" cy="0"/>
+                  </a:xfrm>
+                  <a:prstGeom prst="straightConnector1">
+                    <a:avLst/>
+                  </a:prstGeom>
+                  <a:ln w="38100">
+                    <a:solidFill>
+                      <a:schemeClr val="tx1"/>
+                    </a:solidFill>
+                    <a:headEnd type="triangle"/>
+                    <a:tailEnd type="triangle"/>
+                  </a:ln>
+                </p:spPr>
+                <p:style>
+                  <a:lnRef idx="1">
+                    <a:schemeClr val="accent1"/>
+                  </a:lnRef>
+                  <a:fillRef idx="0">
+                    <a:schemeClr val="accent1"/>
+                  </a:fillRef>
+                  <a:effectRef idx="0">
+                    <a:schemeClr val="accent1"/>
+                  </a:effectRef>
+                  <a:fontRef idx="minor">
+                    <a:schemeClr val="tx1"/>
+                  </a:fontRef>
+                </p:style>
+              </p:cxnSp>
+              <mc:AlternateContent xmlns:mc="http://schemas.openxmlformats.org/markup-compatibility/2006" xmlns:a14="http://schemas.microsoft.com/office/drawing/2010/main">
+                <mc:Choice Requires="a14">
+                  <p:sp>
+                    <p:nvSpPr>
+                      <p:cNvPr id="117" name="TextBox 116"/>
+                      <p:cNvSpPr txBox="1"/>
+                      <p:nvPr/>
+                    </p:nvSpPr>
+                    <p:spPr>
+                      <a:xfrm>
+                        <a:off x="2253077" y="3205083"/>
+                        <a:ext cx="366832" cy="307777"/>
+                      </a:xfrm>
+                      <a:prstGeom prst="rect">
+                        <a:avLst/>
+                      </a:prstGeom>
+                      <a:noFill/>
+                    </p:spPr>
+                    <p:txBody>
+                      <a:bodyPr wrap="none" lIns="0" tIns="0" rIns="0" bIns="0" rtlCol="0">
+                        <a:spAutoFit/>
+                      </a:bodyPr>
+                      <a:lstStyle/>
+                      <a:p>
+                        <a:pPr/>
+                        <a14:m>
+                          <m:oMathPara xmlns:m="http://schemas.openxmlformats.org/officeDocument/2006/math">
+                            <m:oMathParaPr>
+                              <m:jc m:val="centerGroup"/>
+                            </m:oMathParaPr>
+                            <m:oMath xmlns:m="http://schemas.openxmlformats.org/officeDocument/2006/math">
+                              <m:r>
+                                <m:rPr>
+                                  <m:sty m:val="p"/>
+                                </m:rPr>
+                                <a:rPr lang="en-US" sz="2000" b="0" i="0" smtClean="0">
+                                  <a:latin typeface="Cambria Math" panose="02040503050406030204" pitchFamily="18" charset="0"/>
+                                  <a:cs typeface="Arial" panose="020B0604020202020204" pitchFamily="34" charset="0"/>
+                                </a:rPr>
+                                <m:t>Δ</m:t>
+                              </m:r>
+                              <m:r>
+                                <a:rPr lang="en-US" sz="2000" b="0" i="1" smtClean="0">
+                                  <a:latin typeface="Cambria Math" panose="02040503050406030204" pitchFamily="18" charset="0"/>
+                                  <a:cs typeface="Arial" panose="020B0604020202020204" pitchFamily="34" charset="0"/>
+                                </a:rPr>
+                                <m:t>𝑥</m:t>
+                              </m:r>
+                            </m:oMath>
+                          </m:oMathPara>
+                        </a14:m>
+                        <a:endParaRPr lang="en-US" sz="2000" dirty="0" smtClean="0">
+                          <a:latin typeface="Arial" panose="020B0604020202020204" pitchFamily="34" charset="0"/>
+                          <a:cs typeface="Arial" panose="020B0604020202020204" pitchFamily="34" charset="0"/>
+                        </a:endParaRPr>
+                      </a:p>
+                    </p:txBody>
+                  </p:sp>
+                </mc:Choice>
+                <mc:Fallback xmlns="">
+                  <p:sp>
+                    <p:nvSpPr>
+                      <p:cNvPr id="81" name="TextBox 80"/>
+                      <p:cNvSpPr txBox="1">
+                        <a:spLocks noRot="1" noChangeAspect="1" noMove="1" noResize="1" noEditPoints="1" noAdjustHandles="1" noChangeArrowheads="1" noChangeShapeType="1" noTextEdit="1"/>
+                      </p:cNvSpPr>
+                      <p:nvPr/>
+                    </p:nvSpPr>
+                    <p:spPr>
+                      <a:xfrm>
+                        <a:off x="2253077" y="3205083"/>
+                        <a:ext cx="366832" cy="307777"/>
+                      </a:xfrm>
+                      <a:prstGeom prst="rect">
+                        <a:avLst/>
+                      </a:prstGeom>
+                      <a:blipFill>
+                        <a:blip r:embed="rId28"/>
+                        <a:stretch>
+                          <a:fillRect l="-15000" r="-5000" b="-9804"/>
+                        </a:stretch>
+                      </a:blipFill>
+                    </p:spPr>
+                    <p:txBody>
+                      <a:bodyPr/>
+                      <a:lstStyle/>
+                      <a:p>
+                        <a:r>
+                          <a:rPr lang="en-US">
+                            <a:noFill/>
+                          </a:rPr>
+                          <a:t> </a:t>
+                        </a:r>
+                      </a:p>
+                    </p:txBody>
+                  </p:sp>
+                </mc:Fallback>
+              </mc:AlternateContent>
+              <mc:AlternateContent xmlns:mc="http://schemas.openxmlformats.org/markup-compatibility/2006" xmlns:a14="http://schemas.microsoft.com/office/drawing/2010/main">
+                <mc:Choice Requires="a14">
+                  <p:sp>
+                    <p:nvSpPr>
+                      <p:cNvPr id="118" name="TextBox 117"/>
+                      <p:cNvSpPr txBox="1"/>
+                      <p:nvPr/>
+                    </p:nvSpPr>
+                    <p:spPr>
+                      <a:xfrm>
+                        <a:off x="2327610" y="2146416"/>
+                        <a:ext cx="237629" cy="345159"/>
+                      </a:xfrm>
+                      <a:prstGeom prst="rect">
+                        <a:avLst/>
+                      </a:prstGeom>
+                      <a:noFill/>
+                    </p:spPr>
+                    <p:txBody>
+                      <a:bodyPr wrap="none" lIns="0" tIns="0" rIns="0" bIns="0" rtlCol="0">
+                        <a:spAutoFit/>
+                      </a:bodyPr>
+                      <a:lstStyle/>
+                      <a:p>
+                        <a:pPr/>
+                        <a14:m>
+                          <m:oMathPara xmlns:m="http://schemas.openxmlformats.org/officeDocument/2006/math">
+                            <m:oMathParaPr>
+                              <m:jc m:val="centerGroup"/>
+                            </m:oMathParaPr>
+                            <m:oMath xmlns:m="http://schemas.openxmlformats.org/officeDocument/2006/math">
+                              <m:acc>
+                                <m:accPr>
+                                  <m:chr m:val="⃗"/>
+                                  <m:ctrlPr>
+                                    <a:rPr lang="en-US" sz="2000" b="0" i="1" smtClean="0">
+                                      <a:latin typeface="Cambria Math" panose="02040503050406030204" pitchFamily="18" charset="0"/>
+                                      <a:cs typeface="Arial" panose="020B0604020202020204" pitchFamily="34" charset="0"/>
+                                    </a:rPr>
+                                  </m:ctrlPr>
+                                </m:accPr>
+                                <m:e>
+                                  <m:r>
+                                    <a:rPr lang="en-US" sz="2000" b="0" i="1" smtClean="0">
+                                      <a:latin typeface="Cambria Math" panose="02040503050406030204" pitchFamily="18" charset="0"/>
+                                      <a:cs typeface="Arial" panose="020B0604020202020204" pitchFamily="34" charset="0"/>
+                                    </a:rPr>
+                                    <m:t>𝐹</m:t>
+                                  </m:r>
+                                </m:e>
+                              </m:acc>
+                            </m:oMath>
+                          </m:oMathPara>
+                        </a14:m>
+                        <a:endParaRPr lang="en-US" sz="2000" dirty="0" smtClean="0">
+                          <a:latin typeface="Arial" panose="020B0604020202020204" pitchFamily="34" charset="0"/>
+                          <a:cs typeface="Arial" panose="020B0604020202020204" pitchFamily="34" charset="0"/>
+                        </a:endParaRPr>
+                      </a:p>
+                    </p:txBody>
+                  </p:sp>
+                </mc:Choice>
+                <mc:Fallback xmlns="">
+                  <p:sp>
+                    <p:nvSpPr>
+                      <p:cNvPr id="82" name="TextBox 81"/>
+                      <p:cNvSpPr txBox="1">
+                        <a:spLocks noRot="1" noChangeAspect="1" noMove="1" noResize="1" noEditPoints="1" noAdjustHandles="1" noChangeArrowheads="1" noChangeShapeType="1" noTextEdit="1"/>
+                      </p:cNvSpPr>
+                      <p:nvPr/>
+                    </p:nvSpPr>
+                    <p:spPr>
+                      <a:xfrm>
+                        <a:off x="2327610" y="2146416"/>
+                        <a:ext cx="237629" cy="345159"/>
+                      </a:xfrm>
+                      <a:prstGeom prst="rect">
+                        <a:avLst/>
+                      </a:prstGeom>
+                      <a:blipFill>
+                        <a:blip r:embed="rId29"/>
+                        <a:stretch>
+                          <a:fillRect l="-20513" t="-35714" r="-92308" b="-8929"/>
+                        </a:stretch>
+                      </a:blipFill>
+                    </p:spPr>
+                    <p:txBody>
+                      <a:bodyPr/>
+                      <a:lstStyle/>
+                      <a:p>
+                        <a:r>
+                          <a:rPr lang="en-US">
+                            <a:noFill/>
+                          </a:rPr>
+                          <a:t> </a:t>
+                        </a:r>
+                      </a:p>
+                    </p:txBody>
+                  </p:sp>
+                </mc:Fallback>
+              </mc:AlternateContent>
+            </p:grpSp>
+            <p:cxnSp>
+              <p:nvCxnSpPr>
+                <p:cNvPr id="104" name="Straight Arrow Connector 103"/>
+                <p:cNvCxnSpPr/>
+                <p:nvPr/>
+              </p:nvCxnSpPr>
+              <p:spPr>
+                <a:xfrm>
+                  <a:off x="1329469" y="947854"/>
+                  <a:ext cx="1825082" cy="0"/>
+                </a:xfrm>
+                <a:prstGeom prst="straightConnector1">
+                  <a:avLst/>
+                </a:prstGeom>
+                <a:ln w="38100">
+                  <a:solidFill>
+                    <a:schemeClr val="tx1"/>
+                  </a:solidFill>
+                  <a:tailEnd type="triangle"/>
+                </a:ln>
+              </p:spPr>
+              <p:style>
+                <a:lnRef idx="1">
+                  <a:schemeClr val="accent1"/>
+                </a:lnRef>
+                <a:fillRef idx="0">
+                  <a:schemeClr val="accent1"/>
+                </a:fillRef>
+                <a:effectRef idx="0">
+                  <a:schemeClr val="accent1"/>
+                </a:effectRef>
+                <a:fontRef idx="minor">
+                  <a:schemeClr val="tx1"/>
+                </a:fontRef>
+              </p:style>
+            </p:cxnSp>
+            <mc:AlternateContent xmlns:mc="http://schemas.openxmlformats.org/markup-compatibility/2006" xmlns:a14="http://schemas.microsoft.com/office/drawing/2010/main">
+              <mc:Choice Requires="a14">
+                <p:sp>
+                  <p:nvSpPr>
+                    <p:cNvPr id="105" name="TextBox 104"/>
+                    <p:cNvSpPr txBox="1"/>
+                    <p:nvPr/>
+                  </p:nvSpPr>
+                  <p:spPr>
+                    <a:xfrm>
+                      <a:off x="2351875" y="594879"/>
+                      <a:ext cx="227755" cy="353302"/>
+                    </a:xfrm>
+                    <a:prstGeom prst="rect">
+                      <a:avLst/>
+                    </a:prstGeom>
+                    <a:noFill/>
+                  </p:spPr>
+                  <p:txBody>
+                    <a:bodyPr wrap="none" lIns="0" tIns="0" rIns="0" bIns="0" rtlCol="0">
+                      <a:spAutoFit/>
+                    </a:bodyPr>
+                    <a:lstStyle/>
+                    <a:p>
+                      <a:pPr/>
+                      <a14:m>
+                        <m:oMathPara xmlns:m="http://schemas.openxmlformats.org/officeDocument/2006/math">
+                          <m:oMathParaPr>
+                            <m:jc m:val="centerGroup"/>
+                          </m:oMathParaPr>
+                          <m:oMath xmlns:m="http://schemas.openxmlformats.org/officeDocument/2006/math">
+                            <m:acc>
+                              <m:accPr>
+                                <m:chr m:val="⃗"/>
+                                <m:ctrlPr>
+                                  <a:rPr lang="en-US" sz="2000" b="0" i="1" smtClean="0">
+                                    <a:latin typeface="Cambria Math" panose="02040503050406030204" pitchFamily="18" charset="0"/>
+                                    <a:cs typeface="Arial" panose="020B0604020202020204" pitchFamily="34" charset="0"/>
+                                  </a:rPr>
+                                </m:ctrlPr>
+                              </m:accPr>
+                              <m:e>
+                                <m:r>
+                                  <a:rPr lang="en-US" sz="2000" b="0" i="1" smtClean="0">
+                                    <a:latin typeface="Cambria Math" panose="02040503050406030204" pitchFamily="18" charset="0"/>
+                                    <a:cs typeface="Arial" panose="020B0604020202020204" pitchFamily="34" charset="0"/>
+                                  </a:rPr>
+                                  <m:t>𝑑</m:t>
+                                </m:r>
+                              </m:e>
+                            </m:acc>
+                          </m:oMath>
+                        </m:oMathPara>
+                      </a14:m>
+                      <a:endParaRPr lang="en-US" sz="2000" dirty="0" smtClean="0">
+                        <a:latin typeface="Arial" panose="020B0604020202020204" pitchFamily="34" charset="0"/>
+                        <a:cs typeface="Arial" panose="020B0604020202020204" pitchFamily="34" charset="0"/>
+                      </a:endParaRPr>
+                    </a:p>
+                  </p:txBody>
+                </p:sp>
+              </mc:Choice>
+              <mc:Fallback xmlns="">
+                <p:sp>
+                  <p:nvSpPr>
+                    <p:cNvPr id="71" name="TextBox 70"/>
+                    <p:cNvSpPr txBox="1">
+                      <a:spLocks noRot="1" noChangeAspect="1" noMove="1" noResize="1" noEditPoints="1" noAdjustHandles="1" noChangeArrowheads="1" noChangeShapeType="1" noTextEdit="1"/>
+                    </p:cNvSpPr>
+                    <p:nvPr/>
+                  </p:nvSpPr>
+                  <p:spPr>
+                    <a:xfrm>
+                      <a:off x="2351875" y="594879"/>
+                      <a:ext cx="227755" cy="353302"/>
+                    </a:xfrm>
+                    <a:prstGeom prst="rect">
+                      <a:avLst/>
+                    </a:prstGeom>
+                    <a:blipFill>
+                      <a:blip r:embed="rId30"/>
+                      <a:stretch>
+                        <a:fillRect l="-23684" t="-34483" r="-92105" b="-8621"/>
+                      </a:stretch>
+                    </a:blipFill>
+                  </p:spPr>
+                  <p:txBody>
+                    <a:bodyPr/>
+                    <a:lstStyle/>
+                    <a:p>
+                      <a:r>
+                        <a:rPr lang="en-US">
+                          <a:noFill/>
+                        </a:rPr>
+                        <a:t> </a:t>
+                      </a:r>
+                    </a:p>
+                  </p:txBody>
+                </p:sp>
+              </mc:Fallback>
+            </mc:AlternateContent>
+          </p:grpSp>
+          <p:cxnSp>
+            <p:nvCxnSpPr>
+              <p:cNvPr id="98" name="Straight Connector 97"/>
+              <p:cNvCxnSpPr/>
+              <p:nvPr/>
+            </p:nvCxnSpPr>
+            <p:spPr>
+              <a:xfrm flipV="1">
+                <a:off x="6934815" y="1131773"/>
+                <a:ext cx="1147331" cy="11716"/>
+              </a:xfrm>
+              <a:prstGeom prst="line">
+                <a:avLst/>
+              </a:prstGeom>
+              <a:ln w="19050">
+                <a:solidFill>
+                  <a:schemeClr val="tx1"/>
+                </a:solidFill>
+                <a:prstDash val="sysDot"/>
+              </a:ln>
+            </p:spPr>
+            <p:style>
+              <a:lnRef idx="1">
+                <a:schemeClr val="accent1"/>
+              </a:lnRef>
+              <a:fillRef idx="0">
+                <a:schemeClr val="accent1"/>
+              </a:fillRef>
+              <a:effectRef idx="0">
+                <a:schemeClr val="accent1"/>
+              </a:effectRef>
+              <a:fontRef idx="minor">
+                <a:schemeClr val="tx1"/>
+              </a:fontRef>
+            </p:style>
+          </p:cxnSp>
+          <mc:AlternateContent xmlns:mc="http://schemas.openxmlformats.org/markup-compatibility/2006" xmlns:a14="http://schemas.microsoft.com/office/drawing/2010/main">
+            <mc:Choice Requires="a14">
+              <p:sp>
+                <p:nvSpPr>
+                  <p:cNvPr id="102" name="TextBox 101"/>
+                  <p:cNvSpPr txBox="1"/>
+                  <p:nvPr/>
+                </p:nvSpPr>
+                <p:spPr>
+                  <a:xfrm>
+                    <a:off x="7523201" y="821897"/>
+                    <a:ext cx="222304" cy="307777"/>
+                  </a:xfrm>
+                  <a:prstGeom prst="rect">
+                    <a:avLst/>
+                  </a:prstGeom>
+                  <a:noFill/>
+                </p:spPr>
+                <p:txBody>
+                  <a:bodyPr wrap="none" lIns="0" tIns="0" rIns="0" bIns="0" rtlCol="0">
+                    <a:spAutoFit/>
+                  </a:bodyPr>
+                  <a:lstStyle/>
+                  <a:p>
+                    <a:pPr/>
+                    <a14:m>
+                      <m:oMathPara xmlns:m="http://schemas.openxmlformats.org/officeDocument/2006/math">
+                        <m:oMathParaPr>
+                          <m:jc m:val="centerGroup"/>
+                        </m:oMathParaPr>
+                        <m:oMath xmlns:m="http://schemas.openxmlformats.org/officeDocument/2006/math">
+                          <m:r>
+                            <a:rPr lang="en-US" sz="2000" b="0" i="1" smtClean="0">
+                              <a:latin typeface="Cambria Math" panose="02040503050406030204" pitchFamily="18" charset="0"/>
+                              <a:cs typeface="Arial" panose="020B0604020202020204" pitchFamily="34" charset="0"/>
+                            </a:rPr>
+                            <m:t>𝜃</m:t>
+                          </m:r>
+                        </m:oMath>
+                      </m:oMathPara>
+                    </a14:m>
+                    <a:endParaRPr lang="en-US" sz="2000" dirty="0" smtClean="0">
+                      <a:latin typeface="Arial" panose="020B0604020202020204" pitchFamily="34" charset="0"/>
+                      <a:cs typeface="Arial" panose="020B0604020202020204" pitchFamily="34" charset="0"/>
+                    </a:endParaRPr>
+                  </a:p>
+                </p:txBody>
+              </p:sp>
+            </mc:Choice>
+            <mc:Fallback xmlns="">
+              <p:sp>
+                <p:nvSpPr>
+                  <p:cNvPr id="91" name="TextBox 90"/>
+                  <p:cNvSpPr txBox="1">
+                    <a:spLocks noRot="1" noChangeAspect="1" noMove="1" noResize="1" noEditPoints="1" noAdjustHandles="1" noChangeArrowheads="1" noChangeShapeType="1" noTextEdit="1"/>
+                  </p:cNvSpPr>
+                  <p:nvPr/>
+                </p:nvSpPr>
+                <p:spPr>
+                  <a:xfrm>
+                    <a:off x="7523201" y="821897"/>
+                    <a:ext cx="222304" cy="307777"/>
+                  </a:xfrm>
+                  <a:prstGeom prst="rect">
+                    <a:avLst/>
+                  </a:prstGeom>
+                  <a:blipFill>
+                    <a:blip r:embed="rId31"/>
+                    <a:stretch>
+                      <a:fillRect l="-24324" r="-21622" b="-12000"/>
+                    </a:stretch>
+                  </a:blipFill>
+                </p:spPr>
+                <p:txBody>
+                  <a:bodyPr/>
+                  <a:lstStyle/>
+                  <a:p>
+                    <a:r>
+                      <a:rPr lang="en-US">
+                        <a:noFill/>
+                      </a:rPr>
+                      <a:t> </a:t>
+                    </a:r>
+                  </a:p>
+                </p:txBody>
+              </p:sp>
+            </mc:Fallback>
+          </mc:AlternateContent>
+        </p:grpSp>
+        <p:cxnSp>
+          <p:nvCxnSpPr>
+            <p:cNvPr id="83" name="Straight Arrow Connector 82"/>
+            <p:cNvCxnSpPr>
+              <a:stCxn id="109" idx="3"/>
+              <a:endCxn id="102" idx="2"/>
+            </p:cNvCxnSpPr>
+            <p:nvPr/>
+          </p:nvCxnSpPr>
+          <p:spPr>
+            <a:xfrm flipV="1">
+              <a:off x="7642954" y="1585969"/>
+              <a:ext cx="699538" cy="2664"/>
+            </a:xfrm>
+            <a:prstGeom prst="straightConnector1">
+              <a:avLst/>
+            </a:prstGeom>
+            <a:ln w="38100">
+              <a:solidFill>
+                <a:schemeClr val="tx1"/>
+              </a:solidFill>
+              <a:prstDash val="sysDot"/>
+              <a:tailEnd type="triangle"/>
+            </a:ln>
+          </p:spPr>
+          <p:style>
+            <a:lnRef idx="1">
+              <a:schemeClr val="accent1"/>
+            </a:lnRef>
+            <a:fillRef idx="0">
+              <a:schemeClr val="accent1"/>
+            </a:fillRef>
+            <a:effectRef idx="0">
+              <a:schemeClr val="accent1"/>
+            </a:effectRef>
+            <a:fontRef idx="minor">
+              <a:schemeClr val="tx1"/>
+            </a:fontRef>
+          </p:style>
+        </p:cxnSp>
+        <mc:AlternateContent xmlns:mc="http://schemas.openxmlformats.org/markup-compatibility/2006" xmlns:a14="http://schemas.microsoft.com/office/drawing/2010/main">
+          <mc:Choice Requires="a14">
+            <p:sp>
+              <p:nvSpPr>
+                <p:cNvPr id="84" name="TextBox 83"/>
+                <p:cNvSpPr txBox="1"/>
+                <p:nvPr/>
+              </p:nvSpPr>
+              <p:spPr>
+                <a:xfrm>
+                  <a:off x="7919806" y="1555410"/>
+                  <a:ext cx="296813" cy="314253"/>
+                </a:xfrm>
+                <a:prstGeom prst="rect">
+                  <a:avLst/>
+                </a:prstGeom>
+                <a:noFill/>
+                <a:ln>
+                  <a:noFill/>
+                </a:ln>
+              </p:spPr>
+              <p:txBody>
+                <a:bodyPr wrap="none" lIns="0" tIns="0" rIns="0" bIns="0" rtlCol="0">
+                  <a:spAutoFit/>
+                </a:bodyPr>
+                <a:lstStyle/>
+                <a:p>
+                  <a:pPr/>
+                  <a14:m>
+                    <m:oMathPara xmlns:m="http://schemas.openxmlformats.org/officeDocument/2006/math">
+                      <m:oMathParaPr>
+                        <m:jc m:val="centerGroup"/>
+                      </m:oMathParaPr>
+                      <m:oMath xmlns:m="http://schemas.openxmlformats.org/officeDocument/2006/math">
+                        <m:sSub>
+                          <m:sSubPr>
+                            <m:ctrlPr>
+                              <a:rPr lang="en-US" sz="2000" b="0" i="1" smtClean="0">
+                                <a:latin typeface="Cambria Math" panose="02040503050406030204" pitchFamily="18" charset="0"/>
+                                <a:cs typeface="Arial" panose="020B0604020202020204" pitchFamily="34" charset="0"/>
+                              </a:rPr>
+                            </m:ctrlPr>
+                          </m:sSubPr>
+                          <m:e>
+                            <m:r>
+                              <a:rPr lang="en-US" sz="2000" b="0" i="1" smtClean="0">
+                                <a:latin typeface="Cambria Math" panose="02040503050406030204" pitchFamily="18" charset="0"/>
+                                <a:cs typeface="Arial" panose="020B0604020202020204" pitchFamily="34" charset="0"/>
+                              </a:rPr>
+                              <m:t>𝐹</m:t>
+                            </m:r>
+                          </m:e>
+                          <m:sub>
+                            <m:r>
+                              <a:rPr lang="en-US" sz="2000" b="0" i="1" smtClean="0">
+                                <a:latin typeface="Cambria Math" panose="02040503050406030204" pitchFamily="18" charset="0"/>
+                                <a:cs typeface="Arial" panose="020B0604020202020204" pitchFamily="34" charset="0"/>
+                              </a:rPr>
+                              <m:t>∥</m:t>
+                            </m:r>
+                          </m:sub>
+                        </m:sSub>
+                      </m:oMath>
+                    </m:oMathPara>
+                  </a14:m>
+                  <a:endParaRPr lang="en-US" sz="2000" b="0" dirty="0" smtClean="0">
+                    <a:latin typeface="Arial" panose="020B0604020202020204" pitchFamily="34" charset="0"/>
+                    <a:cs typeface="Arial" panose="020B0604020202020204" pitchFamily="34" charset="0"/>
+                  </a:endParaRPr>
+                </a:p>
+              </p:txBody>
+            </p:sp>
+          </mc:Choice>
+          <mc:Fallback xmlns="">
+            <p:sp>
+              <p:nvSpPr>
+                <p:cNvPr id="96" name="TextBox 95"/>
+                <p:cNvSpPr txBox="1">
+                  <a:spLocks noRot="1" noChangeAspect="1" noMove="1" noResize="1" noEditPoints="1" noAdjustHandles="1" noChangeArrowheads="1" noChangeShapeType="1" noTextEdit="1"/>
+                </p:cNvSpPr>
+                <p:nvPr/>
+              </p:nvSpPr>
+              <p:spPr>
+                <a:xfrm>
+                  <a:off x="7919806" y="1555410"/>
+                  <a:ext cx="296813" cy="314253"/>
+                </a:xfrm>
+                <a:prstGeom prst="rect">
+                  <a:avLst/>
+                </a:prstGeom>
+                <a:blipFill>
+                  <a:blip r:embed="rId32"/>
+                  <a:stretch>
+                    <a:fillRect l="-16327" r="-10204" b="-25000"/>
+                  </a:stretch>
+                </a:blipFill>
+                <a:ln>
+                  <a:noFill/>
+                </a:ln>
+              </p:spPr>
+              <p:txBody>
+                <a:bodyPr/>
+                <a:lstStyle/>
+                <a:p>
+                  <a:r>
+                    <a:rPr lang="en-US">
+                      <a:noFill/>
+                    </a:rPr>
+                    <a:t> </a:t>
+                  </a:r>
+                </a:p>
+              </p:txBody>
+            </p:sp>
+          </mc:Fallback>
+        </mc:AlternateContent>
+        <p:cxnSp>
+          <p:nvCxnSpPr>
+            <p:cNvPr id="85" name="Straight Connector 84"/>
+            <p:cNvCxnSpPr/>
+            <p:nvPr/>
+          </p:nvCxnSpPr>
+          <p:spPr>
+            <a:xfrm>
+              <a:off x="8342492" y="327618"/>
+              <a:ext cx="427452" cy="655909"/>
+            </a:xfrm>
+            <a:prstGeom prst="line">
+              <a:avLst/>
+            </a:prstGeom>
+            <a:ln w="19050">
+              <a:solidFill>
+                <a:schemeClr val="tx1"/>
+              </a:solidFill>
+              <a:prstDash val="sysDot"/>
+            </a:ln>
+          </p:spPr>
+          <p:style>
+            <a:lnRef idx="1">
+              <a:schemeClr val="accent1"/>
+            </a:lnRef>
+            <a:fillRef idx="0">
+              <a:schemeClr val="accent1"/>
+            </a:fillRef>
+            <a:effectRef idx="0">
+              <a:schemeClr val="accent1"/>
+            </a:effectRef>
+            <a:fontRef idx="minor">
+              <a:schemeClr val="tx1"/>
+            </a:fontRef>
+          </p:style>
+        </p:cxnSp>
+        <p:cxnSp>
+          <p:nvCxnSpPr>
+            <p:cNvPr id="86" name="Straight Arrow Connector 85"/>
+            <p:cNvCxnSpPr/>
+            <p:nvPr/>
+          </p:nvCxnSpPr>
+          <p:spPr>
+            <a:xfrm flipV="1">
+              <a:off x="6981735" y="327618"/>
+              <a:ext cx="1348834" cy="655910"/>
+            </a:xfrm>
+            <a:prstGeom prst="straightConnector1">
+              <a:avLst/>
+            </a:prstGeom>
+            <a:ln w="38100">
+              <a:solidFill>
+                <a:schemeClr val="bg2">
+                  <a:lumMod val="75000"/>
+                </a:schemeClr>
+              </a:solidFill>
+              <a:prstDash val="dash"/>
+              <a:tailEnd type="triangle"/>
+            </a:ln>
+          </p:spPr>
+          <p:style>
+            <a:lnRef idx="1">
+              <a:schemeClr val="accent1"/>
+            </a:lnRef>
+            <a:fillRef idx="0">
+              <a:schemeClr val="accent1"/>
+            </a:fillRef>
+            <a:effectRef idx="0">
+              <a:schemeClr val="accent1"/>
+            </a:effectRef>
+            <a:fontRef idx="minor">
+              <a:schemeClr val="tx1"/>
+            </a:fontRef>
+          </p:style>
+        </p:cxnSp>
+        <mc:AlternateContent xmlns:mc="http://schemas.openxmlformats.org/markup-compatibility/2006" xmlns:a14="http://schemas.microsoft.com/office/drawing/2010/main">
+          <mc:Choice Requires="a14">
+            <p:sp>
+              <p:nvSpPr>
+                <p:cNvPr id="96" name="TextBox 95"/>
+                <p:cNvSpPr txBox="1"/>
+                <p:nvPr/>
+              </p:nvSpPr>
+              <p:spPr>
+                <a:xfrm>
+                  <a:off x="7206393" y="361270"/>
+                  <a:ext cx="316818" cy="314253"/>
+                </a:xfrm>
+                <a:prstGeom prst="rect">
+                  <a:avLst/>
+                </a:prstGeom>
+                <a:noFill/>
+              </p:spPr>
+              <p:txBody>
+                <a:bodyPr wrap="none" lIns="0" tIns="0" rIns="0" bIns="0" rtlCol="0">
+                  <a:spAutoFit/>
+                </a:bodyPr>
+                <a:lstStyle/>
+                <a:p>
+                  <a:pPr/>
+                  <a14:m>
+                    <m:oMathPara xmlns:m="http://schemas.openxmlformats.org/officeDocument/2006/math">
+                      <m:oMathParaPr>
+                        <m:jc m:val="centerGroup"/>
+                      </m:oMathParaPr>
+                      <m:oMath xmlns:m="http://schemas.openxmlformats.org/officeDocument/2006/math">
+                        <m:sSub>
+                          <m:sSubPr>
+                            <m:ctrlPr>
+                              <a:rPr lang="en-US" sz="2000" b="0" i="1" smtClean="0">
+                                <a:latin typeface="Cambria Math" panose="02040503050406030204" pitchFamily="18" charset="0"/>
+                                <a:cs typeface="Arial" panose="020B0604020202020204" pitchFamily="34" charset="0"/>
+                              </a:rPr>
+                            </m:ctrlPr>
+                          </m:sSubPr>
+                          <m:e>
+                            <m:r>
+                              <a:rPr lang="en-US" sz="2000" b="0" i="1" smtClean="0">
+                                <a:latin typeface="Cambria Math" panose="02040503050406030204" pitchFamily="18" charset="0"/>
+                                <a:cs typeface="Arial" panose="020B0604020202020204" pitchFamily="34" charset="0"/>
+                              </a:rPr>
+                              <m:t>𝑑</m:t>
+                            </m:r>
+                          </m:e>
+                          <m:sub>
+                            <m:r>
+                              <a:rPr lang="en-US" sz="2000" b="0" i="1" smtClean="0">
+                                <a:latin typeface="Cambria Math" panose="02040503050406030204" pitchFamily="18" charset="0"/>
+                                <a:cs typeface="Arial" panose="020B0604020202020204" pitchFamily="34" charset="0"/>
+                              </a:rPr>
+                              <m:t>∥</m:t>
+                            </m:r>
+                          </m:sub>
+                        </m:sSub>
+                      </m:oMath>
+                    </m:oMathPara>
+                  </a14:m>
+                  <a:endParaRPr lang="en-US" sz="2000" b="0" dirty="0" smtClean="0">
+                    <a:latin typeface="Arial" panose="020B0604020202020204" pitchFamily="34" charset="0"/>
+                    <a:cs typeface="Arial" panose="020B0604020202020204" pitchFamily="34" charset="0"/>
+                  </a:endParaRPr>
+                </a:p>
+              </p:txBody>
+            </p:sp>
+          </mc:Choice>
+          <mc:Fallback xmlns="">
+            <p:sp>
+              <p:nvSpPr>
+                <p:cNvPr id="103" name="TextBox 102"/>
+                <p:cNvSpPr txBox="1">
+                  <a:spLocks noRot="1" noChangeAspect="1" noMove="1" noResize="1" noEditPoints="1" noAdjustHandles="1" noChangeArrowheads="1" noChangeShapeType="1" noTextEdit="1"/>
+                </p:cNvSpPr>
+                <p:nvPr/>
+              </p:nvSpPr>
+              <p:spPr>
+                <a:xfrm>
+                  <a:off x="7206393" y="361270"/>
+                  <a:ext cx="316818" cy="314253"/>
+                </a:xfrm>
+                <a:prstGeom prst="rect">
+                  <a:avLst/>
+                </a:prstGeom>
+                <a:blipFill>
+                  <a:blip r:embed="rId33"/>
+                  <a:stretch>
+                    <a:fillRect l="-17308" r="-9615" b="-25000"/>
+                  </a:stretch>
+                </a:blipFill>
+              </p:spPr>
+              <p:txBody>
+                <a:bodyPr/>
+                <a:lstStyle/>
+                <a:p>
+                  <a:r>
+                    <a:rPr lang="en-US">
+                      <a:noFill/>
+                    </a:rPr>
+                    <a:t> </a:t>
+                  </a:r>
+                </a:p>
+              </p:txBody>
+            </p:sp>
+          </mc:Fallback>
+        </mc:AlternateContent>
       </p:grpSp>
     </p:spTree>
     <p:extLst>

--- a/tex/figures/WorkEnergy/Figures.pptx
+++ b/tex/figures/WorkEnergy/Figures.pptx
@@ -10642,6 +10642,2462 @@
           </mc:Fallback>
         </mc:AlternateContent>
       </p:grpSp>
+      <p:grpSp>
+        <p:nvGrpSpPr>
+          <p:cNvPr id="70" name="Group 69"/>
+          <p:cNvGrpSpPr/>
+          <p:nvPr/>
+        </p:nvGrpSpPr>
+        <p:grpSpPr>
+          <a:xfrm>
+            <a:off x="557807" y="3652083"/>
+            <a:ext cx="2944385" cy="2690702"/>
+            <a:chOff x="2653760" y="3718990"/>
+            <a:chExt cx="2944385" cy="2690702"/>
+          </a:xfrm>
+        </p:grpSpPr>
+        <p:sp>
+          <p:nvSpPr>
+            <p:cNvPr id="123" name="Oval 122"/>
+            <p:cNvSpPr/>
+            <p:nvPr/>
+          </p:nvSpPr>
+          <p:spPr>
+            <a:xfrm>
+              <a:off x="3346905" y="5683506"/>
+              <a:ext cx="120943" cy="119766"/>
+            </a:xfrm>
+            <a:prstGeom prst="ellipse">
+              <a:avLst/>
+            </a:prstGeom>
+            <a:solidFill>
+              <a:schemeClr val="tx1"/>
+            </a:solidFill>
+            <a:ln w="38100">
+              <a:solidFill>
+                <a:schemeClr val="tx1"/>
+              </a:solidFill>
+            </a:ln>
+          </p:spPr>
+          <p:style>
+            <a:lnRef idx="2">
+              <a:schemeClr val="accent1">
+                <a:shade val="50000"/>
+              </a:schemeClr>
+            </a:lnRef>
+            <a:fillRef idx="1">
+              <a:schemeClr val="accent1"/>
+            </a:fillRef>
+            <a:effectRef idx="0">
+              <a:schemeClr val="accent1"/>
+            </a:effectRef>
+            <a:fontRef idx="minor">
+              <a:schemeClr val="lt1"/>
+            </a:fontRef>
+          </p:style>
+          <p:txBody>
+            <a:bodyPr rtlCol="0" anchor="ctr"/>
+            <a:lstStyle/>
+            <a:p>
+              <a:pPr algn="ctr"/>
+              <a:endParaRPr lang="en-US"/>
+            </a:p>
+          </p:txBody>
+        </p:sp>
+        <p:grpSp>
+          <p:nvGrpSpPr>
+            <p:cNvPr id="124" name="Group 123"/>
+            <p:cNvGrpSpPr/>
+            <p:nvPr/>
+          </p:nvGrpSpPr>
+          <p:grpSpPr>
+            <a:xfrm>
+              <a:off x="2653760" y="4263376"/>
+              <a:ext cx="2224718" cy="2146316"/>
+              <a:chOff x="1129904" y="708040"/>
+              <a:chExt cx="2224718" cy="2146316"/>
+            </a:xfrm>
+          </p:grpSpPr>
+          <p:grpSp>
+            <p:nvGrpSpPr>
+              <p:cNvPr id="125" name="Group 124"/>
+              <p:cNvGrpSpPr/>
+              <p:nvPr/>
+            </p:nvGrpSpPr>
+            <p:grpSpPr>
+              <a:xfrm>
+                <a:off x="1163211" y="708040"/>
+                <a:ext cx="2191411" cy="2146316"/>
+                <a:chOff x="1190506" y="680744"/>
+                <a:chExt cx="2191411" cy="2146316"/>
+              </a:xfrm>
+            </p:grpSpPr>
+            <p:cxnSp>
+              <p:nvCxnSpPr>
+                <p:cNvPr id="127" name="Straight Arrow Connector 126"/>
+                <p:cNvCxnSpPr/>
+                <p:nvPr/>
+              </p:nvCxnSpPr>
+              <p:spPr>
+                <a:xfrm flipV="1">
+                  <a:off x="1516583" y="680744"/>
+                  <a:ext cx="7684" cy="1859536"/>
+                </a:xfrm>
+                <a:prstGeom prst="straightConnector1">
+                  <a:avLst/>
+                </a:prstGeom>
+                <a:ln w="38100">
+                  <a:solidFill>
+                    <a:schemeClr val="tx1"/>
+                  </a:solidFill>
+                  <a:tailEnd type="triangle"/>
+                </a:ln>
+              </p:spPr>
+              <p:style>
+                <a:lnRef idx="1">
+                  <a:schemeClr val="accent1"/>
+                </a:lnRef>
+                <a:fillRef idx="0">
+                  <a:schemeClr val="accent1"/>
+                </a:fillRef>
+                <a:effectRef idx="0">
+                  <a:schemeClr val="accent1"/>
+                </a:effectRef>
+                <a:fontRef idx="minor">
+                  <a:schemeClr val="tx1"/>
+                </a:fontRef>
+              </p:style>
+            </p:cxnSp>
+            <p:cxnSp>
+              <p:nvCxnSpPr>
+                <p:cNvPr id="128" name="Straight Arrow Connector 127"/>
+                <p:cNvCxnSpPr/>
+                <p:nvPr/>
+              </p:nvCxnSpPr>
+              <p:spPr>
+                <a:xfrm flipV="1">
+                  <a:off x="1507013" y="2535259"/>
+                  <a:ext cx="1874904" cy="1"/>
+                </a:xfrm>
+                <a:prstGeom prst="straightConnector1">
+                  <a:avLst/>
+                </a:prstGeom>
+                <a:ln w="38100">
+                  <a:solidFill>
+                    <a:schemeClr val="tx1"/>
+                  </a:solidFill>
+                  <a:tailEnd type="triangle"/>
+                </a:ln>
+              </p:spPr>
+              <p:style>
+                <a:lnRef idx="1">
+                  <a:schemeClr val="accent1"/>
+                </a:lnRef>
+                <a:fillRef idx="0">
+                  <a:schemeClr val="accent1"/>
+                </a:fillRef>
+                <a:effectRef idx="0">
+                  <a:schemeClr val="accent1"/>
+                </a:effectRef>
+                <a:fontRef idx="minor">
+                  <a:schemeClr val="tx1"/>
+                </a:fontRef>
+              </p:style>
+            </p:cxnSp>
+            <mc:AlternateContent xmlns:mc="http://schemas.openxmlformats.org/markup-compatibility/2006" xmlns:a14="http://schemas.microsoft.com/office/drawing/2010/main">
+              <mc:Choice Requires="a14">
+                <p:sp>
+                  <p:nvSpPr>
+                    <p:cNvPr id="129" name="Rectangle 128"/>
+                    <p:cNvSpPr/>
+                    <p:nvPr/>
+                  </p:nvSpPr>
+                  <p:spPr>
+                    <a:xfrm>
+                      <a:off x="2897675" y="2457728"/>
+                      <a:ext cx="367985" cy="369332"/>
+                    </a:xfrm>
+                    <a:prstGeom prst="rect">
+                      <a:avLst/>
+                    </a:prstGeom>
+                  </p:spPr>
+                  <p:txBody>
+                    <a:bodyPr wrap="none">
+                      <a:spAutoFit/>
+                    </a:bodyPr>
+                    <a:lstStyle/>
+                    <a:p>
+                      <a:pPr/>
+                      <a14:m>
+                        <m:oMathPara xmlns:m="http://schemas.openxmlformats.org/officeDocument/2006/math">
+                          <m:oMathParaPr>
+                            <m:jc m:val="centerGroup"/>
+                          </m:oMathParaPr>
+                          <m:oMath xmlns:m="http://schemas.openxmlformats.org/officeDocument/2006/math">
+                            <m:r>
+                              <a:rPr lang="en-US" i="1">
+                                <a:latin typeface="Cambria Math" panose="02040503050406030204" pitchFamily="18" charset="0"/>
+                                <a:cs typeface="Arial" panose="020B0604020202020204" pitchFamily="34" charset="0"/>
+                              </a:rPr>
+                              <m:t>𝑥</m:t>
+                            </m:r>
+                          </m:oMath>
+                        </m:oMathPara>
+                      </a14:m>
+                      <a:endParaRPr lang="en-CA" dirty="0"/>
+                    </a:p>
+                  </p:txBody>
+                </p:sp>
+              </mc:Choice>
+              <mc:Fallback xmlns="">
+                <p:sp>
+                  <p:nvSpPr>
+                    <p:cNvPr id="12" name="Rectangle 11"/>
+                    <p:cNvSpPr>
+                      <a:spLocks noRot="1" noChangeAspect="1" noMove="1" noResize="1" noEditPoints="1" noAdjustHandles="1" noChangeArrowheads="1" noChangeShapeType="1" noTextEdit="1"/>
+                    </p:cNvSpPr>
+                    <p:nvPr/>
+                  </p:nvSpPr>
+                  <p:spPr>
+                    <a:xfrm>
+                      <a:off x="2897675" y="2457728"/>
+                      <a:ext cx="367985" cy="369332"/>
+                    </a:xfrm>
+                    <a:prstGeom prst="rect">
+                      <a:avLst/>
+                    </a:prstGeom>
+                    <a:blipFill rotWithShape="0">
+                      <a:blip r:embed="rId2"/>
+                      <a:stretch>
+                        <a:fillRect/>
+                      </a:stretch>
+                    </a:blipFill>
+                  </p:spPr>
+                  <p:txBody>
+                    <a:bodyPr/>
+                    <a:lstStyle/>
+                    <a:p>
+                      <a:r>
+                        <a:rPr lang="en-CA">
+                          <a:noFill/>
+                        </a:rPr>
+                        <a:t> </a:t>
+                      </a:r>
+                    </a:p>
+                  </p:txBody>
+                </p:sp>
+              </mc:Fallback>
+            </mc:AlternateContent>
+            <mc:AlternateContent xmlns:mc="http://schemas.openxmlformats.org/markup-compatibility/2006" xmlns:a14="http://schemas.microsoft.com/office/drawing/2010/main">
+              <mc:Choice Requires="a14">
+                <p:sp>
+                  <p:nvSpPr>
+                    <p:cNvPr id="130" name="Rectangle 129"/>
+                    <p:cNvSpPr/>
+                    <p:nvPr/>
+                  </p:nvSpPr>
+                  <p:spPr>
+                    <a:xfrm>
+                      <a:off x="1190506" y="790545"/>
+                      <a:ext cx="371384" cy="369332"/>
+                    </a:xfrm>
+                    <a:prstGeom prst="rect">
+                      <a:avLst/>
+                    </a:prstGeom>
+                  </p:spPr>
+                  <p:txBody>
+                    <a:bodyPr wrap="none">
+                      <a:spAutoFit/>
+                    </a:bodyPr>
+                    <a:lstStyle/>
+                    <a:p>
+                      <a:pPr/>
+                      <a14:m>
+                        <m:oMathPara xmlns:m="http://schemas.openxmlformats.org/officeDocument/2006/math">
+                          <m:oMathParaPr>
+                            <m:jc m:val="centerGroup"/>
+                          </m:oMathParaPr>
+                          <m:oMath xmlns:m="http://schemas.openxmlformats.org/officeDocument/2006/math">
+                            <m:r>
+                              <a:rPr lang="en-US" b="0" i="1" smtClean="0">
+                                <a:latin typeface="Cambria Math" panose="02040503050406030204" pitchFamily="18" charset="0"/>
+                              </a:rPr>
+                              <m:t>𝑦</m:t>
+                            </m:r>
+                          </m:oMath>
+                        </m:oMathPara>
+                      </a14:m>
+                      <a:endParaRPr lang="en-CA" dirty="0"/>
+                    </a:p>
+                  </p:txBody>
+                </p:sp>
+              </mc:Choice>
+              <mc:Fallback xmlns="">
+                <p:sp>
+                  <p:nvSpPr>
+                    <p:cNvPr id="13" name="Rectangle 12"/>
+                    <p:cNvSpPr>
+                      <a:spLocks noRot="1" noChangeAspect="1" noMove="1" noResize="1" noEditPoints="1" noAdjustHandles="1" noChangeArrowheads="1" noChangeShapeType="1" noTextEdit="1"/>
+                    </p:cNvSpPr>
+                    <p:nvPr/>
+                  </p:nvSpPr>
+                  <p:spPr>
+                    <a:xfrm>
+                      <a:off x="1190506" y="790545"/>
+                      <a:ext cx="371384" cy="369332"/>
+                    </a:xfrm>
+                    <a:prstGeom prst="rect">
+                      <a:avLst/>
+                    </a:prstGeom>
+                    <a:blipFill rotWithShape="0">
+                      <a:blip r:embed="rId3"/>
+                      <a:stretch>
+                        <a:fillRect b="-6557"/>
+                      </a:stretch>
+                    </a:blipFill>
+                  </p:spPr>
+                  <p:txBody>
+                    <a:bodyPr/>
+                    <a:lstStyle/>
+                    <a:p>
+                      <a:r>
+                        <a:rPr lang="en-CA">
+                          <a:noFill/>
+                        </a:rPr>
+                        <a:t> </a:t>
+                      </a:r>
+                    </a:p>
+                  </p:txBody>
+                </p:sp>
+              </mc:Fallback>
+            </mc:AlternateContent>
+            <mc:AlternateContent xmlns:mc="http://schemas.openxmlformats.org/markup-compatibility/2006" xmlns:a14="http://schemas.microsoft.com/office/drawing/2010/main">
+              <mc:Choice Requires="a14">
+                <p:sp>
+                  <p:nvSpPr>
+                    <p:cNvPr id="131" name="Rectangle 130"/>
+                    <p:cNvSpPr/>
+                    <p:nvPr/>
+                  </p:nvSpPr>
+                  <p:spPr>
+                    <a:xfrm>
+                      <a:off x="1205483" y="2447020"/>
+                      <a:ext cx="367985" cy="369332"/>
+                    </a:xfrm>
+                    <a:prstGeom prst="rect">
+                      <a:avLst/>
+                    </a:prstGeom>
+                  </p:spPr>
+                  <p:txBody>
+                    <a:bodyPr wrap="none">
+                      <a:spAutoFit/>
+                    </a:bodyPr>
+                    <a:lstStyle/>
+                    <a:p>
+                      <a:pPr/>
+                      <a14:m>
+                        <m:oMathPara xmlns:m="http://schemas.openxmlformats.org/officeDocument/2006/math">
+                          <m:oMathParaPr>
+                            <m:jc m:val="centerGroup"/>
+                          </m:oMathParaPr>
+                          <m:oMath xmlns:m="http://schemas.openxmlformats.org/officeDocument/2006/math">
+                            <m:r>
+                              <a:rPr lang="en-US" b="0" i="1" smtClean="0">
+                                <a:latin typeface="Cambria Math" panose="02040503050406030204" pitchFamily="18" charset="0"/>
+                                <a:cs typeface="Arial" panose="020B0604020202020204" pitchFamily="34" charset="0"/>
+                              </a:rPr>
+                              <m:t>0</m:t>
+                            </m:r>
+                          </m:oMath>
+                        </m:oMathPara>
+                      </a14:m>
+                      <a:endParaRPr lang="en-CA" dirty="0"/>
+                    </a:p>
+                  </p:txBody>
+                </p:sp>
+              </mc:Choice>
+              <mc:Fallback xmlns="">
+                <p:sp>
+                  <p:nvSpPr>
+                    <p:cNvPr id="14" name="Rectangle 13"/>
+                    <p:cNvSpPr>
+                      <a:spLocks noRot="1" noChangeAspect="1" noMove="1" noResize="1" noEditPoints="1" noAdjustHandles="1" noChangeArrowheads="1" noChangeShapeType="1" noTextEdit="1"/>
+                    </p:cNvSpPr>
+                    <p:nvPr/>
+                  </p:nvSpPr>
+                  <p:spPr>
+                    <a:xfrm>
+                      <a:off x="1205483" y="2447020"/>
+                      <a:ext cx="367985" cy="369332"/>
+                    </a:xfrm>
+                    <a:prstGeom prst="rect">
+                      <a:avLst/>
+                    </a:prstGeom>
+                    <a:blipFill rotWithShape="0">
+                      <a:blip r:embed="rId4"/>
+                      <a:stretch>
+                        <a:fillRect/>
+                      </a:stretch>
+                    </a:blipFill>
+                  </p:spPr>
+                  <p:txBody>
+                    <a:bodyPr/>
+                    <a:lstStyle/>
+                    <a:p>
+                      <a:r>
+                        <a:rPr lang="en-CA">
+                          <a:noFill/>
+                        </a:rPr>
+                        <a:t> </a:t>
+                      </a:r>
+                    </a:p>
+                  </p:txBody>
+                </p:sp>
+              </mc:Fallback>
+            </mc:AlternateContent>
+          </p:grpSp>
+          <p:sp>
+            <p:nvSpPr>
+              <p:cNvPr id="126" name="Rectangle 125"/>
+              <p:cNvSpPr/>
+              <p:nvPr/>
+            </p:nvSpPr>
+            <p:spPr>
+              <a:xfrm>
+                <a:off x="1129904" y="1614682"/>
+                <a:ext cx="184731" cy="369332"/>
+              </a:xfrm>
+              <a:prstGeom prst="rect">
+                <a:avLst/>
+              </a:prstGeom>
+            </p:spPr>
+            <p:txBody>
+              <a:bodyPr wrap="none">
+                <a:spAutoFit/>
+              </a:bodyPr>
+              <a:lstStyle/>
+              <a:p>
+                <a:endParaRPr lang="en-CA" dirty="0"/>
+              </a:p>
+            </p:txBody>
+          </p:sp>
+        </p:grpSp>
+        <p:sp>
+          <p:nvSpPr>
+            <p:cNvPr id="132" name="Oval 131"/>
+            <p:cNvSpPr/>
+            <p:nvPr/>
+          </p:nvSpPr>
+          <p:spPr>
+            <a:xfrm>
+              <a:off x="5093930" y="3940199"/>
+              <a:ext cx="120943" cy="119766"/>
+            </a:xfrm>
+            <a:prstGeom prst="ellipse">
+              <a:avLst/>
+            </a:prstGeom>
+            <a:solidFill>
+              <a:schemeClr val="tx1"/>
+            </a:solidFill>
+            <a:ln w="38100">
+              <a:solidFill>
+                <a:schemeClr val="tx1"/>
+              </a:solidFill>
+            </a:ln>
+          </p:spPr>
+          <p:style>
+            <a:lnRef idx="2">
+              <a:schemeClr val="accent1">
+                <a:shade val="50000"/>
+              </a:schemeClr>
+            </a:lnRef>
+            <a:fillRef idx="1">
+              <a:schemeClr val="accent1"/>
+            </a:fillRef>
+            <a:effectRef idx="0">
+              <a:schemeClr val="accent1"/>
+            </a:effectRef>
+            <a:fontRef idx="minor">
+              <a:schemeClr val="lt1"/>
+            </a:fontRef>
+          </p:style>
+          <p:txBody>
+            <a:bodyPr rtlCol="0" anchor="ctr"/>
+            <a:lstStyle/>
+            <a:p>
+              <a:pPr algn="ctr"/>
+              <a:endParaRPr lang="en-US"/>
+            </a:p>
+          </p:txBody>
+        </p:sp>
+        <p:cxnSp>
+          <p:nvCxnSpPr>
+            <p:cNvPr id="15" name="Straight Arrow Connector 14"/>
+            <p:cNvCxnSpPr>
+              <a:stCxn id="123" idx="6"/>
+            </p:cNvCxnSpPr>
+            <p:nvPr/>
+          </p:nvCxnSpPr>
+          <p:spPr>
+            <a:xfrm flipV="1">
+              <a:off x="3467848" y="5539350"/>
+              <a:ext cx="926388" cy="204039"/>
+            </a:xfrm>
+            <a:prstGeom prst="straightConnector1">
+              <a:avLst/>
+            </a:prstGeom>
+            <a:ln w="38100">
+              <a:solidFill>
+                <a:schemeClr val="tx1"/>
+              </a:solidFill>
+              <a:tailEnd type="triangle"/>
+            </a:ln>
+          </p:spPr>
+          <p:style>
+            <a:lnRef idx="1">
+              <a:schemeClr val="accent1"/>
+            </a:lnRef>
+            <a:fillRef idx="0">
+              <a:schemeClr val="accent1"/>
+            </a:fillRef>
+            <a:effectRef idx="0">
+              <a:schemeClr val="accent1"/>
+            </a:effectRef>
+            <a:fontRef idx="minor">
+              <a:schemeClr val="tx1"/>
+            </a:fontRef>
+          </p:style>
+        </p:cxnSp>
+        <p:cxnSp>
+          <p:nvCxnSpPr>
+            <p:cNvPr id="133" name="Straight Arrow Connector 132"/>
+            <p:cNvCxnSpPr/>
+            <p:nvPr/>
+          </p:nvCxnSpPr>
+          <p:spPr>
+            <a:xfrm flipH="1" flipV="1">
+              <a:off x="4203466" y="4434467"/>
+              <a:ext cx="174596" cy="1118345"/>
+            </a:xfrm>
+            <a:prstGeom prst="straightConnector1">
+              <a:avLst/>
+            </a:prstGeom>
+            <a:ln w="38100">
+              <a:solidFill>
+                <a:schemeClr val="tx1"/>
+              </a:solidFill>
+              <a:tailEnd type="triangle"/>
+            </a:ln>
+          </p:spPr>
+          <p:style>
+            <a:lnRef idx="1">
+              <a:schemeClr val="accent1"/>
+            </a:lnRef>
+            <a:fillRef idx="0">
+              <a:schemeClr val="accent1"/>
+            </a:fillRef>
+            <a:effectRef idx="0">
+              <a:schemeClr val="accent1"/>
+            </a:effectRef>
+            <a:fontRef idx="minor">
+              <a:schemeClr val="tx1"/>
+            </a:fontRef>
+          </p:style>
+        </p:cxnSp>
+        <p:cxnSp>
+          <p:nvCxnSpPr>
+            <p:cNvPr id="134" name="Straight Arrow Connector 133"/>
+            <p:cNvCxnSpPr>
+              <a:endCxn id="132" idx="2"/>
+            </p:cNvCxnSpPr>
+            <p:nvPr/>
+          </p:nvCxnSpPr>
+          <p:spPr>
+            <a:xfrm flipV="1">
+              <a:off x="4203466" y="4000082"/>
+              <a:ext cx="890464" cy="446327"/>
+            </a:xfrm>
+            <a:prstGeom prst="straightConnector1">
+              <a:avLst/>
+            </a:prstGeom>
+            <a:ln w="38100">
+              <a:solidFill>
+                <a:schemeClr val="tx1"/>
+              </a:solidFill>
+              <a:tailEnd type="triangle"/>
+            </a:ln>
+          </p:spPr>
+          <p:style>
+            <a:lnRef idx="1">
+              <a:schemeClr val="accent1"/>
+            </a:lnRef>
+            <a:fillRef idx="0">
+              <a:schemeClr val="accent1"/>
+            </a:fillRef>
+            <a:effectRef idx="0">
+              <a:schemeClr val="accent1"/>
+            </a:effectRef>
+            <a:fontRef idx="minor">
+              <a:schemeClr val="tx1"/>
+            </a:fontRef>
+          </p:style>
+        </p:cxnSp>
+        <mc:AlternateContent xmlns:mc="http://schemas.openxmlformats.org/markup-compatibility/2006">
+          <mc:Choice xmlns:a14="http://schemas.microsoft.com/office/drawing/2010/main" Requires="a14">
+            <p:sp>
+              <p:nvSpPr>
+                <p:cNvPr id="135" name="TextBox 134"/>
+                <p:cNvSpPr txBox="1"/>
+                <p:nvPr/>
+              </p:nvSpPr>
+              <p:spPr>
+                <a:xfrm>
+                  <a:off x="3911180" y="5683506"/>
+                  <a:ext cx="333296" cy="353302"/>
+                </a:xfrm>
+                <a:prstGeom prst="rect">
+                  <a:avLst/>
+                </a:prstGeom>
+                <a:noFill/>
+              </p:spPr>
+              <p:txBody>
+                <a:bodyPr wrap="none" lIns="0" tIns="0" rIns="0" bIns="0" rtlCol="0">
+                  <a:spAutoFit/>
+                </a:bodyPr>
+                <a:lstStyle/>
+                <a:p>
+                  <a:pPr/>
+                  <a14:m>
+                    <m:oMathPara xmlns:m="http://schemas.openxmlformats.org/officeDocument/2006/math">
+                      <m:oMathParaPr>
+                        <m:jc m:val="centerGroup"/>
+                      </m:oMathParaPr>
+                      <m:oMath xmlns:m="http://schemas.openxmlformats.org/officeDocument/2006/math">
+                        <m:sSub>
+                          <m:sSubPr>
+                            <m:ctrlPr>
+                              <a:rPr lang="en-US" sz="2000" b="0" i="1" smtClean="0">
+                                <a:latin typeface="Cambria Math" panose="02040503050406030204" pitchFamily="18" charset="0"/>
+                                <a:cs typeface="Arial" panose="020B0604020202020204" pitchFamily="34" charset="0"/>
+                              </a:rPr>
+                            </m:ctrlPr>
+                          </m:sSubPr>
+                          <m:e>
+                            <m:acc>
+                              <m:accPr>
+                                <m:chr m:val="⃗"/>
+                                <m:ctrlPr>
+                                  <a:rPr lang="en-US" sz="2000" b="0" i="1" smtClean="0">
+                                    <a:latin typeface="Cambria Math" panose="02040503050406030204" pitchFamily="18" charset="0"/>
+                                    <a:cs typeface="Arial" panose="020B0604020202020204" pitchFamily="34" charset="0"/>
+                                  </a:rPr>
+                                </m:ctrlPr>
+                              </m:accPr>
+                              <m:e>
+                                <m:r>
+                                  <a:rPr lang="en-US" sz="2000" b="0" i="1" smtClean="0">
+                                    <a:latin typeface="Cambria Math" panose="02040503050406030204" pitchFamily="18" charset="0"/>
+                                    <a:cs typeface="Arial" panose="020B0604020202020204" pitchFamily="34" charset="0"/>
+                                  </a:rPr>
+                                  <m:t>𝑑</m:t>
+                                </m:r>
+                              </m:e>
+                            </m:acc>
+                          </m:e>
+                          <m:sub>
+                            <m:r>
+                              <a:rPr lang="en-US" sz="2000" b="0" i="1" smtClean="0">
+                                <a:latin typeface="Cambria Math" panose="02040503050406030204" pitchFamily="18" charset="0"/>
+                                <a:cs typeface="Arial" panose="020B0604020202020204" pitchFamily="34" charset="0"/>
+                              </a:rPr>
+                              <m:t>1</m:t>
+                            </m:r>
+                          </m:sub>
+                        </m:sSub>
+                      </m:oMath>
+                    </m:oMathPara>
+                  </a14:m>
+                  <a:endParaRPr lang="en-US" sz="2000" dirty="0" smtClean="0">
+                    <a:latin typeface="Arial" panose="020B0604020202020204" pitchFamily="34" charset="0"/>
+                    <a:cs typeface="Arial" panose="020B0604020202020204" pitchFamily="34" charset="0"/>
+                  </a:endParaRPr>
+                </a:p>
+              </p:txBody>
+            </p:sp>
+          </mc:Choice>
+          <mc:Fallback>
+            <p:sp>
+              <p:nvSpPr>
+                <p:cNvPr id="135" name="TextBox 134"/>
+                <p:cNvSpPr txBox="1">
+                  <a:spLocks noRot="1" noChangeAspect="1" noMove="1" noResize="1" noEditPoints="1" noAdjustHandles="1" noChangeArrowheads="1" noChangeShapeType="1" noTextEdit="1"/>
+                </p:cNvSpPr>
+                <p:nvPr/>
+              </p:nvSpPr>
+              <p:spPr>
+                <a:xfrm>
+                  <a:off x="3911180" y="5683506"/>
+                  <a:ext cx="333296" cy="353302"/>
+                </a:xfrm>
+                <a:prstGeom prst="rect">
+                  <a:avLst/>
+                </a:prstGeom>
+                <a:blipFill>
+                  <a:blip r:embed="rId34"/>
+                  <a:stretch>
+                    <a:fillRect l="-16667" t="-32759" r="-64815" b="-15517"/>
+                  </a:stretch>
+                </a:blipFill>
+              </p:spPr>
+              <p:txBody>
+                <a:bodyPr/>
+                <a:lstStyle/>
+                <a:p>
+                  <a:r>
+                    <a:rPr lang="en-US">
+                      <a:noFill/>
+                    </a:rPr>
+                    <a:t> </a:t>
+                  </a:r>
+                </a:p>
+              </p:txBody>
+            </p:sp>
+          </mc:Fallback>
+        </mc:AlternateContent>
+        <mc:AlternateContent xmlns:mc="http://schemas.openxmlformats.org/markup-compatibility/2006">
+          <mc:Choice xmlns:a14="http://schemas.microsoft.com/office/drawing/2010/main" Requires="a14">
+            <p:sp>
+              <p:nvSpPr>
+                <p:cNvPr id="136" name="TextBox 135"/>
+                <p:cNvSpPr txBox="1"/>
+                <p:nvPr/>
+              </p:nvSpPr>
+              <p:spPr>
+                <a:xfrm>
+                  <a:off x="4482050" y="4761028"/>
+                  <a:ext cx="339259" cy="353302"/>
+                </a:xfrm>
+                <a:prstGeom prst="rect">
+                  <a:avLst/>
+                </a:prstGeom>
+                <a:noFill/>
+              </p:spPr>
+              <p:txBody>
+                <a:bodyPr wrap="none" lIns="0" tIns="0" rIns="0" bIns="0" rtlCol="0">
+                  <a:spAutoFit/>
+                </a:bodyPr>
+                <a:lstStyle/>
+                <a:p>
+                  <a:pPr/>
+                  <a14:m>
+                    <m:oMathPara xmlns:m="http://schemas.openxmlformats.org/officeDocument/2006/math">
+                      <m:oMathParaPr>
+                        <m:jc m:val="centerGroup"/>
+                      </m:oMathParaPr>
+                      <m:oMath xmlns:m="http://schemas.openxmlformats.org/officeDocument/2006/math">
+                        <m:sSub>
+                          <m:sSubPr>
+                            <m:ctrlPr>
+                              <a:rPr lang="en-US" sz="2000" b="0" i="1" smtClean="0">
+                                <a:latin typeface="Cambria Math" panose="02040503050406030204" pitchFamily="18" charset="0"/>
+                                <a:cs typeface="Arial" panose="020B0604020202020204" pitchFamily="34" charset="0"/>
+                              </a:rPr>
+                            </m:ctrlPr>
+                          </m:sSubPr>
+                          <m:e>
+                            <m:acc>
+                              <m:accPr>
+                                <m:chr m:val="⃗"/>
+                                <m:ctrlPr>
+                                  <a:rPr lang="en-US" sz="2000" b="0" i="1" smtClean="0">
+                                    <a:latin typeface="Cambria Math" panose="02040503050406030204" pitchFamily="18" charset="0"/>
+                                    <a:cs typeface="Arial" panose="020B0604020202020204" pitchFamily="34" charset="0"/>
+                                  </a:rPr>
+                                </m:ctrlPr>
+                              </m:accPr>
+                              <m:e>
+                                <m:r>
+                                  <a:rPr lang="en-US" sz="2000" b="0" i="1" smtClean="0">
+                                    <a:latin typeface="Cambria Math" panose="02040503050406030204" pitchFamily="18" charset="0"/>
+                                    <a:cs typeface="Arial" panose="020B0604020202020204" pitchFamily="34" charset="0"/>
+                                  </a:rPr>
+                                  <m:t>𝑑</m:t>
+                                </m:r>
+                              </m:e>
+                            </m:acc>
+                          </m:e>
+                          <m:sub>
+                            <m:r>
+                              <a:rPr lang="en-US" sz="2000" b="0" i="1" smtClean="0">
+                                <a:latin typeface="Cambria Math" panose="02040503050406030204" pitchFamily="18" charset="0"/>
+                                <a:cs typeface="Arial" panose="020B0604020202020204" pitchFamily="34" charset="0"/>
+                              </a:rPr>
+                              <m:t>2</m:t>
+                            </m:r>
+                          </m:sub>
+                        </m:sSub>
+                      </m:oMath>
+                    </m:oMathPara>
+                  </a14:m>
+                  <a:endParaRPr lang="en-US" sz="2000" dirty="0" smtClean="0">
+                    <a:latin typeface="Arial" panose="020B0604020202020204" pitchFamily="34" charset="0"/>
+                    <a:cs typeface="Arial" panose="020B0604020202020204" pitchFamily="34" charset="0"/>
+                  </a:endParaRPr>
+                </a:p>
+              </p:txBody>
+            </p:sp>
+          </mc:Choice>
+          <mc:Fallback>
+            <p:sp>
+              <p:nvSpPr>
+                <p:cNvPr id="136" name="TextBox 135"/>
+                <p:cNvSpPr txBox="1">
+                  <a:spLocks noRot="1" noChangeAspect="1" noMove="1" noResize="1" noEditPoints="1" noAdjustHandles="1" noChangeArrowheads="1" noChangeShapeType="1" noTextEdit="1"/>
+                </p:cNvSpPr>
+                <p:nvPr/>
+              </p:nvSpPr>
+              <p:spPr>
+                <a:xfrm>
+                  <a:off x="4482050" y="4761028"/>
+                  <a:ext cx="339259" cy="353302"/>
+                </a:xfrm>
+                <a:prstGeom prst="rect">
+                  <a:avLst/>
+                </a:prstGeom>
+                <a:blipFill>
+                  <a:blip r:embed="rId35"/>
+                  <a:stretch>
+                    <a:fillRect l="-16071" t="-32759" r="-62500" b="-17241"/>
+                  </a:stretch>
+                </a:blipFill>
+              </p:spPr>
+              <p:txBody>
+                <a:bodyPr/>
+                <a:lstStyle/>
+                <a:p>
+                  <a:r>
+                    <a:rPr lang="en-US">
+                      <a:noFill/>
+                    </a:rPr>
+                    <a:t> </a:t>
+                  </a:r>
+                </a:p>
+              </p:txBody>
+            </p:sp>
+          </mc:Fallback>
+        </mc:AlternateContent>
+        <mc:AlternateContent xmlns:mc="http://schemas.openxmlformats.org/markup-compatibility/2006">
+          <mc:Choice xmlns:a14="http://schemas.microsoft.com/office/drawing/2010/main" Requires="a14">
+            <p:sp>
+              <p:nvSpPr>
+                <p:cNvPr id="137" name="TextBox 136"/>
+                <p:cNvSpPr txBox="1"/>
+                <p:nvPr/>
+              </p:nvSpPr>
+              <p:spPr>
+                <a:xfrm>
+                  <a:off x="4496164" y="3718990"/>
+                  <a:ext cx="339259" cy="353302"/>
+                </a:xfrm>
+                <a:prstGeom prst="rect">
+                  <a:avLst/>
+                </a:prstGeom>
+                <a:noFill/>
+              </p:spPr>
+              <p:txBody>
+                <a:bodyPr wrap="none" lIns="0" tIns="0" rIns="0" bIns="0" rtlCol="0">
+                  <a:spAutoFit/>
+                </a:bodyPr>
+                <a:lstStyle/>
+                <a:p>
+                  <a:pPr/>
+                  <a14:m>
+                    <m:oMathPara xmlns:m="http://schemas.openxmlformats.org/officeDocument/2006/math">
+                      <m:oMathParaPr>
+                        <m:jc m:val="centerGroup"/>
+                      </m:oMathParaPr>
+                      <m:oMath xmlns:m="http://schemas.openxmlformats.org/officeDocument/2006/math">
+                        <m:sSub>
+                          <m:sSubPr>
+                            <m:ctrlPr>
+                              <a:rPr lang="en-US" sz="2000" b="0" i="1" smtClean="0">
+                                <a:latin typeface="Cambria Math" panose="02040503050406030204" pitchFamily="18" charset="0"/>
+                                <a:cs typeface="Arial" panose="020B0604020202020204" pitchFamily="34" charset="0"/>
+                              </a:rPr>
+                            </m:ctrlPr>
+                          </m:sSubPr>
+                          <m:e>
+                            <m:acc>
+                              <m:accPr>
+                                <m:chr m:val="⃗"/>
+                                <m:ctrlPr>
+                                  <a:rPr lang="en-US" sz="2000" b="0" i="1" smtClean="0">
+                                    <a:latin typeface="Cambria Math" panose="02040503050406030204" pitchFamily="18" charset="0"/>
+                                    <a:cs typeface="Arial" panose="020B0604020202020204" pitchFamily="34" charset="0"/>
+                                  </a:rPr>
+                                </m:ctrlPr>
+                              </m:accPr>
+                              <m:e>
+                                <m:r>
+                                  <a:rPr lang="en-US" sz="2000" b="0" i="1" smtClean="0">
+                                    <a:latin typeface="Cambria Math" panose="02040503050406030204" pitchFamily="18" charset="0"/>
+                                    <a:cs typeface="Arial" panose="020B0604020202020204" pitchFamily="34" charset="0"/>
+                                  </a:rPr>
+                                  <m:t>𝑑</m:t>
+                                </m:r>
+                              </m:e>
+                            </m:acc>
+                          </m:e>
+                          <m:sub>
+                            <m:r>
+                              <a:rPr lang="en-US" sz="2000" b="0" i="1" smtClean="0">
+                                <a:latin typeface="Cambria Math" panose="02040503050406030204" pitchFamily="18" charset="0"/>
+                                <a:cs typeface="Arial" panose="020B0604020202020204" pitchFamily="34" charset="0"/>
+                              </a:rPr>
+                              <m:t>3</m:t>
+                            </m:r>
+                          </m:sub>
+                        </m:sSub>
+                      </m:oMath>
+                    </m:oMathPara>
+                  </a14:m>
+                  <a:endParaRPr lang="en-US" sz="2000" dirty="0" smtClean="0">
+                    <a:latin typeface="Arial" panose="020B0604020202020204" pitchFamily="34" charset="0"/>
+                    <a:cs typeface="Arial" panose="020B0604020202020204" pitchFamily="34" charset="0"/>
+                  </a:endParaRPr>
+                </a:p>
+              </p:txBody>
+            </p:sp>
+          </mc:Choice>
+          <mc:Fallback>
+            <p:sp>
+              <p:nvSpPr>
+                <p:cNvPr id="137" name="TextBox 136"/>
+                <p:cNvSpPr txBox="1">
+                  <a:spLocks noRot="1" noChangeAspect="1" noMove="1" noResize="1" noEditPoints="1" noAdjustHandles="1" noChangeArrowheads="1" noChangeShapeType="1" noTextEdit="1"/>
+                </p:cNvSpPr>
+                <p:nvPr/>
+              </p:nvSpPr>
+              <p:spPr>
+                <a:xfrm>
+                  <a:off x="4496164" y="3718990"/>
+                  <a:ext cx="339259" cy="353302"/>
+                </a:xfrm>
+                <a:prstGeom prst="rect">
+                  <a:avLst/>
+                </a:prstGeom>
+                <a:blipFill>
+                  <a:blip r:embed="rId36"/>
+                  <a:stretch>
+                    <a:fillRect l="-16364" t="-32759" r="-63636" b="-17241"/>
+                  </a:stretch>
+                </a:blipFill>
+              </p:spPr>
+              <p:txBody>
+                <a:bodyPr/>
+                <a:lstStyle/>
+                <a:p>
+                  <a:r>
+                    <a:rPr lang="en-US">
+                      <a:noFill/>
+                    </a:rPr>
+                    <a:t> </a:t>
+                  </a:r>
+                </a:p>
+              </p:txBody>
+            </p:sp>
+          </mc:Fallback>
+        </mc:AlternateContent>
+        <p:cxnSp>
+          <p:nvCxnSpPr>
+            <p:cNvPr id="44" name="Straight Arrow Connector 43"/>
+            <p:cNvCxnSpPr/>
+            <p:nvPr/>
+          </p:nvCxnSpPr>
+          <p:spPr>
+            <a:xfrm flipV="1">
+              <a:off x="3447264" y="4680479"/>
+              <a:ext cx="482263" cy="601671"/>
+            </a:xfrm>
+            <a:prstGeom prst="straightConnector1">
+              <a:avLst/>
+            </a:prstGeom>
+            <a:ln w="38100">
+              <a:solidFill>
+                <a:schemeClr val="tx1"/>
+              </a:solidFill>
+              <a:tailEnd type="triangle"/>
+            </a:ln>
+          </p:spPr>
+          <p:style>
+            <a:lnRef idx="1">
+              <a:schemeClr val="accent1"/>
+            </a:lnRef>
+            <a:fillRef idx="0">
+              <a:schemeClr val="accent1"/>
+            </a:fillRef>
+            <a:effectRef idx="0">
+              <a:schemeClr val="accent1"/>
+            </a:effectRef>
+            <a:fontRef idx="minor">
+              <a:schemeClr val="tx1"/>
+            </a:fontRef>
+          </p:style>
+        </p:cxnSp>
+        <mc:AlternateContent xmlns:mc="http://schemas.openxmlformats.org/markup-compatibility/2006">
+          <mc:Choice xmlns:a14="http://schemas.microsoft.com/office/drawing/2010/main" Requires="a14">
+            <p:sp>
+              <p:nvSpPr>
+                <p:cNvPr id="45" name="TextBox 44"/>
+                <p:cNvSpPr txBox="1"/>
+                <p:nvPr/>
+              </p:nvSpPr>
+              <p:spPr>
+                <a:xfrm>
+                  <a:off x="3431090" y="4731313"/>
+                  <a:ext cx="237629" cy="345159"/>
+                </a:xfrm>
+                <a:prstGeom prst="rect">
+                  <a:avLst/>
+                </a:prstGeom>
+                <a:noFill/>
+              </p:spPr>
+              <p:txBody>
+                <a:bodyPr wrap="none" lIns="0" tIns="0" rIns="0" bIns="0" rtlCol="0">
+                  <a:spAutoFit/>
+                </a:bodyPr>
+                <a:lstStyle/>
+                <a:p>
+                  <a14:m>
+                    <m:oMathPara xmlns:m="http://schemas.openxmlformats.org/officeDocument/2006/math">
+                      <m:oMathParaPr>
+                        <m:jc m:val="centerGroup"/>
+                      </m:oMathParaPr>
+                      <m:oMath xmlns:m="http://schemas.openxmlformats.org/officeDocument/2006/math">
+                        <m:acc>
+                          <m:accPr>
+                            <m:chr m:val="⃗"/>
+                            <m:ctrlPr>
+                              <a:rPr lang="en-US" sz="2000" b="0" i="1" smtClean="0">
+                                <a:latin typeface="Cambria Math" panose="02040503050406030204" pitchFamily="18" charset="0"/>
+                                <a:cs typeface="Arial" panose="020B0604020202020204" pitchFamily="34" charset="0"/>
+                              </a:rPr>
+                            </m:ctrlPr>
+                          </m:accPr>
+                          <m:e>
+                            <m:r>
+                              <a:rPr lang="en-US" sz="2000" b="0" i="1" smtClean="0">
+                                <a:latin typeface="Cambria Math" panose="02040503050406030204" pitchFamily="18" charset="0"/>
+                                <a:cs typeface="Arial" panose="020B0604020202020204" pitchFamily="34" charset="0"/>
+                              </a:rPr>
+                              <m:t>𝐹</m:t>
+                            </m:r>
+                          </m:e>
+                        </m:acc>
+                      </m:oMath>
+                    </m:oMathPara>
+                  </a14:m>
+                  <a:endParaRPr lang="en-US" sz="2000" dirty="0" smtClean="0">
+                    <a:latin typeface="Arial" panose="020B0604020202020204" pitchFamily="34" charset="0"/>
+                    <a:cs typeface="Arial" panose="020B0604020202020204" pitchFamily="34" charset="0"/>
+                  </a:endParaRPr>
+                </a:p>
+              </p:txBody>
+            </p:sp>
+          </mc:Choice>
+          <mc:Fallback>
+            <p:sp>
+              <p:nvSpPr>
+                <p:cNvPr id="45" name="TextBox 44"/>
+                <p:cNvSpPr txBox="1">
+                  <a:spLocks noRot="1" noChangeAspect="1" noMove="1" noResize="1" noEditPoints="1" noAdjustHandles="1" noChangeArrowheads="1" noChangeShapeType="1" noTextEdit="1"/>
+                </p:cNvSpPr>
+                <p:nvPr/>
+              </p:nvSpPr>
+              <p:spPr>
+                <a:xfrm>
+                  <a:off x="3431090" y="4731313"/>
+                  <a:ext cx="237629" cy="345159"/>
+                </a:xfrm>
+                <a:prstGeom prst="rect">
+                  <a:avLst/>
+                </a:prstGeom>
+                <a:blipFill>
+                  <a:blip r:embed="rId37"/>
+                  <a:stretch>
+                    <a:fillRect l="-20513" t="-33333" r="-92308" b="-8772"/>
+                  </a:stretch>
+                </a:blipFill>
+              </p:spPr>
+              <p:txBody>
+                <a:bodyPr/>
+                <a:lstStyle/>
+                <a:p>
+                  <a:r>
+                    <a:rPr lang="en-US">
+                      <a:noFill/>
+                    </a:rPr>
+                    <a:t> </a:t>
+                  </a:r>
+                </a:p>
+              </p:txBody>
+            </p:sp>
+          </mc:Fallback>
+        </mc:AlternateContent>
+        <mc:AlternateContent xmlns:mc="http://schemas.openxmlformats.org/markup-compatibility/2006">
+          <mc:Choice xmlns:a14="http://schemas.microsoft.com/office/drawing/2010/main" Requires="a14">
+            <p:sp>
+              <p:nvSpPr>
+                <p:cNvPr id="66" name="TextBox 65"/>
+                <p:cNvSpPr txBox="1"/>
+                <p:nvPr/>
+              </p:nvSpPr>
+              <p:spPr>
+                <a:xfrm>
+                  <a:off x="3127214" y="5737622"/>
+                  <a:ext cx="234936" cy="307777"/>
+                </a:xfrm>
+                <a:prstGeom prst="rect">
+                  <a:avLst/>
+                </a:prstGeom>
+                <a:noFill/>
+              </p:spPr>
+              <p:txBody>
+                <a:bodyPr wrap="none" lIns="0" tIns="0" rIns="0" bIns="0" rtlCol="0">
+                  <a:spAutoFit/>
+                </a:bodyPr>
+                <a:lstStyle/>
+                <a:p>
+                  <a14:m>
+                    <m:oMathPara xmlns:m="http://schemas.openxmlformats.org/officeDocument/2006/math">
+                      <m:oMathParaPr>
+                        <m:jc m:val="centerGroup"/>
+                      </m:oMathParaPr>
+                      <m:oMath xmlns:m="http://schemas.openxmlformats.org/officeDocument/2006/math">
+                        <m:r>
+                          <a:rPr lang="en-US" sz="2000" b="0" i="1" smtClean="0">
+                            <a:latin typeface="Cambria Math" panose="02040503050406030204" pitchFamily="18" charset="0"/>
+                            <a:cs typeface="Arial" panose="020B0604020202020204" pitchFamily="34" charset="0"/>
+                          </a:rPr>
+                          <m:t>𝐴</m:t>
+                        </m:r>
+                      </m:oMath>
+                    </m:oMathPara>
+                  </a14:m>
+                  <a:endParaRPr lang="en-US" sz="2000" dirty="0" smtClean="0">
+                    <a:latin typeface="Arial" panose="020B0604020202020204" pitchFamily="34" charset="0"/>
+                    <a:cs typeface="Arial" panose="020B0604020202020204" pitchFamily="34" charset="0"/>
+                  </a:endParaRPr>
+                </a:p>
+              </p:txBody>
+            </p:sp>
+          </mc:Choice>
+          <mc:Fallback>
+            <p:sp>
+              <p:nvSpPr>
+                <p:cNvPr id="66" name="TextBox 65"/>
+                <p:cNvSpPr txBox="1">
+                  <a:spLocks noRot="1" noChangeAspect="1" noMove="1" noResize="1" noEditPoints="1" noAdjustHandles="1" noChangeArrowheads="1" noChangeShapeType="1" noTextEdit="1"/>
+                </p:cNvSpPr>
+                <p:nvPr/>
+              </p:nvSpPr>
+              <p:spPr>
+                <a:xfrm>
+                  <a:off x="3127214" y="5737622"/>
+                  <a:ext cx="234936" cy="307777"/>
+                </a:xfrm>
+                <a:prstGeom prst="rect">
+                  <a:avLst/>
+                </a:prstGeom>
+                <a:blipFill>
+                  <a:blip r:embed="rId38"/>
+                  <a:stretch>
+                    <a:fillRect l="-20513" r="-23077" b="-9804"/>
+                  </a:stretch>
+                </a:blipFill>
+              </p:spPr>
+              <p:txBody>
+                <a:bodyPr/>
+                <a:lstStyle/>
+                <a:p>
+                  <a:r>
+                    <a:rPr lang="en-US">
+                      <a:noFill/>
+                    </a:rPr>
+                    <a:t> </a:t>
+                  </a:r>
+                </a:p>
+              </p:txBody>
+            </p:sp>
+          </mc:Fallback>
+        </mc:AlternateContent>
+        <mc:AlternateContent xmlns:mc="http://schemas.openxmlformats.org/markup-compatibility/2006">
+          <mc:Choice xmlns:a14="http://schemas.microsoft.com/office/drawing/2010/main" Requires="a14">
+            <p:sp>
+              <p:nvSpPr>
+                <p:cNvPr id="138" name="TextBox 137"/>
+                <p:cNvSpPr txBox="1"/>
+                <p:nvPr/>
+              </p:nvSpPr>
+              <p:spPr>
+                <a:xfrm>
+                  <a:off x="5352437" y="3741752"/>
+                  <a:ext cx="245708" cy="307777"/>
+                </a:xfrm>
+                <a:prstGeom prst="rect">
+                  <a:avLst/>
+                </a:prstGeom>
+                <a:noFill/>
+              </p:spPr>
+              <p:txBody>
+                <a:bodyPr wrap="none" lIns="0" tIns="0" rIns="0" bIns="0" rtlCol="0">
+                  <a:spAutoFit/>
+                </a:bodyPr>
+                <a:lstStyle/>
+                <a:p>
+                  <a14:m>
+                    <m:oMathPara xmlns:m="http://schemas.openxmlformats.org/officeDocument/2006/math">
+                      <m:oMathParaPr>
+                        <m:jc m:val="centerGroup"/>
+                      </m:oMathParaPr>
+                      <m:oMath xmlns:m="http://schemas.openxmlformats.org/officeDocument/2006/math">
+                        <m:r>
+                          <a:rPr lang="en-US" sz="2000" b="0" i="1" smtClean="0">
+                            <a:latin typeface="Cambria Math" panose="02040503050406030204" pitchFamily="18" charset="0"/>
+                            <a:cs typeface="Arial" panose="020B0604020202020204" pitchFamily="34" charset="0"/>
+                          </a:rPr>
+                          <m:t>𝐵</m:t>
+                        </m:r>
+                      </m:oMath>
+                    </m:oMathPara>
+                  </a14:m>
+                  <a:endParaRPr lang="en-US" sz="2000" dirty="0" smtClean="0">
+                    <a:latin typeface="Arial" panose="020B0604020202020204" pitchFamily="34" charset="0"/>
+                    <a:cs typeface="Arial" panose="020B0604020202020204" pitchFamily="34" charset="0"/>
+                  </a:endParaRPr>
+                </a:p>
+              </p:txBody>
+            </p:sp>
+          </mc:Choice>
+          <mc:Fallback>
+            <p:sp>
+              <p:nvSpPr>
+                <p:cNvPr id="138" name="TextBox 137"/>
+                <p:cNvSpPr txBox="1">
+                  <a:spLocks noRot="1" noChangeAspect="1" noMove="1" noResize="1" noEditPoints="1" noAdjustHandles="1" noChangeArrowheads="1" noChangeShapeType="1" noTextEdit="1"/>
+                </p:cNvSpPr>
+                <p:nvPr/>
+              </p:nvSpPr>
+              <p:spPr>
+                <a:xfrm>
+                  <a:off x="5352437" y="3741752"/>
+                  <a:ext cx="245708" cy="307777"/>
+                </a:xfrm>
+                <a:prstGeom prst="rect">
+                  <a:avLst/>
+                </a:prstGeom>
+                <a:blipFill>
+                  <a:blip r:embed="rId39"/>
+                  <a:stretch>
+                    <a:fillRect l="-19512" r="-19512" b="-10000"/>
+                  </a:stretch>
+                </a:blipFill>
+              </p:spPr>
+              <p:txBody>
+                <a:bodyPr/>
+                <a:lstStyle/>
+                <a:p>
+                  <a:r>
+                    <a:rPr lang="en-US">
+                      <a:noFill/>
+                    </a:rPr>
+                    <a:t> </a:t>
+                  </a:r>
+                </a:p>
+              </p:txBody>
+            </p:sp>
+          </mc:Fallback>
+        </mc:AlternateContent>
+      </p:grpSp>
+      <p:grpSp>
+        <p:nvGrpSpPr>
+          <p:cNvPr id="173" name="Group 172"/>
+          <p:cNvGrpSpPr/>
+          <p:nvPr/>
+        </p:nvGrpSpPr>
+        <p:grpSpPr>
+          <a:xfrm>
+            <a:off x="5377720" y="2901966"/>
+            <a:ext cx="3724438" cy="3076526"/>
+            <a:chOff x="5377720" y="2901966"/>
+            <a:chExt cx="3724438" cy="3076526"/>
+          </a:xfrm>
+        </p:grpSpPr>
+        <p:grpSp>
+          <p:nvGrpSpPr>
+            <p:cNvPr id="171" name="Group 170"/>
+            <p:cNvGrpSpPr/>
+            <p:nvPr/>
+          </p:nvGrpSpPr>
+          <p:grpSpPr>
+            <a:xfrm>
+              <a:off x="5377720" y="2901966"/>
+              <a:ext cx="3724438" cy="3076526"/>
+              <a:chOff x="5334774" y="1989690"/>
+              <a:chExt cx="3724438" cy="3076526"/>
+            </a:xfrm>
+          </p:grpSpPr>
+          <p:sp>
+            <p:nvSpPr>
+              <p:cNvPr id="140" name="Oval 139"/>
+              <p:cNvSpPr/>
+              <p:nvPr/>
+            </p:nvSpPr>
+            <p:spPr>
+              <a:xfrm>
+                <a:off x="6035947" y="4295774"/>
+                <a:ext cx="120943" cy="119766"/>
+              </a:xfrm>
+              <a:prstGeom prst="ellipse">
+                <a:avLst/>
+              </a:prstGeom>
+              <a:solidFill>
+                <a:schemeClr val="tx1"/>
+              </a:solidFill>
+              <a:ln w="38100">
+                <a:solidFill>
+                  <a:schemeClr val="tx1"/>
+                </a:solidFill>
+              </a:ln>
+            </p:spPr>
+            <p:style>
+              <a:lnRef idx="2">
+                <a:schemeClr val="accent1">
+                  <a:shade val="50000"/>
+                </a:schemeClr>
+              </a:lnRef>
+              <a:fillRef idx="1">
+                <a:schemeClr val="accent1"/>
+              </a:fillRef>
+              <a:effectRef idx="0">
+                <a:schemeClr val="accent1"/>
+              </a:effectRef>
+              <a:fontRef idx="minor">
+                <a:schemeClr val="lt1"/>
+              </a:fontRef>
+            </p:style>
+            <p:txBody>
+              <a:bodyPr rtlCol="0" anchor="ctr"/>
+              <a:lstStyle/>
+              <a:p>
+                <a:pPr algn="ctr"/>
+                <a:endParaRPr lang="en-US"/>
+              </a:p>
+            </p:txBody>
+          </p:sp>
+          <p:grpSp>
+            <p:nvGrpSpPr>
+              <p:cNvPr id="141" name="Group 140"/>
+              <p:cNvGrpSpPr/>
+              <p:nvPr/>
+            </p:nvGrpSpPr>
+            <p:grpSpPr>
+              <a:xfrm>
+                <a:off x="5334774" y="2919900"/>
+                <a:ext cx="2224718" cy="2146316"/>
+                <a:chOff x="1129904" y="708040"/>
+                <a:chExt cx="2224718" cy="2146316"/>
+              </a:xfrm>
+            </p:grpSpPr>
+            <p:grpSp>
+              <p:nvGrpSpPr>
+                <p:cNvPr id="153" name="Group 152"/>
+                <p:cNvGrpSpPr/>
+                <p:nvPr/>
+              </p:nvGrpSpPr>
+              <p:grpSpPr>
+                <a:xfrm>
+                  <a:off x="1163211" y="708040"/>
+                  <a:ext cx="2191411" cy="2146316"/>
+                  <a:chOff x="1190506" y="680744"/>
+                  <a:chExt cx="2191411" cy="2146316"/>
+                </a:xfrm>
+              </p:grpSpPr>
+              <p:cxnSp>
+                <p:nvCxnSpPr>
+                  <p:cNvPr id="155" name="Straight Arrow Connector 154"/>
+                  <p:cNvCxnSpPr/>
+                  <p:nvPr/>
+                </p:nvCxnSpPr>
+                <p:spPr>
+                  <a:xfrm flipV="1">
+                    <a:off x="1516583" y="680744"/>
+                    <a:ext cx="7684" cy="1859536"/>
+                  </a:xfrm>
+                  <a:prstGeom prst="straightConnector1">
+                    <a:avLst/>
+                  </a:prstGeom>
+                  <a:ln w="38100">
+                    <a:solidFill>
+                      <a:schemeClr val="tx1"/>
+                    </a:solidFill>
+                    <a:tailEnd type="triangle"/>
+                  </a:ln>
+                </p:spPr>
+                <p:style>
+                  <a:lnRef idx="1">
+                    <a:schemeClr val="accent1"/>
+                  </a:lnRef>
+                  <a:fillRef idx="0">
+                    <a:schemeClr val="accent1"/>
+                  </a:fillRef>
+                  <a:effectRef idx="0">
+                    <a:schemeClr val="accent1"/>
+                  </a:effectRef>
+                  <a:fontRef idx="minor">
+                    <a:schemeClr val="tx1"/>
+                  </a:fontRef>
+                </p:style>
+              </p:cxnSp>
+              <p:cxnSp>
+                <p:nvCxnSpPr>
+                  <p:cNvPr id="156" name="Straight Arrow Connector 155"/>
+                  <p:cNvCxnSpPr/>
+                  <p:nvPr/>
+                </p:nvCxnSpPr>
+                <p:spPr>
+                  <a:xfrm flipV="1">
+                    <a:off x="1507013" y="2535259"/>
+                    <a:ext cx="1874904" cy="1"/>
+                  </a:xfrm>
+                  <a:prstGeom prst="straightConnector1">
+                    <a:avLst/>
+                  </a:prstGeom>
+                  <a:ln w="38100">
+                    <a:solidFill>
+                      <a:schemeClr val="tx1"/>
+                    </a:solidFill>
+                    <a:tailEnd type="triangle"/>
+                  </a:ln>
+                </p:spPr>
+                <p:style>
+                  <a:lnRef idx="1">
+                    <a:schemeClr val="accent1"/>
+                  </a:lnRef>
+                  <a:fillRef idx="0">
+                    <a:schemeClr val="accent1"/>
+                  </a:fillRef>
+                  <a:effectRef idx="0">
+                    <a:schemeClr val="accent1"/>
+                  </a:effectRef>
+                  <a:fontRef idx="minor">
+                    <a:schemeClr val="tx1"/>
+                  </a:fontRef>
+                </p:style>
+              </p:cxnSp>
+              <mc:AlternateContent xmlns:mc="http://schemas.openxmlformats.org/markup-compatibility/2006" xmlns:a14="http://schemas.microsoft.com/office/drawing/2010/main">
+                <mc:Choice Requires="a14">
+                  <p:sp>
+                    <p:nvSpPr>
+                      <p:cNvPr id="157" name="Rectangle 156"/>
+                      <p:cNvSpPr/>
+                      <p:nvPr/>
+                    </p:nvSpPr>
+                    <p:spPr>
+                      <a:xfrm>
+                        <a:off x="2897675" y="2457728"/>
+                        <a:ext cx="367985" cy="369332"/>
+                      </a:xfrm>
+                      <a:prstGeom prst="rect">
+                        <a:avLst/>
+                      </a:prstGeom>
+                    </p:spPr>
+                    <p:txBody>
+                      <a:bodyPr wrap="none">
+                        <a:spAutoFit/>
+                      </a:bodyPr>
+                      <a:lstStyle/>
+                      <a:p>
+                        <a:pPr/>
+                        <a14:m>
+                          <m:oMathPara xmlns:m="http://schemas.openxmlformats.org/officeDocument/2006/math">
+                            <m:oMathParaPr>
+                              <m:jc m:val="centerGroup"/>
+                            </m:oMathParaPr>
+                            <m:oMath xmlns:m="http://schemas.openxmlformats.org/officeDocument/2006/math">
+                              <m:r>
+                                <a:rPr lang="en-US" i="1">
+                                  <a:latin typeface="Cambria Math" panose="02040503050406030204" pitchFamily="18" charset="0"/>
+                                  <a:cs typeface="Arial" panose="020B0604020202020204" pitchFamily="34" charset="0"/>
+                                </a:rPr>
+                                <m:t>𝑥</m:t>
+                              </m:r>
+                            </m:oMath>
+                          </m:oMathPara>
+                        </a14:m>
+                        <a:endParaRPr lang="en-CA" dirty="0"/>
+                      </a:p>
+                    </p:txBody>
+                  </p:sp>
+                </mc:Choice>
+                <mc:Fallback xmlns="">
+                  <p:sp>
+                    <p:nvSpPr>
+                      <p:cNvPr id="12" name="Rectangle 11"/>
+                      <p:cNvSpPr>
+                        <a:spLocks noRot="1" noChangeAspect="1" noMove="1" noResize="1" noEditPoints="1" noAdjustHandles="1" noChangeArrowheads="1" noChangeShapeType="1" noTextEdit="1"/>
+                      </p:cNvSpPr>
+                      <p:nvPr/>
+                    </p:nvSpPr>
+                    <p:spPr>
+                      <a:xfrm>
+                        <a:off x="2897675" y="2457728"/>
+                        <a:ext cx="367985" cy="369332"/>
+                      </a:xfrm>
+                      <a:prstGeom prst="rect">
+                        <a:avLst/>
+                      </a:prstGeom>
+                      <a:blipFill rotWithShape="0">
+                        <a:blip r:embed="rId2"/>
+                        <a:stretch>
+                          <a:fillRect/>
+                        </a:stretch>
+                      </a:blipFill>
+                    </p:spPr>
+                    <p:txBody>
+                      <a:bodyPr/>
+                      <a:lstStyle/>
+                      <a:p>
+                        <a:r>
+                          <a:rPr lang="en-CA">
+                            <a:noFill/>
+                          </a:rPr>
+                          <a:t> </a:t>
+                        </a:r>
+                      </a:p>
+                    </p:txBody>
+                  </p:sp>
+                </mc:Fallback>
+              </mc:AlternateContent>
+              <mc:AlternateContent xmlns:mc="http://schemas.openxmlformats.org/markup-compatibility/2006" xmlns:a14="http://schemas.microsoft.com/office/drawing/2010/main">
+                <mc:Choice Requires="a14">
+                  <p:sp>
+                    <p:nvSpPr>
+                      <p:cNvPr id="158" name="Rectangle 157"/>
+                      <p:cNvSpPr/>
+                      <p:nvPr/>
+                    </p:nvSpPr>
+                    <p:spPr>
+                      <a:xfrm>
+                        <a:off x="1190506" y="790545"/>
+                        <a:ext cx="371384" cy="369332"/>
+                      </a:xfrm>
+                      <a:prstGeom prst="rect">
+                        <a:avLst/>
+                      </a:prstGeom>
+                    </p:spPr>
+                    <p:txBody>
+                      <a:bodyPr wrap="none">
+                        <a:spAutoFit/>
+                      </a:bodyPr>
+                      <a:lstStyle/>
+                      <a:p>
+                        <a:pPr/>
+                        <a14:m>
+                          <m:oMathPara xmlns:m="http://schemas.openxmlformats.org/officeDocument/2006/math">
+                            <m:oMathParaPr>
+                              <m:jc m:val="centerGroup"/>
+                            </m:oMathParaPr>
+                            <m:oMath xmlns:m="http://schemas.openxmlformats.org/officeDocument/2006/math">
+                              <m:r>
+                                <a:rPr lang="en-US" b="0" i="1" smtClean="0">
+                                  <a:latin typeface="Cambria Math" panose="02040503050406030204" pitchFamily="18" charset="0"/>
+                                </a:rPr>
+                                <m:t>𝑦</m:t>
+                              </m:r>
+                            </m:oMath>
+                          </m:oMathPara>
+                        </a14:m>
+                        <a:endParaRPr lang="en-CA" dirty="0"/>
+                      </a:p>
+                    </p:txBody>
+                  </p:sp>
+                </mc:Choice>
+                <mc:Fallback xmlns="">
+                  <p:sp>
+                    <p:nvSpPr>
+                      <p:cNvPr id="13" name="Rectangle 12"/>
+                      <p:cNvSpPr>
+                        <a:spLocks noRot="1" noChangeAspect="1" noMove="1" noResize="1" noEditPoints="1" noAdjustHandles="1" noChangeArrowheads="1" noChangeShapeType="1" noTextEdit="1"/>
+                      </p:cNvSpPr>
+                      <p:nvPr/>
+                    </p:nvSpPr>
+                    <p:spPr>
+                      <a:xfrm>
+                        <a:off x="1190506" y="790545"/>
+                        <a:ext cx="371384" cy="369332"/>
+                      </a:xfrm>
+                      <a:prstGeom prst="rect">
+                        <a:avLst/>
+                      </a:prstGeom>
+                      <a:blipFill rotWithShape="0">
+                        <a:blip r:embed="rId3"/>
+                        <a:stretch>
+                          <a:fillRect b="-6557"/>
+                        </a:stretch>
+                      </a:blipFill>
+                    </p:spPr>
+                    <p:txBody>
+                      <a:bodyPr/>
+                      <a:lstStyle/>
+                      <a:p>
+                        <a:r>
+                          <a:rPr lang="en-CA">
+                            <a:noFill/>
+                          </a:rPr>
+                          <a:t> </a:t>
+                        </a:r>
+                      </a:p>
+                    </p:txBody>
+                  </p:sp>
+                </mc:Fallback>
+              </mc:AlternateContent>
+              <mc:AlternateContent xmlns:mc="http://schemas.openxmlformats.org/markup-compatibility/2006" xmlns:a14="http://schemas.microsoft.com/office/drawing/2010/main">
+                <mc:Choice Requires="a14">
+                  <p:sp>
+                    <p:nvSpPr>
+                      <p:cNvPr id="159" name="Rectangle 158"/>
+                      <p:cNvSpPr/>
+                      <p:nvPr/>
+                    </p:nvSpPr>
+                    <p:spPr>
+                      <a:xfrm>
+                        <a:off x="1205483" y="2447020"/>
+                        <a:ext cx="367985" cy="369332"/>
+                      </a:xfrm>
+                      <a:prstGeom prst="rect">
+                        <a:avLst/>
+                      </a:prstGeom>
+                    </p:spPr>
+                    <p:txBody>
+                      <a:bodyPr wrap="none">
+                        <a:spAutoFit/>
+                      </a:bodyPr>
+                      <a:lstStyle/>
+                      <a:p>
+                        <a:pPr/>
+                        <a14:m>
+                          <m:oMathPara xmlns:m="http://schemas.openxmlformats.org/officeDocument/2006/math">
+                            <m:oMathParaPr>
+                              <m:jc m:val="centerGroup"/>
+                            </m:oMathParaPr>
+                            <m:oMath xmlns:m="http://schemas.openxmlformats.org/officeDocument/2006/math">
+                              <m:r>
+                                <a:rPr lang="en-US" b="0" i="1" smtClean="0">
+                                  <a:latin typeface="Cambria Math" panose="02040503050406030204" pitchFamily="18" charset="0"/>
+                                  <a:cs typeface="Arial" panose="020B0604020202020204" pitchFamily="34" charset="0"/>
+                                </a:rPr>
+                                <m:t>0</m:t>
+                              </m:r>
+                            </m:oMath>
+                          </m:oMathPara>
+                        </a14:m>
+                        <a:endParaRPr lang="en-CA" dirty="0"/>
+                      </a:p>
+                    </p:txBody>
+                  </p:sp>
+                </mc:Choice>
+                <mc:Fallback xmlns="">
+                  <p:sp>
+                    <p:nvSpPr>
+                      <p:cNvPr id="14" name="Rectangle 13"/>
+                      <p:cNvSpPr>
+                        <a:spLocks noRot="1" noChangeAspect="1" noMove="1" noResize="1" noEditPoints="1" noAdjustHandles="1" noChangeArrowheads="1" noChangeShapeType="1" noTextEdit="1"/>
+                      </p:cNvSpPr>
+                      <p:nvPr/>
+                    </p:nvSpPr>
+                    <p:spPr>
+                      <a:xfrm>
+                        <a:off x="1205483" y="2447020"/>
+                        <a:ext cx="367985" cy="369332"/>
+                      </a:xfrm>
+                      <a:prstGeom prst="rect">
+                        <a:avLst/>
+                      </a:prstGeom>
+                      <a:blipFill rotWithShape="0">
+                        <a:blip r:embed="rId4"/>
+                        <a:stretch>
+                          <a:fillRect/>
+                        </a:stretch>
+                      </a:blipFill>
+                    </p:spPr>
+                    <p:txBody>
+                      <a:bodyPr/>
+                      <a:lstStyle/>
+                      <a:p>
+                        <a:r>
+                          <a:rPr lang="en-CA">
+                            <a:noFill/>
+                          </a:rPr>
+                          <a:t> </a:t>
+                        </a:r>
+                      </a:p>
+                    </p:txBody>
+                  </p:sp>
+                </mc:Fallback>
+              </mc:AlternateContent>
+            </p:grpSp>
+            <p:sp>
+              <p:nvSpPr>
+                <p:cNvPr id="154" name="Rectangle 153"/>
+                <p:cNvSpPr/>
+                <p:nvPr/>
+              </p:nvSpPr>
+              <p:spPr>
+                <a:xfrm>
+                  <a:off x="1129904" y="1614682"/>
+                  <a:ext cx="184731" cy="369332"/>
+                </a:xfrm>
+                <a:prstGeom prst="rect">
+                  <a:avLst/>
+                </a:prstGeom>
+              </p:spPr>
+              <p:txBody>
+                <a:bodyPr wrap="none">
+                  <a:spAutoFit/>
+                </a:bodyPr>
+                <a:lstStyle/>
+                <a:p>
+                  <a:endParaRPr lang="en-CA" dirty="0"/>
+                </a:p>
+              </p:txBody>
+            </p:sp>
+          </p:grpSp>
+          <p:sp>
+            <p:nvSpPr>
+              <p:cNvPr id="142" name="Oval 141"/>
+              <p:cNvSpPr/>
+              <p:nvPr/>
+            </p:nvSpPr>
+            <p:spPr>
+              <a:xfrm>
+                <a:off x="7857146" y="2465845"/>
+                <a:ext cx="120943" cy="119766"/>
+              </a:xfrm>
+              <a:prstGeom prst="ellipse">
+                <a:avLst/>
+              </a:prstGeom>
+              <a:solidFill>
+                <a:schemeClr val="tx1"/>
+              </a:solidFill>
+              <a:ln w="38100">
+                <a:solidFill>
+                  <a:schemeClr val="tx1"/>
+                </a:solidFill>
+              </a:ln>
+            </p:spPr>
+            <p:style>
+              <a:lnRef idx="2">
+                <a:schemeClr val="accent1">
+                  <a:shade val="50000"/>
+                </a:schemeClr>
+              </a:lnRef>
+              <a:fillRef idx="1">
+                <a:schemeClr val="accent1"/>
+              </a:fillRef>
+              <a:effectRef idx="0">
+                <a:schemeClr val="accent1"/>
+              </a:effectRef>
+              <a:fontRef idx="minor">
+                <a:schemeClr val="lt1"/>
+              </a:fontRef>
+            </p:style>
+            <p:txBody>
+              <a:bodyPr rtlCol="0" anchor="ctr"/>
+              <a:lstStyle/>
+              <a:p>
+                <a:pPr algn="ctr"/>
+                <a:endParaRPr lang="en-US"/>
+              </a:p>
+            </p:txBody>
+          </p:sp>
+          <mc:AlternateContent xmlns:mc="http://schemas.openxmlformats.org/markup-compatibility/2006">
+            <mc:Choice xmlns:a14="http://schemas.microsoft.com/office/drawing/2010/main" Requires="a14">
+              <p:sp>
+                <p:nvSpPr>
+                  <p:cNvPr id="151" name="TextBox 150"/>
+                  <p:cNvSpPr txBox="1"/>
+                  <p:nvPr/>
+                </p:nvSpPr>
+                <p:spPr>
+                  <a:xfrm>
+                    <a:off x="6194513" y="4225642"/>
+                    <a:ext cx="1058688" cy="307777"/>
+                  </a:xfrm>
+                  <a:prstGeom prst="rect">
+                    <a:avLst/>
+                  </a:prstGeom>
+                  <a:noFill/>
+                </p:spPr>
+                <p:txBody>
+                  <a:bodyPr wrap="none" lIns="0" tIns="0" rIns="0" bIns="0" rtlCol="0">
+                    <a:spAutoFit/>
+                  </a:bodyPr>
+                  <a:lstStyle/>
+                  <a:p>
+                    <a14:m>
+                      <m:oMathPara xmlns:m="http://schemas.openxmlformats.org/officeDocument/2006/math">
+                        <m:oMathParaPr>
+                          <m:jc m:val="centerGroup"/>
+                        </m:oMathParaPr>
+                        <m:oMath xmlns:m="http://schemas.openxmlformats.org/officeDocument/2006/math">
+                          <m:r>
+                            <a:rPr lang="en-US" sz="2000" b="0" i="1" smtClean="0">
+                              <a:latin typeface="Cambria Math" panose="02040503050406030204" pitchFamily="18" charset="0"/>
+                              <a:cs typeface="Arial" panose="020B0604020202020204" pitchFamily="34" charset="0"/>
+                            </a:rPr>
+                            <m:t>𝐴</m:t>
+                          </m:r>
+                          <m:r>
+                            <a:rPr lang="en-US" sz="2000" b="0" i="1" smtClean="0">
+                              <a:latin typeface="Cambria Math" panose="02040503050406030204" pitchFamily="18" charset="0"/>
+                              <a:cs typeface="Arial" panose="020B0604020202020204" pitchFamily="34" charset="0"/>
+                            </a:rPr>
+                            <m:t>(</m:t>
+                          </m:r>
+                          <m:sSub>
+                            <m:sSubPr>
+                              <m:ctrlPr>
+                                <a:rPr lang="en-US" sz="2000" b="0" i="1" smtClean="0">
+                                  <a:latin typeface="Cambria Math" panose="02040503050406030204" pitchFamily="18" charset="0"/>
+                                  <a:cs typeface="Arial" panose="020B0604020202020204" pitchFamily="34" charset="0"/>
+                                </a:rPr>
+                              </m:ctrlPr>
+                            </m:sSubPr>
+                            <m:e>
+                              <m:r>
+                                <a:rPr lang="en-US" sz="2000" b="0" i="1" smtClean="0">
+                                  <a:latin typeface="Cambria Math" panose="02040503050406030204" pitchFamily="18" charset="0"/>
+                                  <a:cs typeface="Arial" panose="020B0604020202020204" pitchFamily="34" charset="0"/>
+                                </a:rPr>
+                                <m:t>𝑥</m:t>
+                              </m:r>
+                            </m:e>
+                            <m:sub>
+                              <m:r>
+                                <a:rPr lang="en-US" sz="2000" b="0" i="1" smtClean="0">
+                                  <a:latin typeface="Cambria Math" panose="02040503050406030204" pitchFamily="18" charset="0"/>
+                                  <a:cs typeface="Arial" panose="020B0604020202020204" pitchFamily="34" charset="0"/>
+                                </a:rPr>
+                                <m:t>𝐴</m:t>
+                              </m:r>
+                            </m:sub>
+                          </m:sSub>
+                          <m:r>
+                            <a:rPr lang="en-US" sz="2000" b="0" i="1" smtClean="0">
+                              <a:latin typeface="Cambria Math" panose="02040503050406030204" pitchFamily="18" charset="0"/>
+                              <a:cs typeface="Arial" panose="020B0604020202020204" pitchFamily="34" charset="0"/>
+                            </a:rPr>
+                            <m:t>, </m:t>
+                          </m:r>
+                          <m:sSub>
+                            <m:sSubPr>
+                              <m:ctrlPr>
+                                <a:rPr lang="en-US" sz="2000" b="0" i="1" smtClean="0">
+                                  <a:latin typeface="Cambria Math" panose="02040503050406030204" pitchFamily="18" charset="0"/>
+                                  <a:cs typeface="Arial" panose="020B0604020202020204" pitchFamily="34" charset="0"/>
+                                </a:rPr>
+                              </m:ctrlPr>
+                            </m:sSubPr>
+                            <m:e>
+                              <m:r>
+                                <a:rPr lang="en-US" sz="2000" b="0" i="1" smtClean="0">
+                                  <a:latin typeface="Cambria Math" panose="02040503050406030204" pitchFamily="18" charset="0"/>
+                                  <a:cs typeface="Arial" panose="020B0604020202020204" pitchFamily="34" charset="0"/>
+                                </a:rPr>
+                                <m:t>𝑦</m:t>
+                              </m:r>
+                            </m:e>
+                            <m:sub>
+                              <m:r>
+                                <a:rPr lang="en-US" sz="2000" b="0" i="1" smtClean="0">
+                                  <a:latin typeface="Cambria Math" panose="02040503050406030204" pitchFamily="18" charset="0"/>
+                                  <a:cs typeface="Arial" panose="020B0604020202020204" pitchFamily="34" charset="0"/>
+                                </a:rPr>
+                                <m:t>𝐴</m:t>
+                              </m:r>
+                            </m:sub>
+                          </m:sSub>
+                          <m:r>
+                            <a:rPr lang="en-US" sz="2000" b="0" i="1" smtClean="0">
+                              <a:latin typeface="Cambria Math" panose="02040503050406030204" pitchFamily="18" charset="0"/>
+                              <a:cs typeface="Arial" panose="020B0604020202020204" pitchFamily="34" charset="0"/>
+                            </a:rPr>
+                            <m:t>)</m:t>
+                          </m:r>
+                        </m:oMath>
+                      </m:oMathPara>
+                    </a14:m>
+                    <a:endParaRPr lang="en-US" sz="2000" dirty="0" smtClean="0">
+                      <a:latin typeface="Arial" panose="020B0604020202020204" pitchFamily="34" charset="0"/>
+                      <a:cs typeface="Arial" panose="020B0604020202020204" pitchFamily="34" charset="0"/>
+                    </a:endParaRPr>
+                  </a:p>
+                </p:txBody>
+              </p:sp>
+            </mc:Choice>
+            <mc:Fallback>
+              <p:sp>
+                <p:nvSpPr>
+                  <p:cNvPr id="151" name="TextBox 150"/>
+                  <p:cNvSpPr txBox="1">
+                    <a:spLocks noRot="1" noChangeAspect="1" noMove="1" noResize="1" noEditPoints="1" noAdjustHandles="1" noChangeArrowheads="1" noChangeShapeType="1" noTextEdit="1"/>
+                  </p:cNvSpPr>
+                  <p:nvPr/>
+                </p:nvSpPr>
+                <p:spPr>
+                  <a:xfrm>
+                    <a:off x="6194513" y="4225642"/>
+                    <a:ext cx="1058688" cy="307777"/>
+                  </a:xfrm>
+                  <a:prstGeom prst="rect">
+                    <a:avLst/>
+                  </a:prstGeom>
+                  <a:blipFill>
+                    <a:blip r:embed="rId40"/>
+                    <a:stretch>
+                      <a:fillRect l="-4598" r="-8046" b="-40000"/>
+                    </a:stretch>
+                  </a:blipFill>
+                </p:spPr>
+                <p:txBody>
+                  <a:bodyPr/>
+                  <a:lstStyle/>
+                  <a:p>
+                    <a:r>
+                      <a:rPr lang="en-US">
+                        <a:noFill/>
+                      </a:rPr>
+                      <a:t> </a:t>
+                    </a:r>
+                  </a:p>
+                </p:txBody>
+              </p:sp>
+            </mc:Fallback>
+          </mc:AlternateContent>
+          <mc:AlternateContent xmlns:mc="http://schemas.openxmlformats.org/markup-compatibility/2006">
+            <mc:Choice xmlns:a14="http://schemas.microsoft.com/office/drawing/2010/main" Requires="a14">
+              <p:sp>
+                <p:nvSpPr>
+                  <p:cNvPr id="152" name="TextBox 151"/>
+                  <p:cNvSpPr txBox="1"/>
+                  <p:nvPr/>
+                </p:nvSpPr>
+                <p:spPr>
+                  <a:xfrm>
+                    <a:off x="7917617" y="2106853"/>
+                    <a:ext cx="1141595" cy="307777"/>
+                  </a:xfrm>
+                  <a:prstGeom prst="rect">
+                    <a:avLst/>
+                  </a:prstGeom>
+                  <a:noFill/>
+                </p:spPr>
+                <p:txBody>
+                  <a:bodyPr wrap="none" lIns="0" tIns="0" rIns="0" bIns="0" rtlCol="0">
+                    <a:spAutoFit/>
+                  </a:bodyPr>
+                  <a:lstStyle/>
+                  <a:p>
+                    <a14:m>
+                      <m:oMathPara xmlns:m="http://schemas.openxmlformats.org/officeDocument/2006/math">
+                        <m:oMathParaPr>
+                          <m:jc m:val="centerGroup"/>
+                        </m:oMathParaPr>
+                        <m:oMath xmlns:m="http://schemas.openxmlformats.org/officeDocument/2006/math">
+                          <m:r>
+                            <a:rPr lang="en-US" sz="2000" b="0" i="1" smtClean="0">
+                              <a:latin typeface="Cambria Math" panose="02040503050406030204" pitchFamily="18" charset="0"/>
+                              <a:cs typeface="Arial" panose="020B0604020202020204" pitchFamily="34" charset="0"/>
+                            </a:rPr>
+                            <m:t>𝐵</m:t>
+                          </m:r>
+                          <m:r>
+                            <a:rPr lang="en-US" sz="2000" b="0" i="1" smtClean="0">
+                              <a:latin typeface="Cambria Math" panose="02040503050406030204" pitchFamily="18" charset="0"/>
+                              <a:cs typeface="Arial" panose="020B0604020202020204" pitchFamily="34" charset="0"/>
+                            </a:rPr>
+                            <m:t>(</m:t>
+                          </m:r>
+                          <m:sSub>
+                            <m:sSubPr>
+                              <m:ctrlPr>
+                                <a:rPr lang="en-US" sz="2000" b="0" i="1" smtClean="0">
+                                  <a:latin typeface="Cambria Math" panose="02040503050406030204" pitchFamily="18" charset="0"/>
+                                  <a:cs typeface="Arial" panose="020B0604020202020204" pitchFamily="34" charset="0"/>
+                                </a:rPr>
+                              </m:ctrlPr>
+                            </m:sSubPr>
+                            <m:e>
+                              <m:r>
+                                <a:rPr lang="en-US" sz="2000" b="0" i="1" smtClean="0">
+                                  <a:latin typeface="Cambria Math" panose="02040503050406030204" pitchFamily="18" charset="0"/>
+                                  <a:cs typeface="Arial" panose="020B0604020202020204" pitchFamily="34" charset="0"/>
+                                </a:rPr>
+                                <m:t>𝑥</m:t>
+                              </m:r>
+                            </m:e>
+                            <m:sub>
+                              <m:r>
+                                <a:rPr lang="en-US" sz="2000" b="0" i="1" smtClean="0">
+                                  <a:latin typeface="Cambria Math" panose="02040503050406030204" pitchFamily="18" charset="0"/>
+                                  <a:cs typeface="Arial" panose="020B0604020202020204" pitchFamily="34" charset="0"/>
+                                </a:rPr>
+                                <m:t>𝐵</m:t>
+                              </m:r>
+                            </m:sub>
+                          </m:sSub>
+                          <m:r>
+                            <a:rPr lang="en-US" sz="2000" b="0" i="1" smtClean="0">
+                              <a:latin typeface="Cambria Math" panose="02040503050406030204" pitchFamily="18" charset="0"/>
+                              <a:cs typeface="Arial" panose="020B0604020202020204" pitchFamily="34" charset="0"/>
+                            </a:rPr>
+                            <m:t>,</m:t>
+                          </m:r>
+                          <m:sSub>
+                            <m:sSubPr>
+                              <m:ctrlPr>
+                                <a:rPr lang="en-US" sz="2000" b="0" i="1" smtClean="0">
+                                  <a:latin typeface="Cambria Math" panose="02040503050406030204" pitchFamily="18" charset="0"/>
+                                  <a:cs typeface="Arial" panose="020B0604020202020204" pitchFamily="34" charset="0"/>
+                                </a:rPr>
+                              </m:ctrlPr>
+                            </m:sSubPr>
+                            <m:e>
+                              <m:r>
+                                <a:rPr lang="en-US" sz="2000" b="0" i="1" smtClean="0">
+                                  <a:latin typeface="Cambria Math" panose="02040503050406030204" pitchFamily="18" charset="0"/>
+                                  <a:cs typeface="Arial" panose="020B0604020202020204" pitchFamily="34" charset="0"/>
+                                </a:rPr>
+                                <m:t>𝑦</m:t>
+                              </m:r>
+                            </m:e>
+                            <m:sub>
+                              <m:r>
+                                <a:rPr lang="en-US" sz="2000" b="0" i="1" smtClean="0">
+                                  <a:latin typeface="Cambria Math" panose="02040503050406030204" pitchFamily="18" charset="0"/>
+                                  <a:cs typeface="Arial" panose="020B0604020202020204" pitchFamily="34" charset="0"/>
+                                </a:rPr>
+                                <m:t>𝐵</m:t>
+                              </m:r>
+                            </m:sub>
+                          </m:sSub>
+                          <m:r>
+                            <a:rPr lang="en-US" sz="2000" b="0" i="1" smtClean="0">
+                              <a:latin typeface="Cambria Math" panose="02040503050406030204" pitchFamily="18" charset="0"/>
+                              <a:cs typeface="Arial" panose="020B0604020202020204" pitchFamily="34" charset="0"/>
+                            </a:rPr>
+                            <m:t>)</m:t>
+                          </m:r>
+                        </m:oMath>
+                      </m:oMathPara>
+                    </a14:m>
+                    <a:endParaRPr lang="en-US" sz="2000" dirty="0" smtClean="0">
+                      <a:latin typeface="Arial" panose="020B0604020202020204" pitchFamily="34" charset="0"/>
+                      <a:cs typeface="Arial" panose="020B0604020202020204" pitchFamily="34" charset="0"/>
+                    </a:endParaRPr>
+                  </a:p>
+                </p:txBody>
+              </p:sp>
+            </mc:Choice>
+            <mc:Fallback>
+              <p:sp>
+                <p:nvSpPr>
+                  <p:cNvPr id="152" name="TextBox 151"/>
+                  <p:cNvSpPr txBox="1">
+                    <a:spLocks noRot="1" noChangeAspect="1" noMove="1" noResize="1" noEditPoints="1" noAdjustHandles="1" noChangeArrowheads="1" noChangeShapeType="1" noTextEdit="1"/>
+                  </p:cNvSpPr>
+                  <p:nvPr/>
+                </p:nvSpPr>
+                <p:spPr>
+                  <a:xfrm>
+                    <a:off x="7917617" y="2106853"/>
+                    <a:ext cx="1141595" cy="307777"/>
+                  </a:xfrm>
+                  <a:prstGeom prst="rect">
+                    <a:avLst/>
+                  </a:prstGeom>
+                  <a:blipFill>
+                    <a:blip r:embed="rId41"/>
+                    <a:stretch>
+                      <a:fillRect l="-3209" r="-6417" b="-37255"/>
+                    </a:stretch>
+                  </a:blipFill>
+                </p:spPr>
+                <p:txBody>
+                  <a:bodyPr/>
+                  <a:lstStyle/>
+                  <a:p>
+                    <a:r>
+                      <a:rPr lang="en-US">
+                        <a:noFill/>
+                      </a:rPr>
+                      <a:t> </a:t>
+                    </a:r>
+                  </a:p>
+                </p:txBody>
+              </p:sp>
+            </mc:Fallback>
+          </mc:AlternateContent>
+          <p:cxnSp>
+            <p:nvCxnSpPr>
+              <p:cNvPr id="76" name="Straight Connector 75"/>
+              <p:cNvCxnSpPr>
+                <a:stCxn id="140" idx="0"/>
+              </p:cNvCxnSpPr>
+              <p:nvPr/>
+            </p:nvCxnSpPr>
+            <p:spPr>
+              <a:xfrm flipH="1" flipV="1">
+                <a:off x="6095329" y="2510228"/>
+                <a:ext cx="1090" cy="1785546"/>
+              </a:xfrm>
+              <a:prstGeom prst="line">
+                <a:avLst/>
+              </a:prstGeom>
+              <a:ln w="38100">
+                <a:solidFill>
+                  <a:schemeClr val="tx1"/>
+                </a:solidFill>
+              </a:ln>
+            </p:spPr>
+            <p:style>
+              <a:lnRef idx="1">
+                <a:schemeClr val="accent1"/>
+              </a:lnRef>
+              <a:fillRef idx="0">
+                <a:schemeClr val="accent1"/>
+              </a:fillRef>
+              <a:effectRef idx="0">
+                <a:schemeClr val="accent1"/>
+              </a:effectRef>
+              <a:fontRef idx="minor">
+                <a:schemeClr val="tx1"/>
+              </a:fontRef>
+            </p:style>
+          </p:cxnSp>
+          <p:cxnSp>
+            <p:nvCxnSpPr>
+              <p:cNvPr id="160" name="Straight Connector 159"/>
+              <p:cNvCxnSpPr>
+                <a:stCxn id="142" idx="2"/>
+              </p:cNvCxnSpPr>
+              <p:nvPr/>
+            </p:nvCxnSpPr>
+            <p:spPr>
+              <a:xfrm flipH="1" flipV="1">
+                <a:off x="6096419" y="2510228"/>
+                <a:ext cx="1760727" cy="15500"/>
+              </a:xfrm>
+              <a:prstGeom prst="line">
+                <a:avLst/>
+              </a:prstGeom>
+              <a:ln w="38100">
+                <a:solidFill>
+                  <a:schemeClr val="tx1"/>
+                </a:solidFill>
+              </a:ln>
+            </p:spPr>
+            <p:style>
+              <a:lnRef idx="1">
+                <a:schemeClr val="accent1"/>
+              </a:lnRef>
+              <a:fillRef idx="0">
+                <a:schemeClr val="accent1"/>
+              </a:fillRef>
+              <a:effectRef idx="0">
+                <a:schemeClr val="accent1"/>
+              </a:effectRef>
+              <a:fontRef idx="minor">
+                <a:schemeClr val="tx1"/>
+              </a:fontRef>
+            </p:style>
+          </p:cxnSp>
+          <mc:AlternateContent xmlns:mc="http://schemas.openxmlformats.org/markup-compatibility/2006">
+            <mc:Choice xmlns:a14="http://schemas.microsoft.com/office/drawing/2010/main" Requires="a14">
+              <p:sp>
+                <p:nvSpPr>
+                  <p:cNvPr id="161" name="TextBox 160"/>
+                  <p:cNvSpPr txBox="1"/>
+                  <p:nvPr/>
+                </p:nvSpPr>
+                <p:spPr>
+                  <a:xfrm>
+                    <a:off x="6006302" y="1989690"/>
+                    <a:ext cx="802656" cy="307777"/>
+                  </a:xfrm>
+                  <a:prstGeom prst="rect">
+                    <a:avLst/>
+                  </a:prstGeom>
+                  <a:noFill/>
+                </p:spPr>
+                <p:txBody>
+                  <a:bodyPr wrap="none" lIns="0" tIns="0" rIns="0" bIns="0" rtlCol="0">
+                    <a:spAutoFit/>
+                  </a:bodyPr>
+                  <a:lstStyle/>
+                  <a:p>
+                    <a14:m>
+                      <m:oMathPara xmlns:m="http://schemas.openxmlformats.org/officeDocument/2006/math">
+                        <m:oMathParaPr>
+                          <m:jc m:val="centerGroup"/>
+                        </m:oMathParaPr>
+                        <m:oMath xmlns:m="http://schemas.openxmlformats.org/officeDocument/2006/math">
+                          <m:r>
+                            <a:rPr lang="en-US" sz="2000" b="0" i="1" smtClean="0">
+                              <a:latin typeface="Cambria Math" panose="02040503050406030204" pitchFamily="18" charset="0"/>
+                              <a:cs typeface="Arial" panose="020B0604020202020204" pitchFamily="34" charset="0"/>
+                            </a:rPr>
+                            <m:t>𝑝𝑎𝑡h</m:t>
+                          </m:r>
+                          <m:r>
+                            <a:rPr lang="en-US" sz="2000" b="0" i="1" smtClean="0">
+                              <a:latin typeface="Cambria Math" panose="02040503050406030204" pitchFamily="18" charset="0"/>
+                              <a:cs typeface="Arial" panose="020B0604020202020204" pitchFamily="34" charset="0"/>
+                            </a:rPr>
+                            <m:t> 2</m:t>
+                          </m:r>
+                        </m:oMath>
+                      </m:oMathPara>
+                    </a14:m>
+                    <a:endParaRPr lang="en-US" sz="2000" dirty="0" smtClean="0">
+                      <a:latin typeface="Arial" panose="020B0604020202020204" pitchFamily="34" charset="0"/>
+                      <a:cs typeface="Arial" panose="020B0604020202020204" pitchFamily="34" charset="0"/>
+                    </a:endParaRPr>
+                  </a:p>
+                </p:txBody>
+              </p:sp>
+            </mc:Choice>
+            <mc:Fallback>
+              <p:sp>
+                <p:nvSpPr>
+                  <p:cNvPr id="161" name="TextBox 160"/>
+                  <p:cNvSpPr txBox="1">
+                    <a:spLocks noRot="1" noChangeAspect="1" noMove="1" noResize="1" noEditPoints="1" noAdjustHandles="1" noChangeArrowheads="1" noChangeShapeType="1" noTextEdit="1"/>
+                  </p:cNvSpPr>
+                  <p:nvPr/>
+                </p:nvSpPr>
+                <p:spPr>
+                  <a:xfrm>
+                    <a:off x="6006302" y="1989690"/>
+                    <a:ext cx="802656" cy="307777"/>
+                  </a:xfrm>
+                  <a:prstGeom prst="rect">
+                    <a:avLst/>
+                  </a:prstGeom>
+                  <a:blipFill>
+                    <a:blip r:embed="rId42"/>
+                    <a:stretch>
+                      <a:fillRect l="-9848" r="-6061" b="-37255"/>
+                    </a:stretch>
+                  </a:blipFill>
+                </p:spPr>
+                <p:txBody>
+                  <a:bodyPr/>
+                  <a:lstStyle/>
+                  <a:p>
+                    <a:r>
+                      <a:rPr lang="en-US">
+                        <a:noFill/>
+                      </a:rPr>
+                      <a:t> </a:t>
+                    </a:r>
+                  </a:p>
+                </p:txBody>
+              </p:sp>
+            </mc:Fallback>
+          </mc:AlternateContent>
+          <p:cxnSp>
+            <p:nvCxnSpPr>
+              <p:cNvPr id="163" name="Straight Connector 162"/>
+              <p:cNvCxnSpPr>
+                <a:stCxn id="140" idx="7"/>
+                <a:endCxn id="142" idx="3"/>
+              </p:cNvCxnSpPr>
+              <p:nvPr/>
+            </p:nvCxnSpPr>
+            <p:spPr>
+              <a:xfrm flipV="1">
+                <a:off x="6139178" y="2568072"/>
+                <a:ext cx="1735680" cy="1745241"/>
+              </a:xfrm>
+              <a:prstGeom prst="line">
+                <a:avLst/>
+              </a:prstGeom>
+              <a:ln w="38100">
+                <a:solidFill>
+                  <a:schemeClr val="tx1"/>
+                </a:solidFill>
+                <a:prstDash val="dash"/>
+              </a:ln>
+            </p:spPr>
+            <p:style>
+              <a:lnRef idx="1">
+                <a:schemeClr val="accent1"/>
+              </a:lnRef>
+              <a:fillRef idx="0">
+                <a:schemeClr val="accent1"/>
+              </a:fillRef>
+              <a:effectRef idx="0">
+                <a:schemeClr val="accent1"/>
+              </a:effectRef>
+              <a:fontRef idx="minor">
+                <a:schemeClr val="tx1"/>
+              </a:fontRef>
+            </p:style>
+          </p:cxnSp>
+          <mc:AlternateContent xmlns:mc="http://schemas.openxmlformats.org/markup-compatibility/2006">
+            <mc:Choice xmlns:a14="http://schemas.microsoft.com/office/drawing/2010/main" Requires="a14">
+              <p:sp>
+                <p:nvSpPr>
+                  <p:cNvPr id="164" name="TextBox 163"/>
+                  <p:cNvSpPr txBox="1"/>
+                  <p:nvPr/>
+                </p:nvSpPr>
+                <p:spPr>
+                  <a:xfrm>
+                    <a:off x="7433258" y="3048485"/>
+                    <a:ext cx="802656" cy="307777"/>
+                  </a:xfrm>
+                  <a:prstGeom prst="rect">
+                    <a:avLst/>
+                  </a:prstGeom>
+                  <a:noFill/>
+                </p:spPr>
+                <p:txBody>
+                  <a:bodyPr wrap="none" lIns="0" tIns="0" rIns="0" bIns="0" rtlCol="0">
+                    <a:spAutoFit/>
+                  </a:bodyPr>
+                  <a:lstStyle/>
+                  <a:p>
+                    <a14:m>
+                      <m:oMathPara xmlns:m="http://schemas.openxmlformats.org/officeDocument/2006/math">
+                        <m:oMathParaPr>
+                          <m:jc m:val="centerGroup"/>
+                        </m:oMathParaPr>
+                        <m:oMath xmlns:m="http://schemas.openxmlformats.org/officeDocument/2006/math">
+                          <m:r>
+                            <a:rPr lang="en-US" sz="2000" b="0" i="1" smtClean="0">
+                              <a:latin typeface="Cambria Math" panose="02040503050406030204" pitchFamily="18" charset="0"/>
+                              <a:cs typeface="Arial" panose="020B0604020202020204" pitchFamily="34" charset="0"/>
+                            </a:rPr>
+                            <m:t>𝑝𝑎𝑡h</m:t>
+                          </m:r>
+                          <m:r>
+                            <a:rPr lang="en-US" sz="2000" b="0" i="1" smtClean="0">
+                              <a:latin typeface="Cambria Math" panose="02040503050406030204" pitchFamily="18" charset="0"/>
+                              <a:cs typeface="Arial" panose="020B0604020202020204" pitchFamily="34" charset="0"/>
+                            </a:rPr>
+                            <m:t> 1</m:t>
+                          </m:r>
+                        </m:oMath>
+                      </m:oMathPara>
+                    </a14:m>
+                    <a:endParaRPr lang="en-US" sz="2000" dirty="0" smtClean="0">
+                      <a:latin typeface="Arial" panose="020B0604020202020204" pitchFamily="34" charset="0"/>
+                      <a:cs typeface="Arial" panose="020B0604020202020204" pitchFamily="34" charset="0"/>
+                    </a:endParaRPr>
+                  </a:p>
+                </p:txBody>
+              </p:sp>
+            </mc:Choice>
+            <mc:Fallback>
+              <p:sp>
+                <p:nvSpPr>
+                  <p:cNvPr id="164" name="TextBox 163"/>
+                  <p:cNvSpPr txBox="1">
+                    <a:spLocks noRot="1" noChangeAspect="1" noMove="1" noResize="1" noEditPoints="1" noAdjustHandles="1" noChangeArrowheads="1" noChangeShapeType="1" noTextEdit="1"/>
+                  </p:cNvSpPr>
+                  <p:nvPr/>
+                </p:nvSpPr>
+                <p:spPr>
+                  <a:xfrm>
+                    <a:off x="7433258" y="3048485"/>
+                    <a:ext cx="802656" cy="307777"/>
+                  </a:xfrm>
+                  <a:prstGeom prst="rect">
+                    <a:avLst/>
+                  </a:prstGeom>
+                  <a:blipFill>
+                    <a:blip r:embed="rId43"/>
+                    <a:stretch>
+                      <a:fillRect l="-9848" r="-6061" b="-38000"/>
+                    </a:stretch>
+                  </a:blipFill>
+                </p:spPr>
+                <p:txBody>
+                  <a:bodyPr/>
+                  <a:lstStyle/>
+                  <a:p>
+                    <a:r>
+                      <a:rPr lang="en-US">
+                        <a:noFill/>
+                      </a:rPr>
+                      <a:t> </a:t>
+                    </a:r>
+                  </a:p>
+                </p:txBody>
+              </p:sp>
+            </mc:Fallback>
+          </mc:AlternateContent>
+        </p:grpSp>
+        <p:sp>
+          <p:nvSpPr>
+            <p:cNvPr id="172" name="Rectangle 171"/>
+            <p:cNvSpPr/>
+            <p:nvPr/>
+          </p:nvSpPr>
+          <p:spPr>
+            <a:xfrm>
+              <a:off x="6138275" y="3426577"/>
+              <a:ext cx="167268" cy="139908"/>
+            </a:xfrm>
+            <a:prstGeom prst="rect">
+              <a:avLst/>
+            </a:prstGeom>
+            <a:noFill/>
+            <a:ln w="38100">
+              <a:solidFill>
+                <a:schemeClr val="tx1"/>
+              </a:solidFill>
+            </a:ln>
+          </p:spPr>
+          <p:style>
+            <a:lnRef idx="2">
+              <a:schemeClr val="accent1">
+                <a:shade val="50000"/>
+              </a:schemeClr>
+            </a:lnRef>
+            <a:fillRef idx="1">
+              <a:schemeClr val="accent1"/>
+            </a:fillRef>
+            <a:effectRef idx="0">
+              <a:schemeClr val="accent1"/>
+            </a:effectRef>
+            <a:fontRef idx="minor">
+              <a:schemeClr val="lt1"/>
+            </a:fontRef>
+          </p:style>
+          <p:txBody>
+            <a:bodyPr rtlCol="0" anchor="ctr"/>
+            <a:lstStyle/>
+            <a:p>
+              <a:pPr algn="ctr"/>
+              <a:endParaRPr lang="en-US"/>
+            </a:p>
+          </p:txBody>
+        </p:sp>
+      </p:grpSp>
     </p:spTree>
     <p:extLst>
       <p:ext uri="{BB962C8B-B14F-4D97-AF65-F5344CB8AC3E}">

--- a/tex/figures/WorkEnergy/Figures.pptx
+++ b/tex/figures/WorkEnergy/Figures.pptx
@@ -8,6 +8,8 @@
     <p:sldId id="271" r:id="rId2"/>
     <p:sldId id="274" r:id="rId3"/>
     <p:sldId id="275" r:id="rId4"/>
+    <p:sldId id="276" r:id="rId5"/>
+    <p:sldId id="277" r:id="rId6"/>
   </p:sldIdLst>
   <p:sldSz cx="12192000" cy="6858000"/>
   <p:notesSz cx="6858000" cy="9144000"/>
@@ -245,7 +247,7 @@
           <a:p>
             <a:fld id="{F7249F8D-641B-4CAF-BAE5-10524742F6F1}" type="datetimeFigureOut">
               <a:rPr lang="en-CA" smtClean="0"/>
-              <a:t>2018-06-04</a:t>
+              <a:t>2018-06-05</a:t>
             </a:fld>
             <a:endParaRPr lang="en-CA"/>
           </a:p>
@@ -415,7 +417,7 @@
           <a:p>
             <a:fld id="{F7249F8D-641B-4CAF-BAE5-10524742F6F1}" type="datetimeFigureOut">
               <a:rPr lang="en-CA" smtClean="0"/>
-              <a:t>2018-06-04</a:t>
+              <a:t>2018-06-05</a:t>
             </a:fld>
             <a:endParaRPr lang="en-CA"/>
           </a:p>
@@ -595,7 +597,7 @@
           <a:p>
             <a:fld id="{F7249F8D-641B-4CAF-BAE5-10524742F6F1}" type="datetimeFigureOut">
               <a:rPr lang="en-CA" smtClean="0"/>
-              <a:t>2018-06-04</a:t>
+              <a:t>2018-06-05</a:t>
             </a:fld>
             <a:endParaRPr lang="en-CA"/>
           </a:p>
@@ -765,7 +767,7 @@
           <a:p>
             <a:fld id="{F7249F8D-641B-4CAF-BAE5-10524742F6F1}" type="datetimeFigureOut">
               <a:rPr lang="en-CA" smtClean="0"/>
-              <a:t>2018-06-04</a:t>
+              <a:t>2018-06-05</a:t>
             </a:fld>
             <a:endParaRPr lang="en-CA"/>
           </a:p>
@@ -1011,7 +1013,7 @@
           <a:p>
             <a:fld id="{F7249F8D-641B-4CAF-BAE5-10524742F6F1}" type="datetimeFigureOut">
               <a:rPr lang="en-CA" smtClean="0"/>
-              <a:t>2018-06-04</a:t>
+              <a:t>2018-06-05</a:t>
             </a:fld>
             <a:endParaRPr lang="en-CA"/>
           </a:p>
@@ -1243,7 +1245,7 @@
           <a:p>
             <a:fld id="{F7249F8D-641B-4CAF-BAE5-10524742F6F1}" type="datetimeFigureOut">
               <a:rPr lang="en-CA" smtClean="0"/>
-              <a:t>2018-06-04</a:t>
+              <a:t>2018-06-05</a:t>
             </a:fld>
             <a:endParaRPr lang="en-CA"/>
           </a:p>
@@ -1610,7 +1612,7 @@
           <a:p>
             <a:fld id="{F7249F8D-641B-4CAF-BAE5-10524742F6F1}" type="datetimeFigureOut">
               <a:rPr lang="en-CA" smtClean="0"/>
-              <a:t>2018-06-04</a:t>
+              <a:t>2018-06-05</a:t>
             </a:fld>
             <a:endParaRPr lang="en-CA"/>
           </a:p>
@@ -1728,7 +1730,7 @@
           <a:p>
             <a:fld id="{F7249F8D-641B-4CAF-BAE5-10524742F6F1}" type="datetimeFigureOut">
               <a:rPr lang="en-CA" smtClean="0"/>
-              <a:t>2018-06-04</a:t>
+              <a:t>2018-06-05</a:t>
             </a:fld>
             <a:endParaRPr lang="en-CA"/>
           </a:p>
@@ -1823,7 +1825,7 @@
           <a:p>
             <a:fld id="{F7249F8D-641B-4CAF-BAE5-10524742F6F1}" type="datetimeFigureOut">
               <a:rPr lang="en-CA" smtClean="0"/>
-              <a:t>2018-06-04</a:t>
+              <a:t>2018-06-05</a:t>
             </a:fld>
             <a:endParaRPr lang="en-CA"/>
           </a:p>
@@ -2100,7 +2102,7 @@
           <a:p>
             <a:fld id="{F7249F8D-641B-4CAF-BAE5-10524742F6F1}" type="datetimeFigureOut">
               <a:rPr lang="en-CA" smtClean="0"/>
-              <a:t>2018-06-04</a:t>
+              <a:t>2018-06-05</a:t>
             </a:fld>
             <a:endParaRPr lang="en-CA"/>
           </a:p>
@@ -2353,7 +2355,7 @@
           <a:p>
             <a:fld id="{F7249F8D-641B-4CAF-BAE5-10524742F6F1}" type="datetimeFigureOut">
               <a:rPr lang="en-CA" smtClean="0"/>
-              <a:t>2018-06-04</a:t>
+              <a:t>2018-06-05</a:t>
             </a:fld>
             <a:endParaRPr lang="en-CA"/>
           </a:p>
@@ -2566,7 +2568,7 @@
           <a:p>
             <a:fld id="{F7249F8D-641B-4CAF-BAE5-10524742F6F1}" type="datetimeFigureOut">
               <a:rPr lang="en-CA" smtClean="0"/>
-              <a:t>2018-06-04</a:t>
+              <a:t>2018-06-05</a:t>
             </a:fld>
             <a:endParaRPr lang="en-CA"/>
           </a:p>
@@ -11242,8 +11244,8 @@
             </a:fontRef>
           </p:style>
         </p:cxnSp>
-        <mc:AlternateContent xmlns:mc="http://schemas.openxmlformats.org/markup-compatibility/2006">
-          <mc:Choice xmlns:a14="http://schemas.microsoft.com/office/drawing/2010/main" Requires="a14">
+        <mc:AlternateContent xmlns:mc="http://schemas.openxmlformats.org/markup-compatibility/2006" xmlns:a14="http://schemas.microsoft.com/office/drawing/2010/main">
+          <mc:Choice Requires="a14">
             <p:sp>
               <p:nvSpPr>
                 <p:cNvPr id="135" name="TextBox 134"/>
@@ -11325,7 +11327,7 @@
               </p:txBody>
             </p:sp>
           </mc:Choice>
-          <mc:Fallback>
+          <mc:Fallback xmlns="">
             <p:sp>
               <p:nvSpPr>
                 <p:cNvPr id="135" name="TextBox 134"/>
@@ -11364,8 +11366,8 @@
             </p:sp>
           </mc:Fallback>
         </mc:AlternateContent>
-        <mc:AlternateContent xmlns:mc="http://schemas.openxmlformats.org/markup-compatibility/2006">
-          <mc:Choice xmlns:a14="http://schemas.microsoft.com/office/drawing/2010/main" Requires="a14">
+        <mc:AlternateContent xmlns:mc="http://schemas.openxmlformats.org/markup-compatibility/2006" xmlns:a14="http://schemas.microsoft.com/office/drawing/2010/main">
+          <mc:Choice Requires="a14">
             <p:sp>
               <p:nvSpPr>
                 <p:cNvPr id="136" name="TextBox 135"/>
@@ -11447,7 +11449,7 @@
               </p:txBody>
             </p:sp>
           </mc:Choice>
-          <mc:Fallback>
+          <mc:Fallback xmlns="">
             <p:sp>
               <p:nvSpPr>
                 <p:cNvPr id="136" name="TextBox 135"/>
@@ -11486,8 +11488,8 @@
             </p:sp>
           </mc:Fallback>
         </mc:AlternateContent>
-        <mc:AlternateContent xmlns:mc="http://schemas.openxmlformats.org/markup-compatibility/2006">
-          <mc:Choice xmlns:a14="http://schemas.microsoft.com/office/drawing/2010/main" Requires="a14">
+        <mc:AlternateContent xmlns:mc="http://schemas.openxmlformats.org/markup-compatibility/2006" xmlns:a14="http://schemas.microsoft.com/office/drawing/2010/main">
+          <mc:Choice Requires="a14">
             <p:sp>
               <p:nvSpPr>
                 <p:cNvPr id="137" name="TextBox 136"/>
@@ -11569,7 +11571,7 @@
               </p:txBody>
             </p:sp>
           </mc:Choice>
-          <mc:Fallback>
+          <mc:Fallback xmlns="">
             <p:sp>
               <p:nvSpPr>
                 <p:cNvPr id="137" name="TextBox 136"/>
@@ -11644,8 +11646,8 @@
             </a:fontRef>
           </p:style>
         </p:cxnSp>
-        <mc:AlternateContent xmlns:mc="http://schemas.openxmlformats.org/markup-compatibility/2006">
-          <mc:Choice xmlns:a14="http://schemas.microsoft.com/office/drawing/2010/main" Requires="a14">
+        <mc:AlternateContent xmlns:mc="http://schemas.openxmlformats.org/markup-compatibility/2006" xmlns:a14="http://schemas.microsoft.com/office/drawing/2010/main">
+          <mc:Choice Requires="a14">
             <p:sp>
               <p:nvSpPr>
                 <p:cNvPr id="45" name="TextBox 44"/>
@@ -11668,6 +11670,7 @@
                 </a:bodyPr>
                 <a:lstStyle/>
                 <a:p>
+                  <a:pPr/>
                   <a14:m>
                     <m:oMathPara xmlns:m="http://schemas.openxmlformats.org/officeDocument/2006/math">
                       <m:oMathParaPr>
@@ -11705,7 +11708,7 @@
               </p:txBody>
             </p:sp>
           </mc:Choice>
-          <mc:Fallback>
+          <mc:Fallback xmlns="">
             <p:sp>
               <p:nvSpPr>
                 <p:cNvPr id="45" name="TextBox 44"/>
@@ -11744,8 +11747,8 @@
             </p:sp>
           </mc:Fallback>
         </mc:AlternateContent>
-        <mc:AlternateContent xmlns:mc="http://schemas.openxmlformats.org/markup-compatibility/2006">
-          <mc:Choice xmlns:a14="http://schemas.microsoft.com/office/drawing/2010/main" Requires="a14">
+        <mc:AlternateContent xmlns:mc="http://schemas.openxmlformats.org/markup-compatibility/2006" xmlns:a14="http://schemas.microsoft.com/office/drawing/2010/main">
+          <mc:Choice Requires="a14">
             <p:sp>
               <p:nvSpPr>
                 <p:cNvPr id="66" name="TextBox 65"/>
@@ -11768,6 +11771,7 @@
                 </a:bodyPr>
                 <a:lstStyle/>
                 <a:p>
+                  <a:pPr/>
                   <a14:m>
                     <m:oMathPara xmlns:m="http://schemas.openxmlformats.org/officeDocument/2006/math">
                       <m:oMathParaPr>
@@ -11792,7 +11796,7 @@
               </p:txBody>
             </p:sp>
           </mc:Choice>
-          <mc:Fallback>
+          <mc:Fallback xmlns="">
             <p:sp>
               <p:nvSpPr>
                 <p:cNvPr id="66" name="TextBox 65"/>
@@ -11831,8 +11835,8 @@
             </p:sp>
           </mc:Fallback>
         </mc:AlternateContent>
-        <mc:AlternateContent xmlns:mc="http://schemas.openxmlformats.org/markup-compatibility/2006">
-          <mc:Choice xmlns:a14="http://schemas.microsoft.com/office/drawing/2010/main" Requires="a14">
+        <mc:AlternateContent xmlns:mc="http://schemas.openxmlformats.org/markup-compatibility/2006" xmlns:a14="http://schemas.microsoft.com/office/drawing/2010/main">
+          <mc:Choice Requires="a14">
             <p:sp>
               <p:nvSpPr>
                 <p:cNvPr id="138" name="TextBox 137"/>
@@ -11855,6 +11859,7 @@
                 </a:bodyPr>
                 <a:lstStyle/>
                 <a:p>
+                  <a:pPr/>
                   <a14:m>
                     <m:oMathPara xmlns:m="http://schemas.openxmlformats.org/officeDocument/2006/math">
                       <m:oMathParaPr>
@@ -11879,7 +11884,7 @@
               </p:txBody>
             </p:sp>
           </mc:Choice>
-          <mc:Fallback>
+          <mc:Fallback xmlns="">
             <p:sp>
               <p:nvSpPr>
                 <p:cNvPr id="138" name="TextBox 137"/>
@@ -12421,8 +12426,8 @@
               </a:p>
             </p:txBody>
           </p:sp>
-          <mc:AlternateContent xmlns:mc="http://schemas.openxmlformats.org/markup-compatibility/2006">
-            <mc:Choice xmlns:a14="http://schemas.microsoft.com/office/drawing/2010/main" Requires="a14">
+          <mc:AlternateContent xmlns:mc="http://schemas.openxmlformats.org/markup-compatibility/2006" xmlns:a14="http://schemas.microsoft.com/office/drawing/2010/main">
+            <mc:Choice Requires="a14">
               <p:sp>
                 <p:nvSpPr>
                   <p:cNvPr id="151" name="TextBox 150"/>
@@ -12445,6 +12450,7 @@
                   </a:bodyPr>
                   <a:lstStyle/>
                   <a:p>
+                    <a:pPr/>
                     <a14:m>
                       <m:oMathPara xmlns:m="http://schemas.openxmlformats.org/officeDocument/2006/math">
                         <m:oMathParaPr>
@@ -12546,7 +12552,7 @@
                 </p:txBody>
               </p:sp>
             </mc:Choice>
-            <mc:Fallback>
+            <mc:Fallback xmlns="">
               <p:sp>
                 <p:nvSpPr>
                   <p:cNvPr id="151" name="TextBox 150"/>
@@ -12585,8 +12591,8 @@
               </p:sp>
             </mc:Fallback>
           </mc:AlternateContent>
-          <mc:AlternateContent xmlns:mc="http://schemas.openxmlformats.org/markup-compatibility/2006">
-            <mc:Choice xmlns:a14="http://schemas.microsoft.com/office/drawing/2010/main" Requires="a14">
+          <mc:AlternateContent xmlns:mc="http://schemas.openxmlformats.org/markup-compatibility/2006" xmlns:a14="http://schemas.microsoft.com/office/drawing/2010/main">
+            <mc:Choice Requires="a14">
               <p:sp>
                 <p:nvSpPr>
                   <p:cNvPr id="152" name="TextBox 151"/>
@@ -12609,6 +12615,7 @@
                   </a:bodyPr>
                   <a:lstStyle/>
                   <a:p>
+                    <a:pPr/>
                     <a14:m>
                       <m:oMathPara xmlns:m="http://schemas.openxmlformats.org/officeDocument/2006/math">
                         <m:oMathParaPr>
@@ -12710,7 +12717,7 @@
                 </p:txBody>
               </p:sp>
             </mc:Choice>
-            <mc:Fallback>
+            <mc:Fallback xmlns="">
               <p:sp>
                 <p:nvSpPr>
                   <p:cNvPr id="152" name="TextBox 151"/>
@@ -12823,8 +12830,8 @@
               </a:fontRef>
             </p:style>
           </p:cxnSp>
-          <mc:AlternateContent xmlns:mc="http://schemas.openxmlformats.org/markup-compatibility/2006">
-            <mc:Choice xmlns:a14="http://schemas.microsoft.com/office/drawing/2010/main" Requires="a14">
+          <mc:AlternateContent xmlns:mc="http://schemas.openxmlformats.org/markup-compatibility/2006" xmlns:a14="http://schemas.microsoft.com/office/drawing/2010/main">
+            <mc:Choice Requires="a14">
               <p:sp>
                 <p:nvSpPr>
                   <p:cNvPr id="161" name="TextBox 160"/>
@@ -12847,6 +12854,7 @@
                   </a:bodyPr>
                   <a:lstStyle/>
                   <a:p>
+                    <a:pPr/>
                     <a14:m>
                       <m:oMathPara xmlns:m="http://schemas.openxmlformats.org/officeDocument/2006/math">
                         <m:oMathParaPr>
@@ -12878,7 +12886,7 @@
                 </p:txBody>
               </p:sp>
             </mc:Choice>
-            <mc:Fallback>
+            <mc:Fallback xmlns="">
               <p:sp>
                 <p:nvSpPr>
                   <p:cNvPr id="161" name="TextBox 160"/>
@@ -12956,8 +12964,8 @@
               </a:fontRef>
             </p:style>
           </p:cxnSp>
-          <mc:AlternateContent xmlns:mc="http://schemas.openxmlformats.org/markup-compatibility/2006">
-            <mc:Choice xmlns:a14="http://schemas.microsoft.com/office/drawing/2010/main" Requires="a14">
+          <mc:AlternateContent xmlns:mc="http://schemas.openxmlformats.org/markup-compatibility/2006" xmlns:a14="http://schemas.microsoft.com/office/drawing/2010/main">
+            <mc:Choice Requires="a14">
               <p:sp>
                 <p:nvSpPr>
                   <p:cNvPr id="164" name="TextBox 163"/>
@@ -12980,6 +12988,7 @@
                   </a:bodyPr>
                   <a:lstStyle/>
                   <a:p>
+                    <a:pPr/>
                     <a14:m>
                       <m:oMathPara xmlns:m="http://schemas.openxmlformats.org/officeDocument/2006/math">
                         <m:oMathParaPr>
@@ -13011,7 +13020,7 @@
                 </p:txBody>
               </p:sp>
             </mc:Choice>
-            <mc:Fallback>
+            <mc:Fallback xmlns="">
               <p:sp>
                 <p:nvSpPr>
                   <p:cNvPr id="164" name="TextBox 163"/>
@@ -13115,6 +13124,6005 @@
       </p:par>
     </p:tnLst>
   </p:timing>
+</p:sld>
+</file>
+
+<file path=ppt/slides/slide4.xml><?xml version="1.0" encoding="utf-8"?>
+<p:sld xmlns:a="http://schemas.openxmlformats.org/drawingml/2006/main" xmlns:r="http://schemas.openxmlformats.org/officeDocument/2006/relationships" xmlns:p="http://schemas.openxmlformats.org/presentationml/2006/main">
+  <p:cSld>
+    <p:spTree>
+      <p:nvGrpSpPr>
+        <p:cNvPr id="1" name=""/>
+        <p:cNvGrpSpPr/>
+        <p:nvPr/>
+      </p:nvGrpSpPr>
+      <p:grpSpPr>
+        <a:xfrm>
+          <a:off x="0" y="0"/>
+          <a:ext cx="0" cy="0"/>
+          <a:chOff x="0" y="0"/>
+          <a:chExt cx="0" cy="0"/>
+        </a:xfrm>
+      </p:grpSpPr>
+      <p:grpSp>
+        <p:nvGrpSpPr>
+          <p:cNvPr id="56" name="Group 55"/>
+          <p:cNvGrpSpPr/>
+          <p:nvPr/>
+        </p:nvGrpSpPr>
+        <p:grpSpPr>
+          <a:xfrm>
+            <a:off x="526708" y="420771"/>
+            <a:ext cx="5762580" cy="3177354"/>
+            <a:chOff x="437498" y="610342"/>
+            <a:chExt cx="5762580" cy="3177354"/>
+          </a:xfrm>
+        </p:grpSpPr>
+        <p:sp>
+          <p:nvSpPr>
+            <p:cNvPr id="35" name="Rectangle 34"/>
+            <p:cNvSpPr/>
+            <p:nvPr/>
+          </p:nvSpPr>
+          <p:spPr>
+            <a:xfrm>
+              <a:off x="3445727" y="836339"/>
+              <a:ext cx="490654" cy="379143"/>
+            </a:xfrm>
+            <a:prstGeom prst="rect">
+              <a:avLst/>
+            </a:prstGeom>
+            <a:solidFill>
+              <a:schemeClr val="bg2">
+                <a:lumMod val="90000"/>
+              </a:schemeClr>
+            </a:solidFill>
+            <a:ln w="38100">
+              <a:solidFill>
+                <a:schemeClr val="tx1"/>
+              </a:solidFill>
+              <a:prstDash val="sysDot"/>
+            </a:ln>
+          </p:spPr>
+          <p:style>
+            <a:lnRef idx="2">
+              <a:schemeClr val="accent1">
+                <a:shade val="50000"/>
+              </a:schemeClr>
+            </a:lnRef>
+            <a:fillRef idx="1">
+              <a:schemeClr val="accent1"/>
+            </a:fillRef>
+            <a:effectRef idx="0">
+              <a:schemeClr val="accent1"/>
+            </a:effectRef>
+            <a:fontRef idx="minor">
+              <a:schemeClr val="lt1"/>
+            </a:fontRef>
+          </p:style>
+          <p:txBody>
+            <a:bodyPr rtlCol="0" anchor="ctr"/>
+            <a:lstStyle/>
+            <a:p>
+              <a:pPr algn="ctr"/>
+              <a:endParaRPr lang="en-US"/>
+            </a:p>
+          </p:txBody>
+        </p:sp>
+        <p:sp>
+          <p:nvSpPr>
+            <p:cNvPr id="25" name="Rectangle 24"/>
+            <p:cNvSpPr/>
+            <p:nvPr/>
+          </p:nvSpPr>
+          <p:spPr>
+            <a:xfrm>
+              <a:off x="3445727" y="1237786"/>
+              <a:ext cx="2609385" cy="234175"/>
+            </a:xfrm>
+            <a:prstGeom prst="rect">
+              <a:avLst/>
+            </a:prstGeom>
+            <a:solidFill>
+              <a:schemeClr val="accent4">
+                <a:lumMod val="75000"/>
+              </a:schemeClr>
+            </a:solidFill>
+            <a:ln w="38100">
+              <a:solidFill>
+                <a:schemeClr val="accent4">
+                  <a:lumMod val="75000"/>
+                </a:schemeClr>
+              </a:solidFill>
+            </a:ln>
+          </p:spPr>
+          <p:style>
+            <a:lnRef idx="2">
+              <a:schemeClr val="accent1">
+                <a:shade val="50000"/>
+              </a:schemeClr>
+            </a:lnRef>
+            <a:fillRef idx="1">
+              <a:schemeClr val="accent1"/>
+            </a:fillRef>
+            <a:effectRef idx="0">
+              <a:schemeClr val="accent1"/>
+            </a:effectRef>
+            <a:fontRef idx="minor">
+              <a:schemeClr val="lt1"/>
+            </a:fontRef>
+          </p:style>
+          <p:txBody>
+            <a:bodyPr rtlCol="0" anchor="ctr"/>
+            <a:lstStyle/>
+            <a:p>
+              <a:pPr algn="ctr"/>
+              <a:endParaRPr lang="en-US"/>
+            </a:p>
+          </p:txBody>
+        </p:sp>
+        <p:sp>
+          <p:nvSpPr>
+            <p:cNvPr id="26" name="Rectangle 25"/>
+            <p:cNvSpPr/>
+            <p:nvPr/>
+          </p:nvSpPr>
+          <p:spPr>
+            <a:xfrm rot="16200000">
+              <a:off x="3006183" y="2234890"/>
+              <a:ext cx="1661532" cy="135673"/>
+            </a:xfrm>
+            <a:prstGeom prst="rect">
+              <a:avLst/>
+            </a:prstGeom>
+            <a:solidFill>
+              <a:schemeClr val="accent4">
+                <a:lumMod val="75000"/>
+              </a:schemeClr>
+            </a:solidFill>
+            <a:ln w="38100">
+              <a:solidFill>
+                <a:schemeClr val="accent4">
+                  <a:lumMod val="75000"/>
+                </a:schemeClr>
+              </a:solidFill>
+            </a:ln>
+          </p:spPr>
+          <p:style>
+            <a:lnRef idx="2">
+              <a:schemeClr val="accent1">
+                <a:shade val="50000"/>
+              </a:schemeClr>
+            </a:lnRef>
+            <a:fillRef idx="1">
+              <a:schemeClr val="accent1"/>
+            </a:fillRef>
+            <a:effectRef idx="0">
+              <a:schemeClr val="accent1"/>
+            </a:effectRef>
+            <a:fontRef idx="minor">
+              <a:schemeClr val="lt1"/>
+            </a:fontRef>
+          </p:style>
+          <p:txBody>
+            <a:bodyPr rtlCol="0" anchor="ctr"/>
+            <a:lstStyle/>
+            <a:p>
+              <a:pPr algn="ctr"/>
+              <a:endParaRPr lang="en-US"/>
+            </a:p>
+          </p:txBody>
+        </p:sp>
+        <p:sp>
+          <p:nvSpPr>
+            <p:cNvPr id="27" name="Rectangle 26"/>
+            <p:cNvSpPr/>
+            <p:nvPr/>
+          </p:nvSpPr>
+          <p:spPr>
+            <a:xfrm rot="16200000">
+              <a:off x="4831267" y="2234891"/>
+              <a:ext cx="1661532" cy="135673"/>
+            </a:xfrm>
+            <a:prstGeom prst="rect">
+              <a:avLst/>
+            </a:prstGeom>
+            <a:solidFill>
+              <a:schemeClr val="accent4">
+                <a:lumMod val="75000"/>
+              </a:schemeClr>
+            </a:solidFill>
+            <a:ln w="38100">
+              <a:solidFill>
+                <a:schemeClr val="accent4">
+                  <a:lumMod val="75000"/>
+                </a:schemeClr>
+              </a:solidFill>
+            </a:ln>
+          </p:spPr>
+          <p:style>
+            <a:lnRef idx="2">
+              <a:schemeClr val="accent1">
+                <a:shade val="50000"/>
+              </a:schemeClr>
+            </a:lnRef>
+            <a:fillRef idx="1">
+              <a:schemeClr val="accent1"/>
+            </a:fillRef>
+            <a:effectRef idx="0">
+              <a:schemeClr val="accent1"/>
+            </a:effectRef>
+            <a:fontRef idx="minor">
+              <a:schemeClr val="lt1"/>
+            </a:fontRef>
+          </p:style>
+          <p:txBody>
+            <a:bodyPr rtlCol="0" anchor="ctr"/>
+            <a:lstStyle/>
+            <a:p>
+              <a:pPr algn="ctr"/>
+              <a:endParaRPr lang="en-US"/>
+            </a:p>
+          </p:txBody>
+        </p:sp>
+        <p:sp>
+          <p:nvSpPr>
+            <p:cNvPr id="28" name="Rectangle 27"/>
+            <p:cNvSpPr/>
+            <p:nvPr/>
+          </p:nvSpPr>
+          <p:spPr>
+            <a:xfrm>
+              <a:off x="1159727" y="3133493"/>
+              <a:ext cx="5040351" cy="111512"/>
+            </a:xfrm>
+            <a:prstGeom prst="rect">
+              <a:avLst/>
+            </a:prstGeom>
+            <a:solidFill>
+              <a:schemeClr val="bg2">
+                <a:lumMod val="75000"/>
+              </a:schemeClr>
+            </a:solidFill>
+            <a:ln w="38100">
+              <a:solidFill>
+                <a:schemeClr val="tx1"/>
+              </a:solidFill>
+            </a:ln>
+          </p:spPr>
+          <p:style>
+            <a:lnRef idx="2">
+              <a:schemeClr val="accent1">
+                <a:shade val="50000"/>
+              </a:schemeClr>
+            </a:lnRef>
+            <a:fillRef idx="1">
+              <a:schemeClr val="accent1"/>
+            </a:fillRef>
+            <a:effectRef idx="0">
+              <a:schemeClr val="accent1"/>
+            </a:effectRef>
+            <a:fontRef idx="minor">
+              <a:schemeClr val="lt1"/>
+            </a:fontRef>
+          </p:style>
+          <p:txBody>
+            <a:bodyPr rtlCol="0" anchor="ctr"/>
+            <a:lstStyle/>
+            <a:p>
+              <a:pPr algn="ctr"/>
+              <a:endParaRPr lang="en-US"/>
+            </a:p>
+          </p:txBody>
+        </p:sp>
+        <p:sp>
+          <p:nvSpPr>
+            <p:cNvPr id="29" name="Rectangle 28"/>
+            <p:cNvSpPr/>
+            <p:nvPr/>
+          </p:nvSpPr>
+          <p:spPr>
+            <a:xfrm>
+              <a:off x="1293541" y="2754350"/>
+              <a:ext cx="490654" cy="379143"/>
+            </a:xfrm>
+            <a:prstGeom prst="rect">
+              <a:avLst/>
+            </a:prstGeom>
+            <a:solidFill>
+              <a:schemeClr val="bg2">
+                <a:lumMod val="90000"/>
+              </a:schemeClr>
+            </a:solidFill>
+            <a:ln w="38100">
+              <a:solidFill>
+                <a:schemeClr val="tx1"/>
+              </a:solidFill>
+            </a:ln>
+          </p:spPr>
+          <p:style>
+            <a:lnRef idx="2">
+              <a:schemeClr val="accent1">
+                <a:shade val="50000"/>
+              </a:schemeClr>
+            </a:lnRef>
+            <a:fillRef idx="1">
+              <a:schemeClr val="accent1"/>
+            </a:fillRef>
+            <a:effectRef idx="0">
+              <a:schemeClr val="accent1"/>
+            </a:effectRef>
+            <a:fontRef idx="minor">
+              <a:schemeClr val="lt1"/>
+            </a:fontRef>
+          </p:style>
+          <p:txBody>
+            <a:bodyPr rtlCol="0" anchor="ctr"/>
+            <a:lstStyle/>
+            <a:p>
+              <a:pPr algn="ctr"/>
+              <a:endParaRPr lang="en-US"/>
+            </a:p>
+          </p:txBody>
+        </p:sp>
+        <p:cxnSp>
+          <p:nvCxnSpPr>
+            <p:cNvPr id="31" name="Straight Connector 30"/>
+            <p:cNvCxnSpPr/>
+            <p:nvPr/>
+          </p:nvCxnSpPr>
+          <p:spPr>
+            <a:xfrm flipV="1">
+              <a:off x="1538868" y="1057508"/>
+              <a:ext cx="2141034" cy="1886414"/>
+            </a:xfrm>
+            <a:prstGeom prst="line">
+              <a:avLst/>
+            </a:prstGeom>
+            <a:ln w="38100">
+              <a:solidFill>
+                <a:schemeClr val="tx1"/>
+              </a:solidFill>
+              <a:prstDash val="dash"/>
+            </a:ln>
+          </p:spPr>
+          <p:style>
+            <a:lnRef idx="1">
+              <a:schemeClr val="accent1"/>
+            </a:lnRef>
+            <a:fillRef idx="0">
+              <a:schemeClr val="accent1"/>
+            </a:fillRef>
+            <a:effectRef idx="0">
+              <a:schemeClr val="accent1"/>
+            </a:effectRef>
+            <a:fontRef idx="minor">
+              <a:schemeClr val="tx1"/>
+            </a:fontRef>
+          </p:style>
+        </p:cxnSp>
+        <p:cxnSp>
+          <p:nvCxnSpPr>
+            <p:cNvPr id="32" name="Straight Connector 31"/>
+            <p:cNvCxnSpPr/>
+            <p:nvPr/>
+          </p:nvCxnSpPr>
+          <p:spPr>
+            <a:xfrm flipH="1" flipV="1">
+              <a:off x="1543979" y="1066800"/>
+              <a:ext cx="15797" cy="1858537"/>
+            </a:xfrm>
+            <a:prstGeom prst="line">
+              <a:avLst/>
+            </a:prstGeom>
+            <a:ln w="38100">
+              <a:solidFill>
+                <a:schemeClr val="tx1"/>
+              </a:solidFill>
+              <a:prstDash val="dash"/>
+            </a:ln>
+          </p:spPr>
+          <p:style>
+            <a:lnRef idx="1">
+              <a:schemeClr val="accent1"/>
+            </a:lnRef>
+            <a:fillRef idx="0">
+              <a:schemeClr val="accent1"/>
+            </a:fillRef>
+            <a:effectRef idx="0">
+              <a:schemeClr val="accent1"/>
+            </a:effectRef>
+            <a:fontRef idx="minor">
+              <a:schemeClr val="tx1"/>
+            </a:fontRef>
+          </p:style>
+        </p:cxnSp>
+        <p:cxnSp>
+          <p:nvCxnSpPr>
+            <p:cNvPr id="36" name="Straight Connector 35"/>
+            <p:cNvCxnSpPr/>
+            <p:nvPr/>
+          </p:nvCxnSpPr>
+          <p:spPr>
+            <a:xfrm>
+              <a:off x="1538868" y="1066800"/>
+              <a:ext cx="2141034" cy="0"/>
+            </a:xfrm>
+            <a:prstGeom prst="line">
+              <a:avLst/>
+            </a:prstGeom>
+            <a:ln w="38100">
+              <a:solidFill>
+                <a:schemeClr val="tx1"/>
+              </a:solidFill>
+              <a:prstDash val="dash"/>
+            </a:ln>
+          </p:spPr>
+          <p:style>
+            <a:lnRef idx="1">
+              <a:schemeClr val="accent1"/>
+            </a:lnRef>
+            <a:fillRef idx="0">
+              <a:schemeClr val="accent1"/>
+            </a:fillRef>
+            <a:effectRef idx="0">
+              <a:schemeClr val="accent1"/>
+            </a:effectRef>
+            <a:fontRef idx="minor">
+              <a:schemeClr val="tx1"/>
+            </a:fontRef>
+          </p:style>
+        </p:cxnSp>
+        <mc:AlternateContent xmlns:mc="http://schemas.openxmlformats.org/markup-compatibility/2006">
+          <mc:Choice xmlns:a14="http://schemas.microsoft.com/office/drawing/2010/main" Requires="a14">
+            <p:sp>
+              <p:nvSpPr>
+                <p:cNvPr id="39" name="TextBox 38"/>
+                <p:cNvSpPr txBox="1"/>
+                <p:nvPr/>
+              </p:nvSpPr>
+              <p:spPr>
+                <a:xfrm>
+                  <a:off x="2604158" y="2280424"/>
+                  <a:ext cx="802656" cy="307777"/>
+                </a:xfrm>
+                <a:prstGeom prst="rect">
+                  <a:avLst/>
+                </a:prstGeom>
+                <a:noFill/>
+              </p:spPr>
+              <p:txBody>
+                <a:bodyPr wrap="none" lIns="0" tIns="0" rIns="0" bIns="0" rtlCol="0">
+                  <a:spAutoFit/>
+                </a:bodyPr>
+                <a:lstStyle/>
+                <a:p>
+                  <a14:m>
+                    <m:oMathPara xmlns:m="http://schemas.openxmlformats.org/officeDocument/2006/math">
+                      <m:oMathParaPr>
+                        <m:jc m:val="centerGroup"/>
+                      </m:oMathParaPr>
+                      <m:oMath xmlns:m="http://schemas.openxmlformats.org/officeDocument/2006/math">
+                        <m:r>
+                          <a:rPr lang="en-US" sz="2000" b="0" i="1" smtClean="0">
+                            <a:latin typeface="Cambria Math" panose="02040503050406030204" pitchFamily="18" charset="0"/>
+                            <a:cs typeface="Arial" panose="020B0604020202020204" pitchFamily="34" charset="0"/>
+                          </a:rPr>
+                          <m:t>𝑝𝑎𝑡h</m:t>
+                        </m:r>
+                        <m:r>
+                          <a:rPr lang="en-US" sz="2000" b="0" i="1" smtClean="0">
+                            <a:latin typeface="Cambria Math" panose="02040503050406030204" pitchFamily="18" charset="0"/>
+                            <a:cs typeface="Arial" panose="020B0604020202020204" pitchFamily="34" charset="0"/>
+                          </a:rPr>
+                          <m:t> 1</m:t>
+                        </m:r>
+                      </m:oMath>
+                    </m:oMathPara>
+                  </a14:m>
+                  <a:endParaRPr lang="en-US" sz="2000" dirty="0" smtClean="0">
+                    <a:latin typeface="Arial" panose="020B0604020202020204" pitchFamily="34" charset="0"/>
+                    <a:cs typeface="Arial" panose="020B0604020202020204" pitchFamily="34" charset="0"/>
+                  </a:endParaRPr>
+                </a:p>
+              </p:txBody>
+            </p:sp>
+          </mc:Choice>
+          <mc:Fallback>
+            <p:sp>
+              <p:nvSpPr>
+                <p:cNvPr id="39" name="TextBox 38"/>
+                <p:cNvSpPr txBox="1">
+                  <a:spLocks noRot="1" noChangeAspect="1" noMove="1" noResize="1" noEditPoints="1" noAdjustHandles="1" noChangeArrowheads="1" noChangeShapeType="1" noTextEdit="1"/>
+                </p:cNvSpPr>
+                <p:nvPr/>
+              </p:nvSpPr>
+              <p:spPr>
+                <a:xfrm>
+                  <a:off x="2604158" y="2280424"/>
+                  <a:ext cx="802656" cy="307777"/>
+                </a:xfrm>
+                <a:prstGeom prst="rect">
+                  <a:avLst/>
+                </a:prstGeom>
+                <a:blipFill>
+                  <a:blip r:embed="rId2"/>
+                  <a:stretch>
+                    <a:fillRect l="-10687" r="-6107" b="-38000"/>
+                  </a:stretch>
+                </a:blipFill>
+              </p:spPr>
+              <p:txBody>
+                <a:bodyPr/>
+                <a:lstStyle/>
+                <a:p>
+                  <a:r>
+                    <a:rPr lang="en-US">
+                      <a:noFill/>
+                    </a:rPr>
+                    <a:t> </a:t>
+                  </a:r>
+                </a:p>
+              </p:txBody>
+            </p:sp>
+          </mc:Fallback>
+        </mc:AlternateContent>
+        <mc:AlternateContent xmlns:mc="http://schemas.openxmlformats.org/markup-compatibility/2006">
+          <mc:Choice xmlns:a14="http://schemas.microsoft.com/office/drawing/2010/main" Requires="a14">
+            <p:sp>
+              <p:nvSpPr>
+                <p:cNvPr id="40" name="TextBox 39"/>
+                <p:cNvSpPr txBox="1"/>
+                <p:nvPr/>
+              </p:nvSpPr>
+              <p:spPr>
+                <a:xfrm>
+                  <a:off x="1559776" y="610342"/>
+                  <a:ext cx="802656" cy="307777"/>
+                </a:xfrm>
+                <a:prstGeom prst="rect">
+                  <a:avLst/>
+                </a:prstGeom>
+                <a:noFill/>
+              </p:spPr>
+              <p:txBody>
+                <a:bodyPr wrap="none" lIns="0" tIns="0" rIns="0" bIns="0" rtlCol="0">
+                  <a:spAutoFit/>
+                </a:bodyPr>
+                <a:lstStyle/>
+                <a:p>
+                  <a14:m>
+                    <m:oMathPara xmlns:m="http://schemas.openxmlformats.org/officeDocument/2006/math">
+                      <m:oMathParaPr>
+                        <m:jc m:val="centerGroup"/>
+                      </m:oMathParaPr>
+                      <m:oMath xmlns:m="http://schemas.openxmlformats.org/officeDocument/2006/math">
+                        <m:r>
+                          <a:rPr lang="en-US" sz="2000" b="0" i="1" smtClean="0">
+                            <a:latin typeface="Cambria Math" panose="02040503050406030204" pitchFamily="18" charset="0"/>
+                            <a:cs typeface="Arial" panose="020B0604020202020204" pitchFamily="34" charset="0"/>
+                          </a:rPr>
+                          <m:t>𝑝𝑎𝑡h</m:t>
+                        </m:r>
+                        <m:r>
+                          <a:rPr lang="en-US" sz="2000" b="0" i="1" smtClean="0">
+                            <a:latin typeface="Cambria Math" panose="02040503050406030204" pitchFamily="18" charset="0"/>
+                            <a:cs typeface="Arial" panose="020B0604020202020204" pitchFamily="34" charset="0"/>
+                          </a:rPr>
+                          <m:t> 2</m:t>
+                        </m:r>
+                      </m:oMath>
+                    </m:oMathPara>
+                  </a14:m>
+                  <a:endParaRPr lang="en-US" sz="2000" dirty="0" smtClean="0">
+                    <a:latin typeface="Arial" panose="020B0604020202020204" pitchFamily="34" charset="0"/>
+                    <a:cs typeface="Arial" panose="020B0604020202020204" pitchFamily="34" charset="0"/>
+                  </a:endParaRPr>
+                </a:p>
+              </p:txBody>
+            </p:sp>
+          </mc:Choice>
+          <mc:Fallback>
+            <p:sp>
+              <p:nvSpPr>
+                <p:cNvPr id="40" name="TextBox 39"/>
+                <p:cNvSpPr txBox="1">
+                  <a:spLocks noRot="1" noChangeAspect="1" noMove="1" noResize="1" noEditPoints="1" noAdjustHandles="1" noChangeArrowheads="1" noChangeShapeType="1" noTextEdit="1"/>
+                </p:cNvSpPr>
+                <p:nvPr/>
+              </p:nvSpPr>
+              <p:spPr>
+                <a:xfrm>
+                  <a:off x="1559776" y="610342"/>
+                  <a:ext cx="802656" cy="307777"/>
+                </a:xfrm>
+                <a:prstGeom prst="rect">
+                  <a:avLst/>
+                </a:prstGeom>
+                <a:blipFill>
+                  <a:blip r:embed="rId3"/>
+                  <a:stretch>
+                    <a:fillRect l="-10687" r="-6107" b="-37255"/>
+                  </a:stretch>
+                </a:blipFill>
+              </p:spPr>
+              <p:txBody>
+                <a:bodyPr/>
+                <a:lstStyle/>
+                <a:p>
+                  <a:r>
+                    <a:rPr lang="en-US">
+                      <a:noFill/>
+                    </a:rPr>
+                    <a:t> </a:t>
+                  </a:r>
+                </a:p>
+              </p:txBody>
+            </p:sp>
+          </mc:Fallback>
+        </mc:AlternateContent>
+        <p:cxnSp>
+          <p:nvCxnSpPr>
+            <p:cNvPr id="42" name="Straight Arrow Connector 41"/>
+            <p:cNvCxnSpPr/>
+            <p:nvPr/>
+          </p:nvCxnSpPr>
+          <p:spPr>
+            <a:xfrm flipV="1">
+              <a:off x="1527716" y="3423425"/>
+              <a:ext cx="2152186" cy="11151"/>
+            </a:xfrm>
+            <a:prstGeom prst="straightConnector1">
+              <a:avLst/>
+            </a:prstGeom>
+            <a:ln w="38100">
+              <a:solidFill>
+                <a:schemeClr val="tx1"/>
+              </a:solidFill>
+              <a:headEnd type="triangle"/>
+              <a:tailEnd type="triangle"/>
+            </a:ln>
+          </p:spPr>
+          <p:style>
+            <a:lnRef idx="1">
+              <a:schemeClr val="accent1"/>
+            </a:lnRef>
+            <a:fillRef idx="0">
+              <a:schemeClr val="accent1"/>
+            </a:fillRef>
+            <a:effectRef idx="0">
+              <a:schemeClr val="accent1"/>
+            </a:effectRef>
+            <a:fontRef idx="minor">
+              <a:schemeClr val="tx1"/>
+            </a:fontRef>
+          </p:style>
+        </p:cxnSp>
+        <p:cxnSp>
+          <p:nvCxnSpPr>
+            <p:cNvPr id="43" name="Straight Arrow Connector 42"/>
+            <p:cNvCxnSpPr/>
+            <p:nvPr/>
+          </p:nvCxnSpPr>
+          <p:spPr>
+            <a:xfrm flipH="1">
+              <a:off x="4062760" y="1215482"/>
+              <a:ext cx="13010" cy="1918011"/>
+            </a:xfrm>
+            <a:prstGeom prst="straightConnector1">
+              <a:avLst/>
+            </a:prstGeom>
+            <a:ln w="38100">
+              <a:solidFill>
+                <a:schemeClr val="tx1"/>
+              </a:solidFill>
+              <a:headEnd type="triangle"/>
+              <a:tailEnd type="triangle"/>
+            </a:ln>
+          </p:spPr>
+          <p:style>
+            <a:lnRef idx="1">
+              <a:schemeClr val="accent1"/>
+            </a:lnRef>
+            <a:fillRef idx="0">
+              <a:schemeClr val="accent1"/>
+            </a:fillRef>
+            <a:effectRef idx="0">
+              <a:schemeClr val="accent1"/>
+            </a:effectRef>
+            <a:fontRef idx="minor">
+              <a:schemeClr val="tx1"/>
+            </a:fontRef>
+          </p:style>
+        </p:cxnSp>
+        <mc:AlternateContent xmlns:mc="http://schemas.openxmlformats.org/markup-compatibility/2006">
+          <mc:Choice xmlns:a14="http://schemas.microsoft.com/office/drawing/2010/main" Requires="a14">
+            <p:sp>
+              <p:nvSpPr>
+                <p:cNvPr id="46" name="TextBox 45"/>
+                <p:cNvSpPr txBox="1"/>
+                <p:nvPr/>
+              </p:nvSpPr>
+              <p:spPr>
+                <a:xfrm>
+                  <a:off x="4132501" y="2054053"/>
+                  <a:ext cx="263983" cy="307777"/>
+                </a:xfrm>
+                <a:prstGeom prst="rect">
+                  <a:avLst/>
+                </a:prstGeom>
+                <a:noFill/>
+              </p:spPr>
+              <p:txBody>
+                <a:bodyPr wrap="none" lIns="0" tIns="0" rIns="0" bIns="0" rtlCol="0">
+                  <a:spAutoFit/>
+                </a:bodyPr>
+                <a:lstStyle/>
+                <a:p>
+                  <a14:m>
+                    <m:oMathPara xmlns:m="http://schemas.openxmlformats.org/officeDocument/2006/math">
+                      <m:oMathParaPr>
+                        <m:jc m:val="centerGroup"/>
+                      </m:oMathParaPr>
+                      <m:oMath xmlns:m="http://schemas.openxmlformats.org/officeDocument/2006/math">
+                        <m:r>
+                          <a:rPr lang="en-US" sz="2000" b="0" i="1" smtClean="0">
+                            <a:latin typeface="Cambria Math" panose="02040503050406030204" pitchFamily="18" charset="0"/>
+                            <a:cs typeface="Arial" panose="020B0604020202020204" pitchFamily="34" charset="0"/>
+                          </a:rPr>
+                          <m:t>𝐻</m:t>
+                        </m:r>
+                      </m:oMath>
+                    </m:oMathPara>
+                  </a14:m>
+                  <a:endParaRPr lang="en-US" sz="2000" dirty="0" smtClean="0">
+                    <a:latin typeface="Arial" panose="020B0604020202020204" pitchFamily="34" charset="0"/>
+                    <a:cs typeface="Arial" panose="020B0604020202020204" pitchFamily="34" charset="0"/>
+                  </a:endParaRPr>
+                </a:p>
+              </p:txBody>
+            </p:sp>
+          </mc:Choice>
+          <mc:Fallback>
+            <p:sp>
+              <p:nvSpPr>
+                <p:cNvPr id="46" name="TextBox 45"/>
+                <p:cNvSpPr txBox="1">
+                  <a:spLocks noRot="1" noChangeAspect="1" noMove="1" noResize="1" noEditPoints="1" noAdjustHandles="1" noChangeArrowheads="1" noChangeShapeType="1" noTextEdit="1"/>
+                </p:cNvSpPr>
+                <p:nvPr/>
+              </p:nvSpPr>
+              <p:spPr>
+                <a:xfrm>
+                  <a:off x="4132501" y="2054053"/>
+                  <a:ext cx="263983" cy="307777"/>
+                </a:xfrm>
+                <a:prstGeom prst="rect">
+                  <a:avLst/>
+                </a:prstGeom>
+                <a:blipFill>
+                  <a:blip r:embed="rId4"/>
+                  <a:stretch>
+                    <a:fillRect l="-20930" r="-18605" b="-10000"/>
+                  </a:stretch>
+                </a:blipFill>
+              </p:spPr>
+              <p:txBody>
+                <a:bodyPr/>
+                <a:lstStyle/>
+                <a:p>
+                  <a:r>
+                    <a:rPr lang="en-US">
+                      <a:noFill/>
+                    </a:rPr>
+                    <a:t> </a:t>
+                  </a:r>
+                </a:p>
+              </p:txBody>
+            </p:sp>
+          </mc:Fallback>
+        </mc:AlternateContent>
+        <mc:AlternateContent xmlns:mc="http://schemas.openxmlformats.org/markup-compatibility/2006">
+          <mc:Choice xmlns:a14="http://schemas.microsoft.com/office/drawing/2010/main" Requires="a14">
+            <p:sp>
+              <p:nvSpPr>
+                <p:cNvPr id="47" name="TextBox 46"/>
+                <p:cNvSpPr txBox="1"/>
+                <p:nvPr/>
+              </p:nvSpPr>
+              <p:spPr>
+                <a:xfrm>
+                  <a:off x="2497786" y="3479919"/>
+                  <a:ext cx="212045" cy="307777"/>
+                </a:xfrm>
+                <a:prstGeom prst="rect">
+                  <a:avLst/>
+                </a:prstGeom>
+                <a:noFill/>
+              </p:spPr>
+              <p:txBody>
+                <a:bodyPr wrap="none" lIns="0" tIns="0" rIns="0" bIns="0" rtlCol="0">
+                  <a:spAutoFit/>
+                </a:bodyPr>
+                <a:lstStyle/>
+                <a:p>
+                  <a14:m>
+                    <m:oMathPara xmlns:m="http://schemas.openxmlformats.org/officeDocument/2006/math">
+                      <m:oMathParaPr>
+                        <m:jc m:val="centerGroup"/>
+                      </m:oMathParaPr>
+                      <m:oMath xmlns:m="http://schemas.openxmlformats.org/officeDocument/2006/math">
+                        <m:r>
+                          <a:rPr lang="en-US" sz="2000" b="0" i="1" smtClean="0">
+                            <a:latin typeface="Cambria Math" panose="02040503050406030204" pitchFamily="18" charset="0"/>
+                            <a:cs typeface="Arial" panose="020B0604020202020204" pitchFamily="34" charset="0"/>
+                          </a:rPr>
+                          <m:t>𝐿</m:t>
+                        </m:r>
+                      </m:oMath>
+                    </m:oMathPara>
+                  </a14:m>
+                  <a:endParaRPr lang="en-US" sz="2000" dirty="0" smtClean="0">
+                    <a:latin typeface="Arial" panose="020B0604020202020204" pitchFamily="34" charset="0"/>
+                    <a:cs typeface="Arial" panose="020B0604020202020204" pitchFamily="34" charset="0"/>
+                  </a:endParaRPr>
+                </a:p>
+              </p:txBody>
+            </p:sp>
+          </mc:Choice>
+          <mc:Fallback>
+            <p:sp>
+              <p:nvSpPr>
+                <p:cNvPr id="47" name="TextBox 46"/>
+                <p:cNvSpPr txBox="1">
+                  <a:spLocks noRot="1" noChangeAspect="1" noMove="1" noResize="1" noEditPoints="1" noAdjustHandles="1" noChangeArrowheads="1" noChangeShapeType="1" noTextEdit="1"/>
+                </p:cNvSpPr>
+                <p:nvPr/>
+              </p:nvSpPr>
+              <p:spPr>
+                <a:xfrm>
+                  <a:off x="2497786" y="3479919"/>
+                  <a:ext cx="212045" cy="307777"/>
+                </a:xfrm>
+                <a:prstGeom prst="rect">
+                  <a:avLst/>
+                </a:prstGeom>
+                <a:blipFill>
+                  <a:blip r:embed="rId5"/>
+                  <a:stretch>
+                    <a:fillRect l="-22857" r="-22857" b="-10000"/>
+                  </a:stretch>
+                </a:blipFill>
+              </p:spPr>
+              <p:txBody>
+                <a:bodyPr/>
+                <a:lstStyle/>
+                <a:p>
+                  <a:r>
+                    <a:rPr lang="en-US">
+                      <a:noFill/>
+                    </a:rPr>
+                    <a:t> </a:t>
+                  </a:r>
+                </a:p>
+              </p:txBody>
+            </p:sp>
+          </mc:Fallback>
+        </mc:AlternateContent>
+        <p:grpSp>
+          <p:nvGrpSpPr>
+            <p:cNvPr id="48" name="Group 47"/>
+            <p:cNvGrpSpPr/>
+            <p:nvPr/>
+          </p:nvGrpSpPr>
+          <p:grpSpPr>
+            <a:xfrm>
+              <a:off x="437498" y="2754350"/>
+              <a:ext cx="898789" cy="709995"/>
+              <a:chOff x="758520" y="708040"/>
+              <a:chExt cx="2596102" cy="2135605"/>
+            </a:xfrm>
+          </p:grpSpPr>
+          <p:grpSp>
+            <p:nvGrpSpPr>
+              <p:cNvPr id="49" name="Group 48"/>
+              <p:cNvGrpSpPr/>
+              <p:nvPr/>
+            </p:nvGrpSpPr>
+            <p:grpSpPr>
+              <a:xfrm>
+                <a:off x="758520" y="708040"/>
+                <a:ext cx="2596102" cy="2135605"/>
+                <a:chOff x="785815" y="680744"/>
+                <a:chExt cx="2596102" cy="2135605"/>
+              </a:xfrm>
+            </p:grpSpPr>
+            <p:cxnSp>
+              <p:nvCxnSpPr>
+                <p:cNvPr id="51" name="Straight Arrow Connector 50"/>
+                <p:cNvCxnSpPr/>
+                <p:nvPr/>
+              </p:nvCxnSpPr>
+              <p:spPr>
+                <a:xfrm flipV="1">
+                  <a:off x="1516583" y="680744"/>
+                  <a:ext cx="7683" cy="1859535"/>
+                </a:xfrm>
+                <a:prstGeom prst="straightConnector1">
+                  <a:avLst/>
+                </a:prstGeom>
+                <a:ln w="38100">
+                  <a:solidFill>
+                    <a:schemeClr val="tx1"/>
+                  </a:solidFill>
+                  <a:tailEnd type="triangle"/>
+                </a:ln>
+              </p:spPr>
+              <p:style>
+                <a:lnRef idx="1">
+                  <a:schemeClr val="accent1"/>
+                </a:lnRef>
+                <a:fillRef idx="0">
+                  <a:schemeClr val="accent1"/>
+                </a:fillRef>
+                <a:effectRef idx="0">
+                  <a:schemeClr val="accent1"/>
+                </a:effectRef>
+                <a:fontRef idx="minor">
+                  <a:schemeClr val="tx1"/>
+                </a:fontRef>
+              </p:style>
+            </p:cxnSp>
+            <p:cxnSp>
+              <p:nvCxnSpPr>
+                <p:cNvPr id="52" name="Straight Arrow Connector 51"/>
+                <p:cNvCxnSpPr/>
+                <p:nvPr/>
+              </p:nvCxnSpPr>
+              <p:spPr>
+                <a:xfrm flipV="1">
+                  <a:off x="1507013" y="2535259"/>
+                  <a:ext cx="1874904" cy="1"/>
+                </a:xfrm>
+                <a:prstGeom prst="straightConnector1">
+                  <a:avLst/>
+                </a:prstGeom>
+                <a:ln w="38100">
+                  <a:solidFill>
+                    <a:schemeClr val="tx1"/>
+                  </a:solidFill>
+                  <a:tailEnd type="triangle"/>
+                </a:ln>
+              </p:spPr>
+              <p:style>
+                <a:lnRef idx="1">
+                  <a:schemeClr val="accent1"/>
+                </a:lnRef>
+                <a:fillRef idx="0">
+                  <a:schemeClr val="accent1"/>
+                </a:fillRef>
+                <a:effectRef idx="0">
+                  <a:schemeClr val="accent1"/>
+                </a:effectRef>
+                <a:fontRef idx="minor">
+                  <a:schemeClr val="tx1"/>
+                </a:fontRef>
+              </p:style>
+            </p:cxnSp>
+            <mc:AlternateContent xmlns:mc="http://schemas.openxmlformats.org/markup-compatibility/2006" xmlns:a14="http://schemas.microsoft.com/office/drawing/2010/main">
+              <mc:Choice Requires="a14">
+                <p:sp>
+                  <p:nvSpPr>
+                    <p:cNvPr id="53" name="Rectangle 52"/>
+                    <p:cNvSpPr/>
+                    <p:nvPr/>
+                  </p:nvSpPr>
+                  <p:spPr>
+                    <a:xfrm>
+                      <a:off x="2697555" y="2447016"/>
+                      <a:ext cx="367985" cy="369333"/>
+                    </a:xfrm>
+                    <a:prstGeom prst="rect">
+                      <a:avLst/>
+                    </a:prstGeom>
+                  </p:spPr>
+                  <p:txBody>
+                    <a:bodyPr wrap="none">
+                      <a:spAutoFit/>
+                    </a:bodyPr>
+                    <a:lstStyle/>
+                    <a:p>
+                      <a:pPr/>
+                      <a14:m>
+                        <m:oMathPara xmlns:m="http://schemas.openxmlformats.org/officeDocument/2006/math">
+                          <m:oMathParaPr>
+                            <m:jc m:val="centerGroup"/>
+                          </m:oMathParaPr>
+                          <m:oMath xmlns:m="http://schemas.openxmlformats.org/officeDocument/2006/math">
+                            <m:r>
+                              <a:rPr lang="en-US" i="1">
+                                <a:latin typeface="Cambria Math" panose="02040503050406030204" pitchFamily="18" charset="0"/>
+                                <a:cs typeface="Arial" panose="020B0604020202020204" pitchFamily="34" charset="0"/>
+                              </a:rPr>
+                              <m:t>𝑥</m:t>
+                            </m:r>
+                          </m:oMath>
+                        </m:oMathPara>
+                      </a14:m>
+                      <a:endParaRPr lang="en-CA" dirty="0"/>
+                    </a:p>
+                  </p:txBody>
+                </p:sp>
+              </mc:Choice>
+              <mc:Fallback xmlns="">
+                <p:sp>
+                  <p:nvSpPr>
+                    <p:cNvPr id="107" name="Rectangle 106"/>
+                    <p:cNvSpPr>
+                      <a:spLocks noRot="1" noChangeAspect="1" noMove="1" noResize="1" noEditPoints="1" noAdjustHandles="1" noChangeArrowheads="1" noChangeShapeType="1" noTextEdit="1"/>
+                    </p:cNvSpPr>
+                    <p:nvPr/>
+                  </p:nvSpPr>
+                  <p:spPr>
+                    <a:xfrm>
+                      <a:off x="2697555" y="2447016"/>
+                      <a:ext cx="367985" cy="369333"/>
+                    </a:xfrm>
+                    <a:prstGeom prst="rect">
+                      <a:avLst/>
+                    </a:prstGeom>
+                    <a:blipFill>
+                      <a:blip r:embed="rId27"/>
+                      <a:stretch>
+                        <a:fillRect r="-95238" b="-160000"/>
+                      </a:stretch>
+                    </a:blipFill>
+                  </p:spPr>
+                  <p:txBody>
+                    <a:bodyPr/>
+                    <a:lstStyle/>
+                    <a:p>
+                      <a:r>
+                        <a:rPr lang="en-US">
+                          <a:noFill/>
+                        </a:rPr>
+                        <a:t> </a:t>
+                      </a:r>
+                    </a:p>
+                  </p:txBody>
+                </p:sp>
+              </mc:Fallback>
+            </mc:AlternateContent>
+            <mc:AlternateContent xmlns:mc="http://schemas.openxmlformats.org/markup-compatibility/2006" xmlns:a14="http://schemas.microsoft.com/office/drawing/2010/main">
+              <mc:Choice Requires="a14">
+                <p:sp>
+                  <p:nvSpPr>
+                    <p:cNvPr id="54" name="Rectangle 53"/>
+                    <p:cNvSpPr/>
+                    <p:nvPr/>
+                  </p:nvSpPr>
+                  <p:spPr>
+                    <a:xfrm>
+                      <a:off x="785815" y="912420"/>
+                      <a:ext cx="371385" cy="369333"/>
+                    </a:xfrm>
+                    <a:prstGeom prst="rect">
+                      <a:avLst/>
+                    </a:prstGeom>
+                  </p:spPr>
+                  <p:txBody>
+                    <a:bodyPr wrap="none">
+                      <a:spAutoFit/>
+                    </a:bodyPr>
+                    <a:lstStyle/>
+                    <a:p>
+                      <a:pPr/>
+                      <a14:m>
+                        <m:oMathPara xmlns:m="http://schemas.openxmlformats.org/officeDocument/2006/math">
+                          <m:oMathParaPr>
+                            <m:jc m:val="centerGroup"/>
+                          </m:oMathParaPr>
+                          <m:oMath xmlns:m="http://schemas.openxmlformats.org/officeDocument/2006/math">
+                            <m:r>
+                              <a:rPr lang="en-US" b="0" i="1" smtClean="0">
+                                <a:latin typeface="Cambria Math" panose="02040503050406030204" pitchFamily="18" charset="0"/>
+                              </a:rPr>
+                              <m:t>𝑦</m:t>
+                            </m:r>
+                          </m:oMath>
+                        </m:oMathPara>
+                      </a14:m>
+                      <a:endParaRPr lang="en-CA" dirty="0"/>
+                    </a:p>
+                  </p:txBody>
+                </p:sp>
+              </mc:Choice>
+              <mc:Fallback xmlns="">
+                <p:sp>
+                  <p:nvSpPr>
+                    <p:cNvPr id="108" name="Rectangle 107"/>
+                    <p:cNvSpPr>
+                      <a:spLocks noRot="1" noChangeAspect="1" noMove="1" noResize="1" noEditPoints="1" noAdjustHandles="1" noChangeArrowheads="1" noChangeShapeType="1" noTextEdit="1"/>
+                    </p:cNvSpPr>
+                    <p:nvPr/>
+                  </p:nvSpPr>
+                  <p:spPr>
+                    <a:xfrm>
+                      <a:off x="785815" y="912420"/>
+                      <a:ext cx="371385" cy="369333"/>
+                    </a:xfrm>
+                    <a:prstGeom prst="rect">
+                      <a:avLst/>
+                    </a:prstGeom>
+                    <a:blipFill>
+                      <a:blip r:embed="rId28"/>
+                      <a:stretch>
+                        <a:fillRect l="-19048" r="-114286" b="-220000"/>
+                      </a:stretch>
+                    </a:blipFill>
+                  </p:spPr>
+                  <p:txBody>
+                    <a:bodyPr/>
+                    <a:lstStyle/>
+                    <a:p>
+                      <a:r>
+                        <a:rPr lang="en-US">
+                          <a:noFill/>
+                        </a:rPr>
+                        <a:t> </a:t>
+                      </a:r>
+                    </a:p>
+                  </p:txBody>
+                </p:sp>
+              </mc:Fallback>
+            </mc:AlternateContent>
+            <mc:AlternateContent xmlns:mc="http://schemas.openxmlformats.org/markup-compatibility/2006" xmlns:a14="http://schemas.microsoft.com/office/drawing/2010/main">
+              <mc:Choice Requires="a14">
+                <p:sp>
+                  <p:nvSpPr>
+                    <p:cNvPr id="55" name="Rectangle 54"/>
+                    <p:cNvSpPr/>
+                    <p:nvPr/>
+                  </p:nvSpPr>
+                  <p:spPr>
+                    <a:xfrm>
+                      <a:off x="1006642" y="2350591"/>
+                      <a:ext cx="367985" cy="369333"/>
+                    </a:xfrm>
+                    <a:prstGeom prst="rect">
+                      <a:avLst/>
+                    </a:prstGeom>
+                  </p:spPr>
+                  <p:txBody>
+                    <a:bodyPr wrap="none">
+                      <a:spAutoFit/>
+                    </a:bodyPr>
+                    <a:lstStyle/>
+                    <a:p>
+                      <a:pPr/>
+                      <a14:m>
+                        <m:oMathPara xmlns:m="http://schemas.openxmlformats.org/officeDocument/2006/math">
+                          <m:oMathParaPr>
+                            <m:jc m:val="centerGroup"/>
+                          </m:oMathParaPr>
+                          <m:oMath xmlns:m="http://schemas.openxmlformats.org/officeDocument/2006/math">
+                            <m:r>
+                              <a:rPr lang="en-US" b="0" i="1" smtClean="0">
+                                <a:latin typeface="Cambria Math" panose="02040503050406030204" pitchFamily="18" charset="0"/>
+                                <a:cs typeface="Arial" panose="020B0604020202020204" pitchFamily="34" charset="0"/>
+                              </a:rPr>
+                              <m:t>0</m:t>
+                            </m:r>
+                          </m:oMath>
+                        </m:oMathPara>
+                      </a14:m>
+                      <a:endParaRPr lang="en-CA" dirty="0"/>
+                    </a:p>
+                  </p:txBody>
+                </p:sp>
+              </mc:Choice>
+              <mc:Fallback xmlns="">
+                <p:sp>
+                  <p:nvSpPr>
+                    <p:cNvPr id="109" name="Rectangle 108"/>
+                    <p:cNvSpPr>
+                      <a:spLocks noRot="1" noChangeAspect="1" noMove="1" noResize="1" noEditPoints="1" noAdjustHandles="1" noChangeArrowheads="1" noChangeShapeType="1" noTextEdit="1"/>
+                    </p:cNvSpPr>
+                    <p:nvPr/>
+                  </p:nvSpPr>
+                  <p:spPr>
+                    <a:xfrm>
+                      <a:off x="1006642" y="2350591"/>
+                      <a:ext cx="367985" cy="369333"/>
+                    </a:xfrm>
+                    <a:prstGeom prst="rect">
+                      <a:avLst/>
+                    </a:prstGeom>
+                    <a:blipFill>
+                      <a:blip r:embed="rId29"/>
+                      <a:stretch>
+                        <a:fillRect l="-14286" r="-114286" b="-180000"/>
+                      </a:stretch>
+                    </a:blipFill>
+                  </p:spPr>
+                  <p:txBody>
+                    <a:bodyPr/>
+                    <a:lstStyle/>
+                    <a:p>
+                      <a:r>
+                        <a:rPr lang="en-US">
+                          <a:noFill/>
+                        </a:rPr>
+                        <a:t> </a:t>
+                      </a:r>
+                    </a:p>
+                  </p:txBody>
+                </p:sp>
+              </mc:Fallback>
+            </mc:AlternateContent>
+          </p:grpSp>
+          <p:sp>
+            <p:nvSpPr>
+              <p:cNvPr id="50" name="Rectangle 49"/>
+              <p:cNvSpPr/>
+              <p:nvPr/>
+            </p:nvSpPr>
+            <p:spPr>
+              <a:xfrm>
+                <a:off x="1129904" y="1614682"/>
+                <a:ext cx="184731" cy="369332"/>
+              </a:xfrm>
+              <a:prstGeom prst="rect">
+                <a:avLst/>
+              </a:prstGeom>
+            </p:spPr>
+            <p:txBody>
+              <a:bodyPr wrap="none">
+                <a:spAutoFit/>
+              </a:bodyPr>
+              <a:lstStyle/>
+              <a:p>
+                <a:endParaRPr lang="en-CA" dirty="0"/>
+              </a:p>
+            </p:txBody>
+          </p:sp>
+        </p:grpSp>
+      </p:grpSp>
+      <p:grpSp>
+        <p:nvGrpSpPr>
+          <p:cNvPr id="98" name="Group 97"/>
+          <p:cNvGrpSpPr/>
+          <p:nvPr/>
+        </p:nvGrpSpPr>
+        <p:grpSpPr>
+          <a:xfrm>
+            <a:off x="603160" y="3935497"/>
+            <a:ext cx="3765225" cy="2488590"/>
+            <a:chOff x="603160" y="3935497"/>
+            <a:chExt cx="3765225" cy="2488590"/>
+          </a:xfrm>
+        </p:grpSpPr>
+        <p:grpSp>
+          <p:nvGrpSpPr>
+            <p:cNvPr id="65" name="Group 64"/>
+            <p:cNvGrpSpPr/>
+            <p:nvPr/>
+          </p:nvGrpSpPr>
+          <p:grpSpPr>
+            <a:xfrm>
+              <a:off x="603160" y="4277771"/>
+              <a:ext cx="2224718" cy="2146316"/>
+              <a:chOff x="1129904" y="708040"/>
+              <a:chExt cx="2224718" cy="2146316"/>
+            </a:xfrm>
+          </p:grpSpPr>
+          <p:grpSp>
+            <p:nvGrpSpPr>
+              <p:cNvPr id="66" name="Group 65"/>
+              <p:cNvGrpSpPr/>
+              <p:nvPr/>
+            </p:nvGrpSpPr>
+            <p:grpSpPr>
+              <a:xfrm>
+                <a:off x="1163211" y="708040"/>
+                <a:ext cx="2191411" cy="2146316"/>
+                <a:chOff x="1190506" y="680744"/>
+                <a:chExt cx="2191411" cy="2146316"/>
+              </a:xfrm>
+            </p:grpSpPr>
+            <p:cxnSp>
+              <p:nvCxnSpPr>
+                <p:cNvPr id="68" name="Straight Arrow Connector 67"/>
+                <p:cNvCxnSpPr/>
+                <p:nvPr/>
+              </p:nvCxnSpPr>
+              <p:spPr>
+                <a:xfrm flipV="1">
+                  <a:off x="1516583" y="680744"/>
+                  <a:ext cx="7684" cy="1859536"/>
+                </a:xfrm>
+                <a:prstGeom prst="straightConnector1">
+                  <a:avLst/>
+                </a:prstGeom>
+                <a:ln w="38100">
+                  <a:solidFill>
+                    <a:schemeClr val="tx1"/>
+                  </a:solidFill>
+                  <a:tailEnd type="triangle"/>
+                </a:ln>
+              </p:spPr>
+              <p:style>
+                <a:lnRef idx="1">
+                  <a:schemeClr val="accent1"/>
+                </a:lnRef>
+                <a:fillRef idx="0">
+                  <a:schemeClr val="accent1"/>
+                </a:fillRef>
+                <a:effectRef idx="0">
+                  <a:schemeClr val="accent1"/>
+                </a:effectRef>
+                <a:fontRef idx="minor">
+                  <a:schemeClr val="tx1"/>
+                </a:fontRef>
+              </p:style>
+            </p:cxnSp>
+            <p:cxnSp>
+              <p:nvCxnSpPr>
+                <p:cNvPr id="69" name="Straight Arrow Connector 68"/>
+                <p:cNvCxnSpPr/>
+                <p:nvPr/>
+              </p:nvCxnSpPr>
+              <p:spPr>
+                <a:xfrm flipV="1">
+                  <a:off x="1507013" y="2535259"/>
+                  <a:ext cx="1874904" cy="1"/>
+                </a:xfrm>
+                <a:prstGeom prst="straightConnector1">
+                  <a:avLst/>
+                </a:prstGeom>
+                <a:ln w="38100">
+                  <a:solidFill>
+                    <a:schemeClr val="tx1"/>
+                  </a:solidFill>
+                  <a:tailEnd type="triangle"/>
+                </a:ln>
+              </p:spPr>
+              <p:style>
+                <a:lnRef idx="1">
+                  <a:schemeClr val="accent1"/>
+                </a:lnRef>
+                <a:fillRef idx="0">
+                  <a:schemeClr val="accent1"/>
+                </a:fillRef>
+                <a:effectRef idx="0">
+                  <a:schemeClr val="accent1"/>
+                </a:effectRef>
+                <a:fontRef idx="minor">
+                  <a:schemeClr val="tx1"/>
+                </a:fontRef>
+              </p:style>
+            </p:cxnSp>
+            <mc:AlternateContent xmlns:mc="http://schemas.openxmlformats.org/markup-compatibility/2006" xmlns:a14="http://schemas.microsoft.com/office/drawing/2010/main">
+              <mc:Choice Requires="a14">
+                <p:sp>
+                  <p:nvSpPr>
+                    <p:cNvPr id="70" name="Rectangle 69"/>
+                    <p:cNvSpPr/>
+                    <p:nvPr/>
+                  </p:nvSpPr>
+                  <p:spPr>
+                    <a:xfrm>
+                      <a:off x="2897675" y="2457728"/>
+                      <a:ext cx="367985" cy="369332"/>
+                    </a:xfrm>
+                    <a:prstGeom prst="rect">
+                      <a:avLst/>
+                    </a:prstGeom>
+                  </p:spPr>
+                  <p:txBody>
+                    <a:bodyPr wrap="none">
+                      <a:spAutoFit/>
+                    </a:bodyPr>
+                    <a:lstStyle/>
+                    <a:p>
+                      <a:pPr/>
+                      <a14:m>
+                        <m:oMathPara xmlns:m="http://schemas.openxmlformats.org/officeDocument/2006/math">
+                          <m:oMathParaPr>
+                            <m:jc m:val="centerGroup"/>
+                          </m:oMathParaPr>
+                          <m:oMath xmlns:m="http://schemas.openxmlformats.org/officeDocument/2006/math">
+                            <m:r>
+                              <a:rPr lang="en-US" i="1">
+                                <a:latin typeface="Cambria Math" panose="02040503050406030204" pitchFamily="18" charset="0"/>
+                                <a:cs typeface="Arial" panose="020B0604020202020204" pitchFamily="34" charset="0"/>
+                              </a:rPr>
+                              <m:t>𝑥</m:t>
+                            </m:r>
+                          </m:oMath>
+                        </m:oMathPara>
+                      </a14:m>
+                      <a:endParaRPr lang="en-CA" dirty="0"/>
+                    </a:p>
+                  </p:txBody>
+                </p:sp>
+              </mc:Choice>
+              <mc:Fallback xmlns="">
+                <p:sp>
+                  <p:nvSpPr>
+                    <p:cNvPr id="12" name="Rectangle 11"/>
+                    <p:cNvSpPr>
+                      <a:spLocks noRot="1" noChangeAspect="1" noMove="1" noResize="1" noEditPoints="1" noAdjustHandles="1" noChangeArrowheads="1" noChangeShapeType="1" noTextEdit="1"/>
+                    </p:cNvSpPr>
+                    <p:nvPr/>
+                  </p:nvSpPr>
+                  <p:spPr>
+                    <a:xfrm>
+                      <a:off x="2897675" y="2457728"/>
+                      <a:ext cx="367985" cy="369332"/>
+                    </a:xfrm>
+                    <a:prstGeom prst="rect">
+                      <a:avLst/>
+                    </a:prstGeom>
+                    <a:blipFill rotWithShape="0">
+                      <a:blip r:embed="rId30"/>
+                      <a:stretch>
+                        <a:fillRect/>
+                      </a:stretch>
+                    </a:blipFill>
+                  </p:spPr>
+                  <p:txBody>
+                    <a:bodyPr/>
+                    <a:lstStyle/>
+                    <a:p>
+                      <a:r>
+                        <a:rPr lang="en-CA">
+                          <a:noFill/>
+                        </a:rPr>
+                        <a:t> </a:t>
+                      </a:r>
+                    </a:p>
+                  </p:txBody>
+                </p:sp>
+              </mc:Fallback>
+            </mc:AlternateContent>
+            <mc:AlternateContent xmlns:mc="http://schemas.openxmlformats.org/markup-compatibility/2006" xmlns:a14="http://schemas.microsoft.com/office/drawing/2010/main">
+              <mc:Choice Requires="a14">
+                <p:sp>
+                  <p:nvSpPr>
+                    <p:cNvPr id="71" name="Rectangle 70"/>
+                    <p:cNvSpPr/>
+                    <p:nvPr/>
+                  </p:nvSpPr>
+                  <p:spPr>
+                    <a:xfrm>
+                      <a:off x="1190506" y="790545"/>
+                      <a:ext cx="371384" cy="369332"/>
+                    </a:xfrm>
+                    <a:prstGeom prst="rect">
+                      <a:avLst/>
+                    </a:prstGeom>
+                  </p:spPr>
+                  <p:txBody>
+                    <a:bodyPr wrap="none">
+                      <a:spAutoFit/>
+                    </a:bodyPr>
+                    <a:lstStyle/>
+                    <a:p>
+                      <a:pPr/>
+                      <a14:m>
+                        <m:oMathPara xmlns:m="http://schemas.openxmlformats.org/officeDocument/2006/math">
+                          <m:oMathParaPr>
+                            <m:jc m:val="centerGroup"/>
+                          </m:oMathParaPr>
+                          <m:oMath xmlns:m="http://schemas.openxmlformats.org/officeDocument/2006/math">
+                            <m:r>
+                              <a:rPr lang="en-US" b="0" i="1" smtClean="0">
+                                <a:latin typeface="Cambria Math" panose="02040503050406030204" pitchFamily="18" charset="0"/>
+                              </a:rPr>
+                              <m:t>𝑦</m:t>
+                            </m:r>
+                          </m:oMath>
+                        </m:oMathPara>
+                      </a14:m>
+                      <a:endParaRPr lang="en-CA" dirty="0"/>
+                    </a:p>
+                  </p:txBody>
+                </p:sp>
+              </mc:Choice>
+              <mc:Fallback xmlns="">
+                <p:sp>
+                  <p:nvSpPr>
+                    <p:cNvPr id="13" name="Rectangle 12"/>
+                    <p:cNvSpPr>
+                      <a:spLocks noRot="1" noChangeAspect="1" noMove="1" noResize="1" noEditPoints="1" noAdjustHandles="1" noChangeArrowheads="1" noChangeShapeType="1" noTextEdit="1"/>
+                    </p:cNvSpPr>
+                    <p:nvPr/>
+                  </p:nvSpPr>
+                  <p:spPr>
+                    <a:xfrm>
+                      <a:off x="1190506" y="790545"/>
+                      <a:ext cx="371384" cy="369332"/>
+                    </a:xfrm>
+                    <a:prstGeom prst="rect">
+                      <a:avLst/>
+                    </a:prstGeom>
+                    <a:blipFill rotWithShape="0">
+                      <a:blip r:embed="rId31"/>
+                      <a:stretch>
+                        <a:fillRect b="-6557"/>
+                      </a:stretch>
+                    </a:blipFill>
+                  </p:spPr>
+                  <p:txBody>
+                    <a:bodyPr/>
+                    <a:lstStyle/>
+                    <a:p>
+                      <a:r>
+                        <a:rPr lang="en-CA">
+                          <a:noFill/>
+                        </a:rPr>
+                        <a:t> </a:t>
+                      </a:r>
+                    </a:p>
+                  </p:txBody>
+                </p:sp>
+              </mc:Fallback>
+            </mc:AlternateContent>
+            <mc:AlternateContent xmlns:mc="http://schemas.openxmlformats.org/markup-compatibility/2006" xmlns:a14="http://schemas.microsoft.com/office/drawing/2010/main">
+              <mc:Choice Requires="a14">
+                <p:sp>
+                  <p:nvSpPr>
+                    <p:cNvPr id="72" name="Rectangle 71"/>
+                    <p:cNvSpPr/>
+                    <p:nvPr/>
+                  </p:nvSpPr>
+                  <p:spPr>
+                    <a:xfrm>
+                      <a:off x="1205483" y="2447020"/>
+                      <a:ext cx="367985" cy="369332"/>
+                    </a:xfrm>
+                    <a:prstGeom prst="rect">
+                      <a:avLst/>
+                    </a:prstGeom>
+                  </p:spPr>
+                  <p:txBody>
+                    <a:bodyPr wrap="none">
+                      <a:spAutoFit/>
+                    </a:bodyPr>
+                    <a:lstStyle/>
+                    <a:p>
+                      <a:pPr/>
+                      <a14:m>
+                        <m:oMathPara xmlns:m="http://schemas.openxmlformats.org/officeDocument/2006/math">
+                          <m:oMathParaPr>
+                            <m:jc m:val="centerGroup"/>
+                          </m:oMathParaPr>
+                          <m:oMath xmlns:m="http://schemas.openxmlformats.org/officeDocument/2006/math">
+                            <m:r>
+                              <a:rPr lang="en-US" b="0" i="1" smtClean="0">
+                                <a:latin typeface="Cambria Math" panose="02040503050406030204" pitchFamily="18" charset="0"/>
+                                <a:cs typeface="Arial" panose="020B0604020202020204" pitchFamily="34" charset="0"/>
+                              </a:rPr>
+                              <m:t>0</m:t>
+                            </m:r>
+                          </m:oMath>
+                        </m:oMathPara>
+                      </a14:m>
+                      <a:endParaRPr lang="en-CA" dirty="0"/>
+                    </a:p>
+                  </p:txBody>
+                </p:sp>
+              </mc:Choice>
+              <mc:Fallback xmlns="">
+                <p:sp>
+                  <p:nvSpPr>
+                    <p:cNvPr id="14" name="Rectangle 13"/>
+                    <p:cNvSpPr>
+                      <a:spLocks noRot="1" noChangeAspect="1" noMove="1" noResize="1" noEditPoints="1" noAdjustHandles="1" noChangeArrowheads="1" noChangeShapeType="1" noTextEdit="1"/>
+                    </p:cNvSpPr>
+                    <p:nvPr/>
+                  </p:nvSpPr>
+                  <p:spPr>
+                    <a:xfrm>
+                      <a:off x="1205483" y="2447020"/>
+                      <a:ext cx="367985" cy="369332"/>
+                    </a:xfrm>
+                    <a:prstGeom prst="rect">
+                      <a:avLst/>
+                    </a:prstGeom>
+                    <a:blipFill rotWithShape="0">
+                      <a:blip r:embed="rId32"/>
+                      <a:stretch>
+                        <a:fillRect/>
+                      </a:stretch>
+                    </a:blipFill>
+                  </p:spPr>
+                  <p:txBody>
+                    <a:bodyPr/>
+                    <a:lstStyle/>
+                    <a:p>
+                      <a:r>
+                        <a:rPr lang="en-CA">
+                          <a:noFill/>
+                        </a:rPr>
+                        <a:t> </a:t>
+                      </a:r>
+                    </a:p>
+                  </p:txBody>
+                </p:sp>
+              </mc:Fallback>
+            </mc:AlternateContent>
+          </p:grpSp>
+          <p:sp>
+            <p:nvSpPr>
+              <p:cNvPr id="67" name="Rectangle 66"/>
+              <p:cNvSpPr/>
+              <p:nvPr/>
+            </p:nvSpPr>
+            <p:spPr>
+              <a:xfrm>
+                <a:off x="1129904" y="1614682"/>
+                <a:ext cx="184731" cy="369332"/>
+              </a:xfrm>
+              <a:prstGeom prst="rect">
+                <a:avLst/>
+              </a:prstGeom>
+            </p:spPr>
+            <p:txBody>
+              <a:bodyPr wrap="none">
+                <a:spAutoFit/>
+              </a:bodyPr>
+              <a:lstStyle/>
+              <a:p>
+                <a:endParaRPr lang="en-CA" dirty="0"/>
+              </a:p>
+            </p:txBody>
+          </p:sp>
+        </p:grpSp>
+        <p:sp>
+          <p:nvSpPr>
+            <p:cNvPr id="73" name="Oval 72"/>
+            <p:cNvSpPr/>
+            <p:nvPr/>
+          </p:nvSpPr>
+          <p:spPr>
+            <a:xfrm>
+              <a:off x="1224682" y="5655603"/>
+              <a:ext cx="120943" cy="119766"/>
+            </a:xfrm>
+            <a:prstGeom prst="ellipse">
+              <a:avLst/>
+            </a:prstGeom>
+            <a:solidFill>
+              <a:schemeClr val="tx1"/>
+            </a:solidFill>
+            <a:ln w="38100">
+              <a:solidFill>
+                <a:schemeClr val="tx1"/>
+              </a:solidFill>
+            </a:ln>
+          </p:spPr>
+          <p:style>
+            <a:lnRef idx="2">
+              <a:schemeClr val="accent1">
+                <a:shade val="50000"/>
+              </a:schemeClr>
+            </a:lnRef>
+            <a:fillRef idx="1">
+              <a:schemeClr val="accent1"/>
+            </a:fillRef>
+            <a:effectRef idx="0">
+              <a:schemeClr val="accent1"/>
+            </a:effectRef>
+            <a:fontRef idx="minor">
+              <a:schemeClr val="lt1"/>
+            </a:fontRef>
+          </p:style>
+          <p:txBody>
+            <a:bodyPr rtlCol="0" anchor="ctr"/>
+            <a:lstStyle/>
+            <a:p>
+              <a:pPr algn="ctr"/>
+              <a:endParaRPr lang="en-US"/>
+            </a:p>
+          </p:txBody>
+        </p:sp>
+        <p:sp>
+          <p:nvSpPr>
+            <p:cNvPr id="74" name="Oval 73"/>
+            <p:cNvSpPr/>
+            <p:nvPr/>
+          </p:nvSpPr>
+          <p:spPr>
+            <a:xfrm>
+              <a:off x="3105847" y="4278957"/>
+              <a:ext cx="120943" cy="119766"/>
+            </a:xfrm>
+            <a:prstGeom prst="ellipse">
+              <a:avLst/>
+            </a:prstGeom>
+            <a:solidFill>
+              <a:schemeClr val="tx1"/>
+            </a:solidFill>
+            <a:ln w="38100">
+              <a:solidFill>
+                <a:schemeClr val="tx1"/>
+              </a:solidFill>
+            </a:ln>
+          </p:spPr>
+          <p:style>
+            <a:lnRef idx="2">
+              <a:schemeClr val="accent1">
+                <a:shade val="50000"/>
+              </a:schemeClr>
+            </a:lnRef>
+            <a:fillRef idx="1">
+              <a:schemeClr val="accent1"/>
+            </a:fillRef>
+            <a:effectRef idx="0">
+              <a:schemeClr val="accent1"/>
+            </a:effectRef>
+            <a:fontRef idx="minor">
+              <a:schemeClr val="lt1"/>
+            </a:fontRef>
+          </p:style>
+          <p:txBody>
+            <a:bodyPr rtlCol="0" anchor="ctr"/>
+            <a:lstStyle/>
+            <a:p>
+              <a:pPr algn="ctr"/>
+              <a:endParaRPr lang="en-US"/>
+            </a:p>
+          </p:txBody>
+        </p:sp>
+        <p:sp>
+          <p:nvSpPr>
+            <p:cNvPr id="77" name="Freeform 76"/>
+            <p:cNvSpPr/>
+            <p:nvPr/>
+          </p:nvSpPr>
+          <p:spPr>
+            <a:xfrm>
+              <a:off x="1304693" y="4337824"/>
+              <a:ext cx="1828800" cy="1304693"/>
+            </a:xfrm>
+            <a:custGeom>
+              <a:avLst/>
+              <a:gdLst>
+                <a:gd name="connsiteX0" fmla="*/ 0 w 1828800"/>
+                <a:gd name="connsiteY0" fmla="*/ 1304693 h 1304693"/>
+                <a:gd name="connsiteX1" fmla="*/ 457200 w 1828800"/>
+                <a:gd name="connsiteY1" fmla="*/ 468352 h 1304693"/>
+                <a:gd name="connsiteX2" fmla="*/ 1828800 w 1828800"/>
+                <a:gd name="connsiteY2" fmla="*/ 0 h 1304693"/>
+              </a:gdLst>
+              <a:ahLst/>
+              <a:cxnLst>
+                <a:cxn ang="0">
+                  <a:pos x="connsiteX0" y="connsiteY0"/>
+                </a:cxn>
+                <a:cxn ang="0">
+                  <a:pos x="connsiteX1" y="connsiteY1"/>
+                </a:cxn>
+                <a:cxn ang="0">
+                  <a:pos x="connsiteX2" y="connsiteY2"/>
+                </a:cxn>
+              </a:cxnLst>
+              <a:rect l="l" t="t" r="r" b="b"/>
+              <a:pathLst>
+                <a:path w="1828800" h="1304693">
+                  <a:moveTo>
+                    <a:pt x="0" y="1304693"/>
+                  </a:moveTo>
+                  <a:cubicBezTo>
+                    <a:pt x="76200" y="995247"/>
+                    <a:pt x="152400" y="685801"/>
+                    <a:pt x="457200" y="468352"/>
+                  </a:cubicBezTo>
+                  <a:cubicBezTo>
+                    <a:pt x="762000" y="250903"/>
+                    <a:pt x="1243361" y="31595"/>
+                    <a:pt x="1828800" y="0"/>
+                  </a:cubicBezTo>
+                </a:path>
+              </a:pathLst>
+            </a:custGeom>
+            <a:noFill/>
+            <a:ln w="38100">
+              <a:solidFill>
+                <a:schemeClr val="tx1"/>
+              </a:solidFill>
+            </a:ln>
+          </p:spPr>
+          <p:style>
+            <a:lnRef idx="2">
+              <a:schemeClr val="accent1">
+                <a:shade val="50000"/>
+              </a:schemeClr>
+            </a:lnRef>
+            <a:fillRef idx="1">
+              <a:schemeClr val="accent1"/>
+            </a:fillRef>
+            <a:effectRef idx="0">
+              <a:schemeClr val="accent1"/>
+            </a:effectRef>
+            <a:fontRef idx="minor">
+              <a:schemeClr val="lt1"/>
+            </a:fontRef>
+          </p:style>
+          <p:txBody>
+            <a:bodyPr rtlCol="0" anchor="ctr"/>
+            <a:lstStyle/>
+            <a:p>
+              <a:pPr algn="ctr"/>
+              <a:endParaRPr lang="en-US"/>
+            </a:p>
+          </p:txBody>
+        </p:sp>
+        <mc:AlternateContent xmlns:mc="http://schemas.openxmlformats.org/markup-compatibility/2006">
+          <mc:Choice xmlns:a14="http://schemas.microsoft.com/office/drawing/2010/main" Requires="a14">
+            <p:sp>
+              <p:nvSpPr>
+                <p:cNvPr id="79" name="TextBox 78"/>
+                <p:cNvSpPr txBox="1"/>
+                <p:nvPr/>
+              </p:nvSpPr>
+              <p:spPr>
+                <a:xfrm>
+                  <a:off x="1345506" y="5762027"/>
+                  <a:ext cx="1058688" cy="307777"/>
+                </a:xfrm>
+                <a:prstGeom prst="rect">
+                  <a:avLst/>
+                </a:prstGeom>
+                <a:noFill/>
+              </p:spPr>
+              <p:txBody>
+                <a:bodyPr wrap="none" lIns="0" tIns="0" rIns="0" bIns="0" rtlCol="0">
+                  <a:spAutoFit/>
+                </a:bodyPr>
+                <a:lstStyle/>
+                <a:p>
+                  <a:pPr/>
+                  <a14:m>
+                    <m:oMathPara xmlns:m="http://schemas.openxmlformats.org/officeDocument/2006/math">
+                      <m:oMathParaPr>
+                        <m:jc m:val="centerGroup"/>
+                      </m:oMathParaPr>
+                      <m:oMath xmlns:m="http://schemas.openxmlformats.org/officeDocument/2006/math">
+                        <m:r>
+                          <a:rPr lang="en-US" sz="2000" b="0" i="1" smtClean="0">
+                            <a:latin typeface="Cambria Math" panose="02040503050406030204" pitchFamily="18" charset="0"/>
+                            <a:cs typeface="Arial" panose="020B0604020202020204" pitchFamily="34" charset="0"/>
+                          </a:rPr>
+                          <m:t>𝐴</m:t>
+                        </m:r>
+                        <m:r>
+                          <a:rPr lang="en-US" sz="2000" b="0" i="1" smtClean="0">
+                            <a:latin typeface="Cambria Math" panose="02040503050406030204" pitchFamily="18" charset="0"/>
+                            <a:cs typeface="Arial" panose="020B0604020202020204" pitchFamily="34" charset="0"/>
+                          </a:rPr>
+                          <m:t>(</m:t>
+                        </m:r>
+                        <m:sSub>
+                          <m:sSubPr>
+                            <m:ctrlPr>
+                              <a:rPr lang="en-US" sz="2000" b="0" i="1" smtClean="0">
+                                <a:latin typeface="Cambria Math" panose="02040503050406030204" pitchFamily="18" charset="0"/>
+                                <a:cs typeface="Arial" panose="020B0604020202020204" pitchFamily="34" charset="0"/>
+                              </a:rPr>
+                            </m:ctrlPr>
+                          </m:sSubPr>
+                          <m:e>
+                            <m:r>
+                              <a:rPr lang="en-US" sz="2000" b="0" i="1" smtClean="0">
+                                <a:latin typeface="Cambria Math" panose="02040503050406030204" pitchFamily="18" charset="0"/>
+                                <a:cs typeface="Arial" panose="020B0604020202020204" pitchFamily="34" charset="0"/>
+                              </a:rPr>
+                              <m:t>𝑥</m:t>
+                            </m:r>
+                          </m:e>
+                          <m:sub>
+                            <m:r>
+                              <a:rPr lang="en-US" sz="2000" b="0" i="1" smtClean="0">
+                                <a:latin typeface="Cambria Math" panose="02040503050406030204" pitchFamily="18" charset="0"/>
+                                <a:cs typeface="Arial" panose="020B0604020202020204" pitchFamily="34" charset="0"/>
+                              </a:rPr>
+                              <m:t>𝐴</m:t>
+                            </m:r>
+                          </m:sub>
+                        </m:sSub>
+                        <m:r>
+                          <a:rPr lang="en-US" sz="2000" b="0" i="1" smtClean="0">
+                            <a:latin typeface="Cambria Math" panose="02040503050406030204" pitchFamily="18" charset="0"/>
+                            <a:cs typeface="Arial" panose="020B0604020202020204" pitchFamily="34" charset="0"/>
+                          </a:rPr>
+                          <m:t>, </m:t>
+                        </m:r>
+                        <m:sSub>
+                          <m:sSubPr>
+                            <m:ctrlPr>
+                              <a:rPr lang="en-US" sz="2000" b="0" i="1" smtClean="0">
+                                <a:latin typeface="Cambria Math" panose="02040503050406030204" pitchFamily="18" charset="0"/>
+                                <a:cs typeface="Arial" panose="020B0604020202020204" pitchFamily="34" charset="0"/>
+                              </a:rPr>
+                            </m:ctrlPr>
+                          </m:sSubPr>
+                          <m:e>
+                            <m:r>
+                              <a:rPr lang="en-US" sz="2000" b="0" i="1" smtClean="0">
+                                <a:latin typeface="Cambria Math" panose="02040503050406030204" pitchFamily="18" charset="0"/>
+                                <a:cs typeface="Arial" panose="020B0604020202020204" pitchFamily="34" charset="0"/>
+                              </a:rPr>
+                              <m:t>𝑦</m:t>
+                            </m:r>
+                          </m:e>
+                          <m:sub>
+                            <m:r>
+                              <a:rPr lang="en-US" sz="2000" b="0" i="1" smtClean="0">
+                                <a:latin typeface="Cambria Math" panose="02040503050406030204" pitchFamily="18" charset="0"/>
+                                <a:cs typeface="Arial" panose="020B0604020202020204" pitchFamily="34" charset="0"/>
+                              </a:rPr>
+                              <m:t>𝐴</m:t>
+                            </m:r>
+                          </m:sub>
+                        </m:sSub>
+                        <m:r>
+                          <a:rPr lang="en-US" sz="2000" b="0" i="1" smtClean="0">
+                            <a:latin typeface="Cambria Math" panose="02040503050406030204" pitchFamily="18" charset="0"/>
+                            <a:cs typeface="Arial" panose="020B0604020202020204" pitchFamily="34" charset="0"/>
+                          </a:rPr>
+                          <m:t>)</m:t>
+                        </m:r>
+                      </m:oMath>
+                    </m:oMathPara>
+                  </a14:m>
+                  <a:endParaRPr lang="en-US" sz="2000" dirty="0" smtClean="0">
+                    <a:latin typeface="Arial" panose="020B0604020202020204" pitchFamily="34" charset="0"/>
+                    <a:cs typeface="Arial" panose="020B0604020202020204" pitchFamily="34" charset="0"/>
+                  </a:endParaRPr>
+                </a:p>
+              </p:txBody>
+            </p:sp>
+          </mc:Choice>
+          <mc:Fallback>
+            <p:sp>
+              <p:nvSpPr>
+                <p:cNvPr id="79" name="TextBox 78"/>
+                <p:cNvSpPr txBox="1">
+                  <a:spLocks noRot="1" noChangeAspect="1" noMove="1" noResize="1" noEditPoints="1" noAdjustHandles="1" noChangeArrowheads="1" noChangeShapeType="1" noTextEdit="1"/>
+                </p:cNvSpPr>
+                <p:nvPr/>
+              </p:nvSpPr>
+              <p:spPr>
+                <a:xfrm>
+                  <a:off x="1345506" y="5762027"/>
+                  <a:ext cx="1058688" cy="307777"/>
+                </a:xfrm>
+                <a:prstGeom prst="rect">
+                  <a:avLst/>
+                </a:prstGeom>
+                <a:blipFill>
+                  <a:blip r:embed="rId33"/>
+                  <a:stretch>
+                    <a:fillRect l="-5202" r="-8671" b="-37255"/>
+                  </a:stretch>
+                </a:blipFill>
+              </p:spPr>
+              <p:txBody>
+                <a:bodyPr/>
+                <a:lstStyle/>
+                <a:p>
+                  <a:r>
+                    <a:rPr lang="en-US">
+                      <a:noFill/>
+                    </a:rPr>
+                    <a:t> </a:t>
+                  </a:r>
+                </a:p>
+              </p:txBody>
+            </p:sp>
+          </mc:Fallback>
+        </mc:AlternateContent>
+        <mc:AlternateContent xmlns:mc="http://schemas.openxmlformats.org/markup-compatibility/2006">
+          <mc:Choice xmlns:a14="http://schemas.microsoft.com/office/drawing/2010/main" Requires="a14">
+            <p:sp>
+              <p:nvSpPr>
+                <p:cNvPr id="80" name="TextBox 79"/>
+                <p:cNvSpPr txBox="1"/>
+                <p:nvPr/>
+              </p:nvSpPr>
+              <p:spPr>
+                <a:xfrm>
+                  <a:off x="3226790" y="3935497"/>
+                  <a:ext cx="1141595" cy="307777"/>
+                </a:xfrm>
+                <a:prstGeom prst="rect">
+                  <a:avLst/>
+                </a:prstGeom>
+                <a:noFill/>
+              </p:spPr>
+              <p:txBody>
+                <a:bodyPr wrap="none" lIns="0" tIns="0" rIns="0" bIns="0" rtlCol="0">
+                  <a:spAutoFit/>
+                </a:bodyPr>
+                <a:lstStyle/>
+                <a:p>
+                  <a:pPr/>
+                  <a14:m>
+                    <m:oMathPara xmlns:m="http://schemas.openxmlformats.org/officeDocument/2006/math">
+                      <m:oMathParaPr>
+                        <m:jc m:val="centerGroup"/>
+                      </m:oMathParaPr>
+                      <m:oMath xmlns:m="http://schemas.openxmlformats.org/officeDocument/2006/math">
+                        <m:r>
+                          <a:rPr lang="en-US" sz="2000" b="0" i="1" smtClean="0">
+                            <a:latin typeface="Cambria Math" panose="02040503050406030204" pitchFamily="18" charset="0"/>
+                            <a:cs typeface="Arial" panose="020B0604020202020204" pitchFamily="34" charset="0"/>
+                          </a:rPr>
+                          <m:t>𝐵</m:t>
+                        </m:r>
+                        <m:r>
+                          <a:rPr lang="en-US" sz="2000" b="0" i="1" smtClean="0">
+                            <a:latin typeface="Cambria Math" panose="02040503050406030204" pitchFamily="18" charset="0"/>
+                            <a:cs typeface="Arial" panose="020B0604020202020204" pitchFamily="34" charset="0"/>
+                          </a:rPr>
+                          <m:t>(</m:t>
+                        </m:r>
+                        <m:sSub>
+                          <m:sSubPr>
+                            <m:ctrlPr>
+                              <a:rPr lang="en-US" sz="2000" b="0" i="1" smtClean="0">
+                                <a:latin typeface="Cambria Math" panose="02040503050406030204" pitchFamily="18" charset="0"/>
+                                <a:cs typeface="Arial" panose="020B0604020202020204" pitchFamily="34" charset="0"/>
+                              </a:rPr>
+                            </m:ctrlPr>
+                          </m:sSubPr>
+                          <m:e>
+                            <m:r>
+                              <a:rPr lang="en-US" sz="2000" b="0" i="1" smtClean="0">
+                                <a:latin typeface="Cambria Math" panose="02040503050406030204" pitchFamily="18" charset="0"/>
+                                <a:cs typeface="Arial" panose="020B0604020202020204" pitchFamily="34" charset="0"/>
+                              </a:rPr>
+                              <m:t>𝑥</m:t>
+                            </m:r>
+                          </m:e>
+                          <m:sub>
+                            <m:r>
+                              <a:rPr lang="en-US" sz="2000" b="0" i="1" smtClean="0">
+                                <a:latin typeface="Cambria Math" panose="02040503050406030204" pitchFamily="18" charset="0"/>
+                                <a:cs typeface="Arial" panose="020B0604020202020204" pitchFamily="34" charset="0"/>
+                              </a:rPr>
+                              <m:t>𝐵</m:t>
+                            </m:r>
+                          </m:sub>
+                        </m:sSub>
+                        <m:r>
+                          <a:rPr lang="en-US" sz="2000" b="0" i="1" smtClean="0">
+                            <a:latin typeface="Cambria Math" panose="02040503050406030204" pitchFamily="18" charset="0"/>
+                            <a:cs typeface="Arial" panose="020B0604020202020204" pitchFamily="34" charset="0"/>
+                          </a:rPr>
+                          <m:t>,</m:t>
+                        </m:r>
+                        <m:sSub>
+                          <m:sSubPr>
+                            <m:ctrlPr>
+                              <a:rPr lang="en-US" sz="2000" b="0" i="1" smtClean="0">
+                                <a:latin typeface="Cambria Math" panose="02040503050406030204" pitchFamily="18" charset="0"/>
+                                <a:cs typeface="Arial" panose="020B0604020202020204" pitchFamily="34" charset="0"/>
+                              </a:rPr>
+                            </m:ctrlPr>
+                          </m:sSubPr>
+                          <m:e>
+                            <m:r>
+                              <a:rPr lang="en-US" sz="2000" b="0" i="1" smtClean="0">
+                                <a:latin typeface="Cambria Math" panose="02040503050406030204" pitchFamily="18" charset="0"/>
+                                <a:cs typeface="Arial" panose="020B0604020202020204" pitchFamily="34" charset="0"/>
+                              </a:rPr>
+                              <m:t>𝑦</m:t>
+                            </m:r>
+                          </m:e>
+                          <m:sub>
+                            <m:r>
+                              <a:rPr lang="en-US" sz="2000" b="0" i="1" smtClean="0">
+                                <a:latin typeface="Cambria Math" panose="02040503050406030204" pitchFamily="18" charset="0"/>
+                                <a:cs typeface="Arial" panose="020B0604020202020204" pitchFamily="34" charset="0"/>
+                              </a:rPr>
+                              <m:t>𝐵</m:t>
+                            </m:r>
+                          </m:sub>
+                        </m:sSub>
+                        <m:r>
+                          <a:rPr lang="en-US" sz="2000" b="0" i="1" smtClean="0">
+                            <a:latin typeface="Cambria Math" panose="02040503050406030204" pitchFamily="18" charset="0"/>
+                            <a:cs typeface="Arial" panose="020B0604020202020204" pitchFamily="34" charset="0"/>
+                          </a:rPr>
+                          <m:t>)</m:t>
+                        </m:r>
+                      </m:oMath>
+                    </m:oMathPara>
+                  </a14:m>
+                  <a:endParaRPr lang="en-US" sz="2000" dirty="0" smtClean="0">
+                    <a:latin typeface="Arial" panose="020B0604020202020204" pitchFamily="34" charset="0"/>
+                    <a:cs typeface="Arial" panose="020B0604020202020204" pitchFamily="34" charset="0"/>
+                  </a:endParaRPr>
+                </a:p>
+              </p:txBody>
+            </p:sp>
+          </mc:Choice>
+          <mc:Fallback>
+            <p:sp>
+              <p:nvSpPr>
+                <p:cNvPr id="80" name="TextBox 79"/>
+                <p:cNvSpPr txBox="1">
+                  <a:spLocks noRot="1" noChangeAspect="1" noMove="1" noResize="1" noEditPoints="1" noAdjustHandles="1" noChangeArrowheads="1" noChangeShapeType="1" noTextEdit="1"/>
+                </p:cNvSpPr>
+                <p:nvPr/>
+              </p:nvSpPr>
+              <p:spPr>
+                <a:xfrm>
+                  <a:off x="3226790" y="3935497"/>
+                  <a:ext cx="1141595" cy="307777"/>
+                </a:xfrm>
+                <a:prstGeom prst="rect">
+                  <a:avLst/>
+                </a:prstGeom>
+                <a:blipFill>
+                  <a:blip r:embed="rId34"/>
+                  <a:stretch>
+                    <a:fillRect l="-2660" r="-5851" b="-40000"/>
+                  </a:stretch>
+                </a:blipFill>
+              </p:spPr>
+              <p:txBody>
+                <a:bodyPr/>
+                <a:lstStyle/>
+                <a:p>
+                  <a:r>
+                    <a:rPr lang="en-US">
+                      <a:noFill/>
+                    </a:rPr>
+                    <a:t> </a:t>
+                  </a:r>
+                </a:p>
+              </p:txBody>
+            </p:sp>
+          </mc:Fallback>
+        </mc:AlternateContent>
+        <p:cxnSp>
+          <p:nvCxnSpPr>
+            <p:cNvPr id="82" name="Straight Arrow Connector 81"/>
+            <p:cNvCxnSpPr/>
+            <p:nvPr/>
+          </p:nvCxnSpPr>
+          <p:spPr>
+            <a:xfrm>
+              <a:off x="1393084" y="5347392"/>
+              <a:ext cx="47903" cy="315215"/>
+            </a:xfrm>
+            <a:prstGeom prst="straightConnector1">
+              <a:avLst/>
+            </a:prstGeom>
+            <a:ln w="38100">
+              <a:solidFill>
+                <a:schemeClr val="tx1"/>
+              </a:solidFill>
+              <a:tailEnd type="triangle"/>
+            </a:ln>
+          </p:spPr>
+          <p:style>
+            <a:lnRef idx="1">
+              <a:schemeClr val="accent1"/>
+            </a:lnRef>
+            <a:fillRef idx="0">
+              <a:schemeClr val="accent1"/>
+            </a:fillRef>
+            <a:effectRef idx="0">
+              <a:schemeClr val="accent1"/>
+            </a:effectRef>
+            <a:fontRef idx="minor">
+              <a:schemeClr val="tx1"/>
+            </a:fontRef>
+          </p:style>
+        </p:cxnSp>
+        <p:cxnSp>
+          <p:nvCxnSpPr>
+            <p:cNvPr id="84" name="Straight Arrow Connector 83"/>
+            <p:cNvCxnSpPr/>
+            <p:nvPr/>
+          </p:nvCxnSpPr>
+          <p:spPr>
+            <a:xfrm>
+              <a:off x="1573982" y="4955018"/>
+              <a:ext cx="243534" cy="640899"/>
+            </a:xfrm>
+            <a:prstGeom prst="straightConnector1">
+              <a:avLst/>
+            </a:prstGeom>
+            <a:ln w="38100">
+              <a:solidFill>
+                <a:schemeClr val="tx1"/>
+              </a:solidFill>
+              <a:tailEnd type="triangle"/>
+            </a:ln>
+          </p:spPr>
+          <p:style>
+            <a:lnRef idx="1">
+              <a:schemeClr val="accent1"/>
+            </a:lnRef>
+            <a:fillRef idx="0">
+              <a:schemeClr val="accent1"/>
+            </a:fillRef>
+            <a:effectRef idx="0">
+              <a:schemeClr val="accent1"/>
+            </a:effectRef>
+            <a:fontRef idx="minor">
+              <a:schemeClr val="tx1"/>
+            </a:fontRef>
+          </p:style>
+        </p:cxnSp>
+        <p:cxnSp>
+          <p:nvCxnSpPr>
+            <p:cNvPr id="86" name="Straight Arrow Connector 85"/>
+            <p:cNvCxnSpPr/>
+            <p:nvPr/>
+          </p:nvCxnSpPr>
+          <p:spPr>
+            <a:xfrm>
+              <a:off x="1988771" y="4641569"/>
+              <a:ext cx="486733" cy="779018"/>
+            </a:xfrm>
+            <a:prstGeom prst="straightConnector1">
+              <a:avLst/>
+            </a:prstGeom>
+            <a:ln w="38100">
+              <a:solidFill>
+                <a:schemeClr val="tx1"/>
+              </a:solidFill>
+              <a:tailEnd type="triangle"/>
+            </a:ln>
+          </p:spPr>
+          <p:style>
+            <a:lnRef idx="1">
+              <a:schemeClr val="accent1"/>
+            </a:lnRef>
+            <a:fillRef idx="0">
+              <a:schemeClr val="accent1"/>
+            </a:fillRef>
+            <a:effectRef idx="0">
+              <a:schemeClr val="accent1"/>
+            </a:effectRef>
+            <a:fontRef idx="minor">
+              <a:schemeClr val="tx1"/>
+            </a:fontRef>
+          </p:style>
+        </p:cxnSp>
+        <p:cxnSp>
+          <p:nvCxnSpPr>
+            <p:cNvPr id="88" name="Straight Arrow Connector 87"/>
+            <p:cNvCxnSpPr/>
+            <p:nvPr/>
+          </p:nvCxnSpPr>
+          <p:spPr>
+            <a:xfrm>
+              <a:off x="2530219" y="4452825"/>
+              <a:ext cx="436005" cy="301799"/>
+            </a:xfrm>
+            <a:prstGeom prst="straightConnector1">
+              <a:avLst/>
+            </a:prstGeom>
+            <a:ln w="38100">
+              <a:solidFill>
+                <a:schemeClr val="tx1"/>
+              </a:solidFill>
+              <a:tailEnd type="triangle"/>
+            </a:ln>
+          </p:spPr>
+          <p:style>
+            <a:lnRef idx="1">
+              <a:schemeClr val="accent1"/>
+            </a:lnRef>
+            <a:fillRef idx="0">
+              <a:schemeClr val="accent1"/>
+            </a:fillRef>
+            <a:effectRef idx="0">
+              <a:schemeClr val="accent1"/>
+            </a:effectRef>
+            <a:fontRef idx="minor">
+              <a:schemeClr val="tx1"/>
+            </a:fontRef>
+          </p:style>
+        </p:cxnSp>
+        <mc:AlternateContent xmlns:mc="http://schemas.openxmlformats.org/markup-compatibility/2006">
+          <mc:Choice xmlns:a14="http://schemas.microsoft.com/office/drawing/2010/main" Requires="a14">
+            <p:sp>
+              <p:nvSpPr>
+                <p:cNvPr id="97" name="TextBox 96"/>
+                <p:cNvSpPr txBox="1"/>
+                <p:nvPr/>
+              </p:nvSpPr>
+              <p:spPr>
+                <a:xfrm>
+                  <a:off x="2423273" y="4839077"/>
+                  <a:ext cx="576696" cy="345159"/>
+                </a:xfrm>
+                <a:prstGeom prst="rect">
+                  <a:avLst/>
+                </a:prstGeom>
+                <a:noFill/>
+              </p:spPr>
+              <p:txBody>
+                <a:bodyPr wrap="none" lIns="0" tIns="0" rIns="0" bIns="0" rtlCol="0">
+                  <a:spAutoFit/>
+                </a:bodyPr>
+                <a:lstStyle/>
+                <a:p>
+                  <a14:m>
+                    <m:oMathPara xmlns:m="http://schemas.openxmlformats.org/officeDocument/2006/math">
+                      <m:oMathParaPr>
+                        <m:jc m:val="centerGroup"/>
+                      </m:oMathParaPr>
+                      <m:oMath xmlns:m="http://schemas.openxmlformats.org/officeDocument/2006/math">
+                        <m:acc>
+                          <m:accPr>
+                            <m:chr m:val="⃗"/>
+                            <m:ctrlPr>
+                              <a:rPr lang="en-US" sz="2000" b="0" i="1" smtClean="0">
+                                <a:latin typeface="Cambria Math" panose="02040503050406030204" pitchFamily="18" charset="0"/>
+                                <a:cs typeface="Arial" panose="020B0604020202020204" pitchFamily="34" charset="0"/>
+                              </a:rPr>
+                            </m:ctrlPr>
+                          </m:accPr>
+                          <m:e>
+                            <m:r>
+                              <a:rPr lang="en-US" sz="2000" b="0" i="1" smtClean="0">
+                                <a:latin typeface="Cambria Math" panose="02040503050406030204" pitchFamily="18" charset="0"/>
+                                <a:cs typeface="Arial" panose="020B0604020202020204" pitchFamily="34" charset="0"/>
+                              </a:rPr>
+                              <m:t>𝐹</m:t>
+                            </m:r>
+                          </m:e>
+                        </m:acc>
+                        <m:r>
+                          <a:rPr lang="en-US" sz="2000" b="0" i="1" smtClean="0">
+                            <a:latin typeface="Cambria Math" panose="02040503050406030204" pitchFamily="18" charset="0"/>
+                            <a:cs typeface="Arial" panose="020B0604020202020204" pitchFamily="34" charset="0"/>
+                          </a:rPr>
+                          <m:t>(</m:t>
+                        </m:r>
+                        <m:acc>
+                          <m:accPr>
+                            <m:chr m:val="⃗"/>
+                            <m:ctrlPr>
+                              <a:rPr lang="en-US" sz="2000" b="0" i="1" smtClean="0">
+                                <a:latin typeface="Cambria Math" panose="02040503050406030204" pitchFamily="18" charset="0"/>
+                                <a:cs typeface="Arial" panose="020B0604020202020204" pitchFamily="34" charset="0"/>
+                              </a:rPr>
+                            </m:ctrlPr>
+                          </m:accPr>
+                          <m:e>
+                            <m:r>
+                              <a:rPr lang="en-US" sz="2000" b="0" i="1" smtClean="0">
+                                <a:latin typeface="Cambria Math" panose="02040503050406030204" pitchFamily="18" charset="0"/>
+                                <a:cs typeface="Arial" panose="020B0604020202020204" pitchFamily="34" charset="0"/>
+                              </a:rPr>
+                              <m:t>𝑟</m:t>
+                            </m:r>
+                          </m:e>
+                        </m:acc>
+                        <m:r>
+                          <a:rPr lang="en-US" sz="2000" b="0" i="1" smtClean="0">
+                            <a:latin typeface="Cambria Math" panose="02040503050406030204" pitchFamily="18" charset="0"/>
+                            <a:cs typeface="Arial" panose="020B0604020202020204" pitchFamily="34" charset="0"/>
+                          </a:rPr>
+                          <m:t>)</m:t>
+                        </m:r>
+                      </m:oMath>
+                    </m:oMathPara>
+                  </a14:m>
+                  <a:endParaRPr lang="en-US" sz="2000" dirty="0" smtClean="0">
+                    <a:latin typeface="Arial" panose="020B0604020202020204" pitchFamily="34" charset="0"/>
+                    <a:cs typeface="Arial" panose="020B0604020202020204" pitchFamily="34" charset="0"/>
+                  </a:endParaRPr>
+                </a:p>
+              </p:txBody>
+            </p:sp>
+          </mc:Choice>
+          <mc:Fallback>
+            <p:sp>
+              <p:nvSpPr>
+                <p:cNvPr id="97" name="TextBox 96"/>
+                <p:cNvSpPr txBox="1">
+                  <a:spLocks noRot="1" noChangeAspect="1" noMove="1" noResize="1" noEditPoints="1" noAdjustHandles="1" noChangeArrowheads="1" noChangeShapeType="1" noTextEdit="1"/>
+                </p:cNvSpPr>
+                <p:nvPr/>
+              </p:nvSpPr>
+              <p:spPr>
+                <a:xfrm>
+                  <a:off x="2423273" y="4839077"/>
+                  <a:ext cx="576696" cy="345159"/>
+                </a:xfrm>
+                <a:prstGeom prst="rect">
+                  <a:avLst/>
+                </a:prstGeom>
+                <a:blipFill>
+                  <a:blip r:embed="rId35"/>
+                  <a:stretch>
+                    <a:fillRect l="-9574" t="-35714" r="-48936" b="-35714"/>
+                  </a:stretch>
+                </a:blipFill>
+              </p:spPr>
+              <p:txBody>
+                <a:bodyPr/>
+                <a:lstStyle/>
+                <a:p>
+                  <a:r>
+                    <a:rPr lang="en-US">
+                      <a:noFill/>
+                    </a:rPr>
+                    <a:t> </a:t>
+                  </a:r>
+                </a:p>
+              </p:txBody>
+            </p:sp>
+          </mc:Fallback>
+        </mc:AlternateContent>
+      </p:grpSp>
+      <p:grpSp>
+        <p:nvGrpSpPr>
+          <p:cNvPr id="118" name="Group 117"/>
+          <p:cNvGrpSpPr/>
+          <p:nvPr/>
+        </p:nvGrpSpPr>
+        <p:grpSpPr>
+          <a:xfrm>
+            <a:off x="6886111" y="601520"/>
+            <a:ext cx="3881592" cy="2694066"/>
+            <a:chOff x="6610407" y="3529626"/>
+            <a:chExt cx="3881592" cy="2694066"/>
+          </a:xfrm>
+        </p:grpSpPr>
+        <p:grpSp>
+          <p:nvGrpSpPr>
+            <p:cNvPr id="114" name="Group 113"/>
+            <p:cNvGrpSpPr/>
+            <p:nvPr/>
+          </p:nvGrpSpPr>
+          <p:grpSpPr>
+            <a:xfrm>
+              <a:off x="6610407" y="3529626"/>
+              <a:ext cx="3881592" cy="2682889"/>
+              <a:chOff x="6610407" y="3529626"/>
+              <a:chExt cx="3881592" cy="2682889"/>
+            </a:xfrm>
+          </p:grpSpPr>
+          <p:grpSp>
+            <p:nvGrpSpPr>
+              <p:cNvPr id="99" name="Group 98"/>
+              <p:cNvGrpSpPr/>
+              <p:nvPr/>
+            </p:nvGrpSpPr>
+            <p:grpSpPr>
+              <a:xfrm>
+                <a:off x="6987390" y="4066199"/>
+                <a:ext cx="2224718" cy="2146316"/>
+                <a:chOff x="1129904" y="708040"/>
+                <a:chExt cx="2224718" cy="2146316"/>
+              </a:xfrm>
+            </p:grpSpPr>
+            <p:grpSp>
+              <p:nvGrpSpPr>
+                <p:cNvPr id="100" name="Group 99"/>
+                <p:cNvGrpSpPr/>
+                <p:nvPr/>
+              </p:nvGrpSpPr>
+              <p:grpSpPr>
+                <a:xfrm>
+                  <a:off x="1163211" y="708040"/>
+                  <a:ext cx="2191411" cy="2146316"/>
+                  <a:chOff x="1190506" y="680744"/>
+                  <a:chExt cx="2191411" cy="2146316"/>
+                </a:xfrm>
+              </p:grpSpPr>
+              <p:cxnSp>
+                <p:nvCxnSpPr>
+                  <p:cNvPr id="102" name="Straight Arrow Connector 101"/>
+                  <p:cNvCxnSpPr/>
+                  <p:nvPr/>
+                </p:nvCxnSpPr>
+                <p:spPr>
+                  <a:xfrm flipV="1">
+                    <a:off x="1516583" y="680744"/>
+                    <a:ext cx="7684" cy="1859536"/>
+                  </a:xfrm>
+                  <a:prstGeom prst="straightConnector1">
+                    <a:avLst/>
+                  </a:prstGeom>
+                  <a:ln w="38100">
+                    <a:solidFill>
+                      <a:schemeClr val="tx1"/>
+                    </a:solidFill>
+                    <a:tailEnd type="triangle"/>
+                  </a:ln>
+                </p:spPr>
+                <p:style>
+                  <a:lnRef idx="1">
+                    <a:schemeClr val="accent1"/>
+                  </a:lnRef>
+                  <a:fillRef idx="0">
+                    <a:schemeClr val="accent1"/>
+                  </a:fillRef>
+                  <a:effectRef idx="0">
+                    <a:schemeClr val="accent1"/>
+                  </a:effectRef>
+                  <a:fontRef idx="minor">
+                    <a:schemeClr val="tx1"/>
+                  </a:fontRef>
+                </p:style>
+              </p:cxnSp>
+              <p:cxnSp>
+                <p:nvCxnSpPr>
+                  <p:cNvPr id="103" name="Straight Arrow Connector 102"/>
+                  <p:cNvCxnSpPr/>
+                  <p:nvPr/>
+                </p:nvCxnSpPr>
+                <p:spPr>
+                  <a:xfrm flipV="1">
+                    <a:off x="1507013" y="2535259"/>
+                    <a:ext cx="1874904" cy="1"/>
+                  </a:xfrm>
+                  <a:prstGeom prst="straightConnector1">
+                    <a:avLst/>
+                  </a:prstGeom>
+                  <a:ln w="38100">
+                    <a:solidFill>
+                      <a:schemeClr val="tx1"/>
+                    </a:solidFill>
+                    <a:tailEnd type="triangle"/>
+                  </a:ln>
+                </p:spPr>
+                <p:style>
+                  <a:lnRef idx="1">
+                    <a:schemeClr val="accent1"/>
+                  </a:lnRef>
+                  <a:fillRef idx="0">
+                    <a:schemeClr val="accent1"/>
+                  </a:fillRef>
+                  <a:effectRef idx="0">
+                    <a:schemeClr val="accent1"/>
+                  </a:effectRef>
+                  <a:fontRef idx="minor">
+                    <a:schemeClr val="tx1"/>
+                  </a:fontRef>
+                </p:style>
+              </p:cxnSp>
+              <mc:AlternateContent xmlns:mc="http://schemas.openxmlformats.org/markup-compatibility/2006" xmlns:a14="http://schemas.microsoft.com/office/drawing/2010/main">
+                <mc:Choice Requires="a14">
+                  <p:sp>
+                    <p:nvSpPr>
+                      <p:cNvPr id="104" name="Rectangle 103"/>
+                      <p:cNvSpPr/>
+                      <p:nvPr/>
+                    </p:nvSpPr>
+                    <p:spPr>
+                      <a:xfrm>
+                        <a:off x="2897675" y="2457728"/>
+                        <a:ext cx="367985" cy="369332"/>
+                      </a:xfrm>
+                      <a:prstGeom prst="rect">
+                        <a:avLst/>
+                      </a:prstGeom>
+                    </p:spPr>
+                    <p:txBody>
+                      <a:bodyPr wrap="none">
+                        <a:spAutoFit/>
+                      </a:bodyPr>
+                      <a:lstStyle/>
+                      <a:p>
+                        <a:pPr/>
+                        <a14:m>
+                          <m:oMathPara xmlns:m="http://schemas.openxmlformats.org/officeDocument/2006/math">
+                            <m:oMathParaPr>
+                              <m:jc m:val="centerGroup"/>
+                            </m:oMathParaPr>
+                            <m:oMath xmlns:m="http://schemas.openxmlformats.org/officeDocument/2006/math">
+                              <m:r>
+                                <a:rPr lang="en-US" i="1">
+                                  <a:latin typeface="Cambria Math" panose="02040503050406030204" pitchFamily="18" charset="0"/>
+                                  <a:cs typeface="Arial" panose="020B0604020202020204" pitchFamily="34" charset="0"/>
+                                </a:rPr>
+                                <m:t>𝑥</m:t>
+                              </m:r>
+                            </m:oMath>
+                          </m:oMathPara>
+                        </a14:m>
+                        <a:endParaRPr lang="en-CA" dirty="0"/>
+                      </a:p>
+                    </p:txBody>
+                  </p:sp>
+                </mc:Choice>
+                <mc:Fallback xmlns="">
+                  <p:sp>
+                    <p:nvSpPr>
+                      <p:cNvPr id="12" name="Rectangle 11"/>
+                      <p:cNvSpPr>
+                        <a:spLocks noRot="1" noChangeAspect="1" noMove="1" noResize="1" noEditPoints="1" noAdjustHandles="1" noChangeArrowheads="1" noChangeShapeType="1" noTextEdit="1"/>
+                      </p:cNvSpPr>
+                      <p:nvPr/>
+                    </p:nvSpPr>
+                    <p:spPr>
+                      <a:xfrm>
+                        <a:off x="2897675" y="2457728"/>
+                        <a:ext cx="367985" cy="369332"/>
+                      </a:xfrm>
+                      <a:prstGeom prst="rect">
+                        <a:avLst/>
+                      </a:prstGeom>
+                      <a:blipFill rotWithShape="0">
+                        <a:blip r:embed="rId30"/>
+                        <a:stretch>
+                          <a:fillRect/>
+                        </a:stretch>
+                      </a:blipFill>
+                    </p:spPr>
+                    <p:txBody>
+                      <a:bodyPr/>
+                      <a:lstStyle/>
+                      <a:p>
+                        <a:r>
+                          <a:rPr lang="en-CA">
+                            <a:noFill/>
+                          </a:rPr>
+                          <a:t> </a:t>
+                        </a:r>
+                      </a:p>
+                    </p:txBody>
+                  </p:sp>
+                </mc:Fallback>
+              </mc:AlternateContent>
+              <mc:AlternateContent xmlns:mc="http://schemas.openxmlformats.org/markup-compatibility/2006" xmlns:a14="http://schemas.microsoft.com/office/drawing/2010/main">
+                <mc:Choice Requires="a14">
+                  <p:sp>
+                    <p:nvSpPr>
+                      <p:cNvPr id="105" name="Rectangle 104"/>
+                      <p:cNvSpPr/>
+                      <p:nvPr/>
+                    </p:nvSpPr>
+                    <p:spPr>
+                      <a:xfrm>
+                        <a:off x="1190506" y="790545"/>
+                        <a:ext cx="371384" cy="369332"/>
+                      </a:xfrm>
+                      <a:prstGeom prst="rect">
+                        <a:avLst/>
+                      </a:prstGeom>
+                    </p:spPr>
+                    <p:txBody>
+                      <a:bodyPr wrap="none">
+                        <a:spAutoFit/>
+                      </a:bodyPr>
+                      <a:lstStyle/>
+                      <a:p>
+                        <a:pPr/>
+                        <a14:m>
+                          <m:oMathPara xmlns:m="http://schemas.openxmlformats.org/officeDocument/2006/math">
+                            <m:oMathParaPr>
+                              <m:jc m:val="centerGroup"/>
+                            </m:oMathParaPr>
+                            <m:oMath xmlns:m="http://schemas.openxmlformats.org/officeDocument/2006/math">
+                              <m:r>
+                                <a:rPr lang="en-US" b="0" i="1" smtClean="0">
+                                  <a:latin typeface="Cambria Math" panose="02040503050406030204" pitchFamily="18" charset="0"/>
+                                </a:rPr>
+                                <m:t>𝑦</m:t>
+                              </m:r>
+                            </m:oMath>
+                          </m:oMathPara>
+                        </a14:m>
+                        <a:endParaRPr lang="en-CA" dirty="0"/>
+                      </a:p>
+                    </p:txBody>
+                  </p:sp>
+                </mc:Choice>
+                <mc:Fallback xmlns="">
+                  <p:sp>
+                    <p:nvSpPr>
+                      <p:cNvPr id="13" name="Rectangle 12"/>
+                      <p:cNvSpPr>
+                        <a:spLocks noRot="1" noChangeAspect="1" noMove="1" noResize="1" noEditPoints="1" noAdjustHandles="1" noChangeArrowheads="1" noChangeShapeType="1" noTextEdit="1"/>
+                      </p:cNvSpPr>
+                      <p:nvPr/>
+                    </p:nvSpPr>
+                    <p:spPr>
+                      <a:xfrm>
+                        <a:off x="1190506" y="790545"/>
+                        <a:ext cx="371384" cy="369332"/>
+                      </a:xfrm>
+                      <a:prstGeom prst="rect">
+                        <a:avLst/>
+                      </a:prstGeom>
+                      <a:blipFill rotWithShape="0">
+                        <a:blip r:embed="rId31"/>
+                        <a:stretch>
+                          <a:fillRect b="-6557"/>
+                        </a:stretch>
+                      </a:blipFill>
+                    </p:spPr>
+                    <p:txBody>
+                      <a:bodyPr/>
+                      <a:lstStyle/>
+                      <a:p>
+                        <a:r>
+                          <a:rPr lang="en-CA">
+                            <a:noFill/>
+                          </a:rPr>
+                          <a:t> </a:t>
+                        </a:r>
+                      </a:p>
+                    </p:txBody>
+                  </p:sp>
+                </mc:Fallback>
+              </mc:AlternateContent>
+              <mc:AlternateContent xmlns:mc="http://schemas.openxmlformats.org/markup-compatibility/2006" xmlns:a14="http://schemas.microsoft.com/office/drawing/2010/main">
+                <mc:Choice Requires="a14">
+                  <p:sp>
+                    <p:nvSpPr>
+                      <p:cNvPr id="106" name="Rectangle 105"/>
+                      <p:cNvSpPr/>
+                      <p:nvPr/>
+                    </p:nvSpPr>
+                    <p:spPr>
+                      <a:xfrm>
+                        <a:off x="1205483" y="2447020"/>
+                        <a:ext cx="367985" cy="369332"/>
+                      </a:xfrm>
+                      <a:prstGeom prst="rect">
+                        <a:avLst/>
+                      </a:prstGeom>
+                    </p:spPr>
+                    <p:txBody>
+                      <a:bodyPr wrap="none">
+                        <a:spAutoFit/>
+                      </a:bodyPr>
+                      <a:lstStyle/>
+                      <a:p>
+                        <a:pPr/>
+                        <a14:m>
+                          <m:oMathPara xmlns:m="http://schemas.openxmlformats.org/officeDocument/2006/math">
+                            <m:oMathParaPr>
+                              <m:jc m:val="centerGroup"/>
+                            </m:oMathParaPr>
+                            <m:oMath xmlns:m="http://schemas.openxmlformats.org/officeDocument/2006/math">
+                              <m:r>
+                                <a:rPr lang="en-US" b="0" i="1" smtClean="0">
+                                  <a:latin typeface="Cambria Math" panose="02040503050406030204" pitchFamily="18" charset="0"/>
+                                  <a:cs typeface="Arial" panose="020B0604020202020204" pitchFamily="34" charset="0"/>
+                                </a:rPr>
+                                <m:t>0</m:t>
+                              </m:r>
+                            </m:oMath>
+                          </m:oMathPara>
+                        </a14:m>
+                        <a:endParaRPr lang="en-CA" dirty="0"/>
+                      </a:p>
+                    </p:txBody>
+                  </p:sp>
+                </mc:Choice>
+                <mc:Fallback xmlns="">
+                  <p:sp>
+                    <p:nvSpPr>
+                      <p:cNvPr id="14" name="Rectangle 13"/>
+                      <p:cNvSpPr>
+                        <a:spLocks noRot="1" noChangeAspect="1" noMove="1" noResize="1" noEditPoints="1" noAdjustHandles="1" noChangeArrowheads="1" noChangeShapeType="1" noTextEdit="1"/>
+                      </p:cNvSpPr>
+                      <p:nvPr/>
+                    </p:nvSpPr>
+                    <p:spPr>
+                      <a:xfrm>
+                        <a:off x="1205483" y="2447020"/>
+                        <a:ext cx="367985" cy="369332"/>
+                      </a:xfrm>
+                      <a:prstGeom prst="rect">
+                        <a:avLst/>
+                      </a:prstGeom>
+                      <a:blipFill rotWithShape="0">
+                        <a:blip r:embed="rId32"/>
+                        <a:stretch>
+                          <a:fillRect/>
+                        </a:stretch>
+                      </a:blipFill>
+                    </p:spPr>
+                    <p:txBody>
+                      <a:bodyPr/>
+                      <a:lstStyle/>
+                      <a:p>
+                        <a:r>
+                          <a:rPr lang="en-CA">
+                            <a:noFill/>
+                          </a:rPr>
+                          <a:t> </a:t>
+                        </a:r>
+                      </a:p>
+                    </p:txBody>
+                  </p:sp>
+                </mc:Fallback>
+              </mc:AlternateContent>
+            </p:grpSp>
+            <p:sp>
+              <p:nvSpPr>
+                <p:cNvPr id="101" name="Rectangle 100"/>
+                <p:cNvSpPr/>
+                <p:nvPr/>
+              </p:nvSpPr>
+              <p:spPr>
+                <a:xfrm>
+                  <a:off x="1129904" y="1614682"/>
+                  <a:ext cx="184731" cy="369332"/>
+                </a:xfrm>
+                <a:prstGeom prst="rect">
+                  <a:avLst/>
+                </a:prstGeom>
+              </p:spPr>
+              <p:txBody>
+                <a:bodyPr wrap="none">
+                  <a:spAutoFit/>
+                </a:bodyPr>
+                <a:lstStyle/>
+                <a:p>
+                  <a:endParaRPr lang="en-CA" dirty="0"/>
+                </a:p>
+              </p:txBody>
+            </p:sp>
+          </p:grpSp>
+          <p:sp>
+            <p:nvSpPr>
+              <p:cNvPr id="108" name="Freeform 107"/>
+              <p:cNvSpPr/>
+              <p:nvPr/>
+            </p:nvSpPr>
+            <p:spPr>
+              <a:xfrm>
+                <a:off x="6610407" y="4002763"/>
+                <a:ext cx="2383505" cy="1201922"/>
+              </a:xfrm>
+              <a:custGeom>
+                <a:avLst/>
+                <a:gdLst>
+                  <a:gd name="connsiteX0" fmla="*/ 0 w 2241395"/>
+                  <a:gd name="connsiteY0" fmla="*/ 836341 h 1201922"/>
+                  <a:gd name="connsiteX1" fmla="*/ 892097 w 2241395"/>
+                  <a:gd name="connsiteY1" fmla="*/ 1159727 h 1201922"/>
+                  <a:gd name="connsiteX2" fmla="*/ 2241395 w 2241395"/>
+                  <a:gd name="connsiteY2" fmla="*/ 0 h 1201922"/>
+                  <a:gd name="connsiteX3" fmla="*/ 2241395 w 2241395"/>
+                  <a:gd name="connsiteY3" fmla="*/ 0 h 1201922"/>
+                </a:gdLst>
+                <a:ahLst/>
+                <a:cxnLst>
+                  <a:cxn ang="0">
+                    <a:pos x="connsiteX0" y="connsiteY0"/>
+                  </a:cxn>
+                  <a:cxn ang="0">
+                    <a:pos x="connsiteX1" y="connsiteY1"/>
+                  </a:cxn>
+                  <a:cxn ang="0">
+                    <a:pos x="connsiteX2" y="connsiteY2"/>
+                  </a:cxn>
+                  <a:cxn ang="0">
+                    <a:pos x="connsiteX3" y="connsiteY3"/>
+                  </a:cxn>
+                </a:cxnLst>
+                <a:rect l="l" t="t" r="r" b="b"/>
+                <a:pathLst>
+                  <a:path w="2241395" h="1201922">
+                    <a:moveTo>
+                      <a:pt x="0" y="836341"/>
+                    </a:moveTo>
+                    <a:cubicBezTo>
+                      <a:pt x="259265" y="1067729"/>
+                      <a:pt x="518531" y="1299117"/>
+                      <a:pt x="892097" y="1159727"/>
+                    </a:cubicBezTo>
+                    <a:cubicBezTo>
+                      <a:pt x="1265663" y="1020337"/>
+                      <a:pt x="2241395" y="0"/>
+                      <a:pt x="2241395" y="0"/>
+                    </a:cubicBezTo>
+                    <a:lnTo>
+                      <a:pt x="2241395" y="0"/>
+                    </a:lnTo>
+                  </a:path>
+                </a:pathLst>
+              </a:custGeom>
+              <a:noFill/>
+              <a:ln w="38100">
+                <a:solidFill>
+                  <a:schemeClr val="tx1"/>
+                </a:solidFill>
+              </a:ln>
+            </p:spPr>
+            <p:style>
+              <a:lnRef idx="2">
+                <a:schemeClr val="accent1">
+                  <a:shade val="50000"/>
+                </a:schemeClr>
+              </a:lnRef>
+              <a:fillRef idx="1">
+                <a:schemeClr val="accent1"/>
+              </a:fillRef>
+              <a:effectRef idx="0">
+                <a:schemeClr val="accent1"/>
+              </a:effectRef>
+              <a:fontRef idx="minor">
+                <a:schemeClr val="lt1"/>
+              </a:fontRef>
+            </p:style>
+            <p:txBody>
+              <a:bodyPr rtlCol="0" anchor="ctr"/>
+              <a:lstStyle/>
+              <a:p>
+                <a:pPr algn="ctr"/>
+                <a:endParaRPr lang="en-US"/>
+              </a:p>
+            </p:txBody>
+          </p:sp>
+          <p:sp>
+            <p:nvSpPr>
+              <p:cNvPr id="109" name="Oval 108"/>
+              <p:cNvSpPr/>
+              <p:nvPr/>
+            </p:nvSpPr>
+            <p:spPr>
+              <a:xfrm>
+                <a:off x="7293986" y="5124353"/>
+                <a:ext cx="120943" cy="119766"/>
+              </a:xfrm>
+              <a:prstGeom prst="ellipse">
+                <a:avLst/>
+              </a:prstGeom>
+              <a:solidFill>
+                <a:schemeClr val="tx1"/>
+              </a:solidFill>
+              <a:ln w="38100">
+                <a:solidFill>
+                  <a:schemeClr val="tx1"/>
+                </a:solidFill>
+              </a:ln>
+            </p:spPr>
+            <p:style>
+              <a:lnRef idx="2">
+                <a:schemeClr val="accent1">
+                  <a:shade val="50000"/>
+                </a:schemeClr>
+              </a:lnRef>
+              <a:fillRef idx="1">
+                <a:schemeClr val="accent1"/>
+              </a:fillRef>
+              <a:effectRef idx="0">
+                <a:schemeClr val="accent1"/>
+              </a:effectRef>
+              <a:fontRef idx="minor">
+                <a:schemeClr val="lt1"/>
+              </a:fontRef>
+            </p:style>
+            <p:txBody>
+              <a:bodyPr rtlCol="0" anchor="ctr"/>
+              <a:lstStyle/>
+              <a:p>
+                <a:pPr algn="ctr"/>
+                <a:endParaRPr lang="en-US"/>
+              </a:p>
+            </p:txBody>
+          </p:sp>
+          <p:sp>
+            <p:nvSpPr>
+              <p:cNvPr id="110" name="Oval 109"/>
+              <p:cNvSpPr/>
+              <p:nvPr/>
+            </p:nvSpPr>
+            <p:spPr>
+              <a:xfrm>
+                <a:off x="8545931" y="4327689"/>
+                <a:ext cx="120943" cy="119766"/>
+              </a:xfrm>
+              <a:prstGeom prst="ellipse">
+                <a:avLst/>
+              </a:prstGeom>
+              <a:solidFill>
+                <a:schemeClr val="tx1"/>
+              </a:solidFill>
+              <a:ln w="38100">
+                <a:solidFill>
+                  <a:schemeClr val="tx1"/>
+                </a:solidFill>
+              </a:ln>
+            </p:spPr>
+            <p:style>
+              <a:lnRef idx="2">
+                <a:schemeClr val="accent1">
+                  <a:shade val="50000"/>
+                </a:schemeClr>
+              </a:lnRef>
+              <a:fillRef idx="1">
+                <a:schemeClr val="accent1"/>
+              </a:fillRef>
+              <a:effectRef idx="0">
+                <a:schemeClr val="accent1"/>
+              </a:effectRef>
+              <a:fontRef idx="minor">
+                <a:schemeClr val="lt1"/>
+              </a:fontRef>
+            </p:style>
+            <p:txBody>
+              <a:bodyPr rtlCol="0" anchor="ctr"/>
+              <a:lstStyle/>
+              <a:p>
+                <a:pPr algn="ctr"/>
+                <a:endParaRPr lang="en-US"/>
+              </a:p>
+            </p:txBody>
+          </p:sp>
+          <mc:AlternateContent xmlns:mc="http://schemas.openxmlformats.org/markup-compatibility/2006">
+            <mc:Choice xmlns:a14="http://schemas.microsoft.com/office/drawing/2010/main" Requires="a14">
+              <p:sp>
+                <p:nvSpPr>
+                  <p:cNvPr id="111" name="TextBox 110"/>
+                  <p:cNvSpPr txBox="1"/>
+                  <p:nvPr/>
+                </p:nvSpPr>
+                <p:spPr>
+                  <a:xfrm>
+                    <a:off x="8833404" y="4233683"/>
+                    <a:ext cx="1658595" cy="307777"/>
+                  </a:xfrm>
+                  <a:prstGeom prst="rect">
+                    <a:avLst/>
+                  </a:prstGeom>
+                  <a:noFill/>
+                </p:spPr>
+                <p:txBody>
+                  <a:bodyPr wrap="none" lIns="0" tIns="0" rIns="0" bIns="0" rtlCol="0">
+                    <a:spAutoFit/>
+                  </a:bodyPr>
+                  <a:lstStyle/>
+                  <a:p>
+                    <a:pPr/>
+                    <a14:m>
+                      <m:oMathPara xmlns:m="http://schemas.openxmlformats.org/officeDocument/2006/math">
+                        <m:oMathParaPr>
+                          <m:jc m:val="centerGroup"/>
+                        </m:oMathParaPr>
+                        <m:oMath xmlns:m="http://schemas.openxmlformats.org/officeDocument/2006/math">
+                          <m:r>
+                            <a:rPr lang="en-US" sz="2000" b="0" i="1" smtClean="0">
+                              <a:latin typeface="Cambria Math" panose="02040503050406030204" pitchFamily="18" charset="0"/>
+                              <a:cs typeface="Arial" panose="020B0604020202020204" pitchFamily="34" charset="0"/>
+                            </a:rPr>
+                            <m:t>𝐵</m:t>
+                          </m:r>
+                          <m:r>
+                            <a:rPr lang="en-US" sz="2000" b="0" i="1" smtClean="0">
+                              <a:latin typeface="Cambria Math" panose="02040503050406030204" pitchFamily="18" charset="0"/>
+                              <a:cs typeface="Arial" panose="020B0604020202020204" pitchFamily="34" charset="0"/>
+                            </a:rPr>
+                            <m:t>(</m:t>
+                          </m:r>
+                          <m:sSub>
+                            <m:sSubPr>
+                              <m:ctrlPr>
+                                <a:rPr lang="en-US" sz="2000" b="0" i="1" smtClean="0">
+                                  <a:latin typeface="Cambria Math" panose="02040503050406030204" pitchFamily="18" charset="0"/>
+                                  <a:cs typeface="Arial" panose="020B0604020202020204" pitchFamily="34" charset="0"/>
+                                </a:rPr>
+                              </m:ctrlPr>
+                            </m:sSubPr>
+                            <m:e>
+                              <m:r>
+                                <a:rPr lang="en-US" sz="2000" b="0" i="1" smtClean="0">
+                                  <a:latin typeface="Cambria Math" panose="02040503050406030204" pitchFamily="18" charset="0"/>
+                                  <a:cs typeface="Arial" panose="020B0604020202020204" pitchFamily="34" charset="0"/>
+                                </a:rPr>
+                                <m:t>𝑥</m:t>
+                              </m:r>
+                            </m:e>
+                            <m:sub>
+                              <m:r>
+                                <a:rPr lang="en-US" sz="2000" b="0" i="1" smtClean="0">
+                                  <a:latin typeface="Cambria Math" panose="02040503050406030204" pitchFamily="18" charset="0"/>
+                                  <a:cs typeface="Arial" panose="020B0604020202020204" pitchFamily="34" charset="0"/>
+                                </a:rPr>
+                                <m:t>1</m:t>
+                              </m:r>
+                            </m:sub>
+                          </m:sSub>
+                          <m:r>
+                            <a:rPr lang="en-US" sz="2000" b="0" i="1" smtClean="0">
+                              <a:latin typeface="Cambria Math" panose="02040503050406030204" pitchFamily="18" charset="0"/>
+                              <a:cs typeface="Arial" panose="020B0604020202020204" pitchFamily="34" charset="0"/>
+                            </a:rPr>
+                            <m:t>,</m:t>
+                          </m:r>
+                          <m:r>
+                            <a:rPr lang="en-US" sz="2000" b="0" i="1" smtClean="0">
+                              <a:latin typeface="Cambria Math" panose="02040503050406030204" pitchFamily="18" charset="0"/>
+                              <a:cs typeface="Arial" panose="020B0604020202020204" pitchFamily="34" charset="0"/>
+                            </a:rPr>
+                            <m:t>𝑎</m:t>
+                          </m:r>
+                          <m:r>
+                            <a:rPr lang="en-US" sz="2000" b="0" i="1" smtClean="0">
+                              <a:latin typeface="Cambria Math" panose="02040503050406030204" pitchFamily="18" charset="0"/>
+                              <a:cs typeface="Arial" panose="020B0604020202020204" pitchFamily="34" charset="0"/>
+                            </a:rPr>
+                            <m:t>+</m:t>
+                          </m:r>
+                          <m:r>
+                            <a:rPr lang="en-US" sz="2000" b="0" i="1" smtClean="0">
+                              <a:latin typeface="Cambria Math" panose="02040503050406030204" pitchFamily="18" charset="0"/>
+                              <a:cs typeface="Arial" panose="020B0604020202020204" pitchFamily="34" charset="0"/>
+                            </a:rPr>
+                            <m:t>𝑏</m:t>
+                          </m:r>
+                          <m:sSub>
+                            <m:sSubPr>
+                              <m:ctrlPr>
+                                <a:rPr lang="en-US" sz="2000" b="0" i="1" smtClean="0">
+                                  <a:latin typeface="Cambria Math" panose="02040503050406030204" pitchFamily="18" charset="0"/>
+                                  <a:cs typeface="Arial" panose="020B0604020202020204" pitchFamily="34" charset="0"/>
+                                </a:rPr>
+                              </m:ctrlPr>
+                            </m:sSubPr>
+                            <m:e>
+                              <m:r>
+                                <a:rPr lang="en-US" sz="2000" b="0" i="1" smtClean="0">
+                                  <a:latin typeface="Cambria Math" panose="02040503050406030204" pitchFamily="18" charset="0"/>
+                                  <a:cs typeface="Arial" panose="020B0604020202020204" pitchFamily="34" charset="0"/>
+                                </a:rPr>
+                                <m:t>𝑥</m:t>
+                              </m:r>
+                            </m:e>
+                            <m:sub>
+                              <m:r>
+                                <a:rPr lang="en-US" sz="2000" b="0" i="1" smtClean="0">
+                                  <a:latin typeface="Cambria Math" panose="02040503050406030204" pitchFamily="18" charset="0"/>
+                                  <a:cs typeface="Arial" panose="020B0604020202020204" pitchFamily="34" charset="0"/>
+                                </a:rPr>
+                                <m:t>1</m:t>
+                              </m:r>
+                            </m:sub>
+                          </m:sSub>
+                          <m:r>
+                            <a:rPr lang="en-US" sz="2000" b="0" i="1" smtClean="0">
+                              <a:latin typeface="Cambria Math" panose="02040503050406030204" pitchFamily="18" charset="0"/>
+                              <a:cs typeface="Arial" panose="020B0604020202020204" pitchFamily="34" charset="0"/>
+                            </a:rPr>
+                            <m:t>)</m:t>
+                          </m:r>
+                        </m:oMath>
+                      </m:oMathPara>
+                    </a14:m>
+                    <a:endParaRPr lang="en-US" sz="2000" dirty="0" smtClean="0">
+                      <a:latin typeface="Arial" panose="020B0604020202020204" pitchFamily="34" charset="0"/>
+                      <a:cs typeface="Arial" panose="020B0604020202020204" pitchFamily="34" charset="0"/>
+                    </a:endParaRPr>
+                  </a:p>
+                </p:txBody>
+              </p:sp>
+            </mc:Choice>
+            <mc:Fallback>
+              <p:sp>
+                <p:nvSpPr>
+                  <p:cNvPr id="111" name="TextBox 110"/>
+                  <p:cNvSpPr txBox="1">
+                    <a:spLocks noRot="1" noChangeAspect="1" noMove="1" noResize="1" noEditPoints="1" noAdjustHandles="1" noChangeArrowheads="1" noChangeShapeType="1" noTextEdit="1"/>
+                  </p:cNvSpPr>
+                  <p:nvPr/>
+                </p:nvSpPr>
+                <p:spPr>
+                  <a:xfrm>
+                    <a:off x="8833404" y="4233683"/>
+                    <a:ext cx="1658595" cy="307777"/>
+                  </a:xfrm>
+                  <a:prstGeom prst="rect">
+                    <a:avLst/>
+                  </a:prstGeom>
+                  <a:blipFill>
+                    <a:blip r:embed="rId36"/>
+                    <a:stretch>
+                      <a:fillRect l="-2206" r="-4779" b="-37255"/>
+                    </a:stretch>
+                  </a:blipFill>
+                </p:spPr>
+                <p:txBody>
+                  <a:bodyPr/>
+                  <a:lstStyle/>
+                  <a:p>
+                    <a:r>
+                      <a:rPr lang="en-US">
+                        <a:noFill/>
+                      </a:rPr>
+                      <a:t> </a:t>
+                    </a:r>
+                  </a:p>
+                </p:txBody>
+              </p:sp>
+            </mc:Fallback>
+          </mc:AlternateContent>
+          <mc:AlternateContent xmlns:mc="http://schemas.openxmlformats.org/markup-compatibility/2006">
+            <mc:Choice xmlns:a14="http://schemas.microsoft.com/office/drawing/2010/main" Requires="a14">
+              <p:sp>
+                <p:nvSpPr>
+                  <p:cNvPr id="112" name="TextBox 111"/>
+                  <p:cNvSpPr txBox="1"/>
+                  <p:nvPr/>
+                </p:nvSpPr>
+                <p:spPr>
+                  <a:xfrm>
+                    <a:off x="7376129" y="5224033"/>
+                    <a:ext cx="833818" cy="307777"/>
+                  </a:xfrm>
+                  <a:prstGeom prst="rect">
+                    <a:avLst/>
+                  </a:prstGeom>
+                  <a:noFill/>
+                </p:spPr>
+                <p:txBody>
+                  <a:bodyPr wrap="none" lIns="0" tIns="0" rIns="0" bIns="0" rtlCol="0">
+                    <a:spAutoFit/>
+                  </a:bodyPr>
+                  <a:lstStyle/>
+                  <a:p>
+                    <a:pPr/>
+                    <a14:m>
+                      <m:oMathPara xmlns:m="http://schemas.openxmlformats.org/officeDocument/2006/math">
+                        <m:oMathParaPr>
+                          <m:jc m:val="centerGroup"/>
+                        </m:oMathParaPr>
+                        <m:oMath xmlns:m="http://schemas.openxmlformats.org/officeDocument/2006/math">
+                          <m:r>
+                            <a:rPr lang="en-US" sz="2000" b="0" i="1" smtClean="0">
+                              <a:latin typeface="Cambria Math" panose="02040503050406030204" pitchFamily="18" charset="0"/>
+                              <a:cs typeface="Arial" panose="020B0604020202020204" pitchFamily="34" charset="0"/>
+                            </a:rPr>
+                            <m:t>𝐴</m:t>
+                          </m:r>
+                          <m:r>
+                            <a:rPr lang="en-US" sz="2000" b="0" i="1" smtClean="0">
+                              <a:latin typeface="Cambria Math" panose="02040503050406030204" pitchFamily="18" charset="0"/>
+                              <a:cs typeface="Arial" panose="020B0604020202020204" pitchFamily="34" charset="0"/>
+                            </a:rPr>
+                            <m:t>(0, </m:t>
+                          </m:r>
+                          <m:r>
+                            <a:rPr lang="en-US" sz="2000" b="0" i="1" smtClean="0">
+                              <a:latin typeface="Cambria Math" panose="02040503050406030204" pitchFamily="18" charset="0"/>
+                              <a:cs typeface="Arial" panose="020B0604020202020204" pitchFamily="34" charset="0"/>
+                            </a:rPr>
+                            <m:t>𝑎</m:t>
+                          </m:r>
+                          <m:r>
+                            <a:rPr lang="en-US" sz="2000" b="0" i="1" smtClean="0">
+                              <a:latin typeface="Cambria Math" panose="02040503050406030204" pitchFamily="18" charset="0"/>
+                              <a:cs typeface="Arial" panose="020B0604020202020204" pitchFamily="34" charset="0"/>
+                            </a:rPr>
+                            <m:t>)</m:t>
+                          </m:r>
+                        </m:oMath>
+                      </m:oMathPara>
+                    </a14:m>
+                    <a:endParaRPr lang="en-US" sz="2000" dirty="0" smtClean="0">
+                      <a:latin typeface="Arial" panose="020B0604020202020204" pitchFamily="34" charset="0"/>
+                      <a:cs typeface="Arial" panose="020B0604020202020204" pitchFamily="34" charset="0"/>
+                    </a:endParaRPr>
+                  </a:p>
+                </p:txBody>
+              </p:sp>
+            </mc:Choice>
+            <mc:Fallback>
+              <p:sp>
+                <p:nvSpPr>
+                  <p:cNvPr id="112" name="TextBox 111"/>
+                  <p:cNvSpPr txBox="1">
+                    <a:spLocks noRot="1" noChangeAspect="1" noMove="1" noResize="1" noEditPoints="1" noAdjustHandles="1" noChangeArrowheads="1" noChangeShapeType="1" noTextEdit="1"/>
+                  </p:cNvSpPr>
+                  <p:nvPr/>
+                </p:nvSpPr>
+                <p:spPr>
+                  <a:xfrm>
+                    <a:off x="7376129" y="5224033"/>
+                    <a:ext cx="833818" cy="307777"/>
+                  </a:xfrm>
+                  <a:prstGeom prst="rect">
+                    <a:avLst/>
+                  </a:prstGeom>
+                  <a:blipFill>
+                    <a:blip r:embed="rId37"/>
+                    <a:stretch>
+                      <a:fillRect l="-5839" r="-9489" b="-40000"/>
+                    </a:stretch>
+                  </a:blipFill>
+                </p:spPr>
+                <p:txBody>
+                  <a:bodyPr/>
+                  <a:lstStyle/>
+                  <a:p>
+                    <a:r>
+                      <a:rPr lang="en-US">
+                        <a:noFill/>
+                      </a:rPr>
+                      <a:t> </a:t>
+                    </a:r>
+                  </a:p>
+                </p:txBody>
+              </p:sp>
+            </mc:Fallback>
+          </mc:AlternateContent>
+          <mc:AlternateContent xmlns:mc="http://schemas.openxmlformats.org/markup-compatibility/2006">
+            <mc:Choice xmlns:a14="http://schemas.microsoft.com/office/drawing/2010/main" Requires="a14">
+              <p:sp>
+                <p:nvSpPr>
+                  <p:cNvPr id="113" name="TextBox 112"/>
+                  <p:cNvSpPr txBox="1"/>
+                  <p:nvPr/>
+                </p:nvSpPr>
+                <p:spPr>
+                  <a:xfrm>
+                    <a:off x="8022031" y="3529626"/>
+                    <a:ext cx="1779653" cy="307777"/>
+                  </a:xfrm>
+                  <a:prstGeom prst="rect">
+                    <a:avLst/>
+                  </a:prstGeom>
+                  <a:noFill/>
+                </p:spPr>
+                <p:txBody>
+                  <a:bodyPr wrap="none" lIns="0" tIns="0" rIns="0" bIns="0" rtlCol="0">
+                    <a:spAutoFit/>
+                  </a:bodyPr>
+                  <a:lstStyle/>
+                  <a:p>
+                    <a14:m>
+                      <m:oMathPara xmlns:m="http://schemas.openxmlformats.org/officeDocument/2006/math">
+                        <m:oMathParaPr>
+                          <m:jc m:val="centerGroup"/>
+                        </m:oMathParaPr>
+                        <m:oMath xmlns:m="http://schemas.openxmlformats.org/officeDocument/2006/math">
+                          <m:r>
+                            <a:rPr lang="en-US" sz="2000" b="0" i="1" smtClean="0">
+                              <a:latin typeface="Cambria Math" panose="02040503050406030204" pitchFamily="18" charset="0"/>
+                              <a:cs typeface="Arial" panose="020B0604020202020204" pitchFamily="34" charset="0"/>
+                            </a:rPr>
+                            <m:t>𝑦</m:t>
+                          </m:r>
+                          <m:d>
+                            <m:dPr>
+                              <m:ctrlPr>
+                                <a:rPr lang="en-US" sz="2000" b="0" i="1" smtClean="0">
+                                  <a:latin typeface="Cambria Math" panose="02040503050406030204" pitchFamily="18" charset="0"/>
+                                  <a:cs typeface="Arial" panose="020B0604020202020204" pitchFamily="34" charset="0"/>
+                                </a:rPr>
+                              </m:ctrlPr>
+                            </m:dPr>
+                            <m:e>
+                              <m:r>
+                                <a:rPr lang="en-US" sz="2000" b="0" i="1" smtClean="0">
+                                  <a:latin typeface="Cambria Math" panose="02040503050406030204" pitchFamily="18" charset="0"/>
+                                  <a:cs typeface="Arial" panose="020B0604020202020204" pitchFamily="34" charset="0"/>
+                                </a:rPr>
+                                <m:t>𝑥</m:t>
+                              </m:r>
+                            </m:e>
+                          </m:d>
+                          <m:r>
+                            <a:rPr lang="en-US" sz="2000" b="0" i="1" smtClean="0">
+                              <a:latin typeface="Cambria Math" panose="02040503050406030204" pitchFamily="18" charset="0"/>
+                              <a:cs typeface="Arial" panose="020B0604020202020204" pitchFamily="34" charset="0"/>
+                            </a:rPr>
+                            <m:t>=</m:t>
+                          </m:r>
+                          <m:r>
+                            <a:rPr lang="en-US" sz="2000" b="0" i="1" smtClean="0">
+                              <a:latin typeface="Cambria Math" panose="02040503050406030204" pitchFamily="18" charset="0"/>
+                              <a:cs typeface="Arial" panose="020B0604020202020204" pitchFamily="34" charset="0"/>
+                            </a:rPr>
+                            <m:t>𝑎</m:t>
+                          </m:r>
+                          <m:r>
+                            <a:rPr lang="en-US" sz="2000" b="0" i="1" smtClean="0">
+                              <a:latin typeface="Cambria Math" panose="02040503050406030204" pitchFamily="18" charset="0"/>
+                              <a:cs typeface="Arial" panose="020B0604020202020204" pitchFamily="34" charset="0"/>
+                            </a:rPr>
+                            <m:t>+</m:t>
+                          </m:r>
+                          <m:r>
+                            <a:rPr lang="en-US" sz="2000" b="0" i="1" smtClean="0">
+                              <a:latin typeface="Cambria Math" panose="02040503050406030204" pitchFamily="18" charset="0"/>
+                              <a:cs typeface="Arial" panose="020B0604020202020204" pitchFamily="34" charset="0"/>
+                            </a:rPr>
+                            <m:t>𝑏</m:t>
+                          </m:r>
+                          <m:sSup>
+                            <m:sSupPr>
+                              <m:ctrlPr>
+                                <a:rPr lang="en-US" sz="2000" b="0" i="1" smtClean="0">
+                                  <a:latin typeface="Cambria Math" panose="02040503050406030204" pitchFamily="18" charset="0"/>
+                                  <a:cs typeface="Arial" panose="020B0604020202020204" pitchFamily="34" charset="0"/>
+                                </a:rPr>
+                              </m:ctrlPr>
+                            </m:sSupPr>
+                            <m:e>
+                              <m:r>
+                                <a:rPr lang="en-US" sz="2000" b="0" i="1" smtClean="0">
+                                  <a:latin typeface="Cambria Math" panose="02040503050406030204" pitchFamily="18" charset="0"/>
+                                  <a:cs typeface="Arial" panose="020B0604020202020204" pitchFamily="34" charset="0"/>
+                                </a:rPr>
+                                <m:t>𝑥</m:t>
+                              </m:r>
+                            </m:e>
+                            <m:sup>
+                              <m:r>
+                                <a:rPr lang="en-US" sz="2000" b="0" i="1" smtClean="0">
+                                  <a:latin typeface="Cambria Math" panose="02040503050406030204" pitchFamily="18" charset="0"/>
+                                  <a:cs typeface="Arial" panose="020B0604020202020204" pitchFamily="34" charset="0"/>
+                                </a:rPr>
+                                <m:t>2</m:t>
+                              </m:r>
+                            </m:sup>
+                          </m:sSup>
+                        </m:oMath>
+                      </m:oMathPara>
+                    </a14:m>
+                    <a:endParaRPr lang="en-US" sz="2000" dirty="0" smtClean="0">
+                      <a:latin typeface="Arial" panose="020B0604020202020204" pitchFamily="34" charset="0"/>
+                      <a:cs typeface="Arial" panose="020B0604020202020204" pitchFamily="34" charset="0"/>
+                    </a:endParaRPr>
+                  </a:p>
+                </p:txBody>
+              </p:sp>
+            </mc:Choice>
+            <mc:Fallback>
+              <p:sp>
+                <p:nvSpPr>
+                  <p:cNvPr id="113" name="TextBox 112"/>
+                  <p:cNvSpPr txBox="1">
+                    <a:spLocks noRot="1" noChangeAspect="1" noMove="1" noResize="1" noEditPoints="1" noAdjustHandles="1" noChangeArrowheads="1" noChangeShapeType="1" noTextEdit="1"/>
+                  </p:cNvSpPr>
+                  <p:nvPr/>
+                </p:nvSpPr>
+                <p:spPr>
+                  <a:xfrm>
+                    <a:off x="8022031" y="3529626"/>
+                    <a:ext cx="1779653" cy="307777"/>
+                  </a:xfrm>
+                  <a:prstGeom prst="rect">
+                    <a:avLst/>
+                  </a:prstGeom>
+                  <a:blipFill>
+                    <a:blip r:embed="rId38"/>
+                    <a:stretch>
+                      <a:fillRect l="-2740" r="-685" b="-30000"/>
+                    </a:stretch>
+                  </a:blipFill>
+                </p:spPr>
+                <p:txBody>
+                  <a:bodyPr/>
+                  <a:lstStyle/>
+                  <a:p>
+                    <a:r>
+                      <a:rPr lang="en-US">
+                        <a:noFill/>
+                      </a:rPr>
+                      <a:t> </a:t>
+                    </a:r>
+                  </a:p>
+                </p:txBody>
+              </p:sp>
+            </mc:Fallback>
+          </mc:AlternateContent>
+        </p:grpSp>
+        <p:cxnSp>
+          <p:nvCxnSpPr>
+            <p:cNvPr id="115" name="Straight Connector 114"/>
+            <p:cNvCxnSpPr/>
+            <p:nvPr/>
+          </p:nvCxnSpPr>
+          <p:spPr>
+            <a:xfrm>
+              <a:off x="8602636" y="4387571"/>
+              <a:ext cx="3766" cy="1538164"/>
+            </a:xfrm>
+            <a:prstGeom prst="line">
+              <a:avLst/>
+            </a:prstGeom>
+            <a:ln w="19050">
+              <a:solidFill>
+                <a:schemeClr val="tx1"/>
+              </a:solidFill>
+              <a:prstDash val="sysDot"/>
+            </a:ln>
+          </p:spPr>
+          <p:style>
+            <a:lnRef idx="1">
+              <a:schemeClr val="accent1"/>
+            </a:lnRef>
+            <a:fillRef idx="0">
+              <a:schemeClr val="accent1"/>
+            </a:fillRef>
+            <a:effectRef idx="0">
+              <a:schemeClr val="accent1"/>
+            </a:effectRef>
+            <a:fontRef idx="minor">
+              <a:schemeClr val="tx1"/>
+            </a:fontRef>
+          </p:style>
+        </p:cxnSp>
+        <mc:AlternateContent xmlns:mc="http://schemas.openxmlformats.org/markup-compatibility/2006">
+          <mc:Choice xmlns:a14="http://schemas.microsoft.com/office/drawing/2010/main" Requires="a14">
+            <p:sp>
+              <p:nvSpPr>
+                <p:cNvPr id="117" name="TextBox 116"/>
+                <p:cNvSpPr txBox="1"/>
+                <p:nvPr/>
+              </p:nvSpPr>
+              <p:spPr>
+                <a:xfrm>
+                  <a:off x="8449641" y="5915915"/>
+                  <a:ext cx="323935" cy="307777"/>
+                </a:xfrm>
+                <a:prstGeom prst="rect">
+                  <a:avLst/>
+                </a:prstGeom>
+                <a:noFill/>
+              </p:spPr>
+              <p:txBody>
+                <a:bodyPr wrap="none" lIns="0" tIns="0" rIns="0" bIns="0" rtlCol="0">
+                  <a:spAutoFit/>
+                </a:bodyPr>
+                <a:lstStyle/>
+                <a:p>
+                  <a14:m>
+                    <m:oMathPara xmlns:m="http://schemas.openxmlformats.org/officeDocument/2006/math">
+                      <m:oMathParaPr>
+                        <m:jc m:val="centerGroup"/>
+                      </m:oMathParaPr>
+                      <m:oMath xmlns:m="http://schemas.openxmlformats.org/officeDocument/2006/math">
+                        <m:sSub>
+                          <m:sSubPr>
+                            <m:ctrlPr>
+                              <a:rPr lang="en-US" sz="2000" b="0" i="1" smtClean="0">
+                                <a:latin typeface="Cambria Math" panose="02040503050406030204" pitchFamily="18" charset="0"/>
+                                <a:cs typeface="Arial" panose="020B0604020202020204" pitchFamily="34" charset="0"/>
+                              </a:rPr>
+                            </m:ctrlPr>
+                          </m:sSubPr>
+                          <m:e>
+                            <m:r>
+                              <a:rPr lang="en-US" sz="2000" b="0" i="1" smtClean="0">
+                                <a:latin typeface="Cambria Math" panose="02040503050406030204" pitchFamily="18" charset="0"/>
+                                <a:cs typeface="Arial" panose="020B0604020202020204" pitchFamily="34" charset="0"/>
+                              </a:rPr>
+                              <m:t>𝑥</m:t>
+                            </m:r>
+                          </m:e>
+                          <m:sub>
+                            <m:r>
+                              <a:rPr lang="en-US" sz="2000" b="0" i="1" smtClean="0">
+                                <a:latin typeface="Cambria Math" panose="02040503050406030204" pitchFamily="18" charset="0"/>
+                                <a:cs typeface="Arial" panose="020B0604020202020204" pitchFamily="34" charset="0"/>
+                              </a:rPr>
+                              <m:t>1</m:t>
+                            </m:r>
+                          </m:sub>
+                        </m:sSub>
+                      </m:oMath>
+                    </m:oMathPara>
+                  </a14:m>
+                  <a:endParaRPr lang="en-US" sz="2000" dirty="0" smtClean="0">
+                    <a:latin typeface="Arial" panose="020B0604020202020204" pitchFamily="34" charset="0"/>
+                    <a:cs typeface="Arial" panose="020B0604020202020204" pitchFamily="34" charset="0"/>
+                  </a:endParaRPr>
+                </a:p>
+              </p:txBody>
+            </p:sp>
+          </mc:Choice>
+          <mc:Fallback>
+            <p:sp>
+              <p:nvSpPr>
+                <p:cNvPr id="117" name="TextBox 116"/>
+                <p:cNvSpPr txBox="1">
+                  <a:spLocks noRot="1" noChangeAspect="1" noMove="1" noResize="1" noEditPoints="1" noAdjustHandles="1" noChangeArrowheads="1" noChangeShapeType="1" noTextEdit="1"/>
+                </p:cNvSpPr>
+                <p:nvPr/>
+              </p:nvSpPr>
+              <p:spPr>
+                <a:xfrm>
+                  <a:off x="8449641" y="5915915"/>
+                  <a:ext cx="323935" cy="307777"/>
+                </a:xfrm>
+                <a:prstGeom prst="rect">
+                  <a:avLst/>
+                </a:prstGeom>
+                <a:blipFill>
+                  <a:blip r:embed="rId39"/>
+                  <a:stretch>
+                    <a:fillRect l="-7547" r="-3774" b="-17647"/>
+                  </a:stretch>
+                </a:blipFill>
+              </p:spPr>
+              <p:txBody>
+                <a:bodyPr/>
+                <a:lstStyle/>
+                <a:p>
+                  <a:r>
+                    <a:rPr lang="en-US">
+                      <a:noFill/>
+                    </a:rPr>
+                    <a:t> </a:t>
+                  </a:r>
+                </a:p>
+              </p:txBody>
+            </p:sp>
+          </mc:Fallback>
+        </mc:AlternateContent>
+      </p:grpSp>
+      <p:grpSp>
+        <p:nvGrpSpPr>
+          <p:cNvPr id="139" name="Group 138"/>
+          <p:cNvGrpSpPr/>
+          <p:nvPr/>
+        </p:nvGrpSpPr>
+        <p:grpSpPr>
+          <a:xfrm>
+            <a:off x="7264228" y="4572238"/>
+            <a:ext cx="1877300" cy="980789"/>
+            <a:chOff x="7264228" y="4572238"/>
+            <a:chExt cx="1877300" cy="980789"/>
+          </a:xfrm>
+        </p:grpSpPr>
+        <p:sp>
+          <p:nvSpPr>
+            <p:cNvPr id="119" name="Freeform 118"/>
+            <p:cNvSpPr/>
+            <p:nvPr/>
+          </p:nvSpPr>
+          <p:spPr>
+            <a:xfrm rot="20091346">
+              <a:off x="7264228" y="4750186"/>
+              <a:ext cx="1494999" cy="427416"/>
+            </a:xfrm>
+            <a:custGeom>
+              <a:avLst/>
+              <a:gdLst>
+                <a:gd name="connsiteX0" fmla="*/ 0 w 3241678"/>
+                <a:gd name="connsiteY0" fmla="*/ 848932 h 899227"/>
+                <a:gd name="connsiteX1" fmla="*/ 1628078 w 3241678"/>
+                <a:gd name="connsiteY1" fmla="*/ 815478 h 899227"/>
+                <a:gd name="connsiteX2" fmla="*/ 3100039 w 3241678"/>
+                <a:gd name="connsiteY2" fmla="*/ 68346 h 899227"/>
+                <a:gd name="connsiteX3" fmla="*/ 3100039 w 3241678"/>
+                <a:gd name="connsiteY3" fmla="*/ 79498 h 899227"/>
+              </a:gdLst>
+              <a:ahLst/>
+              <a:cxnLst>
+                <a:cxn ang="0">
+                  <a:pos x="connsiteX0" y="connsiteY0"/>
+                </a:cxn>
+                <a:cxn ang="0">
+                  <a:pos x="connsiteX1" y="connsiteY1"/>
+                </a:cxn>
+                <a:cxn ang="0">
+                  <a:pos x="connsiteX2" y="connsiteY2"/>
+                </a:cxn>
+                <a:cxn ang="0">
+                  <a:pos x="connsiteX3" y="connsiteY3"/>
+                </a:cxn>
+              </a:cxnLst>
+              <a:rect l="l" t="t" r="r" b="b"/>
+              <a:pathLst>
+                <a:path w="3241678" h="899227">
+                  <a:moveTo>
+                    <a:pt x="0" y="848932"/>
+                  </a:moveTo>
+                  <a:cubicBezTo>
+                    <a:pt x="555702" y="897254"/>
+                    <a:pt x="1111405" y="945576"/>
+                    <a:pt x="1628078" y="815478"/>
+                  </a:cubicBezTo>
+                  <a:cubicBezTo>
+                    <a:pt x="2144751" y="685380"/>
+                    <a:pt x="3100039" y="68346"/>
+                    <a:pt x="3100039" y="68346"/>
+                  </a:cubicBezTo>
+                  <a:cubicBezTo>
+                    <a:pt x="3345366" y="-54317"/>
+                    <a:pt x="3222702" y="12590"/>
+                    <a:pt x="3100039" y="79498"/>
+                  </a:cubicBezTo>
+                </a:path>
+              </a:pathLst>
+            </a:custGeom>
+            <a:noFill/>
+            <a:ln w="38100">
+              <a:solidFill>
+                <a:schemeClr val="tx1"/>
+              </a:solidFill>
+              <a:prstDash val="sysDot"/>
+            </a:ln>
+          </p:spPr>
+          <p:style>
+            <a:lnRef idx="2">
+              <a:schemeClr val="accent1">
+                <a:shade val="50000"/>
+              </a:schemeClr>
+            </a:lnRef>
+            <a:fillRef idx="1">
+              <a:schemeClr val="accent1"/>
+            </a:fillRef>
+            <a:effectRef idx="0">
+              <a:schemeClr val="accent1"/>
+            </a:effectRef>
+            <a:fontRef idx="minor">
+              <a:schemeClr val="lt1"/>
+            </a:fontRef>
+          </p:style>
+          <p:txBody>
+            <a:bodyPr rtlCol="0" anchor="ctr"/>
+            <a:lstStyle/>
+            <a:p>
+              <a:pPr algn="ctr"/>
+              <a:endParaRPr lang="en-US"/>
+            </a:p>
+          </p:txBody>
+        </p:sp>
+        <p:cxnSp>
+          <p:nvCxnSpPr>
+            <p:cNvPr id="121" name="Straight Arrow Connector 120"/>
+            <p:cNvCxnSpPr/>
+            <p:nvPr/>
+          </p:nvCxnSpPr>
+          <p:spPr>
+            <a:xfrm flipV="1">
+              <a:off x="8044410" y="4689013"/>
+              <a:ext cx="691060" cy="484072"/>
+            </a:xfrm>
+            <a:prstGeom prst="straightConnector1">
+              <a:avLst/>
+            </a:prstGeom>
+            <a:ln w="38100">
+              <a:solidFill>
+                <a:schemeClr val="tx1"/>
+              </a:solidFill>
+              <a:tailEnd type="triangle"/>
+            </a:ln>
+          </p:spPr>
+          <p:style>
+            <a:lnRef idx="1">
+              <a:schemeClr val="accent1"/>
+            </a:lnRef>
+            <a:fillRef idx="0">
+              <a:schemeClr val="accent1"/>
+            </a:fillRef>
+            <a:effectRef idx="0">
+              <a:schemeClr val="accent1"/>
+            </a:effectRef>
+            <a:fontRef idx="minor">
+              <a:schemeClr val="tx1"/>
+            </a:fontRef>
+          </p:style>
+        </p:cxnSp>
+        <mc:AlternateContent xmlns:mc="http://schemas.openxmlformats.org/markup-compatibility/2006">
+          <mc:Choice xmlns:a14="http://schemas.microsoft.com/office/drawing/2010/main" Requires="a14">
+            <p:sp>
+              <p:nvSpPr>
+                <p:cNvPr id="126" name="TextBox 125"/>
+                <p:cNvSpPr txBox="1"/>
+                <p:nvPr/>
+              </p:nvSpPr>
+              <p:spPr>
+                <a:xfrm>
+                  <a:off x="7942510" y="4572238"/>
+                  <a:ext cx="355225" cy="307777"/>
+                </a:xfrm>
+                <a:prstGeom prst="rect">
+                  <a:avLst/>
+                </a:prstGeom>
+                <a:noFill/>
+              </p:spPr>
+              <p:txBody>
+                <a:bodyPr wrap="none" lIns="0" tIns="0" rIns="0" bIns="0" rtlCol="0">
+                  <a:spAutoFit/>
+                </a:bodyPr>
+                <a:lstStyle/>
+                <a:p>
+                  <a14:m>
+                    <m:oMathPara xmlns:m="http://schemas.openxmlformats.org/officeDocument/2006/math">
+                      <m:oMathParaPr>
+                        <m:jc m:val="centerGroup"/>
+                      </m:oMathParaPr>
+                      <m:oMath xmlns:m="http://schemas.openxmlformats.org/officeDocument/2006/math">
+                        <m:r>
+                          <a:rPr lang="en-US" sz="2000" b="0" i="1" smtClean="0">
+                            <a:latin typeface="Cambria Math" panose="02040503050406030204" pitchFamily="18" charset="0"/>
+                            <a:cs typeface="Arial" panose="020B0604020202020204" pitchFamily="34" charset="0"/>
+                          </a:rPr>
+                          <m:t>𝑑</m:t>
+                        </m:r>
+                        <m:acc>
+                          <m:accPr>
+                            <m:chr m:val="⃗"/>
+                            <m:ctrlPr>
+                              <a:rPr lang="en-US" sz="2000" b="0" i="1" smtClean="0">
+                                <a:latin typeface="Cambria Math" panose="02040503050406030204" pitchFamily="18" charset="0"/>
+                                <a:cs typeface="Arial" panose="020B0604020202020204" pitchFamily="34" charset="0"/>
+                              </a:rPr>
+                            </m:ctrlPr>
+                          </m:accPr>
+                          <m:e>
+                            <m:r>
+                              <a:rPr lang="en-US" sz="2000" b="0" i="1" smtClean="0">
+                                <a:latin typeface="Cambria Math" panose="02040503050406030204" pitchFamily="18" charset="0"/>
+                                <a:cs typeface="Arial" panose="020B0604020202020204" pitchFamily="34" charset="0"/>
+                              </a:rPr>
+                              <m:t>𝑟</m:t>
+                            </m:r>
+                          </m:e>
+                        </m:acc>
+                      </m:oMath>
+                    </m:oMathPara>
+                  </a14:m>
+                  <a:endParaRPr lang="en-US" sz="2000" dirty="0" smtClean="0">
+                    <a:latin typeface="Arial" panose="020B0604020202020204" pitchFamily="34" charset="0"/>
+                    <a:cs typeface="Arial" panose="020B0604020202020204" pitchFamily="34" charset="0"/>
+                  </a:endParaRPr>
+                </a:p>
+              </p:txBody>
+            </p:sp>
+          </mc:Choice>
+          <mc:Fallback>
+            <p:sp>
+              <p:nvSpPr>
+                <p:cNvPr id="126" name="TextBox 125"/>
+                <p:cNvSpPr txBox="1">
+                  <a:spLocks noRot="1" noChangeAspect="1" noMove="1" noResize="1" noEditPoints="1" noAdjustHandles="1" noChangeArrowheads="1" noChangeShapeType="1" noTextEdit="1"/>
+                </p:cNvSpPr>
+                <p:nvPr/>
+              </p:nvSpPr>
+              <p:spPr>
+                <a:xfrm>
+                  <a:off x="7942510" y="4572238"/>
+                  <a:ext cx="355225" cy="307777"/>
+                </a:xfrm>
+                <a:prstGeom prst="rect">
+                  <a:avLst/>
+                </a:prstGeom>
+                <a:blipFill>
+                  <a:blip r:embed="rId40"/>
+                  <a:stretch>
+                    <a:fillRect l="-15517" t="-33333" r="-96552" b="-9804"/>
+                  </a:stretch>
+                </a:blipFill>
+              </p:spPr>
+              <p:txBody>
+                <a:bodyPr/>
+                <a:lstStyle/>
+                <a:p>
+                  <a:r>
+                    <a:rPr lang="en-US">
+                      <a:noFill/>
+                    </a:rPr>
+                    <a:t> </a:t>
+                  </a:r>
+                </a:p>
+              </p:txBody>
+            </p:sp>
+          </mc:Fallback>
+        </mc:AlternateContent>
+        <p:cxnSp>
+          <p:nvCxnSpPr>
+            <p:cNvPr id="127" name="Straight Connector 126"/>
+            <p:cNvCxnSpPr/>
+            <p:nvPr/>
+          </p:nvCxnSpPr>
+          <p:spPr>
+            <a:xfrm>
+              <a:off x="8725942" y="4700662"/>
+              <a:ext cx="9528" cy="479799"/>
+            </a:xfrm>
+            <a:prstGeom prst="line">
+              <a:avLst/>
+            </a:prstGeom>
+            <a:ln w="19050">
+              <a:solidFill>
+                <a:schemeClr val="tx1"/>
+              </a:solidFill>
+              <a:prstDash val="sysDot"/>
+            </a:ln>
+          </p:spPr>
+          <p:style>
+            <a:lnRef idx="1">
+              <a:schemeClr val="accent1"/>
+            </a:lnRef>
+            <a:fillRef idx="0">
+              <a:schemeClr val="accent1"/>
+            </a:fillRef>
+            <a:effectRef idx="0">
+              <a:schemeClr val="accent1"/>
+            </a:effectRef>
+            <a:fontRef idx="minor">
+              <a:schemeClr val="tx1"/>
+            </a:fontRef>
+          </p:style>
+        </p:cxnSp>
+        <p:cxnSp>
+          <p:nvCxnSpPr>
+            <p:cNvPr id="129" name="Straight Connector 128"/>
+            <p:cNvCxnSpPr/>
+            <p:nvPr/>
+          </p:nvCxnSpPr>
+          <p:spPr>
+            <a:xfrm flipV="1">
+              <a:off x="8068577" y="5168855"/>
+              <a:ext cx="670913" cy="11606"/>
+            </a:xfrm>
+            <a:prstGeom prst="line">
+              <a:avLst/>
+            </a:prstGeom>
+            <a:ln w="19050">
+              <a:solidFill>
+                <a:schemeClr val="tx1"/>
+              </a:solidFill>
+              <a:prstDash val="sysDot"/>
+            </a:ln>
+          </p:spPr>
+          <p:style>
+            <a:lnRef idx="1">
+              <a:schemeClr val="accent1"/>
+            </a:lnRef>
+            <a:fillRef idx="0">
+              <a:schemeClr val="accent1"/>
+            </a:fillRef>
+            <a:effectRef idx="0">
+              <a:schemeClr val="accent1"/>
+            </a:effectRef>
+            <a:fontRef idx="minor">
+              <a:schemeClr val="tx1"/>
+            </a:fontRef>
+          </p:style>
+        </p:cxnSp>
+        <mc:AlternateContent xmlns:mc="http://schemas.openxmlformats.org/markup-compatibility/2006">
+          <mc:Choice xmlns:a14="http://schemas.microsoft.com/office/drawing/2010/main" Requires="a14">
+            <p:sp>
+              <p:nvSpPr>
+                <p:cNvPr id="137" name="TextBox 136"/>
+                <p:cNvSpPr txBox="1"/>
+                <p:nvPr/>
+              </p:nvSpPr>
+              <p:spPr>
+                <a:xfrm>
+                  <a:off x="8208127" y="5245250"/>
+                  <a:ext cx="363626" cy="307777"/>
+                </a:xfrm>
+                <a:prstGeom prst="rect">
+                  <a:avLst/>
+                </a:prstGeom>
+                <a:noFill/>
+              </p:spPr>
+              <p:txBody>
+                <a:bodyPr wrap="none" lIns="0" tIns="0" rIns="0" bIns="0" rtlCol="0">
+                  <a:spAutoFit/>
+                </a:bodyPr>
+                <a:lstStyle/>
+                <a:p>
+                  <a14:m>
+                    <m:oMathPara xmlns:m="http://schemas.openxmlformats.org/officeDocument/2006/math">
+                      <m:oMathParaPr>
+                        <m:jc m:val="centerGroup"/>
+                      </m:oMathParaPr>
+                      <m:oMath xmlns:m="http://schemas.openxmlformats.org/officeDocument/2006/math">
+                        <m:r>
+                          <a:rPr lang="en-US" sz="2000" b="0" i="1" smtClean="0">
+                            <a:latin typeface="Cambria Math" panose="02040503050406030204" pitchFamily="18" charset="0"/>
+                            <a:cs typeface="Arial" panose="020B0604020202020204" pitchFamily="34" charset="0"/>
+                          </a:rPr>
+                          <m:t>𝑑𝑥</m:t>
+                        </m:r>
+                      </m:oMath>
+                    </m:oMathPara>
+                  </a14:m>
+                  <a:endParaRPr lang="en-US" sz="2000" dirty="0" smtClean="0">
+                    <a:latin typeface="Arial" panose="020B0604020202020204" pitchFamily="34" charset="0"/>
+                    <a:cs typeface="Arial" panose="020B0604020202020204" pitchFamily="34" charset="0"/>
+                  </a:endParaRPr>
+                </a:p>
+              </p:txBody>
+            </p:sp>
+          </mc:Choice>
+          <mc:Fallback>
+            <p:sp>
+              <p:nvSpPr>
+                <p:cNvPr id="137" name="TextBox 136"/>
+                <p:cNvSpPr txBox="1">
+                  <a:spLocks noRot="1" noChangeAspect="1" noMove="1" noResize="1" noEditPoints="1" noAdjustHandles="1" noChangeArrowheads="1" noChangeShapeType="1" noTextEdit="1"/>
+                </p:cNvSpPr>
+                <p:nvPr/>
+              </p:nvSpPr>
+              <p:spPr>
+                <a:xfrm>
+                  <a:off x="8208127" y="5245250"/>
+                  <a:ext cx="363626" cy="307777"/>
+                </a:xfrm>
+                <a:prstGeom prst="rect">
+                  <a:avLst/>
+                </a:prstGeom>
+                <a:blipFill>
+                  <a:blip r:embed="rId41"/>
+                  <a:stretch>
+                    <a:fillRect l="-15000" r="-11667" b="-9804"/>
+                  </a:stretch>
+                </a:blipFill>
+              </p:spPr>
+              <p:txBody>
+                <a:bodyPr/>
+                <a:lstStyle/>
+                <a:p>
+                  <a:r>
+                    <a:rPr lang="en-US">
+                      <a:noFill/>
+                    </a:rPr>
+                    <a:t> </a:t>
+                  </a:r>
+                </a:p>
+              </p:txBody>
+            </p:sp>
+          </mc:Fallback>
+        </mc:AlternateContent>
+        <mc:AlternateContent xmlns:mc="http://schemas.openxmlformats.org/markup-compatibility/2006">
+          <mc:Choice xmlns:a14="http://schemas.microsoft.com/office/drawing/2010/main" Requires="a14">
+            <p:sp>
+              <p:nvSpPr>
+                <p:cNvPr id="138" name="TextBox 137"/>
+                <p:cNvSpPr txBox="1"/>
+                <p:nvPr/>
+              </p:nvSpPr>
+              <p:spPr>
+                <a:xfrm>
+                  <a:off x="8773287" y="4777160"/>
+                  <a:ext cx="368241" cy="307777"/>
+                </a:xfrm>
+                <a:prstGeom prst="rect">
+                  <a:avLst/>
+                </a:prstGeom>
+                <a:noFill/>
+              </p:spPr>
+              <p:txBody>
+                <a:bodyPr wrap="none" lIns="0" tIns="0" rIns="0" bIns="0" rtlCol="0">
+                  <a:spAutoFit/>
+                </a:bodyPr>
+                <a:lstStyle/>
+                <a:p>
+                  <a14:m>
+                    <m:oMathPara xmlns:m="http://schemas.openxmlformats.org/officeDocument/2006/math">
+                      <m:oMathParaPr>
+                        <m:jc m:val="centerGroup"/>
+                      </m:oMathParaPr>
+                      <m:oMath xmlns:m="http://schemas.openxmlformats.org/officeDocument/2006/math">
+                        <m:r>
+                          <a:rPr lang="en-US" sz="2000" b="0" i="1" smtClean="0">
+                            <a:latin typeface="Cambria Math" panose="02040503050406030204" pitchFamily="18" charset="0"/>
+                            <a:cs typeface="Arial" panose="020B0604020202020204" pitchFamily="34" charset="0"/>
+                          </a:rPr>
+                          <m:t>𝑑𝑦</m:t>
+                        </m:r>
+                      </m:oMath>
+                    </m:oMathPara>
+                  </a14:m>
+                  <a:endParaRPr lang="en-US" sz="2000" dirty="0" smtClean="0">
+                    <a:latin typeface="Arial" panose="020B0604020202020204" pitchFamily="34" charset="0"/>
+                    <a:cs typeface="Arial" panose="020B0604020202020204" pitchFamily="34" charset="0"/>
+                  </a:endParaRPr>
+                </a:p>
+              </p:txBody>
+            </p:sp>
+          </mc:Choice>
+          <mc:Fallback>
+            <p:sp>
+              <p:nvSpPr>
+                <p:cNvPr id="138" name="TextBox 137"/>
+                <p:cNvSpPr txBox="1">
+                  <a:spLocks noRot="1" noChangeAspect="1" noMove="1" noResize="1" noEditPoints="1" noAdjustHandles="1" noChangeArrowheads="1" noChangeShapeType="1" noTextEdit="1"/>
+                </p:cNvSpPr>
+                <p:nvPr/>
+              </p:nvSpPr>
+              <p:spPr>
+                <a:xfrm>
+                  <a:off x="8773287" y="4777160"/>
+                  <a:ext cx="368241" cy="307777"/>
+                </a:xfrm>
+                <a:prstGeom prst="rect">
+                  <a:avLst/>
+                </a:prstGeom>
+                <a:blipFill>
+                  <a:blip r:embed="rId42"/>
+                  <a:stretch>
+                    <a:fillRect l="-21311" r="-21311" b="-38000"/>
+                  </a:stretch>
+                </a:blipFill>
+              </p:spPr>
+              <p:txBody>
+                <a:bodyPr/>
+                <a:lstStyle/>
+                <a:p>
+                  <a:r>
+                    <a:rPr lang="en-US">
+                      <a:noFill/>
+                    </a:rPr>
+                    <a:t> </a:t>
+                  </a:r>
+                </a:p>
+              </p:txBody>
+            </p:sp>
+          </mc:Fallback>
+        </mc:AlternateContent>
+      </p:grpSp>
+    </p:spTree>
+    <p:extLst>
+      <p:ext uri="{BB962C8B-B14F-4D97-AF65-F5344CB8AC3E}">
+        <p14:creationId xmlns:p14="http://schemas.microsoft.com/office/powerpoint/2010/main" val="746472056"/>
+      </p:ext>
+    </p:extLst>
+  </p:cSld>
+  <p:clrMapOvr>
+    <a:masterClrMapping/>
+  </p:clrMapOvr>
+</p:sld>
+</file>
+
+<file path=ppt/slides/slide5.xml><?xml version="1.0" encoding="utf-8"?>
+<p:sld xmlns:a="http://schemas.openxmlformats.org/drawingml/2006/main" xmlns:r="http://schemas.openxmlformats.org/officeDocument/2006/relationships" xmlns:p="http://schemas.openxmlformats.org/presentationml/2006/main">
+  <p:cSld>
+    <p:spTree>
+      <p:nvGrpSpPr>
+        <p:cNvPr id="1" name=""/>
+        <p:cNvGrpSpPr/>
+        <p:nvPr/>
+      </p:nvGrpSpPr>
+      <p:grpSpPr>
+        <a:xfrm>
+          <a:off x="0" y="0"/>
+          <a:ext cx="0" cy="0"/>
+          <a:chOff x="0" y="0"/>
+          <a:chExt cx="0" cy="0"/>
+        </a:xfrm>
+      </p:grpSpPr>
+      <p:grpSp>
+        <p:nvGrpSpPr>
+          <p:cNvPr id="58" name="Group 57"/>
+          <p:cNvGrpSpPr/>
+          <p:nvPr/>
+        </p:nvGrpSpPr>
+        <p:grpSpPr>
+          <a:xfrm>
+            <a:off x="783006" y="637492"/>
+            <a:ext cx="2963952" cy="2009182"/>
+            <a:chOff x="783006" y="637492"/>
+            <a:chExt cx="2963952" cy="2009182"/>
+          </a:xfrm>
+        </p:grpSpPr>
+        <p:grpSp>
+          <p:nvGrpSpPr>
+            <p:cNvPr id="26" name="Group 25"/>
+            <p:cNvGrpSpPr/>
+            <p:nvPr/>
+          </p:nvGrpSpPr>
+          <p:grpSpPr>
+            <a:xfrm>
+              <a:off x="1034316" y="637492"/>
+              <a:ext cx="2712642" cy="2009182"/>
+              <a:chOff x="1034316" y="637492"/>
+              <a:chExt cx="2712642" cy="2009182"/>
+            </a:xfrm>
+          </p:grpSpPr>
+          <p:grpSp>
+            <p:nvGrpSpPr>
+              <p:cNvPr id="4" name="Group 3"/>
+              <p:cNvGrpSpPr/>
+              <p:nvPr/>
+            </p:nvGrpSpPr>
+            <p:grpSpPr>
+              <a:xfrm>
+                <a:off x="1034316" y="637492"/>
+                <a:ext cx="1852606" cy="1456496"/>
+                <a:chOff x="1301945" y="938575"/>
+                <a:chExt cx="1852606" cy="1456496"/>
+              </a:xfrm>
+            </p:grpSpPr>
+            <p:grpSp>
+              <p:nvGrpSpPr>
+                <p:cNvPr id="5" name="Group 4"/>
+                <p:cNvGrpSpPr/>
+                <p:nvPr/>
+              </p:nvGrpSpPr>
+              <p:grpSpPr>
+                <a:xfrm>
+                  <a:off x="1301945" y="1792905"/>
+                  <a:ext cx="1422585" cy="602166"/>
+                  <a:chOff x="1480364" y="2863422"/>
+                  <a:chExt cx="1422585" cy="602166"/>
+                </a:xfrm>
+              </p:grpSpPr>
+              <p:sp>
+                <p:nvSpPr>
+                  <p:cNvPr id="9" name="Rectangle 8"/>
+                  <p:cNvSpPr/>
+                  <p:nvPr/>
+                </p:nvSpPr>
+                <p:spPr>
+                  <a:xfrm rot="19655938">
+                    <a:off x="2245027" y="2863422"/>
+                    <a:ext cx="657922" cy="602166"/>
+                  </a:xfrm>
+                  <a:prstGeom prst="rect">
+                    <a:avLst/>
+                  </a:prstGeom>
+                  <a:solidFill>
+                    <a:schemeClr val="bg2"/>
+                  </a:solidFill>
+                  <a:ln w="38100">
+                    <a:solidFill>
+                      <a:schemeClr val="tx1"/>
+                    </a:solidFill>
+                  </a:ln>
+                </p:spPr>
+                <p:style>
+                  <a:lnRef idx="2">
+                    <a:schemeClr val="accent1">
+                      <a:shade val="50000"/>
+                    </a:schemeClr>
+                  </a:lnRef>
+                  <a:fillRef idx="1">
+                    <a:schemeClr val="accent1"/>
+                  </a:fillRef>
+                  <a:effectRef idx="0">
+                    <a:schemeClr val="accent1"/>
+                  </a:effectRef>
+                  <a:fontRef idx="minor">
+                    <a:schemeClr val="lt1"/>
+                  </a:fontRef>
+                </p:style>
+                <p:txBody>
+                  <a:bodyPr rtlCol="0" anchor="ctr"/>
+                  <a:lstStyle/>
+                  <a:p>
+                    <a:pPr algn="ctr"/>
+                    <a:endParaRPr lang="en-US" dirty="0"/>
+                  </a:p>
+                </p:txBody>
+              </p:sp>
+              <mc:AlternateContent xmlns:mc="http://schemas.openxmlformats.org/markup-compatibility/2006">
+                <mc:Choice xmlns:a14="http://schemas.microsoft.com/office/drawing/2010/main" Requires="a14">
+                  <p:sp>
+                    <p:nvSpPr>
+                      <p:cNvPr id="18" name="TextBox 17"/>
+                      <p:cNvSpPr txBox="1"/>
+                      <p:nvPr/>
+                    </p:nvSpPr>
+                    <p:spPr>
+                      <a:xfrm>
+                        <a:off x="1480364" y="3040800"/>
+                        <a:ext cx="237629" cy="345159"/>
+                      </a:xfrm>
+                      <a:prstGeom prst="rect">
+                        <a:avLst/>
+                      </a:prstGeom>
+                      <a:noFill/>
+                    </p:spPr>
+                    <p:txBody>
+                      <a:bodyPr wrap="none" lIns="0" tIns="0" rIns="0" bIns="0" rtlCol="0">
+                        <a:spAutoFit/>
+                      </a:bodyPr>
+                      <a:lstStyle/>
+                      <a:p>
+                        <a:pPr/>
+                        <a14:m>
+                          <m:oMathPara xmlns:m="http://schemas.openxmlformats.org/officeDocument/2006/math">
+                            <m:oMathParaPr>
+                              <m:jc m:val="centerGroup"/>
+                            </m:oMathParaPr>
+                            <m:oMath xmlns:m="http://schemas.openxmlformats.org/officeDocument/2006/math">
+                              <m:acc>
+                                <m:accPr>
+                                  <m:chr m:val="⃗"/>
+                                  <m:ctrlPr>
+                                    <a:rPr lang="en-US" sz="2000" b="0" i="1" smtClean="0">
+                                      <a:latin typeface="Cambria Math" panose="02040503050406030204" pitchFamily="18" charset="0"/>
+                                      <a:cs typeface="Arial" panose="020B0604020202020204" pitchFamily="34" charset="0"/>
+                                    </a:rPr>
+                                  </m:ctrlPr>
+                                </m:accPr>
+                                <m:e>
+                                  <m:r>
+                                    <a:rPr lang="en-US" sz="2000" b="0" i="1" smtClean="0">
+                                      <a:latin typeface="Cambria Math" panose="02040503050406030204" pitchFamily="18" charset="0"/>
+                                      <a:cs typeface="Arial" panose="020B0604020202020204" pitchFamily="34" charset="0"/>
+                                    </a:rPr>
+                                    <m:t>𝐹</m:t>
+                                  </m:r>
+                                </m:e>
+                              </m:acc>
+                            </m:oMath>
+                          </m:oMathPara>
+                        </a14:m>
+                        <a:endParaRPr lang="en-US" sz="2000" dirty="0" smtClean="0">
+                          <a:latin typeface="Arial" panose="020B0604020202020204" pitchFamily="34" charset="0"/>
+                          <a:cs typeface="Arial" panose="020B0604020202020204" pitchFamily="34" charset="0"/>
+                        </a:endParaRPr>
+                      </a:p>
+                    </p:txBody>
+                  </p:sp>
+                </mc:Choice>
+                <mc:Fallback>
+                  <p:sp>
+                    <p:nvSpPr>
+                      <p:cNvPr id="18" name="TextBox 17"/>
+                      <p:cNvSpPr txBox="1">
+                        <a:spLocks noRot="1" noChangeAspect="1" noMove="1" noResize="1" noEditPoints="1" noAdjustHandles="1" noChangeArrowheads="1" noChangeShapeType="1" noTextEdit="1"/>
+                      </p:cNvSpPr>
+                      <p:nvPr/>
+                    </p:nvSpPr>
+                    <p:spPr>
+                      <a:xfrm>
+                        <a:off x="1480364" y="3040800"/>
+                        <a:ext cx="237629" cy="345159"/>
+                      </a:xfrm>
+                      <a:prstGeom prst="rect">
+                        <a:avLst/>
+                      </a:prstGeom>
+                      <a:blipFill>
+                        <a:blip r:embed="rId2"/>
+                        <a:stretch>
+                          <a:fillRect l="-23077" t="-35714" r="-89744" b="-8929"/>
+                        </a:stretch>
+                      </a:blipFill>
+                    </p:spPr>
+                    <p:txBody>
+                      <a:bodyPr/>
+                      <a:lstStyle/>
+                      <a:p>
+                        <a:r>
+                          <a:rPr lang="en-US">
+                            <a:noFill/>
+                          </a:rPr>
+                          <a:t> </a:t>
+                        </a:r>
+                      </a:p>
+                    </p:txBody>
+                  </p:sp>
+                </mc:Fallback>
+              </mc:AlternateContent>
+            </p:grpSp>
+            <p:cxnSp>
+              <p:nvCxnSpPr>
+                <p:cNvPr id="6" name="Straight Arrow Connector 5"/>
+                <p:cNvCxnSpPr/>
+                <p:nvPr/>
+              </p:nvCxnSpPr>
+              <p:spPr>
+                <a:xfrm flipV="1">
+                  <a:off x="2144196" y="1019729"/>
+                  <a:ext cx="1010355" cy="635619"/>
+                </a:xfrm>
+                <a:prstGeom prst="straightConnector1">
+                  <a:avLst/>
+                </a:prstGeom>
+                <a:ln w="57150">
+                  <a:solidFill>
+                    <a:schemeClr val="tx1"/>
+                  </a:solidFill>
+                  <a:tailEnd type="triangle"/>
+                </a:ln>
+              </p:spPr>
+              <p:style>
+                <a:lnRef idx="1">
+                  <a:schemeClr val="accent1"/>
+                </a:lnRef>
+                <a:fillRef idx="0">
+                  <a:schemeClr val="accent1"/>
+                </a:fillRef>
+                <a:effectRef idx="0">
+                  <a:schemeClr val="accent1"/>
+                </a:effectRef>
+                <a:fontRef idx="minor">
+                  <a:schemeClr val="tx1"/>
+                </a:fontRef>
+              </p:style>
+            </p:cxnSp>
+            <mc:AlternateContent xmlns:mc="http://schemas.openxmlformats.org/markup-compatibility/2006">
+              <mc:Choice xmlns:a14="http://schemas.microsoft.com/office/drawing/2010/main" Requires="a14">
+                <p:sp>
+                  <p:nvSpPr>
+                    <p:cNvPr id="7" name="TextBox 6"/>
+                    <p:cNvSpPr txBox="1"/>
+                    <p:nvPr/>
+                  </p:nvSpPr>
+                  <p:spPr>
+                    <a:xfrm>
+                      <a:off x="2395569" y="938575"/>
+                      <a:ext cx="227755" cy="353302"/>
+                    </a:xfrm>
+                    <a:prstGeom prst="rect">
+                      <a:avLst/>
+                    </a:prstGeom>
+                    <a:noFill/>
+                  </p:spPr>
+                  <p:txBody>
+                    <a:bodyPr wrap="none" lIns="0" tIns="0" rIns="0" bIns="0" rtlCol="0">
+                      <a:spAutoFit/>
+                    </a:bodyPr>
+                    <a:lstStyle/>
+                    <a:p>
+                      <a:pPr/>
+                      <a14:m>
+                        <m:oMathPara xmlns:m="http://schemas.openxmlformats.org/officeDocument/2006/math">
+                          <m:oMathParaPr>
+                            <m:jc m:val="centerGroup"/>
+                          </m:oMathParaPr>
+                          <m:oMath xmlns:m="http://schemas.openxmlformats.org/officeDocument/2006/math">
+                            <m:acc>
+                              <m:accPr>
+                                <m:chr m:val="⃗"/>
+                                <m:ctrlPr>
+                                  <a:rPr lang="en-US" sz="2000" b="0" i="1" smtClean="0">
+                                    <a:latin typeface="Cambria Math" panose="02040503050406030204" pitchFamily="18" charset="0"/>
+                                    <a:cs typeface="Arial" panose="020B0604020202020204" pitchFamily="34" charset="0"/>
+                                  </a:rPr>
+                                </m:ctrlPr>
+                              </m:accPr>
+                              <m:e>
+                                <m:r>
+                                  <a:rPr lang="en-US" sz="2000" b="0" i="1" smtClean="0">
+                                    <a:latin typeface="Cambria Math" panose="02040503050406030204" pitchFamily="18" charset="0"/>
+                                    <a:cs typeface="Arial" panose="020B0604020202020204" pitchFamily="34" charset="0"/>
+                                  </a:rPr>
+                                  <m:t>𝑑</m:t>
+                                </m:r>
+                              </m:e>
+                            </m:acc>
+                          </m:oMath>
+                        </m:oMathPara>
+                      </a14:m>
+                      <a:endParaRPr lang="en-US" sz="2000" dirty="0" smtClean="0">
+                        <a:latin typeface="Arial" panose="020B0604020202020204" pitchFamily="34" charset="0"/>
+                        <a:cs typeface="Arial" panose="020B0604020202020204" pitchFamily="34" charset="0"/>
+                      </a:endParaRPr>
+                    </a:p>
+                  </p:txBody>
+                </p:sp>
+              </mc:Choice>
+              <mc:Fallback>
+                <p:sp>
+                  <p:nvSpPr>
+                    <p:cNvPr id="7" name="TextBox 6"/>
+                    <p:cNvSpPr txBox="1">
+                      <a:spLocks noRot="1" noChangeAspect="1" noMove="1" noResize="1" noEditPoints="1" noAdjustHandles="1" noChangeArrowheads="1" noChangeShapeType="1" noTextEdit="1"/>
+                    </p:cNvSpPr>
+                    <p:nvPr/>
+                  </p:nvSpPr>
+                  <p:spPr>
+                    <a:xfrm>
+                      <a:off x="2395569" y="938575"/>
+                      <a:ext cx="227755" cy="353302"/>
+                    </a:xfrm>
+                    <a:prstGeom prst="rect">
+                      <a:avLst/>
+                    </a:prstGeom>
+                    <a:blipFill>
+                      <a:blip r:embed="rId3"/>
+                      <a:stretch>
+                        <a:fillRect l="-24324" t="-34483" r="-97297" b="-8621"/>
+                      </a:stretch>
+                    </a:blipFill>
+                  </p:spPr>
+                  <p:txBody>
+                    <a:bodyPr/>
+                    <a:lstStyle/>
+                    <a:p>
+                      <a:r>
+                        <a:rPr lang="en-US">
+                          <a:noFill/>
+                        </a:rPr>
+                        <a:t> </a:t>
+                      </a:r>
+                    </a:p>
+                  </p:txBody>
+                </p:sp>
+              </mc:Fallback>
+            </mc:AlternateContent>
+          </p:grpSp>
+          <p:sp>
+            <p:nvSpPr>
+              <p:cNvPr id="23" name="Right Triangle 22"/>
+              <p:cNvSpPr/>
+              <p:nvPr/>
+            </p:nvSpPr>
+            <p:spPr>
+              <a:xfrm flipH="1">
+                <a:off x="1349446" y="1141260"/>
+                <a:ext cx="2397512" cy="1505414"/>
+              </a:xfrm>
+              <a:prstGeom prst="rtTriangle">
+                <a:avLst/>
+              </a:prstGeom>
+              <a:noFill/>
+              <a:ln w="38100">
+                <a:solidFill>
+                  <a:schemeClr val="tx1"/>
+                </a:solidFill>
+              </a:ln>
+            </p:spPr>
+            <p:style>
+              <a:lnRef idx="2">
+                <a:schemeClr val="accent1">
+                  <a:shade val="50000"/>
+                </a:schemeClr>
+              </a:lnRef>
+              <a:fillRef idx="1">
+                <a:schemeClr val="accent1"/>
+              </a:fillRef>
+              <a:effectRef idx="0">
+                <a:schemeClr val="accent1"/>
+              </a:effectRef>
+              <a:fontRef idx="minor">
+                <a:schemeClr val="lt1"/>
+              </a:fontRef>
+            </p:style>
+            <p:txBody>
+              <a:bodyPr rtlCol="0" anchor="ctr"/>
+              <a:lstStyle/>
+              <a:p>
+                <a:pPr algn="ctr"/>
+                <a:endParaRPr lang="en-US"/>
+              </a:p>
+            </p:txBody>
+          </p:sp>
+          <mc:AlternateContent xmlns:mc="http://schemas.openxmlformats.org/markup-compatibility/2006">
+            <mc:Choice xmlns:a14="http://schemas.microsoft.com/office/drawing/2010/main" Requires="a14">
+              <p:sp>
+                <p:nvSpPr>
+                  <p:cNvPr id="25" name="TextBox 24"/>
+                  <p:cNvSpPr txBox="1"/>
+                  <p:nvPr/>
+                </p:nvSpPr>
+                <p:spPr>
+                  <a:xfrm>
+                    <a:off x="1876567" y="2338897"/>
+                    <a:ext cx="222304" cy="307777"/>
+                  </a:xfrm>
+                  <a:prstGeom prst="rect">
+                    <a:avLst/>
+                  </a:prstGeom>
+                  <a:noFill/>
+                </p:spPr>
+                <p:txBody>
+                  <a:bodyPr wrap="none" lIns="0" tIns="0" rIns="0" bIns="0" rtlCol="0">
+                    <a:spAutoFit/>
+                  </a:bodyPr>
+                  <a:lstStyle/>
+                  <a:p>
+                    <a14:m>
+                      <m:oMathPara xmlns:m="http://schemas.openxmlformats.org/officeDocument/2006/math">
+                        <m:oMathParaPr>
+                          <m:jc m:val="centerGroup"/>
+                        </m:oMathParaPr>
+                        <m:oMath xmlns:m="http://schemas.openxmlformats.org/officeDocument/2006/math">
+                          <m:r>
+                            <a:rPr lang="en-US" sz="2000" b="0" i="1" smtClean="0">
+                              <a:latin typeface="Cambria Math" panose="02040503050406030204" pitchFamily="18" charset="0"/>
+                              <a:cs typeface="Arial" panose="020B0604020202020204" pitchFamily="34" charset="0"/>
+                            </a:rPr>
+                            <m:t>𝜃</m:t>
+                          </m:r>
+                        </m:oMath>
+                      </m:oMathPara>
+                    </a14:m>
+                    <a:endParaRPr lang="en-US" sz="2000" dirty="0" smtClean="0">
+                      <a:latin typeface="Arial" panose="020B0604020202020204" pitchFamily="34" charset="0"/>
+                      <a:cs typeface="Arial" panose="020B0604020202020204" pitchFamily="34" charset="0"/>
+                    </a:endParaRPr>
+                  </a:p>
+                </p:txBody>
+              </p:sp>
+            </mc:Choice>
+            <mc:Fallback>
+              <p:sp>
+                <p:nvSpPr>
+                  <p:cNvPr id="25" name="TextBox 24"/>
+                  <p:cNvSpPr txBox="1">
+                    <a:spLocks noRot="1" noChangeAspect="1" noMove="1" noResize="1" noEditPoints="1" noAdjustHandles="1" noChangeArrowheads="1" noChangeShapeType="1" noTextEdit="1"/>
+                  </p:cNvSpPr>
+                  <p:nvPr/>
+                </p:nvSpPr>
+                <p:spPr>
+                  <a:xfrm>
+                    <a:off x="1876567" y="2338897"/>
+                    <a:ext cx="222304" cy="307777"/>
+                  </a:xfrm>
+                  <a:prstGeom prst="rect">
+                    <a:avLst/>
+                  </a:prstGeom>
+                  <a:blipFill>
+                    <a:blip r:embed="rId4"/>
+                    <a:stretch>
+                      <a:fillRect l="-25000" r="-25000" b="-12000"/>
+                    </a:stretch>
+                  </a:blipFill>
+                </p:spPr>
+                <p:txBody>
+                  <a:bodyPr/>
+                  <a:lstStyle/>
+                  <a:p>
+                    <a:r>
+                      <a:rPr lang="en-US">
+                        <a:noFill/>
+                      </a:rPr>
+                      <a:t> </a:t>
+                    </a:r>
+                  </a:p>
+                </p:txBody>
+              </p:sp>
+            </mc:Fallback>
+          </mc:AlternateContent>
+        </p:grpSp>
+        <p:cxnSp>
+          <p:nvCxnSpPr>
+            <p:cNvPr id="57" name="Straight Arrow Connector 56"/>
+            <p:cNvCxnSpPr/>
+            <p:nvPr/>
+          </p:nvCxnSpPr>
+          <p:spPr>
+            <a:xfrm>
+              <a:off x="783006" y="1991836"/>
+              <a:ext cx="1093561" cy="8633"/>
+            </a:xfrm>
+            <a:prstGeom prst="straightConnector1">
+              <a:avLst/>
+            </a:prstGeom>
+            <a:ln w="38100">
+              <a:solidFill>
+                <a:schemeClr val="tx1"/>
+              </a:solidFill>
+              <a:tailEnd type="triangle"/>
+            </a:ln>
+          </p:spPr>
+          <p:style>
+            <a:lnRef idx="1">
+              <a:schemeClr val="accent1"/>
+            </a:lnRef>
+            <a:fillRef idx="0">
+              <a:schemeClr val="accent1"/>
+            </a:fillRef>
+            <a:effectRef idx="0">
+              <a:schemeClr val="accent1"/>
+            </a:effectRef>
+            <a:fontRef idx="minor">
+              <a:schemeClr val="tx1"/>
+            </a:fontRef>
+          </p:style>
+        </p:cxnSp>
+      </p:grpSp>
+      <p:grpSp>
+        <p:nvGrpSpPr>
+          <p:cNvPr id="67" name="Group 66"/>
+          <p:cNvGrpSpPr/>
+          <p:nvPr/>
+        </p:nvGrpSpPr>
+        <p:grpSpPr>
+          <a:xfrm>
+            <a:off x="5959546" y="304761"/>
+            <a:ext cx="2884521" cy="2397968"/>
+            <a:chOff x="5959546" y="304761"/>
+            <a:chExt cx="2884521" cy="2397968"/>
+          </a:xfrm>
+        </p:grpSpPr>
+        <p:grpSp>
+          <p:nvGrpSpPr>
+            <p:cNvPr id="64" name="Group 63"/>
+            <p:cNvGrpSpPr/>
+            <p:nvPr/>
+          </p:nvGrpSpPr>
+          <p:grpSpPr>
+            <a:xfrm>
+              <a:off x="5959546" y="304761"/>
+              <a:ext cx="2393498" cy="2327835"/>
+              <a:chOff x="5959546" y="304761"/>
+              <a:chExt cx="2393498" cy="2327835"/>
+            </a:xfrm>
+          </p:grpSpPr>
+          <p:sp>
+            <p:nvSpPr>
+              <p:cNvPr id="27" name="Oval 26"/>
+              <p:cNvSpPr/>
+              <p:nvPr/>
+            </p:nvSpPr>
+            <p:spPr>
+              <a:xfrm>
+                <a:off x="7181426" y="1354265"/>
+                <a:ext cx="120943" cy="119766"/>
+              </a:xfrm>
+              <a:prstGeom prst="ellipse">
+                <a:avLst/>
+              </a:prstGeom>
+              <a:solidFill>
+                <a:schemeClr val="tx1"/>
+              </a:solidFill>
+              <a:ln w="38100">
+                <a:solidFill>
+                  <a:schemeClr val="tx1"/>
+                </a:solidFill>
+              </a:ln>
+            </p:spPr>
+            <p:style>
+              <a:lnRef idx="2">
+                <a:schemeClr val="accent1">
+                  <a:shade val="50000"/>
+                </a:schemeClr>
+              </a:lnRef>
+              <a:fillRef idx="1">
+                <a:schemeClr val="accent1"/>
+              </a:fillRef>
+              <a:effectRef idx="0">
+                <a:schemeClr val="accent1"/>
+              </a:effectRef>
+              <a:fontRef idx="minor">
+                <a:schemeClr val="lt1"/>
+              </a:fontRef>
+            </p:style>
+            <p:txBody>
+              <a:bodyPr rtlCol="0" anchor="ctr"/>
+              <a:lstStyle/>
+              <a:p>
+                <a:pPr algn="ctr"/>
+                <a:endParaRPr lang="en-US"/>
+              </a:p>
+            </p:txBody>
+          </p:sp>
+          <p:grpSp>
+            <p:nvGrpSpPr>
+              <p:cNvPr id="28" name="Group 27"/>
+              <p:cNvGrpSpPr/>
+              <p:nvPr/>
+            </p:nvGrpSpPr>
+            <p:grpSpPr>
+              <a:xfrm>
+                <a:off x="5959546" y="1922601"/>
+                <a:ext cx="898789" cy="709995"/>
+                <a:chOff x="758520" y="708040"/>
+                <a:chExt cx="2596102" cy="2135605"/>
+              </a:xfrm>
+            </p:grpSpPr>
+            <p:grpSp>
+              <p:nvGrpSpPr>
+                <p:cNvPr id="29" name="Group 28"/>
+                <p:cNvGrpSpPr/>
+                <p:nvPr/>
+              </p:nvGrpSpPr>
+              <p:grpSpPr>
+                <a:xfrm>
+                  <a:off x="758520" y="708040"/>
+                  <a:ext cx="2596102" cy="2135605"/>
+                  <a:chOff x="785815" y="680744"/>
+                  <a:chExt cx="2596102" cy="2135605"/>
+                </a:xfrm>
+              </p:grpSpPr>
+              <p:cxnSp>
+                <p:nvCxnSpPr>
+                  <p:cNvPr id="31" name="Straight Arrow Connector 30"/>
+                  <p:cNvCxnSpPr/>
+                  <p:nvPr/>
+                </p:nvCxnSpPr>
+                <p:spPr>
+                  <a:xfrm flipV="1">
+                    <a:off x="1516583" y="680744"/>
+                    <a:ext cx="7683" cy="1859535"/>
+                  </a:xfrm>
+                  <a:prstGeom prst="straightConnector1">
+                    <a:avLst/>
+                  </a:prstGeom>
+                  <a:ln w="38100">
+                    <a:solidFill>
+                      <a:schemeClr val="tx1"/>
+                    </a:solidFill>
+                    <a:tailEnd type="triangle"/>
+                  </a:ln>
+                </p:spPr>
+                <p:style>
+                  <a:lnRef idx="1">
+                    <a:schemeClr val="accent1"/>
+                  </a:lnRef>
+                  <a:fillRef idx="0">
+                    <a:schemeClr val="accent1"/>
+                  </a:fillRef>
+                  <a:effectRef idx="0">
+                    <a:schemeClr val="accent1"/>
+                  </a:effectRef>
+                  <a:fontRef idx="minor">
+                    <a:schemeClr val="tx1"/>
+                  </a:fontRef>
+                </p:style>
+              </p:cxnSp>
+              <p:cxnSp>
+                <p:nvCxnSpPr>
+                  <p:cNvPr id="32" name="Straight Arrow Connector 31"/>
+                  <p:cNvCxnSpPr/>
+                  <p:nvPr/>
+                </p:nvCxnSpPr>
+                <p:spPr>
+                  <a:xfrm flipV="1">
+                    <a:off x="1507013" y="2535259"/>
+                    <a:ext cx="1874904" cy="1"/>
+                  </a:xfrm>
+                  <a:prstGeom prst="straightConnector1">
+                    <a:avLst/>
+                  </a:prstGeom>
+                  <a:ln w="38100">
+                    <a:solidFill>
+                      <a:schemeClr val="tx1"/>
+                    </a:solidFill>
+                    <a:tailEnd type="triangle"/>
+                  </a:ln>
+                </p:spPr>
+                <p:style>
+                  <a:lnRef idx="1">
+                    <a:schemeClr val="accent1"/>
+                  </a:lnRef>
+                  <a:fillRef idx="0">
+                    <a:schemeClr val="accent1"/>
+                  </a:fillRef>
+                  <a:effectRef idx="0">
+                    <a:schemeClr val="accent1"/>
+                  </a:effectRef>
+                  <a:fontRef idx="minor">
+                    <a:schemeClr val="tx1"/>
+                  </a:fontRef>
+                </p:style>
+              </p:cxnSp>
+              <mc:AlternateContent xmlns:mc="http://schemas.openxmlformats.org/markup-compatibility/2006" xmlns:a14="http://schemas.microsoft.com/office/drawing/2010/main">
+                <mc:Choice Requires="a14">
+                  <p:sp>
+                    <p:nvSpPr>
+                      <p:cNvPr id="33" name="Rectangle 32"/>
+                      <p:cNvSpPr/>
+                      <p:nvPr/>
+                    </p:nvSpPr>
+                    <p:spPr>
+                      <a:xfrm>
+                        <a:off x="2697555" y="2447016"/>
+                        <a:ext cx="367985" cy="369333"/>
+                      </a:xfrm>
+                      <a:prstGeom prst="rect">
+                        <a:avLst/>
+                      </a:prstGeom>
+                    </p:spPr>
+                    <p:txBody>
+                      <a:bodyPr wrap="none">
+                        <a:spAutoFit/>
+                      </a:bodyPr>
+                      <a:lstStyle/>
+                      <a:p>
+                        <a:pPr/>
+                        <a14:m>
+                          <m:oMathPara xmlns:m="http://schemas.openxmlformats.org/officeDocument/2006/math">
+                            <m:oMathParaPr>
+                              <m:jc m:val="centerGroup"/>
+                            </m:oMathParaPr>
+                            <m:oMath xmlns:m="http://schemas.openxmlformats.org/officeDocument/2006/math">
+                              <m:r>
+                                <a:rPr lang="en-US" i="1">
+                                  <a:latin typeface="Cambria Math" panose="02040503050406030204" pitchFamily="18" charset="0"/>
+                                  <a:cs typeface="Arial" panose="020B0604020202020204" pitchFamily="34" charset="0"/>
+                                </a:rPr>
+                                <m:t>𝑥</m:t>
+                              </m:r>
+                            </m:oMath>
+                          </m:oMathPara>
+                        </a14:m>
+                        <a:endParaRPr lang="en-CA" dirty="0"/>
+                      </a:p>
+                    </p:txBody>
+                  </p:sp>
+                </mc:Choice>
+                <mc:Fallback xmlns="">
+                  <p:sp>
+                    <p:nvSpPr>
+                      <p:cNvPr id="107" name="Rectangle 106"/>
+                      <p:cNvSpPr>
+                        <a:spLocks noRot="1" noChangeAspect="1" noMove="1" noResize="1" noEditPoints="1" noAdjustHandles="1" noChangeArrowheads="1" noChangeShapeType="1" noTextEdit="1"/>
+                      </p:cNvSpPr>
+                      <p:nvPr/>
+                    </p:nvSpPr>
+                    <p:spPr>
+                      <a:xfrm>
+                        <a:off x="2697555" y="2447016"/>
+                        <a:ext cx="367985" cy="369333"/>
+                      </a:xfrm>
+                      <a:prstGeom prst="rect">
+                        <a:avLst/>
+                      </a:prstGeom>
+                      <a:blipFill>
+                        <a:blip r:embed="rId27"/>
+                        <a:stretch>
+                          <a:fillRect r="-95238" b="-160000"/>
+                        </a:stretch>
+                      </a:blipFill>
+                    </p:spPr>
+                    <p:txBody>
+                      <a:bodyPr/>
+                      <a:lstStyle/>
+                      <a:p>
+                        <a:r>
+                          <a:rPr lang="en-US">
+                            <a:noFill/>
+                          </a:rPr>
+                          <a:t> </a:t>
+                        </a:r>
+                      </a:p>
+                    </p:txBody>
+                  </p:sp>
+                </mc:Fallback>
+              </mc:AlternateContent>
+              <mc:AlternateContent xmlns:mc="http://schemas.openxmlformats.org/markup-compatibility/2006" xmlns:a14="http://schemas.microsoft.com/office/drawing/2010/main">
+                <mc:Choice Requires="a14">
+                  <p:sp>
+                    <p:nvSpPr>
+                      <p:cNvPr id="34" name="Rectangle 33"/>
+                      <p:cNvSpPr/>
+                      <p:nvPr/>
+                    </p:nvSpPr>
+                    <p:spPr>
+                      <a:xfrm>
+                        <a:off x="785815" y="912420"/>
+                        <a:ext cx="371385" cy="369333"/>
+                      </a:xfrm>
+                      <a:prstGeom prst="rect">
+                        <a:avLst/>
+                      </a:prstGeom>
+                    </p:spPr>
+                    <p:txBody>
+                      <a:bodyPr wrap="none">
+                        <a:spAutoFit/>
+                      </a:bodyPr>
+                      <a:lstStyle/>
+                      <a:p>
+                        <a:pPr/>
+                        <a14:m>
+                          <m:oMathPara xmlns:m="http://schemas.openxmlformats.org/officeDocument/2006/math">
+                            <m:oMathParaPr>
+                              <m:jc m:val="centerGroup"/>
+                            </m:oMathParaPr>
+                            <m:oMath xmlns:m="http://schemas.openxmlformats.org/officeDocument/2006/math">
+                              <m:r>
+                                <a:rPr lang="en-US" b="0" i="1" smtClean="0">
+                                  <a:latin typeface="Cambria Math" panose="02040503050406030204" pitchFamily="18" charset="0"/>
+                                </a:rPr>
+                                <m:t>𝑦</m:t>
+                              </m:r>
+                            </m:oMath>
+                          </m:oMathPara>
+                        </a14:m>
+                        <a:endParaRPr lang="en-CA" dirty="0"/>
+                      </a:p>
+                    </p:txBody>
+                  </p:sp>
+                </mc:Choice>
+                <mc:Fallback xmlns="">
+                  <p:sp>
+                    <p:nvSpPr>
+                      <p:cNvPr id="108" name="Rectangle 107"/>
+                      <p:cNvSpPr>
+                        <a:spLocks noRot="1" noChangeAspect="1" noMove="1" noResize="1" noEditPoints="1" noAdjustHandles="1" noChangeArrowheads="1" noChangeShapeType="1" noTextEdit="1"/>
+                      </p:cNvSpPr>
+                      <p:nvPr/>
+                    </p:nvSpPr>
+                    <p:spPr>
+                      <a:xfrm>
+                        <a:off x="785815" y="912420"/>
+                        <a:ext cx="371385" cy="369333"/>
+                      </a:xfrm>
+                      <a:prstGeom prst="rect">
+                        <a:avLst/>
+                      </a:prstGeom>
+                      <a:blipFill>
+                        <a:blip r:embed="rId28"/>
+                        <a:stretch>
+                          <a:fillRect l="-19048" r="-114286" b="-220000"/>
+                        </a:stretch>
+                      </a:blipFill>
+                    </p:spPr>
+                    <p:txBody>
+                      <a:bodyPr/>
+                      <a:lstStyle/>
+                      <a:p>
+                        <a:r>
+                          <a:rPr lang="en-US">
+                            <a:noFill/>
+                          </a:rPr>
+                          <a:t> </a:t>
+                        </a:r>
+                      </a:p>
+                    </p:txBody>
+                  </p:sp>
+                </mc:Fallback>
+              </mc:AlternateContent>
+              <mc:AlternateContent xmlns:mc="http://schemas.openxmlformats.org/markup-compatibility/2006" xmlns:a14="http://schemas.microsoft.com/office/drawing/2010/main">
+                <mc:Choice Requires="a14">
+                  <p:sp>
+                    <p:nvSpPr>
+                      <p:cNvPr id="35" name="Rectangle 34"/>
+                      <p:cNvSpPr/>
+                      <p:nvPr/>
+                    </p:nvSpPr>
+                    <p:spPr>
+                      <a:xfrm>
+                        <a:off x="1006642" y="2350591"/>
+                        <a:ext cx="367985" cy="369333"/>
+                      </a:xfrm>
+                      <a:prstGeom prst="rect">
+                        <a:avLst/>
+                      </a:prstGeom>
+                    </p:spPr>
+                    <p:txBody>
+                      <a:bodyPr wrap="none">
+                        <a:spAutoFit/>
+                      </a:bodyPr>
+                      <a:lstStyle/>
+                      <a:p>
+                        <a:pPr/>
+                        <a14:m>
+                          <m:oMathPara xmlns:m="http://schemas.openxmlformats.org/officeDocument/2006/math">
+                            <m:oMathParaPr>
+                              <m:jc m:val="centerGroup"/>
+                            </m:oMathParaPr>
+                            <m:oMath xmlns:m="http://schemas.openxmlformats.org/officeDocument/2006/math">
+                              <m:r>
+                                <a:rPr lang="en-US" b="0" i="1" smtClean="0">
+                                  <a:latin typeface="Cambria Math" panose="02040503050406030204" pitchFamily="18" charset="0"/>
+                                  <a:cs typeface="Arial" panose="020B0604020202020204" pitchFamily="34" charset="0"/>
+                                </a:rPr>
+                                <m:t>0</m:t>
+                              </m:r>
+                            </m:oMath>
+                          </m:oMathPara>
+                        </a14:m>
+                        <a:endParaRPr lang="en-CA" dirty="0"/>
+                      </a:p>
+                    </p:txBody>
+                  </p:sp>
+                </mc:Choice>
+                <mc:Fallback xmlns="">
+                  <p:sp>
+                    <p:nvSpPr>
+                      <p:cNvPr id="109" name="Rectangle 108"/>
+                      <p:cNvSpPr>
+                        <a:spLocks noRot="1" noChangeAspect="1" noMove="1" noResize="1" noEditPoints="1" noAdjustHandles="1" noChangeArrowheads="1" noChangeShapeType="1" noTextEdit="1"/>
+                      </p:cNvSpPr>
+                      <p:nvPr/>
+                    </p:nvSpPr>
+                    <p:spPr>
+                      <a:xfrm>
+                        <a:off x="1006642" y="2350591"/>
+                        <a:ext cx="367985" cy="369333"/>
+                      </a:xfrm>
+                      <a:prstGeom prst="rect">
+                        <a:avLst/>
+                      </a:prstGeom>
+                      <a:blipFill>
+                        <a:blip r:embed="rId29"/>
+                        <a:stretch>
+                          <a:fillRect l="-14286" r="-114286" b="-180000"/>
+                        </a:stretch>
+                      </a:blipFill>
+                    </p:spPr>
+                    <p:txBody>
+                      <a:bodyPr/>
+                      <a:lstStyle/>
+                      <a:p>
+                        <a:r>
+                          <a:rPr lang="en-US">
+                            <a:noFill/>
+                          </a:rPr>
+                          <a:t> </a:t>
+                        </a:r>
+                      </a:p>
+                    </p:txBody>
+                  </p:sp>
+                </mc:Fallback>
+              </mc:AlternateContent>
+            </p:grpSp>
+            <p:sp>
+              <p:nvSpPr>
+                <p:cNvPr id="30" name="Rectangle 29"/>
+                <p:cNvSpPr/>
+                <p:nvPr/>
+              </p:nvSpPr>
+              <p:spPr>
+                <a:xfrm>
+                  <a:off x="1129904" y="1614682"/>
+                  <a:ext cx="184731" cy="369332"/>
+                </a:xfrm>
+                <a:prstGeom prst="rect">
+                  <a:avLst/>
+                </a:prstGeom>
+              </p:spPr>
+              <p:txBody>
+                <a:bodyPr wrap="none">
+                  <a:spAutoFit/>
+                </a:bodyPr>
+                <a:lstStyle/>
+                <a:p>
+                  <a:endParaRPr lang="en-CA" dirty="0"/>
+                </a:p>
+              </p:txBody>
+            </p:sp>
+          </p:grpSp>
+          <p:cxnSp>
+            <p:nvCxnSpPr>
+              <p:cNvPr id="36" name="Straight Arrow Connector 35"/>
+              <p:cNvCxnSpPr/>
+              <p:nvPr/>
+            </p:nvCxnSpPr>
+            <p:spPr>
+              <a:xfrm>
+                <a:off x="7259483" y="1405515"/>
+                <a:ext cx="1093561" cy="8633"/>
+              </a:xfrm>
+              <a:prstGeom prst="straightConnector1">
+                <a:avLst/>
+              </a:prstGeom>
+              <a:ln w="38100">
+                <a:solidFill>
+                  <a:schemeClr val="tx1"/>
+                </a:solidFill>
+                <a:tailEnd type="triangle"/>
+              </a:ln>
+            </p:spPr>
+            <p:style>
+              <a:lnRef idx="1">
+                <a:schemeClr val="accent1"/>
+              </a:lnRef>
+              <a:fillRef idx="0">
+                <a:schemeClr val="accent1"/>
+              </a:fillRef>
+              <a:effectRef idx="0">
+                <a:schemeClr val="accent1"/>
+              </a:effectRef>
+              <a:fontRef idx="minor">
+                <a:schemeClr val="tx1"/>
+              </a:fontRef>
+            </p:style>
+          </p:cxnSp>
+          <mc:AlternateContent xmlns:mc="http://schemas.openxmlformats.org/markup-compatibility/2006">
+            <mc:Choice xmlns:a14="http://schemas.microsoft.com/office/drawing/2010/main" Requires="a14">
+              <p:sp>
+                <p:nvSpPr>
+                  <p:cNvPr id="37" name="TextBox 36"/>
+                  <p:cNvSpPr txBox="1"/>
+                  <p:nvPr/>
+                </p:nvSpPr>
+                <p:spPr>
+                  <a:xfrm>
+                    <a:off x="7806263" y="1017264"/>
+                    <a:ext cx="237629" cy="345159"/>
+                  </a:xfrm>
+                  <a:prstGeom prst="rect">
+                    <a:avLst/>
+                  </a:prstGeom>
+                  <a:noFill/>
+                </p:spPr>
+                <p:txBody>
+                  <a:bodyPr wrap="none" lIns="0" tIns="0" rIns="0" bIns="0" rtlCol="0">
+                    <a:spAutoFit/>
+                  </a:bodyPr>
+                  <a:lstStyle/>
+                  <a:p>
+                    <a:pPr/>
+                    <a14:m>
+                      <m:oMathPara xmlns:m="http://schemas.openxmlformats.org/officeDocument/2006/math">
+                        <m:oMathParaPr>
+                          <m:jc m:val="centerGroup"/>
+                        </m:oMathParaPr>
+                        <m:oMath xmlns:m="http://schemas.openxmlformats.org/officeDocument/2006/math">
+                          <m:acc>
+                            <m:accPr>
+                              <m:chr m:val="⃗"/>
+                              <m:ctrlPr>
+                                <a:rPr lang="en-US" sz="2000" b="0" i="1" smtClean="0">
+                                  <a:latin typeface="Cambria Math" panose="02040503050406030204" pitchFamily="18" charset="0"/>
+                                  <a:cs typeface="Arial" panose="020B0604020202020204" pitchFamily="34" charset="0"/>
+                                </a:rPr>
+                              </m:ctrlPr>
+                            </m:accPr>
+                            <m:e>
+                              <m:r>
+                                <a:rPr lang="en-US" sz="2000" b="0" i="1" smtClean="0">
+                                  <a:latin typeface="Cambria Math" panose="02040503050406030204" pitchFamily="18" charset="0"/>
+                                  <a:cs typeface="Arial" panose="020B0604020202020204" pitchFamily="34" charset="0"/>
+                                </a:rPr>
+                                <m:t>𝐹</m:t>
+                              </m:r>
+                            </m:e>
+                          </m:acc>
+                        </m:oMath>
+                      </m:oMathPara>
+                    </a14:m>
+                    <a:endParaRPr lang="en-US" sz="2000" dirty="0" smtClean="0">
+                      <a:latin typeface="Arial" panose="020B0604020202020204" pitchFamily="34" charset="0"/>
+                      <a:cs typeface="Arial" panose="020B0604020202020204" pitchFamily="34" charset="0"/>
+                    </a:endParaRPr>
+                  </a:p>
+                </p:txBody>
+              </p:sp>
+            </mc:Choice>
+            <mc:Fallback>
+              <p:sp>
+                <p:nvSpPr>
+                  <p:cNvPr id="37" name="TextBox 36"/>
+                  <p:cNvSpPr txBox="1">
+                    <a:spLocks noRot="1" noChangeAspect="1" noMove="1" noResize="1" noEditPoints="1" noAdjustHandles="1" noChangeArrowheads="1" noChangeShapeType="1" noTextEdit="1"/>
+                  </p:cNvSpPr>
+                  <p:nvPr/>
+                </p:nvSpPr>
+                <p:spPr>
+                  <a:xfrm>
+                    <a:off x="7806263" y="1017264"/>
+                    <a:ext cx="237629" cy="345159"/>
+                  </a:xfrm>
+                  <a:prstGeom prst="rect">
+                    <a:avLst/>
+                  </a:prstGeom>
+                  <a:blipFill>
+                    <a:blip r:embed="rId30"/>
+                    <a:stretch>
+                      <a:fillRect l="-23077" t="-35714" r="-89744" b="-8929"/>
+                    </a:stretch>
+                  </a:blipFill>
+                </p:spPr>
+                <p:txBody>
+                  <a:bodyPr/>
+                  <a:lstStyle/>
+                  <a:p>
+                    <a:r>
+                      <a:rPr lang="en-US">
+                        <a:noFill/>
+                      </a:rPr>
+                      <a:t> </a:t>
+                    </a:r>
+                  </a:p>
+                </p:txBody>
+              </p:sp>
+            </mc:Fallback>
+          </mc:AlternateContent>
+          <p:cxnSp>
+            <p:nvCxnSpPr>
+              <p:cNvPr id="39" name="Straight Arrow Connector 38"/>
+              <p:cNvCxnSpPr/>
+              <p:nvPr/>
+            </p:nvCxnSpPr>
+            <p:spPr>
+              <a:xfrm>
+                <a:off x="7251723" y="1414148"/>
+                <a:ext cx="0" cy="644821"/>
+              </a:xfrm>
+              <a:prstGeom prst="straightConnector1">
+                <a:avLst/>
+              </a:prstGeom>
+              <a:ln w="38100">
+                <a:solidFill>
+                  <a:schemeClr val="tx1"/>
+                </a:solidFill>
+                <a:tailEnd type="triangle"/>
+              </a:ln>
+            </p:spPr>
+            <p:style>
+              <a:lnRef idx="1">
+                <a:schemeClr val="accent1"/>
+              </a:lnRef>
+              <a:fillRef idx="0">
+                <a:schemeClr val="accent1"/>
+              </a:fillRef>
+              <a:effectRef idx="0">
+                <a:schemeClr val="accent1"/>
+              </a:effectRef>
+              <a:fontRef idx="minor">
+                <a:schemeClr val="tx1"/>
+              </a:fontRef>
+            </p:style>
+          </p:cxnSp>
+          <p:cxnSp>
+            <p:nvCxnSpPr>
+              <p:cNvPr id="41" name="Straight Arrow Connector 40"/>
+              <p:cNvCxnSpPr/>
+              <p:nvPr/>
+            </p:nvCxnSpPr>
+            <p:spPr>
+              <a:xfrm flipH="1" flipV="1">
+                <a:off x="6660025" y="499287"/>
+                <a:ext cx="591698" cy="916107"/>
+              </a:xfrm>
+              <a:prstGeom prst="straightConnector1">
+                <a:avLst/>
+              </a:prstGeom>
+              <a:ln w="38100">
+                <a:solidFill>
+                  <a:schemeClr val="tx1"/>
+                </a:solidFill>
+                <a:tailEnd type="triangle"/>
+              </a:ln>
+            </p:spPr>
+            <p:style>
+              <a:lnRef idx="1">
+                <a:schemeClr val="accent1"/>
+              </a:lnRef>
+              <a:fillRef idx="0">
+                <a:schemeClr val="accent1"/>
+              </a:fillRef>
+              <a:effectRef idx="0">
+                <a:schemeClr val="accent1"/>
+              </a:effectRef>
+              <a:fontRef idx="minor">
+                <a:schemeClr val="tx1"/>
+              </a:fontRef>
+            </p:style>
+          </p:cxnSp>
+          <p:cxnSp>
+            <p:nvCxnSpPr>
+              <p:cNvPr id="43" name="Straight Arrow Connector 42"/>
+              <p:cNvCxnSpPr/>
+              <p:nvPr/>
+            </p:nvCxnSpPr>
+            <p:spPr>
+              <a:xfrm flipH="1">
+                <a:off x="6754577" y="1401597"/>
+                <a:ext cx="492037" cy="309238"/>
+              </a:xfrm>
+              <a:prstGeom prst="straightConnector1">
+                <a:avLst/>
+              </a:prstGeom>
+              <a:ln w="38100">
+                <a:solidFill>
+                  <a:schemeClr val="tx1"/>
+                </a:solidFill>
+                <a:tailEnd type="triangle"/>
+              </a:ln>
+            </p:spPr>
+            <p:style>
+              <a:lnRef idx="1">
+                <a:schemeClr val="accent1"/>
+              </a:lnRef>
+              <a:fillRef idx="0">
+                <a:schemeClr val="accent1"/>
+              </a:fillRef>
+              <a:effectRef idx="0">
+                <a:schemeClr val="accent1"/>
+              </a:effectRef>
+              <a:fontRef idx="minor">
+                <a:schemeClr val="tx1"/>
+              </a:fontRef>
+            </p:style>
+          </p:cxnSp>
+          <mc:AlternateContent xmlns:mc="http://schemas.openxmlformats.org/markup-compatibility/2006">
+            <mc:Choice xmlns:a14="http://schemas.microsoft.com/office/drawing/2010/main" Requires="a14">
+              <p:sp>
+                <p:nvSpPr>
+                  <p:cNvPr id="59" name="TextBox 58"/>
+                  <p:cNvSpPr txBox="1"/>
+                  <p:nvPr/>
+                </p:nvSpPr>
+                <p:spPr>
+                  <a:xfrm>
+                    <a:off x="7302369" y="1925581"/>
+                    <a:ext cx="303865" cy="377219"/>
+                  </a:xfrm>
+                  <a:prstGeom prst="rect">
+                    <a:avLst/>
+                  </a:prstGeom>
+                  <a:noFill/>
+                </p:spPr>
+                <p:txBody>
+                  <a:bodyPr wrap="none" lIns="0" tIns="0" rIns="0" bIns="0" rtlCol="0">
+                    <a:spAutoFit/>
+                  </a:bodyPr>
+                  <a:lstStyle/>
+                  <a:p>
+                    <a14:m>
+                      <m:oMathPara xmlns:m="http://schemas.openxmlformats.org/officeDocument/2006/math">
+                        <m:oMathParaPr>
+                          <m:jc m:val="centerGroup"/>
+                        </m:oMathParaPr>
+                        <m:oMath xmlns:m="http://schemas.openxmlformats.org/officeDocument/2006/math">
+                          <m:sSub>
+                            <m:sSubPr>
+                              <m:ctrlPr>
+                                <a:rPr lang="en-US" sz="2000" b="0" i="1" smtClean="0">
+                                  <a:latin typeface="Cambria Math" panose="02040503050406030204" pitchFamily="18" charset="0"/>
+                                  <a:cs typeface="Arial" panose="020B0604020202020204" pitchFamily="34" charset="0"/>
+                                </a:rPr>
+                              </m:ctrlPr>
+                            </m:sSubPr>
+                            <m:e>
+                              <m:acc>
+                                <m:accPr>
+                                  <m:chr m:val="⃗"/>
+                                  <m:ctrlPr>
+                                    <a:rPr lang="en-US" sz="2000" b="0" i="1" smtClean="0">
+                                      <a:latin typeface="Cambria Math" panose="02040503050406030204" pitchFamily="18" charset="0"/>
+                                      <a:cs typeface="Arial" panose="020B0604020202020204" pitchFamily="34" charset="0"/>
+                                    </a:rPr>
+                                  </m:ctrlPr>
+                                </m:accPr>
+                                <m:e>
+                                  <m:r>
+                                    <a:rPr lang="en-US" sz="2000" b="0" i="1" smtClean="0">
+                                      <a:latin typeface="Cambria Math" panose="02040503050406030204" pitchFamily="18" charset="0"/>
+                                      <a:cs typeface="Arial" panose="020B0604020202020204" pitchFamily="34" charset="0"/>
+                                    </a:rPr>
+                                    <m:t>𝐹</m:t>
+                                  </m:r>
+                                </m:e>
+                              </m:acc>
+                            </m:e>
+                            <m:sub>
+                              <m:r>
+                                <a:rPr lang="en-US" sz="2000" b="0" i="1" smtClean="0">
+                                  <a:latin typeface="Cambria Math" panose="02040503050406030204" pitchFamily="18" charset="0"/>
+                                  <a:cs typeface="Arial" panose="020B0604020202020204" pitchFamily="34" charset="0"/>
+                                </a:rPr>
+                                <m:t>𝑔</m:t>
+                              </m:r>
+                            </m:sub>
+                          </m:sSub>
+                        </m:oMath>
+                      </m:oMathPara>
+                    </a14:m>
+                    <a:endParaRPr lang="en-US" sz="2000" dirty="0" smtClean="0">
+                      <a:latin typeface="Arial" panose="020B0604020202020204" pitchFamily="34" charset="0"/>
+                      <a:cs typeface="Arial" panose="020B0604020202020204" pitchFamily="34" charset="0"/>
+                    </a:endParaRPr>
+                  </a:p>
+                </p:txBody>
+              </p:sp>
+            </mc:Choice>
+            <mc:Fallback>
+              <p:sp>
+                <p:nvSpPr>
+                  <p:cNvPr id="59" name="TextBox 58"/>
+                  <p:cNvSpPr txBox="1">
+                    <a:spLocks noRot="1" noChangeAspect="1" noMove="1" noResize="1" noEditPoints="1" noAdjustHandles="1" noChangeArrowheads="1" noChangeShapeType="1" noTextEdit="1"/>
+                  </p:cNvSpPr>
+                  <p:nvPr/>
+                </p:nvSpPr>
+                <p:spPr>
+                  <a:xfrm>
+                    <a:off x="7302369" y="1925581"/>
+                    <a:ext cx="303865" cy="377219"/>
+                  </a:xfrm>
+                  <a:prstGeom prst="rect">
+                    <a:avLst/>
+                  </a:prstGeom>
+                  <a:blipFill>
+                    <a:blip r:embed="rId31"/>
+                    <a:stretch>
+                      <a:fillRect l="-18000" t="-32258" r="-70000" b="-17742"/>
+                    </a:stretch>
+                  </a:blipFill>
+                </p:spPr>
+                <p:txBody>
+                  <a:bodyPr/>
+                  <a:lstStyle/>
+                  <a:p>
+                    <a:r>
+                      <a:rPr lang="en-US">
+                        <a:noFill/>
+                      </a:rPr>
+                      <a:t> </a:t>
+                    </a:r>
+                  </a:p>
+                </p:txBody>
+              </p:sp>
+            </mc:Fallback>
+          </mc:AlternateContent>
+          <mc:AlternateContent xmlns:mc="http://schemas.openxmlformats.org/markup-compatibility/2006">
+            <mc:Choice xmlns:a14="http://schemas.microsoft.com/office/drawing/2010/main" Requires="a14">
+              <p:sp>
+                <p:nvSpPr>
+                  <p:cNvPr id="60" name="TextBox 59"/>
+                  <p:cNvSpPr txBox="1"/>
+                  <p:nvPr/>
+                </p:nvSpPr>
+                <p:spPr>
+                  <a:xfrm>
+                    <a:off x="6545394" y="1778042"/>
+                    <a:ext cx="301493" cy="354071"/>
+                  </a:xfrm>
+                  <a:prstGeom prst="rect">
+                    <a:avLst/>
+                  </a:prstGeom>
+                  <a:noFill/>
+                </p:spPr>
+                <p:txBody>
+                  <a:bodyPr wrap="none" lIns="0" tIns="0" rIns="0" bIns="0" rtlCol="0">
+                    <a:spAutoFit/>
+                  </a:bodyPr>
+                  <a:lstStyle/>
+                  <a:p>
+                    <a14:m>
+                      <m:oMathPara xmlns:m="http://schemas.openxmlformats.org/officeDocument/2006/math">
+                        <m:oMathParaPr>
+                          <m:jc m:val="centerGroup"/>
+                        </m:oMathParaPr>
+                        <m:oMath xmlns:m="http://schemas.openxmlformats.org/officeDocument/2006/math">
+                          <m:sSub>
+                            <m:sSubPr>
+                              <m:ctrlPr>
+                                <a:rPr lang="en-US" sz="2000" b="0" i="1" smtClean="0">
+                                  <a:latin typeface="Cambria Math" panose="02040503050406030204" pitchFamily="18" charset="0"/>
+                                  <a:cs typeface="Arial" panose="020B0604020202020204" pitchFamily="34" charset="0"/>
+                                </a:rPr>
+                              </m:ctrlPr>
+                            </m:sSubPr>
+                            <m:e>
+                              <m:acc>
+                                <m:accPr>
+                                  <m:chr m:val="⃗"/>
+                                  <m:ctrlPr>
+                                    <a:rPr lang="en-US" sz="2000" b="0" i="1" smtClean="0">
+                                      <a:latin typeface="Cambria Math" panose="02040503050406030204" pitchFamily="18" charset="0"/>
+                                      <a:cs typeface="Arial" panose="020B0604020202020204" pitchFamily="34" charset="0"/>
+                                    </a:rPr>
+                                  </m:ctrlPr>
+                                </m:accPr>
+                                <m:e>
+                                  <m:r>
+                                    <a:rPr lang="en-US" sz="2000" b="0" i="1" smtClean="0">
+                                      <a:latin typeface="Cambria Math" panose="02040503050406030204" pitchFamily="18" charset="0"/>
+                                      <a:cs typeface="Arial" panose="020B0604020202020204" pitchFamily="34" charset="0"/>
+                                    </a:rPr>
+                                    <m:t>𝑓</m:t>
+                                  </m:r>
+                                </m:e>
+                              </m:acc>
+                            </m:e>
+                            <m:sub>
+                              <m:r>
+                                <a:rPr lang="en-US" sz="2000" b="0" i="1" smtClean="0">
+                                  <a:latin typeface="Cambria Math" panose="02040503050406030204" pitchFamily="18" charset="0"/>
+                                  <a:cs typeface="Arial" panose="020B0604020202020204" pitchFamily="34" charset="0"/>
+                                </a:rPr>
+                                <m:t>𝑘</m:t>
+                              </m:r>
+                            </m:sub>
+                          </m:sSub>
+                        </m:oMath>
+                      </m:oMathPara>
+                    </a14:m>
+                    <a:endParaRPr lang="en-US" sz="2000" dirty="0" smtClean="0">
+                      <a:latin typeface="Arial" panose="020B0604020202020204" pitchFamily="34" charset="0"/>
+                      <a:cs typeface="Arial" panose="020B0604020202020204" pitchFamily="34" charset="0"/>
+                    </a:endParaRPr>
+                  </a:p>
+                </p:txBody>
+              </p:sp>
+            </mc:Choice>
+            <mc:Fallback>
+              <p:sp>
+                <p:nvSpPr>
+                  <p:cNvPr id="60" name="TextBox 59"/>
+                  <p:cNvSpPr txBox="1">
+                    <a:spLocks noRot="1" noChangeAspect="1" noMove="1" noResize="1" noEditPoints="1" noAdjustHandles="1" noChangeArrowheads="1" noChangeShapeType="1" noTextEdit="1"/>
+                  </p:cNvSpPr>
+                  <p:nvPr/>
+                </p:nvSpPr>
+                <p:spPr>
+                  <a:xfrm>
+                    <a:off x="6545394" y="1778042"/>
+                    <a:ext cx="301493" cy="354071"/>
+                  </a:xfrm>
+                  <a:prstGeom prst="rect">
+                    <a:avLst/>
+                  </a:prstGeom>
+                  <a:blipFill>
+                    <a:blip r:embed="rId32"/>
+                    <a:stretch>
+                      <a:fillRect l="-28571" t="-34483" r="-73469" b="-31034"/>
+                    </a:stretch>
+                  </a:blipFill>
+                </p:spPr>
+                <p:txBody>
+                  <a:bodyPr/>
+                  <a:lstStyle/>
+                  <a:p>
+                    <a:r>
+                      <a:rPr lang="en-US">
+                        <a:noFill/>
+                      </a:rPr>
+                      <a:t> </a:t>
+                    </a:r>
+                  </a:p>
+                </p:txBody>
+              </p:sp>
+            </mc:Fallback>
+          </mc:AlternateContent>
+          <mc:AlternateContent xmlns:mc="http://schemas.openxmlformats.org/markup-compatibility/2006">
+            <mc:Choice xmlns:a14="http://schemas.microsoft.com/office/drawing/2010/main" Requires="a14">
+              <p:sp>
+                <p:nvSpPr>
+                  <p:cNvPr id="61" name="TextBox 60"/>
+                  <p:cNvSpPr txBox="1"/>
+                  <p:nvPr/>
+                </p:nvSpPr>
+                <p:spPr>
+                  <a:xfrm>
+                    <a:off x="6879266" y="337515"/>
+                    <a:ext cx="264367" cy="345159"/>
+                  </a:xfrm>
+                  <a:prstGeom prst="rect">
+                    <a:avLst/>
+                  </a:prstGeom>
+                  <a:noFill/>
+                </p:spPr>
+                <p:txBody>
+                  <a:bodyPr wrap="none" lIns="0" tIns="0" rIns="0" bIns="0" rtlCol="0">
+                    <a:spAutoFit/>
+                  </a:bodyPr>
+                  <a:lstStyle/>
+                  <a:p>
+                    <a14:m>
+                      <m:oMathPara xmlns:m="http://schemas.openxmlformats.org/officeDocument/2006/math">
+                        <m:oMathParaPr>
+                          <m:jc m:val="centerGroup"/>
+                        </m:oMathParaPr>
+                        <m:oMath xmlns:m="http://schemas.openxmlformats.org/officeDocument/2006/math">
+                          <m:acc>
+                            <m:accPr>
+                              <m:chr m:val="⃗"/>
+                              <m:ctrlPr>
+                                <a:rPr lang="en-US" sz="2000" b="0" i="1" smtClean="0">
+                                  <a:latin typeface="Cambria Math" panose="02040503050406030204" pitchFamily="18" charset="0"/>
+                                  <a:cs typeface="Arial" panose="020B0604020202020204" pitchFamily="34" charset="0"/>
+                                </a:rPr>
+                              </m:ctrlPr>
+                            </m:accPr>
+                            <m:e>
+                              <m:r>
+                                <a:rPr lang="en-US" sz="2000" b="0" i="1" smtClean="0">
+                                  <a:latin typeface="Cambria Math" panose="02040503050406030204" pitchFamily="18" charset="0"/>
+                                  <a:cs typeface="Arial" panose="020B0604020202020204" pitchFamily="34" charset="0"/>
+                                </a:rPr>
+                                <m:t>𝑁</m:t>
+                              </m:r>
+                            </m:e>
+                          </m:acc>
+                        </m:oMath>
+                      </m:oMathPara>
+                    </a14:m>
+                    <a:endParaRPr lang="en-US" sz="2000" dirty="0" smtClean="0">
+                      <a:latin typeface="Arial" panose="020B0604020202020204" pitchFamily="34" charset="0"/>
+                      <a:cs typeface="Arial" panose="020B0604020202020204" pitchFamily="34" charset="0"/>
+                    </a:endParaRPr>
+                  </a:p>
+                </p:txBody>
+              </p:sp>
+            </mc:Choice>
+            <mc:Fallback>
+              <p:sp>
+                <p:nvSpPr>
+                  <p:cNvPr id="61" name="TextBox 60"/>
+                  <p:cNvSpPr txBox="1">
+                    <a:spLocks noRot="1" noChangeAspect="1" noMove="1" noResize="1" noEditPoints="1" noAdjustHandles="1" noChangeArrowheads="1" noChangeShapeType="1" noTextEdit="1"/>
+                  </p:cNvSpPr>
+                  <p:nvPr/>
+                </p:nvSpPr>
+                <p:spPr>
+                  <a:xfrm>
+                    <a:off x="6879266" y="337515"/>
+                    <a:ext cx="264367" cy="345159"/>
+                  </a:xfrm>
+                  <a:prstGeom prst="rect">
+                    <a:avLst/>
+                  </a:prstGeom>
+                  <a:blipFill>
+                    <a:blip r:embed="rId33"/>
+                    <a:stretch>
+                      <a:fillRect l="-18182" r="-18182" b="-8772"/>
+                    </a:stretch>
+                  </a:blipFill>
+                </p:spPr>
+                <p:txBody>
+                  <a:bodyPr/>
+                  <a:lstStyle/>
+                  <a:p>
+                    <a:r>
+                      <a:rPr lang="en-US">
+                        <a:noFill/>
+                      </a:rPr>
+                      <a:t> </a:t>
+                    </a:r>
+                  </a:p>
+                </p:txBody>
+              </p:sp>
+            </mc:Fallback>
+          </mc:AlternateContent>
+          <p:cxnSp>
+            <p:nvCxnSpPr>
+              <p:cNvPr id="62" name="Straight Connector 61"/>
+              <p:cNvCxnSpPr/>
+              <p:nvPr/>
+            </p:nvCxnSpPr>
+            <p:spPr>
+              <a:xfrm>
+                <a:off x="7246727" y="304761"/>
+                <a:ext cx="3766" cy="1643065"/>
+              </a:xfrm>
+              <a:prstGeom prst="line">
+                <a:avLst/>
+              </a:prstGeom>
+              <a:ln w="19050">
+                <a:solidFill>
+                  <a:schemeClr val="tx1"/>
+                </a:solidFill>
+                <a:prstDash val="sysDot"/>
+              </a:ln>
+            </p:spPr>
+            <p:style>
+              <a:lnRef idx="1">
+                <a:schemeClr val="accent1"/>
+              </a:lnRef>
+              <a:fillRef idx="0">
+                <a:schemeClr val="accent1"/>
+              </a:fillRef>
+              <a:effectRef idx="0">
+                <a:schemeClr val="accent1"/>
+              </a:effectRef>
+              <a:fontRef idx="minor">
+                <a:schemeClr val="tx1"/>
+              </a:fontRef>
+            </p:style>
+          </p:cxnSp>
+          <mc:AlternateContent xmlns:mc="http://schemas.openxmlformats.org/markup-compatibility/2006">
+            <mc:Choice xmlns:a14="http://schemas.microsoft.com/office/drawing/2010/main" Requires="a14">
+              <p:sp>
+                <p:nvSpPr>
+                  <p:cNvPr id="63" name="TextBox 62"/>
+                  <p:cNvSpPr txBox="1"/>
+                  <p:nvPr/>
+                </p:nvSpPr>
+                <p:spPr>
+                  <a:xfrm>
+                    <a:off x="7010298" y="765683"/>
+                    <a:ext cx="222304" cy="307777"/>
+                  </a:xfrm>
+                  <a:prstGeom prst="rect">
+                    <a:avLst/>
+                  </a:prstGeom>
+                  <a:noFill/>
+                </p:spPr>
+                <p:txBody>
+                  <a:bodyPr wrap="none" lIns="0" tIns="0" rIns="0" bIns="0" rtlCol="0">
+                    <a:spAutoFit/>
+                  </a:bodyPr>
+                  <a:lstStyle/>
+                  <a:p>
+                    <a14:m>
+                      <m:oMathPara xmlns:m="http://schemas.openxmlformats.org/officeDocument/2006/math">
+                        <m:oMathParaPr>
+                          <m:jc m:val="centerGroup"/>
+                        </m:oMathParaPr>
+                        <m:oMath xmlns:m="http://schemas.openxmlformats.org/officeDocument/2006/math">
+                          <m:r>
+                            <a:rPr lang="en-US" sz="2000" b="0" i="1" smtClean="0">
+                              <a:latin typeface="Cambria Math" panose="02040503050406030204" pitchFamily="18" charset="0"/>
+                              <a:cs typeface="Arial" panose="020B0604020202020204" pitchFamily="34" charset="0"/>
+                            </a:rPr>
+                            <m:t>𝜃</m:t>
+                          </m:r>
+                        </m:oMath>
+                      </m:oMathPara>
+                    </a14:m>
+                    <a:endParaRPr lang="en-US" sz="2000" dirty="0" smtClean="0">
+                      <a:latin typeface="Arial" panose="020B0604020202020204" pitchFamily="34" charset="0"/>
+                      <a:cs typeface="Arial" panose="020B0604020202020204" pitchFamily="34" charset="0"/>
+                    </a:endParaRPr>
+                  </a:p>
+                </p:txBody>
+              </p:sp>
+            </mc:Choice>
+            <mc:Fallback>
+              <p:sp>
+                <p:nvSpPr>
+                  <p:cNvPr id="63" name="TextBox 62"/>
+                  <p:cNvSpPr txBox="1">
+                    <a:spLocks noRot="1" noChangeAspect="1" noMove="1" noResize="1" noEditPoints="1" noAdjustHandles="1" noChangeArrowheads="1" noChangeShapeType="1" noTextEdit="1"/>
+                  </p:cNvSpPr>
+                  <p:nvPr/>
+                </p:nvSpPr>
+                <p:spPr>
+                  <a:xfrm>
+                    <a:off x="7010298" y="765683"/>
+                    <a:ext cx="222304" cy="307777"/>
+                  </a:xfrm>
+                  <a:prstGeom prst="rect">
+                    <a:avLst/>
+                  </a:prstGeom>
+                  <a:blipFill>
+                    <a:blip r:embed="rId34"/>
+                    <a:stretch>
+                      <a:fillRect l="-25000" r="-25000" b="-12000"/>
+                    </a:stretch>
+                  </a:blipFill>
+                </p:spPr>
+                <p:txBody>
+                  <a:bodyPr/>
+                  <a:lstStyle/>
+                  <a:p>
+                    <a:r>
+                      <a:rPr lang="en-US">
+                        <a:noFill/>
+                      </a:rPr>
+                      <a:t> </a:t>
+                    </a:r>
+                  </a:p>
+                </p:txBody>
+              </p:sp>
+            </mc:Fallback>
+          </mc:AlternateContent>
+        </p:grpSp>
+        <p:cxnSp>
+          <p:nvCxnSpPr>
+            <p:cNvPr id="65" name="Straight Arrow Connector 64"/>
+            <p:cNvCxnSpPr/>
+            <p:nvPr/>
+          </p:nvCxnSpPr>
+          <p:spPr>
+            <a:xfrm flipV="1">
+              <a:off x="7833712" y="2067110"/>
+              <a:ext cx="1010355" cy="635619"/>
+            </a:xfrm>
+            <a:prstGeom prst="straightConnector1">
+              <a:avLst/>
+            </a:prstGeom>
+            <a:ln w="57150">
+              <a:solidFill>
+                <a:schemeClr val="tx1"/>
+              </a:solidFill>
+              <a:tailEnd type="triangle"/>
+            </a:ln>
+          </p:spPr>
+          <p:style>
+            <a:lnRef idx="1">
+              <a:schemeClr val="accent1"/>
+            </a:lnRef>
+            <a:fillRef idx="0">
+              <a:schemeClr val="accent1"/>
+            </a:fillRef>
+            <a:effectRef idx="0">
+              <a:schemeClr val="accent1"/>
+            </a:effectRef>
+            <a:fontRef idx="minor">
+              <a:schemeClr val="tx1"/>
+            </a:fontRef>
+          </p:style>
+        </p:cxnSp>
+        <mc:AlternateContent xmlns:mc="http://schemas.openxmlformats.org/markup-compatibility/2006">
+          <mc:Choice xmlns:a14="http://schemas.microsoft.com/office/drawing/2010/main" Requires="a14">
+            <p:sp>
+              <p:nvSpPr>
+                <p:cNvPr id="66" name="TextBox 65"/>
+                <p:cNvSpPr txBox="1"/>
+                <p:nvPr/>
+              </p:nvSpPr>
+              <p:spPr>
+                <a:xfrm>
+                  <a:off x="8085085" y="1985956"/>
+                  <a:ext cx="227755" cy="353302"/>
+                </a:xfrm>
+                <a:prstGeom prst="rect">
+                  <a:avLst/>
+                </a:prstGeom>
+                <a:noFill/>
+              </p:spPr>
+              <p:txBody>
+                <a:bodyPr wrap="none" lIns="0" tIns="0" rIns="0" bIns="0" rtlCol="0">
+                  <a:spAutoFit/>
+                </a:bodyPr>
+                <a:lstStyle/>
+                <a:p>
+                  <a:pPr/>
+                  <a14:m>
+                    <m:oMathPara xmlns:m="http://schemas.openxmlformats.org/officeDocument/2006/math">
+                      <m:oMathParaPr>
+                        <m:jc m:val="centerGroup"/>
+                      </m:oMathParaPr>
+                      <m:oMath xmlns:m="http://schemas.openxmlformats.org/officeDocument/2006/math">
+                        <m:acc>
+                          <m:accPr>
+                            <m:chr m:val="⃗"/>
+                            <m:ctrlPr>
+                              <a:rPr lang="en-US" sz="2000" b="0" i="1" smtClean="0">
+                                <a:latin typeface="Cambria Math" panose="02040503050406030204" pitchFamily="18" charset="0"/>
+                                <a:cs typeface="Arial" panose="020B0604020202020204" pitchFamily="34" charset="0"/>
+                              </a:rPr>
+                            </m:ctrlPr>
+                          </m:accPr>
+                          <m:e>
+                            <m:r>
+                              <a:rPr lang="en-US" sz="2000" b="0" i="1" smtClean="0">
+                                <a:latin typeface="Cambria Math" panose="02040503050406030204" pitchFamily="18" charset="0"/>
+                                <a:cs typeface="Arial" panose="020B0604020202020204" pitchFamily="34" charset="0"/>
+                              </a:rPr>
+                              <m:t>𝑑</m:t>
+                            </m:r>
+                          </m:e>
+                        </m:acc>
+                      </m:oMath>
+                    </m:oMathPara>
+                  </a14:m>
+                  <a:endParaRPr lang="en-US" sz="2000" dirty="0" smtClean="0">
+                    <a:latin typeface="Arial" panose="020B0604020202020204" pitchFamily="34" charset="0"/>
+                    <a:cs typeface="Arial" panose="020B0604020202020204" pitchFamily="34" charset="0"/>
+                  </a:endParaRPr>
+                </a:p>
+              </p:txBody>
+            </p:sp>
+          </mc:Choice>
+          <mc:Fallback>
+            <p:sp>
+              <p:nvSpPr>
+                <p:cNvPr id="66" name="TextBox 65"/>
+                <p:cNvSpPr txBox="1">
+                  <a:spLocks noRot="1" noChangeAspect="1" noMove="1" noResize="1" noEditPoints="1" noAdjustHandles="1" noChangeArrowheads="1" noChangeShapeType="1" noTextEdit="1"/>
+                </p:cNvSpPr>
+                <p:nvPr/>
+              </p:nvSpPr>
+              <p:spPr>
+                <a:xfrm>
+                  <a:off x="8085085" y="1985956"/>
+                  <a:ext cx="227755" cy="353302"/>
+                </a:xfrm>
+                <a:prstGeom prst="rect">
+                  <a:avLst/>
+                </a:prstGeom>
+                <a:blipFill>
+                  <a:blip r:embed="rId35"/>
+                  <a:stretch>
+                    <a:fillRect l="-23684" t="-34483" r="-92105" b="-8621"/>
+                  </a:stretch>
+                </a:blipFill>
+              </p:spPr>
+              <p:txBody>
+                <a:bodyPr/>
+                <a:lstStyle/>
+                <a:p>
+                  <a:r>
+                    <a:rPr lang="en-US">
+                      <a:noFill/>
+                    </a:rPr>
+                    <a:t> </a:t>
+                  </a:r>
+                </a:p>
+              </p:txBody>
+            </p:sp>
+          </mc:Fallback>
+        </mc:AlternateContent>
+      </p:grpSp>
+    </p:spTree>
+    <p:extLst>
+      <p:ext uri="{BB962C8B-B14F-4D97-AF65-F5344CB8AC3E}">
+        <p14:creationId xmlns:p14="http://schemas.microsoft.com/office/powerpoint/2010/main" val="4289729593"/>
+      </p:ext>
+    </p:extLst>
+  </p:cSld>
+  <p:clrMapOvr>
+    <a:masterClrMapping/>
+  </p:clrMapOvr>
 </p:sld>
 </file>
 

--- a/tex/figures/WorkEnergy/Figures.pptx
+++ b/tex/figures/WorkEnergy/Figures.pptx
@@ -247,7 +247,7 @@
           <a:p>
             <a:fld id="{F7249F8D-641B-4CAF-BAE5-10524742F6F1}" type="datetimeFigureOut">
               <a:rPr lang="en-CA" smtClean="0"/>
-              <a:t>2018-06-05</a:t>
+              <a:t>2018-06-06</a:t>
             </a:fld>
             <a:endParaRPr lang="en-CA"/>
           </a:p>
@@ -417,7 +417,7 @@
           <a:p>
             <a:fld id="{F7249F8D-641B-4CAF-BAE5-10524742F6F1}" type="datetimeFigureOut">
               <a:rPr lang="en-CA" smtClean="0"/>
-              <a:t>2018-06-05</a:t>
+              <a:t>2018-06-06</a:t>
             </a:fld>
             <a:endParaRPr lang="en-CA"/>
           </a:p>
@@ -597,7 +597,7 @@
           <a:p>
             <a:fld id="{F7249F8D-641B-4CAF-BAE5-10524742F6F1}" type="datetimeFigureOut">
               <a:rPr lang="en-CA" smtClean="0"/>
-              <a:t>2018-06-05</a:t>
+              <a:t>2018-06-06</a:t>
             </a:fld>
             <a:endParaRPr lang="en-CA"/>
           </a:p>
@@ -767,7 +767,7 @@
           <a:p>
             <a:fld id="{F7249F8D-641B-4CAF-BAE5-10524742F6F1}" type="datetimeFigureOut">
               <a:rPr lang="en-CA" smtClean="0"/>
-              <a:t>2018-06-05</a:t>
+              <a:t>2018-06-06</a:t>
             </a:fld>
             <a:endParaRPr lang="en-CA"/>
           </a:p>
@@ -1013,7 +1013,7 @@
           <a:p>
             <a:fld id="{F7249F8D-641B-4CAF-BAE5-10524742F6F1}" type="datetimeFigureOut">
               <a:rPr lang="en-CA" smtClean="0"/>
-              <a:t>2018-06-05</a:t>
+              <a:t>2018-06-06</a:t>
             </a:fld>
             <a:endParaRPr lang="en-CA"/>
           </a:p>
@@ -1245,7 +1245,7 @@
           <a:p>
             <a:fld id="{F7249F8D-641B-4CAF-BAE5-10524742F6F1}" type="datetimeFigureOut">
               <a:rPr lang="en-CA" smtClean="0"/>
-              <a:t>2018-06-05</a:t>
+              <a:t>2018-06-06</a:t>
             </a:fld>
             <a:endParaRPr lang="en-CA"/>
           </a:p>
@@ -1612,7 +1612,7 @@
           <a:p>
             <a:fld id="{F7249F8D-641B-4CAF-BAE5-10524742F6F1}" type="datetimeFigureOut">
               <a:rPr lang="en-CA" smtClean="0"/>
-              <a:t>2018-06-05</a:t>
+              <a:t>2018-06-06</a:t>
             </a:fld>
             <a:endParaRPr lang="en-CA"/>
           </a:p>
@@ -1730,7 +1730,7 @@
           <a:p>
             <a:fld id="{F7249F8D-641B-4CAF-BAE5-10524742F6F1}" type="datetimeFigureOut">
               <a:rPr lang="en-CA" smtClean="0"/>
-              <a:t>2018-06-05</a:t>
+              <a:t>2018-06-06</a:t>
             </a:fld>
             <a:endParaRPr lang="en-CA"/>
           </a:p>
@@ -1825,7 +1825,7 @@
           <a:p>
             <a:fld id="{F7249F8D-641B-4CAF-BAE5-10524742F6F1}" type="datetimeFigureOut">
               <a:rPr lang="en-CA" smtClean="0"/>
-              <a:t>2018-06-05</a:t>
+              <a:t>2018-06-06</a:t>
             </a:fld>
             <a:endParaRPr lang="en-CA"/>
           </a:p>
@@ -2102,7 +2102,7 @@
           <a:p>
             <a:fld id="{F7249F8D-641B-4CAF-BAE5-10524742F6F1}" type="datetimeFigureOut">
               <a:rPr lang="en-CA" smtClean="0"/>
-              <a:t>2018-06-05</a:t>
+              <a:t>2018-06-06</a:t>
             </a:fld>
             <a:endParaRPr lang="en-CA"/>
           </a:p>
@@ -2355,7 +2355,7 @@
           <a:p>
             <a:fld id="{F7249F8D-641B-4CAF-BAE5-10524742F6F1}" type="datetimeFigureOut">
               <a:rPr lang="en-CA" smtClean="0"/>
-              <a:t>2018-06-05</a:t>
+              <a:t>2018-06-06</a:t>
             </a:fld>
             <a:endParaRPr lang="en-CA"/>
           </a:p>
@@ -2568,7 +2568,7 @@
           <a:p>
             <a:fld id="{F7249F8D-641B-4CAF-BAE5-10524742F6F1}" type="datetimeFigureOut">
               <a:rPr lang="en-CA" smtClean="0"/>
-              <a:t>2018-06-05</a:t>
+              <a:t>2018-06-06</a:t>
             </a:fld>
             <a:endParaRPr lang="en-CA"/>
           </a:p>
@@ -13573,8 +13573,8 @@
             </a:fontRef>
           </p:style>
         </p:cxnSp>
-        <mc:AlternateContent xmlns:mc="http://schemas.openxmlformats.org/markup-compatibility/2006">
-          <mc:Choice xmlns:a14="http://schemas.microsoft.com/office/drawing/2010/main" Requires="a14">
+        <mc:AlternateContent xmlns:mc="http://schemas.openxmlformats.org/markup-compatibility/2006" xmlns:a14="http://schemas.microsoft.com/office/drawing/2010/main">
+          <mc:Choice Requires="a14">
             <p:sp>
               <p:nvSpPr>
                 <p:cNvPr id="39" name="TextBox 38"/>
@@ -13597,6 +13597,7 @@
                 </a:bodyPr>
                 <a:lstStyle/>
                 <a:p>
+                  <a:pPr/>
                   <a14:m>
                     <m:oMathPara xmlns:m="http://schemas.openxmlformats.org/officeDocument/2006/math">
                       <m:oMathParaPr>
@@ -13628,7 +13629,7 @@
               </p:txBody>
             </p:sp>
           </mc:Choice>
-          <mc:Fallback>
+          <mc:Fallback xmlns="">
             <p:sp>
               <p:nvSpPr>
                 <p:cNvPr id="39" name="TextBox 38"/>
@@ -13667,8 +13668,8 @@
             </p:sp>
           </mc:Fallback>
         </mc:AlternateContent>
-        <mc:AlternateContent xmlns:mc="http://schemas.openxmlformats.org/markup-compatibility/2006">
-          <mc:Choice xmlns:a14="http://schemas.microsoft.com/office/drawing/2010/main" Requires="a14">
+        <mc:AlternateContent xmlns:mc="http://schemas.openxmlformats.org/markup-compatibility/2006" xmlns:a14="http://schemas.microsoft.com/office/drawing/2010/main">
+          <mc:Choice Requires="a14">
             <p:sp>
               <p:nvSpPr>
                 <p:cNvPr id="40" name="TextBox 39"/>
@@ -13691,6 +13692,7 @@
                 </a:bodyPr>
                 <a:lstStyle/>
                 <a:p>
+                  <a:pPr/>
                   <a14:m>
                     <m:oMathPara xmlns:m="http://schemas.openxmlformats.org/officeDocument/2006/math">
                       <m:oMathParaPr>
@@ -13722,7 +13724,7 @@
               </p:txBody>
             </p:sp>
           </mc:Choice>
-          <mc:Fallback>
+          <mc:Fallback xmlns="">
             <p:sp>
               <p:nvSpPr>
                 <p:cNvPr id="40" name="TextBox 39"/>
@@ -13835,8 +13837,8 @@
             </a:fontRef>
           </p:style>
         </p:cxnSp>
-        <mc:AlternateContent xmlns:mc="http://schemas.openxmlformats.org/markup-compatibility/2006">
-          <mc:Choice xmlns:a14="http://schemas.microsoft.com/office/drawing/2010/main" Requires="a14">
+        <mc:AlternateContent xmlns:mc="http://schemas.openxmlformats.org/markup-compatibility/2006" xmlns:a14="http://schemas.microsoft.com/office/drawing/2010/main">
+          <mc:Choice Requires="a14">
             <p:sp>
               <p:nvSpPr>
                 <p:cNvPr id="46" name="TextBox 45"/>
@@ -13859,6 +13861,7 @@
                 </a:bodyPr>
                 <a:lstStyle/>
                 <a:p>
+                  <a:pPr/>
                   <a14:m>
                     <m:oMathPara xmlns:m="http://schemas.openxmlformats.org/officeDocument/2006/math">
                       <m:oMathParaPr>
@@ -13883,7 +13886,7 @@
               </p:txBody>
             </p:sp>
           </mc:Choice>
-          <mc:Fallback>
+          <mc:Fallback xmlns="">
             <p:sp>
               <p:nvSpPr>
                 <p:cNvPr id="46" name="TextBox 45"/>
@@ -13922,8 +13925,8 @@
             </p:sp>
           </mc:Fallback>
         </mc:AlternateContent>
-        <mc:AlternateContent xmlns:mc="http://schemas.openxmlformats.org/markup-compatibility/2006">
-          <mc:Choice xmlns:a14="http://schemas.microsoft.com/office/drawing/2010/main" Requires="a14">
+        <mc:AlternateContent xmlns:mc="http://schemas.openxmlformats.org/markup-compatibility/2006" xmlns:a14="http://schemas.microsoft.com/office/drawing/2010/main">
+          <mc:Choice Requires="a14">
             <p:sp>
               <p:nvSpPr>
                 <p:cNvPr id="47" name="TextBox 46"/>
@@ -13946,6 +13949,7 @@
                 </a:bodyPr>
                 <a:lstStyle/>
                 <a:p>
+                  <a:pPr/>
                   <a14:m>
                     <m:oMathPara xmlns:m="http://schemas.openxmlformats.org/officeDocument/2006/math">
                       <m:oMathParaPr>
@@ -13970,7 +13974,7 @@
               </p:txBody>
             </p:sp>
           </mc:Choice>
-          <mc:Fallback>
+          <mc:Fallback xmlns="">
             <p:sp>
               <p:nvSpPr>
                 <p:cNvPr id="47" name="TextBox 46"/>
@@ -14960,8 +14964,8 @@
             </a:p>
           </p:txBody>
         </p:sp>
-        <mc:AlternateContent xmlns:mc="http://schemas.openxmlformats.org/markup-compatibility/2006">
-          <mc:Choice xmlns:a14="http://schemas.microsoft.com/office/drawing/2010/main" Requires="a14">
+        <mc:AlternateContent xmlns:mc="http://schemas.openxmlformats.org/markup-compatibility/2006" xmlns:a14="http://schemas.microsoft.com/office/drawing/2010/main">
+          <mc:Choice Requires="a14">
             <p:sp>
               <p:nvSpPr>
                 <p:cNvPr id="79" name="TextBox 78"/>
@@ -15086,7 +15090,7 @@
               </p:txBody>
             </p:sp>
           </mc:Choice>
-          <mc:Fallback>
+          <mc:Fallback xmlns="">
             <p:sp>
               <p:nvSpPr>
                 <p:cNvPr id="79" name="TextBox 78"/>
@@ -15125,8 +15129,8 @@
             </p:sp>
           </mc:Fallback>
         </mc:AlternateContent>
-        <mc:AlternateContent xmlns:mc="http://schemas.openxmlformats.org/markup-compatibility/2006">
-          <mc:Choice xmlns:a14="http://schemas.microsoft.com/office/drawing/2010/main" Requires="a14">
+        <mc:AlternateContent xmlns:mc="http://schemas.openxmlformats.org/markup-compatibility/2006" xmlns:a14="http://schemas.microsoft.com/office/drawing/2010/main">
+          <mc:Choice Requires="a14">
             <p:sp>
               <p:nvSpPr>
                 <p:cNvPr id="80" name="TextBox 79"/>
@@ -15251,7 +15255,7 @@
               </p:txBody>
             </p:sp>
           </mc:Choice>
-          <mc:Fallback>
+          <mc:Fallback xmlns="">
             <p:sp>
               <p:nvSpPr>
                 <p:cNvPr id="80" name="TextBox 79"/>
@@ -15434,8 +15438,8 @@
             </a:fontRef>
           </p:style>
         </p:cxnSp>
-        <mc:AlternateContent xmlns:mc="http://schemas.openxmlformats.org/markup-compatibility/2006">
-          <mc:Choice xmlns:a14="http://schemas.microsoft.com/office/drawing/2010/main" Requires="a14">
+        <mc:AlternateContent xmlns:mc="http://schemas.openxmlformats.org/markup-compatibility/2006" xmlns:a14="http://schemas.microsoft.com/office/drawing/2010/main">
+          <mc:Choice Requires="a14">
             <p:sp>
               <p:nvSpPr>
                 <p:cNvPr id="97" name="TextBox 96"/>
@@ -15458,6 +15462,7 @@
                 </a:bodyPr>
                 <a:lstStyle/>
                 <a:p>
+                  <a:pPr/>
                   <a14:m>
                     <m:oMathPara xmlns:m="http://schemas.openxmlformats.org/officeDocument/2006/math">
                       <m:oMathParaPr>
@@ -15529,7 +15534,7 @@
               </p:txBody>
             </p:sp>
           </mc:Choice>
-          <mc:Fallback>
+          <mc:Fallback xmlns="">
             <p:sp>
               <p:nvSpPr>
                 <p:cNvPr id="97" name="TextBox 96"/>
@@ -15578,9 +15583,9 @@
         <p:grpSpPr>
           <a:xfrm>
             <a:off x="6886111" y="601520"/>
-            <a:ext cx="3881592" cy="2694066"/>
+            <a:ext cx="3892172" cy="2694066"/>
             <a:chOff x="6610407" y="3529626"/>
-            <a:chExt cx="3881592" cy="2694066"/>
+            <a:chExt cx="3892172" cy="2694066"/>
           </a:xfrm>
         </p:grpSpPr>
         <p:grpSp>
@@ -15592,9 +15597,9 @@
           <p:grpSpPr>
             <a:xfrm>
               <a:off x="6610407" y="3529626"/>
-              <a:ext cx="3881592" cy="2682889"/>
+              <a:ext cx="3892172" cy="2682889"/>
               <a:chOff x="6610407" y="3529626"/>
-              <a:chExt cx="3881592" cy="2682889"/>
+              <a:chExt cx="3892172" cy="2682889"/>
             </a:xfrm>
           </p:grpSpPr>
           <p:grpSp>
@@ -16174,7 +16179,7 @@
                 <p:spPr>
                   <a:xfrm>
                     <a:off x="8833404" y="4233683"/>
-                    <a:ext cx="1658595" cy="307777"/>
+                    <a:ext cx="1669175" cy="311367"/>
                   </a:xfrm>
                   <a:prstGeom prst="rect">
                     <a:avLst/>
@@ -16264,15 +16269,15 @@
                             </a:rPr>
                             <m:t>𝑏</m:t>
                           </m:r>
-                          <m:sSub>
-                            <m:sSubPr>
+                          <m:sSubSup>
+                            <m:sSubSupPr>
                               <m:ctrlPr>
                                 <a:rPr lang="en-US" sz="2000" b="0" i="1" smtClean="0">
                                   <a:latin typeface="Cambria Math" panose="02040503050406030204" pitchFamily="18" charset="0"/>
                                   <a:cs typeface="Arial" panose="020B0604020202020204" pitchFamily="34" charset="0"/>
                                 </a:rPr>
                               </m:ctrlPr>
-                            </m:sSubPr>
+                            </m:sSubSupPr>
                             <m:e>
                               <m:r>
                                 <a:rPr lang="en-US" sz="2000" b="0" i="1" smtClean="0">
@@ -16291,7 +16296,16 @@
                                 <m:t>1</m:t>
                               </m:r>
                             </m:sub>
-                          </m:sSub>
+                            <m:sup>
+                              <m:r>
+                                <a:rPr lang="en-US" sz="2000" b="0" i="1" smtClean="0">
+                                  <a:latin typeface="Cambria Math" panose="02040503050406030204" pitchFamily="18" charset="0"/>
+                                  <a:cs typeface="Arial" panose="020B0604020202020204" pitchFamily="34" charset="0"/>
+                                </a:rPr>
+                                <m:t>2</m:t>
+                              </m:r>
+                            </m:sup>
+                          </m:sSubSup>
                           <m:r>
                             <a:rPr lang="en-US" sz="2000" b="0" i="1" smtClean="0">
                               <a:latin typeface="Cambria Math" panose="02040503050406030204" pitchFamily="18" charset="0"/>
@@ -16322,7 +16336,7 @@
                 <p:spPr>
                   <a:xfrm>
                     <a:off x="8833404" y="4233683"/>
-                    <a:ext cx="1658595" cy="307777"/>
+                    <a:ext cx="1669175" cy="311367"/>
                   </a:xfrm>
                   <a:prstGeom prst="rect">
                     <a:avLst/>
@@ -16330,7 +16344,7 @@
                   <a:blipFill>
                     <a:blip r:embed="rId36"/>
                     <a:stretch>
-                      <a:fillRect l="-2206" r="-4779" b="-37255"/>
+                      <a:fillRect l="-2555" r="-4745" b="-37255"/>
                     </a:stretch>
                   </a:blipFill>
                 </p:spPr>
@@ -16349,8 +16363,8 @@
               </p:sp>
             </mc:Fallback>
           </mc:AlternateContent>
-          <mc:AlternateContent xmlns:mc="http://schemas.openxmlformats.org/markup-compatibility/2006">
-            <mc:Choice xmlns:a14="http://schemas.microsoft.com/office/drawing/2010/main" Requires="a14">
+          <mc:AlternateContent xmlns:mc="http://schemas.openxmlformats.org/markup-compatibility/2006" xmlns:a14="http://schemas.microsoft.com/office/drawing/2010/main">
+            <mc:Choice Requires="a14">
               <p:sp>
                 <p:nvSpPr>
                   <p:cNvPr id="112" name="TextBox 111"/>
@@ -16419,7 +16433,7 @@
                 </p:txBody>
               </p:sp>
             </mc:Choice>
-            <mc:Fallback>
+            <mc:Fallback xmlns="">
               <p:sp>
                 <p:nvSpPr>
                   <p:cNvPr id="112" name="TextBox 111"/>
@@ -16458,8 +16472,8 @@
               </p:sp>
             </mc:Fallback>
           </mc:AlternateContent>
-          <mc:AlternateContent xmlns:mc="http://schemas.openxmlformats.org/markup-compatibility/2006">
-            <mc:Choice xmlns:a14="http://schemas.microsoft.com/office/drawing/2010/main" Requires="a14">
+          <mc:AlternateContent xmlns:mc="http://schemas.openxmlformats.org/markup-compatibility/2006" xmlns:a14="http://schemas.microsoft.com/office/drawing/2010/main">
+            <mc:Choice Requires="a14">
               <p:sp>
                 <p:nvSpPr>
                   <p:cNvPr id="113" name="TextBox 112"/>
@@ -16482,6 +16496,7 @@
                   </a:bodyPr>
                   <a:lstStyle/>
                   <a:p>
+                    <a:pPr/>
                     <a14:m>
                       <m:oMathPara xmlns:m="http://schemas.openxmlformats.org/officeDocument/2006/math">
                         <m:oMathParaPr>
@@ -16581,7 +16596,7 @@
                 </p:txBody>
               </p:sp>
             </mc:Choice>
-            <mc:Fallback>
+            <mc:Fallback xmlns="">
               <p:sp>
                 <p:nvSpPr>
                   <p:cNvPr id="113" name="TextBox 112"/>
@@ -16657,8 +16672,8 @@
             </a:fontRef>
           </p:style>
         </p:cxnSp>
-        <mc:AlternateContent xmlns:mc="http://schemas.openxmlformats.org/markup-compatibility/2006">
-          <mc:Choice xmlns:a14="http://schemas.microsoft.com/office/drawing/2010/main" Requires="a14">
+        <mc:AlternateContent xmlns:mc="http://schemas.openxmlformats.org/markup-compatibility/2006" xmlns:a14="http://schemas.microsoft.com/office/drawing/2010/main">
+          <mc:Choice Requires="a14">
             <p:sp>
               <p:nvSpPr>
                 <p:cNvPr id="117" name="TextBox 116"/>
@@ -16681,6 +16696,7 @@
                 </a:bodyPr>
                 <a:lstStyle/>
                 <a:p>
+                  <a:pPr/>
                   <a14:m>
                     <m:oMathPara xmlns:m="http://schemas.openxmlformats.org/officeDocument/2006/math">
                       <m:oMathParaPr>
@@ -16726,7 +16742,7 @@
               </p:txBody>
             </p:sp>
           </mc:Choice>
-          <mc:Fallback>
+          <mc:Fallback xmlns="">
             <p:sp>
               <p:nvSpPr>
                 <p:cNvPr id="117" name="TextBox 116"/>
@@ -16911,8 +16927,8 @@
             </a:fontRef>
           </p:style>
         </p:cxnSp>
-        <mc:AlternateContent xmlns:mc="http://schemas.openxmlformats.org/markup-compatibility/2006">
-          <mc:Choice xmlns:a14="http://schemas.microsoft.com/office/drawing/2010/main" Requires="a14">
+        <mc:AlternateContent xmlns:mc="http://schemas.openxmlformats.org/markup-compatibility/2006" xmlns:a14="http://schemas.microsoft.com/office/drawing/2010/main">
+          <mc:Choice Requires="a14">
             <p:sp>
               <p:nvSpPr>
                 <p:cNvPr id="126" name="TextBox 125"/>
@@ -16935,6 +16951,7 @@
                 </a:bodyPr>
                 <a:lstStyle/>
                 <a:p>
+                  <a:pPr/>
                   <a14:m>
                     <m:oMathPara xmlns:m="http://schemas.openxmlformats.org/officeDocument/2006/math">
                       <m:oMathParaPr>
@@ -16979,7 +16996,7 @@
               </p:txBody>
             </p:sp>
           </mc:Choice>
-          <mc:Fallback>
+          <mc:Fallback xmlns="">
             <p:sp>
               <p:nvSpPr>
                 <p:cNvPr id="126" name="TextBox 125"/>
@@ -17090,8 +17107,8 @@
             </a:fontRef>
           </p:style>
         </p:cxnSp>
-        <mc:AlternateContent xmlns:mc="http://schemas.openxmlformats.org/markup-compatibility/2006">
-          <mc:Choice xmlns:a14="http://schemas.microsoft.com/office/drawing/2010/main" Requires="a14">
+        <mc:AlternateContent xmlns:mc="http://schemas.openxmlformats.org/markup-compatibility/2006" xmlns:a14="http://schemas.microsoft.com/office/drawing/2010/main">
+          <mc:Choice Requires="a14">
             <p:sp>
               <p:nvSpPr>
                 <p:cNvPr id="137" name="TextBox 136"/>
@@ -17114,6 +17131,7 @@
                 </a:bodyPr>
                 <a:lstStyle/>
                 <a:p>
+                  <a:pPr/>
                   <a14:m>
                     <m:oMathPara xmlns:m="http://schemas.openxmlformats.org/officeDocument/2006/math">
                       <m:oMathParaPr>
@@ -17138,7 +17156,7 @@
               </p:txBody>
             </p:sp>
           </mc:Choice>
-          <mc:Fallback>
+          <mc:Fallback xmlns="">
             <p:sp>
               <p:nvSpPr>
                 <p:cNvPr id="137" name="TextBox 136"/>
@@ -17177,8 +17195,8 @@
             </p:sp>
           </mc:Fallback>
         </mc:AlternateContent>
-        <mc:AlternateContent xmlns:mc="http://schemas.openxmlformats.org/markup-compatibility/2006">
-          <mc:Choice xmlns:a14="http://schemas.microsoft.com/office/drawing/2010/main" Requires="a14">
+        <mc:AlternateContent xmlns:mc="http://schemas.openxmlformats.org/markup-compatibility/2006" xmlns:a14="http://schemas.microsoft.com/office/drawing/2010/main">
+          <mc:Choice Requires="a14">
             <p:sp>
               <p:nvSpPr>
                 <p:cNvPr id="138" name="TextBox 137"/>
@@ -17201,6 +17219,7 @@
                 </a:bodyPr>
                 <a:lstStyle/>
                 <a:p>
+                  <a:pPr/>
                   <a14:m>
                     <m:oMathPara xmlns:m="http://schemas.openxmlformats.org/officeDocument/2006/math">
                       <m:oMathParaPr>
@@ -17225,7 +17244,7 @@
               </p:txBody>
             </p:sp>
           </mc:Choice>
-          <mc:Fallback>
+          <mc:Fallback xmlns="">
             <p:sp>
               <p:nvSpPr>
                 <p:cNvPr id="138" name="TextBox 137"/>
@@ -17399,8 +17418,8 @@
                   </a:p>
                 </p:txBody>
               </p:sp>
-              <mc:AlternateContent xmlns:mc="http://schemas.openxmlformats.org/markup-compatibility/2006">
-                <mc:Choice xmlns:a14="http://schemas.microsoft.com/office/drawing/2010/main" Requires="a14">
+              <mc:AlternateContent xmlns:mc="http://schemas.openxmlformats.org/markup-compatibility/2006" xmlns:a14="http://schemas.microsoft.com/office/drawing/2010/main">
+                <mc:Choice Requires="a14">
                   <p:sp>
                     <p:nvSpPr>
                       <p:cNvPr id="18" name="TextBox 17"/>
@@ -17461,7 +17480,7 @@
                     </p:txBody>
                   </p:sp>
                 </mc:Choice>
-                <mc:Fallback>
+                <mc:Fallback xmlns="">
                   <p:sp>
                     <p:nvSpPr>
                       <p:cNvPr id="18" name="TextBox 17"/>
@@ -17537,8 +17556,8 @@
                 </a:fontRef>
               </p:style>
             </p:cxnSp>
-            <mc:AlternateContent xmlns:mc="http://schemas.openxmlformats.org/markup-compatibility/2006">
-              <mc:Choice xmlns:a14="http://schemas.microsoft.com/office/drawing/2010/main" Requires="a14">
+            <mc:AlternateContent xmlns:mc="http://schemas.openxmlformats.org/markup-compatibility/2006" xmlns:a14="http://schemas.microsoft.com/office/drawing/2010/main">
+              <mc:Choice Requires="a14">
                 <p:sp>
                   <p:nvSpPr>
                     <p:cNvPr id="7" name="TextBox 6"/>
@@ -17599,7 +17618,7 @@
                   </p:txBody>
                 </p:sp>
               </mc:Choice>
-              <mc:Fallback>
+              <mc:Fallback xmlns="">
                 <p:sp>
                   <p:nvSpPr>
                     <p:cNvPr id="7" name="TextBox 6"/>
@@ -17685,8 +17704,8 @@
               </a:p>
             </p:txBody>
           </p:sp>
-          <mc:AlternateContent xmlns:mc="http://schemas.openxmlformats.org/markup-compatibility/2006">
-            <mc:Choice xmlns:a14="http://schemas.microsoft.com/office/drawing/2010/main" Requires="a14">
+          <mc:AlternateContent xmlns:mc="http://schemas.openxmlformats.org/markup-compatibility/2006" xmlns:a14="http://schemas.microsoft.com/office/drawing/2010/main">
+            <mc:Choice Requires="a14">
               <p:sp>
                 <p:nvSpPr>
                   <p:cNvPr id="25" name="TextBox 24"/>
@@ -17709,6 +17728,7 @@
                   </a:bodyPr>
                   <a:lstStyle/>
                   <a:p>
+                    <a:pPr/>
                     <a14:m>
                       <m:oMathPara xmlns:m="http://schemas.openxmlformats.org/officeDocument/2006/math">
                         <m:oMathParaPr>
@@ -17733,7 +17753,7 @@
                 </p:txBody>
               </p:sp>
             </mc:Choice>
-            <mc:Fallback>
+            <mc:Fallback xmlns="">
               <p:sp>
                 <p:nvSpPr>
                   <p:cNvPr id="25" name="TextBox 24"/>
@@ -18300,8 +18320,8 @@
               </a:fontRef>
             </p:style>
           </p:cxnSp>
-          <mc:AlternateContent xmlns:mc="http://schemas.openxmlformats.org/markup-compatibility/2006">
-            <mc:Choice xmlns:a14="http://schemas.microsoft.com/office/drawing/2010/main" Requires="a14">
+          <mc:AlternateContent xmlns:mc="http://schemas.openxmlformats.org/markup-compatibility/2006" xmlns:a14="http://schemas.microsoft.com/office/drawing/2010/main">
+            <mc:Choice Requires="a14">
               <p:sp>
                 <p:nvSpPr>
                   <p:cNvPr id="37" name="TextBox 36"/>
@@ -18362,7 +18382,7 @@
                 </p:txBody>
               </p:sp>
             </mc:Choice>
-            <mc:Fallback>
+            <mc:Fallback xmlns="">
               <p:sp>
                 <p:nvSpPr>
                   <p:cNvPr id="37" name="TextBox 36"/>
@@ -18509,8 +18529,8 @@
               </a:fontRef>
             </p:style>
           </p:cxnSp>
-          <mc:AlternateContent xmlns:mc="http://schemas.openxmlformats.org/markup-compatibility/2006">
-            <mc:Choice xmlns:a14="http://schemas.microsoft.com/office/drawing/2010/main" Requires="a14">
+          <mc:AlternateContent xmlns:mc="http://schemas.openxmlformats.org/markup-compatibility/2006" xmlns:a14="http://schemas.microsoft.com/office/drawing/2010/main">
+            <mc:Choice Requires="a14">
               <p:sp>
                 <p:nvSpPr>
                   <p:cNvPr id="59" name="TextBox 58"/>
@@ -18533,6 +18553,7 @@
                   </a:bodyPr>
                   <a:lstStyle/>
                   <a:p>
+                    <a:pPr/>
                     <a14:m>
                       <m:oMathPara xmlns:m="http://schemas.openxmlformats.org/officeDocument/2006/math">
                         <m:oMathParaPr>
@@ -18591,7 +18612,7 @@
                 </p:txBody>
               </p:sp>
             </mc:Choice>
-            <mc:Fallback>
+            <mc:Fallback xmlns="">
               <p:sp>
                 <p:nvSpPr>
                   <p:cNvPr id="59" name="TextBox 58"/>
@@ -18630,8 +18651,8 @@
               </p:sp>
             </mc:Fallback>
           </mc:AlternateContent>
-          <mc:AlternateContent xmlns:mc="http://schemas.openxmlformats.org/markup-compatibility/2006">
-            <mc:Choice xmlns:a14="http://schemas.microsoft.com/office/drawing/2010/main" Requires="a14">
+          <mc:AlternateContent xmlns:mc="http://schemas.openxmlformats.org/markup-compatibility/2006" xmlns:a14="http://schemas.microsoft.com/office/drawing/2010/main">
+            <mc:Choice Requires="a14">
               <p:sp>
                 <p:nvSpPr>
                   <p:cNvPr id="60" name="TextBox 59"/>
@@ -18654,6 +18675,7 @@
                   </a:bodyPr>
                   <a:lstStyle/>
                   <a:p>
+                    <a:pPr/>
                     <a14:m>
                       <m:oMathPara xmlns:m="http://schemas.openxmlformats.org/officeDocument/2006/math">
                         <m:oMathParaPr>
@@ -18712,7 +18734,7 @@
                 </p:txBody>
               </p:sp>
             </mc:Choice>
-            <mc:Fallback>
+            <mc:Fallback xmlns="">
               <p:sp>
                 <p:nvSpPr>
                   <p:cNvPr id="60" name="TextBox 59"/>
@@ -18751,8 +18773,8 @@
               </p:sp>
             </mc:Fallback>
           </mc:AlternateContent>
-          <mc:AlternateContent xmlns:mc="http://schemas.openxmlformats.org/markup-compatibility/2006">
-            <mc:Choice xmlns:a14="http://schemas.microsoft.com/office/drawing/2010/main" Requires="a14">
+          <mc:AlternateContent xmlns:mc="http://schemas.openxmlformats.org/markup-compatibility/2006" xmlns:a14="http://schemas.microsoft.com/office/drawing/2010/main">
+            <mc:Choice Requires="a14">
               <p:sp>
                 <p:nvSpPr>
                   <p:cNvPr id="61" name="TextBox 60"/>
@@ -18775,6 +18797,7 @@
                   </a:bodyPr>
                   <a:lstStyle/>
                   <a:p>
+                    <a:pPr/>
                     <a14:m>
                       <m:oMathPara xmlns:m="http://schemas.openxmlformats.org/officeDocument/2006/math">
                         <m:oMathParaPr>
@@ -18812,7 +18835,7 @@
                 </p:txBody>
               </p:sp>
             </mc:Choice>
-            <mc:Fallback>
+            <mc:Fallback xmlns="">
               <p:sp>
                 <p:nvSpPr>
                   <p:cNvPr id="61" name="TextBox 60"/>
@@ -18887,8 +18910,8 @@
               </a:fontRef>
             </p:style>
           </p:cxnSp>
-          <mc:AlternateContent xmlns:mc="http://schemas.openxmlformats.org/markup-compatibility/2006">
-            <mc:Choice xmlns:a14="http://schemas.microsoft.com/office/drawing/2010/main" Requires="a14">
+          <mc:AlternateContent xmlns:mc="http://schemas.openxmlformats.org/markup-compatibility/2006" xmlns:a14="http://schemas.microsoft.com/office/drawing/2010/main">
+            <mc:Choice Requires="a14">
               <p:sp>
                 <p:nvSpPr>
                   <p:cNvPr id="63" name="TextBox 62"/>
@@ -18911,6 +18934,7 @@
                   </a:bodyPr>
                   <a:lstStyle/>
                   <a:p>
+                    <a:pPr/>
                     <a14:m>
                       <m:oMathPara xmlns:m="http://schemas.openxmlformats.org/officeDocument/2006/math">
                         <m:oMathParaPr>
@@ -18935,7 +18959,7 @@
                 </p:txBody>
               </p:sp>
             </mc:Choice>
-            <mc:Fallback>
+            <mc:Fallback xmlns="">
               <p:sp>
                 <p:nvSpPr>
                   <p:cNvPr id="63" name="TextBox 62"/>
@@ -19011,8 +19035,8 @@
             </a:fontRef>
           </p:style>
         </p:cxnSp>
-        <mc:AlternateContent xmlns:mc="http://schemas.openxmlformats.org/markup-compatibility/2006">
-          <mc:Choice xmlns:a14="http://schemas.microsoft.com/office/drawing/2010/main" Requires="a14">
+        <mc:AlternateContent xmlns:mc="http://schemas.openxmlformats.org/markup-compatibility/2006" xmlns:a14="http://schemas.microsoft.com/office/drawing/2010/main">
+          <mc:Choice Requires="a14">
             <p:sp>
               <p:nvSpPr>
                 <p:cNvPr id="66" name="TextBox 65"/>
@@ -19073,7 +19097,7 @@
               </p:txBody>
             </p:sp>
           </mc:Choice>
-          <mc:Fallback>
+          <mc:Fallback xmlns="">
             <p:sp>
               <p:nvSpPr>
                 <p:cNvPr id="66" name="TextBox 65"/>
@@ -19094,6 +19118,1268 @@
                   <a:blip r:embed="rId35"/>
                   <a:stretch>
                     <a:fillRect l="-23684" t="-34483" r="-92105" b="-8621"/>
+                  </a:stretch>
+                </a:blipFill>
+              </p:spPr>
+              <p:txBody>
+                <a:bodyPr/>
+                <a:lstStyle/>
+                <a:p>
+                  <a:r>
+                    <a:rPr lang="en-US">
+                      <a:noFill/>
+                    </a:rPr>
+                    <a:t> </a:t>
+                  </a:r>
+                </a:p>
+              </p:txBody>
+            </p:sp>
+          </mc:Fallback>
+        </mc:AlternateContent>
+      </p:grpSp>
+      <p:grpSp>
+        <p:nvGrpSpPr>
+          <p:cNvPr id="24" name="Group 23"/>
+          <p:cNvGrpSpPr/>
+          <p:nvPr/>
+        </p:nvGrpSpPr>
+        <p:grpSpPr>
+          <a:xfrm>
+            <a:off x="603160" y="3935497"/>
+            <a:ext cx="3085370" cy="2488590"/>
+            <a:chOff x="603160" y="3935497"/>
+            <a:chExt cx="3085370" cy="2488590"/>
+          </a:xfrm>
+        </p:grpSpPr>
+        <p:grpSp>
+          <p:nvGrpSpPr>
+            <p:cNvPr id="40" name="Group 39"/>
+            <p:cNvGrpSpPr/>
+            <p:nvPr/>
+          </p:nvGrpSpPr>
+          <p:grpSpPr>
+            <a:xfrm>
+              <a:off x="603160" y="4277771"/>
+              <a:ext cx="2224718" cy="2146316"/>
+              <a:chOff x="1129904" y="708040"/>
+              <a:chExt cx="2224718" cy="2146316"/>
+            </a:xfrm>
+          </p:grpSpPr>
+          <p:grpSp>
+            <p:nvGrpSpPr>
+              <p:cNvPr id="53" name="Group 52"/>
+              <p:cNvGrpSpPr/>
+              <p:nvPr/>
+            </p:nvGrpSpPr>
+            <p:grpSpPr>
+              <a:xfrm>
+                <a:off x="1163211" y="708040"/>
+                <a:ext cx="2191411" cy="2146316"/>
+                <a:chOff x="1190506" y="680744"/>
+                <a:chExt cx="2191411" cy="2146316"/>
+              </a:xfrm>
+            </p:grpSpPr>
+            <p:cxnSp>
+              <p:nvCxnSpPr>
+                <p:cNvPr id="55" name="Straight Arrow Connector 54"/>
+                <p:cNvCxnSpPr/>
+                <p:nvPr/>
+              </p:nvCxnSpPr>
+              <p:spPr>
+                <a:xfrm flipV="1">
+                  <a:off x="1516583" y="680744"/>
+                  <a:ext cx="7684" cy="1859536"/>
+                </a:xfrm>
+                <a:prstGeom prst="straightConnector1">
+                  <a:avLst/>
+                </a:prstGeom>
+                <a:ln w="38100">
+                  <a:solidFill>
+                    <a:schemeClr val="tx1"/>
+                  </a:solidFill>
+                  <a:tailEnd type="triangle"/>
+                </a:ln>
+              </p:spPr>
+              <p:style>
+                <a:lnRef idx="1">
+                  <a:schemeClr val="accent1"/>
+                </a:lnRef>
+                <a:fillRef idx="0">
+                  <a:schemeClr val="accent1"/>
+                </a:fillRef>
+                <a:effectRef idx="0">
+                  <a:schemeClr val="accent1"/>
+                </a:effectRef>
+                <a:fontRef idx="minor">
+                  <a:schemeClr val="tx1"/>
+                </a:fontRef>
+              </p:style>
+            </p:cxnSp>
+            <p:cxnSp>
+              <p:nvCxnSpPr>
+                <p:cNvPr id="56" name="Straight Arrow Connector 55"/>
+                <p:cNvCxnSpPr/>
+                <p:nvPr/>
+              </p:nvCxnSpPr>
+              <p:spPr>
+                <a:xfrm flipV="1">
+                  <a:off x="1507013" y="2535259"/>
+                  <a:ext cx="1874904" cy="1"/>
+                </a:xfrm>
+                <a:prstGeom prst="straightConnector1">
+                  <a:avLst/>
+                </a:prstGeom>
+                <a:ln w="38100">
+                  <a:solidFill>
+                    <a:schemeClr val="tx1"/>
+                  </a:solidFill>
+                  <a:tailEnd type="triangle"/>
+                </a:ln>
+              </p:spPr>
+              <p:style>
+                <a:lnRef idx="1">
+                  <a:schemeClr val="accent1"/>
+                </a:lnRef>
+                <a:fillRef idx="0">
+                  <a:schemeClr val="accent1"/>
+                </a:fillRef>
+                <a:effectRef idx="0">
+                  <a:schemeClr val="accent1"/>
+                </a:effectRef>
+                <a:fontRef idx="minor">
+                  <a:schemeClr val="tx1"/>
+                </a:fontRef>
+              </p:style>
+            </p:cxnSp>
+            <mc:AlternateContent xmlns:mc="http://schemas.openxmlformats.org/markup-compatibility/2006" xmlns:a14="http://schemas.microsoft.com/office/drawing/2010/main">
+              <mc:Choice Requires="a14">
+                <p:sp>
+                  <p:nvSpPr>
+                    <p:cNvPr id="68" name="Rectangle 67"/>
+                    <p:cNvSpPr/>
+                    <p:nvPr/>
+                  </p:nvSpPr>
+                  <p:spPr>
+                    <a:xfrm>
+                      <a:off x="2897675" y="2457728"/>
+                      <a:ext cx="367985" cy="369332"/>
+                    </a:xfrm>
+                    <a:prstGeom prst="rect">
+                      <a:avLst/>
+                    </a:prstGeom>
+                  </p:spPr>
+                  <p:txBody>
+                    <a:bodyPr wrap="none">
+                      <a:spAutoFit/>
+                    </a:bodyPr>
+                    <a:lstStyle/>
+                    <a:p>
+                      <a:pPr/>
+                      <a14:m>
+                        <m:oMathPara xmlns:m="http://schemas.openxmlformats.org/officeDocument/2006/math">
+                          <m:oMathParaPr>
+                            <m:jc m:val="centerGroup"/>
+                          </m:oMathParaPr>
+                          <m:oMath xmlns:m="http://schemas.openxmlformats.org/officeDocument/2006/math">
+                            <m:r>
+                              <a:rPr lang="en-US" i="1">
+                                <a:latin typeface="Cambria Math" panose="02040503050406030204" pitchFamily="18" charset="0"/>
+                                <a:cs typeface="Arial" panose="020B0604020202020204" pitchFamily="34" charset="0"/>
+                              </a:rPr>
+                              <m:t>𝑥</m:t>
+                            </m:r>
+                          </m:oMath>
+                        </m:oMathPara>
+                      </a14:m>
+                      <a:endParaRPr lang="en-CA" dirty="0"/>
+                    </a:p>
+                  </p:txBody>
+                </p:sp>
+              </mc:Choice>
+              <mc:Fallback xmlns="">
+                <p:sp>
+                  <p:nvSpPr>
+                    <p:cNvPr id="12" name="Rectangle 11"/>
+                    <p:cNvSpPr>
+                      <a:spLocks noRot="1" noChangeAspect="1" noMove="1" noResize="1" noEditPoints="1" noAdjustHandles="1" noChangeArrowheads="1" noChangeShapeType="1" noTextEdit="1"/>
+                    </p:cNvSpPr>
+                    <p:nvPr/>
+                  </p:nvSpPr>
+                  <p:spPr>
+                    <a:xfrm>
+                      <a:off x="2897675" y="2457728"/>
+                      <a:ext cx="367985" cy="369332"/>
+                    </a:xfrm>
+                    <a:prstGeom prst="rect">
+                      <a:avLst/>
+                    </a:prstGeom>
+                    <a:blipFill rotWithShape="0">
+                      <a:blip r:embed="rId36"/>
+                      <a:stretch>
+                        <a:fillRect/>
+                      </a:stretch>
+                    </a:blipFill>
+                  </p:spPr>
+                  <p:txBody>
+                    <a:bodyPr/>
+                    <a:lstStyle/>
+                    <a:p>
+                      <a:r>
+                        <a:rPr lang="en-CA">
+                          <a:noFill/>
+                        </a:rPr>
+                        <a:t> </a:t>
+                      </a:r>
+                    </a:p>
+                  </p:txBody>
+                </p:sp>
+              </mc:Fallback>
+            </mc:AlternateContent>
+            <mc:AlternateContent xmlns:mc="http://schemas.openxmlformats.org/markup-compatibility/2006" xmlns:a14="http://schemas.microsoft.com/office/drawing/2010/main">
+              <mc:Choice Requires="a14">
+                <p:sp>
+                  <p:nvSpPr>
+                    <p:cNvPr id="69" name="Rectangle 68"/>
+                    <p:cNvSpPr/>
+                    <p:nvPr/>
+                  </p:nvSpPr>
+                  <p:spPr>
+                    <a:xfrm>
+                      <a:off x="1190506" y="790545"/>
+                      <a:ext cx="371384" cy="369332"/>
+                    </a:xfrm>
+                    <a:prstGeom prst="rect">
+                      <a:avLst/>
+                    </a:prstGeom>
+                  </p:spPr>
+                  <p:txBody>
+                    <a:bodyPr wrap="none">
+                      <a:spAutoFit/>
+                    </a:bodyPr>
+                    <a:lstStyle/>
+                    <a:p>
+                      <a:pPr/>
+                      <a14:m>
+                        <m:oMathPara xmlns:m="http://schemas.openxmlformats.org/officeDocument/2006/math">
+                          <m:oMathParaPr>
+                            <m:jc m:val="centerGroup"/>
+                          </m:oMathParaPr>
+                          <m:oMath xmlns:m="http://schemas.openxmlformats.org/officeDocument/2006/math">
+                            <m:r>
+                              <a:rPr lang="en-US" b="0" i="1" smtClean="0">
+                                <a:latin typeface="Cambria Math" panose="02040503050406030204" pitchFamily="18" charset="0"/>
+                              </a:rPr>
+                              <m:t>𝑦</m:t>
+                            </m:r>
+                          </m:oMath>
+                        </m:oMathPara>
+                      </a14:m>
+                      <a:endParaRPr lang="en-CA" dirty="0"/>
+                    </a:p>
+                  </p:txBody>
+                </p:sp>
+              </mc:Choice>
+              <mc:Fallback xmlns="">
+                <p:sp>
+                  <p:nvSpPr>
+                    <p:cNvPr id="13" name="Rectangle 12"/>
+                    <p:cNvSpPr>
+                      <a:spLocks noRot="1" noChangeAspect="1" noMove="1" noResize="1" noEditPoints="1" noAdjustHandles="1" noChangeArrowheads="1" noChangeShapeType="1" noTextEdit="1"/>
+                    </p:cNvSpPr>
+                    <p:nvPr/>
+                  </p:nvSpPr>
+                  <p:spPr>
+                    <a:xfrm>
+                      <a:off x="1190506" y="790545"/>
+                      <a:ext cx="371384" cy="369332"/>
+                    </a:xfrm>
+                    <a:prstGeom prst="rect">
+                      <a:avLst/>
+                    </a:prstGeom>
+                    <a:blipFill rotWithShape="0">
+                      <a:blip r:embed="rId37"/>
+                      <a:stretch>
+                        <a:fillRect b="-6557"/>
+                      </a:stretch>
+                    </a:blipFill>
+                  </p:spPr>
+                  <p:txBody>
+                    <a:bodyPr/>
+                    <a:lstStyle/>
+                    <a:p>
+                      <a:r>
+                        <a:rPr lang="en-CA">
+                          <a:noFill/>
+                        </a:rPr>
+                        <a:t> </a:t>
+                      </a:r>
+                    </a:p>
+                  </p:txBody>
+                </p:sp>
+              </mc:Fallback>
+            </mc:AlternateContent>
+            <mc:AlternateContent xmlns:mc="http://schemas.openxmlformats.org/markup-compatibility/2006" xmlns:a14="http://schemas.microsoft.com/office/drawing/2010/main">
+              <mc:Choice Requires="a14">
+                <p:sp>
+                  <p:nvSpPr>
+                    <p:cNvPr id="70" name="Rectangle 69"/>
+                    <p:cNvSpPr/>
+                    <p:nvPr/>
+                  </p:nvSpPr>
+                  <p:spPr>
+                    <a:xfrm>
+                      <a:off x="1205483" y="2447020"/>
+                      <a:ext cx="367985" cy="369332"/>
+                    </a:xfrm>
+                    <a:prstGeom prst="rect">
+                      <a:avLst/>
+                    </a:prstGeom>
+                  </p:spPr>
+                  <p:txBody>
+                    <a:bodyPr wrap="none">
+                      <a:spAutoFit/>
+                    </a:bodyPr>
+                    <a:lstStyle/>
+                    <a:p>
+                      <a:pPr/>
+                      <a14:m>
+                        <m:oMathPara xmlns:m="http://schemas.openxmlformats.org/officeDocument/2006/math">
+                          <m:oMathParaPr>
+                            <m:jc m:val="centerGroup"/>
+                          </m:oMathParaPr>
+                          <m:oMath xmlns:m="http://schemas.openxmlformats.org/officeDocument/2006/math">
+                            <m:r>
+                              <a:rPr lang="en-US" b="0" i="1" smtClean="0">
+                                <a:latin typeface="Cambria Math" panose="02040503050406030204" pitchFamily="18" charset="0"/>
+                                <a:cs typeface="Arial" panose="020B0604020202020204" pitchFamily="34" charset="0"/>
+                              </a:rPr>
+                              <m:t>0</m:t>
+                            </m:r>
+                          </m:oMath>
+                        </m:oMathPara>
+                      </a14:m>
+                      <a:endParaRPr lang="en-CA" dirty="0"/>
+                    </a:p>
+                  </p:txBody>
+                </p:sp>
+              </mc:Choice>
+              <mc:Fallback xmlns="">
+                <p:sp>
+                  <p:nvSpPr>
+                    <p:cNvPr id="14" name="Rectangle 13"/>
+                    <p:cNvSpPr>
+                      <a:spLocks noRot="1" noChangeAspect="1" noMove="1" noResize="1" noEditPoints="1" noAdjustHandles="1" noChangeArrowheads="1" noChangeShapeType="1" noTextEdit="1"/>
+                    </p:cNvSpPr>
+                    <p:nvPr/>
+                  </p:nvSpPr>
+                  <p:spPr>
+                    <a:xfrm>
+                      <a:off x="1205483" y="2447020"/>
+                      <a:ext cx="367985" cy="369332"/>
+                    </a:xfrm>
+                    <a:prstGeom prst="rect">
+                      <a:avLst/>
+                    </a:prstGeom>
+                    <a:blipFill rotWithShape="0">
+                      <a:blip r:embed="rId38"/>
+                      <a:stretch>
+                        <a:fillRect/>
+                      </a:stretch>
+                    </a:blipFill>
+                  </p:spPr>
+                  <p:txBody>
+                    <a:bodyPr/>
+                    <a:lstStyle/>
+                    <a:p>
+                      <a:r>
+                        <a:rPr lang="en-CA">
+                          <a:noFill/>
+                        </a:rPr>
+                        <a:t> </a:t>
+                      </a:r>
+                    </a:p>
+                  </p:txBody>
+                </p:sp>
+              </mc:Fallback>
+            </mc:AlternateContent>
+          </p:grpSp>
+          <p:sp>
+            <p:nvSpPr>
+              <p:cNvPr id="54" name="Rectangle 53"/>
+              <p:cNvSpPr/>
+              <p:nvPr/>
+            </p:nvSpPr>
+            <p:spPr>
+              <a:xfrm>
+                <a:off x="1129904" y="1614682"/>
+                <a:ext cx="184731" cy="369332"/>
+              </a:xfrm>
+              <a:prstGeom prst="rect">
+                <a:avLst/>
+              </a:prstGeom>
+            </p:spPr>
+            <p:txBody>
+              <a:bodyPr wrap="none">
+                <a:spAutoFit/>
+              </a:bodyPr>
+              <a:lstStyle/>
+              <a:p>
+                <a:endParaRPr lang="en-CA" dirty="0"/>
+              </a:p>
+            </p:txBody>
+          </p:sp>
+        </p:grpSp>
+        <p:sp>
+          <p:nvSpPr>
+            <p:cNvPr id="42" name="Oval 41"/>
+            <p:cNvSpPr/>
+            <p:nvPr/>
+          </p:nvSpPr>
+          <p:spPr>
+            <a:xfrm>
+              <a:off x="1224682" y="5655603"/>
+              <a:ext cx="120943" cy="119766"/>
+            </a:xfrm>
+            <a:prstGeom prst="ellipse">
+              <a:avLst/>
+            </a:prstGeom>
+            <a:solidFill>
+              <a:schemeClr val="tx1"/>
+            </a:solidFill>
+            <a:ln w="38100">
+              <a:solidFill>
+                <a:schemeClr val="tx1"/>
+              </a:solidFill>
+            </a:ln>
+          </p:spPr>
+          <p:style>
+            <a:lnRef idx="2">
+              <a:schemeClr val="accent1">
+                <a:shade val="50000"/>
+              </a:schemeClr>
+            </a:lnRef>
+            <a:fillRef idx="1">
+              <a:schemeClr val="accent1"/>
+            </a:fillRef>
+            <a:effectRef idx="0">
+              <a:schemeClr val="accent1"/>
+            </a:effectRef>
+            <a:fontRef idx="minor">
+              <a:schemeClr val="lt1"/>
+            </a:fontRef>
+          </p:style>
+          <p:txBody>
+            <a:bodyPr rtlCol="0" anchor="ctr"/>
+            <a:lstStyle/>
+            <a:p>
+              <a:pPr algn="ctr"/>
+              <a:endParaRPr lang="en-US"/>
+            </a:p>
+          </p:txBody>
+        </p:sp>
+        <p:sp>
+          <p:nvSpPr>
+            <p:cNvPr id="44" name="Oval 43"/>
+            <p:cNvSpPr/>
+            <p:nvPr/>
+          </p:nvSpPr>
+          <p:spPr>
+            <a:xfrm>
+              <a:off x="3105847" y="4278957"/>
+              <a:ext cx="120943" cy="119766"/>
+            </a:xfrm>
+            <a:prstGeom prst="ellipse">
+              <a:avLst/>
+            </a:prstGeom>
+            <a:solidFill>
+              <a:schemeClr val="tx1"/>
+            </a:solidFill>
+            <a:ln w="38100">
+              <a:solidFill>
+                <a:schemeClr val="tx1"/>
+              </a:solidFill>
+            </a:ln>
+          </p:spPr>
+          <p:style>
+            <a:lnRef idx="2">
+              <a:schemeClr val="accent1">
+                <a:shade val="50000"/>
+              </a:schemeClr>
+            </a:lnRef>
+            <a:fillRef idx="1">
+              <a:schemeClr val="accent1"/>
+            </a:fillRef>
+            <a:effectRef idx="0">
+              <a:schemeClr val="accent1"/>
+            </a:effectRef>
+            <a:fontRef idx="minor">
+              <a:schemeClr val="lt1"/>
+            </a:fontRef>
+          </p:style>
+          <p:txBody>
+            <a:bodyPr rtlCol="0" anchor="ctr"/>
+            <a:lstStyle/>
+            <a:p>
+              <a:pPr algn="ctr"/>
+              <a:endParaRPr lang="en-US"/>
+            </a:p>
+          </p:txBody>
+        </p:sp>
+        <mc:AlternateContent xmlns:mc="http://schemas.openxmlformats.org/markup-compatibility/2006">
+          <mc:Choice xmlns:a14="http://schemas.microsoft.com/office/drawing/2010/main" Requires="a14">
+            <p:sp>
+              <p:nvSpPr>
+                <p:cNvPr id="46" name="TextBox 45"/>
+                <p:cNvSpPr txBox="1"/>
+                <p:nvPr/>
+              </p:nvSpPr>
+              <p:spPr>
+                <a:xfrm>
+                  <a:off x="1345506" y="5762027"/>
+                  <a:ext cx="234936" cy="307777"/>
+                </a:xfrm>
+                <a:prstGeom prst="rect">
+                  <a:avLst/>
+                </a:prstGeom>
+                <a:noFill/>
+              </p:spPr>
+              <p:txBody>
+                <a:bodyPr wrap="none" lIns="0" tIns="0" rIns="0" bIns="0" rtlCol="0">
+                  <a:spAutoFit/>
+                </a:bodyPr>
+                <a:lstStyle/>
+                <a:p>
+                  <a:pPr/>
+                  <a14:m>
+                    <m:oMathPara xmlns:m="http://schemas.openxmlformats.org/officeDocument/2006/math">
+                      <m:oMathParaPr>
+                        <m:jc m:val="centerGroup"/>
+                      </m:oMathParaPr>
+                      <m:oMath xmlns:m="http://schemas.openxmlformats.org/officeDocument/2006/math">
+                        <m:r>
+                          <a:rPr lang="en-US" sz="2000" b="0" i="1" smtClean="0">
+                            <a:latin typeface="Cambria Math" panose="02040503050406030204" pitchFamily="18" charset="0"/>
+                            <a:cs typeface="Arial" panose="020B0604020202020204" pitchFamily="34" charset="0"/>
+                          </a:rPr>
+                          <m:t>𝐴</m:t>
+                        </m:r>
+                      </m:oMath>
+                    </m:oMathPara>
+                  </a14:m>
+                  <a:endParaRPr lang="en-US" sz="2000" dirty="0" smtClean="0">
+                    <a:latin typeface="Arial" panose="020B0604020202020204" pitchFamily="34" charset="0"/>
+                    <a:cs typeface="Arial" panose="020B0604020202020204" pitchFamily="34" charset="0"/>
+                  </a:endParaRPr>
+                </a:p>
+              </p:txBody>
+            </p:sp>
+          </mc:Choice>
+          <mc:Fallback>
+            <p:sp>
+              <p:nvSpPr>
+                <p:cNvPr id="46" name="TextBox 45"/>
+                <p:cNvSpPr txBox="1">
+                  <a:spLocks noRot="1" noChangeAspect="1" noMove="1" noResize="1" noEditPoints="1" noAdjustHandles="1" noChangeArrowheads="1" noChangeShapeType="1" noTextEdit="1"/>
+                </p:cNvSpPr>
+                <p:nvPr/>
+              </p:nvSpPr>
+              <p:spPr>
+                <a:xfrm>
+                  <a:off x="1345506" y="5762027"/>
+                  <a:ext cx="234936" cy="307777"/>
+                </a:xfrm>
+                <a:prstGeom prst="rect">
+                  <a:avLst/>
+                </a:prstGeom>
+                <a:blipFill>
+                  <a:blip r:embed="rId39"/>
+                  <a:stretch>
+                    <a:fillRect l="-23684" r="-23684" b="-9804"/>
+                  </a:stretch>
+                </a:blipFill>
+              </p:spPr>
+              <p:txBody>
+                <a:bodyPr/>
+                <a:lstStyle/>
+                <a:p>
+                  <a:r>
+                    <a:rPr lang="en-US">
+                      <a:noFill/>
+                    </a:rPr>
+                    <a:t> </a:t>
+                  </a:r>
+                </a:p>
+              </p:txBody>
+            </p:sp>
+          </mc:Fallback>
+        </mc:AlternateContent>
+        <mc:AlternateContent xmlns:mc="http://schemas.openxmlformats.org/markup-compatibility/2006">
+          <mc:Choice xmlns:a14="http://schemas.microsoft.com/office/drawing/2010/main" Requires="a14">
+            <p:sp>
+              <p:nvSpPr>
+                <p:cNvPr id="47" name="TextBox 46"/>
+                <p:cNvSpPr txBox="1"/>
+                <p:nvPr/>
+              </p:nvSpPr>
+              <p:spPr>
+                <a:xfrm>
+                  <a:off x="3226790" y="3935497"/>
+                  <a:ext cx="245708" cy="307777"/>
+                </a:xfrm>
+                <a:prstGeom prst="rect">
+                  <a:avLst/>
+                </a:prstGeom>
+                <a:noFill/>
+              </p:spPr>
+              <p:txBody>
+                <a:bodyPr wrap="none" lIns="0" tIns="0" rIns="0" bIns="0" rtlCol="0">
+                  <a:spAutoFit/>
+                </a:bodyPr>
+                <a:lstStyle/>
+                <a:p>
+                  <a:pPr/>
+                  <a14:m>
+                    <m:oMathPara xmlns:m="http://schemas.openxmlformats.org/officeDocument/2006/math">
+                      <m:oMathParaPr>
+                        <m:jc m:val="centerGroup"/>
+                      </m:oMathParaPr>
+                      <m:oMath xmlns:m="http://schemas.openxmlformats.org/officeDocument/2006/math">
+                        <m:r>
+                          <a:rPr lang="en-US" sz="2000" b="0" i="1" smtClean="0">
+                            <a:latin typeface="Cambria Math" panose="02040503050406030204" pitchFamily="18" charset="0"/>
+                            <a:cs typeface="Arial" panose="020B0604020202020204" pitchFamily="34" charset="0"/>
+                          </a:rPr>
+                          <m:t>𝐵</m:t>
+                        </m:r>
+                      </m:oMath>
+                    </m:oMathPara>
+                  </a14:m>
+                  <a:endParaRPr lang="en-US" sz="2000" dirty="0" smtClean="0">
+                    <a:latin typeface="Arial" panose="020B0604020202020204" pitchFamily="34" charset="0"/>
+                    <a:cs typeface="Arial" panose="020B0604020202020204" pitchFamily="34" charset="0"/>
+                  </a:endParaRPr>
+                </a:p>
+              </p:txBody>
+            </p:sp>
+          </mc:Choice>
+          <mc:Fallback>
+            <p:sp>
+              <p:nvSpPr>
+                <p:cNvPr id="47" name="TextBox 46"/>
+                <p:cNvSpPr txBox="1">
+                  <a:spLocks noRot="1" noChangeAspect="1" noMove="1" noResize="1" noEditPoints="1" noAdjustHandles="1" noChangeArrowheads="1" noChangeShapeType="1" noTextEdit="1"/>
+                </p:cNvSpPr>
+                <p:nvPr/>
+              </p:nvSpPr>
+              <p:spPr>
+                <a:xfrm>
+                  <a:off x="3226790" y="3935497"/>
+                  <a:ext cx="245708" cy="307777"/>
+                </a:xfrm>
+                <a:prstGeom prst="rect">
+                  <a:avLst/>
+                </a:prstGeom>
+                <a:blipFill>
+                  <a:blip r:embed="rId40"/>
+                  <a:stretch>
+                    <a:fillRect l="-19512" r="-19512" b="-10000"/>
+                  </a:stretch>
+                </a:blipFill>
+              </p:spPr>
+              <p:txBody>
+                <a:bodyPr/>
+                <a:lstStyle/>
+                <a:p>
+                  <a:r>
+                    <a:rPr lang="en-US">
+                      <a:noFill/>
+                    </a:rPr>
+                    <a:t> </a:t>
+                  </a:r>
+                </a:p>
+              </p:txBody>
+            </p:sp>
+          </mc:Fallback>
+        </mc:AlternateContent>
+        <mc:AlternateContent xmlns:mc="http://schemas.openxmlformats.org/markup-compatibility/2006">
+          <mc:Choice xmlns:a14="http://schemas.microsoft.com/office/drawing/2010/main" Requires="a14">
+            <p:sp>
+              <p:nvSpPr>
+                <p:cNvPr id="52" name="TextBox 51"/>
+                <p:cNvSpPr txBox="1"/>
+                <p:nvPr/>
+              </p:nvSpPr>
+              <p:spPr>
+                <a:xfrm>
+                  <a:off x="2189829" y="4157475"/>
+                  <a:ext cx="896912" cy="345159"/>
+                </a:xfrm>
+                <a:prstGeom prst="rect">
+                  <a:avLst/>
+                </a:prstGeom>
+                <a:noFill/>
+              </p:spPr>
+              <p:txBody>
+                <a:bodyPr wrap="none" lIns="0" tIns="0" rIns="0" bIns="0" rtlCol="0">
+                  <a:spAutoFit/>
+                </a:bodyPr>
+                <a:lstStyle/>
+                <a:p>
+                  <a:pPr/>
+                  <a14:m>
+                    <m:oMathPara xmlns:m="http://schemas.openxmlformats.org/officeDocument/2006/math">
+                      <m:oMathParaPr>
+                        <m:jc m:val="centerGroup"/>
+                      </m:oMathParaPr>
+                      <m:oMath xmlns:m="http://schemas.openxmlformats.org/officeDocument/2006/math">
+                        <m:sSup>
+                          <m:sSupPr>
+                            <m:ctrlPr>
+                              <a:rPr lang="en-US" sz="2000" b="0" i="1" smtClean="0">
+                                <a:latin typeface="Cambria Math" panose="02040503050406030204" pitchFamily="18" charset="0"/>
+                                <a:cs typeface="Arial" panose="020B0604020202020204" pitchFamily="34" charset="0"/>
+                              </a:rPr>
+                            </m:ctrlPr>
+                          </m:sSupPr>
+                          <m:e>
+                            <m:acc>
+                              <m:accPr>
+                                <m:chr m:val="⃗"/>
+                                <m:ctrlPr>
+                                  <a:rPr lang="en-US" sz="2000" b="0" i="1" smtClean="0">
+                                    <a:latin typeface="Cambria Math" panose="02040503050406030204" pitchFamily="18" charset="0"/>
+                                    <a:cs typeface="Arial" panose="020B0604020202020204" pitchFamily="34" charset="0"/>
+                                  </a:rPr>
+                                </m:ctrlPr>
+                              </m:accPr>
+                              <m:e>
+                                <m:r>
+                                  <a:rPr lang="en-US" sz="2000" b="0" i="1" smtClean="0">
+                                    <a:latin typeface="Cambria Math" panose="02040503050406030204" pitchFamily="18" charset="0"/>
+                                    <a:cs typeface="Arial" panose="020B0604020202020204" pitchFamily="34" charset="0"/>
+                                  </a:rPr>
+                                  <m:t>𝐹</m:t>
+                                </m:r>
+                              </m:e>
+                            </m:acc>
+                          </m:e>
+                          <m:sup>
+                            <m:r>
+                              <a:rPr lang="en-US" sz="2000" b="0" i="1" smtClean="0">
+                                <a:latin typeface="Cambria Math" panose="02040503050406030204" pitchFamily="18" charset="0"/>
+                                <a:cs typeface="Arial" panose="020B0604020202020204" pitchFamily="34" charset="0"/>
+                              </a:rPr>
+                              <m:t>𝑛𝑒𝑡</m:t>
+                            </m:r>
+                          </m:sup>
+                        </m:sSup>
+                        <m:r>
+                          <a:rPr lang="en-US" sz="2000" b="0" i="1" smtClean="0">
+                            <a:latin typeface="Cambria Math" panose="02040503050406030204" pitchFamily="18" charset="0"/>
+                            <a:cs typeface="Arial" panose="020B0604020202020204" pitchFamily="34" charset="0"/>
+                          </a:rPr>
+                          <m:t>(</m:t>
+                        </m:r>
+                        <m:acc>
+                          <m:accPr>
+                            <m:chr m:val="⃗"/>
+                            <m:ctrlPr>
+                              <a:rPr lang="en-US" sz="2000" b="0" i="1" smtClean="0">
+                                <a:latin typeface="Cambria Math" panose="02040503050406030204" pitchFamily="18" charset="0"/>
+                                <a:cs typeface="Arial" panose="020B0604020202020204" pitchFamily="34" charset="0"/>
+                              </a:rPr>
+                            </m:ctrlPr>
+                          </m:accPr>
+                          <m:e>
+                            <m:r>
+                              <a:rPr lang="en-US" sz="2000" b="0" i="1" smtClean="0">
+                                <a:latin typeface="Cambria Math" panose="02040503050406030204" pitchFamily="18" charset="0"/>
+                                <a:cs typeface="Arial" panose="020B0604020202020204" pitchFamily="34" charset="0"/>
+                              </a:rPr>
+                              <m:t>𝑟</m:t>
+                            </m:r>
+                          </m:e>
+                        </m:acc>
+                        <m:r>
+                          <a:rPr lang="en-US" sz="2000" b="0" i="1" smtClean="0">
+                            <a:latin typeface="Cambria Math" panose="02040503050406030204" pitchFamily="18" charset="0"/>
+                            <a:cs typeface="Arial" panose="020B0604020202020204" pitchFamily="34" charset="0"/>
+                          </a:rPr>
+                          <m:t>)</m:t>
+                        </m:r>
+                      </m:oMath>
+                    </m:oMathPara>
+                  </a14:m>
+                  <a:endParaRPr lang="en-US" sz="2000" dirty="0" smtClean="0">
+                    <a:latin typeface="Arial" panose="020B0604020202020204" pitchFamily="34" charset="0"/>
+                    <a:cs typeface="Arial" panose="020B0604020202020204" pitchFamily="34" charset="0"/>
+                  </a:endParaRPr>
+                </a:p>
+              </p:txBody>
+            </p:sp>
+          </mc:Choice>
+          <mc:Fallback>
+            <p:sp>
+              <p:nvSpPr>
+                <p:cNvPr id="52" name="TextBox 51"/>
+                <p:cNvSpPr txBox="1">
+                  <a:spLocks noRot="1" noChangeAspect="1" noMove="1" noResize="1" noEditPoints="1" noAdjustHandles="1" noChangeArrowheads="1" noChangeShapeType="1" noTextEdit="1"/>
+                </p:cNvSpPr>
+                <p:nvPr/>
+              </p:nvSpPr>
+              <p:spPr>
+                <a:xfrm>
+                  <a:off x="2189829" y="4157475"/>
+                  <a:ext cx="896912" cy="345159"/>
+                </a:xfrm>
+                <a:prstGeom prst="rect">
+                  <a:avLst/>
+                </a:prstGeom>
+                <a:blipFill>
+                  <a:blip r:embed="rId41"/>
+                  <a:stretch>
+                    <a:fillRect l="-5442" t="-33333" r="-31293" b="-33333"/>
+                  </a:stretch>
+                </a:blipFill>
+              </p:spPr>
+              <p:txBody>
+                <a:bodyPr/>
+                <a:lstStyle/>
+                <a:p>
+                  <a:r>
+                    <a:rPr lang="en-US">
+                      <a:noFill/>
+                    </a:rPr>
+                    <a:t> </a:t>
+                  </a:r>
+                </a:p>
+              </p:txBody>
+            </p:sp>
+          </mc:Fallback>
+        </mc:AlternateContent>
+        <p:sp>
+          <p:nvSpPr>
+            <p:cNvPr id="10" name="Freeform 9"/>
+            <p:cNvSpPr/>
+            <p:nvPr/>
+          </p:nvSpPr>
+          <p:spPr>
+            <a:xfrm>
+              <a:off x="1326995" y="4363194"/>
+              <a:ext cx="1847372" cy="1301626"/>
+            </a:xfrm>
+            <a:custGeom>
+              <a:avLst/>
+              <a:gdLst>
+                <a:gd name="connsiteX0" fmla="*/ 0 w 1862254"/>
+                <a:gd name="connsiteY0" fmla="*/ 1293542 h 1293542"/>
+                <a:gd name="connsiteX1" fmla="*/ 412595 w 1862254"/>
+                <a:gd name="connsiteY1" fmla="*/ 680224 h 1293542"/>
+                <a:gd name="connsiteX2" fmla="*/ 1237785 w 1862254"/>
+                <a:gd name="connsiteY2" fmla="*/ 802888 h 1293542"/>
+                <a:gd name="connsiteX3" fmla="*/ 1862254 w 1862254"/>
+                <a:gd name="connsiteY3" fmla="*/ 0 h 1293542"/>
+                <a:gd name="connsiteX4" fmla="*/ 1862254 w 1862254"/>
+                <a:gd name="connsiteY4" fmla="*/ 0 h 1293542"/>
+              </a:gdLst>
+              <a:ahLst/>
+              <a:cxnLst>
+                <a:cxn ang="0">
+                  <a:pos x="connsiteX0" y="connsiteY0"/>
+                </a:cxn>
+                <a:cxn ang="0">
+                  <a:pos x="connsiteX1" y="connsiteY1"/>
+                </a:cxn>
+                <a:cxn ang="0">
+                  <a:pos x="connsiteX2" y="connsiteY2"/>
+                </a:cxn>
+                <a:cxn ang="0">
+                  <a:pos x="connsiteX3" y="connsiteY3"/>
+                </a:cxn>
+                <a:cxn ang="0">
+                  <a:pos x="connsiteX4" y="connsiteY4"/>
+                </a:cxn>
+              </a:cxnLst>
+              <a:rect l="l" t="t" r="r" b="b"/>
+              <a:pathLst>
+                <a:path w="1862254" h="1293542">
+                  <a:moveTo>
+                    <a:pt x="0" y="1293542"/>
+                  </a:moveTo>
+                  <a:cubicBezTo>
+                    <a:pt x="103149" y="1027771"/>
+                    <a:pt x="206298" y="762000"/>
+                    <a:pt x="412595" y="680224"/>
+                  </a:cubicBezTo>
+                  <a:cubicBezTo>
+                    <a:pt x="618892" y="598448"/>
+                    <a:pt x="996175" y="916259"/>
+                    <a:pt x="1237785" y="802888"/>
+                  </a:cubicBezTo>
+                  <a:cubicBezTo>
+                    <a:pt x="1479395" y="689517"/>
+                    <a:pt x="1862254" y="0"/>
+                    <a:pt x="1862254" y="0"/>
+                  </a:cubicBezTo>
+                  <a:lnTo>
+                    <a:pt x="1862254" y="0"/>
+                  </a:lnTo>
+                </a:path>
+              </a:pathLst>
+            </a:custGeom>
+            <a:noFill/>
+            <a:ln w="38100">
+              <a:solidFill>
+                <a:schemeClr val="tx1"/>
+              </a:solidFill>
+            </a:ln>
+          </p:spPr>
+          <p:style>
+            <a:lnRef idx="2">
+              <a:schemeClr val="accent1">
+                <a:shade val="50000"/>
+              </a:schemeClr>
+            </a:lnRef>
+            <a:fillRef idx="1">
+              <a:schemeClr val="accent1"/>
+            </a:fillRef>
+            <a:effectRef idx="0">
+              <a:schemeClr val="accent1"/>
+            </a:effectRef>
+            <a:fontRef idx="minor">
+              <a:schemeClr val="lt1"/>
+            </a:fontRef>
+          </p:style>
+          <p:txBody>
+            <a:bodyPr rtlCol="0" anchor="ctr"/>
+            <a:lstStyle/>
+            <a:p>
+              <a:pPr algn="ctr"/>
+              <a:endParaRPr lang="en-US"/>
+            </a:p>
+          </p:txBody>
+        </p:sp>
+        <p:cxnSp>
+          <p:nvCxnSpPr>
+            <p:cNvPr id="12" name="Straight Arrow Connector 11"/>
+            <p:cNvCxnSpPr/>
+            <p:nvPr/>
+          </p:nvCxnSpPr>
+          <p:spPr>
+            <a:xfrm flipV="1">
+              <a:off x="2446801" y="4572238"/>
+              <a:ext cx="264820" cy="623696"/>
+            </a:xfrm>
+            <a:prstGeom prst="straightConnector1">
+              <a:avLst/>
+            </a:prstGeom>
+            <a:ln w="38100">
+              <a:solidFill>
+                <a:schemeClr val="tx1"/>
+              </a:solidFill>
+              <a:tailEnd type="triangle"/>
+            </a:ln>
+          </p:spPr>
+          <p:style>
+            <a:lnRef idx="1">
+              <a:schemeClr val="accent1"/>
+            </a:lnRef>
+            <a:fillRef idx="0">
+              <a:schemeClr val="accent1"/>
+            </a:fillRef>
+            <a:effectRef idx="0">
+              <a:schemeClr val="accent1"/>
+            </a:effectRef>
+            <a:fontRef idx="minor">
+              <a:schemeClr val="tx1"/>
+            </a:fontRef>
+          </p:style>
+        </p:cxnSp>
+        <p:cxnSp>
+          <p:nvCxnSpPr>
+            <p:cNvPr id="14" name="Straight Arrow Connector 13"/>
+            <p:cNvCxnSpPr/>
+            <p:nvPr/>
+          </p:nvCxnSpPr>
+          <p:spPr>
+            <a:xfrm flipV="1">
+              <a:off x="2446801" y="5190073"/>
+              <a:ext cx="440121" cy="20450"/>
+            </a:xfrm>
+            <a:prstGeom prst="straightConnector1">
+              <a:avLst/>
+            </a:prstGeom>
+            <a:ln w="57150">
+              <a:solidFill>
+                <a:srgbClr val="FF0000"/>
+              </a:solidFill>
+              <a:tailEnd type="triangle"/>
+            </a:ln>
+          </p:spPr>
+          <p:style>
+            <a:lnRef idx="1">
+              <a:schemeClr val="accent1"/>
+            </a:lnRef>
+            <a:fillRef idx="0">
+              <a:schemeClr val="accent1"/>
+            </a:fillRef>
+            <a:effectRef idx="0">
+              <a:schemeClr val="accent1"/>
+            </a:effectRef>
+            <a:fontRef idx="minor">
+              <a:schemeClr val="tx1"/>
+            </a:fontRef>
+          </p:style>
+        </p:cxnSp>
+        <p:sp>
+          <p:nvSpPr>
+            <p:cNvPr id="20" name="Right Arrow 19"/>
+            <p:cNvSpPr/>
+            <p:nvPr/>
+          </p:nvSpPr>
+          <p:spPr>
+            <a:xfrm rot="17580640">
+              <a:off x="3145967" y="4795779"/>
+              <a:ext cx="951311" cy="133815"/>
+            </a:xfrm>
+            <a:prstGeom prst="rightArrow">
+              <a:avLst/>
+            </a:prstGeom>
+            <a:solidFill>
+              <a:schemeClr val="tx1"/>
+            </a:solidFill>
+            <a:ln w="38100">
+              <a:solidFill>
+                <a:schemeClr val="tx1"/>
+              </a:solidFill>
+            </a:ln>
+          </p:spPr>
+          <p:style>
+            <a:lnRef idx="2">
+              <a:schemeClr val="accent1">
+                <a:shade val="50000"/>
+              </a:schemeClr>
+            </a:lnRef>
+            <a:fillRef idx="1">
+              <a:schemeClr val="accent1"/>
+            </a:fillRef>
+            <a:effectRef idx="0">
+              <a:schemeClr val="accent1"/>
+            </a:effectRef>
+            <a:fontRef idx="minor">
+              <a:schemeClr val="lt1"/>
+            </a:fontRef>
+          </p:style>
+          <p:txBody>
+            <a:bodyPr rtlCol="0" anchor="ctr"/>
+            <a:lstStyle/>
+            <a:p>
+              <a:pPr algn="ctr"/>
+              <a:endParaRPr lang="en-US"/>
+            </a:p>
+          </p:txBody>
+        </p:sp>
+        <mc:AlternateContent xmlns:mc="http://schemas.openxmlformats.org/markup-compatibility/2006">
+          <mc:Choice xmlns:a14="http://schemas.microsoft.com/office/drawing/2010/main" Requires="a14">
+            <p:sp>
+              <p:nvSpPr>
+                <p:cNvPr id="21" name="TextBox 20"/>
+                <p:cNvSpPr txBox="1"/>
+                <p:nvPr/>
+              </p:nvSpPr>
+              <p:spPr>
+                <a:xfrm>
+                  <a:off x="3269731" y="4739207"/>
+                  <a:ext cx="219483" cy="307777"/>
+                </a:xfrm>
+                <a:prstGeom prst="rect">
+                  <a:avLst/>
+                </a:prstGeom>
+                <a:noFill/>
+              </p:spPr>
+              <p:txBody>
+                <a:bodyPr wrap="none" lIns="0" tIns="0" rIns="0" bIns="0" rtlCol="0">
+                  <a:spAutoFit/>
+                </a:bodyPr>
+                <a:lstStyle/>
+                <a:p>
+                  <a14:m>
+                    <m:oMathPara xmlns:m="http://schemas.openxmlformats.org/officeDocument/2006/math">
+                      <m:oMathParaPr>
+                        <m:jc m:val="centerGroup"/>
+                      </m:oMathParaPr>
+                      <m:oMath xmlns:m="http://schemas.openxmlformats.org/officeDocument/2006/math">
+                        <m:acc>
+                          <m:accPr>
+                            <m:chr m:val="⃗"/>
+                            <m:ctrlPr>
+                              <a:rPr lang="en-US" sz="2000" b="0" i="1" smtClean="0">
+                                <a:latin typeface="Cambria Math" panose="02040503050406030204" pitchFamily="18" charset="0"/>
+                                <a:cs typeface="Arial" panose="020B0604020202020204" pitchFamily="34" charset="0"/>
+                              </a:rPr>
+                            </m:ctrlPr>
+                          </m:accPr>
+                          <m:e>
+                            <m:r>
+                              <a:rPr lang="en-US" sz="2000" b="0" i="1" smtClean="0">
+                                <a:latin typeface="Cambria Math" panose="02040503050406030204" pitchFamily="18" charset="0"/>
+                                <a:cs typeface="Arial" panose="020B0604020202020204" pitchFamily="34" charset="0"/>
+                              </a:rPr>
+                              <m:t>𝑎</m:t>
+                            </m:r>
+                          </m:e>
+                        </m:acc>
+                      </m:oMath>
+                    </m:oMathPara>
+                  </a14:m>
+                  <a:endParaRPr lang="en-US" sz="2000" dirty="0" smtClean="0">
+                    <a:latin typeface="Arial" panose="020B0604020202020204" pitchFamily="34" charset="0"/>
+                    <a:cs typeface="Arial" panose="020B0604020202020204" pitchFamily="34" charset="0"/>
+                  </a:endParaRPr>
+                </a:p>
+              </p:txBody>
+            </p:sp>
+          </mc:Choice>
+          <mc:Fallback>
+            <p:sp>
+              <p:nvSpPr>
+                <p:cNvPr id="21" name="TextBox 20"/>
+                <p:cNvSpPr txBox="1">
+                  <a:spLocks noRot="1" noChangeAspect="1" noMove="1" noResize="1" noEditPoints="1" noAdjustHandles="1" noChangeArrowheads="1" noChangeShapeType="1" noTextEdit="1"/>
+                </p:cNvSpPr>
+                <p:nvPr/>
+              </p:nvSpPr>
+              <p:spPr>
+                <a:xfrm>
+                  <a:off x="3269731" y="4739207"/>
+                  <a:ext cx="219483" cy="307777"/>
+                </a:xfrm>
+                <a:prstGeom prst="rect">
+                  <a:avLst/>
+                </a:prstGeom>
+                <a:blipFill>
+                  <a:blip r:embed="rId42"/>
+                  <a:stretch>
+                    <a:fillRect l="-19444" t="-33333" r="-94444" b="-5882"/>
+                  </a:stretch>
+                </a:blipFill>
+              </p:spPr>
+              <p:txBody>
+                <a:bodyPr/>
+                <a:lstStyle/>
+                <a:p>
+                  <a:r>
+                    <a:rPr lang="en-US">
+                      <a:noFill/>
+                    </a:rPr>
+                    <a:t> </a:t>
+                  </a:r>
+                </a:p>
+              </p:txBody>
+            </p:sp>
+          </mc:Fallback>
+        </mc:AlternateContent>
+        <mc:AlternateContent xmlns:mc="http://schemas.openxmlformats.org/markup-compatibility/2006">
+          <mc:Choice xmlns:a14="http://schemas.microsoft.com/office/drawing/2010/main" Requires="a14">
+            <p:sp>
+              <p:nvSpPr>
+                <p:cNvPr id="22" name="TextBox 21"/>
+                <p:cNvSpPr txBox="1"/>
+                <p:nvPr/>
+              </p:nvSpPr>
+              <p:spPr>
+                <a:xfrm>
+                  <a:off x="2557536" y="5298762"/>
+                  <a:ext cx="355225" cy="307777"/>
+                </a:xfrm>
+                <a:prstGeom prst="rect">
+                  <a:avLst/>
+                </a:prstGeom>
+                <a:noFill/>
+              </p:spPr>
+              <p:txBody>
+                <a:bodyPr wrap="none" lIns="0" tIns="0" rIns="0" bIns="0" rtlCol="0">
+                  <a:spAutoFit/>
+                </a:bodyPr>
+                <a:lstStyle/>
+                <a:p>
+                  <a14:m>
+                    <m:oMathPara xmlns:m="http://schemas.openxmlformats.org/officeDocument/2006/math">
+                      <m:oMathParaPr>
+                        <m:jc m:val="centerGroup"/>
+                      </m:oMathParaPr>
+                      <m:oMath xmlns:m="http://schemas.openxmlformats.org/officeDocument/2006/math">
+                        <m:r>
+                          <a:rPr lang="en-US" sz="2000" b="0" i="1" smtClean="0">
+                            <a:solidFill>
+                              <a:srgbClr val="FF0000"/>
+                            </a:solidFill>
+                            <a:latin typeface="Cambria Math" panose="02040503050406030204" pitchFamily="18" charset="0"/>
+                            <a:cs typeface="Arial" panose="020B0604020202020204" pitchFamily="34" charset="0"/>
+                          </a:rPr>
+                          <m:t>𝑑</m:t>
+                        </m:r>
+                        <m:acc>
+                          <m:accPr>
+                            <m:chr m:val="⃗"/>
+                            <m:ctrlPr>
+                              <a:rPr lang="en-US" sz="2000" b="0" i="1" smtClean="0">
+                                <a:solidFill>
+                                  <a:srgbClr val="FF0000"/>
+                                </a:solidFill>
+                                <a:latin typeface="Cambria Math" panose="02040503050406030204" pitchFamily="18" charset="0"/>
+                                <a:cs typeface="Arial" panose="020B0604020202020204" pitchFamily="34" charset="0"/>
+                              </a:rPr>
+                            </m:ctrlPr>
+                          </m:accPr>
+                          <m:e>
+                            <m:r>
+                              <a:rPr lang="en-US" sz="2000" b="0" i="1" smtClean="0">
+                                <a:solidFill>
+                                  <a:srgbClr val="FF0000"/>
+                                </a:solidFill>
+                                <a:latin typeface="Cambria Math" panose="02040503050406030204" pitchFamily="18" charset="0"/>
+                                <a:cs typeface="Arial" panose="020B0604020202020204" pitchFamily="34" charset="0"/>
+                              </a:rPr>
+                              <m:t>𝑟</m:t>
+                            </m:r>
+                          </m:e>
+                        </m:acc>
+                      </m:oMath>
+                    </m:oMathPara>
+                  </a14:m>
+                  <a:endParaRPr lang="en-US" sz="2000" dirty="0" smtClean="0">
+                    <a:solidFill>
+                      <a:srgbClr val="FF0000"/>
+                    </a:solidFill>
+                    <a:latin typeface="Arial" panose="020B0604020202020204" pitchFamily="34" charset="0"/>
+                    <a:cs typeface="Arial" panose="020B0604020202020204" pitchFamily="34" charset="0"/>
+                  </a:endParaRPr>
+                </a:p>
+              </p:txBody>
+            </p:sp>
+          </mc:Choice>
+          <mc:Fallback>
+            <p:sp>
+              <p:nvSpPr>
+                <p:cNvPr id="22" name="TextBox 21"/>
+                <p:cNvSpPr txBox="1">
+                  <a:spLocks noRot="1" noChangeAspect="1" noMove="1" noResize="1" noEditPoints="1" noAdjustHandles="1" noChangeArrowheads="1" noChangeShapeType="1" noTextEdit="1"/>
+                </p:cNvSpPr>
+                <p:nvPr/>
+              </p:nvSpPr>
+              <p:spPr>
+                <a:xfrm>
+                  <a:off x="2557536" y="5298762"/>
+                  <a:ext cx="355225" cy="307777"/>
+                </a:xfrm>
+                <a:prstGeom prst="rect">
+                  <a:avLst/>
+                </a:prstGeom>
+                <a:blipFill>
+                  <a:blip r:embed="rId43"/>
+                  <a:stretch>
+                    <a:fillRect l="-15517" t="-33333" r="-96552" b="-9804"/>
                   </a:stretch>
                 </a:blipFill>
               </p:spPr>

--- a/tex/figures/WorkEnergy/Figures.pptx
+++ b/tex/figures/WorkEnergy/Figures.pptx
@@ -247,7 +247,7 @@
           <a:p>
             <a:fld id="{F7249F8D-641B-4CAF-BAE5-10524742F6F1}" type="datetimeFigureOut">
               <a:rPr lang="en-CA" smtClean="0"/>
-              <a:t>2018-06-06</a:t>
+              <a:t>2018-06-07</a:t>
             </a:fld>
             <a:endParaRPr lang="en-CA"/>
           </a:p>
@@ -417,7 +417,7 @@
           <a:p>
             <a:fld id="{F7249F8D-641B-4CAF-BAE5-10524742F6F1}" type="datetimeFigureOut">
               <a:rPr lang="en-CA" smtClean="0"/>
-              <a:t>2018-06-06</a:t>
+              <a:t>2018-06-07</a:t>
             </a:fld>
             <a:endParaRPr lang="en-CA"/>
           </a:p>
@@ -597,7 +597,7 @@
           <a:p>
             <a:fld id="{F7249F8D-641B-4CAF-BAE5-10524742F6F1}" type="datetimeFigureOut">
               <a:rPr lang="en-CA" smtClean="0"/>
-              <a:t>2018-06-06</a:t>
+              <a:t>2018-06-07</a:t>
             </a:fld>
             <a:endParaRPr lang="en-CA"/>
           </a:p>
@@ -767,7 +767,7 @@
           <a:p>
             <a:fld id="{F7249F8D-641B-4CAF-BAE5-10524742F6F1}" type="datetimeFigureOut">
               <a:rPr lang="en-CA" smtClean="0"/>
-              <a:t>2018-06-06</a:t>
+              <a:t>2018-06-07</a:t>
             </a:fld>
             <a:endParaRPr lang="en-CA"/>
           </a:p>
@@ -1013,7 +1013,7 @@
           <a:p>
             <a:fld id="{F7249F8D-641B-4CAF-BAE5-10524742F6F1}" type="datetimeFigureOut">
               <a:rPr lang="en-CA" smtClean="0"/>
-              <a:t>2018-06-06</a:t>
+              <a:t>2018-06-07</a:t>
             </a:fld>
             <a:endParaRPr lang="en-CA"/>
           </a:p>
@@ -1245,7 +1245,7 @@
           <a:p>
             <a:fld id="{F7249F8D-641B-4CAF-BAE5-10524742F6F1}" type="datetimeFigureOut">
               <a:rPr lang="en-CA" smtClean="0"/>
-              <a:t>2018-06-06</a:t>
+              <a:t>2018-06-07</a:t>
             </a:fld>
             <a:endParaRPr lang="en-CA"/>
           </a:p>
@@ -1612,7 +1612,7 @@
           <a:p>
             <a:fld id="{F7249F8D-641B-4CAF-BAE5-10524742F6F1}" type="datetimeFigureOut">
               <a:rPr lang="en-CA" smtClean="0"/>
-              <a:t>2018-06-06</a:t>
+              <a:t>2018-06-07</a:t>
             </a:fld>
             <a:endParaRPr lang="en-CA"/>
           </a:p>
@@ -1730,7 +1730,7 @@
           <a:p>
             <a:fld id="{F7249F8D-641B-4CAF-BAE5-10524742F6F1}" type="datetimeFigureOut">
               <a:rPr lang="en-CA" smtClean="0"/>
-              <a:t>2018-06-06</a:t>
+              <a:t>2018-06-07</a:t>
             </a:fld>
             <a:endParaRPr lang="en-CA"/>
           </a:p>
@@ -1825,7 +1825,7 @@
           <a:p>
             <a:fld id="{F7249F8D-641B-4CAF-BAE5-10524742F6F1}" type="datetimeFigureOut">
               <a:rPr lang="en-CA" smtClean="0"/>
-              <a:t>2018-06-06</a:t>
+              <a:t>2018-06-07</a:t>
             </a:fld>
             <a:endParaRPr lang="en-CA"/>
           </a:p>
@@ -2102,7 +2102,7 @@
           <a:p>
             <a:fld id="{F7249F8D-641B-4CAF-BAE5-10524742F6F1}" type="datetimeFigureOut">
               <a:rPr lang="en-CA" smtClean="0"/>
-              <a:t>2018-06-06</a:t>
+              <a:t>2018-06-07</a:t>
             </a:fld>
             <a:endParaRPr lang="en-CA"/>
           </a:p>
@@ -2355,7 +2355,7 @@
           <a:p>
             <a:fld id="{F7249F8D-641B-4CAF-BAE5-10524742F6F1}" type="datetimeFigureOut">
               <a:rPr lang="en-CA" smtClean="0"/>
-              <a:t>2018-06-06</a:t>
+              <a:t>2018-06-07</a:t>
             </a:fld>
             <a:endParaRPr lang="en-CA"/>
           </a:p>
@@ -2568,7 +2568,7 @@
           <a:p>
             <a:fld id="{F7249F8D-641B-4CAF-BAE5-10524742F6F1}" type="datetimeFigureOut">
               <a:rPr lang="en-CA" smtClean="0"/>
-              <a:t>2018-06-06</a:t>
+              <a:t>2018-06-07</a:t>
             </a:fld>
             <a:endParaRPr lang="en-CA"/>
           </a:p>
@@ -16168,8 +16168,8 @@
               </a:p>
             </p:txBody>
           </p:sp>
-          <mc:AlternateContent xmlns:mc="http://schemas.openxmlformats.org/markup-compatibility/2006">
-            <mc:Choice xmlns:a14="http://schemas.microsoft.com/office/drawing/2010/main" Requires="a14">
+          <mc:AlternateContent xmlns:mc="http://schemas.openxmlformats.org/markup-compatibility/2006" xmlns:a14="http://schemas.microsoft.com/office/drawing/2010/main">
+            <mc:Choice Requires="a14">
               <p:sp>
                 <p:nvSpPr>
                   <p:cNvPr id="111" name="TextBox 110"/>
@@ -16324,7 +16324,7 @@
                 </p:txBody>
               </p:sp>
             </mc:Choice>
-            <mc:Fallback>
+            <mc:Fallback xmlns="">
               <p:sp>
                 <p:nvSpPr>
                   <p:cNvPr id="111" name="TextBox 110"/>
@@ -16927,8 +16927,8 @@
             </a:fontRef>
           </p:style>
         </p:cxnSp>
-        <mc:AlternateContent xmlns:mc="http://schemas.openxmlformats.org/markup-compatibility/2006" xmlns:a14="http://schemas.microsoft.com/office/drawing/2010/main">
-          <mc:Choice Requires="a14">
+        <mc:AlternateContent xmlns:mc="http://schemas.openxmlformats.org/markup-compatibility/2006">
+          <mc:Choice xmlns:a14="http://schemas.microsoft.com/office/drawing/2010/main" Requires="a14">
             <p:sp>
               <p:nvSpPr>
                 <p:cNvPr id="126" name="TextBox 125"/>
@@ -16938,7 +16938,7 @@
               <p:spPr>
                 <a:xfrm>
                   <a:off x="7942510" y="4572238"/>
-                  <a:ext cx="355225" cy="307777"/>
+                  <a:ext cx="317651" cy="353302"/>
                 </a:xfrm>
                 <a:prstGeom prst="rect">
                   <a:avLst/>
@@ -16981,7 +16981,7 @@
                                 <a:latin typeface="Cambria Math" panose="02040503050406030204" pitchFamily="18" charset="0"/>
                                 <a:cs typeface="Arial" panose="020B0604020202020204" pitchFamily="34" charset="0"/>
                               </a:rPr>
-                              <m:t>𝑟</m:t>
+                              <m:t>𝑙</m:t>
                             </m:r>
                           </m:e>
                         </m:acc>
@@ -16996,7 +16996,7 @@
               </p:txBody>
             </p:sp>
           </mc:Choice>
-          <mc:Fallback xmlns="">
+          <mc:Fallback>
             <p:sp>
               <p:nvSpPr>
                 <p:cNvPr id="126" name="TextBox 125"/>
@@ -17008,7 +17008,7 @@
               <p:spPr>
                 <a:xfrm>
                   <a:off x="7942510" y="4572238"/>
-                  <a:ext cx="355225" cy="307777"/>
+                  <a:ext cx="317651" cy="353302"/>
                 </a:xfrm>
                 <a:prstGeom prst="rect">
                   <a:avLst/>
@@ -17016,7 +17016,7 @@
                 <a:blipFill>
                   <a:blip r:embed="rId40"/>
                   <a:stretch>
-                    <a:fillRect l="-15517" t="-33333" r="-96552" b="-9804"/>
+                    <a:fillRect l="-17308" t="-32759" r="-103846" b="-8621"/>
                   </a:stretch>
                 </a:blipFill>
               </p:spPr>
@@ -19625,8 +19625,8 @@
             </a:p>
           </p:txBody>
         </p:sp>
-        <mc:AlternateContent xmlns:mc="http://schemas.openxmlformats.org/markup-compatibility/2006">
-          <mc:Choice xmlns:a14="http://schemas.microsoft.com/office/drawing/2010/main" Requires="a14">
+        <mc:AlternateContent xmlns:mc="http://schemas.openxmlformats.org/markup-compatibility/2006" xmlns:a14="http://schemas.microsoft.com/office/drawing/2010/main">
+          <mc:Choice Requires="a14">
             <p:sp>
               <p:nvSpPr>
                 <p:cNvPr id="46" name="TextBox 45"/>
@@ -19674,7 +19674,7 @@
               </p:txBody>
             </p:sp>
           </mc:Choice>
-          <mc:Fallback>
+          <mc:Fallback xmlns="">
             <p:sp>
               <p:nvSpPr>
                 <p:cNvPr id="46" name="TextBox 45"/>
@@ -19713,8 +19713,8 @@
             </p:sp>
           </mc:Fallback>
         </mc:AlternateContent>
-        <mc:AlternateContent xmlns:mc="http://schemas.openxmlformats.org/markup-compatibility/2006">
-          <mc:Choice xmlns:a14="http://schemas.microsoft.com/office/drawing/2010/main" Requires="a14">
+        <mc:AlternateContent xmlns:mc="http://schemas.openxmlformats.org/markup-compatibility/2006" xmlns:a14="http://schemas.microsoft.com/office/drawing/2010/main">
+          <mc:Choice Requires="a14">
             <p:sp>
               <p:nvSpPr>
                 <p:cNvPr id="47" name="TextBox 46"/>
@@ -19762,7 +19762,7 @@
               </p:txBody>
             </p:sp>
           </mc:Choice>
-          <mc:Fallback>
+          <mc:Fallback xmlns="">
             <p:sp>
               <p:nvSpPr>
                 <p:cNvPr id="47" name="TextBox 46"/>
@@ -19801,8 +19801,8 @@
             </p:sp>
           </mc:Fallback>
         </mc:AlternateContent>
-        <mc:AlternateContent xmlns:mc="http://schemas.openxmlformats.org/markup-compatibility/2006">
-          <mc:Choice xmlns:a14="http://schemas.microsoft.com/office/drawing/2010/main" Requires="a14">
+        <mc:AlternateContent xmlns:mc="http://schemas.openxmlformats.org/markup-compatibility/2006" xmlns:a14="http://schemas.microsoft.com/office/drawing/2010/main">
+          <mc:Choice Requires="a14">
             <p:sp>
               <p:nvSpPr>
                 <p:cNvPr id="52" name="TextBox 51"/>
@@ -19918,7 +19918,7 @@
               </p:txBody>
             </p:sp>
           </mc:Choice>
-          <mc:Fallback>
+          <mc:Fallback xmlns="">
             <p:sp>
               <p:nvSpPr>
                 <p:cNvPr id="52" name="TextBox 51"/>
@@ -20179,8 +20179,8 @@
             </a:p>
           </p:txBody>
         </p:sp>
-        <mc:AlternateContent xmlns:mc="http://schemas.openxmlformats.org/markup-compatibility/2006">
-          <mc:Choice xmlns:a14="http://schemas.microsoft.com/office/drawing/2010/main" Requires="a14">
+        <mc:AlternateContent xmlns:mc="http://schemas.openxmlformats.org/markup-compatibility/2006" xmlns:a14="http://schemas.microsoft.com/office/drawing/2010/main">
+          <mc:Choice Requires="a14">
             <p:sp>
               <p:nvSpPr>
                 <p:cNvPr id="21" name="TextBox 20"/>
@@ -20203,6 +20203,7 @@
                 </a:bodyPr>
                 <a:lstStyle/>
                 <a:p>
+                  <a:pPr/>
                   <a14:m>
                     <m:oMathPara xmlns:m="http://schemas.openxmlformats.org/officeDocument/2006/math">
                       <m:oMathParaPr>
@@ -20240,7 +20241,7 @@
               </p:txBody>
             </p:sp>
           </mc:Choice>
-          <mc:Fallback>
+          <mc:Fallback xmlns="">
             <p:sp>
               <p:nvSpPr>
                 <p:cNvPr id="21" name="TextBox 20"/>
@@ -20290,7 +20291,7 @@
               <p:spPr>
                 <a:xfrm>
                   <a:off x="2557536" y="5298762"/>
-                  <a:ext cx="355225" cy="307777"/>
+                  <a:ext cx="317651" cy="353302"/>
                 </a:xfrm>
                 <a:prstGeom prst="rect">
                   <a:avLst/>
@@ -20303,6 +20304,7 @@
                 </a:bodyPr>
                 <a:lstStyle/>
                 <a:p>
+                  <a:pPr/>
                   <a14:m>
                     <m:oMathPara xmlns:m="http://schemas.openxmlformats.org/officeDocument/2006/math">
                       <m:oMathParaPr>
@@ -20341,7 +20343,7 @@
                                 <a:latin typeface="Cambria Math" panose="02040503050406030204" pitchFamily="18" charset="0"/>
                                 <a:cs typeface="Arial" panose="020B0604020202020204" pitchFamily="34" charset="0"/>
                               </a:rPr>
-                              <m:t>𝑟</m:t>
+                              <m:t>𝑙</m:t>
                             </m:r>
                           </m:e>
                         </m:acc>
@@ -20371,7 +20373,7 @@
               <p:spPr>
                 <a:xfrm>
                   <a:off x="2557536" y="5298762"/>
-                  <a:ext cx="355225" cy="307777"/>
+                  <a:ext cx="317651" cy="353302"/>
                 </a:xfrm>
                 <a:prstGeom prst="rect">
                   <a:avLst/>
@@ -20379,7 +20381,7 @@
                 <a:blipFill>
                   <a:blip r:embed="rId43"/>
                   <a:stretch>
-                    <a:fillRect l="-15517" t="-33333" r="-96552" b="-9804"/>
+                    <a:fillRect l="-17308" t="-32759" r="-103846" b="-8621"/>
                   </a:stretch>
                 </a:blipFill>
               </p:spPr>

--- a/tex/figures/WorkEnergy/Figures.pptx
+++ b/tex/figures/WorkEnergy/Figures.pptx
@@ -247,7 +247,7 @@
           <a:p>
             <a:fld id="{F7249F8D-641B-4CAF-BAE5-10524742F6F1}" type="datetimeFigureOut">
               <a:rPr lang="en-CA" smtClean="0"/>
-              <a:t>2018-06-07</a:t>
+              <a:t>2018-06-08</a:t>
             </a:fld>
             <a:endParaRPr lang="en-CA"/>
           </a:p>
@@ -417,7 +417,7 @@
           <a:p>
             <a:fld id="{F7249F8D-641B-4CAF-BAE5-10524742F6F1}" type="datetimeFigureOut">
               <a:rPr lang="en-CA" smtClean="0"/>
-              <a:t>2018-06-07</a:t>
+              <a:t>2018-06-08</a:t>
             </a:fld>
             <a:endParaRPr lang="en-CA"/>
           </a:p>
@@ -597,7 +597,7 @@
           <a:p>
             <a:fld id="{F7249F8D-641B-4CAF-BAE5-10524742F6F1}" type="datetimeFigureOut">
               <a:rPr lang="en-CA" smtClean="0"/>
-              <a:t>2018-06-07</a:t>
+              <a:t>2018-06-08</a:t>
             </a:fld>
             <a:endParaRPr lang="en-CA"/>
           </a:p>
@@ -767,7 +767,7 @@
           <a:p>
             <a:fld id="{F7249F8D-641B-4CAF-BAE5-10524742F6F1}" type="datetimeFigureOut">
               <a:rPr lang="en-CA" smtClean="0"/>
-              <a:t>2018-06-07</a:t>
+              <a:t>2018-06-08</a:t>
             </a:fld>
             <a:endParaRPr lang="en-CA"/>
           </a:p>
@@ -1013,7 +1013,7 @@
           <a:p>
             <a:fld id="{F7249F8D-641B-4CAF-BAE5-10524742F6F1}" type="datetimeFigureOut">
               <a:rPr lang="en-CA" smtClean="0"/>
-              <a:t>2018-06-07</a:t>
+              <a:t>2018-06-08</a:t>
             </a:fld>
             <a:endParaRPr lang="en-CA"/>
           </a:p>
@@ -1245,7 +1245,7 @@
           <a:p>
             <a:fld id="{F7249F8D-641B-4CAF-BAE5-10524742F6F1}" type="datetimeFigureOut">
               <a:rPr lang="en-CA" smtClean="0"/>
-              <a:t>2018-06-07</a:t>
+              <a:t>2018-06-08</a:t>
             </a:fld>
             <a:endParaRPr lang="en-CA"/>
           </a:p>
@@ -1612,7 +1612,7 @@
           <a:p>
             <a:fld id="{F7249F8D-641B-4CAF-BAE5-10524742F6F1}" type="datetimeFigureOut">
               <a:rPr lang="en-CA" smtClean="0"/>
-              <a:t>2018-06-07</a:t>
+              <a:t>2018-06-08</a:t>
             </a:fld>
             <a:endParaRPr lang="en-CA"/>
           </a:p>
@@ -1730,7 +1730,7 @@
           <a:p>
             <a:fld id="{F7249F8D-641B-4CAF-BAE5-10524742F6F1}" type="datetimeFigureOut">
               <a:rPr lang="en-CA" smtClean="0"/>
-              <a:t>2018-06-07</a:t>
+              <a:t>2018-06-08</a:t>
             </a:fld>
             <a:endParaRPr lang="en-CA"/>
           </a:p>
@@ -1825,7 +1825,7 @@
           <a:p>
             <a:fld id="{F7249F8D-641B-4CAF-BAE5-10524742F6F1}" type="datetimeFigureOut">
               <a:rPr lang="en-CA" smtClean="0"/>
-              <a:t>2018-06-07</a:t>
+              <a:t>2018-06-08</a:t>
             </a:fld>
             <a:endParaRPr lang="en-CA"/>
           </a:p>
@@ -2102,7 +2102,7 @@
           <a:p>
             <a:fld id="{F7249F8D-641B-4CAF-BAE5-10524742F6F1}" type="datetimeFigureOut">
               <a:rPr lang="en-CA" smtClean="0"/>
-              <a:t>2018-06-07</a:t>
+              <a:t>2018-06-08</a:t>
             </a:fld>
             <a:endParaRPr lang="en-CA"/>
           </a:p>
@@ -2355,7 +2355,7 @@
           <a:p>
             <a:fld id="{F7249F8D-641B-4CAF-BAE5-10524742F6F1}" type="datetimeFigureOut">
               <a:rPr lang="en-CA" smtClean="0"/>
-              <a:t>2018-06-07</a:t>
+              <a:t>2018-06-08</a:t>
             </a:fld>
             <a:endParaRPr lang="en-CA"/>
           </a:p>
@@ -2568,7 +2568,7 @@
           <a:p>
             <a:fld id="{F7249F8D-641B-4CAF-BAE5-10524742F6F1}" type="datetimeFigureOut">
               <a:rPr lang="en-CA" smtClean="0"/>
-              <a:t>2018-06-07</a:t>
+              <a:t>2018-06-08</a:t>
             </a:fld>
             <a:endParaRPr lang="en-CA"/>
           </a:p>
@@ -4950,7 +4950,7 @@
                             <m:sSubPr>
                               <m:ctrlPr>
                                 <a:rPr lang="en-US" sz="2000" b="0" i="1" smtClean="0">
-                                  <a:latin typeface="Cambria Math" panose="02040503050406030204" pitchFamily="18" charset="0"/>
+                                  <a:latin typeface="Cambria Math" charset="0"/>
                                   <a:cs typeface="Arial" panose="020B0604020202020204" pitchFamily="34" charset="0"/>
                                 </a:rPr>
                               </m:ctrlPr>
@@ -5059,7 +5059,7 @@
                             <m:sSubPr>
                               <m:ctrlPr>
                                 <a:rPr lang="en-US" sz="2000" b="0" i="1" smtClean="0">
-                                  <a:latin typeface="Cambria Math" panose="02040503050406030204" pitchFamily="18" charset="0"/>
+                                  <a:latin typeface="Cambria Math" charset="0"/>
                                   <a:cs typeface="Arial" panose="020B0604020202020204" pitchFamily="34" charset="0"/>
                                 </a:rPr>
                               </m:ctrlPr>
@@ -5304,7 +5304,7 @@
                               <m:chr m:val="⃗"/>
                               <m:ctrlPr>
                                 <a:rPr lang="en-US" sz="2000" b="0" i="1" smtClean="0">
-                                  <a:latin typeface="Cambria Math" panose="02040503050406030204" pitchFamily="18" charset="0"/>
+                                  <a:latin typeface="Cambria Math" charset="0"/>
                                   <a:cs typeface="Arial" panose="020B0604020202020204" pitchFamily="34" charset="0"/>
                                 </a:rPr>
                               </m:ctrlPr>
@@ -5442,7 +5442,7 @@
                             <m:chr m:val="⃗"/>
                             <m:ctrlPr>
                               <a:rPr lang="en-US" sz="2000" b="0" i="1" smtClean="0">
-                                <a:latin typeface="Cambria Math" panose="02040503050406030204" pitchFamily="18" charset="0"/>
+                                <a:latin typeface="Cambria Math" charset="0"/>
                                 <a:cs typeface="Arial" panose="020B0604020202020204" pitchFamily="34" charset="0"/>
                               </a:rPr>
                             </m:ctrlPr>
@@ -6023,7 +6023,7 @@
                           <m:sSubPr>
                             <m:ctrlPr>
                               <a:rPr lang="en-US" sz="2000" b="0" i="1" smtClean="0">
-                                <a:latin typeface="Cambria Math" panose="02040503050406030204" pitchFamily="18" charset="0"/>
+                                <a:latin typeface="Cambria Math" charset="0"/>
                                 <a:cs typeface="Arial" panose="020B0604020202020204" pitchFamily="34" charset="0"/>
                               </a:rPr>
                             </m:ctrlPr>
@@ -6132,7 +6132,7 @@
                           <m:sSubPr>
                             <m:ctrlPr>
                               <a:rPr lang="en-US" sz="2000" b="0" i="1" smtClean="0">
-                                <a:latin typeface="Cambria Math" panose="02040503050406030204" pitchFamily="18" charset="0"/>
+                                <a:latin typeface="Cambria Math" charset="0"/>
                                 <a:cs typeface="Arial" panose="020B0604020202020204" pitchFamily="34" charset="0"/>
                               </a:rPr>
                             </m:ctrlPr>
@@ -6376,7 +6376,7 @@
                           <m:sSubPr>
                             <m:ctrlPr>
                               <a:rPr lang="en-US" sz="2000" b="0" i="1" smtClean="0">
-                                <a:latin typeface="Cambria Math" panose="02040503050406030204" pitchFamily="18" charset="0"/>
+                                <a:latin typeface="Cambria Math" charset="0"/>
                                 <a:cs typeface="Arial" panose="020B0604020202020204" pitchFamily="34" charset="0"/>
                               </a:rPr>
                             </m:ctrlPr>
@@ -6387,7 +6387,7 @@
                                 <m:chr m:val="⃗"/>
                                 <m:ctrlPr>
                                   <a:rPr lang="en-US" sz="2000" b="0" i="1" smtClean="0">
-                                    <a:latin typeface="Cambria Math" panose="02040503050406030204" pitchFamily="18" charset="0"/>
+                                    <a:latin typeface="Cambria Math" charset="0"/>
                                     <a:cs typeface="Arial" panose="020B0604020202020204" pitchFamily="34" charset="0"/>
                                   </a:rPr>
                                 </m:ctrlPr>
@@ -6534,7 +6534,7 @@
                           <m:sSubPr>
                             <m:ctrlPr>
                               <a:rPr lang="en-US" sz="2000" b="0" i="1" smtClean="0">
-                                <a:latin typeface="Cambria Math" panose="02040503050406030204" pitchFamily="18" charset="0"/>
+                                <a:latin typeface="Cambria Math" charset="0"/>
                                 <a:cs typeface="Arial" panose="020B0604020202020204" pitchFamily="34" charset="0"/>
                               </a:rPr>
                             </m:ctrlPr>
@@ -6545,7 +6545,7 @@
                                 <m:chr m:val="⃗"/>
                                 <m:ctrlPr>
                                   <a:rPr lang="en-US" sz="2000" b="0" i="1" smtClean="0">
-                                    <a:latin typeface="Cambria Math" panose="02040503050406030204" pitchFamily="18" charset="0"/>
+                                    <a:latin typeface="Cambria Math" charset="0"/>
                                     <a:cs typeface="Arial" panose="020B0604020202020204" pitchFamily="34" charset="0"/>
                                   </a:rPr>
                                 </m:ctrlPr>
@@ -6998,7 +6998,7 @@
                           <m:sSubPr>
                             <m:ctrlPr>
                               <a:rPr lang="en-US" sz="2000" b="0" i="1" smtClean="0">
-                                <a:latin typeface="Cambria Math" panose="02040503050406030204" pitchFamily="18" charset="0"/>
+                                <a:latin typeface="Cambria Math" charset="0"/>
                                 <a:cs typeface="Arial" panose="020B0604020202020204" pitchFamily="34" charset="0"/>
                               </a:rPr>
                             </m:ctrlPr>
@@ -7107,7 +7107,7 @@
                           <m:sSubPr>
                             <m:ctrlPr>
                               <a:rPr lang="en-US" sz="2000" b="0" i="1" smtClean="0">
-                                <a:latin typeface="Cambria Math" panose="02040503050406030204" pitchFamily="18" charset="0"/>
+                                <a:latin typeface="Cambria Math" charset="0"/>
                                 <a:cs typeface="Arial" panose="020B0604020202020204" pitchFamily="34" charset="0"/>
                               </a:rPr>
                             </m:ctrlPr>
@@ -7301,7 +7301,7 @@
                           <m:sSubPr>
                             <m:ctrlPr>
                               <a:rPr lang="en-US" sz="2000" b="0" i="1" smtClean="0">
-                                <a:latin typeface="Cambria Math" panose="02040503050406030204" pitchFamily="18" charset="0"/>
+                                <a:latin typeface="Cambria Math" charset="0"/>
                                 <a:cs typeface="Arial" panose="020B0604020202020204" pitchFamily="34" charset="0"/>
                               </a:rPr>
                             </m:ctrlPr>
@@ -7312,7 +7312,7 @@
                                 <m:chr m:val="⃗"/>
                                 <m:ctrlPr>
                                   <a:rPr lang="en-US" sz="2000" b="0" i="1" smtClean="0">
-                                    <a:latin typeface="Cambria Math" panose="02040503050406030204" pitchFamily="18" charset="0"/>
+                                    <a:latin typeface="Cambria Math" charset="0"/>
                                     <a:cs typeface="Arial" panose="020B0604020202020204" pitchFamily="34" charset="0"/>
                                   </a:rPr>
                                 </m:ctrlPr>
@@ -7508,7 +7508,7 @@
                           <m:sSubPr>
                             <m:ctrlPr>
                               <a:rPr lang="en-US" sz="2000" b="0" i="1" smtClean="0">
-                                <a:latin typeface="Cambria Math" panose="02040503050406030204" pitchFamily="18" charset="0"/>
+                                <a:latin typeface="Cambria Math" charset="0"/>
                                 <a:cs typeface="Arial" panose="020B0604020202020204" pitchFamily="34" charset="0"/>
                               </a:rPr>
                             </m:ctrlPr>
@@ -7519,7 +7519,7 @@
                                 <m:chr m:val="⃗"/>
                                 <m:ctrlPr>
                                   <a:rPr lang="en-US" sz="2000" b="0" i="1" smtClean="0">
-                                    <a:latin typeface="Cambria Math" panose="02040503050406030204" pitchFamily="18" charset="0"/>
+                                    <a:latin typeface="Cambria Math" charset="0"/>
                                     <a:cs typeface="Arial" panose="020B0604020202020204" pitchFamily="34" charset="0"/>
                                   </a:rPr>
                                 </m:ctrlPr>
@@ -7666,7 +7666,7 @@
                           <m:sSubPr>
                             <m:ctrlPr>
                               <a:rPr lang="en-US" sz="2000" b="0" i="1" smtClean="0">
-                                <a:latin typeface="Cambria Math" panose="02040503050406030204" pitchFamily="18" charset="0"/>
+                                <a:latin typeface="Cambria Math" charset="0"/>
                                 <a:cs typeface="Arial" panose="020B0604020202020204" pitchFamily="34" charset="0"/>
                               </a:rPr>
                             </m:ctrlPr>
@@ -7677,7 +7677,7 @@
                                 <m:chr m:val="⃗"/>
                                 <m:ctrlPr>
                                   <a:rPr lang="en-US" sz="2000" b="0" i="1" smtClean="0">
-                                    <a:latin typeface="Cambria Math" panose="02040503050406030204" pitchFamily="18" charset="0"/>
+                                    <a:latin typeface="Cambria Math" charset="0"/>
                                     <a:cs typeface="Arial" panose="020B0604020202020204" pitchFamily="34" charset="0"/>
                                   </a:rPr>
                                 </m:ctrlPr>
@@ -7824,7 +7824,7 @@
                           <m:sSubPr>
                             <m:ctrlPr>
                               <a:rPr lang="en-US" sz="2000" b="0" i="1" smtClean="0">
-                                <a:latin typeface="Cambria Math" panose="02040503050406030204" pitchFamily="18" charset="0"/>
+                                <a:latin typeface="Cambria Math" charset="0"/>
                                 <a:cs typeface="Arial" panose="020B0604020202020204" pitchFamily="34" charset="0"/>
                               </a:rPr>
                             </m:ctrlPr>
@@ -7835,7 +7835,7 @@
                                 <m:chr m:val="⃗"/>
                                 <m:ctrlPr>
                                   <a:rPr lang="en-US" sz="2000" b="0" i="1" smtClean="0">
-                                    <a:latin typeface="Cambria Math" panose="02040503050406030204" pitchFamily="18" charset="0"/>
+                                    <a:latin typeface="Cambria Math" charset="0"/>
                                     <a:cs typeface="Arial" panose="020B0604020202020204" pitchFamily="34" charset="0"/>
                                   </a:rPr>
                                 </m:ctrlPr>
@@ -9621,7 +9621,7 @@
                                 <m:sSubPr>
                                   <m:ctrlPr>
                                     <a:rPr lang="en-US" sz="2000" b="0" i="1" smtClean="0">
-                                      <a:latin typeface="Cambria Math" panose="02040503050406030204" pitchFamily="18" charset="0"/>
+                                      <a:latin typeface="Cambria Math" charset="0"/>
                                       <a:cs typeface="Arial" panose="020B0604020202020204" pitchFamily="34" charset="0"/>
                                     </a:rPr>
                                   </m:ctrlPr>
@@ -9730,7 +9730,7 @@
                                 <m:sSubPr>
                                   <m:ctrlPr>
                                     <a:rPr lang="en-US" sz="2000" b="0" i="1" smtClean="0">
-                                      <a:latin typeface="Cambria Math" panose="02040503050406030204" pitchFamily="18" charset="0"/>
+                                      <a:latin typeface="Cambria Math" charset="0"/>
                                       <a:cs typeface="Arial" panose="020B0604020202020204" pitchFamily="34" charset="0"/>
                                     </a:rPr>
                                   </m:ctrlPr>
@@ -9975,7 +9975,7 @@
                                   <m:chr m:val="⃗"/>
                                   <m:ctrlPr>
                                     <a:rPr lang="en-US" sz="2000" b="0" i="1" smtClean="0">
-                                      <a:latin typeface="Cambria Math" panose="02040503050406030204" pitchFamily="18" charset="0"/>
+                                      <a:latin typeface="Cambria Math" charset="0"/>
                                       <a:cs typeface="Arial" panose="020B0604020202020204" pitchFamily="34" charset="0"/>
                                     </a:rPr>
                                   </m:ctrlPr>
@@ -10113,7 +10113,7 @@
                                 <m:chr m:val="⃗"/>
                                 <m:ctrlPr>
                                   <a:rPr lang="en-US" sz="2000" b="0" i="1" smtClean="0">
-                                    <a:latin typeface="Cambria Math" panose="02040503050406030204" pitchFamily="18" charset="0"/>
+                                    <a:latin typeface="Cambria Math" charset="0"/>
                                     <a:cs typeface="Arial" panose="020B0604020202020204" pitchFamily="34" charset="0"/>
                                   </a:rPr>
                                 </m:ctrlPr>
@@ -10382,7 +10382,7 @@
                           <m:sSubPr>
                             <m:ctrlPr>
                               <a:rPr lang="en-US" sz="2000" b="0" i="1" smtClean="0">
-                                <a:latin typeface="Cambria Math" panose="02040503050406030204" pitchFamily="18" charset="0"/>
+                                <a:latin typeface="Cambria Math" charset="0"/>
                                 <a:cs typeface="Arial" panose="020B0604020202020204" pitchFamily="34" charset="0"/>
                               </a:rPr>
                             </m:ctrlPr>
@@ -10569,7 +10569,7 @@
                           <m:sSubPr>
                             <m:ctrlPr>
                               <a:rPr lang="en-US" sz="2000" b="0" i="1" smtClean="0">
-                                <a:latin typeface="Cambria Math" panose="02040503050406030204" pitchFamily="18" charset="0"/>
+                                <a:latin typeface="Cambria Math" charset="0"/>
                                 <a:cs typeface="Arial" panose="020B0604020202020204" pitchFamily="34" charset="0"/>
                               </a:rPr>
                             </m:ctrlPr>
@@ -11279,7 +11279,7 @@
                           <m:sSubPr>
                             <m:ctrlPr>
                               <a:rPr lang="en-US" sz="2000" b="0" i="1" smtClean="0">
-                                <a:latin typeface="Cambria Math" panose="02040503050406030204" pitchFamily="18" charset="0"/>
+                                <a:latin typeface="Cambria Math" charset="0"/>
                                 <a:cs typeface="Arial" panose="020B0604020202020204" pitchFamily="34" charset="0"/>
                               </a:rPr>
                             </m:ctrlPr>
@@ -11290,7 +11290,7 @@
                                 <m:chr m:val="⃗"/>
                                 <m:ctrlPr>
                                   <a:rPr lang="en-US" sz="2000" b="0" i="1" smtClean="0">
-                                    <a:latin typeface="Cambria Math" panose="02040503050406030204" pitchFamily="18" charset="0"/>
+                                    <a:latin typeface="Cambria Math" charset="0"/>
                                     <a:cs typeface="Arial" panose="020B0604020202020204" pitchFamily="34" charset="0"/>
                                   </a:rPr>
                                 </m:ctrlPr>
@@ -11401,7 +11401,7 @@
                           <m:sSubPr>
                             <m:ctrlPr>
                               <a:rPr lang="en-US" sz="2000" b="0" i="1" smtClean="0">
-                                <a:latin typeface="Cambria Math" panose="02040503050406030204" pitchFamily="18" charset="0"/>
+                                <a:latin typeface="Cambria Math" charset="0"/>
                                 <a:cs typeface="Arial" panose="020B0604020202020204" pitchFamily="34" charset="0"/>
                               </a:rPr>
                             </m:ctrlPr>
@@ -11412,7 +11412,7 @@
                                 <m:chr m:val="⃗"/>
                                 <m:ctrlPr>
                                   <a:rPr lang="en-US" sz="2000" b="0" i="1" smtClean="0">
-                                    <a:latin typeface="Cambria Math" panose="02040503050406030204" pitchFamily="18" charset="0"/>
+                                    <a:latin typeface="Cambria Math" charset="0"/>
                                     <a:cs typeface="Arial" panose="020B0604020202020204" pitchFamily="34" charset="0"/>
                                   </a:rPr>
                                 </m:ctrlPr>
@@ -11523,7 +11523,7 @@
                           <m:sSubPr>
                             <m:ctrlPr>
                               <a:rPr lang="en-US" sz="2000" b="0" i="1" smtClean="0">
-                                <a:latin typeface="Cambria Math" panose="02040503050406030204" pitchFamily="18" charset="0"/>
+                                <a:latin typeface="Cambria Math" charset="0"/>
                                 <a:cs typeface="Arial" panose="020B0604020202020204" pitchFamily="34" charset="0"/>
                               </a:rPr>
                             </m:ctrlPr>
@@ -11534,7 +11534,7 @@
                                 <m:chr m:val="⃗"/>
                                 <m:ctrlPr>
                                   <a:rPr lang="en-US" sz="2000" b="0" i="1" smtClean="0">
-                                    <a:latin typeface="Cambria Math" panose="02040503050406030204" pitchFamily="18" charset="0"/>
+                                    <a:latin typeface="Cambria Math" charset="0"/>
                                     <a:cs typeface="Arial" panose="020B0604020202020204" pitchFamily="34" charset="0"/>
                                   </a:rPr>
                                 </m:ctrlPr>
@@ -11682,7 +11682,7 @@
                             <m:chr m:val="⃗"/>
                             <m:ctrlPr>
                               <a:rPr lang="en-US" sz="2000" b="0" i="1" smtClean="0">
-                                <a:latin typeface="Cambria Math" panose="02040503050406030204" pitchFamily="18" charset="0"/>
+                                <a:latin typeface="Cambria Math" charset="0"/>
                                 <a:cs typeface="Arial" panose="020B0604020202020204" pitchFamily="34" charset="0"/>
                               </a:rPr>
                             </m:ctrlPr>
@@ -12475,7 +12475,7 @@
                             <m:sSubPr>
                               <m:ctrlPr>
                                 <a:rPr lang="en-US" sz="2000" b="0" i="1" smtClean="0">
-                                  <a:latin typeface="Cambria Math" panose="02040503050406030204" pitchFamily="18" charset="0"/>
+                                  <a:latin typeface="Cambria Math" charset="0"/>
                                   <a:cs typeface="Arial" panose="020B0604020202020204" pitchFamily="34" charset="0"/>
                                 </a:rPr>
                               </m:ctrlPr>
@@ -12510,7 +12510,7 @@
                             <m:sSubPr>
                               <m:ctrlPr>
                                 <a:rPr lang="en-US" sz="2000" b="0" i="1" smtClean="0">
-                                  <a:latin typeface="Cambria Math" panose="02040503050406030204" pitchFamily="18" charset="0"/>
+                                  <a:latin typeface="Cambria Math" charset="0"/>
                                   <a:cs typeface="Arial" panose="020B0604020202020204" pitchFamily="34" charset="0"/>
                                 </a:rPr>
                               </m:ctrlPr>
@@ -12640,7 +12640,7 @@
                             <m:sSubPr>
                               <m:ctrlPr>
                                 <a:rPr lang="en-US" sz="2000" b="0" i="1" smtClean="0">
-                                  <a:latin typeface="Cambria Math" panose="02040503050406030204" pitchFamily="18" charset="0"/>
+                                  <a:latin typeface="Cambria Math" charset="0"/>
                                   <a:cs typeface="Arial" panose="020B0604020202020204" pitchFamily="34" charset="0"/>
                                 </a:rPr>
                               </m:ctrlPr>
@@ -12675,7 +12675,7 @@
                             <m:sSubPr>
                               <m:ctrlPr>
                                 <a:rPr lang="en-US" sz="2000" b="0" i="1" smtClean="0">
-                                  <a:latin typeface="Cambria Math" panose="02040503050406030204" pitchFamily="18" charset="0"/>
+                                  <a:latin typeface="Cambria Math" charset="0"/>
                                   <a:cs typeface="Arial" panose="020B0604020202020204" pitchFamily="34" charset="0"/>
                                 </a:rPr>
                               </m:ctrlPr>
@@ -15013,7 +15013,7 @@
                           <m:sSubPr>
                             <m:ctrlPr>
                               <a:rPr lang="en-US" sz="2000" b="0" i="1" smtClean="0">
-                                <a:latin typeface="Cambria Math" panose="02040503050406030204" pitchFamily="18" charset="0"/>
+                                <a:latin typeface="Cambria Math" charset="0"/>
                                 <a:cs typeface="Arial" panose="020B0604020202020204" pitchFamily="34" charset="0"/>
                               </a:rPr>
                             </m:ctrlPr>
@@ -15048,7 +15048,7 @@
                           <m:sSubPr>
                             <m:ctrlPr>
                               <a:rPr lang="en-US" sz="2000" b="0" i="1" smtClean="0">
-                                <a:latin typeface="Cambria Math" panose="02040503050406030204" pitchFamily="18" charset="0"/>
+                                <a:latin typeface="Cambria Math" charset="0"/>
                                 <a:cs typeface="Arial" panose="020B0604020202020204" pitchFamily="34" charset="0"/>
                               </a:rPr>
                             </m:ctrlPr>
@@ -15178,7 +15178,7 @@
                           <m:sSubPr>
                             <m:ctrlPr>
                               <a:rPr lang="en-US" sz="2000" b="0" i="1" smtClean="0">
-                                <a:latin typeface="Cambria Math" panose="02040503050406030204" pitchFamily="18" charset="0"/>
+                                <a:latin typeface="Cambria Math" charset="0"/>
                                 <a:cs typeface="Arial" panose="020B0604020202020204" pitchFamily="34" charset="0"/>
                               </a:rPr>
                             </m:ctrlPr>
@@ -15213,7 +15213,7 @@
                           <m:sSubPr>
                             <m:ctrlPr>
                               <a:rPr lang="en-US" sz="2000" b="0" i="1" smtClean="0">
-                                <a:latin typeface="Cambria Math" panose="02040503050406030204" pitchFamily="18" charset="0"/>
+                                <a:latin typeface="Cambria Math" charset="0"/>
                                 <a:cs typeface="Arial" panose="020B0604020202020204" pitchFamily="34" charset="0"/>
                               </a:rPr>
                             </m:ctrlPr>
@@ -15474,7 +15474,7 @@
                             <m:chr m:val="⃗"/>
                             <m:ctrlPr>
                               <a:rPr lang="en-US" sz="2000" b="0" i="1" smtClean="0">
-                                <a:latin typeface="Cambria Math" panose="02040503050406030204" pitchFamily="18" charset="0"/>
+                                <a:latin typeface="Cambria Math" charset="0"/>
                                 <a:cs typeface="Arial" panose="020B0604020202020204" pitchFamily="34" charset="0"/>
                               </a:rPr>
                             </m:ctrlPr>
@@ -15501,7 +15501,7 @@
                             <m:chr m:val="⃗"/>
                             <m:ctrlPr>
                               <a:rPr lang="en-US" sz="2000" b="0" i="1" smtClean="0">
-                                <a:latin typeface="Cambria Math" panose="02040503050406030204" pitchFamily="18" charset="0"/>
+                                <a:latin typeface="Cambria Math" charset="0"/>
                                 <a:cs typeface="Arial" panose="020B0604020202020204" pitchFamily="34" charset="0"/>
                               </a:rPr>
                             </m:ctrlPr>
@@ -16217,7 +16217,7 @@
                             <m:sSubPr>
                               <m:ctrlPr>
                                 <a:rPr lang="en-US" sz="2000" b="0" i="1" smtClean="0">
-                                  <a:latin typeface="Cambria Math" panose="02040503050406030204" pitchFamily="18" charset="0"/>
+                                  <a:latin typeface="Cambria Math" charset="0"/>
                                   <a:cs typeface="Arial" panose="020B0604020202020204" pitchFamily="34" charset="0"/>
                                 </a:rPr>
                               </m:ctrlPr>
@@ -16273,7 +16273,7 @@
                             <m:sSubSupPr>
                               <m:ctrlPr>
                                 <a:rPr lang="en-US" sz="2000" b="0" i="1" smtClean="0">
-                                  <a:latin typeface="Cambria Math" panose="02040503050406030204" pitchFamily="18" charset="0"/>
+                                  <a:latin typeface="Cambria Math" charset="0"/>
                                   <a:cs typeface="Arial" panose="020B0604020202020204" pitchFamily="34" charset="0"/>
                                 </a:rPr>
                               </m:ctrlPr>
@@ -16514,7 +16514,7 @@
                             <m:dPr>
                               <m:ctrlPr>
                                 <a:rPr lang="en-US" sz="2000" b="0" i="1" smtClean="0">
-                                  <a:latin typeface="Cambria Math" panose="02040503050406030204" pitchFamily="18" charset="0"/>
+                                  <a:latin typeface="Cambria Math" charset="0"/>
                                   <a:cs typeface="Arial" panose="020B0604020202020204" pitchFamily="34" charset="0"/>
                                 </a:rPr>
                               </m:ctrlPr>
@@ -16561,7 +16561,7 @@
                             <m:sSupPr>
                               <m:ctrlPr>
                                 <a:rPr lang="en-US" sz="2000" b="0" i="1" smtClean="0">
-                                  <a:latin typeface="Cambria Math" panose="02040503050406030204" pitchFamily="18" charset="0"/>
+                                  <a:latin typeface="Cambria Math" charset="0"/>
                                   <a:cs typeface="Arial" panose="020B0604020202020204" pitchFamily="34" charset="0"/>
                                 </a:rPr>
                               </m:ctrlPr>
@@ -16707,7 +16707,7 @@
                           <m:sSubPr>
                             <m:ctrlPr>
                               <a:rPr lang="en-US" sz="2000" b="0" i="1" smtClean="0">
-                                <a:latin typeface="Cambria Math" panose="02040503050406030204" pitchFamily="18" charset="0"/>
+                                <a:latin typeface="Cambria Math" charset="0"/>
                                 <a:cs typeface="Arial" panose="020B0604020202020204" pitchFamily="34" charset="0"/>
                               </a:rPr>
                             </m:ctrlPr>
@@ -16790,7 +16790,7 @@
         </p:nvGrpSpPr>
         <p:grpSpPr>
           <a:xfrm>
-            <a:off x="7264228" y="4572238"/>
+            <a:off x="9648613" y="4579709"/>
             <a:ext cx="1877300" cy="980789"/>
             <a:chOff x="7264228" y="4572238"/>
             <a:chExt cx="1877300" cy="980789"/>
@@ -16927,8 +16927,8 @@
             </a:fontRef>
           </p:style>
         </p:cxnSp>
-        <mc:AlternateContent xmlns:mc="http://schemas.openxmlformats.org/markup-compatibility/2006">
-          <mc:Choice xmlns:a14="http://schemas.microsoft.com/office/drawing/2010/main" Requires="a14">
+        <mc:AlternateContent xmlns:mc="http://schemas.openxmlformats.org/markup-compatibility/2006" xmlns:a14="http://schemas.microsoft.com/office/drawing/2010/main">
+          <mc:Choice Requires="a14">
             <p:sp>
               <p:nvSpPr>
                 <p:cNvPr id="126" name="TextBox 125"/>
@@ -16970,7 +16970,7 @@
                             <m:chr m:val="⃗"/>
                             <m:ctrlPr>
                               <a:rPr lang="en-US" sz="2000" b="0" i="1" smtClean="0">
-                                <a:latin typeface="Cambria Math" panose="02040503050406030204" pitchFamily="18" charset="0"/>
+                                <a:latin typeface="Cambria Math" charset="0"/>
                                 <a:cs typeface="Arial" panose="020B0604020202020204" pitchFamily="34" charset="0"/>
                               </a:rPr>
                             </m:ctrlPr>
@@ -16996,7 +16996,7 @@
               </p:txBody>
             </p:sp>
           </mc:Choice>
-          <mc:Fallback>
+          <mc:Fallback xmlns="">
             <p:sp>
               <p:nvSpPr>
                 <p:cNvPr id="126" name="TextBox 125"/>
@@ -17284,6 +17284,980 @@
           </mc:Fallback>
         </mc:AlternateContent>
       </p:grpSp>
+      <p:grpSp>
+        <p:nvGrpSpPr>
+          <p:cNvPr id="10" name="Group 9"/>
+          <p:cNvGrpSpPr/>
+          <p:nvPr/>
+        </p:nvGrpSpPr>
+        <p:grpSpPr>
+          <a:xfrm>
+            <a:off x="4925766" y="3898033"/>
+            <a:ext cx="2869338" cy="2488590"/>
+            <a:chOff x="4925766" y="3898033"/>
+            <a:chExt cx="2869338" cy="2488590"/>
+          </a:xfrm>
+        </p:grpSpPr>
+        <p:grpSp>
+          <p:nvGrpSpPr>
+            <p:cNvPr id="75" name="Group 74"/>
+            <p:cNvGrpSpPr/>
+            <p:nvPr/>
+          </p:nvGrpSpPr>
+          <p:grpSpPr>
+            <a:xfrm>
+              <a:off x="4925766" y="3898033"/>
+              <a:ext cx="2869338" cy="2488590"/>
+              <a:chOff x="603160" y="3935497"/>
+              <a:chExt cx="2869338" cy="2488590"/>
+            </a:xfrm>
+          </p:grpSpPr>
+          <p:grpSp>
+            <p:nvGrpSpPr>
+              <p:cNvPr id="76" name="Group 75"/>
+              <p:cNvGrpSpPr/>
+              <p:nvPr/>
+            </p:nvGrpSpPr>
+            <p:grpSpPr>
+              <a:xfrm>
+                <a:off x="603160" y="4277771"/>
+                <a:ext cx="2224718" cy="2146316"/>
+                <a:chOff x="1129904" y="708040"/>
+                <a:chExt cx="2224718" cy="2146316"/>
+              </a:xfrm>
+            </p:grpSpPr>
+            <p:grpSp>
+              <p:nvGrpSpPr>
+                <p:cNvPr id="94" name="Group 93"/>
+                <p:cNvGrpSpPr/>
+                <p:nvPr/>
+              </p:nvGrpSpPr>
+              <p:grpSpPr>
+                <a:xfrm>
+                  <a:off x="1163211" y="708040"/>
+                  <a:ext cx="2191411" cy="2146316"/>
+                  <a:chOff x="1190506" y="680744"/>
+                  <a:chExt cx="2191411" cy="2146316"/>
+                </a:xfrm>
+              </p:grpSpPr>
+              <p:cxnSp>
+                <p:nvCxnSpPr>
+                  <p:cNvPr id="96" name="Straight Arrow Connector 95"/>
+                  <p:cNvCxnSpPr/>
+                  <p:nvPr/>
+                </p:nvCxnSpPr>
+                <p:spPr>
+                  <a:xfrm flipV="1">
+                    <a:off x="1516583" y="680744"/>
+                    <a:ext cx="7684" cy="1859536"/>
+                  </a:xfrm>
+                  <a:prstGeom prst="straightConnector1">
+                    <a:avLst/>
+                  </a:prstGeom>
+                  <a:ln w="38100">
+                    <a:solidFill>
+                      <a:schemeClr val="tx1"/>
+                    </a:solidFill>
+                    <a:tailEnd type="triangle"/>
+                  </a:ln>
+                </p:spPr>
+                <p:style>
+                  <a:lnRef idx="1">
+                    <a:schemeClr val="accent1"/>
+                  </a:lnRef>
+                  <a:fillRef idx="0">
+                    <a:schemeClr val="accent1"/>
+                  </a:fillRef>
+                  <a:effectRef idx="0">
+                    <a:schemeClr val="accent1"/>
+                  </a:effectRef>
+                  <a:fontRef idx="minor">
+                    <a:schemeClr val="tx1"/>
+                  </a:fontRef>
+                </p:style>
+              </p:cxnSp>
+              <p:cxnSp>
+                <p:nvCxnSpPr>
+                  <p:cNvPr id="107" name="Straight Arrow Connector 106"/>
+                  <p:cNvCxnSpPr/>
+                  <p:nvPr/>
+                </p:nvCxnSpPr>
+                <p:spPr>
+                  <a:xfrm flipV="1">
+                    <a:off x="1507013" y="2535259"/>
+                    <a:ext cx="1874904" cy="1"/>
+                  </a:xfrm>
+                  <a:prstGeom prst="straightConnector1">
+                    <a:avLst/>
+                  </a:prstGeom>
+                  <a:ln w="38100">
+                    <a:solidFill>
+                      <a:schemeClr val="tx1"/>
+                    </a:solidFill>
+                    <a:tailEnd type="triangle"/>
+                  </a:ln>
+                </p:spPr>
+                <p:style>
+                  <a:lnRef idx="1">
+                    <a:schemeClr val="accent1"/>
+                  </a:lnRef>
+                  <a:fillRef idx="0">
+                    <a:schemeClr val="accent1"/>
+                  </a:fillRef>
+                  <a:effectRef idx="0">
+                    <a:schemeClr val="accent1"/>
+                  </a:effectRef>
+                  <a:fontRef idx="minor">
+                    <a:schemeClr val="tx1"/>
+                  </a:fontRef>
+                </p:style>
+              </p:cxnSp>
+              <mc:AlternateContent xmlns:mc="http://schemas.openxmlformats.org/markup-compatibility/2006" xmlns:a14="http://schemas.microsoft.com/office/drawing/2010/main">
+                <mc:Choice Requires="a14">
+                  <p:sp>
+                    <p:nvSpPr>
+                      <p:cNvPr id="116" name="Rectangle 115"/>
+                      <p:cNvSpPr/>
+                      <p:nvPr/>
+                    </p:nvSpPr>
+                    <p:spPr>
+                      <a:xfrm>
+                        <a:off x="2897675" y="2457728"/>
+                        <a:ext cx="367985" cy="369332"/>
+                      </a:xfrm>
+                      <a:prstGeom prst="rect">
+                        <a:avLst/>
+                      </a:prstGeom>
+                    </p:spPr>
+                    <p:txBody>
+                      <a:bodyPr wrap="none">
+                        <a:spAutoFit/>
+                      </a:bodyPr>
+                      <a:lstStyle/>
+                      <a:p>
+                        <a:pPr/>
+                        <a14:m>
+                          <m:oMathPara xmlns:m="http://schemas.openxmlformats.org/officeDocument/2006/math">
+                            <m:oMathParaPr>
+                              <m:jc m:val="centerGroup"/>
+                            </m:oMathParaPr>
+                            <m:oMath xmlns:m="http://schemas.openxmlformats.org/officeDocument/2006/math">
+                              <m:r>
+                                <a:rPr lang="en-US" i="1">
+                                  <a:latin typeface="Cambria Math" panose="02040503050406030204" pitchFamily="18" charset="0"/>
+                                  <a:cs typeface="Arial" panose="020B0604020202020204" pitchFamily="34" charset="0"/>
+                                </a:rPr>
+                                <m:t>𝑥</m:t>
+                              </m:r>
+                            </m:oMath>
+                          </m:oMathPara>
+                        </a14:m>
+                        <a:endParaRPr lang="en-CA" dirty="0"/>
+                      </a:p>
+                    </p:txBody>
+                  </p:sp>
+                </mc:Choice>
+                <mc:Fallback xmlns="">
+                  <p:sp>
+                    <p:nvSpPr>
+                      <p:cNvPr id="12" name="Rectangle 11"/>
+                      <p:cNvSpPr>
+                        <a:spLocks noRot="1" noChangeAspect="1" noMove="1" noResize="1" noEditPoints="1" noAdjustHandles="1" noChangeArrowheads="1" noChangeShapeType="1" noTextEdit="1"/>
+                      </p:cNvSpPr>
+                      <p:nvPr/>
+                    </p:nvSpPr>
+                    <p:spPr>
+                      <a:xfrm>
+                        <a:off x="2897675" y="2457728"/>
+                        <a:ext cx="367985" cy="369332"/>
+                      </a:xfrm>
+                      <a:prstGeom prst="rect">
+                        <a:avLst/>
+                      </a:prstGeom>
+                      <a:blipFill rotWithShape="0">
+                        <a:blip r:embed="rId30"/>
+                        <a:stretch>
+                          <a:fillRect/>
+                        </a:stretch>
+                      </a:blipFill>
+                    </p:spPr>
+                    <p:txBody>
+                      <a:bodyPr/>
+                      <a:lstStyle/>
+                      <a:p>
+                        <a:r>
+                          <a:rPr lang="en-CA">
+                            <a:noFill/>
+                          </a:rPr>
+                          <a:t> </a:t>
+                        </a:r>
+                      </a:p>
+                    </p:txBody>
+                  </p:sp>
+                </mc:Fallback>
+              </mc:AlternateContent>
+              <mc:AlternateContent xmlns:mc="http://schemas.openxmlformats.org/markup-compatibility/2006" xmlns:a14="http://schemas.microsoft.com/office/drawing/2010/main">
+                <mc:Choice Requires="a14">
+                  <p:sp>
+                    <p:nvSpPr>
+                      <p:cNvPr id="120" name="Rectangle 119"/>
+                      <p:cNvSpPr/>
+                      <p:nvPr/>
+                    </p:nvSpPr>
+                    <p:spPr>
+                      <a:xfrm>
+                        <a:off x="1190506" y="790545"/>
+                        <a:ext cx="371384" cy="369332"/>
+                      </a:xfrm>
+                      <a:prstGeom prst="rect">
+                        <a:avLst/>
+                      </a:prstGeom>
+                    </p:spPr>
+                    <p:txBody>
+                      <a:bodyPr wrap="none">
+                        <a:spAutoFit/>
+                      </a:bodyPr>
+                      <a:lstStyle/>
+                      <a:p>
+                        <a:pPr/>
+                        <a14:m>
+                          <m:oMathPara xmlns:m="http://schemas.openxmlformats.org/officeDocument/2006/math">
+                            <m:oMathParaPr>
+                              <m:jc m:val="centerGroup"/>
+                            </m:oMathParaPr>
+                            <m:oMath xmlns:m="http://schemas.openxmlformats.org/officeDocument/2006/math">
+                              <m:r>
+                                <a:rPr lang="en-US" b="0" i="1" smtClean="0">
+                                  <a:latin typeface="Cambria Math" panose="02040503050406030204" pitchFamily="18" charset="0"/>
+                                </a:rPr>
+                                <m:t>𝑦</m:t>
+                              </m:r>
+                            </m:oMath>
+                          </m:oMathPara>
+                        </a14:m>
+                        <a:endParaRPr lang="en-CA" dirty="0"/>
+                      </a:p>
+                    </p:txBody>
+                  </p:sp>
+                </mc:Choice>
+                <mc:Fallback xmlns="">
+                  <p:sp>
+                    <p:nvSpPr>
+                      <p:cNvPr id="13" name="Rectangle 12"/>
+                      <p:cNvSpPr>
+                        <a:spLocks noRot="1" noChangeAspect="1" noMove="1" noResize="1" noEditPoints="1" noAdjustHandles="1" noChangeArrowheads="1" noChangeShapeType="1" noTextEdit="1"/>
+                      </p:cNvSpPr>
+                      <p:nvPr/>
+                    </p:nvSpPr>
+                    <p:spPr>
+                      <a:xfrm>
+                        <a:off x="1190506" y="790545"/>
+                        <a:ext cx="371384" cy="369332"/>
+                      </a:xfrm>
+                      <a:prstGeom prst="rect">
+                        <a:avLst/>
+                      </a:prstGeom>
+                      <a:blipFill rotWithShape="0">
+                        <a:blip r:embed="rId31"/>
+                        <a:stretch>
+                          <a:fillRect b="-6557"/>
+                        </a:stretch>
+                      </a:blipFill>
+                    </p:spPr>
+                    <p:txBody>
+                      <a:bodyPr/>
+                      <a:lstStyle/>
+                      <a:p>
+                        <a:r>
+                          <a:rPr lang="en-CA">
+                            <a:noFill/>
+                          </a:rPr>
+                          <a:t> </a:t>
+                        </a:r>
+                      </a:p>
+                    </p:txBody>
+                  </p:sp>
+                </mc:Fallback>
+              </mc:AlternateContent>
+              <mc:AlternateContent xmlns:mc="http://schemas.openxmlformats.org/markup-compatibility/2006" xmlns:a14="http://schemas.microsoft.com/office/drawing/2010/main">
+                <mc:Choice Requires="a14">
+                  <p:sp>
+                    <p:nvSpPr>
+                      <p:cNvPr id="122" name="Rectangle 121"/>
+                      <p:cNvSpPr/>
+                      <p:nvPr/>
+                    </p:nvSpPr>
+                    <p:spPr>
+                      <a:xfrm>
+                        <a:off x="1205483" y="2447020"/>
+                        <a:ext cx="367985" cy="369332"/>
+                      </a:xfrm>
+                      <a:prstGeom prst="rect">
+                        <a:avLst/>
+                      </a:prstGeom>
+                    </p:spPr>
+                    <p:txBody>
+                      <a:bodyPr wrap="none">
+                        <a:spAutoFit/>
+                      </a:bodyPr>
+                      <a:lstStyle/>
+                      <a:p>
+                        <a:pPr/>
+                        <a14:m>
+                          <m:oMathPara xmlns:m="http://schemas.openxmlformats.org/officeDocument/2006/math">
+                            <m:oMathParaPr>
+                              <m:jc m:val="centerGroup"/>
+                            </m:oMathParaPr>
+                            <m:oMath xmlns:m="http://schemas.openxmlformats.org/officeDocument/2006/math">
+                              <m:r>
+                                <a:rPr lang="en-US" b="0" i="1" smtClean="0">
+                                  <a:latin typeface="Cambria Math" panose="02040503050406030204" pitchFamily="18" charset="0"/>
+                                  <a:cs typeface="Arial" panose="020B0604020202020204" pitchFamily="34" charset="0"/>
+                                </a:rPr>
+                                <m:t>0</m:t>
+                              </m:r>
+                            </m:oMath>
+                          </m:oMathPara>
+                        </a14:m>
+                        <a:endParaRPr lang="en-CA" dirty="0"/>
+                      </a:p>
+                    </p:txBody>
+                  </p:sp>
+                </mc:Choice>
+                <mc:Fallback xmlns="">
+                  <p:sp>
+                    <p:nvSpPr>
+                      <p:cNvPr id="14" name="Rectangle 13"/>
+                      <p:cNvSpPr>
+                        <a:spLocks noRot="1" noChangeAspect="1" noMove="1" noResize="1" noEditPoints="1" noAdjustHandles="1" noChangeArrowheads="1" noChangeShapeType="1" noTextEdit="1"/>
+                      </p:cNvSpPr>
+                      <p:nvPr/>
+                    </p:nvSpPr>
+                    <p:spPr>
+                      <a:xfrm>
+                        <a:off x="1205483" y="2447020"/>
+                        <a:ext cx="367985" cy="369332"/>
+                      </a:xfrm>
+                      <a:prstGeom prst="rect">
+                        <a:avLst/>
+                      </a:prstGeom>
+                      <a:blipFill rotWithShape="0">
+                        <a:blip r:embed="rId32"/>
+                        <a:stretch>
+                          <a:fillRect/>
+                        </a:stretch>
+                      </a:blipFill>
+                    </p:spPr>
+                    <p:txBody>
+                      <a:bodyPr/>
+                      <a:lstStyle/>
+                      <a:p>
+                        <a:r>
+                          <a:rPr lang="en-CA">
+                            <a:noFill/>
+                          </a:rPr>
+                          <a:t> </a:t>
+                        </a:r>
+                      </a:p>
+                    </p:txBody>
+                  </p:sp>
+                </mc:Fallback>
+              </mc:AlternateContent>
+            </p:grpSp>
+            <p:sp>
+              <p:nvSpPr>
+                <p:cNvPr id="95" name="Rectangle 94"/>
+                <p:cNvSpPr/>
+                <p:nvPr/>
+              </p:nvSpPr>
+              <p:spPr>
+                <a:xfrm>
+                  <a:off x="1129904" y="1614682"/>
+                  <a:ext cx="184731" cy="369332"/>
+                </a:xfrm>
+                <a:prstGeom prst="rect">
+                  <a:avLst/>
+                </a:prstGeom>
+              </p:spPr>
+              <p:txBody>
+                <a:bodyPr wrap="none">
+                  <a:spAutoFit/>
+                </a:bodyPr>
+                <a:lstStyle/>
+                <a:p>
+                  <a:endParaRPr lang="en-CA" dirty="0"/>
+                </a:p>
+              </p:txBody>
+            </p:sp>
+          </p:grpSp>
+          <p:sp>
+            <p:nvSpPr>
+              <p:cNvPr id="78" name="Oval 77"/>
+              <p:cNvSpPr/>
+              <p:nvPr/>
+            </p:nvSpPr>
+            <p:spPr>
+              <a:xfrm>
+                <a:off x="1224682" y="5655603"/>
+                <a:ext cx="120943" cy="119766"/>
+              </a:xfrm>
+              <a:prstGeom prst="ellipse">
+                <a:avLst/>
+              </a:prstGeom>
+              <a:solidFill>
+                <a:schemeClr val="tx1"/>
+              </a:solidFill>
+              <a:ln w="38100">
+                <a:solidFill>
+                  <a:schemeClr val="tx1"/>
+                </a:solidFill>
+              </a:ln>
+            </p:spPr>
+            <p:style>
+              <a:lnRef idx="2">
+                <a:schemeClr val="accent1">
+                  <a:shade val="50000"/>
+                </a:schemeClr>
+              </a:lnRef>
+              <a:fillRef idx="1">
+                <a:schemeClr val="accent1"/>
+              </a:fillRef>
+              <a:effectRef idx="0">
+                <a:schemeClr val="accent1"/>
+              </a:effectRef>
+              <a:fontRef idx="minor">
+                <a:schemeClr val="lt1"/>
+              </a:fontRef>
+            </p:style>
+            <p:txBody>
+              <a:bodyPr rtlCol="0" anchor="ctr"/>
+              <a:lstStyle/>
+              <a:p>
+                <a:pPr algn="ctr"/>
+                <a:endParaRPr lang="en-US"/>
+              </a:p>
+            </p:txBody>
+          </p:sp>
+          <p:sp>
+            <p:nvSpPr>
+              <p:cNvPr id="81" name="Oval 80"/>
+              <p:cNvSpPr/>
+              <p:nvPr/>
+            </p:nvSpPr>
+            <p:spPr>
+              <a:xfrm>
+                <a:off x="3105847" y="4278957"/>
+                <a:ext cx="120943" cy="119766"/>
+              </a:xfrm>
+              <a:prstGeom prst="ellipse">
+                <a:avLst/>
+              </a:prstGeom>
+              <a:solidFill>
+                <a:schemeClr val="tx1"/>
+              </a:solidFill>
+              <a:ln w="38100">
+                <a:solidFill>
+                  <a:schemeClr val="tx1"/>
+                </a:solidFill>
+              </a:ln>
+            </p:spPr>
+            <p:style>
+              <a:lnRef idx="2">
+                <a:schemeClr val="accent1">
+                  <a:shade val="50000"/>
+                </a:schemeClr>
+              </a:lnRef>
+              <a:fillRef idx="1">
+                <a:schemeClr val="accent1"/>
+              </a:fillRef>
+              <a:effectRef idx="0">
+                <a:schemeClr val="accent1"/>
+              </a:effectRef>
+              <a:fontRef idx="minor">
+                <a:schemeClr val="lt1"/>
+              </a:fontRef>
+            </p:style>
+            <p:txBody>
+              <a:bodyPr rtlCol="0" anchor="ctr"/>
+              <a:lstStyle/>
+              <a:p>
+                <a:pPr algn="ctr"/>
+                <a:endParaRPr lang="en-US"/>
+              </a:p>
+            </p:txBody>
+          </p:sp>
+          <p:sp>
+            <p:nvSpPr>
+              <p:cNvPr id="83" name="Freeform 82"/>
+              <p:cNvSpPr/>
+              <p:nvPr/>
+            </p:nvSpPr>
+            <p:spPr>
+              <a:xfrm>
+                <a:off x="1304693" y="4337824"/>
+                <a:ext cx="1828800" cy="1304693"/>
+              </a:xfrm>
+              <a:custGeom>
+                <a:avLst/>
+                <a:gdLst>
+                  <a:gd name="connsiteX0" fmla="*/ 0 w 1828800"/>
+                  <a:gd name="connsiteY0" fmla="*/ 1304693 h 1304693"/>
+                  <a:gd name="connsiteX1" fmla="*/ 457200 w 1828800"/>
+                  <a:gd name="connsiteY1" fmla="*/ 468352 h 1304693"/>
+                  <a:gd name="connsiteX2" fmla="*/ 1828800 w 1828800"/>
+                  <a:gd name="connsiteY2" fmla="*/ 0 h 1304693"/>
+                </a:gdLst>
+                <a:ahLst/>
+                <a:cxnLst>
+                  <a:cxn ang="0">
+                    <a:pos x="connsiteX0" y="connsiteY0"/>
+                  </a:cxn>
+                  <a:cxn ang="0">
+                    <a:pos x="connsiteX1" y="connsiteY1"/>
+                  </a:cxn>
+                  <a:cxn ang="0">
+                    <a:pos x="connsiteX2" y="connsiteY2"/>
+                  </a:cxn>
+                </a:cxnLst>
+                <a:rect l="l" t="t" r="r" b="b"/>
+                <a:pathLst>
+                  <a:path w="1828800" h="1304693">
+                    <a:moveTo>
+                      <a:pt x="0" y="1304693"/>
+                    </a:moveTo>
+                    <a:cubicBezTo>
+                      <a:pt x="76200" y="995247"/>
+                      <a:pt x="152400" y="685801"/>
+                      <a:pt x="457200" y="468352"/>
+                    </a:cubicBezTo>
+                    <a:cubicBezTo>
+                      <a:pt x="762000" y="250903"/>
+                      <a:pt x="1243361" y="31595"/>
+                      <a:pt x="1828800" y="0"/>
+                    </a:cubicBezTo>
+                  </a:path>
+                </a:pathLst>
+              </a:custGeom>
+              <a:noFill/>
+              <a:ln w="38100">
+                <a:solidFill>
+                  <a:schemeClr val="tx1"/>
+                </a:solidFill>
+              </a:ln>
+            </p:spPr>
+            <p:style>
+              <a:lnRef idx="2">
+                <a:schemeClr val="accent1">
+                  <a:shade val="50000"/>
+                </a:schemeClr>
+              </a:lnRef>
+              <a:fillRef idx="1">
+                <a:schemeClr val="accent1"/>
+              </a:fillRef>
+              <a:effectRef idx="0">
+                <a:schemeClr val="accent1"/>
+              </a:effectRef>
+              <a:fontRef idx="minor">
+                <a:schemeClr val="lt1"/>
+              </a:fontRef>
+            </p:style>
+            <p:txBody>
+              <a:bodyPr rtlCol="0" anchor="ctr"/>
+              <a:lstStyle/>
+              <a:p>
+                <a:pPr algn="ctr"/>
+                <a:endParaRPr lang="en-US"/>
+              </a:p>
+            </p:txBody>
+          </p:sp>
+          <mc:AlternateContent xmlns:mc="http://schemas.openxmlformats.org/markup-compatibility/2006">
+            <mc:Choice xmlns:a14="http://schemas.microsoft.com/office/drawing/2010/main" Requires="a14">
+              <p:sp>
+                <p:nvSpPr>
+                  <p:cNvPr id="85" name="TextBox 84"/>
+                  <p:cNvSpPr txBox="1"/>
+                  <p:nvPr/>
+                </p:nvSpPr>
+                <p:spPr>
+                  <a:xfrm>
+                    <a:off x="1345506" y="5762027"/>
+                    <a:ext cx="234936" cy="307777"/>
+                  </a:xfrm>
+                  <a:prstGeom prst="rect">
+                    <a:avLst/>
+                  </a:prstGeom>
+                  <a:noFill/>
+                </p:spPr>
+                <p:txBody>
+                  <a:bodyPr wrap="none" lIns="0" tIns="0" rIns="0" bIns="0" rtlCol="0">
+                    <a:spAutoFit/>
+                  </a:bodyPr>
+                  <a:lstStyle/>
+                  <a:p>
+                    <a:pPr/>
+                    <a14:m>
+                      <m:oMathPara xmlns:m="http://schemas.openxmlformats.org/officeDocument/2006/math">
+                        <m:oMathParaPr>
+                          <m:jc m:val="centerGroup"/>
+                        </m:oMathParaPr>
+                        <m:oMath xmlns:m="http://schemas.openxmlformats.org/officeDocument/2006/math">
+                          <m:r>
+                            <a:rPr lang="en-US" sz="2000" b="0" i="1" smtClean="0">
+                              <a:latin typeface="Cambria Math" panose="02040503050406030204" pitchFamily="18" charset="0"/>
+                              <a:cs typeface="Arial" panose="020B0604020202020204" pitchFamily="34" charset="0"/>
+                            </a:rPr>
+                            <m:t>𝐴</m:t>
+                          </m:r>
+                        </m:oMath>
+                      </m:oMathPara>
+                    </a14:m>
+                    <a:endParaRPr lang="en-US" sz="2000" dirty="0" smtClean="0">
+                      <a:latin typeface="Arial" panose="020B0604020202020204" pitchFamily="34" charset="0"/>
+                      <a:cs typeface="Arial" panose="020B0604020202020204" pitchFamily="34" charset="0"/>
+                    </a:endParaRPr>
+                  </a:p>
+                </p:txBody>
+              </p:sp>
+            </mc:Choice>
+            <mc:Fallback>
+              <p:sp>
+                <p:nvSpPr>
+                  <p:cNvPr id="85" name="TextBox 84"/>
+                  <p:cNvSpPr txBox="1">
+                    <a:spLocks noRot="1" noChangeAspect="1" noMove="1" noResize="1" noEditPoints="1" noAdjustHandles="1" noChangeArrowheads="1" noChangeShapeType="1" noTextEdit="1"/>
+                  </p:cNvSpPr>
+                  <p:nvPr/>
+                </p:nvSpPr>
+                <p:spPr>
+                  <a:xfrm>
+                    <a:off x="1345506" y="5762027"/>
+                    <a:ext cx="234936" cy="307777"/>
+                  </a:xfrm>
+                  <a:prstGeom prst="rect">
+                    <a:avLst/>
+                  </a:prstGeom>
+                  <a:blipFill rotWithShape="0">
+                    <a:blip r:embed="rId43"/>
+                    <a:stretch>
+                      <a:fillRect l="-23684" r="-23684" b="-9804"/>
+                    </a:stretch>
+                  </a:blipFill>
+                </p:spPr>
+                <p:txBody>
+                  <a:bodyPr/>
+                  <a:lstStyle/>
+                  <a:p>
+                    <a:r>
+                      <a:rPr lang="en-US">
+                        <a:noFill/>
+                      </a:rPr>
+                      <a:t> </a:t>
+                    </a:r>
+                  </a:p>
+                </p:txBody>
+              </p:sp>
+            </mc:Fallback>
+          </mc:AlternateContent>
+          <mc:AlternateContent xmlns:mc="http://schemas.openxmlformats.org/markup-compatibility/2006">
+            <mc:Choice xmlns:a14="http://schemas.microsoft.com/office/drawing/2010/main" Requires="a14">
+              <p:sp>
+                <p:nvSpPr>
+                  <p:cNvPr id="87" name="TextBox 86"/>
+                  <p:cNvSpPr txBox="1"/>
+                  <p:nvPr/>
+                </p:nvSpPr>
+                <p:spPr>
+                  <a:xfrm>
+                    <a:off x="3226790" y="3935497"/>
+                    <a:ext cx="245708" cy="307777"/>
+                  </a:xfrm>
+                  <a:prstGeom prst="rect">
+                    <a:avLst/>
+                  </a:prstGeom>
+                  <a:noFill/>
+                </p:spPr>
+                <p:txBody>
+                  <a:bodyPr wrap="none" lIns="0" tIns="0" rIns="0" bIns="0" rtlCol="0">
+                    <a:spAutoFit/>
+                  </a:bodyPr>
+                  <a:lstStyle/>
+                  <a:p>
+                    <a:pPr/>
+                    <a14:m>
+                      <m:oMathPara xmlns:m="http://schemas.openxmlformats.org/officeDocument/2006/math">
+                        <m:oMathParaPr>
+                          <m:jc m:val="centerGroup"/>
+                        </m:oMathParaPr>
+                        <m:oMath xmlns:m="http://schemas.openxmlformats.org/officeDocument/2006/math">
+                          <m:r>
+                            <a:rPr lang="en-US" sz="2000" b="0" i="1" smtClean="0">
+                              <a:latin typeface="Cambria Math" panose="02040503050406030204" pitchFamily="18" charset="0"/>
+                              <a:cs typeface="Arial" panose="020B0604020202020204" pitchFamily="34" charset="0"/>
+                            </a:rPr>
+                            <m:t>𝐵</m:t>
+                          </m:r>
+                        </m:oMath>
+                      </m:oMathPara>
+                    </a14:m>
+                    <a:endParaRPr lang="en-US" sz="2000" dirty="0" smtClean="0">
+                      <a:latin typeface="Arial" panose="020B0604020202020204" pitchFamily="34" charset="0"/>
+                      <a:cs typeface="Arial" panose="020B0604020202020204" pitchFamily="34" charset="0"/>
+                    </a:endParaRPr>
+                  </a:p>
+                </p:txBody>
+              </p:sp>
+            </mc:Choice>
+            <mc:Fallback>
+              <p:sp>
+                <p:nvSpPr>
+                  <p:cNvPr id="87" name="TextBox 86"/>
+                  <p:cNvSpPr txBox="1">
+                    <a:spLocks noRot="1" noChangeAspect="1" noMove="1" noResize="1" noEditPoints="1" noAdjustHandles="1" noChangeArrowheads="1" noChangeShapeType="1" noTextEdit="1"/>
+                  </p:cNvSpPr>
+                  <p:nvPr/>
+                </p:nvSpPr>
+                <p:spPr>
+                  <a:xfrm>
+                    <a:off x="3226790" y="3935497"/>
+                    <a:ext cx="245708" cy="307777"/>
+                  </a:xfrm>
+                  <a:prstGeom prst="rect">
+                    <a:avLst/>
+                  </a:prstGeom>
+                  <a:blipFill rotWithShape="0">
+                    <a:blip r:embed="rId44"/>
+                    <a:stretch>
+                      <a:fillRect l="-19512" r="-19512" b="-9804"/>
+                    </a:stretch>
+                  </a:blipFill>
+                </p:spPr>
+                <p:txBody>
+                  <a:bodyPr/>
+                  <a:lstStyle/>
+                  <a:p>
+                    <a:r>
+                      <a:rPr lang="en-US">
+                        <a:noFill/>
+                      </a:rPr>
+                      <a:t> </a:t>
+                    </a:r>
+                  </a:p>
+                </p:txBody>
+              </p:sp>
+            </mc:Fallback>
+          </mc:AlternateContent>
+        </p:grpSp>
+        <p:sp>
+          <p:nvSpPr>
+            <p:cNvPr id="123" name="Oval 122"/>
+            <p:cNvSpPr/>
+            <p:nvPr/>
+          </p:nvSpPr>
+          <p:spPr>
+            <a:xfrm flipH="1">
+              <a:off x="5955364" y="4807894"/>
+              <a:ext cx="72000" cy="72000"/>
+            </a:xfrm>
+            <a:prstGeom prst="ellipse">
+              <a:avLst/>
+            </a:prstGeom>
+            <a:solidFill>
+              <a:srgbClr val="0070C0"/>
+            </a:solidFill>
+            <a:ln w="38100">
+              <a:solidFill>
+                <a:srgbClr val="0070C0"/>
+              </a:solidFill>
+            </a:ln>
+          </p:spPr>
+          <p:style>
+            <a:lnRef idx="2">
+              <a:schemeClr val="accent1">
+                <a:shade val="50000"/>
+              </a:schemeClr>
+            </a:lnRef>
+            <a:fillRef idx="1">
+              <a:schemeClr val="accent1"/>
+            </a:fillRef>
+            <a:effectRef idx="0">
+              <a:schemeClr val="accent1"/>
+            </a:effectRef>
+            <a:fontRef idx="minor">
+              <a:schemeClr val="lt1"/>
+            </a:fontRef>
+          </p:style>
+          <p:txBody>
+            <a:bodyPr rtlCol="0" anchor="ctr"/>
+            <a:lstStyle/>
+            <a:p>
+              <a:pPr algn="ctr"/>
+              <a:endParaRPr lang="en-US"/>
+            </a:p>
+          </p:txBody>
+        </p:sp>
+        <p:cxnSp>
+          <p:nvCxnSpPr>
+            <p:cNvPr id="3" name="Straight Arrow Connector 2"/>
+            <p:cNvCxnSpPr/>
+            <p:nvPr/>
+          </p:nvCxnSpPr>
+          <p:spPr>
+            <a:xfrm rot="-420000" flipV="1">
+              <a:off x="5967757" y="4558625"/>
+              <a:ext cx="503999" cy="270000"/>
+            </a:xfrm>
+            <a:prstGeom prst="straightConnector1">
+              <a:avLst/>
+            </a:prstGeom>
+            <a:ln w="57150">
+              <a:solidFill>
+                <a:srgbClr val="0070C0"/>
+              </a:solidFill>
+              <a:tailEnd type="triangle"/>
+            </a:ln>
+          </p:spPr>
+          <p:style>
+            <a:lnRef idx="1">
+              <a:schemeClr val="accent1"/>
+            </a:lnRef>
+            <a:fillRef idx="0">
+              <a:schemeClr val="accent1"/>
+            </a:fillRef>
+            <a:effectRef idx="0">
+              <a:schemeClr val="accent1"/>
+            </a:effectRef>
+            <a:fontRef idx="minor">
+              <a:schemeClr val="tx1"/>
+            </a:fontRef>
+          </p:style>
+        </p:cxnSp>
+        <mc:AlternateContent xmlns:mc="http://schemas.openxmlformats.org/markup-compatibility/2006">
+          <mc:Choice xmlns:a14="http://schemas.microsoft.com/office/drawing/2010/main" Requires="a14">
+            <p:sp>
+              <p:nvSpPr>
+                <p:cNvPr id="124" name="TextBox 123"/>
+                <p:cNvSpPr txBox="1"/>
+                <p:nvPr/>
+              </p:nvSpPr>
+              <p:spPr>
+                <a:xfrm>
+                  <a:off x="5834132" y="4350108"/>
+                  <a:ext cx="471052" cy="353302"/>
+                </a:xfrm>
+                <a:prstGeom prst="rect">
+                  <a:avLst/>
+                </a:prstGeom>
+                <a:noFill/>
+                <a:ln>
+                  <a:noFill/>
+                </a:ln>
+              </p:spPr>
+              <p:txBody>
+                <a:bodyPr wrap="square" lIns="0" tIns="0" rIns="0" bIns="0" rtlCol="0">
+                  <a:spAutoFit/>
+                </a:bodyPr>
+                <a:lstStyle/>
+                <a:p>
+                  <a:pPr/>
+                  <a14:m>
+                    <m:oMathPara xmlns:m="http://schemas.openxmlformats.org/officeDocument/2006/math">
+                      <m:oMathParaPr>
+                        <m:jc m:val="centerGroup"/>
+                      </m:oMathParaPr>
+                      <m:oMath xmlns:m="http://schemas.openxmlformats.org/officeDocument/2006/math">
+                        <m:r>
+                          <a:rPr lang="en-US" sz="2000" b="0" i="1" smtClean="0">
+                            <a:solidFill>
+                              <a:srgbClr val="0070C0"/>
+                            </a:solidFill>
+                            <a:latin typeface="Cambria Math" panose="02040503050406030204" pitchFamily="18" charset="0"/>
+                            <a:cs typeface="Arial" panose="020B0604020202020204" pitchFamily="34" charset="0"/>
+                          </a:rPr>
+                          <m:t>𝑑</m:t>
+                        </m:r>
+                        <m:acc>
+                          <m:accPr>
+                            <m:chr m:val="⃗"/>
+                            <m:ctrlPr>
+                              <a:rPr lang="en-US" sz="2000" b="0" i="1" smtClean="0">
+                                <a:solidFill>
+                                  <a:srgbClr val="0070C0"/>
+                                </a:solidFill>
+                                <a:latin typeface="Cambria Math" charset="0"/>
+                                <a:cs typeface="Arial" panose="020B0604020202020204" pitchFamily="34" charset="0"/>
+                              </a:rPr>
+                            </m:ctrlPr>
+                          </m:accPr>
+                          <m:e>
+                            <m:r>
+                              <a:rPr lang="en-US" sz="2000" b="0" i="1" smtClean="0">
+                                <a:solidFill>
+                                  <a:srgbClr val="0070C0"/>
+                                </a:solidFill>
+                                <a:latin typeface="Cambria Math" panose="02040503050406030204" pitchFamily="18" charset="0"/>
+                                <a:cs typeface="Arial" panose="020B0604020202020204" pitchFamily="34" charset="0"/>
+                              </a:rPr>
+                              <m:t>𝑙</m:t>
+                            </m:r>
+                          </m:e>
+                        </m:acc>
+                      </m:oMath>
+                    </m:oMathPara>
+                  </a14:m>
+                  <a:endParaRPr lang="en-US" sz="2000" dirty="0" smtClean="0">
+                    <a:solidFill>
+                      <a:srgbClr val="0070C0"/>
+                    </a:solidFill>
+                    <a:latin typeface="Arial" panose="020B0604020202020204" pitchFamily="34" charset="0"/>
+                    <a:cs typeface="Arial" panose="020B0604020202020204" pitchFamily="34" charset="0"/>
+                  </a:endParaRPr>
+                </a:p>
+              </p:txBody>
+            </p:sp>
+          </mc:Choice>
+          <mc:Fallback>
+            <p:sp>
+              <p:nvSpPr>
+                <p:cNvPr id="124" name="TextBox 123"/>
+                <p:cNvSpPr txBox="1">
+                  <a:spLocks noRot="1" noChangeAspect="1" noMove="1" noResize="1" noEditPoints="1" noAdjustHandles="1" noChangeArrowheads="1" noChangeShapeType="1" noTextEdit="1"/>
+                </p:cNvSpPr>
+                <p:nvPr/>
+              </p:nvSpPr>
+              <p:spPr>
+                <a:xfrm>
+                  <a:off x="5834132" y="4350108"/>
+                  <a:ext cx="471052" cy="353302"/>
+                </a:xfrm>
+                <a:prstGeom prst="rect">
+                  <a:avLst/>
+                </a:prstGeom>
+                <a:blipFill rotWithShape="0">
+                  <a:blip r:embed="rId45"/>
+                  <a:stretch>
+                    <a:fillRect t="-34483" r="-64935" b="-10345"/>
+                  </a:stretch>
+                </a:blipFill>
+                <a:ln>
+                  <a:noFill/>
+                </a:ln>
+              </p:spPr>
+              <p:txBody>
+                <a:bodyPr/>
+                <a:lstStyle/>
+                <a:p>
+                  <a:r>
+                    <a:rPr lang="en-US">
+                      <a:noFill/>
+                    </a:rPr>
+                    <a:t> </a:t>
+                  </a:r>
+                </a:p>
+              </p:txBody>
+            </p:sp>
+          </mc:Fallback>
+        </mc:AlternateContent>
+      </p:grpSp>
     </p:spTree>
     <p:extLst>
       <p:ext uri="{BB962C8B-B14F-4D97-AF65-F5344CB8AC3E}">
@@ -17454,7 +18428,7 @@
                                   <m:chr m:val="⃗"/>
                                   <m:ctrlPr>
                                     <a:rPr lang="en-US" sz="2000" b="0" i="1" smtClean="0">
-                                      <a:latin typeface="Cambria Math" panose="02040503050406030204" pitchFamily="18" charset="0"/>
+                                      <a:latin typeface="Cambria Math" charset="0"/>
                                       <a:cs typeface="Arial" panose="020B0604020202020204" pitchFamily="34" charset="0"/>
                                     </a:rPr>
                                   </m:ctrlPr>
@@ -17592,7 +18566,7 @@
                                 <m:chr m:val="⃗"/>
                                 <m:ctrlPr>
                                   <a:rPr lang="en-US" sz="2000" b="0" i="1" smtClean="0">
-                                    <a:latin typeface="Cambria Math" panose="02040503050406030204" pitchFamily="18" charset="0"/>
+                                    <a:latin typeface="Cambria Math" charset="0"/>
                                     <a:cs typeface="Arial" panose="020B0604020202020204" pitchFamily="34" charset="0"/>
                                   </a:rPr>
                                 </m:ctrlPr>
@@ -18356,7 +19330,7 @@
                               <m:chr m:val="⃗"/>
                               <m:ctrlPr>
                                 <a:rPr lang="en-US" sz="2000" b="0" i="1" smtClean="0">
-                                  <a:latin typeface="Cambria Math" panose="02040503050406030204" pitchFamily="18" charset="0"/>
+                                  <a:latin typeface="Cambria Math" charset="0"/>
                                   <a:cs typeface="Arial" panose="020B0604020202020204" pitchFamily="34" charset="0"/>
                                 </a:rPr>
                               </m:ctrlPr>
@@ -18564,7 +19538,7 @@
                             <m:sSubPr>
                               <m:ctrlPr>
                                 <a:rPr lang="en-US" sz="2000" b="0" i="1" smtClean="0">
-                                  <a:latin typeface="Cambria Math" panose="02040503050406030204" pitchFamily="18" charset="0"/>
+                                  <a:latin typeface="Cambria Math" charset="0"/>
                                   <a:cs typeface="Arial" panose="020B0604020202020204" pitchFamily="34" charset="0"/>
                                 </a:rPr>
                               </m:ctrlPr>
@@ -18575,7 +19549,7 @@
                                   <m:chr m:val="⃗"/>
                                   <m:ctrlPr>
                                     <a:rPr lang="en-US" sz="2000" b="0" i="1" smtClean="0">
-                                      <a:latin typeface="Cambria Math" panose="02040503050406030204" pitchFamily="18" charset="0"/>
+                                      <a:latin typeface="Cambria Math" charset="0"/>
                                       <a:cs typeface="Arial" panose="020B0604020202020204" pitchFamily="34" charset="0"/>
                                     </a:rPr>
                                   </m:ctrlPr>
@@ -18686,7 +19660,7 @@
                             <m:sSubPr>
                               <m:ctrlPr>
                                 <a:rPr lang="en-US" sz="2000" b="0" i="1" smtClean="0">
-                                  <a:latin typeface="Cambria Math" panose="02040503050406030204" pitchFamily="18" charset="0"/>
+                                  <a:latin typeface="Cambria Math" charset="0"/>
                                   <a:cs typeface="Arial" panose="020B0604020202020204" pitchFamily="34" charset="0"/>
                                 </a:rPr>
                               </m:ctrlPr>
@@ -18697,7 +19671,7 @@
                                   <m:chr m:val="⃗"/>
                                   <m:ctrlPr>
                                     <a:rPr lang="en-US" sz="2000" b="0" i="1" smtClean="0">
-                                      <a:latin typeface="Cambria Math" panose="02040503050406030204" pitchFamily="18" charset="0"/>
+                                      <a:latin typeface="Cambria Math" charset="0"/>
                                       <a:cs typeface="Arial" panose="020B0604020202020204" pitchFamily="34" charset="0"/>
                                     </a:rPr>
                                   </m:ctrlPr>
@@ -18809,7 +19783,7 @@
                               <m:chr m:val="⃗"/>
                               <m:ctrlPr>
                                 <a:rPr lang="en-US" sz="2000" b="0" i="1" smtClean="0">
-                                  <a:latin typeface="Cambria Math" panose="02040503050406030204" pitchFamily="18" charset="0"/>
+                                  <a:latin typeface="Cambria Math" charset="0"/>
                                   <a:cs typeface="Arial" panose="020B0604020202020204" pitchFamily="34" charset="0"/>
                                 </a:rPr>
                               </m:ctrlPr>
@@ -19071,7 +20045,7 @@
                             <m:chr m:val="⃗"/>
                             <m:ctrlPr>
                               <a:rPr lang="en-US" sz="2000" b="0" i="1" smtClean="0">
-                                <a:latin typeface="Cambria Math" panose="02040503050406030204" pitchFamily="18" charset="0"/>
+                                <a:latin typeface="Cambria Math" charset="0"/>
                                 <a:cs typeface="Arial" panose="020B0604020202020204" pitchFamily="34" charset="0"/>
                               </a:rPr>
                             </m:ctrlPr>
@@ -19139,7 +20113,7 @@
       </p:grpSp>
       <p:grpSp>
         <p:nvGrpSpPr>
-          <p:cNvPr id="24" name="Group 23"/>
+          <p:cNvPr id="2" name="Group 1"/>
           <p:cNvGrpSpPr/>
           <p:nvPr/>
         </p:nvGrpSpPr>
@@ -19153,402 +20127,1288 @@
         </p:grpSpPr>
         <p:grpSp>
           <p:nvGrpSpPr>
-            <p:cNvPr id="40" name="Group 39"/>
+            <p:cNvPr id="24" name="Group 23"/>
             <p:cNvGrpSpPr/>
             <p:nvPr/>
           </p:nvGrpSpPr>
           <p:grpSpPr>
             <a:xfrm>
-              <a:off x="603160" y="4277771"/>
-              <a:ext cx="2224718" cy="2146316"/>
-              <a:chOff x="1129904" y="708040"/>
-              <a:chExt cx="2224718" cy="2146316"/>
+              <a:off x="603160" y="3935497"/>
+              <a:ext cx="3085370" cy="2488590"/>
+              <a:chOff x="603160" y="3935497"/>
+              <a:chExt cx="3085370" cy="2488590"/>
             </a:xfrm>
           </p:grpSpPr>
           <p:grpSp>
             <p:nvGrpSpPr>
-              <p:cNvPr id="53" name="Group 52"/>
+              <p:cNvPr id="40" name="Group 39"/>
               <p:cNvGrpSpPr/>
               <p:nvPr/>
             </p:nvGrpSpPr>
             <p:grpSpPr>
               <a:xfrm>
-                <a:off x="1163211" y="708040"/>
-                <a:ext cx="2191411" cy="2146316"/>
-                <a:chOff x="1190506" y="680744"/>
-                <a:chExt cx="2191411" cy="2146316"/>
+                <a:off x="603160" y="4277771"/>
+                <a:ext cx="2224718" cy="2146316"/>
+                <a:chOff x="1129904" y="708040"/>
+                <a:chExt cx="2224718" cy="2146316"/>
               </a:xfrm>
             </p:grpSpPr>
-            <p:cxnSp>
-              <p:nvCxnSpPr>
-                <p:cNvPr id="55" name="Straight Arrow Connector 54"/>
-                <p:cNvCxnSpPr/>
+            <p:grpSp>
+              <p:nvGrpSpPr>
+                <p:cNvPr id="53" name="Group 52"/>
+                <p:cNvGrpSpPr/>
                 <p:nvPr/>
-              </p:nvCxnSpPr>
+              </p:nvGrpSpPr>
+              <p:grpSpPr>
+                <a:xfrm>
+                  <a:off x="1163211" y="708040"/>
+                  <a:ext cx="2191411" cy="2146316"/>
+                  <a:chOff x="1190506" y="680744"/>
+                  <a:chExt cx="2191411" cy="2146316"/>
+                </a:xfrm>
+              </p:grpSpPr>
+              <p:cxnSp>
+                <p:nvCxnSpPr>
+                  <p:cNvPr id="55" name="Straight Arrow Connector 54"/>
+                  <p:cNvCxnSpPr/>
+                  <p:nvPr/>
+                </p:nvCxnSpPr>
+                <p:spPr>
+                  <a:xfrm flipV="1">
+                    <a:off x="1516583" y="680744"/>
+                    <a:ext cx="7684" cy="1859536"/>
+                  </a:xfrm>
+                  <a:prstGeom prst="straightConnector1">
+                    <a:avLst/>
+                  </a:prstGeom>
+                  <a:ln w="38100">
+                    <a:solidFill>
+                      <a:schemeClr val="tx1"/>
+                    </a:solidFill>
+                    <a:tailEnd type="triangle"/>
+                  </a:ln>
+                </p:spPr>
+                <p:style>
+                  <a:lnRef idx="1">
+                    <a:schemeClr val="accent1"/>
+                  </a:lnRef>
+                  <a:fillRef idx="0">
+                    <a:schemeClr val="accent1"/>
+                  </a:fillRef>
+                  <a:effectRef idx="0">
+                    <a:schemeClr val="accent1"/>
+                  </a:effectRef>
+                  <a:fontRef idx="minor">
+                    <a:schemeClr val="tx1"/>
+                  </a:fontRef>
+                </p:style>
+              </p:cxnSp>
+              <p:cxnSp>
+                <p:nvCxnSpPr>
+                  <p:cNvPr id="56" name="Straight Arrow Connector 55"/>
+                  <p:cNvCxnSpPr/>
+                  <p:nvPr/>
+                </p:nvCxnSpPr>
+                <p:spPr>
+                  <a:xfrm flipV="1">
+                    <a:off x="1507013" y="2535259"/>
+                    <a:ext cx="1874904" cy="1"/>
+                  </a:xfrm>
+                  <a:prstGeom prst="straightConnector1">
+                    <a:avLst/>
+                  </a:prstGeom>
+                  <a:ln w="38100">
+                    <a:solidFill>
+                      <a:schemeClr val="tx1"/>
+                    </a:solidFill>
+                    <a:tailEnd type="triangle"/>
+                  </a:ln>
+                </p:spPr>
+                <p:style>
+                  <a:lnRef idx="1">
+                    <a:schemeClr val="accent1"/>
+                  </a:lnRef>
+                  <a:fillRef idx="0">
+                    <a:schemeClr val="accent1"/>
+                  </a:fillRef>
+                  <a:effectRef idx="0">
+                    <a:schemeClr val="accent1"/>
+                  </a:effectRef>
+                  <a:fontRef idx="minor">
+                    <a:schemeClr val="tx1"/>
+                  </a:fontRef>
+                </p:style>
+              </p:cxnSp>
+              <mc:AlternateContent xmlns:mc="http://schemas.openxmlformats.org/markup-compatibility/2006" xmlns:a14="http://schemas.microsoft.com/office/drawing/2010/main">
+                <mc:Choice Requires="a14">
+                  <p:sp>
+                    <p:nvSpPr>
+                      <p:cNvPr id="68" name="Rectangle 67"/>
+                      <p:cNvSpPr/>
+                      <p:nvPr/>
+                    </p:nvSpPr>
+                    <p:spPr>
+                      <a:xfrm>
+                        <a:off x="2897675" y="2457728"/>
+                        <a:ext cx="367985" cy="369332"/>
+                      </a:xfrm>
+                      <a:prstGeom prst="rect">
+                        <a:avLst/>
+                      </a:prstGeom>
+                    </p:spPr>
+                    <p:txBody>
+                      <a:bodyPr wrap="none">
+                        <a:spAutoFit/>
+                      </a:bodyPr>
+                      <a:lstStyle/>
+                      <a:p>
+                        <a:pPr/>
+                        <a14:m>
+                          <m:oMathPara xmlns:m="http://schemas.openxmlformats.org/officeDocument/2006/math">
+                            <m:oMathParaPr>
+                              <m:jc m:val="centerGroup"/>
+                            </m:oMathParaPr>
+                            <m:oMath xmlns:m="http://schemas.openxmlformats.org/officeDocument/2006/math">
+                              <m:r>
+                                <a:rPr lang="en-US" i="1">
+                                  <a:latin typeface="Cambria Math" panose="02040503050406030204" pitchFamily="18" charset="0"/>
+                                  <a:cs typeface="Arial" panose="020B0604020202020204" pitchFamily="34" charset="0"/>
+                                </a:rPr>
+                                <m:t>𝑥</m:t>
+                              </m:r>
+                            </m:oMath>
+                          </m:oMathPara>
+                        </a14:m>
+                        <a:endParaRPr lang="en-CA" dirty="0"/>
+                      </a:p>
+                    </p:txBody>
+                  </p:sp>
+                </mc:Choice>
+                <mc:Fallback xmlns="">
+                  <p:sp>
+                    <p:nvSpPr>
+                      <p:cNvPr id="12" name="Rectangle 11"/>
+                      <p:cNvSpPr>
+                        <a:spLocks noRot="1" noChangeAspect="1" noMove="1" noResize="1" noEditPoints="1" noAdjustHandles="1" noChangeArrowheads="1" noChangeShapeType="1" noTextEdit="1"/>
+                      </p:cNvSpPr>
+                      <p:nvPr/>
+                    </p:nvSpPr>
+                    <p:spPr>
+                      <a:xfrm>
+                        <a:off x="2897675" y="2457728"/>
+                        <a:ext cx="367985" cy="369332"/>
+                      </a:xfrm>
+                      <a:prstGeom prst="rect">
+                        <a:avLst/>
+                      </a:prstGeom>
+                      <a:blipFill rotWithShape="0">
+                        <a:blip r:embed="rId36"/>
+                        <a:stretch>
+                          <a:fillRect/>
+                        </a:stretch>
+                      </a:blipFill>
+                    </p:spPr>
+                    <p:txBody>
+                      <a:bodyPr/>
+                      <a:lstStyle/>
+                      <a:p>
+                        <a:r>
+                          <a:rPr lang="en-CA">
+                            <a:noFill/>
+                          </a:rPr>
+                          <a:t> </a:t>
+                        </a:r>
+                      </a:p>
+                    </p:txBody>
+                  </p:sp>
+                </mc:Fallback>
+              </mc:AlternateContent>
+              <mc:AlternateContent xmlns:mc="http://schemas.openxmlformats.org/markup-compatibility/2006" xmlns:a14="http://schemas.microsoft.com/office/drawing/2010/main">
+                <mc:Choice Requires="a14">
+                  <p:sp>
+                    <p:nvSpPr>
+                      <p:cNvPr id="69" name="Rectangle 68"/>
+                      <p:cNvSpPr/>
+                      <p:nvPr/>
+                    </p:nvSpPr>
+                    <p:spPr>
+                      <a:xfrm>
+                        <a:off x="1190506" y="790545"/>
+                        <a:ext cx="371384" cy="369332"/>
+                      </a:xfrm>
+                      <a:prstGeom prst="rect">
+                        <a:avLst/>
+                      </a:prstGeom>
+                    </p:spPr>
+                    <p:txBody>
+                      <a:bodyPr wrap="none">
+                        <a:spAutoFit/>
+                      </a:bodyPr>
+                      <a:lstStyle/>
+                      <a:p>
+                        <a:pPr/>
+                        <a14:m>
+                          <m:oMathPara xmlns:m="http://schemas.openxmlformats.org/officeDocument/2006/math">
+                            <m:oMathParaPr>
+                              <m:jc m:val="centerGroup"/>
+                            </m:oMathParaPr>
+                            <m:oMath xmlns:m="http://schemas.openxmlformats.org/officeDocument/2006/math">
+                              <m:r>
+                                <a:rPr lang="en-US" b="0" i="1" smtClean="0">
+                                  <a:latin typeface="Cambria Math" panose="02040503050406030204" pitchFamily="18" charset="0"/>
+                                </a:rPr>
+                                <m:t>𝑦</m:t>
+                              </m:r>
+                            </m:oMath>
+                          </m:oMathPara>
+                        </a14:m>
+                        <a:endParaRPr lang="en-CA" dirty="0"/>
+                      </a:p>
+                    </p:txBody>
+                  </p:sp>
+                </mc:Choice>
+                <mc:Fallback xmlns="">
+                  <p:sp>
+                    <p:nvSpPr>
+                      <p:cNvPr id="13" name="Rectangle 12"/>
+                      <p:cNvSpPr>
+                        <a:spLocks noRot="1" noChangeAspect="1" noMove="1" noResize="1" noEditPoints="1" noAdjustHandles="1" noChangeArrowheads="1" noChangeShapeType="1" noTextEdit="1"/>
+                      </p:cNvSpPr>
+                      <p:nvPr/>
+                    </p:nvSpPr>
+                    <p:spPr>
+                      <a:xfrm>
+                        <a:off x="1190506" y="790545"/>
+                        <a:ext cx="371384" cy="369332"/>
+                      </a:xfrm>
+                      <a:prstGeom prst="rect">
+                        <a:avLst/>
+                      </a:prstGeom>
+                      <a:blipFill rotWithShape="0">
+                        <a:blip r:embed="rId37"/>
+                        <a:stretch>
+                          <a:fillRect b="-6557"/>
+                        </a:stretch>
+                      </a:blipFill>
+                    </p:spPr>
+                    <p:txBody>
+                      <a:bodyPr/>
+                      <a:lstStyle/>
+                      <a:p>
+                        <a:r>
+                          <a:rPr lang="en-CA">
+                            <a:noFill/>
+                          </a:rPr>
+                          <a:t> </a:t>
+                        </a:r>
+                      </a:p>
+                    </p:txBody>
+                  </p:sp>
+                </mc:Fallback>
+              </mc:AlternateContent>
+              <mc:AlternateContent xmlns:mc="http://schemas.openxmlformats.org/markup-compatibility/2006" xmlns:a14="http://schemas.microsoft.com/office/drawing/2010/main">
+                <mc:Choice Requires="a14">
+                  <p:sp>
+                    <p:nvSpPr>
+                      <p:cNvPr id="70" name="Rectangle 69"/>
+                      <p:cNvSpPr/>
+                      <p:nvPr/>
+                    </p:nvSpPr>
+                    <p:spPr>
+                      <a:xfrm>
+                        <a:off x="1205483" y="2447020"/>
+                        <a:ext cx="367985" cy="369332"/>
+                      </a:xfrm>
+                      <a:prstGeom prst="rect">
+                        <a:avLst/>
+                      </a:prstGeom>
+                    </p:spPr>
+                    <p:txBody>
+                      <a:bodyPr wrap="none">
+                        <a:spAutoFit/>
+                      </a:bodyPr>
+                      <a:lstStyle/>
+                      <a:p>
+                        <a:pPr/>
+                        <a14:m>
+                          <m:oMathPara xmlns:m="http://schemas.openxmlformats.org/officeDocument/2006/math">
+                            <m:oMathParaPr>
+                              <m:jc m:val="centerGroup"/>
+                            </m:oMathParaPr>
+                            <m:oMath xmlns:m="http://schemas.openxmlformats.org/officeDocument/2006/math">
+                              <m:r>
+                                <a:rPr lang="en-US" b="0" i="1" smtClean="0">
+                                  <a:latin typeface="Cambria Math" panose="02040503050406030204" pitchFamily="18" charset="0"/>
+                                  <a:cs typeface="Arial" panose="020B0604020202020204" pitchFamily="34" charset="0"/>
+                                </a:rPr>
+                                <m:t>0</m:t>
+                              </m:r>
+                            </m:oMath>
+                          </m:oMathPara>
+                        </a14:m>
+                        <a:endParaRPr lang="en-CA" dirty="0"/>
+                      </a:p>
+                    </p:txBody>
+                  </p:sp>
+                </mc:Choice>
+                <mc:Fallback xmlns="">
+                  <p:sp>
+                    <p:nvSpPr>
+                      <p:cNvPr id="14" name="Rectangle 13"/>
+                      <p:cNvSpPr>
+                        <a:spLocks noRot="1" noChangeAspect="1" noMove="1" noResize="1" noEditPoints="1" noAdjustHandles="1" noChangeArrowheads="1" noChangeShapeType="1" noTextEdit="1"/>
+                      </p:cNvSpPr>
+                      <p:nvPr/>
+                    </p:nvSpPr>
+                    <p:spPr>
+                      <a:xfrm>
+                        <a:off x="1205483" y="2447020"/>
+                        <a:ext cx="367985" cy="369332"/>
+                      </a:xfrm>
+                      <a:prstGeom prst="rect">
+                        <a:avLst/>
+                      </a:prstGeom>
+                      <a:blipFill rotWithShape="0">
+                        <a:blip r:embed="rId38"/>
+                        <a:stretch>
+                          <a:fillRect/>
+                        </a:stretch>
+                      </a:blipFill>
+                    </p:spPr>
+                    <p:txBody>
+                      <a:bodyPr/>
+                      <a:lstStyle/>
+                      <a:p>
+                        <a:r>
+                          <a:rPr lang="en-CA">
+                            <a:noFill/>
+                          </a:rPr>
+                          <a:t> </a:t>
+                        </a:r>
+                      </a:p>
+                    </p:txBody>
+                  </p:sp>
+                </mc:Fallback>
+              </mc:AlternateContent>
+            </p:grpSp>
+            <p:sp>
+              <p:nvSpPr>
+                <p:cNvPr id="54" name="Rectangle 53"/>
+                <p:cNvSpPr/>
+                <p:nvPr/>
+              </p:nvSpPr>
               <p:spPr>
-                <a:xfrm flipV="1">
-                  <a:off x="1516583" y="680744"/>
-                  <a:ext cx="7684" cy="1859536"/>
+                <a:xfrm>
+                  <a:off x="1129904" y="1614682"/>
+                  <a:ext cx="184731" cy="369332"/>
                 </a:xfrm>
-                <a:prstGeom prst="straightConnector1">
+                <a:prstGeom prst="rect">
                   <a:avLst/>
                 </a:prstGeom>
-                <a:ln w="38100">
-                  <a:solidFill>
-                    <a:schemeClr val="tx1"/>
-                  </a:solidFill>
-                  <a:tailEnd type="triangle"/>
-                </a:ln>
               </p:spPr>
-              <p:style>
-                <a:lnRef idx="1">
-                  <a:schemeClr val="accent1"/>
-                </a:lnRef>
-                <a:fillRef idx="0">
-                  <a:schemeClr val="accent1"/>
-                </a:fillRef>
-                <a:effectRef idx="0">
-                  <a:schemeClr val="accent1"/>
-                </a:effectRef>
-                <a:fontRef idx="minor">
-                  <a:schemeClr val="tx1"/>
-                </a:fontRef>
-              </p:style>
-            </p:cxnSp>
-            <p:cxnSp>
-              <p:nvCxnSpPr>
-                <p:cNvPr id="56" name="Straight Arrow Connector 55"/>
-                <p:cNvCxnSpPr/>
-                <p:nvPr/>
-              </p:nvCxnSpPr>
-              <p:spPr>
-                <a:xfrm flipV="1">
-                  <a:off x="1507013" y="2535259"/>
-                  <a:ext cx="1874904" cy="1"/>
-                </a:xfrm>
-                <a:prstGeom prst="straightConnector1">
-                  <a:avLst/>
-                </a:prstGeom>
-                <a:ln w="38100">
-                  <a:solidFill>
-                    <a:schemeClr val="tx1"/>
-                  </a:solidFill>
-                  <a:tailEnd type="triangle"/>
-                </a:ln>
-              </p:spPr>
-              <p:style>
-                <a:lnRef idx="1">
-                  <a:schemeClr val="accent1"/>
-                </a:lnRef>
-                <a:fillRef idx="0">
-                  <a:schemeClr val="accent1"/>
-                </a:fillRef>
-                <a:effectRef idx="0">
-                  <a:schemeClr val="accent1"/>
-                </a:effectRef>
-                <a:fontRef idx="minor">
-                  <a:schemeClr val="tx1"/>
-                </a:fontRef>
-              </p:style>
-            </p:cxnSp>
-            <mc:AlternateContent xmlns:mc="http://schemas.openxmlformats.org/markup-compatibility/2006" xmlns:a14="http://schemas.microsoft.com/office/drawing/2010/main">
-              <mc:Choice Requires="a14">
-                <p:sp>
-                  <p:nvSpPr>
-                    <p:cNvPr id="68" name="Rectangle 67"/>
-                    <p:cNvSpPr/>
-                    <p:nvPr/>
-                  </p:nvSpPr>
-                  <p:spPr>
-                    <a:xfrm>
-                      <a:off x="2897675" y="2457728"/>
-                      <a:ext cx="367985" cy="369332"/>
-                    </a:xfrm>
-                    <a:prstGeom prst="rect">
-                      <a:avLst/>
-                    </a:prstGeom>
-                  </p:spPr>
-                  <p:txBody>
-                    <a:bodyPr wrap="none">
-                      <a:spAutoFit/>
-                    </a:bodyPr>
-                    <a:lstStyle/>
-                    <a:p>
-                      <a:pPr/>
-                      <a14:m>
-                        <m:oMathPara xmlns:m="http://schemas.openxmlformats.org/officeDocument/2006/math">
-                          <m:oMathParaPr>
-                            <m:jc m:val="centerGroup"/>
-                          </m:oMathParaPr>
-                          <m:oMath xmlns:m="http://schemas.openxmlformats.org/officeDocument/2006/math">
-                            <m:r>
-                              <a:rPr lang="en-US" i="1">
-                                <a:latin typeface="Cambria Math" panose="02040503050406030204" pitchFamily="18" charset="0"/>
-                                <a:cs typeface="Arial" panose="020B0604020202020204" pitchFamily="34" charset="0"/>
-                              </a:rPr>
-                              <m:t>𝑥</m:t>
-                            </m:r>
-                          </m:oMath>
-                        </m:oMathPara>
-                      </a14:m>
-                      <a:endParaRPr lang="en-CA" dirty="0"/>
-                    </a:p>
-                  </p:txBody>
-                </p:sp>
-              </mc:Choice>
-              <mc:Fallback xmlns="">
-                <p:sp>
-                  <p:nvSpPr>
-                    <p:cNvPr id="12" name="Rectangle 11"/>
-                    <p:cNvSpPr>
-                      <a:spLocks noRot="1" noChangeAspect="1" noMove="1" noResize="1" noEditPoints="1" noAdjustHandles="1" noChangeArrowheads="1" noChangeShapeType="1" noTextEdit="1"/>
-                    </p:cNvSpPr>
-                    <p:nvPr/>
-                  </p:nvSpPr>
-                  <p:spPr>
-                    <a:xfrm>
-                      <a:off x="2897675" y="2457728"/>
-                      <a:ext cx="367985" cy="369332"/>
-                    </a:xfrm>
-                    <a:prstGeom prst="rect">
-                      <a:avLst/>
-                    </a:prstGeom>
-                    <a:blipFill rotWithShape="0">
-                      <a:blip r:embed="rId36"/>
-                      <a:stretch>
-                        <a:fillRect/>
-                      </a:stretch>
-                    </a:blipFill>
-                  </p:spPr>
-                  <p:txBody>
-                    <a:bodyPr/>
-                    <a:lstStyle/>
-                    <a:p>
-                      <a:r>
-                        <a:rPr lang="en-CA">
-                          <a:noFill/>
-                        </a:rPr>
-                        <a:t> </a:t>
-                      </a:r>
-                    </a:p>
-                  </p:txBody>
-                </p:sp>
-              </mc:Fallback>
-            </mc:AlternateContent>
-            <mc:AlternateContent xmlns:mc="http://schemas.openxmlformats.org/markup-compatibility/2006" xmlns:a14="http://schemas.microsoft.com/office/drawing/2010/main">
-              <mc:Choice Requires="a14">
-                <p:sp>
-                  <p:nvSpPr>
-                    <p:cNvPr id="69" name="Rectangle 68"/>
-                    <p:cNvSpPr/>
-                    <p:nvPr/>
-                  </p:nvSpPr>
-                  <p:spPr>
-                    <a:xfrm>
-                      <a:off x="1190506" y="790545"/>
-                      <a:ext cx="371384" cy="369332"/>
-                    </a:xfrm>
-                    <a:prstGeom prst="rect">
-                      <a:avLst/>
-                    </a:prstGeom>
-                  </p:spPr>
-                  <p:txBody>
-                    <a:bodyPr wrap="none">
-                      <a:spAutoFit/>
-                    </a:bodyPr>
-                    <a:lstStyle/>
-                    <a:p>
-                      <a:pPr/>
-                      <a14:m>
-                        <m:oMathPara xmlns:m="http://schemas.openxmlformats.org/officeDocument/2006/math">
-                          <m:oMathParaPr>
-                            <m:jc m:val="centerGroup"/>
-                          </m:oMathParaPr>
-                          <m:oMath xmlns:m="http://schemas.openxmlformats.org/officeDocument/2006/math">
-                            <m:r>
-                              <a:rPr lang="en-US" b="0" i="1" smtClean="0">
-                                <a:latin typeface="Cambria Math" panose="02040503050406030204" pitchFamily="18" charset="0"/>
-                              </a:rPr>
-                              <m:t>𝑦</m:t>
-                            </m:r>
-                          </m:oMath>
-                        </m:oMathPara>
-                      </a14:m>
-                      <a:endParaRPr lang="en-CA" dirty="0"/>
-                    </a:p>
-                  </p:txBody>
-                </p:sp>
-              </mc:Choice>
-              <mc:Fallback xmlns="">
-                <p:sp>
-                  <p:nvSpPr>
-                    <p:cNvPr id="13" name="Rectangle 12"/>
-                    <p:cNvSpPr>
-                      <a:spLocks noRot="1" noChangeAspect="1" noMove="1" noResize="1" noEditPoints="1" noAdjustHandles="1" noChangeArrowheads="1" noChangeShapeType="1" noTextEdit="1"/>
-                    </p:cNvSpPr>
-                    <p:nvPr/>
-                  </p:nvSpPr>
-                  <p:spPr>
-                    <a:xfrm>
-                      <a:off x="1190506" y="790545"/>
-                      <a:ext cx="371384" cy="369332"/>
-                    </a:xfrm>
-                    <a:prstGeom prst="rect">
-                      <a:avLst/>
-                    </a:prstGeom>
-                    <a:blipFill rotWithShape="0">
-                      <a:blip r:embed="rId37"/>
-                      <a:stretch>
-                        <a:fillRect b="-6557"/>
-                      </a:stretch>
-                    </a:blipFill>
-                  </p:spPr>
-                  <p:txBody>
-                    <a:bodyPr/>
-                    <a:lstStyle/>
-                    <a:p>
-                      <a:r>
-                        <a:rPr lang="en-CA">
-                          <a:noFill/>
-                        </a:rPr>
-                        <a:t> </a:t>
-                      </a:r>
-                    </a:p>
-                  </p:txBody>
-                </p:sp>
-              </mc:Fallback>
-            </mc:AlternateContent>
-            <mc:AlternateContent xmlns:mc="http://schemas.openxmlformats.org/markup-compatibility/2006" xmlns:a14="http://schemas.microsoft.com/office/drawing/2010/main">
-              <mc:Choice Requires="a14">
-                <p:sp>
-                  <p:nvSpPr>
-                    <p:cNvPr id="70" name="Rectangle 69"/>
-                    <p:cNvSpPr/>
-                    <p:nvPr/>
-                  </p:nvSpPr>
-                  <p:spPr>
-                    <a:xfrm>
-                      <a:off x="1205483" y="2447020"/>
-                      <a:ext cx="367985" cy="369332"/>
-                    </a:xfrm>
-                    <a:prstGeom prst="rect">
-                      <a:avLst/>
-                    </a:prstGeom>
-                  </p:spPr>
-                  <p:txBody>
-                    <a:bodyPr wrap="none">
-                      <a:spAutoFit/>
-                    </a:bodyPr>
-                    <a:lstStyle/>
-                    <a:p>
-                      <a:pPr/>
-                      <a14:m>
-                        <m:oMathPara xmlns:m="http://schemas.openxmlformats.org/officeDocument/2006/math">
-                          <m:oMathParaPr>
-                            <m:jc m:val="centerGroup"/>
-                          </m:oMathParaPr>
-                          <m:oMath xmlns:m="http://schemas.openxmlformats.org/officeDocument/2006/math">
-                            <m:r>
-                              <a:rPr lang="en-US" b="0" i="1" smtClean="0">
-                                <a:latin typeface="Cambria Math" panose="02040503050406030204" pitchFamily="18" charset="0"/>
-                                <a:cs typeface="Arial" panose="020B0604020202020204" pitchFamily="34" charset="0"/>
-                              </a:rPr>
-                              <m:t>0</m:t>
-                            </m:r>
-                          </m:oMath>
-                        </m:oMathPara>
-                      </a14:m>
-                      <a:endParaRPr lang="en-CA" dirty="0"/>
-                    </a:p>
-                  </p:txBody>
-                </p:sp>
-              </mc:Choice>
-              <mc:Fallback xmlns="">
-                <p:sp>
-                  <p:nvSpPr>
-                    <p:cNvPr id="14" name="Rectangle 13"/>
-                    <p:cNvSpPr>
-                      <a:spLocks noRot="1" noChangeAspect="1" noMove="1" noResize="1" noEditPoints="1" noAdjustHandles="1" noChangeArrowheads="1" noChangeShapeType="1" noTextEdit="1"/>
-                    </p:cNvSpPr>
-                    <p:nvPr/>
-                  </p:nvSpPr>
-                  <p:spPr>
-                    <a:xfrm>
-                      <a:off x="1205483" y="2447020"/>
-                      <a:ext cx="367985" cy="369332"/>
-                    </a:xfrm>
-                    <a:prstGeom prst="rect">
-                      <a:avLst/>
-                    </a:prstGeom>
-                    <a:blipFill rotWithShape="0">
-                      <a:blip r:embed="rId38"/>
-                      <a:stretch>
-                        <a:fillRect/>
-                      </a:stretch>
-                    </a:blipFill>
-                  </p:spPr>
-                  <p:txBody>
-                    <a:bodyPr/>
-                    <a:lstStyle/>
-                    <a:p>
-                      <a:r>
-                        <a:rPr lang="en-CA">
-                          <a:noFill/>
-                        </a:rPr>
-                        <a:t> </a:t>
-                      </a:r>
-                    </a:p>
-                  </p:txBody>
-                </p:sp>
-              </mc:Fallback>
-            </mc:AlternateContent>
+              <p:txBody>
+                <a:bodyPr wrap="none">
+                  <a:spAutoFit/>
+                </a:bodyPr>
+                <a:lstStyle/>
+                <a:p>
+                  <a:endParaRPr lang="en-CA" dirty="0"/>
+                </a:p>
+              </p:txBody>
+            </p:sp>
           </p:grpSp>
           <p:sp>
             <p:nvSpPr>
-              <p:cNvPr id="54" name="Rectangle 53"/>
+              <p:cNvPr id="42" name="Oval 41"/>
               <p:cNvSpPr/>
               <p:nvPr/>
             </p:nvSpPr>
             <p:spPr>
               <a:xfrm>
-                <a:off x="1129904" y="1614682"/>
-                <a:ext cx="184731" cy="369332"/>
+                <a:off x="1224682" y="5655603"/>
+                <a:ext cx="120943" cy="119766"/>
               </a:xfrm>
-              <a:prstGeom prst="rect">
+              <a:prstGeom prst="ellipse">
                 <a:avLst/>
               </a:prstGeom>
+              <a:solidFill>
+                <a:schemeClr val="tx1"/>
+              </a:solidFill>
+              <a:ln w="38100">
+                <a:solidFill>
+                  <a:schemeClr val="tx1"/>
+                </a:solidFill>
+              </a:ln>
             </p:spPr>
+            <p:style>
+              <a:lnRef idx="2">
+                <a:schemeClr val="accent1">
+                  <a:shade val="50000"/>
+                </a:schemeClr>
+              </a:lnRef>
+              <a:fillRef idx="1">
+                <a:schemeClr val="accent1"/>
+              </a:fillRef>
+              <a:effectRef idx="0">
+                <a:schemeClr val="accent1"/>
+              </a:effectRef>
+              <a:fontRef idx="minor">
+                <a:schemeClr val="lt1"/>
+              </a:fontRef>
+            </p:style>
             <p:txBody>
-              <a:bodyPr wrap="none">
-                <a:spAutoFit/>
-              </a:bodyPr>
+              <a:bodyPr rtlCol="0" anchor="ctr"/>
               <a:lstStyle/>
               <a:p>
-                <a:endParaRPr lang="en-CA" dirty="0"/>
+                <a:pPr algn="ctr"/>
+                <a:endParaRPr lang="en-US"/>
               </a:p>
             </p:txBody>
           </p:sp>
+          <p:sp>
+            <p:nvSpPr>
+              <p:cNvPr id="44" name="Oval 43"/>
+              <p:cNvSpPr/>
+              <p:nvPr/>
+            </p:nvSpPr>
+            <p:spPr>
+              <a:xfrm>
+                <a:off x="3105847" y="4278957"/>
+                <a:ext cx="120943" cy="119766"/>
+              </a:xfrm>
+              <a:prstGeom prst="ellipse">
+                <a:avLst/>
+              </a:prstGeom>
+              <a:solidFill>
+                <a:schemeClr val="tx1"/>
+              </a:solidFill>
+              <a:ln w="38100">
+                <a:solidFill>
+                  <a:schemeClr val="tx1"/>
+                </a:solidFill>
+              </a:ln>
+            </p:spPr>
+            <p:style>
+              <a:lnRef idx="2">
+                <a:schemeClr val="accent1">
+                  <a:shade val="50000"/>
+                </a:schemeClr>
+              </a:lnRef>
+              <a:fillRef idx="1">
+                <a:schemeClr val="accent1"/>
+              </a:fillRef>
+              <a:effectRef idx="0">
+                <a:schemeClr val="accent1"/>
+              </a:effectRef>
+              <a:fontRef idx="minor">
+                <a:schemeClr val="lt1"/>
+              </a:fontRef>
+            </p:style>
+            <p:txBody>
+              <a:bodyPr rtlCol="0" anchor="ctr"/>
+              <a:lstStyle/>
+              <a:p>
+                <a:pPr algn="ctr"/>
+                <a:endParaRPr lang="en-US"/>
+              </a:p>
+            </p:txBody>
+          </p:sp>
+          <mc:AlternateContent xmlns:mc="http://schemas.openxmlformats.org/markup-compatibility/2006" xmlns:a14="http://schemas.microsoft.com/office/drawing/2010/main">
+            <mc:Choice Requires="a14">
+              <p:sp>
+                <p:nvSpPr>
+                  <p:cNvPr id="46" name="TextBox 45"/>
+                  <p:cNvSpPr txBox="1"/>
+                  <p:nvPr/>
+                </p:nvSpPr>
+                <p:spPr>
+                  <a:xfrm>
+                    <a:off x="1345506" y="5762027"/>
+                    <a:ext cx="234936" cy="307777"/>
+                  </a:xfrm>
+                  <a:prstGeom prst="rect">
+                    <a:avLst/>
+                  </a:prstGeom>
+                  <a:noFill/>
+                </p:spPr>
+                <p:txBody>
+                  <a:bodyPr wrap="none" lIns="0" tIns="0" rIns="0" bIns="0" rtlCol="0">
+                    <a:spAutoFit/>
+                  </a:bodyPr>
+                  <a:lstStyle/>
+                  <a:p>
+                    <a:pPr/>
+                    <a14:m>
+                      <m:oMathPara xmlns:m="http://schemas.openxmlformats.org/officeDocument/2006/math">
+                        <m:oMathParaPr>
+                          <m:jc m:val="centerGroup"/>
+                        </m:oMathParaPr>
+                        <m:oMath xmlns:m="http://schemas.openxmlformats.org/officeDocument/2006/math">
+                          <m:r>
+                            <a:rPr lang="en-US" sz="2000" b="0" i="1" smtClean="0">
+                              <a:latin typeface="Cambria Math" panose="02040503050406030204" pitchFamily="18" charset="0"/>
+                              <a:cs typeface="Arial" panose="020B0604020202020204" pitchFamily="34" charset="0"/>
+                            </a:rPr>
+                            <m:t>𝐴</m:t>
+                          </m:r>
+                        </m:oMath>
+                      </m:oMathPara>
+                    </a14:m>
+                    <a:endParaRPr lang="en-US" sz="2000" dirty="0" smtClean="0">
+                      <a:latin typeface="Arial" panose="020B0604020202020204" pitchFamily="34" charset="0"/>
+                      <a:cs typeface="Arial" panose="020B0604020202020204" pitchFamily="34" charset="0"/>
+                    </a:endParaRPr>
+                  </a:p>
+                </p:txBody>
+              </p:sp>
+            </mc:Choice>
+            <mc:Fallback xmlns="">
+              <p:sp>
+                <p:nvSpPr>
+                  <p:cNvPr id="46" name="TextBox 45"/>
+                  <p:cNvSpPr txBox="1">
+                    <a:spLocks noRot="1" noChangeAspect="1" noMove="1" noResize="1" noEditPoints="1" noAdjustHandles="1" noChangeArrowheads="1" noChangeShapeType="1" noTextEdit="1"/>
+                  </p:cNvSpPr>
+                  <p:nvPr/>
+                </p:nvSpPr>
+                <p:spPr>
+                  <a:xfrm>
+                    <a:off x="1345506" y="5762027"/>
+                    <a:ext cx="234936" cy="307777"/>
+                  </a:xfrm>
+                  <a:prstGeom prst="rect">
+                    <a:avLst/>
+                  </a:prstGeom>
+                  <a:blipFill>
+                    <a:blip r:embed="rId39"/>
+                    <a:stretch>
+                      <a:fillRect l="-23684" r="-23684" b="-9804"/>
+                    </a:stretch>
+                  </a:blipFill>
+                </p:spPr>
+                <p:txBody>
+                  <a:bodyPr/>
+                  <a:lstStyle/>
+                  <a:p>
+                    <a:r>
+                      <a:rPr lang="en-US">
+                        <a:noFill/>
+                      </a:rPr>
+                      <a:t> </a:t>
+                    </a:r>
+                  </a:p>
+                </p:txBody>
+              </p:sp>
+            </mc:Fallback>
+          </mc:AlternateContent>
+          <mc:AlternateContent xmlns:mc="http://schemas.openxmlformats.org/markup-compatibility/2006" xmlns:a14="http://schemas.microsoft.com/office/drawing/2010/main">
+            <mc:Choice Requires="a14">
+              <p:sp>
+                <p:nvSpPr>
+                  <p:cNvPr id="47" name="TextBox 46"/>
+                  <p:cNvSpPr txBox="1"/>
+                  <p:nvPr/>
+                </p:nvSpPr>
+                <p:spPr>
+                  <a:xfrm>
+                    <a:off x="3226790" y="3935497"/>
+                    <a:ext cx="245708" cy="307777"/>
+                  </a:xfrm>
+                  <a:prstGeom prst="rect">
+                    <a:avLst/>
+                  </a:prstGeom>
+                  <a:noFill/>
+                </p:spPr>
+                <p:txBody>
+                  <a:bodyPr wrap="none" lIns="0" tIns="0" rIns="0" bIns="0" rtlCol="0">
+                    <a:spAutoFit/>
+                  </a:bodyPr>
+                  <a:lstStyle/>
+                  <a:p>
+                    <a:pPr/>
+                    <a14:m>
+                      <m:oMathPara xmlns:m="http://schemas.openxmlformats.org/officeDocument/2006/math">
+                        <m:oMathParaPr>
+                          <m:jc m:val="centerGroup"/>
+                        </m:oMathParaPr>
+                        <m:oMath xmlns:m="http://schemas.openxmlformats.org/officeDocument/2006/math">
+                          <m:r>
+                            <a:rPr lang="en-US" sz="2000" b="0" i="1" smtClean="0">
+                              <a:latin typeface="Cambria Math" panose="02040503050406030204" pitchFamily="18" charset="0"/>
+                              <a:cs typeface="Arial" panose="020B0604020202020204" pitchFamily="34" charset="0"/>
+                            </a:rPr>
+                            <m:t>𝐵</m:t>
+                          </m:r>
+                        </m:oMath>
+                      </m:oMathPara>
+                    </a14:m>
+                    <a:endParaRPr lang="en-US" sz="2000" dirty="0" smtClean="0">
+                      <a:latin typeface="Arial" panose="020B0604020202020204" pitchFamily="34" charset="0"/>
+                      <a:cs typeface="Arial" panose="020B0604020202020204" pitchFamily="34" charset="0"/>
+                    </a:endParaRPr>
+                  </a:p>
+                </p:txBody>
+              </p:sp>
+            </mc:Choice>
+            <mc:Fallback xmlns="">
+              <p:sp>
+                <p:nvSpPr>
+                  <p:cNvPr id="47" name="TextBox 46"/>
+                  <p:cNvSpPr txBox="1">
+                    <a:spLocks noRot="1" noChangeAspect="1" noMove="1" noResize="1" noEditPoints="1" noAdjustHandles="1" noChangeArrowheads="1" noChangeShapeType="1" noTextEdit="1"/>
+                  </p:cNvSpPr>
+                  <p:nvPr/>
+                </p:nvSpPr>
+                <p:spPr>
+                  <a:xfrm>
+                    <a:off x="3226790" y="3935497"/>
+                    <a:ext cx="245708" cy="307777"/>
+                  </a:xfrm>
+                  <a:prstGeom prst="rect">
+                    <a:avLst/>
+                  </a:prstGeom>
+                  <a:blipFill>
+                    <a:blip r:embed="rId40"/>
+                    <a:stretch>
+                      <a:fillRect l="-19512" r="-19512" b="-10000"/>
+                    </a:stretch>
+                  </a:blipFill>
+                </p:spPr>
+                <p:txBody>
+                  <a:bodyPr/>
+                  <a:lstStyle/>
+                  <a:p>
+                    <a:r>
+                      <a:rPr lang="en-US">
+                        <a:noFill/>
+                      </a:rPr>
+                      <a:t> </a:t>
+                    </a:r>
+                  </a:p>
+                </p:txBody>
+              </p:sp>
+            </mc:Fallback>
+          </mc:AlternateContent>
+          <mc:AlternateContent xmlns:mc="http://schemas.openxmlformats.org/markup-compatibility/2006" xmlns:a14="http://schemas.microsoft.com/office/drawing/2010/main">
+            <mc:Choice Requires="a14">
+              <p:sp>
+                <p:nvSpPr>
+                  <p:cNvPr id="52" name="TextBox 51"/>
+                  <p:cNvSpPr txBox="1"/>
+                  <p:nvPr/>
+                </p:nvSpPr>
+                <p:spPr>
+                  <a:xfrm>
+                    <a:off x="2189829" y="4157475"/>
+                    <a:ext cx="896912" cy="345159"/>
+                  </a:xfrm>
+                  <a:prstGeom prst="rect">
+                    <a:avLst/>
+                  </a:prstGeom>
+                  <a:noFill/>
+                </p:spPr>
+                <p:txBody>
+                  <a:bodyPr wrap="none" lIns="0" tIns="0" rIns="0" bIns="0" rtlCol="0">
+                    <a:spAutoFit/>
+                  </a:bodyPr>
+                  <a:lstStyle/>
+                  <a:p>
+                    <a:pPr/>
+                    <a14:m>
+                      <m:oMathPara xmlns:m="http://schemas.openxmlformats.org/officeDocument/2006/math">
+                        <m:oMathParaPr>
+                          <m:jc m:val="centerGroup"/>
+                        </m:oMathParaPr>
+                        <m:oMath xmlns:m="http://schemas.openxmlformats.org/officeDocument/2006/math">
+                          <m:sSup>
+                            <m:sSupPr>
+                              <m:ctrlPr>
+                                <a:rPr lang="en-US" sz="2000" b="0" i="1" smtClean="0">
+                                  <a:latin typeface="Cambria Math" charset="0"/>
+                                  <a:cs typeface="Arial" panose="020B0604020202020204" pitchFamily="34" charset="0"/>
+                                </a:rPr>
+                              </m:ctrlPr>
+                            </m:sSupPr>
+                            <m:e>
+                              <m:acc>
+                                <m:accPr>
+                                  <m:chr m:val="⃗"/>
+                                  <m:ctrlPr>
+                                    <a:rPr lang="en-US" sz="2000" b="0" i="1" smtClean="0">
+                                      <a:latin typeface="Cambria Math" charset="0"/>
+                                      <a:cs typeface="Arial" panose="020B0604020202020204" pitchFamily="34" charset="0"/>
+                                    </a:rPr>
+                                  </m:ctrlPr>
+                                </m:accPr>
+                                <m:e>
+                                  <m:r>
+                                    <a:rPr lang="en-US" sz="2000" b="0" i="1" smtClean="0">
+                                      <a:latin typeface="Cambria Math" panose="02040503050406030204" pitchFamily="18" charset="0"/>
+                                      <a:cs typeface="Arial" panose="020B0604020202020204" pitchFamily="34" charset="0"/>
+                                    </a:rPr>
+                                    <m:t>𝐹</m:t>
+                                  </m:r>
+                                </m:e>
+                              </m:acc>
+                            </m:e>
+                            <m:sup>
+                              <m:r>
+                                <a:rPr lang="en-US" sz="2000" b="0" i="1" smtClean="0">
+                                  <a:latin typeface="Cambria Math" panose="02040503050406030204" pitchFamily="18" charset="0"/>
+                                  <a:cs typeface="Arial" panose="020B0604020202020204" pitchFamily="34" charset="0"/>
+                                </a:rPr>
+                                <m:t>𝑛𝑒𝑡</m:t>
+                              </m:r>
+                            </m:sup>
+                          </m:sSup>
+                          <m:r>
+                            <a:rPr lang="en-US" sz="2000" b="0" i="1" smtClean="0">
+                              <a:latin typeface="Cambria Math" panose="02040503050406030204" pitchFamily="18" charset="0"/>
+                              <a:cs typeface="Arial" panose="020B0604020202020204" pitchFamily="34" charset="0"/>
+                            </a:rPr>
+                            <m:t>(</m:t>
+                          </m:r>
+                          <m:acc>
+                            <m:accPr>
+                              <m:chr m:val="⃗"/>
+                              <m:ctrlPr>
+                                <a:rPr lang="en-US" sz="2000" b="0" i="1" smtClean="0">
+                                  <a:latin typeface="Cambria Math" charset="0"/>
+                                  <a:cs typeface="Arial" panose="020B0604020202020204" pitchFamily="34" charset="0"/>
+                                </a:rPr>
+                              </m:ctrlPr>
+                            </m:accPr>
+                            <m:e>
+                              <m:r>
+                                <a:rPr lang="en-US" sz="2000" b="0" i="1" smtClean="0">
+                                  <a:latin typeface="Cambria Math" panose="02040503050406030204" pitchFamily="18" charset="0"/>
+                                  <a:cs typeface="Arial" panose="020B0604020202020204" pitchFamily="34" charset="0"/>
+                                </a:rPr>
+                                <m:t>𝑟</m:t>
+                              </m:r>
+                            </m:e>
+                          </m:acc>
+                          <m:r>
+                            <a:rPr lang="en-US" sz="2000" b="0" i="1" smtClean="0">
+                              <a:latin typeface="Cambria Math" panose="02040503050406030204" pitchFamily="18" charset="0"/>
+                              <a:cs typeface="Arial" panose="020B0604020202020204" pitchFamily="34" charset="0"/>
+                            </a:rPr>
+                            <m:t>)</m:t>
+                          </m:r>
+                        </m:oMath>
+                      </m:oMathPara>
+                    </a14:m>
+                    <a:endParaRPr lang="en-US" sz="2000" dirty="0" smtClean="0">
+                      <a:latin typeface="Arial" panose="020B0604020202020204" pitchFamily="34" charset="0"/>
+                      <a:cs typeface="Arial" panose="020B0604020202020204" pitchFamily="34" charset="0"/>
+                    </a:endParaRPr>
+                  </a:p>
+                </p:txBody>
+              </p:sp>
+            </mc:Choice>
+            <mc:Fallback xmlns="">
+              <p:sp>
+                <p:nvSpPr>
+                  <p:cNvPr id="52" name="TextBox 51"/>
+                  <p:cNvSpPr txBox="1">
+                    <a:spLocks noRot="1" noChangeAspect="1" noMove="1" noResize="1" noEditPoints="1" noAdjustHandles="1" noChangeArrowheads="1" noChangeShapeType="1" noTextEdit="1"/>
+                  </p:cNvSpPr>
+                  <p:nvPr/>
+                </p:nvSpPr>
+                <p:spPr>
+                  <a:xfrm>
+                    <a:off x="2189829" y="4157475"/>
+                    <a:ext cx="896912" cy="345159"/>
+                  </a:xfrm>
+                  <a:prstGeom prst="rect">
+                    <a:avLst/>
+                  </a:prstGeom>
+                  <a:blipFill>
+                    <a:blip r:embed="rId41"/>
+                    <a:stretch>
+                      <a:fillRect l="-5442" t="-33333" r="-31293" b="-33333"/>
+                    </a:stretch>
+                  </a:blipFill>
+                </p:spPr>
+                <p:txBody>
+                  <a:bodyPr/>
+                  <a:lstStyle/>
+                  <a:p>
+                    <a:r>
+                      <a:rPr lang="en-US">
+                        <a:noFill/>
+                      </a:rPr>
+                      <a:t> </a:t>
+                    </a:r>
+                  </a:p>
+                </p:txBody>
+              </p:sp>
+            </mc:Fallback>
+          </mc:AlternateContent>
+          <p:sp>
+            <p:nvSpPr>
+              <p:cNvPr id="10" name="Freeform 9"/>
+              <p:cNvSpPr/>
+              <p:nvPr/>
+            </p:nvSpPr>
+            <p:spPr>
+              <a:xfrm>
+                <a:off x="1326995" y="4363194"/>
+                <a:ext cx="1847372" cy="1301626"/>
+              </a:xfrm>
+              <a:custGeom>
+                <a:avLst/>
+                <a:gdLst>
+                  <a:gd name="connsiteX0" fmla="*/ 0 w 1862254"/>
+                  <a:gd name="connsiteY0" fmla="*/ 1293542 h 1293542"/>
+                  <a:gd name="connsiteX1" fmla="*/ 412595 w 1862254"/>
+                  <a:gd name="connsiteY1" fmla="*/ 680224 h 1293542"/>
+                  <a:gd name="connsiteX2" fmla="*/ 1237785 w 1862254"/>
+                  <a:gd name="connsiteY2" fmla="*/ 802888 h 1293542"/>
+                  <a:gd name="connsiteX3" fmla="*/ 1862254 w 1862254"/>
+                  <a:gd name="connsiteY3" fmla="*/ 0 h 1293542"/>
+                  <a:gd name="connsiteX4" fmla="*/ 1862254 w 1862254"/>
+                  <a:gd name="connsiteY4" fmla="*/ 0 h 1293542"/>
+                </a:gdLst>
+                <a:ahLst/>
+                <a:cxnLst>
+                  <a:cxn ang="0">
+                    <a:pos x="connsiteX0" y="connsiteY0"/>
+                  </a:cxn>
+                  <a:cxn ang="0">
+                    <a:pos x="connsiteX1" y="connsiteY1"/>
+                  </a:cxn>
+                  <a:cxn ang="0">
+                    <a:pos x="connsiteX2" y="connsiteY2"/>
+                  </a:cxn>
+                  <a:cxn ang="0">
+                    <a:pos x="connsiteX3" y="connsiteY3"/>
+                  </a:cxn>
+                  <a:cxn ang="0">
+                    <a:pos x="connsiteX4" y="connsiteY4"/>
+                  </a:cxn>
+                </a:cxnLst>
+                <a:rect l="l" t="t" r="r" b="b"/>
+                <a:pathLst>
+                  <a:path w="1862254" h="1293542">
+                    <a:moveTo>
+                      <a:pt x="0" y="1293542"/>
+                    </a:moveTo>
+                    <a:cubicBezTo>
+                      <a:pt x="103149" y="1027771"/>
+                      <a:pt x="206298" y="762000"/>
+                      <a:pt x="412595" y="680224"/>
+                    </a:cubicBezTo>
+                    <a:cubicBezTo>
+                      <a:pt x="618892" y="598448"/>
+                      <a:pt x="996175" y="916259"/>
+                      <a:pt x="1237785" y="802888"/>
+                    </a:cubicBezTo>
+                    <a:cubicBezTo>
+                      <a:pt x="1479395" y="689517"/>
+                      <a:pt x="1862254" y="0"/>
+                      <a:pt x="1862254" y="0"/>
+                    </a:cubicBezTo>
+                    <a:lnTo>
+                      <a:pt x="1862254" y="0"/>
+                    </a:lnTo>
+                  </a:path>
+                </a:pathLst>
+              </a:custGeom>
+              <a:noFill/>
+              <a:ln w="38100">
+                <a:solidFill>
+                  <a:schemeClr val="tx1"/>
+                </a:solidFill>
+              </a:ln>
+            </p:spPr>
+            <p:style>
+              <a:lnRef idx="2">
+                <a:schemeClr val="accent1">
+                  <a:shade val="50000"/>
+                </a:schemeClr>
+              </a:lnRef>
+              <a:fillRef idx="1">
+                <a:schemeClr val="accent1"/>
+              </a:fillRef>
+              <a:effectRef idx="0">
+                <a:schemeClr val="accent1"/>
+              </a:effectRef>
+              <a:fontRef idx="minor">
+                <a:schemeClr val="lt1"/>
+              </a:fontRef>
+            </p:style>
+            <p:txBody>
+              <a:bodyPr rtlCol="0" anchor="ctr"/>
+              <a:lstStyle/>
+              <a:p>
+                <a:pPr algn="ctr"/>
+                <a:endParaRPr lang="en-US"/>
+              </a:p>
+            </p:txBody>
+          </p:sp>
+          <p:cxnSp>
+            <p:nvCxnSpPr>
+              <p:cNvPr id="12" name="Straight Arrow Connector 11"/>
+              <p:cNvCxnSpPr/>
+              <p:nvPr/>
+            </p:nvCxnSpPr>
+            <p:spPr>
+              <a:xfrm flipV="1">
+                <a:off x="2446801" y="4572238"/>
+                <a:ext cx="264820" cy="623696"/>
+              </a:xfrm>
+              <a:prstGeom prst="straightConnector1">
+                <a:avLst/>
+              </a:prstGeom>
+              <a:ln w="38100">
+                <a:solidFill>
+                  <a:schemeClr val="tx1"/>
+                </a:solidFill>
+                <a:tailEnd type="triangle"/>
+              </a:ln>
+            </p:spPr>
+            <p:style>
+              <a:lnRef idx="1">
+                <a:schemeClr val="accent1"/>
+              </a:lnRef>
+              <a:fillRef idx="0">
+                <a:schemeClr val="accent1"/>
+              </a:fillRef>
+              <a:effectRef idx="0">
+                <a:schemeClr val="accent1"/>
+              </a:effectRef>
+              <a:fontRef idx="minor">
+                <a:schemeClr val="tx1"/>
+              </a:fontRef>
+            </p:style>
+          </p:cxnSp>
+          <p:cxnSp>
+            <p:nvCxnSpPr>
+              <p:cNvPr id="14" name="Straight Arrow Connector 13"/>
+              <p:cNvCxnSpPr/>
+              <p:nvPr/>
+            </p:nvCxnSpPr>
+            <p:spPr>
+              <a:xfrm flipV="1">
+                <a:off x="2446801" y="5190073"/>
+                <a:ext cx="440121" cy="20450"/>
+              </a:xfrm>
+              <a:prstGeom prst="straightConnector1">
+                <a:avLst/>
+              </a:prstGeom>
+              <a:ln w="57150">
+                <a:solidFill>
+                  <a:srgbClr val="0070C0"/>
+                </a:solidFill>
+                <a:tailEnd type="triangle"/>
+              </a:ln>
+            </p:spPr>
+            <p:style>
+              <a:lnRef idx="1">
+                <a:schemeClr val="accent1"/>
+              </a:lnRef>
+              <a:fillRef idx="0">
+                <a:schemeClr val="accent1"/>
+              </a:fillRef>
+              <a:effectRef idx="0">
+                <a:schemeClr val="accent1"/>
+              </a:effectRef>
+              <a:fontRef idx="minor">
+                <a:schemeClr val="tx1"/>
+              </a:fontRef>
+            </p:style>
+          </p:cxnSp>
+          <p:sp>
+            <p:nvSpPr>
+              <p:cNvPr id="20" name="Right Arrow 19"/>
+              <p:cNvSpPr/>
+              <p:nvPr/>
+            </p:nvSpPr>
+            <p:spPr>
+              <a:xfrm rot="17580640">
+                <a:off x="3145967" y="4795779"/>
+                <a:ext cx="951311" cy="133815"/>
+              </a:xfrm>
+              <a:prstGeom prst="rightArrow">
+                <a:avLst/>
+              </a:prstGeom>
+              <a:solidFill>
+                <a:schemeClr val="tx1"/>
+              </a:solidFill>
+              <a:ln w="38100">
+                <a:solidFill>
+                  <a:schemeClr val="tx1"/>
+                </a:solidFill>
+              </a:ln>
+            </p:spPr>
+            <p:style>
+              <a:lnRef idx="2">
+                <a:schemeClr val="accent1">
+                  <a:shade val="50000"/>
+                </a:schemeClr>
+              </a:lnRef>
+              <a:fillRef idx="1">
+                <a:schemeClr val="accent1"/>
+              </a:fillRef>
+              <a:effectRef idx="0">
+                <a:schemeClr val="accent1"/>
+              </a:effectRef>
+              <a:fontRef idx="minor">
+                <a:schemeClr val="lt1"/>
+              </a:fontRef>
+            </p:style>
+            <p:txBody>
+              <a:bodyPr rtlCol="0" anchor="ctr"/>
+              <a:lstStyle/>
+              <a:p>
+                <a:pPr algn="ctr"/>
+                <a:endParaRPr lang="en-US"/>
+              </a:p>
+            </p:txBody>
+          </p:sp>
+          <mc:AlternateContent xmlns:mc="http://schemas.openxmlformats.org/markup-compatibility/2006" xmlns:a14="http://schemas.microsoft.com/office/drawing/2010/main">
+            <mc:Choice Requires="a14">
+              <p:sp>
+                <p:nvSpPr>
+                  <p:cNvPr id="21" name="TextBox 20"/>
+                  <p:cNvSpPr txBox="1"/>
+                  <p:nvPr/>
+                </p:nvSpPr>
+                <p:spPr>
+                  <a:xfrm>
+                    <a:off x="3269731" y="4739207"/>
+                    <a:ext cx="219483" cy="307777"/>
+                  </a:xfrm>
+                  <a:prstGeom prst="rect">
+                    <a:avLst/>
+                  </a:prstGeom>
+                  <a:noFill/>
+                </p:spPr>
+                <p:txBody>
+                  <a:bodyPr wrap="none" lIns="0" tIns="0" rIns="0" bIns="0" rtlCol="0">
+                    <a:spAutoFit/>
+                  </a:bodyPr>
+                  <a:lstStyle/>
+                  <a:p>
+                    <a:pPr/>
+                    <a14:m>
+                      <m:oMathPara xmlns:m="http://schemas.openxmlformats.org/officeDocument/2006/math">
+                        <m:oMathParaPr>
+                          <m:jc m:val="centerGroup"/>
+                        </m:oMathParaPr>
+                        <m:oMath xmlns:m="http://schemas.openxmlformats.org/officeDocument/2006/math">
+                          <m:acc>
+                            <m:accPr>
+                              <m:chr m:val="⃗"/>
+                              <m:ctrlPr>
+                                <a:rPr lang="en-US" sz="2000" b="0" i="1" smtClean="0">
+                                  <a:latin typeface="Cambria Math" charset="0"/>
+                                  <a:cs typeface="Arial" panose="020B0604020202020204" pitchFamily="34" charset="0"/>
+                                </a:rPr>
+                              </m:ctrlPr>
+                            </m:accPr>
+                            <m:e>
+                              <m:r>
+                                <a:rPr lang="en-US" sz="2000" b="0" i="1" smtClean="0">
+                                  <a:latin typeface="Cambria Math" panose="02040503050406030204" pitchFamily="18" charset="0"/>
+                                  <a:cs typeface="Arial" panose="020B0604020202020204" pitchFamily="34" charset="0"/>
+                                </a:rPr>
+                                <m:t>𝑎</m:t>
+                              </m:r>
+                            </m:e>
+                          </m:acc>
+                        </m:oMath>
+                      </m:oMathPara>
+                    </a14:m>
+                    <a:endParaRPr lang="en-US" sz="2000" dirty="0" smtClean="0">
+                      <a:latin typeface="Arial" panose="020B0604020202020204" pitchFamily="34" charset="0"/>
+                      <a:cs typeface="Arial" panose="020B0604020202020204" pitchFamily="34" charset="0"/>
+                    </a:endParaRPr>
+                  </a:p>
+                </p:txBody>
+              </p:sp>
+            </mc:Choice>
+            <mc:Fallback xmlns="">
+              <p:sp>
+                <p:nvSpPr>
+                  <p:cNvPr id="21" name="TextBox 20"/>
+                  <p:cNvSpPr txBox="1">
+                    <a:spLocks noRot="1" noChangeAspect="1" noMove="1" noResize="1" noEditPoints="1" noAdjustHandles="1" noChangeArrowheads="1" noChangeShapeType="1" noTextEdit="1"/>
+                  </p:cNvSpPr>
+                  <p:nvPr/>
+                </p:nvSpPr>
+                <p:spPr>
+                  <a:xfrm>
+                    <a:off x="3269731" y="4739207"/>
+                    <a:ext cx="219483" cy="307777"/>
+                  </a:xfrm>
+                  <a:prstGeom prst="rect">
+                    <a:avLst/>
+                  </a:prstGeom>
+                  <a:blipFill>
+                    <a:blip r:embed="rId42"/>
+                    <a:stretch>
+                      <a:fillRect l="-19444" t="-33333" r="-94444" b="-5882"/>
+                    </a:stretch>
+                  </a:blipFill>
+                </p:spPr>
+                <p:txBody>
+                  <a:bodyPr/>
+                  <a:lstStyle/>
+                  <a:p>
+                    <a:r>
+                      <a:rPr lang="en-US">
+                        <a:noFill/>
+                      </a:rPr>
+                      <a:t> </a:t>
+                    </a:r>
+                  </a:p>
+                </p:txBody>
+              </p:sp>
+            </mc:Fallback>
+          </mc:AlternateContent>
+          <mc:AlternateContent xmlns:mc="http://schemas.openxmlformats.org/markup-compatibility/2006">
+            <mc:Choice xmlns:a14="http://schemas.microsoft.com/office/drawing/2010/main" Requires="a14">
+              <p:sp>
+                <p:nvSpPr>
+                  <p:cNvPr id="22" name="TextBox 21"/>
+                  <p:cNvSpPr txBox="1"/>
+                  <p:nvPr/>
+                </p:nvSpPr>
+                <p:spPr>
+                  <a:xfrm>
+                    <a:off x="2557536" y="5298762"/>
+                    <a:ext cx="317651" cy="353302"/>
+                  </a:xfrm>
+                  <a:prstGeom prst="rect">
+                    <a:avLst/>
+                  </a:prstGeom>
+                  <a:noFill/>
+                </p:spPr>
+                <p:txBody>
+                  <a:bodyPr wrap="none" lIns="0" tIns="0" rIns="0" bIns="0" rtlCol="0">
+                    <a:spAutoFit/>
+                  </a:bodyPr>
+                  <a:lstStyle/>
+                  <a:p>
+                    <a:pPr/>
+                    <a14:m>
+                      <m:oMathPara xmlns:m="http://schemas.openxmlformats.org/officeDocument/2006/math">
+                        <m:oMathParaPr>
+                          <m:jc m:val="centerGroup"/>
+                        </m:oMathParaPr>
+                        <m:oMath xmlns:m="http://schemas.openxmlformats.org/officeDocument/2006/math">
+                          <m:r>
+                            <a:rPr lang="en-US" sz="2000" b="0" i="1" smtClean="0">
+                              <a:solidFill>
+                                <a:srgbClr val="0070C0"/>
+                              </a:solidFill>
+                              <a:latin typeface="Cambria Math" panose="02040503050406030204" pitchFamily="18" charset="0"/>
+                              <a:cs typeface="Arial" panose="020B0604020202020204" pitchFamily="34" charset="0"/>
+                            </a:rPr>
+                            <m:t>𝑑</m:t>
+                          </m:r>
+                          <m:acc>
+                            <m:accPr>
+                              <m:chr m:val="⃗"/>
+                              <m:ctrlPr>
+                                <a:rPr lang="en-US" sz="2000" b="0" i="1" smtClean="0">
+                                  <a:solidFill>
+                                    <a:srgbClr val="0070C0"/>
+                                  </a:solidFill>
+                                  <a:latin typeface="Cambria Math" charset="0"/>
+                                  <a:cs typeface="Arial" panose="020B0604020202020204" pitchFamily="34" charset="0"/>
+                                </a:rPr>
+                              </m:ctrlPr>
+                            </m:accPr>
+                            <m:e>
+                              <m:r>
+                                <a:rPr lang="en-US" sz="2000" b="0" i="1" smtClean="0">
+                                  <a:solidFill>
+                                    <a:srgbClr val="0070C0"/>
+                                  </a:solidFill>
+                                  <a:latin typeface="Cambria Math" panose="02040503050406030204" pitchFamily="18" charset="0"/>
+                                  <a:cs typeface="Arial" panose="020B0604020202020204" pitchFamily="34" charset="0"/>
+                                </a:rPr>
+                                <m:t>𝑙</m:t>
+                              </m:r>
+                            </m:e>
+                          </m:acc>
+                        </m:oMath>
+                      </m:oMathPara>
+                    </a14:m>
+                    <a:endParaRPr lang="en-US" sz="2000" dirty="0" smtClean="0">
+                      <a:solidFill>
+                        <a:srgbClr val="0070C0"/>
+                      </a:solidFill>
+                      <a:latin typeface="Arial" panose="020B0604020202020204" pitchFamily="34" charset="0"/>
+                      <a:cs typeface="Arial" panose="020B0604020202020204" pitchFamily="34" charset="0"/>
+                    </a:endParaRPr>
+                  </a:p>
+                </p:txBody>
+              </p:sp>
+            </mc:Choice>
+            <mc:Fallback>
+              <p:sp>
+                <p:nvSpPr>
+                  <p:cNvPr id="22" name="TextBox 21"/>
+                  <p:cNvSpPr txBox="1">
+                    <a:spLocks noRot="1" noChangeAspect="1" noMove="1" noResize="1" noEditPoints="1" noAdjustHandles="1" noChangeArrowheads="1" noChangeShapeType="1" noTextEdit="1"/>
+                  </p:cNvSpPr>
+                  <p:nvPr/>
+                </p:nvSpPr>
+                <p:spPr>
+                  <a:xfrm>
+                    <a:off x="2557536" y="5298762"/>
+                    <a:ext cx="317651" cy="353302"/>
+                  </a:xfrm>
+                  <a:prstGeom prst="rect">
+                    <a:avLst/>
+                  </a:prstGeom>
+                  <a:blipFill rotWithShape="0">
+                    <a:blip r:embed="rId43"/>
+                    <a:stretch>
+                      <a:fillRect l="-19231" t="-32759" r="-103846" b="-12069"/>
+                    </a:stretch>
+                  </a:blipFill>
+                </p:spPr>
+                <p:txBody>
+                  <a:bodyPr/>
+                  <a:lstStyle/>
+                  <a:p>
+                    <a:r>
+                      <a:rPr lang="en-US">
+                        <a:noFill/>
+                      </a:rPr>
+                      <a:t> </a:t>
+                    </a:r>
+                  </a:p>
+                </p:txBody>
+              </p:sp>
+            </mc:Fallback>
+          </mc:AlternateContent>
         </p:grpSp>
         <p:sp>
           <p:nvSpPr>
-            <p:cNvPr id="42" name="Oval 41"/>
+            <p:cNvPr id="71" name="Oval 70"/>
             <p:cNvSpPr/>
             <p:nvPr/>
           </p:nvSpPr>
           <p:spPr>
-            <a:xfrm>
-              <a:off x="1224682" y="5655603"/>
-              <a:ext cx="120943" cy="119766"/>
+            <a:xfrm flipH="1">
+              <a:off x="2403478" y="5157044"/>
+              <a:ext cx="72000" cy="72000"/>
             </a:xfrm>
             <a:prstGeom prst="ellipse">
               <a:avLst/>
             </a:prstGeom>
             <a:solidFill>
-              <a:schemeClr val="tx1"/>
+              <a:srgbClr val="0070C0"/>
             </a:solidFill>
             <a:ln w="38100">
               <a:solidFill>
-                <a:schemeClr val="tx1"/>
+                <a:srgbClr val="0070C0"/>
               </a:solidFill>
             </a:ln>
           </p:spPr>
@@ -19577,829 +21437,6 @@
             </a:p>
           </p:txBody>
         </p:sp>
-        <p:sp>
-          <p:nvSpPr>
-            <p:cNvPr id="44" name="Oval 43"/>
-            <p:cNvSpPr/>
-            <p:nvPr/>
-          </p:nvSpPr>
-          <p:spPr>
-            <a:xfrm>
-              <a:off x="3105847" y="4278957"/>
-              <a:ext cx="120943" cy="119766"/>
-            </a:xfrm>
-            <a:prstGeom prst="ellipse">
-              <a:avLst/>
-            </a:prstGeom>
-            <a:solidFill>
-              <a:schemeClr val="tx1"/>
-            </a:solidFill>
-            <a:ln w="38100">
-              <a:solidFill>
-                <a:schemeClr val="tx1"/>
-              </a:solidFill>
-            </a:ln>
-          </p:spPr>
-          <p:style>
-            <a:lnRef idx="2">
-              <a:schemeClr val="accent1">
-                <a:shade val="50000"/>
-              </a:schemeClr>
-            </a:lnRef>
-            <a:fillRef idx="1">
-              <a:schemeClr val="accent1"/>
-            </a:fillRef>
-            <a:effectRef idx="0">
-              <a:schemeClr val="accent1"/>
-            </a:effectRef>
-            <a:fontRef idx="minor">
-              <a:schemeClr val="lt1"/>
-            </a:fontRef>
-          </p:style>
-          <p:txBody>
-            <a:bodyPr rtlCol="0" anchor="ctr"/>
-            <a:lstStyle/>
-            <a:p>
-              <a:pPr algn="ctr"/>
-              <a:endParaRPr lang="en-US"/>
-            </a:p>
-          </p:txBody>
-        </p:sp>
-        <mc:AlternateContent xmlns:mc="http://schemas.openxmlformats.org/markup-compatibility/2006" xmlns:a14="http://schemas.microsoft.com/office/drawing/2010/main">
-          <mc:Choice Requires="a14">
-            <p:sp>
-              <p:nvSpPr>
-                <p:cNvPr id="46" name="TextBox 45"/>
-                <p:cNvSpPr txBox="1"/>
-                <p:nvPr/>
-              </p:nvSpPr>
-              <p:spPr>
-                <a:xfrm>
-                  <a:off x="1345506" y="5762027"/>
-                  <a:ext cx="234936" cy="307777"/>
-                </a:xfrm>
-                <a:prstGeom prst="rect">
-                  <a:avLst/>
-                </a:prstGeom>
-                <a:noFill/>
-              </p:spPr>
-              <p:txBody>
-                <a:bodyPr wrap="none" lIns="0" tIns="0" rIns="0" bIns="0" rtlCol="0">
-                  <a:spAutoFit/>
-                </a:bodyPr>
-                <a:lstStyle/>
-                <a:p>
-                  <a:pPr/>
-                  <a14:m>
-                    <m:oMathPara xmlns:m="http://schemas.openxmlformats.org/officeDocument/2006/math">
-                      <m:oMathParaPr>
-                        <m:jc m:val="centerGroup"/>
-                      </m:oMathParaPr>
-                      <m:oMath xmlns:m="http://schemas.openxmlformats.org/officeDocument/2006/math">
-                        <m:r>
-                          <a:rPr lang="en-US" sz="2000" b="0" i="1" smtClean="0">
-                            <a:latin typeface="Cambria Math" panose="02040503050406030204" pitchFamily="18" charset="0"/>
-                            <a:cs typeface="Arial" panose="020B0604020202020204" pitchFamily="34" charset="0"/>
-                          </a:rPr>
-                          <m:t>𝐴</m:t>
-                        </m:r>
-                      </m:oMath>
-                    </m:oMathPara>
-                  </a14:m>
-                  <a:endParaRPr lang="en-US" sz="2000" dirty="0" smtClean="0">
-                    <a:latin typeface="Arial" panose="020B0604020202020204" pitchFamily="34" charset="0"/>
-                    <a:cs typeface="Arial" panose="020B0604020202020204" pitchFamily="34" charset="0"/>
-                  </a:endParaRPr>
-                </a:p>
-              </p:txBody>
-            </p:sp>
-          </mc:Choice>
-          <mc:Fallback xmlns="">
-            <p:sp>
-              <p:nvSpPr>
-                <p:cNvPr id="46" name="TextBox 45"/>
-                <p:cNvSpPr txBox="1">
-                  <a:spLocks noRot="1" noChangeAspect="1" noMove="1" noResize="1" noEditPoints="1" noAdjustHandles="1" noChangeArrowheads="1" noChangeShapeType="1" noTextEdit="1"/>
-                </p:cNvSpPr>
-                <p:nvPr/>
-              </p:nvSpPr>
-              <p:spPr>
-                <a:xfrm>
-                  <a:off x="1345506" y="5762027"/>
-                  <a:ext cx="234936" cy="307777"/>
-                </a:xfrm>
-                <a:prstGeom prst="rect">
-                  <a:avLst/>
-                </a:prstGeom>
-                <a:blipFill>
-                  <a:blip r:embed="rId39"/>
-                  <a:stretch>
-                    <a:fillRect l="-23684" r="-23684" b="-9804"/>
-                  </a:stretch>
-                </a:blipFill>
-              </p:spPr>
-              <p:txBody>
-                <a:bodyPr/>
-                <a:lstStyle/>
-                <a:p>
-                  <a:r>
-                    <a:rPr lang="en-US">
-                      <a:noFill/>
-                    </a:rPr>
-                    <a:t> </a:t>
-                  </a:r>
-                </a:p>
-              </p:txBody>
-            </p:sp>
-          </mc:Fallback>
-        </mc:AlternateContent>
-        <mc:AlternateContent xmlns:mc="http://schemas.openxmlformats.org/markup-compatibility/2006" xmlns:a14="http://schemas.microsoft.com/office/drawing/2010/main">
-          <mc:Choice Requires="a14">
-            <p:sp>
-              <p:nvSpPr>
-                <p:cNvPr id="47" name="TextBox 46"/>
-                <p:cNvSpPr txBox="1"/>
-                <p:nvPr/>
-              </p:nvSpPr>
-              <p:spPr>
-                <a:xfrm>
-                  <a:off x="3226790" y="3935497"/>
-                  <a:ext cx="245708" cy="307777"/>
-                </a:xfrm>
-                <a:prstGeom prst="rect">
-                  <a:avLst/>
-                </a:prstGeom>
-                <a:noFill/>
-              </p:spPr>
-              <p:txBody>
-                <a:bodyPr wrap="none" lIns="0" tIns="0" rIns="0" bIns="0" rtlCol="0">
-                  <a:spAutoFit/>
-                </a:bodyPr>
-                <a:lstStyle/>
-                <a:p>
-                  <a:pPr/>
-                  <a14:m>
-                    <m:oMathPara xmlns:m="http://schemas.openxmlformats.org/officeDocument/2006/math">
-                      <m:oMathParaPr>
-                        <m:jc m:val="centerGroup"/>
-                      </m:oMathParaPr>
-                      <m:oMath xmlns:m="http://schemas.openxmlformats.org/officeDocument/2006/math">
-                        <m:r>
-                          <a:rPr lang="en-US" sz="2000" b="0" i="1" smtClean="0">
-                            <a:latin typeface="Cambria Math" panose="02040503050406030204" pitchFamily="18" charset="0"/>
-                            <a:cs typeface="Arial" panose="020B0604020202020204" pitchFamily="34" charset="0"/>
-                          </a:rPr>
-                          <m:t>𝐵</m:t>
-                        </m:r>
-                      </m:oMath>
-                    </m:oMathPara>
-                  </a14:m>
-                  <a:endParaRPr lang="en-US" sz="2000" dirty="0" smtClean="0">
-                    <a:latin typeface="Arial" panose="020B0604020202020204" pitchFamily="34" charset="0"/>
-                    <a:cs typeface="Arial" panose="020B0604020202020204" pitchFamily="34" charset="0"/>
-                  </a:endParaRPr>
-                </a:p>
-              </p:txBody>
-            </p:sp>
-          </mc:Choice>
-          <mc:Fallback xmlns="">
-            <p:sp>
-              <p:nvSpPr>
-                <p:cNvPr id="47" name="TextBox 46"/>
-                <p:cNvSpPr txBox="1">
-                  <a:spLocks noRot="1" noChangeAspect="1" noMove="1" noResize="1" noEditPoints="1" noAdjustHandles="1" noChangeArrowheads="1" noChangeShapeType="1" noTextEdit="1"/>
-                </p:cNvSpPr>
-                <p:nvPr/>
-              </p:nvSpPr>
-              <p:spPr>
-                <a:xfrm>
-                  <a:off x="3226790" y="3935497"/>
-                  <a:ext cx="245708" cy="307777"/>
-                </a:xfrm>
-                <a:prstGeom prst="rect">
-                  <a:avLst/>
-                </a:prstGeom>
-                <a:blipFill>
-                  <a:blip r:embed="rId40"/>
-                  <a:stretch>
-                    <a:fillRect l="-19512" r="-19512" b="-10000"/>
-                  </a:stretch>
-                </a:blipFill>
-              </p:spPr>
-              <p:txBody>
-                <a:bodyPr/>
-                <a:lstStyle/>
-                <a:p>
-                  <a:r>
-                    <a:rPr lang="en-US">
-                      <a:noFill/>
-                    </a:rPr>
-                    <a:t> </a:t>
-                  </a:r>
-                </a:p>
-              </p:txBody>
-            </p:sp>
-          </mc:Fallback>
-        </mc:AlternateContent>
-        <mc:AlternateContent xmlns:mc="http://schemas.openxmlformats.org/markup-compatibility/2006" xmlns:a14="http://schemas.microsoft.com/office/drawing/2010/main">
-          <mc:Choice Requires="a14">
-            <p:sp>
-              <p:nvSpPr>
-                <p:cNvPr id="52" name="TextBox 51"/>
-                <p:cNvSpPr txBox="1"/>
-                <p:nvPr/>
-              </p:nvSpPr>
-              <p:spPr>
-                <a:xfrm>
-                  <a:off x="2189829" y="4157475"/>
-                  <a:ext cx="896912" cy="345159"/>
-                </a:xfrm>
-                <a:prstGeom prst="rect">
-                  <a:avLst/>
-                </a:prstGeom>
-                <a:noFill/>
-              </p:spPr>
-              <p:txBody>
-                <a:bodyPr wrap="none" lIns="0" tIns="0" rIns="0" bIns="0" rtlCol="0">
-                  <a:spAutoFit/>
-                </a:bodyPr>
-                <a:lstStyle/>
-                <a:p>
-                  <a:pPr/>
-                  <a14:m>
-                    <m:oMathPara xmlns:m="http://schemas.openxmlformats.org/officeDocument/2006/math">
-                      <m:oMathParaPr>
-                        <m:jc m:val="centerGroup"/>
-                      </m:oMathParaPr>
-                      <m:oMath xmlns:m="http://schemas.openxmlformats.org/officeDocument/2006/math">
-                        <m:sSup>
-                          <m:sSupPr>
-                            <m:ctrlPr>
-                              <a:rPr lang="en-US" sz="2000" b="0" i="1" smtClean="0">
-                                <a:latin typeface="Cambria Math" panose="02040503050406030204" pitchFamily="18" charset="0"/>
-                                <a:cs typeface="Arial" panose="020B0604020202020204" pitchFamily="34" charset="0"/>
-                              </a:rPr>
-                            </m:ctrlPr>
-                          </m:sSupPr>
-                          <m:e>
-                            <m:acc>
-                              <m:accPr>
-                                <m:chr m:val="⃗"/>
-                                <m:ctrlPr>
-                                  <a:rPr lang="en-US" sz="2000" b="0" i="1" smtClean="0">
-                                    <a:latin typeface="Cambria Math" panose="02040503050406030204" pitchFamily="18" charset="0"/>
-                                    <a:cs typeface="Arial" panose="020B0604020202020204" pitchFamily="34" charset="0"/>
-                                  </a:rPr>
-                                </m:ctrlPr>
-                              </m:accPr>
-                              <m:e>
-                                <m:r>
-                                  <a:rPr lang="en-US" sz="2000" b="0" i="1" smtClean="0">
-                                    <a:latin typeface="Cambria Math" panose="02040503050406030204" pitchFamily="18" charset="0"/>
-                                    <a:cs typeface="Arial" panose="020B0604020202020204" pitchFamily="34" charset="0"/>
-                                  </a:rPr>
-                                  <m:t>𝐹</m:t>
-                                </m:r>
-                              </m:e>
-                            </m:acc>
-                          </m:e>
-                          <m:sup>
-                            <m:r>
-                              <a:rPr lang="en-US" sz="2000" b="0" i="1" smtClean="0">
-                                <a:latin typeface="Cambria Math" panose="02040503050406030204" pitchFamily="18" charset="0"/>
-                                <a:cs typeface="Arial" panose="020B0604020202020204" pitchFamily="34" charset="0"/>
-                              </a:rPr>
-                              <m:t>𝑛𝑒𝑡</m:t>
-                            </m:r>
-                          </m:sup>
-                        </m:sSup>
-                        <m:r>
-                          <a:rPr lang="en-US" sz="2000" b="0" i="1" smtClean="0">
-                            <a:latin typeface="Cambria Math" panose="02040503050406030204" pitchFamily="18" charset="0"/>
-                            <a:cs typeface="Arial" panose="020B0604020202020204" pitchFamily="34" charset="0"/>
-                          </a:rPr>
-                          <m:t>(</m:t>
-                        </m:r>
-                        <m:acc>
-                          <m:accPr>
-                            <m:chr m:val="⃗"/>
-                            <m:ctrlPr>
-                              <a:rPr lang="en-US" sz="2000" b="0" i="1" smtClean="0">
-                                <a:latin typeface="Cambria Math" panose="02040503050406030204" pitchFamily="18" charset="0"/>
-                                <a:cs typeface="Arial" panose="020B0604020202020204" pitchFamily="34" charset="0"/>
-                              </a:rPr>
-                            </m:ctrlPr>
-                          </m:accPr>
-                          <m:e>
-                            <m:r>
-                              <a:rPr lang="en-US" sz="2000" b="0" i="1" smtClean="0">
-                                <a:latin typeface="Cambria Math" panose="02040503050406030204" pitchFamily="18" charset="0"/>
-                                <a:cs typeface="Arial" panose="020B0604020202020204" pitchFamily="34" charset="0"/>
-                              </a:rPr>
-                              <m:t>𝑟</m:t>
-                            </m:r>
-                          </m:e>
-                        </m:acc>
-                        <m:r>
-                          <a:rPr lang="en-US" sz="2000" b="0" i="1" smtClean="0">
-                            <a:latin typeface="Cambria Math" panose="02040503050406030204" pitchFamily="18" charset="0"/>
-                            <a:cs typeface="Arial" panose="020B0604020202020204" pitchFamily="34" charset="0"/>
-                          </a:rPr>
-                          <m:t>)</m:t>
-                        </m:r>
-                      </m:oMath>
-                    </m:oMathPara>
-                  </a14:m>
-                  <a:endParaRPr lang="en-US" sz="2000" dirty="0" smtClean="0">
-                    <a:latin typeface="Arial" panose="020B0604020202020204" pitchFamily="34" charset="0"/>
-                    <a:cs typeface="Arial" panose="020B0604020202020204" pitchFamily="34" charset="0"/>
-                  </a:endParaRPr>
-                </a:p>
-              </p:txBody>
-            </p:sp>
-          </mc:Choice>
-          <mc:Fallback xmlns="">
-            <p:sp>
-              <p:nvSpPr>
-                <p:cNvPr id="52" name="TextBox 51"/>
-                <p:cNvSpPr txBox="1">
-                  <a:spLocks noRot="1" noChangeAspect="1" noMove="1" noResize="1" noEditPoints="1" noAdjustHandles="1" noChangeArrowheads="1" noChangeShapeType="1" noTextEdit="1"/>
-                </p:cNvSpPr>
-                <p:nvPr/>
-              </p:nvSpPr>
-              <p:spPr>
-                <a:xfrm>
-                  <a:off x="2189829" y="4157475"/>
-                  <a:ext cx="896912" cy="345159"/>
-                </a:xfrm>
-                <a:prstGeom prst="rect">
-                  <a:avLst/>
-                </a:prstGeom>
-                <a:blipFill>
-                  <a:blip r:embed="rId41"/>
-                  <a:stretch>
-                    <a:fillRect l="-5442" t="-33333" r="-31293" b="-33333"/>
-                  </a:stretch>
-                </a:blipFill>
-              </p:spPr>
-              <p:txBody>
-                <a:bodyPr/>
-                <a:lstStyle/>
-                <a:p>
-                  <a:r>
-                    <a:rPr lang="en-US">
-                      <a:noFill/>
-                    </a:rPr>
-                    <a:t> </a:t>
-                  </a:r>
-                </a:p>
-              </p:txBody>
-            </p:sp>
-          </mc:Fallback>
-        </mc:AlternateContent>
-        <p:sp>
-          <p:nvSpPr>
-            <p:cNvPr id="10" name="Freeform 9"/>
-            <p:cNvSpPr/>
-            <p:nvPr/>
-          </p:nvSpPr>
-          <p:spPr>
-            <a:xfrm>
-              <a:off x="1326995" y="4363194"/>
-              <a:ext cx="1847372" cy="1301626"/>
-            </a:xfrm>
-            <a:custGeom>
-              <a:avLst/>
-              <a:gdLst>
-                <a:gd name="connsiteX0" fmla="*/ 0 w 1862254"/>
-                <a:gd name="connsiteY0" fmla="*/ 1293542 h 1293542"/>
-                <a:gd name="connsiteX1" fmla="*/ 412595 w 1862254"/>
-                <a:gd name="connsiteY1" fmla="*/ 680224 h 1293542"/>
-                <a:gd name="connsiteX2" fmla="*/ 1237785 w 1862254"/>
-                <a:gd name="connsiteY2" fmla="*/ 802888 h 1293542"/>
-                <a:gd name="connsiteX3" fmla="*/ 1862254 w 1862254"/>
-                <a:gd name="connsiteY3" fmla="*/ 0 h 1293542"/>
-                <a:gd name="connsiteX4" fmla="*/ 1862254 w 1862254"/>
-                <a:gd name="connsiteY4" fmla="*/ 0 h 1293542"/>
-              </a:gdLst>
-              <a:ahLst/>
-              <a:cxnLst>
-                <a:cxn ang="0">
-                  <a:pos x="connsiteX0" y="connsiteY0"/>
-                </a:cxn>
-                <a:cxn ang="0">
-                  <a:pos x="connsiteX1" y="connsiteY1"/>
-                </a:cxn>
-                <a:cxn ang="0">
-                  <a:pos x="connsiteX2" y="connsiteY2"/>
-                </a:cxn>
-                <a:cxn ang="0">
-                  <a:pos x="connsiteX3" y="connsiteY3"/>
-                </a:cxn>
-                <a:cxn ang="0">
-                  <a:pos x="connsiteX4" y="connsiteY4"/>
-                </a:cxn>
-              </a:cxnLst>
-              <a:rect l="l" t="t" r="r" b="b"/>
-              <a:pathLst>
-                <a:path w="1862254" h="1293542">
-                  <a:moveTo>
-                    <a:pt x="0" y="1293542"/>
-                  </a:moveTo>
-                  <a:cubicBezTo>
-                    <a:pt x="103149" y="1027771"/>
-                    <a:pt x="206298" y="762000"/>
-                    <a:pt x="412595" y="680224"/>
-                  </a:cubicBezTo>
-                  <a:cubicBezTo>
-                    <a:pt x="618892" y="598448"/>
-                    <a:pt x="996175" y="916259"/>
-                    <a:pt x="1237785" y="802888"/>
-                  </a:cubicBezTo>
-                  <a:cubicBezTo>
-                    <a:pt x="1479395" y="689517"/>
-                    <a:pt x="1862254" y="0"/>
-                    <a:pt x="1862254" y="0"/>
-                  </a:cubicBezTo>
-                  <a:lnTo>
-                    <a:pt x="1862254" y="0"/>
-                  </a:lnTo>
-                </a:path>
-              </a:pathLst>
-            </a:custGeom>
-            <a:noFill/>
-            <a:ln w="38100">
-              <a:solidFill>
-                <a:schemeClr val="tx1"/>
-              </a:solidFill>
-            </a:ln>
-          </p:spPr>
-          <p:style>
-            <a:lnRef idx="2">
-              <a:schemeClr val="accent1">
-                <a:shade val="50000"/>
-              </a:schemeClr>
-            </a:lnRef>
-            <a:fillRef idx="1">
-              <a:schemeClr val="accent1"/>
-            </a:fillRef>
-            <a:effectRef idx="0">
-              <a:schemeClr val="accent1"/>
-            </a:effectRef>
-            <a:fontRef idx="minor">
-              <a:schemeClr val="lt1"/>
-            </a:fontRef>
-          </p:style>
-          <p:txBody>
-            <a:bodyPr rtlCol="0" anchor="ctr"/>
-            <a:lstStyle/>
-            <a:p>
-              <a:pPr algn="ctr"/>
-              <a:endParaRPr lang="en-US"/>
-            </a:p>
-          </p:txBody>
-        </p:sp>
-        <p:cxnSp>
-          <p:nvCxnSpPr>
-            <p:cNvPr id="12" name="Straight Arrow Connector 11"/>
-            <p:cNvCxnSpPr/>
-            <p:nvPr/>
-          </p:nvCxnSpPr>
-          <p:spPr>
-            <a:xfrm flipV="1">
-              <a:off x="2446801" y="4572238"/>
-              <a:ext cx="264820" cy="623696"/>
-            </a:xfrm>
-            <a:prstGeom prst="straightConnector1">
-              <a:avLst/>
-            </a:prstGeom>
-            <a:ln w="38100">
-              <a:solidFill>
-                <a:schemeClr val="tx1"/>
-              </a:solidFill>
-              <a:tailEnd type="triangle"/>
-            </a:ln>
-          </p:spPr>
-          <p:style>
-            <a:lnRef idx="1">
-              <a:schemeClr val="accent1"/>
-            </a:lnRef>
-            <a:fillRef idx="0">
-              <a:schemeClr val="accent1"/>
-            </a:fillRef>
-            <a:effectRef idx="0">
-              <a:schemeClr val="accent1"/>
-            </a:effectRef>
-            <a:fontRef idx="minor">
-              <a:schemeClr val="tx1"/>
-            </a:fontRef>
-          </p:style>
-        </p:cxnSp>
-        <p:cxnSp>
-          <p:nvCxnSpPr>
-            <p:cNvPr id="14" name="Straight Arrow Connector 13"/>
-            <p:cNvCxnSpPr/>
-            <p:nvPr/>
-          </p:nvCxnSpPr>
-          <p:spPr>
-            <a:xfrm flipV="1">
-              <a:off x="2446801" y="5190073"/>
-              <a:ext cx="440121" cy="20450"/>
-            </a:xfrm>
-            <a:prstGeom prst="straightConnector1">
-              <a:avLst/>
-            </a:prstGeom>
-            <a:ln w="57150">
-              <a:solidFill>
-                <a:srgbClr val="FF0000"/>
-              </a:solidFill>
-              <a:tailEnd type="triangle"/>
-            </a:ln>
-          </p:spPr>
-          <p:style>
-            <a:lnRef idx="1">
-              <a:schemeClr val="accent1"/>
-            </a:lnRef>
-            <a:fillRef idx="0">
-              <a:schemeClr val="accent1"/>
-            </a:fillRef>
-            <a:effectRef idx="0">
-              <a:schemeClr val="accent1"/>
-            </a:effectRef>
-            <a:fontRef idx="minor">
-              <a:schemeClr val="tx1"/>
-            </a:fontRef>
-          </p:style>
-        </p:cxnSp>
-        <p:sp>
-          <p:nvSpPr>
-            <p:cNvPr id="20" name="Right Arrow 19"/>
-            <p:cNvSpPr/>
-            <p:nvPr/>
-          </p:nvSpPr>
-          <p:spPr>
-            <a:xfrm rot="17580640">
-              <a:off x="3145967" y="4795779"/>
-              <a:ext cx="951311" cy="133815"/>
-            </a:xfrm>
-            <a:prstGeom prst="rightArrow">
-              <a:avLst/>
-            </a:prstGeom>
-            <a:solidFill>
-              <a:schemeClr val="tx1"/>
-            </a:solidFill>
-            <a:ln w="38100">
-              <a:solidFill>
-                <a:schemeClr val="tx1"/>
-              </a:solidFill>
-            </a:ln>
-          </p:spPr>
-          <p:style>
-            <a:lnRef idx="2">
-              <a:schemeClr val="accent1">
-                <a:shade val="50000"/>
-              </a:schemeClr>
-            </a:lnRef>
-            <a:fillRef idx="1">
-              <a:schemeClr val="accent1"/>
-            </a:fillRef>
-            <a:effectRef idx="0">
-              <a:schemeClr val="accent1"/>
-            </a:effectRef>
-            <a:fontRef idx="minor">
-              <a:schemeClr val="lt1"/>
-            </a:fontRef>
-          </p:style>
-          <p:txBody>
-            <a:bodyPr rtlCol="0" anchor="ctr"/>
-            <a:lstStyle/>
-            <a:p>
-              <a:pPr algn="ctr"/>
-              <a:endParaRPr lang="en-US"/>
-            </a:p>
-          </p:txBody>
-        </p:sp>
-        <mc:AlternateContent xmlns:mc="http://schemas.openxmlformats.org/markup-compatibility/2006" xmlns:a14="http://schemas.microsoft.com/office/drawing/2010/main">
-          <mc:Choice Requires="a14">
-            <p:sp>
-              <p:nvSpPr>
-                <p:cNvPr id="21" name="TextBox 20"/>
-                <p:cNvSpPr txBox="1"/>
-                <p:nvPr/>
-              </p:nvSpPr>
-              <p:spPr>
-                <a:xfrm>
-                  <a:off x="3269731" y="4739207"/>
-                  <a:ext cx="219483" cy="307777"/>
-                </a:xfrm>
-                <a:prstGeom prst="rect">
-                  <a:avLst/>
-                </a:prstGeom>
-                <a:noFill/>
-              </p:spPr>
-              <p:txBody>
-                <a:bodyPr wrap="none" lIns="0" tIns="0" rIns="0" bIns="0" rtlCol="0">
-                  <a:spAutoFit/>
-                </a:bodyPr>
-                <a:lstStyle/>
-                <a:p>
-                  <a:pPr/>
-                  <a14:m>
-                    <m:oMathPara xmlns:m="http://schemas.openxmlformats.org/officeDocument/2006/math">
-                      <m:oMathParaPr>
-                        <m:jc m:val="centerGroup"/>
-                      </m:oMathParaPr>
-                      <m:oMath xmlns:m="http://schemas.openxmlformats.org/officeDocument/2006/math">
-                        <m:acc>
-                          <m:accPr>
-                            <m:chr m:val="⃗"/>
-                            <m:ctrlPr>
-                              <a:rPr lang="en-US" sz="2000" b="0" i="1" smtClean="0">
-                                <a:latin typeface="Cambria Math" panose="02040503050406030204" pitchFamily="18" charset="0"/>
-                                <a:cs typeface="Arial" panose="020B0604020202020204" pitchFamily="34" charset="0"/>
-                              </a:rPr>
-                            </m:ctrlPr>
-                          </m:accPr>
-                          <m:e>
-                            <m:r>
-                              <a:rPr lang="en-US" sz="2000" b="0" i="1" smtClean="0">
-                                <a:latin typeface="Cambria Math" panose="02040503050406030204" pitchFamily="18" charset="0"/>
-                                <a:cs typeface="Arial" panose="020B0604020202020204" pitchFamily="34" charset="0"/>
-                              </a:rPr>
-                              <m:t>𝑎</m:t>
-                            </m:r>
-                          </m:e>
-                        </m:acc>
-                      </m:oMath>
-                    </m:oMathPara>
-                  </a14:m>
-                  <a:endParaRPr lang="en-US" sz="2000" dirty="0" smtClean="0">
-                    <a:latin typeface="Arial" panose="020B0604020202020204" pitchFamily="34" charset="0"/>
-                    <a:cs typeface="Arial" panose="020B0604020202020204" pitchFamily="34" charset="0"/>
-                  </a:endParaRPr>
-                </a:p>
-              </p:txBody>
-            </p:sp>
-          </mc:Choice>
-          <mc:Fallback xmlns="">
-            <p:sp>
-              <p:nvSpPr>
-                <p:cNvPr id="21" name="TextBox 20"/>
-                <p:cNvSpPr txBox="1">
-                  <a:spLocks noRot="1" noChangeAspect="1" noMove="1" noResize="1" noEditPoints="1" noAdjustHandles="1" noChangeArrowheads="1" noChangeShapeType="1" noTextEdit="1"/>
-                </p:cNvSpPr>
-                <p:nvPr/>
-              </p:nvSpPr>
-              <p:spPr>
-                <a:xfrm>
-                  <a:off x="3269731" y="4739207"/>
-                  <a:ext cx="219483" cy="307777"/>
-                </a:xfrm>
-                <a:prstGeom prst="rect">
-                  <a:avLst/>
-                </a:prstGeom>
-                <a:blipFill>
-                  <a:blip r:embed="rId42"/>
-                  <a:stretch>
-                    <a:fillRect l="-19444" t="-33333" r="-94444" b="-5882"/>
-                  </a:stretch>
-                </a:blipFill>
-              </p:spPr>
-              <p:txBody>
-                <a:bodyPr/>
-                <a:lstStyle/>
-                <a:p>
-                  <a:r>
-                    <a:rPr lang="en-US">
-                      <a:noFill/>
-                    </a:rPr>
-                    <a:t> </a:t>
-                  </a:r>
-                </a:p>
-              </p:txBody>
-            </p:sp>
-          </mc:Fallback>
-        </mc:AlternateContent>
-        <mc:AlternateContent xmlns:mc="http://schemas.openxmlformats.org/markup-compatibility/2006">
-          <mc:Choice xmlns:a14="http://schemas.microsoft.com/office/drawing/2010/main" Requires="a14">
-            <p:sp>
-              <p:nvSpPr>
-                <p:cNvPr id="22" name="TextBox 21"/>
-                <p:cNvSpPr txBox="1"/>
-                <p:nvPr/>
-              </p:nvSpPr>
-              <p:spPr>
-                <a:xfrm>
-                  <a:off x="2557536" y="5298762"/>
-                  <a:ext cx="317651" cy="353302"/>
-                </a:xfrm>
-                <a:prstGeom prst="rect">
-                  <a:avLst/>
-                </a:prstGeom>
-                <a:noFill/>
-              </p:spPr>
-              <p:txBody>
-                <a:bodyPr wrap="none" lIns="0" tIns="0" rIns="0" bIns="0" rtlCol="0">
-                  <a:spAutoFit/>
-                </a:bodyPr>
-                <a:lstStyle/>
-                <a:p>
-                  <a:pPr/>
-                  <a14:m>
-                    <m:oMathPara xmlns:m="http://schemas.openxmlformats.org/officeDocument/2006/math">
-                      <m:oMathParaPr>
-                        <m:jc m:val="centerGroup"/>
-                      </m:oMathParaPr>
-                      <m:oMath xmlns:m="http://schemas.openxmlformats.org/officeDocument/2006/math">
-                        <m:r>
-                          <a:rPr lang="en-US" sz="2000" b="0" i="1" smtClean="0">
-                            <a:solidFill>
-                              <a:srgbClr val="FF0000"/>
-                            </a:solidFill>
-                            <a:latin typeface="Cambria Math" panose="02040503050406030204" pitchFamily="18" charset="0"/>
-                            <a:cs typeface="Arial" panose="020B0604020202020204" pitchFamily="34" charset="0"/>
-                          </a:rPr>
-                          <m:t>𝑑</m:t>
-                        </m:r>
-                        <m:acc>
-                          <m:accPr>
-                            <m:chr m:val="⃗"/>
-                            <m:ctrlPr>
-                              <a:rPr lang="en-US" sz="2000" b="0" i="1" smtClean="0">
-                                <a:solidFill>
-                                  <a:srgbClr val="FF0000"/>
-                                </a:solidFill>
-                                <a:latin typeface="Cambria Math" panose="02040503050406030204" pitchFamily="18" charset="0"/>
-                                <a:cs typeface="Arial" panose="020B0604020202020204" pitchFamily="34" charset="0"/>
-                              </a:rPr>
-                            </m:ctrlPr>
-                          </m:accPr>
-                          <m:e>
-                            <m:r>
-                              <a:rPr lang="en-US" sz="2000" b="0" i="1" smtClean="0">
-                                <a:solidFill>
-                                  <a:srgbClr val="FF0000"/>
-                                </a:solidFill>
-                                <a:latin typeface="Cambria Math" panose="02040503050406030204" pitchFamily="18" charset="0"/>
-                                <a:cs typeface="Arial" panose="020B0604020202020204" pitchFamily="34" charset="0"/>
-                              </a:rPr>
-                              <m:t>𝑙</m:t>
-                            </m:r>
-                          </m:e>
-                        </m:acc>
-                      </m:oMath>
-                    </m:oMathPara>
-                  </a14:m>
-                  <a:endParaRPr lang="en-US" sz="2000" dirty="0" smtClean="0">
-                    <a:solidFill>
-                      <a:srgbClr val="FF0000"/>
-                    </a:solidFill>
-                    <a:latin typeface="Arial" panose="020B0604020202020204" pitchFamily="34" charset="0"/>
-                    <a:cs typeface="Arial" panose="020B0604020202020204" pitchFamily="34" charset="0"/>
-                  </a:endParaRPr>
-                </a:p>
-              </p:txBody>
-            </p:sp>
-          </mc:Choice>
-          <mc:Fallback>
-            <p:sp>
-              <p:nvSpPr>
-                <p:cNvPr id="22" name="TextBox 21"/>
-                <p:cNvSpPr txBox="1">
-                  <a:spLocks noRot="1" noChangeAspect="1" noMove="1" noResize="1" noEditPoints="1" noAdjustHandles="1" noChangeArrowheads="1" noChangeShapeType="1" noTextEdit="1"/>
-                </p:cNvSpPr>
-                <p:nvPr/>
-              </p:nvSpPr>
-              <p:spPr>
-                <a:xfrm>
-                  <a:off x="2557536" y="5298762"/>
-                  <a:ext cx="317651" cy="353302"/>
-                </a:xfrm>
-                <a:prstGeom prst="rect">
-                  <a:avLst/>
-                </a:prstGeom>
-                <a:blipFill>
-                  <a:blip r:embed="rId43"/>
-                  <a:stretch>
-                    <a:fillRect l="-17308" t="-32759" r="-103846" b="-8621"/>
-                  </a:stretch>
-                </a:blipFill>
-              </p:spPr>
-              <p:txBody>
-                <a:bodyPr/>
-                <a:lstStyle/>
-                <a:p>
-                  <a:r>
-                    <a:rPr lang="en-US">
-                      <a:noFill/>
-                    </a:rPr>
-                    <a:t> </a:t>
-                  </a:r>
-                </a:p>
-              </p:txBody>
-            </p:sp>
-          </mc:Fallback>
-        </mc:AlternateContent>
       </p:grpSp>
     </p:spTree>
     <p:extLst>

--- a/tex/figures/WorkEnergy/Figures.pptx
+++ b/tex/figures/WorkEnergy/Figures.pptx
@@ -252,7 +252,7 @@
           <a:p>
             <a:fld id="{F7249F8D-641B-4CAF-BAE5-10524742F6F1}" type="datetimeFigureOut">
               <a:rPr lang="en-CA" smtClean="0"/>
-              <a:t>2018-06-21</a:t>
+              <a:t>2018-08-17</a:t>
             </a:fld>
             <a:endParaRPr lang="en-CA"/>
           </a:p>
@@ -422,7 +422,7 @@
           <a:p>
             <a:fld id="{F7249F8D-641B-4CAF-BAE5-10524742F6F1}" type="datetimeFigureOut">
               <a:rPr lang="en-CA" smtClean="0"/>
-              <a:t>2018-06-21</a:t>
+              <a:t>2018-08-17</a:t>
             </a:fld>
             <a:endParaRPr lang="en-CA"/>
           </a:p>
@@ -602,7 +602,7 @@
           <a:p>
             <a:fld id="{F7249F8D-641B-4CAF-BAE5-10524742F6F1}" type="datetimeFigureOut">
               <a:rPr lang="en-CA" smtClean="0"/>
-              <a:t>2018-06-21</a:t>
+              <a:t>2018-08-17</a:t>
             </a:fld>
             <a:endParaRPr lang="en-CA"/>
           </a:p>
@@ -772,7 +772,7 @@
           <a:p>
             <a:fld id="{F7249F8D-641B-4CAF-BAE5-10524742F6F1}" type="datetimeFigureOut">
               <a:rPr lang="en-CA" smtClean="0"/>
-              <a:t>2018-06-21</a:t>
+              <a:t>2018-08-17</a:t>
             </a:fld>
             <a:endParaRPr lang="en-CA"/>
           </a:p>
@@ -1018,7 +1018,7 @@
           <a:p>
             <a:fld id="{F7249F8D-641B-4CAF-BAE5-10524742F6F1}" type="datetimeFigureOut">
               <a:rPr lang="en-CA" smtClean="0"/>
-              <a:t>2018-06-21</a:t>
+              <a:t>2018-08-17</a:t>
             </a:fld>
             <a:endParaRPr lang="en-CA"/>
           </a:p>
@@ -1250,7 +1250,7 @@
           <a:p>
             <a:fld id="{F7249F8D-641B-4CAF-BAE5-10524742F6F1}" type="datetimeFigureOut">
               <a:rPr lang="en-CA" smtClean="0"/>
-              <a:t>2018-06-21</a:t>
+              <a:t>2018-08-17</a:t>
             </a:fld>
             <a:endParaRPr lang="en-CA"/>
           </a:p>
@@ -1617,7 +1617,7 @@
           <a:p>
             <a:fld id="{F7249F8D-641B-4CAF-BAE5-10524742F6F1}" type="datetimeFigureOut">
               <a:rPr lang="en-CA" smtClean="0"/>
-              <a:t>2018-06-21</a:t>
+              <a:t>2018-08-17</a:t>
             </a:fld>
             <a:endParaRPr lang="en-CA"/>
           </a:p>
@@ -1735,7 +1735,7 @@
           <a:p>
             <a:fld id="{F7249F8D-641B-4CAF-BAE5-10524742F6F1}" type="datetimeFigureOut">
               <a:rPr lang="en-CA" smtClean="0"/>
-              <a:t>2018-06-21</a:t>
+              <a:t>2018-08-17</a:t>
             </a:fld>
             <a:endParaRPr lang="en-CA"/>
           </a:p>
@@ -1830,7 +1830,7 @@
           <a:p>
             <a:fld id="{F7249F8D-641B-4CAF-BAE5-10524742F6F1}" type="datetimeFigureOut">
               <a:rPr lang="en-CA" smtClean="0"/>
-              <a:t>2018-06-21</a:t>
+              <a:t>2018-08-17</a:t>
             </a:fld>
             <a:endParaRPr lang="en-CA"/>
           </a:p>
@@ -2107,7 +2107,7 @@
           <a:p>
             <a:fld id="{F7249F8D-641B-4CAF-BAE5-10524742F6F1}" type="datetimeFigureOut">
               <a:rPr lang="en-CA" smtClean="0"/>
-              <a:t>2018-06-21</a:t>
+              <a:t>2018-08-17</a:t>
             </a:fld>
             <a:endParaRPr lang="en-CA"/>
           </a:p>
@@ -2360,7 +2360,7 @@
           <a:p>
             <a:fld id="{F7249F8D-641B-4CAF-BAE5-10524742F6F1}" type="datetimeFigureOut">
               <a:rPr lang="en-CA" smtClean="0"/>
-              <a:t>2018-06-21</a:t>
+              <a:t>2018-08-17</a:t>
             </a:fld>
             <a:endParaRPr lang="en-CA"/>
           </a:p>
@@ -2573,7 +2573,7 @@
           <a:p>
             <a:fld id="{F7249F8D-641B-4CAF-BAE5-10524742F6F1}" type="datetimeFigureOut">
               <a:rPr lang="en-CA" smtClean="0"/>
-              <a:t>2018-06-21</a:t>
+              <a:t>2018-08-17</a:t>
             </a:fld>
             <a:endParaRPr lang="en-CA"/>
           </a:p>
@@ -26339,459 +26339,6 @@
       </p:grpSp>
       <p:grpSp>
         <p:nvGrpSpPr>
-          <p:cNvPr id="34" name="Group 33"/>
-          <p:cNvGrpSpPr/>
-          <p:nvPr/>
-        </p:nvGrpSpPr>
-        <p:grpSpPr>
-          <a:xfrm>
-            <a:off x="502353" y="2302932"/>
-            <a:ext cx="3759201" cy="3774591"/>
-            <a:chOff x="4848475" y="407844"/>
-            <a:chExt cx="3759201" cy="3774591"/>
-          </a:xfrm>
-        </p:grpSpPr>
-        <p:sp>
-          <p:nvSpPr>
-            <p:cNvPr id="24" name="Rectangle 23"/>
-            <p:cNvSpPr/>
-            <p:nvPr/>
-          </p:nvSpPr>
-          <p:spPr>
-            <a:xfrm>
-              <a:off x="6366831" y="2077155"/>
-              <a:ext cx="722489" cy="305280"/>
-            </a:xfrm>
-            <a:prstGeom prst="rect">
-              <a:avLst/>
-            </a:prstGeom>
-            <a:solidFill>
-              <a:schemeClr val="tx1"/>
-            </a:solidFill>
-            <a:ln>
-              <a:solidFill>
-                <a:schemeClr val="tx1"/>
-              </a:solidFill>
-            </a:ln>
-          </p:spPr>
-          <p:style>
-            <a:lnRef idx="2">
-              <a:schemeClr val="accent1">
-                <a:shade val="50000"/>
-              </a:schemeClr>
-            </a:lnRef>
-            <a:fillRef idx="1">
-              <a:schemeClr val="accent1"/>
-            </a:fillRef>
-            <a:effectRef idx="0">
-              <a:schemeClr val="accent1"/>
-            </a:effectRef>
-            <a:fontRef idx="minor">
-              <a:schemeClr val="lt1"/>
-            </a:fontRef>
-          </p:style>
-          <p:txBody>
-            <a:bodyPr rtlCol="0" anchor="ctr"/>
-            <a:lstStyle/>
-            <a:p>
-              <a:pPr algn="ctr"/>
-              <a:endParaRPr lang="en-US"/>
-            </a:p>
-          </p:txBody>
-        </p:sp>
-        <p:sp>
-          <p:nvSpPr>
-            <p:cNvPr id="25" name="Arc 24"/>
-            <p:cNvSpPr/>
-            <p:nvPr/>
-          </p:nvSpPr>
-          <p:spPr>
-            <a:xfrm rot="13844285">
-              <a:off x="4848476" y="407843"/>
-              <a:ext cx="3759200" cy="3759201"/>
-            </a:xfrm>
-            <a:prstGeom prst="arc">
-              <a:avLst>
-                <a:gd name="adj1" fmla="val 13227082"/>
-                <a:gd name="adj2" fmla="val 15871853"/>
-              </a:avLst>
-            </a:prstGeom>
-            <a:ln w="19050">
-              <a:solidFill>
-                <a:schemeClr val="tx1"/>
-              </a:solidFill>
-              <a:prstDash val="dash"/>
-              <a:headEnd type="triangle" w="med" len="med"/>
-              <a:tailEnd type="none" w="med" len="med"/>
-            </a:ln>
-          </p:spPr>
-          <p:style>
-            <a:lnRef idx="1">
-              <a:schemeClr val="accent1"/>
-            </a:lnRef>
-            <a:fillRef idx="0">
-              <a:schemeClr val="accent1"/>
-            </a:fillRef>
-            <a:effectRef idx="0">
-              <a:schemeClr val="accent1"/>
-            </a:effectRef>
-            <a:fontRef idx="minor">
-              <a:schemeClr val="tx1"/>
-            </a:fontRef>
-          </p:style>
-          <p:txBody>
-            <a:bodyPr rtlCol="0" anchor="ctr"/>
-            <a:lstStyle/>
-            <a:p>
-              <a:pPr algn="ctr"/>
-              <a:endParaRPr lang="en-US"/>
-            </a:p>
-          </p:txBody>
-        </p:sp>
-        <p:sp>
-          <p:nvSpPr>
-            <p:cNvPr id="23" name="Oval 22"/>
-            <p:cNvSpPr/>
-            <p:nvPr/>
-          </p:nvSpPr>
-          <p:spPr>
-            <a:xfrm>
-              <a:off x="5262489" y="3466111"/>
-              <a:ext cx="540000" cy="540000"/>
-            </a:xfrm>
-            <a:prstGeom prst="ellipse">
-              <a:avLst/>
-            </a:prstGeom>
-            <a:solidFill>
-              <a:schemeClr val="bg2">
-                <a:lumMod val="75000"/>
-              </a:schemeClr>
-            </a:solidFill>
-            <a:ln w="38100">
-              <a:solidFill>
-                <a:schemeClr val="tx1"/>
-              </a:solidFill>
-            </a:ln>
-          </p:spPr>
-          <p:style>
-            <a:lnRef idx="2">
-              <a:schemeClr val="accent1">
-                <a:shade val="50000"/>
-              </a:schemeClr>
-            </a:lnRef>
-            <a:fillRef idx="1">
-              <a:schemeClr val="accent1"/>
-            </a:fillRef>
-            <a:effectRef idx="0">
-              <a:schemeClr val="accent1"/>
-            </a:effectRef>
-            <a:fontRef idx="minor">
-              <a:schemeClr val="lt1"/>
-            </a:fontRef>
-          </p:style>
-          <p:txBody>
-            <a:bodyPr rtlCol="0" anchor="ctr"/>
-            <a:lstStyle/>
-            <a:p>
-              <a:pPr algn="ctr"/>
-              <a:endParaRPr lang="en-US"/>
-            </a:p>
-          </p:txBody>
-        </p:sp>
-        <p:cxnSp>
-          <p:nvCxnSpPr>
-            <p:cNvPr id="27" name="Straight Connector 26"/>
-            <p:cNvCxnSpPr>
-              <a:stCxn id="23" idx="7"/>
-              <a:endCxn id="24" idx="2"/>
-            </p:cNvCxnSpPr>
-            <p:nvPr/>
-          </p:nvCxnSpPr>
-          <p:spPr>
-            <a:xfrm flipV="1">
-              <a:off x="5723408" y="2382435"/>
-              <a:ext cx="1004668" cy="1162757"/>
-            </a:xfrm>
-            <a:prstGeom prst="line">
-              <a:avLst/>
-            </a:prstGeom>
-            <a:ln w="38100">
-              <a:solidFill>
-                <a:schemeClr val="tx1"/>
-              </a:solidFill>
-            </a:ln>
-          </p:spPr>
-          <p:style>
-            <a:lnRef idx="1">
-              <a:schemeClr val="accent1"/>
-            </a:lnRef>
-            <a:fillRef idx="0">
-              <a:schemeClr val="accent1"/>
-            </a:fillRef>
-            <a:effectRef idx="0">
-              <a:schemeClr val="accent1"/>
-            </a:effectRef>
-            <a:fontRef idx="minor">
-              <a:schemeClr val="tx1"/>
-            </a:fontRef>
-          </p:style>
-        </p:cxnSp>
-        <p:cxnSp>
-          <p:nvCxnSpPr>
-            <p:cNvPr id="28" name="Straight Connector 27"/>
-            <p:cNvCxnSpPr>
-              <a:endCxn id="24" idx="2"/>
-            </p:cNvCxnSpPr>
-            <p:nvPr/>
-          </p:nvCxnSpPr>
-          <p:spPr>
-            <a:xfrm flipV="1">
-              <a:off x="6698774" y="2382435"/>
-              <a:ext cx="29302" cy="1800000"/>
-            </a:xfrm>
-            <a:prstGeom prst="line">
-              <a:avLst/>
-            </a:prstGeom>
-            <a:ln w="12700">
-              <a:solidFill>
-                <a:schemeClr val="tx1"/>
-              </a:solidFill>
-            </a:ln>
-          </p:spPr>
-          <p:style>
-            <a:lnRef idx="1">
-              <a:schemeClr val="accent1"/>
-            </a:lnRef>
-            <a:fillRef idx="0">
-              <a:schemeClr val="accent1"/>
-            </a:fillRef>
-            <a:effectRef idx="0">
-              <a:schemeClr val="accent1"/>
-            </a:effectRef>
-            <a:fontRef idx="minor">
-              <a:schemeClr val="tx1"/>
-            </a:fontRef>
-          </p:style>
-        </p:cxnSp>
-        <mc:AlternateContent xmlns:mc="http://schemas.openxmlformats.org/markup-compatibility/2006" xmlns:a14="http://schemas.microsoft.com/office/drawing/2010/main">
-          <mc:Choice Requires="a14">
-            <p:sp>
-              <p:nvSpPr>
-                <p:cNvPr id="31" name="TextBox 30"/>
-                <p:cNvSpPr txBox="1"/>
-                <p:nvPr/>
-              </p:nvSpPr>
-              <p:spPr>
-                <a:xfrm>
-                  <a:off x="6509299" y="2666126"/>
-                  <a:ext cx="189475" cy="276999"/>
-                </a:xfrm>
-                <a:prstGeom prst="rect">
-                  <a:avLst/>
-                </a:prstGeom>
-                <a:noFill/>
-              </p:spPr>
-              <p:txBody>
-                <a:bodyPr wrap="none" lIns="0" tIns="0" rIns="0" bIns="0" rtlCol="0">
-                  <a:spAutoFit/>
-                </a:bodyPr>
-                <a:lstStyle/>
-                <a:p>
-                  <a:pPr/>
-                  <a14:m>
-                    <m:oMathPara xmlns:m="http://schemas.openxmlformats.org/officeDocument/2006/math">
-                      <m:oMathParaPr>
-                        <m:jc m:val="centerGroup"/>
-                      </m:oMathParaPr>
-                      <m:oMath xmlns:m="http://schemas.openxmlformats.org/officeDocument/2006/math">
-                        <m:r>
-                          <a:rPr lang="en-US" i="1" smtClean="0">
-                            <a:latin typeface="Cambria Math" charset="0"/>
-                            <a:ea typeface="Cambria Math" charset="0"/>
-                            <a:cs typeface="Cambria Math" charset="0"/>
-                          </a:rPr>
-                          <m:t>𝜃</m:t>
-                        </m:r>
-                      </m:oMath>
-                    </m:oMathPara>
-                  </a14:m>
-                  <a:endParaRPr lang="en-US" dirty="0"/>
-                </a:p>
-              </p:txBody>
-            </p:sp>
-          </mc:Choice>
-          <mc:Fallback xmlns="">
-            <p:sp>
-              <p:nvSpPr>
-                <p:cNvPr id="31" name="TextBox 30"/>
-                <p:cNvSpPr txBox="1">
-                  <a:spLocks noRot="1" noChangeAspect="1" noMove="1" noResize="1" noEditPoints="1" noAdjustHandles="1" noChangeArrowheads="1" noChangeShapeType="1" noTextEdit="1"/>
-                </p:cNvSpPr>
-                <p:nvPr/>
-              </p:nvSpPr>
-              <p:spPr>
-                <a:xfrm>
-                  <a:off x="6509299" y="2666126"/>
-                  <a:ext cx="189475" cy="276999"/>
-                </a:xfrm>
-                <a:prstGeom prst="rect">
-                  <a:avLst/>
-                </a:prstGeom>
-                <a:blipFill rotWithShape="0">
-                  <a:blip r:embed="rId5"/>
-                  <a:stretch>
-                    <a:fillRect l="-32258" r="-22581" b="-6522"/>
-                  </a:stretch>
-                </a:blipFill>
-              </p:spPr>
-              <p:txBody>
-                <a:bodyPr/>
-                <a:lstStyle/>
-                <a:p>
-                  <a:r>
-                    <a:rPr lang="en-US">
-                      <a:noFill/>
-                    </a:rPr>
-                    <a:t> </a:t>
-                  </a:r>
-                </a:p>
-              </p:txBody>
-            </p:sp>
-          </mc:Fallback>
-        </mc:AlternateContent>
-        <p:sp>
-          <p:nvSpPr>
-            <p:cNvPr id="32" name="Arc 31"/>
-            <p:cNvSpPr/>
-            <p:nvPr/>
-          </p:nvSpPr>
-          <p:spPr>
-            <a:xfrm rot="10800000">
-              <a:off x="6497425" y="2256674"/>
-              <a:ext cx="432000" cy="432000"/>
-            </a:xfrm>
-            <a:prstGeom prst="arc">
-              <a:avLst>
-                <a:gd name="adj1" fmla="val 16200000"/>
-                <a:gd name="adj2" fmla="val 19306772"/>
-              </a:avLst>
-            </a:prstGeom>
-            <a:ln w="12700">
-              <a:solidFill>
-                <a:schemeClr val="tx1"/>
-              </a:solidFill>
-            </a:ln>
-          </p:spPr>
-          <p:style>
-            <a:lnRef idx="1">
-              <a:schemeClr val="accent1"/>
-            </a:lnRef>
-            <a:fillRef idx="0">
-              <a:schemeClr val="accent1"/>
-            </a:fillRef>
-            <a:effectRef idx="0">
-              <a:schemeClr val="accent1"/>
-            </a:effectRef>
-            <a:fontRef idx="minor">
-              <a:schemeClr val="tx1"/>
-            </a:fontRef>
-          </p:style>
-          <p:txBody>
-            <a:bodyPr rtlCol="0" anchor="ctr"/>
-            <a:lstStyle/>
-            <a:p>
-              <a:pPr algn="ctr"/>
-              <a:endParaRPr lang="en-US"/>
-            </a:p>
-          </p:txBody>
-        </p:sp>
-        <mc:AlternateContent xmlns:mc="http://schemas.openxmlformats.org/markup-compatibility/2006" xmlns:a14="http://schemas.microsoft.com/office/drawing/2010/main">
-          <mc:Choice Requires="a14">
-            <p:sp>
-              <p:nvSpPr>
-                <p:cNvPr id="33" name="TextBox 32"/>
-                <p:cNvSpPr txBox="1"/>
-                <p:nvPr/>
-              </p:nvSpPr>
-              <p:spPr>
-                <a:xfrm>
-                  <a:off x="5898964" y="2825313"/>
-                  <a:ext cx="207108" cy="276999"/>
-                </a:xfrm>
-                <a:prstGeom prst="rect">
-                  <a:avLst/>
-                </a:prstGeom>
-                <a:noFill/>
-              </p:spPr>
-              <p:txBody>
-                <a:bodyPr wrap="none" lIns="0" tIns="0" rIns="0" bIns="0" rtlCol="0">
-                  <a:spAutoFit/>
-                </a:bodyPr>
-                <a:lstStyle/>
-                <a:p>
-                  <a:pPr/>
-                  <a14:m>
-                    <m:oMathPara xmlns:m="http://schemas.openxmlformats.org/officeDocument/2006/math">
-                      <m:oMathParaPr>
-                        <m:jc m:val="centerGroup"/>
-                      </m:oMathParaPr>
-                      <m:oMath xmlns:m="http://schemas.openxmlformats.org/officeDocument/2006/math">
-                        <m:r>
-                          <a:rPr lang="en-CA" b="0" i="1" smtClean="0">
-                            <a:latin typeface="Cambria Math" charset="0"/>
-                          </a:rPr>
-                          <m:t>𝑅</m:t>
-                        </m:r>
-                      </m:oMath>
-                    </m:oMathPara>
-                  </a14:m>
-                  <a:endParaRPr lang="en-US" dirty="0"/>
-                </a:p>
-              </p:txBody>
-            </p:sp>
-          </mc:Choice>
-          <mc:Fallback xmlns="">
-            <p:sp>
-              <p:nvSpPr>
-                <p:cNvPr id="33" name="TextBox 32"/>
-                <p:cNvSpPr txBox="1">
-                  <a:spLocks noRot="1" noChangeAspect="1" noMove="1" noResize="1" noEditPoints="1" noAdjustHandles="1" noChangeArrowheads="1" noChangeShapeType="1" noTextEdit="1"/>
-                </p:cNvSpPr>
-                <p:nvPr/>
-              </p:nvSpPr>
-              <p:spPr>
-                <a:xfrm>
-                  <a:off x="5898964" y="2825313"/>
-                  <a:ext cx="207108" cy="276999"/>
-                </a:xfrm>
-                <a:prstGeom prst="rect">
-                  <a:avLst/>
-                </a:prstGeom>
-                <a:blipFill rotWithShape="0">
-                  <a:blip r:embed="rId6"/>
-                  <a:stretch>
-                    <a:fillRect l="-26471" r="-20588" b="-4348"/>
-                  </a:stretch>
-                </a:blipFill>
-              </p:spPr>
-              <p:txBody>
-                <a:bodyPr/>
-                <a:lstStyle/>
-                <a:p>
-                  <a:r>
-                    <a:rPr lang="en-US">
-                      <a:noFill/>
-                    </a:rPr>
-                    <a:t> </a:t>
-                  </a:r>
-                </a:p>
-              </p:txBody>
-            </p:sp>
-          </mc:Fallback>
-        </mc:AlternateContent>
-      </p:grpSp>
-      <p:grpSp>
-        <p:nvGrpSpPr>
           <p:cNvPr id="49" name="Group 48"/>
           <p:cNvGrpSpPr/>
           <p:nvPr/>
@@ -26813,7 +26360,7 @@
             <p:nvPr/>
           </p:nvPicPr>
           <p:blipFill>
-            <a:blip r:embed="rId7">
+            <a:blip r:embed="rId6">
               <a:extLst>
                 <a:ext uri="{28A0092B-C50C-407E-A947-70E740481C1C}">
                   <a14:useLocalDpi xmlns:a14="http://schemas.microsoft.com/office/drawing/2010/main" val="0"/>
@@ -26843,7 +26390,7 @@
             <p:nvPr/>
           </p:nvPicPr>
           <p:blipFill rotWithShape="1">
-            <a:blip r:embed="rId8">
+            <a:blip r:embed="rId7">
               <a:extLst>
                 <a:ext uri="{28A0092B-C50C-407E-A947-70E740481C1C}">
                   <a14:useLocalDpi xmlns:a14="http://schemas.microsoft.com/office/drawing/2010/main" val="0"/>
@@ -26872,7 +26419,7 @@
             <p:nvPr/>
           </p:nvPicPr>
           <p:blipFill rotWithShape="1">
-            <a:blip r:embed="rId9">
+            <a:blip r:embed="rId8">
               <a:extLst>
                 <a:ext uri="{28A0092B-C50C-407E-A947-70E740481C1C}">
                   <a14:useLocalDpi xmlns:a14="http://schemas.microsoft.com/office/drawing/2010/main" val="0"/>
@@ -26901,7 +26448,7 @@
             <p:nvPr/>
           </p:nvPicPr>
           <p:blipFill rotWithShape="1">
-            <a:blip r:embed="rId10">
+            <a:blip r:embed="rId9">
               <a:extLst>
                 <a:ext uri="{28A0092B-C50C-407E-A947-70E740481C1C}">
                   <a14:useLocalDpi xmlns:a14="http://schemas.microsoft.com/office/drawing/2010/main" val="0"/>
@@ -27071,6 +26618,558 @@
                   <a:blip r:embed="rId12"/>
                   <a:stretch>
                     <a:fillRect l="-30303" r="-21212" b="-6667"/>
+                  </a:stretch>
+                </a:blipFill>
+              </p:spPr>
+              <p:txBody>
+                <a:bodyPr/>
+                <a:lstStyle/>
+                <a:p>
+                  <a:r>
+                    <a:rPr lang="en-US">
+                      <a:noFill/>
+                    </a:rPr>
+                    <a:t> </a:t>
+                  </a:r>
+                </a:p>
+              </p:txBody>
+            </p:sp>
+          </mc:Fallback>
+        </mc:AlternateContent>
+      </p:grpSp>
+      <p:grpSp>
+        <p:nvGrpSpPr>
+          <p:cNvPr id="2" name="Group 1"/>
+          <p:cNvGrpSpPr/>
+          <p:nvPr/>
+        </p:nvGrpSpPr>
+        <p:grpSpPr>
+          <a:xfrm>
+            <a:off x="502353" y="2302932"/>
+            <a:ext cx="3759201" cy="3774591"/>
+            <a:chOff x="502353" y="2302932"/>
+            <a:chExt cx="3759201" cy="3774591"/>
+          </a:xfrm>
+        </p:grpSpPr>
+        <p:grpSp>
+          <p:nvGrpSpPr>
+            <p:cNvPr id="34" name="Group 33"/>
+            <p:cNvGrpSpPr/>
+            <p:nvPr/>
+          </p:nvGrpSpPr>
+          <p:grpSpPr>
+            <a:xfrm>
+              <a:off x="502353" y="2302932"/>
+              <a:ext cx="3759201" cy="3774591"/>
+              <a:chOff x="4848475" y="407844"/>
+              <a:chExt cx="3759201" cy="3774591"/>
+            </a:xfrm>
+          </p:grpSpPr>
+          <p:sp>
+            <p:nvSpPr>
+              <p:cNvPr id="24" name="Rectangle 23"/>
+              <p:cNvSpPr/>
+              <p:nvPr/>
+            </p:nvSpPr>
+            <p:spPr>
+              <a:xfrm>
+                <a:off x="6366831" y="2077155"/>
+                <a:ext cx="722489" cy="305280"/>
+              </a:xfrm>
+              <a:prstGeom prst="rect">
+                <a:avLst/>
+              </a:prstGeom>
+              <a:solidFill>
+                <a:schemeClr val="tx1"/>
+              </a:solidFill>
+              <a:ln>
+                <a:solidFill>
+                  <a:schemeClr val="tx1"/>
+                </a:solidFill>
+              </a:ln>
+            </p:spPr>
+            <p:style>
+              <a:lnRef idx="2">
+                <a:schemeClr val="accent1">
+                  <a:shade val="50000"/>
+                </a:schemeClr>
+              </a:lnRef>
+              <a:fillRef idx="1">
+                <a:schemeClr val="accent1"/>
+              </a:fillRef>
+              <a:effectRef idx="0">
+                <a:schemeClr val="accent1"/>
+              </a:effectRef>
+              <a:fontRef idx="minor">
+                <a:schemeClr val="lt1"/>
+              </a:fontRef>
+            </p:style>
+            <p:txBody>
+              <a:bodyPr rtlCol="0" anchor="ctr"/>
+              <a:lstStyle/>
+              <a:p>
+                <a:pPr algn="ctr"/>
+                <a:endParaRPr lang="en-US"/>
+              </a:p>
+            </p:txBody>
+          </p:sp>
+          <p:sp>
+            <p:nvSpPr>
+              <p:cNvPr id="25" name="Arc 24"/>
+              <p:cNvSpPr/>
+              <p:nvPr/>
+            </p:nvSpPr>
+            <p:spPr>
+              <a:xfrm rot="13844285">
+                <a:off x="4848476" y="407843"/>
+                <a:ext cx="3759200" cy="3759201"/>
+              </a:xfrm>
+              <a:prstGeom prst="arc">
+                <a:avLst>
+                  <a:gd name="adj1" fmla="val 13227082"/>
+                  <a:gd name="adj2" fmla="val 15871853"/>
+                </a:avLst>
+              </a:prstGeom>
+              <a:ln w="19050">
+                <a:solidFill>
+                  <a:schemeClr val="tx1"/>
+                </a:solidFill>
+                <a:prstDash val="dash"/>
+                <a:headEnd type="triangle" w="med" len="med"/>
+                <a:tailEnd type="none" w="med" len="med"/>
+              </a:ln>
+            </p:spPr>
+            <p:style>
+              <a:lnRef idx="1">
+                <a:schemeClr val="accent1"/>
+              </a:lnRef>
+              <a:fillRef idx="0">
+                <a:schemeClr val="accent1"/>
+              </a:fillRef>
+              <a:effectRef idx="0">
+                <a:schemeClr val="accent1"/>
+              </a:effectRef>
+              <a:fontRef idx="minor">
+                <a:schemeClr val="tx1"/>
+              </a:fontRef>
+            </p:style>
+            <p:txBody>
+              <a:bodyPr rtlCol="0" anchor="ctr"/>
+              <a:lstStyle/>
+              <a:p>
+                <a:pPr algn="ctr"/>
+                <a:endParaRPr lang="en-US"/>
+              </a:p>
+            </p:txBody>
+          </p:sp>
+          <p:sp>
+            <p:nvSpPr>
+              <p:cNvPr id="23" name="Oval 22"/>
+              <p:cNvSpPr/>
+              <p:nvPr/>
+            </p:nvSpPr>
+            <p:spPr>
+              <a:xfrm>
+                <a:off x="5262489" y="3466111"/>
+                <a:ext cx="540000" cy="540000"/>
+              </a:xfrm>
+              <a:prstGeom prst="ellipse">
+                <a:avLst/>
+              </a:prstGeom>
+              <a:solidFill>
+                <a:schemeClr val="bg2">
+                  <a:lumMod val="75000"/>
+                </a:schemeClr>
+              </a:solidFill>
+              <a:ln w="38100">
+                <a:solidFill>
+                  <a:schemeClr val="tx1"/>
+                </a:solidFill>
+              </a:ln>
+            </p:spPr>
+            <p:style>
+              <a:lnRef idx="2">
+                <a:schemeClr val="accent1">
+                  <a:shade val="50000"/>
+                </a:schemeClr>
+              </a:lnRef>
+              <a:fillRef idx="1">
+                <a:schemeClr val="accent1"/>
+              </a:fillRef>
+              <a:effectRef idx="0">
+                <a:schemeClr val="accent1"/>
+              </a:effectRef>
+              <a:fontRef idx="minor">
+                <a:schemeClr val="lt1"/>
+              </a:fontRef>
+            </p:style>
+            <p:txBody>
+              <a:bodyPr rtlCol="0" anchor="ctr"/>
+              <a:lstStyle/>
+              <a:p>
+                <a:pPr algn="ctr"/>
+                <a:endParaRPr lang="en-US"/>
+              </a:p>
+            </p:txBody>
+          </p:sp>
+          <p:cxnSp>
+            <p:nvCxnSpPr>
+              <p:cNvPr id="27" name="Straight Connector 26"/>
+              <p:cNvCxnSpPr>
+                <a:stCxn id="23" idx="7"/>
+                <a:endCxn id="24" idx="2"/>
+              </p:cNvCxnSpPr>
+              <p:nvPr/>
+            </p:nvCxnSpPr>
+            <p:spPr>
+              <a:xfrm flipV="1">
+                <a:off x="5723408" y="2382435"/>
+                <a:ext cx="1004668" cy="1162757"/>
+              </a:xfrm>
+              <a:prstGeom prst="line">
+                <a:avLst/>
+              </a:prstGeom>
+              <a:ln w="38100">
+                <a:solidFill>
+                  <a:schemeClr val="tx1"/>
+                </a:solidFill>
+              </a:ln>
+            </p:spPr>
+            <p:style>
+              <a:lnRef idx="1">
+                <a:schemeClr val="accent1"/>
+              </a:lnRef>
+              <a:fillRef idx="0">
+                <a:schemeClr val="accent1"/>
+              </a:fillRef>
+              <a:effectRef idx="0">
+                <a:schemeClr val="accent1"/>
+              </a:effectRef>
+              <a:fontRef idx="minor">
+                <a:schemeClr val="tx1"/>
+              </a:fontRef>
+            </p:style>
+          </p:cxnSp>
+          <p:cxnSp>
+            <p:nvCxnSpPr>
+              <p:cNvPr id="28" name="Straight Connector 27"/>
+              <p:cNvCxnSpPr>
+                <a:endCxn id="24" idx="2"/>
+              </p:cNvCxnSpPr>
+              <p:nvPr/>
+            </p:nvCxnSpPr>
+            <p:spPr>
+              <a:xfrm flipV="1">
+                <a:off x="6698774" y="2382435"/>
+                <a:ext cx="29302" cy="1800000"/>
+              </a:xfrm>
+              <a:prstGeom prst="line">
+                <a:avLst/>
+              </a:prstGeom>
+              <a:ln w="12700">
+                <a:solidFill>
+                  <a:schemeClr val="tx1"/>
+                </a:solidFill>
+              </a:ln>
+            </p:spPr>
+            <p:style>
+              <a:lnRef idx="1">
+                <a:schemeClr val="accent1"/>
+              </a:lnRef>
+              <a:fillRef idx="0">
+                <a:schemeClr val="accent1"/>
+              </a:fillRef>
+              <a:effectRef idx="0">
+                <a:schemeClr val="accent1"/>
+              </a:effectRef>
+              <a:fontRef idx="minor">
+                <a:schemeClr val="tx1"/>
+              </a:fontRef>
+            </p:style>
+          </p:cxnSp>
+          <mc:AlternateContent xmlns:mc="http://schemas.openxmlformats.org/markup-compatibility/2006" xmlns:a14="http://schemas.microsoft.com/office/drawing/2010/main">
+            <mc:Choice Requires="a14">
+              <p:sp>
+                <p:nvSpPr>
+                  <p:cNvPr id="31" name="TextBox 30"/>
+                  <p:cNvSpPr txBox="1"/>
+                  <p:nvPr/>
+                </p:nvSpPr>
+                <p:spPr>
+                  <a:xfrm>
+                    <a:off x="6509299" y="2666126"/>
+                    <a:ext cx="189475" cy="276999"/>
+                  </a:xfrm>
+                  <a:prstGeom prst="rect">
+                    <a:avLst/>
+                  </a:prstGeom>
+                  <a:noFill/>
+                </p:spPr>
+                <p:txBody>
+                  <a:bodyPr wrap="none" lIns="0" tIns="0" rIns="0" bIns="0" rtlCol="0">
+                    <a:spAutoFit/>
+                  </a:bodyPr>
+                  <a:lstStyle/>
+                  <a:p>
+                    <a:pPr/>
+                    <a14:m>
+                      <m:oMathPara xmlns:m="http://schemas.openxmlformats.org/officeDocument/2006/math">
+                        <m:oMathParaPr>
+                          <m:jc m:val="centerGroup"/>
+                        </m:oMathParaPr>
+                        <m:oMath xmlns:m="http://schemas.openxmlformats.org/officeDocument/2006/math">
+                          <m:r>
+                            <a:rPr lang="en-US" i="1" smtClean="0">
+                              <a:latin typeface="Cambria Math" charset="0"/>
+                              <a:ea typeface="Cambria Math" charset="0"/>
+                              <a:cs typeface="Cambria Math" charset="0"/>
+                            </a:rPr>
+                            <m:t>𝜃</m:t>
+                          </m:r>
+                        </m:oMath>
+                      </m:oMathPara>
+                    </a14:m>
+                    <a:endParaRPr lang="en-US" dirty="0"/>
+                  </a:p>
+                </p:txBody>
+              </p:sp>
+            </mc:Choice>
+            <mc:Fallback xmlns="">
+              <p:sp>
+                <p:nvSpPr>
+                  <p:cNvPr id="31" name="TextBox 30"/>
+                  <p:cNvSpPr txBox="1">
+                    <a:spLocks noRot="1" noChangeAspect="1" noMove="1" noResize="1" noEditPoints="1" noAdjustHandles="1" noChangeArrowheads="1" noChangeShapeType="1" noTextEdit="1"/>
+                  </p:cNvSpPr>
+                  <p:nvPr/>
+                </p:nvSpPr>
+                <p:spPr>
+                  <a:xfrm>
+                    <a:off x="6509299" y="2666126"/>
+                    <a:ext cx="189475" cy="276999"/>
+                  </a:xfrm>
+                  <a:prstGeom prst="rect">
+                    <a:avLst/>
+                  </a:prstGeom>
+                  <a:blipFill rotWithShape="0">
+                    <a:blip r:embed="rId5"/>
+                    <a:stretch>
+                      <a:fillRect l="-32258" r="-22581" b="-6522"/>
+                    </a:stretch>
+                  </a:blipFill>
+                </p:spPr>
+                <p:txBody>
+                  <a:bodyPr/>
+                  <a:lstStyle/>
+                  <a:p>
+                    <a:r>
+                      <a:rPr lang="en-US">
+                        <a:noFill/>
+                      </a:rPr>
+                      <a:t> </a:t>
+                    </a:r>
+                  </a:p>
+                </p:txBody>
+              </p:sp>
+            </mc:Fallback>
+          </mc:AlternateContent>
+          <p:sp>
+            <p:nvSpPr>
+              <p:cNvPr id="32" name="Arc 31"/>
+              <p:cNvSpPr/>
+              <p:nvPr/>
+            </p:nvSpPr>
+            <p:spPr>
+              <a:xfrm rot="10800000">
+                <a:off x="6497425" y="2256674"/>
+                <a:ext cx="432000" cy="432000"/>
+              </a:xfrm>
+              <a:prstGeom prst="arc">
+                <a:avLst>
+                  <a:gd name="adj1" fmla="val 16200000"/>
+                  <a:gd name="adj2" fmla="val 19306772"/>
+                </a:avLst>
+              </a:prstGeom>
+              <a:ln w="12700">
+                <a:solidFill>
+                  <a:schemeClr val="tx1"/>
+                </a:solidFill>
+              </a:ln>
+            </p:spPr>
+            <p:style>
+              <a:lnRef idx="1">
+                <a:schemeClr val="accent1"/>
+              </a:lnRef>
+              <a:fillRef idx="0">
+                <a:schemeClr val="accent1"/>
+              </a:fillRef>
+              <a:effectRef idx="0">
+                <a:schemeClr val="accent1"/>
+              </a:effectRef>
+              <a:fontRef idx="minor">
+                <a:schemeClr val="tx1"/>
+              </a:fontRef>
+            </p:style>
+            <p:txBody>
+              <a:bodyPr rtlCol="0" anchor="ctr"/>
+              <a:lstStyle/>
+              <a:p>
+                <a:pPr algn="ctr"/>
+                <a:endParaRPr lang="en-US"/>
+              </a:p>
+            </p:txBody>
+          </p:sp>
+          <mc:AlternateContent xmlns:mc="http://schemas.openxmlformats.org/markup-compatibility/2006" xmlns:a14="http://schemas.microsoft.com/office/drawing/2010/main">
+            <mc:Choice Requires="a14">
+              <p:sp>
+                <p:nvSpPr>
+                  <p:cNvPr id="33" name="TextBox 32"/>
+                  <p:cNvSpPr txBox="1"/>
+                  <p:nvPr/>
+                </p:nvSpPr>
+                <p:spPr>
+                  <a:xfrm>
+                    <a:off x="5898964" y="2825313"/>
+                    <a:ext cx="207108" cy="276999"/>
+                  </a:xfrm>
+                  <a:prstGeom prst="rect">
+                    <a:avLst/>
+                  </a:prstGeom>
+                  <a:noFill/>
+                </p:spPr>
+                <p:txBody>
+                  <a:bodyPr wrap="none" lIns="0" tIns="0" rIns="0" bIns="0" rtlCol="0">
+                    <a:spAutoFit/>
+                  </a:bodyPr>
+                  <a:lstStyle/>
+                  <a:p>
+                    <a:pPr/>
+                    <a14:m>
+                      <m:oMathPara xmlns:m="http://schemas.openxmlformats.org/officeDocument/2006/math">
+                        <m:oMathParaPr>
+                          <m:jc m:val="centerGroup"/>
+                        </m:oMathParaPr>
+                        <m:oMath xmlns:m="http://schemas.openxmlformats.org/officeDocument/2006/math">
+                          <m:r>
+                            <a:rPr lang="en-CA" b="0" i="1" smtClean="0">
+                              <a:latin typeface="Cambria Math" charset="0"/>
+                            </a:rPr>
+                            <m:t>𝑅</m:t>
+                          </m:r>
+                        </m:oMath>
+                      </m:oMathPara>
+                    </a14:m>
+                    <a:endParaRPr lang="en-US" dirty="0"/>
+                  </a:p>
+                </p:txBody>
+              </p:sp>
+            </mc:Choice>
+            <mc:Fallback xmlns="">
+              <p:sp>
+                <p:nvSpPr>
+                  <p:cNvPr id="33" name="TextBox 32"/>
+                  <p:cNvSpPr txBox="1">
+                    <a:spLocks noRot="1" noChangeAspect="1" noMove="1" noResize="1" noEditPoints="1" noAdjustHandles="1" noChangeArrowheads="1" noChangeShapeType="1" noTextEdit="1"/>
+                  </p:cNvSpPr>
+                  <p:nvPr/>
+                </p:nvSpPr>
+                <p:spPr>
+                  <a:xfrm>
+                    <a:off x="5898964" y="2825313"/>
+                    <a:ext cx="207108" cy="276999"/>
+                  </a:xfrm>
+                  <a:prstGeom prst="rect">
+                    <a:avLst/>
+                  </a:prstGeom>
+                  <a:blipFill rotWithShape="0">
+                    <a:blip r:embed="rId13"/>
+                    <a:stretch>
+                      <a:fillRect l="-26471" r="-20588" b="-4348"/>
+                    </a:stretch>
+                  </a:blipFill>
+                </p:spPr>
+                <p:txBody>
+                  <a:bodyPr/>
+                  <a:lstStyle/>
+                  <a:p>
+                    <a:r>
+                      <a:rPr lang="en-US">
+                        <a:noFill/>
+                      </a:rPr>
+                      <a:t> </a:t>
+                    </a:r>
+                  </a:p>
+                </p:txBody>
+              </p:sp>
+            </mc:Fallback>
+          </mc:AlternateContent>
+        </p:grpSp>
+        <mc:AlternateContent xmlns:mc="http://schemas.openxmlformats.org/markup-compatibility/2006">
+          <mc:Choice xmlns:a14="http://schemas.microsoft.com/office/drawing/2010/main" Requires="a14">
+            <p:sp>
+              <p:nvSpPr>
+                <p:cNvPr id="30" name="TextBox 29"/>
+                <p:cNvSpPr txBox="1"/>
+                <p:nvPr/>
+              </p:nvSpPr>
+              <p:spPr>
+                <a:xfrm>
+                  <a:off x="1069365" y="5492699"/>
+                  <a:ext cx="250838" cy="276999"/>
+                </a:xfrm>
+                <a:prstGeom prst="rect">
+                  <a:avLst/>
+                </a:prstGeom>
+                <a:noFill/>
+              </p:spPr>
+              <p:txBody>
+                <a:bodyPr wrap="none" lIns="0" tIns="0" rIns="0" bIns="0" rtlCol="0">
+                  <a:spAutoFit/>
+                </a:bodyPr>
+                <a:lstStyle/>
+                <a:p>
+                  <a:pPr/>
+                  <a14:m>
+                    <m:oMathPara xmlns:m="http://schemas.openxmlformats.org/officeDocument/2006/math">
+                      <m:oMathParaPr>
+                        <m:jc m:val="centerGroup"/>
+                      </m:oMathParaPr>
+                      <m:oMath xmlns:m="http://schemas.openxmlformats.org/officeDocument/2006/math">
+                        <m:r>
+                          <a:rPr lang="en-CA" b="0" i="1" smtClean="0">
+                            <a:latin typeface="Cambria Math" charset="0"/>
+                          </a:rPr>
+                          <m:t>𝑚</m:t>
+                        </m:r>
+                      </m:oMath>
+                    </m:oMathPara>
+                  </a14:m>
+                  <a:endParaRPr lang="en-US" dirty="0"/>
+                </a:p>
+              </p:txBody>
+            </p:sp>
+          </mc:Choice>
+          <mc:Fallback>
+            <p:sp>
+              <p:nvSpPr>
+                <p:cNvPr id="30" name="TextBox 29"/>
+                <p:cNvSpPr txBox="1">
+                  <a:spLocks noRot="1" noChangeAspect="1" noMove="1" noResize="1" noEditPoints="1" noAdjustHandles="1" noChangeArrowheads="1" noChangeShapeType="1" noTextEdit="1"/>
+                </p:cNvSpPr>
+                <p:nvPr/>
+              </p:nvSpPr>
+              <p:spPr>
+                <a:xfrm>
+                  <a:off x="1069365" y="5492699"/>
+                  <a:ext cx="250838" cy="276999"/>
+                </a:xfrm>
+                <a:prstGeom prst="rect">
+                  <a:avLst/>
+                </a:prstGeom>
+                <a:blipFill rotWithShape="0">
+                  <a:blip r:embed="rId14"/>
+                  <a:stretch>
+                    <a:fillRect l="-11905" r="-9524"/>
                   </a:stretch>
                 </a:blipFill>
               </p:spPr>
@@ -31247,953 +31346,6 @@
       </p:grpSpPr>
       <p:grpSp>
         <p:nvGrpSpPr>
-          <p:cNvPr id="36" name="Group 35"/>
-          <p:cNvGrpSpPr/>
-          <p:nvPr/>
-        </p:nvGrpSpPr>
-        <p:grpSpPr>
-          <a:xfrm>
-            <a:off x="3043002" y="836747"/>
-            <a:ext cx="6325850" cy="4179959"/>
-            <a:chOff x="2188563" y="2305783"/>
-            <a:chExt cx="6325850" cy="4179959"/>
-          </a:xfrm>
-        </p:grpSpPr>
-        <p:grpSp>
-          <p:nvGrpSpPr>
-            <p:cNvPr id="12" name="Group 11"/>
-            <p:cNvGrpSpPr/>
-            <p:nvPr/>
-          </p:nvGrpSpPr>
-          <p:grpSpPr>
-            <a:xfrm>
-              <a:off x="2188563" y="2425906"/>
-              <a:ext cx="6123089" cy="1942605"/>
-              <a:chOff x="2188563" y="2425906"/>
-              <a:chExt cx="6123089" cy="1942605"/>
-            </a:xfrm>
-          </p:grpSpPr>
-          <p:cxnSp>
-            <p:nvCxnSpPr>
-              <p:cNvPr id="5" name="Straight Connector 4"/>
-              <p:cNvCxnSpPr/>
-              <p:nvPr/>
-            </p:nvCxnSpPr>
-            <p:spPr>
-              <a:xfrm>
-                <a:off x="2188563" y="3807501"/>
-                <a:ext cx="1044000" cy="0"/>
-              </a:xfrm>
-              <a:prstGeom prst="line">
-                <a:avLst/>
-              </a:prstGeom>
-              <a:ln w="38100">
-                <a:solidFill>
-                  <a:schemeClr val="tx1"/>
-                </a:solidFill>
-              </a:ln>
-            </p:spPr>
-            <p:style>
-              <a:lnRef idx="1">
-                <a:schemeClr val="accent1"/>
-              </a:lnRef>
-              <a:fillRef idx="0">
-                <a:schemeClr val="accent1"/>
-              </a:fillRef>
-              <a:effectRef idx="0">
-                <a:schemeClr val="accent1"/>
-              </a:effectRef>
-              <a:fontRef idx="minor">
-                <a:schemeClr val="tx1"/>
-              </a:fontRef>
-            </p:style>
-          </p:cxnSp>
-          <p:cxnSp>
-            <p:nvCxnSpPr>
-              <p:cNvPr id="6" name="Straight Connector 5"/>
-              <p:cNvCxnSpPr/>
-              <p:nvPr/>
-            </p:nvCxnSpPr>
-            <p:spPr>
-              <a:xfrm>
-                <a:off x="2188563" y="4364636"/>
-                <a:ext cx="6120000" cy="0"/>
-              </a:xfrm>
-              <a:prstGeom prst="line">
-                <a:avLst/>
-              </a:prstGeom>
-              <a:ln w="38100">
-                <a:solidFill>
-                  <a:schemeClr val="tx1"/>
-                </a:solidFill>
-              </a:ln>
-            </p:spPr>
-            <p:style>
-              <a:lnRef idx="1">
-                <a:schemeClr val="accent1"/>
-              </a:lnRef>
-              <a:fillRef idx="0">
-                <a:schemeClr val="accent1"/>
-              </a:fillRef>
-              <a:effectRef idx="0">
-                <a:schemeClr val="accent1"/>
-              </a:effectRef>
-              <a:fontRef idx="minor">
-                <a:schemeClr val="tx1"/>
-              </a:fontRef>
-            </p:style>
-          </p:cxnSp>
-          <p:cxnSp>
-            <p:nvCxnSpPr>
-              <p:cNvPr id="7" name="Straight Connector 6"/>
-              <p:cNvCxnSpPr/>
-              <p:nvPr/>
-            </p:nvCxnSpPr>
-            <p:spPr>
-              <a:xfrm>
-                <a:off x="5863652" y="3777521"/>
-                <a:ext cx="2448000" cy="0"/>
-              </a:xfrm>
-              <a:prstGeom prst="line">
-                <a:avLst/>
-              </a:prstGeom>
-              <a:ln w="38100">
-                <a:solidFill>
-                  <a:schemeClr val="tx1"/>
-                </a:solidFill>
-              </a:ln>
-            </p:spPr>
-            <p:style>
-              <a:lnRef idx="1">
-                <a:schemeClr val="accent1"/>
-              </a:lnRef>
-              <a:fillRef idx="0">
-                <a:schemeClr val="accent1"/>
-              </a:fillRef>
-              <a:effectRef idx="0">
-                <a:schemeClr val="accent1"/>
-              </a:effectRef>
-              <a:fontRef idx="minor">
-                <a:schemeClr val="tx1"/>
-              </a:fontRef>
-            </p:style>
-          </p:cxnSp>
-          <p:cxnSp>
-            <p:nvCxnSpPr>
-              <p:cNvPr id="8" name="Straight Connector 7"/>
-              <p:cNvCxnSpPr/>
-              <p:nvPr/>
-            </p:nvCxnSpPr>
-            <p:spPr>
-              <a:xfrm>
-                <a:off x="2208549" y="3792511"/>
-                <a:ext cx="0" cy="576000"/>
-              </a:xfrm>
-              <a:prstGeom prst="line">
-                <a:avLst/>
-              </a:prstGeom>
-              <a:ln w="38100">
-                <a:solidFill>
-                  <a:schemeClr val="tx1"/>
-                </a:solidFill>
-              </a:ln>
-            </p:spPr>
-            <p:style>
-              <a:lnRef idx="1">
-                <a:schemeClr val="accent1"/>
-              </a:lnRef>
-              <a:fillRef idx="0">
-                <a:schemeClr val="accent1"/>
-              </a:fillRef>
-              <a:effectRef idx="0">
-                <a:schemeClr val="accent1"/>
-              </a:effectRef>
-              <a:fontRef idx="minor">
-                <a:schemeClr val="tx1"/>
-              </a:fontRef>
-            </p:style>
-          </p:cxnSp>
-          <p:cxnSp>
-            <p:nvCxnSpPr>
-              <p:cNvPr id="10" name="Straight Connector 9"/>
-              <p:cNvCxnSpPr/>
-              <p:nvPr/>
-            </p:nvCxnSpPr>
-            <p:spPr>
-              <a:xfrm>
-                <a:off x="8286076" y="3777521"/>
-                <a:ext cx="0" cy="576000"/>
-              </a:xfrm>
-              <a:prstGeom prst="line">
-                <a:avLst/>
-              </a:prstGeom>
-              <a:ln w="38100">
-                <a:solidFill>
-                  <a:schemeClr val="tx1"/>
-                </a:solidFill>
-              </a:ln>
-            </p:spPr>
-            <p:style>
-              <a:lnRef idx="1">
-                <a:schemeClr val="accent1"/>
-              </a:lnRef>
-              <a:fillRef idx="0">
-                <a:schemeClr val="accent1"/>
-              </a:fillRef>
-              <a:effectRef idx="0">
-                <a:schemeClr val="accent1"/>
-              </a:effectRef>
-              <a:fontRef idx="minor">
-                <a:schemeClr val="tx1"/>
-              </a:fontRef>
-            </p:style>
-          </p:cxnSp>
-          <p:cxnSp>
-            <p:nvCxnSpPr>
-              <p:cNvPr id="11" name="Straight Connector 10"/>
-              <p:cNvCxnSpPr/>
-              <p:nvPr/>
-            </p:nvCxnSpPr>
-            <p:spPr>
-              <a:xfrm>
-                <a:off x="5848662" y="2425906"/>
-                <a:ext cx="0" cy="1368000"/>
-              </a:xfrm>
-              <a:prstGeom prst="line">
-                <a:avLst/>
-              </a:prstGeom>
-              <a:ln w="38100">
-                <a:solidFill>
-                  <a:schemeClr val="tx1"/>
-                </a:solidFill>
-              </a:ln>
-            </p:spPr>
-            <p:style>
-              <a:lnRef idx="1">
-                <a:schemeClr val="accent1"/>
-              </a:lnRef>
-              <a:fillRef idx="0">
-                <a:schemeClr val="accent1"/>
-              </a:fillRef>
-              <a:effectRef idx="0">
-                <a:schemeClr val="accent1"/>
-              </a:effectRef>
-              <a:fontRef idx="minor">
-                <a:schemeClr val="tx1"/>
-              </a:fontRef>
-            </p:style>
-          </p:cxnSp>
-          <p:cxnSp>
-            <p:nvCxnSpPr>
-              <p:cNvPr id="13" name="Straight Connector 12"/>
-              <p:cNvCxnSpPr/>
-              <p:nvPr/>
-            </p:nvCxnSpPr>
-            <p:spPr>
-              <a:xfrm flipH="1">
-                <a:off x="3207897" y="2425906"/>
-                <a:ext cx="2655754" cy="1382990"/>
-              </a:xfrm>
-              <a:prstGeom prst="line">
-                <a:avLst/>
-              </a:prstGeom>
-              <a:ln w="38100">
-                <a:solidFill>
-                  <a:schemeClr val="tx1"/>
-                </a:solidFill>
-              </a:ln>
-            </p:spPr>
-            <p:style>
-              <a:lnRef idx="1">
-                <a:schemeClr val="accent1"/>
-              </a:lnRef>
-              <a:fillRef idx="0">
-                <a:schemeClr val="accent1"/>
-              </a:fillRef>
-              <a:effectRef idx="0">
-                <a:schemeClr val="accent1"/>
-              </a:effectRef>
-              <a:fontRef idx="minor">
-                <a:schemeClr val="tx1"/>
-              </a:fontRef>
-            </p:style>
-          </p:cxnSp>
-          <p:cxnSp>
-            <p:nvCxnSpPr>
-              <p:cNvPr id="16" name="Straight Connector 15"/>
-              <p:cNvCxnSpPr/>
-              <p:nvPr/>
-            </p:nvCxnSpPr>
-            <p:spPr>
-              <a:xfrm>
-                <a:off x="6180944" y="2485926"/>
-                <a:ext cx="0" cy="1224000"/>
-              </a:xfrm>
-              <a:prstGeom prst="line">
-                <a:avLst/>
-              </a:prstGeom>
-              <a:ln w="38100">
-                <a:solidFill>
-                  <a:schemeClr val="tx1"/>
-                </a:solidFill>
-              </a:ln>
-            </p:spPr>
-            <p:style>
-              <a:lnRef idx="1">
-                <a:schemeClr val="accent1"/>
-              </a:lnRef>
-              <a:fillRef idx="0">
-                <a:schemeClr val="accent1"/>
-              </a:fillRef>
-              <a:effectRef idx="0">
-                <a:schemeClr val="accent1"/>
-              </a:effectRef>
-              <a:fontRef idx="minor">
-                <a:schemeClr val="tx1"/>
-              </a:fontRef>
-            </p:style>
-          </p:cxnSp>
-          <p:cxnSp>
-            <p:nvCxnSpPr>
-              <p:cNvPr id="17" name="Straight Connector 16"/>
-              <p:cNvCxnSpPr/>
-              <p:nvPr/>
-            </p:nvCxnSpPr>
-            <p:spPr>
-              <a:xfrm flipH="1" flipV="1">
-                <a:off x="6058522" y="2481301"/>
-                <a:ext cx="252000" cy="751"/>
-              </a:xfrm>
-              <a:prstGeom prst="line">
-                <a:avLst/>
-              </a:prstGeom>
-              <a:ln w="38100">
-                <a:solidFill>
-                  <a:schemeClr val="tx1"/>
-                </a:solidFill>
-              </a:ln>
-            </p:spPr>
-            <p:style>
-              <a:lnRef idx="1">
-                <a:schemeClr val="accent1"/>
-              </a:lnRef>
-              <a:fillRef idx="0">
-                <a:schemeClr val="accent1"/>
-              </a:fillRef>
-              <a:effectRef idx="0">
-                <a:schemeClr val="accent1"/>
-              </a:effectRef>
-              <a:fontRef idx="minor">
-                <a:schemeClr val="tx1"/>
-              </a:fontRef>
-            </p:style>
-          </p:cxnSp>
-          <p:cxnSp>
-            <p:nvCxnSpPr>
-              <p:cNvPr id="23" name="Straight Connector 22"/>
-              <p:cNvCxnSpPr/>
-              <p:nvPr/>
-            </p:nvCxnSpPr>
-            <p:spPr>
-              <a:xfrm flipH="1" flipV="1">
-                <a:off x="6054944" y="3702706"/>
-                <a:ext cx="252000" cy="751"/>
-              </a:xfrm>
-              <a:prstGeom prst="line">
-                <a:avLst/>
-              </a:prstGeom>
-              <a:ln w="38100">
-                <a:solidFill>
-                  <a:schemeClr val="tx1"/>
-                </a:solidFill>
-              </a:ln>
-            </p:spPr>
-            <p:style>
-              <a:lnRef idx="1">
-                <a:schemeClr val="accent1"/>
-              </a:lnRef>
-              <a:fillRef idx="0">
-                <a:schemeClr val="accent1"/>
-              </a:fillRef>
-              <a:effectRef idx="0">
-                <a:schemeClr val="accent1"/>
-              </a:effectRef>
-              <a:fontRef idx="minor">
-                <a:schemeClr val="tx1"/>
-              </a:fontRef>
-            </p:style>
-          </p:cxnSp>
-          <mc:AlternateContent xmlns:mc="http://schemas.openxmlformats.org/markup-compatibility/2006" xmlns:a14="http://schemas.microsoft.com/office/drawing/2010/main">
-            <mc:Choice Requires="a14">
-              <p:sp>
-                <p:nvSpPr>
-                  <p:cNvPr id="24" name="TextBox 23"/>
-                  <p:cNvSpPr txBox="1"/>
-                  <p:nvPr/>
-                </p:nvSpPr>
-                <p:spPr>
-                  <a:xfrm>
-                    <a:off x="6300748" y="2968396"/>
-                    <a:ext cx="185115" cy="276999"/>
-                  </a:xfrm>
-                  <a:prstGeom prst="rect">
-                    <a:avLst/>
-                  </a:prstGeom>
-                  <a:noFill/>
-                </p:spPr>
-                <p:txBody>
-                  <a:bodyPr wrap="none" lIns="0" tIns="0" rIns="0" bIns="0" rtlCol="0">
-                    <a:spAutoFit/>
-                  </a:bodyPr>
-                  <a:lstStyle/>
-                  <a:p>
-                    <a:pPr/>
-                    <a14:m>
-                      <m:oMathPara xmlns:m="http://schemas.openxmlformats.org/officeDocument/2006/math">
-                        <m:oMathParaPr>
-                          <m:jc m:val="centerGroup"/>
-                        </m:oMathParaPr>
-                        <m:oMath xmlns:m="http://schemas.openxmlformats.org/officeDocument/2006/math">
-                          <m:r>
-                            <a:rPr lang="en-CA" b="0" i="1" smtClean="0">
-                              <a:latin typeface="Cambria Math" charset="0"/>
-                            </a:rPr>
-                            <m:t>h</m:t>
-                          </m:r>
-                        </m:oMath>
-                      </m:oMathPara>
-                    </a14:m>
-                    <a:endParaRPr lang="en-US" dirty="0"/>
-                  </a:p>
-                </p:txBody>
-              </p:sp>
-            </mc:Choice>
-            <mc:Fallback xmlns="">
-              <p:sp>
-                <p:nvSpPr>
-                  <p:cNvPr id="24" name="TextBox 23"/>
-                  <p:cNvSpPr txBox="1">
-                    <a:spLocks noRot="1" noChangeAspect="1" noMove="1" noResize="1" noEditPoints="1" noAdjustHandles="1" noChangeArrowheads="1" noChangeShapeType="1" noTextEdit="1"/>
-                  </p:cNvSpPr>
-                  <p:nvPr/>
-                </p:nvSpPr>
-                <p:spPr>
-                  <a:xfrm>
-                    <a:off x="6300748" y="2968396"/>
-                    <a:ext cx="185115" cy="276999"/>
-                  </a:xfrm>
-                  <a:prstGeom prst="rect">
-                    <a:avLst/>
-                  </a:prstGeom>
-                  <a:blipFill rotWithShape="0">
-                    <a:blip r:embed="rId2"/>
-                    <a:stretch>
-                      <a:fillRect l="-33333" r="-30000" b="-8889"/>
-                    </a:stretch>
-                  </a:blipFill>
-                </p:spPr>
-                <p:txBody>
-                  <a:bodyPr/>
-                  <a:lstStyle/>
-                  <a:p>
-                    <a:r>
-                      <a:rPr lang="en-US">
-                        <a:noFill/>
-                      </a:rPr>
-                      <a:t> </a:t>
-                    </a:r>
-                  </a:p>
-                </p:txBody>
-              </p:sp>
-            </mc:Fallback>
-          </mc:AlternateContent>
-          <p:sp>
-            <p:nvSpPr>
-              <p:cNvPr id="2" name="Rectangle 1"/>
-              <p:cNvSpPr/>
-              <p:nvPr/>
-            </p:nvSpPr>
-            <p:spPr>
-              <a:xfrm rot="19940179">
-                <a:off x="3031583" y="2946522"/>
-                <a:ext cx="720000" cy="720000"/>
-              </a:xfrm>
-              <a:prstGeom prst="rect">
-                <a:avLst/>
-              </a:prstGeom>
-              <a:solidFill>
-                <a:schemeClr val="bg2">
-                  <a:lumMod val="75000"/>
-                </a:schemeClr>
-              </a:solidFill>
-              <a:ln w="38100">
-                <a:solidFill>
-                  <a:schemeClr val="tx1"/>
-                </a:solidFill>
-              </a:ln>
-            </p:spPr>
-            <p:style>
-              <a:lnRef idx="2">
-                <a:schemeClr val="accent1">
-                  <a:shade val="50000"/>
-                </a:schemeClr>
-              </a:lnRef>
-              <a:fillRef idx="1">
-                <a:schemeClr val="accent1"/>
-              </a:fillRef>
-              <a:effectRef idx="0">
-                <a:schemeClr val="accent1"/>
-              </a:effectRef>
-              <a:fontRef idx="minor">
-                <a:schemeClr val="lt1"/>
-              </a:fontRef>
-            </p:style>
-            <p:txBody>
-              <a:bodyPr rtlCol="0" anchor="ctr"/>
-              <a:lstStyle/>
-              <a:p>
-                <a:pPr algn="ctr"/>
-                <a:endParaRPr lang="en-US"/>
-              </a:p>
-            </p:txBody>
-          </p:sp>
-        </p:grpSp>
-        <mc:AlternateContent xmlns:mc="http://schemas.openxmlformats.org/markup-compatibility/2006" xmlns:a14="http://schemas.microsoft.com/office/drawing/2010/main">
-          <mc:Choice Requires="a14">
-            <p:sp>
-              <p:nvSpPr>
-                <p:cNvPr id="14" name="TextBox 13"/>
-                <p:cNvSpPr txBox="1"/>
-                <p:nvPr/>
-              </p:nvSpPr>
-              <p:spPr>
-                <a:xfrm rot="-1620000">
-                  <a:off x="3257103" y="3140436"/>
-                  <a:ext cx="250838" cy="276999"/>
-                </a:xfrm>
-                <a:prstGeom prst="rect">
-                  <a:avLst/>
-                </a:prstGeom>
-                <a:noFill/>
-              </p:spPr>
-              <p:txBody>
-                <a:bodyPr wrap="none" lIns="0" tIns="0" rIns="0" bIns="0" rtlCol="0">
-                  <a:spAutoFit/>
-                </a:bodyPr>
-                <a:lstStyle/>
-                <a:p>
-                  <a:pPr/>
-                  <a14:m>
-                    <m:oMathPara xmlns:m="http://schemas.openxmlformats.org/officeDocument/2006/math">
-                      <m:oMathParaPr>
-                        <m:jc m:val="centerGroup"/>
-                      </m:oMathParaPr>
-                      <m:oMath xmlns:m="http://schemas.openxmlformats.org/officeDocument/2006/math">
-                        <m:r>
-                          <a:rPr lang="en-CA" b="0" i="1" smtClean="0">
-                            <a:latin typeface="Cambria Math" charset="0"/>
-                          </a:rPr>
-                          <m:t>𝑚</m:t>
-                        </m:r>
-                      </m:oMath>
-                    </m:oMathPara>
-                  </a14:m>
-                  <a:endParaRPr lang="en-US" dirty="0"/>
-                </a:p>
-              </p:txBody>
-            </p:sp>
-          </mc:Choice>
-          <mc:Fallback xmlns="">
-            <p:sp>
-              <p:nvSpPr>
-                <p:cNvPr id="14" name="TextBox 13"/>
-                <p:cNvSpPr txBox="1">
-                  <a:spLocks noRot="1" noChangeAspect="1" noMove="1" noResize="1" noEditPoints="1" noAdjustHandles="1" noChangeArrowheads="1" noChangeShapeType="1" noTextEdit="1"/>
-                </p:cNvSpPr>
-                <p:nvPr/>
-              </p:nvSpPr>
-              <p:spPr>
-                <a:xfrm rot="-1620000">
-                  <a:off x="3257103" y="3140436"/>
-                  <a:ext cx="250838" cy="276999"/>
-                </a:xfrm>
-                <a:prstGeom prst="rect">
-                  <a:avLst/>
-                </a:prstGeom>
-                <a:blipFill rotWithShape="0">
-                  <a:blip r:embed="rId3"/>
-                  <a:stretch>
-                    <a:fillRect r="-5172" b="-1667"/>
-                  </a:stretch>
-                </a:blipFill>
-              </p:spPr>
-              <p:txBody>
-                <a:bodyPr/>
-                <a:lstStyle/>
-                <a:p>
-                  <a:r>
-                    <a:rPr lang="en-US">
-                      <a:noFill/>
-                    </a:rPr>
-                    <a:t> </a:t>
-                  </a:r>
-                </a:p>
-              </p:txBody>
-            </p:sp>
-          </mc:Fallback>
-        </mc:AlternateContent>
-        <p:cxnSp>
-          <p:nvCxnSpPr>
-            <p:cNvPr id="18" name="Straight Arrow Connector 17"/>
-            <p:cNvCxnSpPr/>
-            <p:nvPr/>
-          </p:nvCxnSpPr>
-          <p:spPr>
-            <a:xfrm flipV="1">
-              <a:off x="3129632" y="2424698"/>
-              <a:ext cx="855372" cy="455892"/>
-            </a:xfrm>
-            <a:prstGeom prst="straightConnector1">
-              <a:avLst/>
-            </a:prstGeom>
-            <a:ln w="38100">
-              <a:solidFill>
-                <a:schemeClr val="tx1"/>
-              </a:solidFill>
-              <a:tailEnd type="triangle"/>
-            </a:ln>
-          </p:spPr>
-          <p:style>
-            <a:lnRef idx="1">
-              <a:schemeClr val="accent1"/>
-            </a:lnRef>
-            <a:fillRef idx="0">
-              <a:schemeClr val="accent1"/>
-            </a:fillRef>
-            <a:effectRef idx="0">
-              <a:schemeClr val="accent1"/>
-            </a:effectRef>
-            <a:fontRef idx="minor">
-              <a:schemeClr val="tx1"/>
-            </a:fontRef>
-          </p:style>
-        </p:cxnSp>
-        <mc:AlternateContent xmlns:mc="http://schemas.openxmlformats.org/markup-compatibility/2006" xmlns:a14="http://schemas.microsoft.com/office/drawing/2010/main">
-          <mc:Choice Requires="a14">
-            <p:sp>
-              <p:nvSpPr>
-                <p:cNvPr id="21" name="TextBox 20"/>
-                <p:cNvSpPr txBox="1"/>
-                <p:nvPr/>
-              </p:nvSpPr>
-              <p:spPr>
-                <a:xfrm>
-                  <a:off x="3306824" y="2305783"/>
-                  <a:ext cx="250325" cy="276999"/>
-                </a:xfrm>
-                <a:prstGeom prst="rect">
-                  <a:avLst/>
-                </a:prstGeom>
-                <a:noFill/>
-              </p:spPr>
-              <p:txBody>
-                <a:bodyPr wrap="none" lIns="0" tIns="0" rIns="0" bIns="0" rtlCol="0">
-                  <a:spAutoFit/>
-                </a:bodyPr>
-                <a:lstStyle/>
-                <a:p>
-                  <a:pPr/>
-                  <a14:m>
-                    <m:oMathPara xmlns:m="http://schemas.openxmlformats.org/officeDocument/2006/math">
-                      <m:oMathParaPr>
-                        <m:jc m:val="centerGroup"/>
-                      </m:oMathParaPr>
-                      <m:oMath xmlns:m="http://schemas.openxmlformats.org/officeDocument/2006/math">
-                        <m:sSub>
-                          <m:sSubPr>
-                            <m:ctrlPr>
-                              <a:rPr lang="en-CA" b="0" i="1" smtClean="0">
-                                <a:latin typeface="Cambria Math" charset="0"/>
-                              </a:rPr>
-                            </m:ctrlPr>
-                          </m:sSubPr>
-                          <m:e>
-                            <m:acc>
-                              <m:accPr>
-                                <m:chr m:val="⃗"/>
-                                <m:ctrlPr>
-                                  <a:rPr lang="en-CA" b="0" i="1" smtClean="0">
-                                    <a:latin typeface="Cambria Math" charset="0"/>
-                                  </a:rPr>
-                                </m:ctrlPr>
-                              </m:accPr>
-                              <m:e>
-                                <m:r>
-                                  <a:rPr lang="en-CA" b="0" i="1" smtClean="0">
-                                    <a:latin typeface="Cambria Math" charset="0"/>
-                                  </a:rPr>
-                                  <m:t>𝑣</m:t>
-                                </m:r>
-                              </m:e>
-                            </m:acc>
-                          </m:e>
-                          <m:sub>
-                            <m:r>
-                              <a:rPr lang="en-CA" b="0" i="1" smtClean="0">
-                                <a:latin typeface="Cambria Math" charset="0"/>
-                              </a:rPr>
-                              <m:t>𝑖</m:t>
-                            </m:r>
-                          </m:sub>
-                        </m:sSub>
-                      </m:oMath>
-                    </m:oMathPara>
-                  </a14:m>
-                  <a:endParaRPr lang="en-US" dirty="0"/>
-                </a:p>
-              </p:txBody>
-            </p:sp>
-          </mc:Choice>
-          <mc:Fallback xmlns="">
-            <p:sp>
-              <p:nvSpPr>
-                <p:cNvPr id="21" name="TextBox 20"/>
-                <p:cNvSpPr txBox="1">
-                  <a:spLocks noRot="1" noChangeAspect="1" noMove="1" noResize="1" noEditPoints="1" noAdjustHandles="1" noChangeArrowheads="1" noChangeShapeType="1" noTextEdit="1"/>
-                </p:cNvSpPr>
-                <p:nvPr/>
-              </p:nvSpPr>
-              <p:spPr>
-                <a:xfrm>
-                  <a:off x="3306824" y="2305783"/>
-                  <a:ext cx="250325" cy="276999"/>
-                </a:xfrm>
-                <a:prstGeom prst="rect">
-                  <a:avLst/>
-                </a:prstGeom>
-                <a:blipFill rotWithShape="0">
-                  <a:blip r:embed="rId4"/>
-                  <a:stretch>
-                    <a:fillRect l="-19512" t="-36957" r="-70732" b="-19565"/>
-                  </a:stretch>
-                </a:blipFill>
-              </p:spPr>
-              <p:txBody>
-                <a:bodyPr/>
-                <a:lstStyle/>
-                <a:p>
-                  <a:r>
-                    <a:rPr lang="en-US">
-                      <a:noFill/>
-                    </a:rPr>
-                    <a:t> </a:t>
-                  </a:r>
-                </a:p>
-              </p:txBody>
-            </p:sp>
-          </mc:Fallback>
-        </mc:AlternateContent>
-        <p:sp>
-          <p:nvSpPr>
-            <p:cNvPr id="22" name="Arc 21"/>
-            <p:cNvSpPr/>
-            <p:nvPr/>
-          </p:nvSpPr>
-          <p:spPr>
-            <a:xfrm rot="16200000">
-              <a:off x="3593294" y="1564624"/>
-              <a:ext cx="4049413" cy="5792824"/>
-            </a:xfrm>
-            <a:prstGeom prst="arc">
-              <a:avLst>
-                <a:gd name="adj1" fmla="val 341948"/>
-                <a:gd name="adj2" fmla="val 4443231"/>
-              </a:avLst>
-            </a:prstGeom>
-            <a:ln w="28575">
-              <a:solidFill>
-                <a:schemeClr val="tx1"/>
-              </a:solidFill>
-              <a:prstDash val="dash"/>
-            </a:ln>
-          </p:spPr>
-          <p:style>
-            <a:lnRef idx="1">
-              <a:schemeClr val="accent1"/>
-            </a:lnRef>
-            <a:fillRef idx="0">
-              <a:schemeClr val="accent1"/>
-            </a:fillRef>
-            <a:effectRef idx="0">
-              <a:schemeClr val="accent1"/>
-            </a:effectRef>
-            <a:fontRef idx="minor">
-              <a:schemeClr val="tx1"/>
-            </a:fontRef>
-          </p:style>
-          <p:txBody>
-            <a:bodyPr rtlCol="0" anchor="ctr"/>
-            <a:lstStyle/>
-            <a:p>
-              <a:pPr algn="ctr"/>
-              <a:endParaRPr lang="en-US"/>
-            </a:p>
-          </p:txBody>
-        </p:sp>
-        <p:cxnSp>
-          <p:nvCxnSpPr>
-            <p:cNvPr id="29" name="Straight Arrow Connector 28"/>
-            <p:cNvCxnSpPr/>
-            <p:nvPr/>
-          </p:nvCxnSpPr>
-          <p:spPr>
-            <a:xfrm>
-              <a:off x="7960007" y="3079926"/>
-              <a:ext cx="361223" cy="666221"/>
-            </a:xfrm>
-            <a:prstGeom prst="straightConnector1">
-              <a:avLst/>
-            </a:prstGeom>
-            <a:ln w="38100">
-              <a:solidFill>
-                <a:schemeClr val="tx1"/>
-              </a:solidFill>
-              <a:tailEnd type="triangle"/>
-            </a:ln>
-          </p:spPr>
-          <p:style>
-            <a:lnRef idx="1">
-              <a:schemeClr val="accent1"/>
-            </a:lnRef>
-            <a:fillRef idx="0">
-              <a:schemeClr val="accent1"/>
-            </a:fillRef>
-            <a:effectRef idx="0">
-              <a:schemeClr val="accent1"/>
-            </a:effectRef>
-            <a:fontRef idx="minor">
-              <a:schemeClr val="tx1"/>
-            </a:fontRef>
-          </p:style>
-        </p:cxnSp>
-        <mc:AlternateContent xmlns:mc="http://schemas.openxmlformats.org/markup-compatibility/2006" xmlns:a14="http://schemas.microsoft.com/office/drawing/2010/main">
-          <mc:Choice Requires="a14">
-            <p:sp>
-              <p:nvSpPr>
-                <p:cNvPr id="30" name="TextBox 29"/>
-                <p:cNvSpPr txBox="1"/>
-                <p:nvPr/>
-              </p:nvSpPr>
-              <p:spPr>
-                <a:xfrm>
-                  <a:off x="8138926" y="3132018"/>
-                  <a:ext cx="276806" cy="299249"/>
-                </a:xfrm>
-                <a:prstGeom prst="rect">
-                  <a:avLst/>
-                </a:prstGeom>
-                <a:noFill/>
-              </p:spPr>
-              <p:txBody>
-                <a:bodyPr wrap="none" lIns="0" tIns="0" rIns="0" bIns="0" rtlCol="0">
-                  <a:spAutoFit/>
-                </a:bodyPr>
-                <a:lstStyle/>
-                <a:p>
-                  <a:pPr/>
-                  <a14:m>
-                    <m:oMathPara xmlns:m="http://schemas.openxmlformats.org/officeDocument/2006/math">
-                      <m:oMathParaPr>
-                        <m:jc m:val="centerGroup"/>
-                      </m:oMathParaPr>
-                      <m:oMath xmlns:m="http://schemas.openxmlformats.org/officeDocument/2006/math">
-                        <m:sSub>
-                          <m:sSubPr>
-                            <m:ctrlPr>
-                              <a:rPr lang="en-CA" b="0" i="1" smtClean="0">
-                                <a:latin typeface="Cambria Math" charset="0"/>
-                              </a:rPr>
-                            </m:ctrlPr>
-                          </m:sSubPr>
-                          <m:e>
-                            <m:acc>
-                              <m:accPr>
-                                <m:chr m:val="⃗"/>
-                                <m:ctrlPr>
-                                  <a:rPr lang="en-CA" b="0" i="1" smtClean="0">
-                                    <a:latin typeface="Cambria Math" charset="0"/>
-                                  </a:rPr>
-                                </m:ctrlPr>
-                              </m:accPr>
-                              <m:e>
-                                <m:r>
-                                  <a:rPr lang="en-CA" b="0" i="1" smtClean="0">
-                                    <a:latin typeface="Cambria Math" charset="0"/>
-                                  </a:rPr>
-                                  <m:t>𝑣</m:t>
-                                </m:r>
-                              </m:e>
-                            </m:acc>
-                          </m:e>
-                          <m:sub>
-                            <m:r>
-                              <a:rPr lang="en-CA" b="0" i="1" smtClean="0">
-                                <a:latin typeface="Cambria Math" charset="0"/>
-                              </a:rPr>
-                              <m:t>𝑓</m:t>
-                            </m:r>
-                          </m:sub>
-                        </m:sSub>
-                      </m:oMath>
-                    </m:oMathPara>
-                  </a14:m>
-                  <a:endParaRPr lang="en-US" dirty="0"/>
-                </a:p>
-              </p:txBody>
-            </p:sp>
-          </mc:Choice>
-          <mc:Fallback xmlns="">
-            <p:sp>
-              <p:nvSpPr>
-                <p:cNvPr id="30" name="TextBox 29"/>
-                <p:cNvSpPr txBox="1">
-                  <a:spLocks noRot="1" noChangeAspect="1" noMove="1" noResize="1" noEditPoints="1" noAdjustHandles="1" noChangeArrowheads="1" noChangeShapeType="1" noTextEdit="1"/>
-                </p:cNvSpPr>
-                <p:nvPr/>
-              </p:nvSpPr>
-              <p:spPr>
-                <a:xfrm>
-                  <a:off x="8138926" y="3132018"/>
-                  <a:ext cx="276806" cy="299249"/>
-                </a:xfrm>
-                <a:prstGeom prst="rect">
-                  <a:avLst/>
-                </a:prstGeom>
-                <a:blipFill rotWithShape="0">
-                  <a:blip r:embed="rId5"/>
-                  <a:stretch>
-                    <a:fillRect l="-15217" t="-34694" r="-63043" b="-28571"/>
-                  </a:stretch>
-                </a:blipFill>
-              </p:spPr>
-              <p:txBody>
-                <a:bodyPr/>
-                <a:lstStyle/>
-                <a:p>
-                  <a:r>
-                    <a:rPr lang="en-US">
-                      <a:noFill/>
-                    </a:rPr>
-                    <a:t> </a:t>
-                  </a:r>
-                </a:p>
-              </p:txBody>
-            </p:sp>
-          </mc:Fallback>
-        </mc:AlternateContent>
-      </p:grpSp>
-      <p:grpSp>
-        <p:nvGrpSpPr>
           <p:cNvPr id="64" name="Group 63"/>
           <p:cNvGrpSpPr/>
           <p:nvPr/>
@@ -32774,6 +31926,900 @@
           </p:style>
         </p:cxnSp>
       </p:grpSp>
+      <p:grpSp>
+        <p:nvGrpSpPr>
+          <p:cNvPr id="9" name="Group 8"/>
+          <p:cNvGrpSpPr/>
+          <p:nvPr/>
+        </p:nvGrpSpPr>
+        <p:grpSpPr>
+          <a:xfrm>
+            <a:off x="3043002" y="836747"/>
+            <a:ext cx="6325850" cy="4158443"/>
+            <a:chOff x="3043002" y="836747"/>
+            <a:chExt cx="6325850" cy="4158443"/>
+          </a:xfrm>
+        </p:grpSpPr>
+        <p:grpSp>
+          <p:nvGrpSpPr>
+            <p:cNvPr id="36" name="Group 35"/>
+            <p:cNvGrpSpPr/>
+            <p:nvPr/>
+          </p:nvGrpSpPr>
+          <p:grpSpPr>
+            <a:xfrm>
+              <a:off x="3043002" y="836747"/>
+              <a:ext cx="6325850" cy="4158443"/>
+              <a:chOff x="2188563" y="2305783"/>
+              <a:chExt cx="6325850" cy="4158443"/>
+            </a:xfrm>
+          </p:grpSpPr>
+          <p:grpSp>
+            <p:nvGrpSpPr>
+              <p:cNvPr id="12" name="Group 11"/>
+              <p:cNvGrpSpPr/>
+              <p:nvPr/>
+            </p:nvGrpSpPr>
+            <p:grpSpPr>
+              <a:xfrm>
+                <a:off x="2188563" y="2425906"/>
+                <a:ext cx="6123089" cy="1942605"/>
+                <a:chOff x="2188563" y="2425906"/>
+                <a:chExt cx="6123089" cy="1942605"/>
+              </a:xfrm>
+            </p:grpSpPr>
+            <p:cxnSp>
+              <p:nvCxnSpPr>
+                <p:cNvPr id="5" name="Straight Connector 4"/>
+                <p:cNvCxnSpPr/>
+                <p:nvPr/>
+              </p:nvCxnSpPr>
+              <p:spPr>
+                <a:xfrm>
+                  <a:off x="2188563" y="3807501"/>
+                  <a:ext cx="1044000" cy="0"/>
+                </a:xfrm>
+                <a:prstGeom prst="line">
+                  <a:avLst/>
+                </a:prstGeom>
+                <a:ln w="38100">
+                  <a:solidFill>
+                    <a:schemeClr val="tx1"/>
+                  </a:solidFill>
+                </a:ln>
+              </p:spPr>
+              <p:style>
+                <a:lnRef idx="1">
+                  <a:schemeClr val="accent1"/>
+                </a:lnRef>
+                <a:fillRef idx="0">
+                  <a:schemeClr val="accent1"/>
+                </a:fillRef>
+                <a:effectRef idx="0">
+                  <a:schemeClr val="accent1"/>
+                </a:effectRef>
+                <a:fontRef idx="minor">
+                  <a:schemeClr val="tx1"/>
+                </a:fontRef>
+              </p:style>
+            </p:cxnSp>
+            <p:cxnSp>
+              <p:nvCxnSpPr>
+                <p:cNvPr id="6" name="Straight Connector 5"/>
+                <p:cNvCxnSpPr/>
+                <p:nvPr/>
+              </p:nvCxnSpPr>
+              <p:spPr>
+                <a:xfrm>
+                  <a:off x="2188563" y="4364636"/>
+                  <a:ext cx="6120000" cy="0"/>
+                </a:xfrm>
+                <a:prstGeom prst="line">
+                  <a:avLst/>
+                </a:prstGeom>
+                <a:ln w="38100">
+                  <a:solidFill>
+                    <a:schemeClr val="tx1"/>
+                  </a:solidFill>
+                </a:ln>
+              </p:spPr>
+              <p:style>
+                <a:lnRef idx="1">
+                  <a:schemeClr val="accent1"/>
+                </a:lnRef>
+                <a:fillRef idx="0">
+                  <a:schemeClr val="accent1"/>
+                </a:fillRef>
+                <a:effectRef idx="0">
+                  <a:schemeClr val="accent1"/>
+                </a:effectRef>
+                <a:fontRef idx="minor">
+                  <a:schemeClr val="tx1"/>
+                </a:fontRef>
+              </p:style>
+            </p:cxnSp>
+            <p:cxnSp>
+              <p:nvCxnSpPr>
+                <p:cNvPr id="7" name="Straight Connector 6"/>
+                <p:cNvCxnSpPr/>
+                <p:nvPr/>
+              </p:nvCxnSpPr>
+              <p:spPr>
+                <a:xfrm>
+                  <a:off x="5863652" y="3777521"/>
+                  <a:ext cx="2448000" cy="0"/>
+                </a:xfrm>
+                <a:prstGeom prst="line">
+                  <a:avLst/>
+                </a:prstGeom>
+                <a:ln w="38100">
+                  <a:solidFill>
+                    <a:schemeClr val="tx1"/>
+                  </a:solidFill>
+                </a:ln>
+              </p:spPr>
+              <p:style>
+                <a:lnRef idx="1">
+                  <a:schemeClr val="accent1"/>
+                </a:lnRef>
+                <a:fillRef idx="0">
+                  <a:schemeClr val="accent1"/>
+                </a:fillRef>
+                <a:effectRef idx="0">
+                  <a:schemeClr val="accent1"/>
+                </a:effectRef>
+                <a:fontRef idx="minor">
+                  <a:schemeClr val="tx1"/>
+                </a:fontRef>
+              </p:style>
+            </p:cxnSp>
+            <p:cxnSp>
+              <p:nvCxnSpPr>
+                <p:cNvPr id="8" name="Straight Connector 7"/>
+                <p:cNvCxnSpPr/>
+                <p:nvPr/>
+              </p:nvCxnSpPr>
+              <p:spPr>
+                <a:xfrm>
+                  <a:off x="2208549" y="3792511"/>
+                  <a:ext cx="0" cy="576000"/>
+                </a:xfrm>
+                <a:prstGeom prst="line">
+                  <a:avLst/>
+                </a:prstGeom>
+                <a:ln w="38100">
+                  <a:solidFill>
+                    <a:schemeClr val="tx1"/>
+                  </a:solidFill>
+                </a:ln>
+              </p:spPr>
+              <p:style>
+                <a:lnRef idx="1">
+                  <a:schemeClr val="accent1"/>
+                </a:lnRef>
+                <a:fillRef idx="0">
+                  <a:schemeClr val="accent1"/>
+                </a:fillRef>
+                <a:effectRef idx="0">
+                  <a:schemeClr val="accent1"/>
+                </a:effectRef>
+                <a:fontRef idx="minor">
+                  <a:schemeClr val="tx1"/>
+                </a:fontRef>
+              </p:style>
+            </p:cxnSp>
+            <p:cxnSp>
+              <p:nvCxnSpPr>
+                <p:cNvPr id="10" name="Straight Connector 9"/>
+                <p:cNvCxnSpPr/>
+                <p:nvPr/>
+              </p:nvCxnSpPr>
+              <p:spPr>
+                <a:xfrm>
+                  <a:off x="8286076" y="3777521"/>
+                  <a:ext cx="0" cy="576000"/>
+                </a:xfrm>
+                <a:prstGeom prst="line">
+                  <a:avLst/>
+                </a:prstGeom>
+                <a:ln w="38100">
+                  <a:solidFill>
+                    <a:schemeClr val="tx1"/>
+                  </a:solidFill>
+                </a:ln>
+              </p:spPr>
+              <p:style>
+                <a:lnRef idx="1">
+                  <a:schemeClr val="accent1"/>
+                </a:lnRef>
+                <a:fillRef idx="0">
+                  <a:schemeClr val="accent1"/>
+                </a:fillRef>
+                <a:effectRef idx="0">
+                  <a:schemeClr val="accent1"/>
+                </a:effectRef>
+                <a:fontRef idx="minor">
+                  <a:schemeClr val="tx1"/>
+                </a:fontRef>
+              </p:style>
+            </p:cxnSp>
+            <p:cxnSp>
+              <p:nvCxnSpPr>
+                <p:cNvPr id="11" name="Straight Connector 10"/>
+                <p:cNvCxnSpPr/>
+                <p:nvPr/>
+              </p:nvCxnSpPr>
+              <p:spPr>
+                <a:xfrm>
+                  <a:off x="5848662" y="2425906"/>
+                  <a:ext cx="0" cy="1368000"/>
+                </a:xfrm>
+                <a:prstGeom prst="line">
+                  <a:avLst/>
+                </a:prstGeom>
+                <a:ln w="38100">
+                  <a:solidFill>
+                    <a:schemeClr val="tx1"/>
+                  </a:solidFill>
+                </a:ln>
+              </p:spPr>
+              <p:style>
+                <a:lnRef idx="1">
+                  <a:schemeClr val="accent1"/>
+                </a:lnRef>
+                <a:fillRef idx="0">
+                  <a:schemeClr val="accent1"/>
+                </a:fillRef>
+                <a:effectRef idx="0">
+                  <a:schemeClr val="accent1"/>
+                </a:effectRef>
+                <a:fontRef idx="minor">
+                  <a:schemeClr val="tx1"/>
+                </a:fontRef>
+              </p:style>
+            </p:cxnSp>
+            <p:cxnSp>
+              <p:nvCxnSpPr>
+                <p:cNvPr id="13" name="Straight Connector 12"/>
+                <p:cNvCxnSpPr/>
+                <p:nvPr/>
+              </p:nvCxnSpPr>
+              <p:spPr>
+                <a:xfrm flipH="1">
+                  <a:off x="3207897" y="2425906"/>
+                  <a:ext cx="2655754" cy="1382990"/>
+                </a:xfrm>
+                <a:prstGeom prst="line">
+                  <a:avLst/>
+                </a:prstGeom>
+                <a:ln w="38100">
+                  <a:solidFill>
+                    <a:schemeClr val="tx1"/>
+                  </a:solidFill>
+                </a:ln>
+              </p:spPr>
+              <p:style>
+                <a:lnRef idx="1">
+                  <a:schemeClr val="accent1"/>
+                </a:lnRef>
+                <a:fillRef idx="0">
+                  <a:schemeClr val="accent1"/>
+                </a:fillRef>
+                <a:effectRef idx="0">
+                  <a:schemeClr val="accent1"/>
+                </a:effectRef>
+                <a:fontRef idx="minor">
+                  <a:schemeClr val="tx1"/>
+                </a:fontRef>
+              </p:style>
+            </p:cxnSp>
+            <mc:AlternateContent xmlns:mc="http://schemas.openxmlformats.org/markup-compatibility/2006" xmlns:a14="http://schemas.microsoft.com/office/drawing/2010/main">
+              <mc:Choice Requires="a14">
+                <p:sp>
+                  <p:nvSpPr>
+                    <p:cNvPr id="24" name="TextBox 23"/>
+                    <p:cNvSpPr txBox="1"/>
+                    <p:nvPr/>
+                  </p:nvSpPr>
+                  <p:spPr>
+                    <a:xfrm>
+                      <a:off x="6300748" y="2968396"/>
+                      <a:ext cx="185115" cy="276999"/>
+                    </a:xfrm>
+                    <a:prstGeom prst="rect">
+                      <a:avLst/>
+                    </a:prstGeom>
+                    <a:noFill/>
+                  </p:spPr>
+                  <p:txBody>
+                    <a:bodyPr wrap="none" lIns="0" tIns="0" rIns="0" bIns="0" rtlCol="0">
+                      <a:spAutoFit/>
+                    </a:bodyPr>
+                    <a:lstStyle/>
+                    <a:p>
+                      <a:pPr/>
+                      <a14:m>
+                        <m:oMathPara xmlns:m="http://schemas.openxmlformats.org/officeDocument/2006/math">
+                          <m:oMathParaPr>
+                            <m:jc m:val="centerGroup"/>
+                          </m:oMathParaPr>
+                          <m:oMath xmlns:m="http://schemas.openxmlformats.org/officeDocument/2006/math">
+                            <m:r>
+                              <a:rPr lang="en-CA" b="0" i="1" smtClean="0">
+                                <a:latin typeface="Cambria Math" charset="0"/>
+                              </a:rPr>
+                              <m:t>h</m:t>
+                            </m:r>
+                          </m:oMath>
+                        </m:oMathPara>
+                      </a14:m>
+                      <a:endParaRPr lang="en-US" dirty="0"/>
+                    </a:p>
+                  </p:txBody>
+                </p:sp>
+              </mc:Choice>
+              <mc:Fallback xmlns="">
+                <p:sp>
+                  <p:nvSpPr>
+                    <p:cNvPr id="24" name="TextBox 23"/>
+                    <p:cNvSpPr txBox="1">
+                      <a:spLocks noRot="1" noChangeAspect="1" noMove="1" noResize="1" noEditPoints="1" noAdjustHandles="1" noChangeArrowheads="1" noChangeShapeType="1" noTextEdit="1"/>
+                    </p:cNvSpPr>
+                    <p:nvPr/>
+                  </p:nvSpPr>
+                  <p:spPr>
+                    <a:xfrm>
+                      <a:off x="6300748" y="2968396"/>
+                      <a:ext cx="185115" cy="276999"/>
+                    </a:xfrm>
+                    <a:prstGeom prst="rect">
+                      <a:avLst/>
+                    </a:prstGeom>
+                    <a:blipFill rotWithShape="0">
+                      <a:blip r:embed="rId2"/>
+                      <a:stretch>
+                        <a:fillRect l="-33333" r="-30000" b="-8889"/>
+                      </a:stretch>
+                    </a:blipFill>
+                  </p:spPr>
+                  <p:txBody>
+                    <a:bodyPr/>
+                    <a:lstStyle/>
+                    <a:p>
+                      <a:r>
+                        <a:rPr lang="en-US">
+                          <a:noFill/>
+                        </a:rPr>
+                        <a:t> </a:t>
+                      </a:r>
+                    </a:p>
+                  </p:txBody>
+                </p:sp>
+              </mc:Fallback>
+            </mc:AlternateContent>
+            <p:sp>
+              <p:nvSpPr>
+                <p:cNvPr id="2" name="Rectangle 1"/>
+                <p:cNvSpPr/>
+                <p:nvPr/>
+              </p:nvSpPr>
+              <p:spPr>
+                <a:xfrm rot="19940179">
+                  <a:off x="3031583" y="2946522"/>
+                  <a:ext cx="720000" cy="720000"/>
+                </a:xfrm>
+                <a:prstGeom prst="rect">
+                  <a:avLst/>
+                </a:prstGeom>
+                <a:solidFill>
+                  <a:schemeClr val="bg2">
+                    <a:lumMod val="75000"/>
+                  </a:schemeClr>
+                </a:solidFill>
+                <a:ln w="38100">
+                  <a:solidFill>
+                    <a:schemeClr val="tx1"/>
+                  </a:solidFill>
+                </a:ln>
+              </p:spPr>
+              <p:style>
+                <a:lnRef idx="2">
+                  <a:schemeClr val="accent1">
+                    <a:shade val="50000"/>
+                  </a:schemeClr>
+                </a:lnRef>
+                <a:fillRef idx="1">
+                  <a:schemeClr val="accent1"/>
+                </a:fillRef>
+                <a:effectRef idx="0">
+                  <a:schemeClr val="accent1"/>
+                </a:effectRef>
+                <a:fontRef idx="minor">
+                  <a:schemeClr val="lt1"/>
+                </a:fontRef>
+              </p:style>
+              <p:txBody>
+                <a:bodyPr rtlCol="0" anchor="ctr"/>
+                <a:lstStyle/>
+                <a:p>
+                  <a:pPr algn="ctr"/>
+                  <a:endParaRPr lang="en-US"/>
+                </a:p>
+              </p:txBody>
+            </p:sp>
+          </p:grpSp>
+          <mc:AlternateContent xmlns:mc="http://schemas.openxmlformats.org/markup-compatibility/2006" xmlns:a14="http://schemas.microsoft.com/office/drawing/2010/main">
+            <mc:Choice Requires="a14">
+              <p:sp>
+                <p:nvSpPr>
+                  <p:cNvPr id="14" name="TextBox 13"/>
+                  <p:cNvSpPr txBox="1"/>
+                  <p:nvPr/>
+                </p:nvSpPr>
+                <p:spPr>
+                  <a:xfrm rot="-1620000">
+                    <a:off x="3257103" y="3140436"/>
+                    <a:ext cx="250838" cy="276999"/>
+                  </a:xfrm>
+                  <a:prstGeom prst="rect">
+                    <a:avLst/>
+                  </a:prstGeom>
+                  <a:noFill/>
+                </p:spPr>
+                <p:txBody>
+                  <a:bodyPr wrap="none" lIns="0" tIns="0" rIns="0" bIns="0" rtlCol="0">
+                    <a:spAutoFit/>
+                  </a:bodyPr>
+                  <a:lstStyle/>
+                  <a:p>
+                    <a:pPr/>
+                    <a14:m>
+                      <m:oMathPara xmlns:m="http://schemas.openxmlformats.org/officeDocument/2006/math">
+                        <m:oMathParaPr>
+                          <m:jc m:val="centerGroup"/>
+                        </m:oMathParaPr>
+                        <m:oMath xmlns:m="http://schemas.openxmlformats.org/officeDocument/2006/math">
+                          <m:r>
+                            <a:rPr lang="en-CA" b="0" i="1" smtClean="0">
+                              <a:latin typeface="Cambria Math" charset="0"/>
+                            </a:rPr>
+                            <m:t>𝑚</m:t>
+                          </m:r>
+                        </m:oMath>
+                      </m:oMathPara>
+                    </a14:m>
+                    <a:endParaRPr lang="en-US" dirty="0"/>
+                  </a:p>
+                </p:txBody>
+              </p:sp>
+            </mc:Choice>
+            <mc:Fallback xmlns="">
+              <p:sp>
+                <p:nvSpPr>
+                  <p:cNvPr id="14" name="TextBox 13"/>
+                  <p:cNvSpPr txBox="1">
+                    <a:spLocks noRot="1" noChangeAspect="1" noMove="1" noResize="1" noEditPoints="1" noAdjustHandles="1" noChangeArrowheads="1" noChangeShapeType="1" noTextEdit="1"/>
+                  </p:cNvSpPr>
+                  <p:nvPr/>
+                </p:nvSpPr>
+                <p:spPr>
+                  <a:xfrm rot="-1620000">
+                    <a:off x="3257103" y="3140436"/>
+                    <a:ext cx="250838" cy="276999"/>
+                  </a:xfrm>
+                  <a:prstGeom prst="rect">
+                    <a:avLst/>
+                  </a:prstGeom>
+                  <a:blipFill rotWithShape="0">
+                    <a:blip r:embed="rId3"/>
+                    <a:stretch>
+                      <a:fillRect r="-5172" b="-1667"/>
+                    </a:stretch>
+                  </a:blipFill>
+                </p:spPr>
+                <p:txBody>
+                  <a:bodyPr/>
+                  <a:lstStyle/>
+                  <a:p>
+                    <a:r>
+                      <a:rPr lang="en-US">
+                        <a:noFill/>
+                      </a:rPr>
+                      <a:t> </a:t>
+                    </a:r>
+                  </a:p>
+                </p:txBody>
+              </p:sp>
+            </mc:Fallback>
+          </mc:AlternateContent>
+          <p:cxnSp>
+            <p:nvCxnSpPr>
+              <p:cNvPr id="18" name="Straight Arrow Connector 17"/>
+              <p:cNvCxnSpPr/>
+              <p:nvPr/>
+            </p:nvCxnSpPr>
+            <p:spPr>
+              <a:xfrm flipV="1">
+                <a:off x="3129632" y="2424698"/>
+                <a:ext cx="855372" cy="455892"/>
+              </a:xfrm>
+              <a:prstGeom prst="straightConnector1">
+                <a:avLst/>
+              </a:prstGeom>
+              <a:ln w="38100">
+                <a:solidFill>
+                  <a:schemeClr val="tx1"/>
+                </a:solidFill>
+                <a:tailEnd type="triangle"/>
+              </a:ln>
+            </p:spPr>
+            <p:style>
+              <a:lnRef idx="1">
+                <a:schemeClr val="accent1"/>
+              </a:lnRef>
+              <a:fillRef idx="0">
+                <a:schemeClr val="accent1"/>
+              </a:fillRef>
+              <a:effectRef idx="0">
+                <a:schemeClr val="accent1"/>
+              </a:effectRef>
+              <a:fontRef idx="minor">
+                <a:schemeClr val="tx1"/>
+              </a:fontRef>
+            </p:style>
+          </p:cxnSp>
+          <mc:AlternateContent xmlns:mc="http://schemas.openxmlformats.org/markup-compatibility/2006" xmlns:a14="http://schemas.microsoft.com/office/drawing/2010/main">
+            <mc:Choice Requires="a14">
+              <p:sp>
+                <p:nvSpPr>
+                  <p:cNvPr id="21" name="TextBox 20"/>
+                  <p:cNvSpPr txBox="1"/>
+                  <p:nvPr/>
+                </p:nvSpPr>
+                <p:spPr>
+                  <a:xfrm>
+                    <a:off x="3306824" y="2305783"/>
+                    <a:ext cx="250325" cy="276999"/>
+                  </a:xfrm>
+                  <a:prstGeom prst="rect">
+                    <a:avLst/>
+                  </a:prstGeom>
+                  <a:noFill/>
+                </p:spPr>
+                <p:txBody>
+                  <a:bodyPr wrap="none" lIns="0" tIns="0" rIns="0" bIns="0" rtlCol="0">
+                    <a:spAutoFit/>
+                  </a:bodyPr>
+                  <a:lstStyle/>
+                  <a:p>
+                    <a:pPr/>
+                    <a14:m>
+                      <m:oMathPara xmlns:m="http://schemas.openxmlformats.org/officeDocument/2006/math">
+                        <m:oMathParaPr>
+                          <m:jc m:val="centerGroup"/>
+                        </m:oMathParaPr>
+                        <m:oMath xmlns:m="http://schemas.openxmlformats.org/officeDocument/2006/math">
+                          <m:sSub>
+                            <m:sSubPr>
+                              <m:ctrlPr>
+                                <a:rPr lang="en-CA" b="0" i="1" smtClean="0">
+                                  <a:latin typeface="Cambria Math" charset="0"/>
+                                </a:rPr>
+                              </m:ctrlPr>
+                            </m:sSubPr>
+                            <m:e>
+                              <m:acc>
+                                <m:accPr>
+                                  <m:chr m:val="⃗"/>
+                                  <m:ctrlPr>
+                                    <a:rPr lang="en-CA" b="0" i="1" smtClean="0">
+                                      <a:latin typeface="Cambria Math" charset="0"/>
+                                    </a:rPr>
+                                  </m:ctrlPr>
+                                </m:accPr>
+                                <m:e>
+                                  <m:r>
+                                    <a:rPr lang="en-CA" b="0" i="1" smtClean="0">
+                                      <a:latin typeface="Cambria Math" charset="0"/>
+                                    </a:rPr>
+                                    <m:t>𝑣</m:t>
+                                  </m:r>
+                                </m:e>
+                              </m:acc>
+                            </m:e>
+                            <m:sub>
+                              <m:r>
+                                <a:rPr lang="en-CA" b="0" i="1" smtClean="0">
+                                  <a:latin typeface="Cambria Math" charset="0"/>
+                                </a:rPr>
+                                <m:t>𝑖</m:t>
+                              </m:r>
+                            </m:sub>
+                          </m:sSub>
+                        </m:oMath>
+                      </m:oMathPara>
+                    </a14:m>
+                    <a:endParaRPr lang="en-US" dirty="0"/>
+                  </a:p>
+                </p:txBody>
+              </p:sp>
+            </mc:Choice>
+            <mc:Fallback xmlns="">
+              <p:sp>
+                <p:nvSpPr>
+                  <p:cNvPr id="21" name="TextBox 20"/>
+                  <p:cNvSpPr txBox="1">
+                    <a:spLocks noRot="1" noChangeAspect="1" noMove="1" noResize="1" noEditPoints="1" noAdjustHandles="1" noChangeArrowheads="1" noChangeShapeType="1" noTextEdit="1"/>
+                  </p:cNvSpPr>
+                  <p:nvPr/>
+                </p:nvSpPr>
+                <p:spPr>
+                  <a:xfrm>
+                    <a:off x="3306824" y="2305783"/>
+                    <a:ext cx="250325" cy="276999"/>
+                  </a:xfrm>
+                  <a:prstGeom prst="rect">
+                    <a:avLst/>
+                  </a:prstGeom>
+                  <a:blipFill rotWithShape="0">
+                    <a:blip r:embed="rId4"/>
+                    <a:stretch>
+                      <a:fillRect l="-19512" t="-36957" r="-70732" b="-19565"/>
+                    </a:stretch>
+                  </a:blipFill>
+                </p:spPr>
+                <p:txBody>
+                  <a:bodyPr/>
+                  <a:lstStyle/>
+                  <a:p>
+                    <a:r>
+                      <a:rPr lang="en-US">
+                        <a:noFill/>
+                      </a:rPr>
+                      <a:t> </a:t>
+                    </a:r>
+                  </a:p>
+                </p:txBody>
+              </p:sp>
+            </mc:Fallback>
+          </mc:AlternateContent>
+          <p:sp>
+            <p:nvSpPr>
+              <p:cNvPr id="22" name="Arc 21"/>
+              <p:cNvSpPr/>
+              <p:nvPr/>
+            </p:nvSpPr>
+            <p:spPr>
+              <a:xfrm rot="16200000">
+                <a:off x="3593294" y="1543108"/>
+                <a:ext cx="4049413" cy="5792824"/>
+              </a:xfrm>
+              <a:prstGeom prst="arc">
+                <a:avLst>
+                  <a:gd name="adj1" fmla="val 341948"/>
+                  <a:gd name="adj2" fmla="val 4443231"/>
+                </a:avLst>
+              </a:prstGeom>
+              <a:ln w="28575">
+                <a:solidFill>
+                  <a:schemeClr val="tx1"/>
+                </a:solidFill>
+                <a:prstDash val="dash"/>
+              </a:ln>
+            </p:spPr>
+            <p:style>
+              <a:lnRef idx="1">
+                <a:schemeClr val="accent1"/>
+              </a:lnRef>
+              <a:fillRef idx="0">
+                <a:schemeClr val="accent1"/>
+              </a:fillRef>
+              <a:effectRef idx="0">
+                <a:schemeClr val="accent1"/>
+              </a:effectRef>
+              <a:fontRef idx="minor">
+                <a:schemeClr val="tx1"/>
+              </a:fontRef>
+            </p:style>
+            <p:txBody>
+              <a:bodyPr rtlCol="0" anchor="ctr"/>
+              <a:lstStyle/>
+              <a:p>
+                <a:pPr algn="ctr"/>
+                <a:endParaRPr lang="en-US"/>
+              </a:p>
+            </p:txBody>
+          </p:sp>
+          <p:cxnSp>
+            <p:nvCxnSpPr>
+              <p:cNvPr id="29" name="Straight Arrow Connector 28"/>
+              <p:cNvCxnSpPr/>
+              <p:nvPr/>
+            </p:nvCxnSpPr>
+            <p:spPr>
+              <a:xfrm>
+                <a:off x="7960007" y="3079926"/>
+                <a:ext cx="361223" cy="666221"/>
+              </a:xfrm>
+              <a:prstGeom prst="straightConnector1">
+                <a:avLst/>
+              </a:prstGeom>
+              <a:ln w="38100">
+                <a:solidFill>
+                  <a:schemeClr val="tx1"/>
+                </a:solidFill>
+                <a:tailEnd type="triangle"/>
+              </a:ln>
+            </p:spPr>
+            <p:style>
+              <a:lnRef idx="1">
+                <a:schemeClr val="accent1"/>
+              </a:lnRef>
+              <a:fillRef idx="0">
+                <a:schemeClr val="accent1"/>
+              </a:fillRef>
+              <a:effectRef idx="0">
+                <a:schemeClr val="accent1"/>
+              </a:effectRef>
+              <a:fontRef idx="minor">
+                <a:schemeClr val="tx1"/>
+              </a:fontRef>
+            </p:style>
+          </p:cxnSp>
+          <mc:AlternateContent xmlns:mc="http://schemas.openxmlformats.org/markup-compatibility/2006" xmlns:a14="http://schemas.microsoft.com/office/drawing/2010/main">
+            <mc:Choice Requires="a14">
+              <p:sp>
+                <p:nvSpPr>
+                  <p:cNvPr id="30" name="TextBox 29"/>
+                  <p:cNvSpPr txBox="1"/>
+                  <p:nvPr/>
+                </p:nvSpPr>
+                <p:spPr>
+                  <a:xfrm>
+                    <a:off x="8138926" y="3132018"/>
+                    <a:ext cx="276806" cy="299249"/>
+                  </a:xfrm>
+                  <a:prstGeom prst="rect">
+                    <a:avLst/>
+                  </a:prstGeom>
+                  <a:noFill/>
+                </p:spPr>
+                <p:txBody>
+                  <a:bodyPr wrap="none" lIns="0" tIns="0" rIns="0" bIns="0" rtlCol="0">
+                    <a:spAutoFit/>
+                  </a:bodyPr>
+                  <a:lstStyle/>
+                  <a:p>
+                    <a:pPr/>
+                    <a14:m>
+                      <m:oMathPara xmlns:m="http://schemas.openxmlformats.org/officeDocument/2006/math">
+                        <m:oMathParaPr>
+                          <m:jc m:val="centerGroup"/>
+                        </m:oMathParaPr>
+                        <m:oMath xmlns:m="http://schemas.openxmlformats.org/officeDocument/2006/math">
+                          <m:sSub>
+                            <m:sSubPr>
+                              <m:ctrlPr>
+                                <a:rPr lang="en-CA" b="0" i="1" smtClean="0">
+                                  <a:latin typeface="Cambria Math" charset="0"/>
+                                </a:rPr>
+                              </m:ctrlPr>
+                            </m:sSubPr>
+                            <m:e>
+                              <m:acc>
+                                <m:accPr>
+                                  <m:chr m:val="⃗"/>
+                                  <m:ctrlPr>
+                                    <a:rPr lang="en-CA" b="0" i="1" smtClean="0">
+                                      <a:latin typeface="Cambria Math" charset="0"/>
+                                    </a:rPr>
+                                  </m:ctrlPr>
+                                </m:accPr>
+                                <m:e>
+                                  <m:r>
+                                    <a:rPr lang="en-CA" b="0" i="1" smtClean="0">
+                                      <a:latin typeface="Cambria Math" charset="0"/>
+                                    </a:rPr>
+                                    <m:t>𝑣</m:t>
+                                  </m:r>
+                                </m:e>
+                              </m:acc>
+                            </m:e>
+                            <m:sub>
+                              <m:r>
+                                <a:rPr lang="en-CA" b="0" i="1" smtClean="0">
+                                  <a:latin typeface="Cambria Math" charset="0"/>
+                                </a:rPr>
+                                <m:t>𝑓</m:t>
+                              </m:r>
+                            </m:sub>
+                          </m:sSub>
+                        </m:oMath>
+                      </m:oMathPara>
+                    </a14:m>
+                    <a:endParaRPr lang="en-US" dirty="0"/>
+                  </a:p>
+                </p:txBody>
+              </p:sp>
+            </mc:Choice>
+            <mc:Fallback xmlns="">
+              <p:sp>
+                <p:nvSpPr>
+                  <p:cNvPr id="30" name="TextBox 29"/>
+                  <p:cNvSpPr txBox="1">
+                    <a:spLocks noRot="1" noChangeAspect="1" noMove="1" noResize="1" noEditPoints="1" noAdjustHandles="1" noChangeArrowheads="1" noChangeShapeType="1" noTextEdit="1"/>
+                  </p:cNvSpPr>
+                  <p:nvPr/>
+                </p:nvSpPr>
+                <p:spPr>
+                  <a:xfrm>
+                    <a:off x="8138926" y="3132018"/>
+                    <a:ext cx="276806" cy="299249"/>
+                  </a:xfrm>
+                  <a:prstGeom prst="rect">
+                    <a:avLst/>
+                  </a:prstGeom>
+                  <a:blipFill rotWithShape="0">
+                    <a:blip r:embed="rId5"/>
+                    <a:stretch>
+                      <a:fillRect l="-15217" t="-34694" r="-63043" b="-28571"/>
+                    </a:stretch>
+                  </a:blipFill>
+                </p:spPr>
+                <p:txBody>
+                  <a:bodyPr/>
+                  <a:lstStyle/>
+                  <a:p>
+                    <a:r>
+                      <a:rPr lang="en-US">
+                        <a:noFill/>
+                      </a:rPr>
+                      <a:t> </a:t>
+                    </a:r>
+                  </a:p>
+                </p:txBody>
+              </p:sp>
+            </mc:Fallback>
+          </mc:AlternateContent>
+        </p:grpSp>
+        <p:cxnSp>
+          <p:nvCxnSpPr>
+            <p:cNvPr id="4" name="Straight Arrow Connector 3"/>
+            <p:cNvCxnSpPr/>
+            <p:nvPr/>
+          </p:nvCxnSpPr>
+          <p:spPr>
+            <a:xfrm>
+              <a:off x="7447400" y="1079860"/>
+              <a:ext cx="0" cy="1228625"/>
+            </a:xfrm>
+            <a:prstGeom prst="straightConnector1">
+              <a:avLst/>
+            </a:prstGeom>
+            <a:ln w="38100">
+              <a:solidFill>
+                <a:schemeClr val="tx1"/>
+              </a:solidFill>
+              <a:headEnd type="triangle"/>
+              <a:tailEnd type="triangle"/>
+            </a:ln>
+          </p:spPr>
+          <p:style>
+            <a:lnRef idx="1">
+              <a:schemeClr val="accent1"/>
+            </a:lnRef>
+            <a:fillRef idx="0">
+              <a:schemeClr val="accent1"/>
+            </a:fillRef>
+            <a:effectRef idx="0">
+              <a:schemeClr val="accent1"/>
+            </a:effectRef>
+            <a:fontRef idx="minor">
+              <a:schemeClr val="tx1"/>
+            </a:fontRef>
+          </p:style>
+        </p:cxnSp>
+      </p:grpSp>
     </p:spTree>
     <p:extLst>
       <p:ext uri="{BB962C8B-B14F-4D97-AF65-F5344CB8AC3E}">

--- a/tex/figures/WorkEnergy/Figures.pptx
+++ b/tex/figures/WorkEnergy/Figures.pptx
@@ -252,7 +252,7 @@
           <a:p>
             <a:fld id="{F7249F8D-641B-4CAF-BAE5-10524742F6F1}" type="datetimeFigureOut">
               <a:rPr lang="en-CA" smtClean="0"/>
-              <a:t>2018-08-17</a:t>
+              <a:t>2018-08-21</a:t>
             </a:fld>
             <a:endParaRPr lang="en-CA"/>
           </a:p>
@@ -422,7 +422,7 @@
           <a:p>
             <a:fld id="{F7249F8D-641B-4CAF-BAE5-10524742F6F1}" type="datetimeFigureOut">
               <a:rPr lang="en-CA" smtClean="0"/>
-              <a:t>2018-08-17</a:t>
+              <a:t>2018-08-21</a:t>
             </a:fld>
             <a:endParaRPr lang="en-CA"/>
           </a:p>
@@ -602,7 +602,7 @@
           <a:p>
             <a:fld id="{F7249F8D-641B-4CAF-BAE5-10524742F6F1}" type="datetimeFigureOut">
               <a:rPr lang="en-CA" smtClean="0"/>
-              <a:t>2018-08-17</a:t>
+              <a:t>2018-08-21</a:t>
             </a:fld>
             <a:endParaRPr lang="en-CA"/>
           </a:p>
@@ -772,7 +772,7 @@
           <a:p>
             <a:fld id="{F7249F8D-641B-4CAF-BAE5-10524742F6F1}" type="datetimeFigureOut">
               <a:rPr lang="en-CA" smtClean="0"/>
-              <a:t>2018-08-17</a:t>
+              <a:t>2018-08-21</a:t>
             </a:fld>
             <a:endParaRPr lang="en-CA"/>
           </a:p>
@@ -1018,7 +1018,7 @@
           <a:p>
             <a:fld id="{F7249F8D-641B-4CAF-BAE5-10524742F6F1}" type="datetimeFigureOut">
               <a:rPr lang="en-CA" smtClean="0"/>
-              <a:t>2018-08-17</a:t>
+              <a:t>2018-08-21</a:t>
             </a:fld>
             <a:endParaRPr lang="en-CA"/>
           </a:p>
@@ -1250,7 +1250,7 @@
           <a:p>
             <a:fld id="{F7249F8D-641B-4CAF-BAE5-10524742F6F1}" type="datetimeFigureOut">
               <a:rPr lang="en-CA" smtClean="0"/>
-              <a:t>2018-08-17</a:t>
+              <a:t>2018-08-21</a:t>
             </a:fld>
             <a:endParaRPr lang="en-CA"/>
           </a:p>
@@ -1617,7 +1617,7 @@
           <a:p>
             <a:fld id="{F7249F8D-641B-4CAF-BAE5-10524742F6F1}" type="datetimeFigureOut">
               <a:rPr lang="en-CA" smtClean="0"/>
-              <a:t>2018-08-17</a:t>
+              <a:t>2018-08-21</a:t>
             </a:fld>
             <a:endParaRPr lang="en-CA"/>
           </a:p>
@@ -1735,7 +1735,7 @@
           <a:p>
             <a:fld id="{F7249F8D-641B-4CAF-BAE5-10524742F6F1}" type="datetimeFigureOut">
               <a:rPr lang="en-CA" smtClean="0"/>
-              <a:t>2018-08-17</a:t>
+              <a:t>2018-08-21</a:t>
             </a:fld>
             <a:endParaRPr lang="en-CA"/>
           </a:p>
@@ -1830,7 +1830,7 @@
           <a:p>
             <a:fld id="{F7249F8D-641B-4CAF-BAE5-10524742F6F1}" type="datetimeFigureOut">
               <a:rPr lang="en-CA" smtClean="0"/>
-              <a:t>2018-08-17</a:t>
+              <a:t>2018-08-21</a:t>
             </a:fld>
             <a:endParaRPr lang="en-CA"/>
           </a:p>
@@ -2107,7 +2107,7 @@
           <a:p>
             <a:fld id="{F7249F8D-641B-4CAF-BAE5-10524742F6F1}" type="datetimeFigureOut">
               <a:rPr lang="en-CA" smtClean="0"/>
-              <a:t>2018-08-17</a:t>
+              <a:t>2018-08-21</a:t>
             </a:fld>
             <a:endParaRPr lang="en-CA"/>
           </a:p>
@@ -2360,7 +2360,7 @@
           <a:p>
             <a:fld id="{F7249F8D-641B-4CAF-BAE5-10524742F6F1}" type="datetimeFigureOut">
               <a:rPr lang="en-CA" smtClean="0"/>
-              <a:t>2018-08-17</a:t>
+              <a:t>2018-08-21</a:t>
             </a:fld>
             <a:endParaRPr lang="en-CA"/>
           </a:p>
@@ -2573,7 +2573,7 @@
           <a:p>
             <a:fld id="{F7249F8D-641B-4CAF-BAE5-10524742F6F1}" type="datetimeFigureOut">
               <a:rPr lang="en-CA" smtClean="0"/>
-              <a:t>2018-08-17</a:t>
+              <a:t>2018-08-21</a:t>
             </a:fld>
             <a:endParaRPr lang="en-CA"/>
           </a:p>
@@ -4615,7 +4615,7 @@
                                     <m:chr m:val="⃗"/>
                                     <m:ctrlPr>
                                       <a:rPr lang="en-CA" i="1" smtClean="0">
-                                        <a:latin typeface="Cambria Math" charset="0"/>
+                                        <a:latin typeface="Cambria Math" panose="02040503050406030204" pitchFamily="18" charset="0"/>
                                       </a:rPr>
                                     </m:ctrlPr>
                                   </m:accPr>
@@ -4844,7 +4844,7 @@
                                 <m:sSubPr>
                                   <m:ctrlPr>
                                     <a:rPr lang="en-US" sz="2000" b="0" i="1" smtClean="0">
-                                      <a:latin typeface="Cambria Math" charset="0"/>
+                                      <a:latin typeface="Cambria Math" panose="02040503050406030204" pitchFamily="18" charset="0"/>
                                       <a:cs typeface="Arial" panose="020B0604020202020204" pitchFamily="34" charset="0"/>
                                     </a:rPr>
                                   </m:ctrlPr>
@@ -4855,7 +4855,7 @@
                                       <m:chr m:val="⃗"/>
                                       <m:ctrlPr>
                                         <a:rPr lang="en-US" sz="2000" b="0" i="1" smtClean="0">
-                                          <a:latin typeface="Cambria Math" charset="0"/>
+                                          <a:latin typeface="Cambria Math" panose="02040503050406030204" pitchFamily="18" charset="0"/>
                                           <a:cs typeface="Arial" panose="020B0604020202020204" pitchFamily="34" charset="0"/>
                                         </a:rPr>
                                       </m:ctrlPr>
@@ -4966,7 +4966,7 @@
                                 <m:sSubPr>
                                   <m:ctrlPr>
                                     <a:rPr lang="en-CA" sz="2000" b="0" i="1" smtClean="0">
-                                      <a:latin typeface="Cambria Math" charset="0"/>
+                                      <a:latin typeface="Cambria Math" panose="02040503050406030204" pitchFamily="18" charset="0"/>
                                       <a:cs typeface="Arial" panose="020B0604020202020204" pitchFamily="34" charset="0"/>
                                     </a:rPr>
                                   </m:ctrlPr>
@@ -4977,7 +4977,7 @@
                                       <m:chr m:val="⃗"/>
                                       <m:ctrlPr>
                                         <a:rPr lang="en-US" sz="2000" b="0" i="1" smtClean="0">
-                                          <a:latin typeface="Cambria Math" charset="0"/>
+                                          <a:latin typeface="Cambria Math" panose="02040503050406030204" pitchFamily="18" charset="0"/>
                                           <a:cs typeface="Arial" panose="020B0604020202020204" pitchFamily="34" charset="0"/>
                                         </a:rPr>
                                       </m:ctrlPr>
@@ -6266,7 +6266,7 @@
                           <m:funcPr>
                             <m:ctrlPr>
                               <a:rPr lang="en-CA" b="0" i="1" smtClean="0">
-                                <a:latin typeface="Cambria Math" charset="0"/>
+                                <a:latin typeface="Cambria Math" panose="02040503050406030204" pitchFamily="18" charset="0"/>
                               </a:rPr>
                             </m:ctrlPr>
                           </m:funcPr>
@@ -7752,7 +7752,7 @@
                           <m:sSubPr>
                             <m:ctrlPr>
                               <a:rPr lang="en-CA" sz="1400" b="0" i="1" smtClean="0">
-                                <a:latin typeface="Cambria Math" charset="0"/>
+                                <a:latin typeface="Cambria Math" panose="02040503050406030204" pitchFamily="18" charset="0"/>
                                 <a:ea typeface="Cambria Math" charset="0"/>
                                 <a:cs typeface="Cambria Math" charset="0"/>
                               </a:rPr>
@@ -8482,7 +8482,7 @@
                             <m:sSubPr>
                               <m:ctrlPr>
                                 <a:rPr lang="en-US" sz="2000" b="0" i="1" smtClean="0">
-                                  <a:latin typeface="Cambria Math" charset="0"/>
+                                  <a:latin typeface="Cambria Math" panose="02040503050406030204" pitchFamily="18" charset="0"/>
                                   <a:cs typeface="Arial" panose="020B0604020202020204" pitchFamily="34" charset="0"/>
                                 </a:rPr>
                               </m:ctrlPr>
@@ -8591,7 +8591,7 @@
                             <m:sSubPr>
                               <m:ctrlPr>
                                 <a:rPr lang="en-US" sz="2000" b="0" i="1" smtClean="0">
-                                  <a:latin typeface="Cambria Math" charset="0"/>
+                                  <a:latin typeface="Cambria Math" panose="02040503050406030204" pitchFamily="18" charset="0"/>
                                   <a:cs typeface="Arial" panose="020B0604020202020204" pitchFamily="34" charset="0"/>
                                 </a:rPr>
                               </m:ctrlPr>
@@ -8836,7 +8836,7 @@
                               <m:chr m:val="⃗"/>
                               <m:ctrlPr>
                                 <a:rPr lang="en-US" sz="2000" b="0" i="1" smtClean="0">
-                                  <a:latin typeface="Cambria Math" charset="0"/>
+                                  <a:latin typeface="Cambria Math" panose="02040503050406030204" pitchFamily="18" charset="0"/>
                                   <a:cs typeface="Arial" panose="020B0604020202020204" pitchFamily="34" charset="0"/>
                                 </a:rPr>
                               </m:ctrlPr>
@@ -8974,7 +8974,7 @@
                             <m:chr m:val="⃗"/>
                             <m:ctrlPr>
                               <a:rPr lang="en-US" sz="2000" b="0" i="1" smtClean="0">
-                                <a:latin typeface="Cambria Math" charset="0"/>
+                                <a:latin typeface="Cambria Math" panose="02040503050406030204" pitchFamily="18" charset="0"/>
                                 <a:cs typeface="Arial" panose="020B0604020202020204" pitchFamily="34" charset="0"/>
                               </a:rPr>
                             </m:ctrlPr>
@@ -9555,7 +9555,7 @@
                           <m:sSubPr>
                             <m:ctrlPr>
                               <a:rPr lang="en-US" sz="2000" b="0" i="1" smtClean="0">
-                                <a:latin typeface="Cambria Math" charset="0"/>
+                                <a:latin typeface="Cambria Math" panose="02040503050406030204" pitchFamily="18" charset="0"/>
                                 <a:cs typeface="Arial" panose="020B0604020202020204" pitchFamily="34" charset="0"/>
                               </a:rPr>
                             </m:ctrlPr>
@@ -9664,7 +9664,7 @@
                           <m:sSubPr>
                             <m:ctrlPr>
                               <a:rPr lang="en-US" sz="2000" b="0" i="1" smtClean="0">
-                                <a:latin typeface="Cambria Math" charset="0"/>
+                                <a:latin typeface="Cambria Math" panose="02040503050406030204" pitchFamily="18" charset="0"/>
                                 <a:cs typeface="Arial" panose="020B0604020202020204" pitchFamily="34" charset="0"/>
                               </a:rPr>
                             </m:ctrlPr>
@@ -9908,7 +9908,7 @@
                           <m:sSubPr>
                             <m:ctrlPr>
                               <a:rPr lang="en-US" sz="2000" b="0" i="1" smtClean="0">
-                                <a:latin typeface="Cambria Math" charset="0"/>
+                                <a:latin typeface="Cambria Math" panose="02040503050406030204" pitchFamily="18" charset="0"/>
                                 <a:cs typeface="Arial" panose="020B0604020202020204" pitchFamily="34" charset="0"/>
                               </a:rPr>
                             </m:ctrlPr>
@@ -9919,7 +9919,7 @@
                                 <m:chr m:val="⃗"/>
                                 <m:ctrlPr>
                                   <a:rPr lang="en-US" sz="2000" b="0" i="1" smtClean="0">
-                                    <a:latin typeface="Cambria Math" charset="0"/>
+                                    <a:latin typeface="Cambria Math" panose="02040503050406030204" pitchFamily="18" charset="0"/>
                                     <a:cs typeface="Arial" panose="020B0604020202020204" pitchFamily="34" charset="0"/>
                                   </a:rPr>
                                 </m:ctrlPr>
@@ -10066,7 +10066,7 @@
                           <m:sSubPr>
                             <m:ctrlPr>
                               <a:rPr lang="en-US" sz="2000" b="0" i="1" smtClean="0">
-                                <a:latin typeface="Cambria Math" charset="0"/>
+                                <a:latin typeface="Cambria Math" panose="02040503050406030204" pitchFamily="18" charset="0"/>
                                 <a:cs typeface="Arial" panose="020B0604020202020204" pitchFamily="34" charset="0"/>
                               </a:rPr>
                             </m:ctrlPr>
@@ -10077,7 +10077,7 @@
                                 <m:chr m:val="⃗"/>
                                 <m:ctrlPr>
                                   <a:rPr lang="en-US" sz="2000" b="0" i="1" smtClean="0">
-                                    <a:latin typeface="Cambria Math" charset="0"/>
+                                    <a:latin typeface="Cambria Math" panose="02040503050406030204" pitchFamily="18" charset="0"/>
                                     <a:cs typeface="Arial" panose="020B0604020202020204" pitchFamily="34" charset="0"/>
                                   </a:rPr>
                                 </m:ctrlPr>
@@ -10530,7 +10530,7 @@
                           <m:sSubPr>
                             <m:ctrlPr>
                               <a:rPr lang="en-US" sz="2000" b="0" i="1" smtClean="0">
-                                <a:latin typeface="Cambria Math" charset="0"/>
+                                <a:latin typeface="Cambria Math" panose="02040503050406030204" pitchFamily="18" charset="0"/>
                                 <a:cs typeface="Arial" panose="020B0604020202020204" pitchFamily="34" charset="0"/>
                               </a:rPr>
                             </m:ctrlPr>
@@ -10639,7 +10639,7 @@
                           <m:sSubPr>
                             <m:ctrlPr>
                               <a:rPr lang="en-US" sz="2000" b="0" i="1" smtClean="0">
-                                <a:latin typeface="Cambria Math" charset="0"/>
+                                <a:latin typeface="Cambria Math" panose="02040503050406030204" pitchFamily="18" charset="0"/>
                                 <a:cs typeface="Arial" panose="020B0604020202020204" pitchFamily="34" charset="0"/>
                               </a:rPr>
                             </m:ctrlPr>
@@ -10833,7 +10833,7 @@
                           <m:sSubPr>
                             <m:ctrlPr>
                               <a:rPr lang="en-US" sz="2000" b="0" i="1" smtClean="0">
-                                <a:latin typeface="Cambria Math" charset="0"/>
+                                <a:latin typeface="Cambria Math" panose="02040503050406030204" pitchFamily="18" charset="0"/>
                                 <a:cs typeface="Arial" panose="020B0604020202020204" pitchFamily="34" charset="0"/>
                               </a:rPr>
                             </m:ctrlPr>
@@ -10844,7 +10844,7 @@
                                 <m:chr m:val="⃗"/>
                                 <m:ctrlPr>
                                   <a:rPr lang="en-US" sz="2000" b="0" i="1" smtClean="0">
-                                    <a:latin typeface="Cambria Math" charset="0"/>
+                                    <a:latin typeface="Cambria Math" panose="02040503050406030204" pitchFamily="18" charset="0"/>
                                     <a:cs typeface="Arial" panose="020B0604020202020204" pitchFamily="34" charset="0"/>
                                   </a:rPr>
                                 </m:ctrlPr>
@@ -11040,7 +11040,7 @@
                           <m:sSubPr>
                             <m:ctrlPr>
                               <a:rPr lang="en-US" sz="2000" b="0" i="1" smtClean="0">
-                                <a:latin typeface="Cambria Math" charset="0"/>
+                                <a:latin typeface="Cambria Math" panose="02040503050406030204" pitchFamily="18" charset="0"/>
                                 <a:cs typeface="Arial" panose="020B0604020202020204" pitchFamily="34" charset="0"/>
                               </a:rPr>
                             </m:ctrlPr>
@@ -11051,7 +11051,7 @@
                                 <m:chr m:val="⃗"/>
                                 <m:ctrlPr>
                                   <a:rPr lang="en-US" sz="2000" b="0" i="1" smtClean="0">
-                                    <a:latin typeface="Cambria Math" charset="0"/>
+                                    <a:latin typeface="Cambria Math" panose="02040503050406030204" pitchFamily="18" charset="0"/>
                                     <a:cs typeface="Arial" panose="020B0604020202020204" pitchFamily="34" charset="0"/>
                                   </a:rPr>
                                 </m:ctrlPr>
@@ -11198,7 +11198,7 @@
                           <m:sSubPr>
                             <m:ctrlPr>
                               <a:rPr lang="en-US" sz="2000" b="0" i="1" smtClean="0">
-                                <a:latin typeface="Cambria Math" charset="0"/>
+                                <a:latin typeface="Cambria Math" panose="02040503050406030204" pitchFamily="18" charset="0"/>
                                 <a:cs typeface="Arial" panose="020B0604020202020204" pitchFamily="34" charset="0"/>
                               </a:rPr>
                             </m:ctrlPr>
@@ -11209,7 +11209,7 @@
                                 <m:chr m:val="⃗"/>
                                 <m:ctrlPr>
                                   <a:rPr lang="en-US" sz="2000" b="0" i="1" smtClean="0">
-                                    <a:latin typeface="Cambria Math" charset="0"/>
+                                    <a:latin typeface="Cambria Math" panose="02040503050406030204" pitchFamily="18" charset="0"/>
                                     <a:cs typeface="Arial" panose="020B0604020202020204" pitchFamily="34" charset="0"/>
                                   </a:rPr>
                                 </m:ctrlPr>
@@ -11356,7 +11356,7 @@
                           <m:sSubPr>
                             <m:ctrlPr>
                               <a:rPr lang="en-US" sz="2000" b="0" i="1" smtClean="0">
-                                <a:latin typeface="Cambria Math" charset="0"/>
+                                <a:latin typeface="Cambria Math" panose="02040503050406030204" pitchFamily="18" charset="0"/>
                                 <a:cs typeface="Arial" panose="020B0604020202020204" pitchFamily="34" charset="0"/>
                               </a:rPr>
                             </m:ctrlPr>
@@ -11367,7 +11367,7 @@
                                 <m:chr m:val="⃗"/>
                                 <m:ctrlPr>
                                   <a:rPr lang="en-US" sz="2000" b="0" i="1" smtClean="0">
-                                    <a:latin typeface="Cambria Math" charset="0"/>
+                                    <a:latin typeface="Cambria Math" panose="02040503050406030204" pitchFamily="18" charset="0"/>
                                     <a:cs typeface="Arial" panose="020B0604020202020204" pitchFamily="34" charset="0"/>
                                   </a:rPr>
                                 </m:ctrlPr>
@@ -13153,7 +13153,7 @@
                                 <m:sSubPr>
                                   <m:ctrlPr>
                                     <a:rPr lang="en-US" sz="2000" b="0" i="1" smtClean="0">
-                                      <a:latin typeface="Cambria Math" charset="0"/>
+                                      <a:latin typeface="Cambria Math" panose="02040503050406030204" pitchFamily="18" charset="0"/>
                                       <a:cs typeface="Arial" panose="020B0604020202020204" pitchFamily="34" charset="0"/>
                                     </a:rPr>
                                   </m:ctrlPr>
@@ -13262,7 +13262,7 @@
                                 <m:sSubPr>
                                   <m:ctrlPr>
                                     <a:rPr lang="en-US" sz="2000" b="0" i="1" smtClean="0">
-                                      <a:latin typeface="Cambria Math" charset="0"/>
+                                      <a:latin typeface="Cambria Math" panose="02040503050406030204" pitchFamily="18" charset="0"/>
                                       <a:cs typeface="Arial" panose="020B0604020202020204" pitchFamily="34" charset="0"/>
                                     </a:rPr>
                                   </m:ctrlPr>
@@ -13507,7 +13507,7 @@
                                   <m:chr m:val="⃗"/>
                                   <m:ctrlPr>
                                     <a:rPr lang="en-US" sz="2000" b="0" i="1" smtClean="0">
-                                      <a:latin typeface="Cambria Math" charset="0"/>
+                                      <a:latin typeface="Cambria Math" panose="02040503050406030204" pitchFamily="18" charset="0"/>
                                       <a:cs typeface="Arial" panose="020B0604020202020204" pitchFamily="34" charset="0"/>
                                     </a:rPr>
                                   </m:ctrlPr>
@@ -13645,7 +13645,7 @@
                                 <m:chr m:val="⃗"/>
                                 <m:ctrlPr>
                                   <a:rPr lang="en-US" sz="2000" b="0" i="1" smtClean="0">
-                                    <a:latin typeface="Cambria Math" charset="0"/>
+                                    <a:latin typeface="Cambria Math" panose="02040503050406030204" pitchFamily="18" charset="0"/>
                                     <a:cs typeface="Arial" panose="020B0604020202020204" pitchFamily="34" charset="0"/>
                                   </a:rPr>
                                 </m:ctrlPr>
@@ -13914,7 +13914,7 @@
                           <m:sSubPr>
                             <m:ctrlPr>
                               <a:rPr lang="en-US" sz="2000" b="0" i="1" smtClean="0">
-                                <a:latin typeface="Cambria Math" charset="0"/>
+                                <a:latin typeface="Cambria Math" panose="02040503050406030204" pitchFamily="18" charset="0"/>
                                 <a:cs typeface="Arial" panose="020B0604020202020204" pitchFamily="34" charset="0"/>
                               </a:rPr>
                             </m:ctrlPr>
@@ -14101,7 +14101,7 @@
                           <m:sSubPr>
                             <m:ctrlPr>
                               <a:rPr lang="en-US" sz="2000" b="0" i="1" smtClean="0">
-                                <a:latin typeface="Cambria Math" charset="0"/>
+                                <a:latin typeface="Cambria Math" panose="02040503050406030204" pitchFamily="18" charset="0"/>
                                 <a:cs typeface="Arial" panose="020B0604020202020204" pitchFamily="34" charset="0"/>
                               </a:rPr>
                             </m:ctrlPr>
@@ -14811,7 +14811,7 @@
                           <m:sSubPr>
                             <m:ctrlPr>
                               <a:rPr lang="en-US" sz="2000" b="0" i="1" smtClean="0">
-                                <a:latin typeface="Cambria Math" charset="0"/>
+                                <a:latin typeface="Cambria Math" panose="02040503050406030204" pitchFamily="18" charset="0"/>
                                 <a:cs typeface="Arial" panose="020B0604020202020204" pitchFamily="34" charset="0"/>
                               </a:rPr>
                             </m:ctrlPr>
@@ -14822,7 +14822,7 @@
                                 <m:chr m:val="⃗"/>
                                 <m:ctrlPr>
                                   <a:rPr lang="en-US" sz="2000" b="0" i="1" smtClean="0">
-                                    <a:latin typeface="Cambria Math" charset="0"/>
+                                    <a:latin typeface="Cambria Math" panose="02040503050406030204" pitchFamily="18" charset="0"/>
                                     <a:cs typeface="Arial" panose="020B0604020202020204" pitchFamily="34" charset="0"/>
                                   </a:rPr>
                                 </m:ctrlPr>
@@ -14933,7 +14933,7 @@
                           <m:sSubPr>
                             <m:ctrlPr>
                               <a:rPr lang="en-US" sz="2000" b="0" i="1" smtClean="0">
-                                <a:latin typeface="Cambria Math" charset="0"/>
+                                <a:latin typeface="Cambria Math" panose="02040503050406030204" pitchFamily="18" charset="0"/>
                                 <a:cs typeface="Arial" panose="020B0604020202020204" pitchFamily="34" charset="0"/>
                               </a:rPr>
                             </m:ctrlPr>
@@ -14944,7 +14944,7 @@
                                 <m:chr m:val="⃗"/>
                                 <m:ctrlPr>
                                   <a:rPr lang="en-US" sz="2000" b="0" i="1" smtClean="0">
-                                    <a:latin typeface="Cambria Math" charset="0"/>
+                                    <a:latin typeface="Cambria Math" panose="02040503050406030204" pitchFamily="18" charset="0"/>
                                     <a:cs typeface="Arial" panose="020B0604020202020204" pitchFamily="34" charset="0"/>
                                   </a:rPr>
                                 </m:ctrlPr>
@@ -15055,7 +15055,7 @@
                           <m:sSubPr>
                             <m:ctrlPr>
                               <a:rPr lang="en-US" sz="2000" b="0" i="1" smtClean="0">
-                                <a:latin typeface="Cambria Math" charset="0"/>
+                                <a:latin typeface="Cambria Math" panose="02040503050406030204" pitchFamily="18" charset="0"/>
                                 <a:cs typeface="Arial" panose="020B0604020202020204" pitchFamily="34" charset="0"/>
                               </a:rPr>
                             </m:ctrlPr>
@@ -15066,7 +15066,7 @@
                                 <m:chr m:val="⃗"/>
                                 <m:ctrlPr>
                                   <a:rPr lang="en-US" sz="2000" b="0" i="1" smtClean="0">
-                                    <a:latin typeface="Cambria Math" charset="0"/>
+                                    <a:latin typeface="Cambria Math" panose="02040503050406030204" pitchFamily="18" charset="0"/>
                                     <a:cs typeface="Arial" panose="020B0604020202020204" pitchFamily="34" charset="0"/>
                                   </a:rPr>
                                 </m:ctrlPr>
@@ -15214,7 +15214,7 @@
                             <m:chr m:val="⃗"/>
                             <m:ctrlPr>
                               <a:rPr lang="en-US" sz="2000" b="0" i="1" smtClean="0">
-                                <a:latin typeface="Cambria Math" charset="0"/>
+                                <a:latin typeface="Cambria Math" panose="02040503050406030204" pitchFamily="18" charset="0"/>
                                 <a:cs typeface="Arial" panose="020B0604020202020204" pitchFamily="34" charset="0"/>
                               </a:rPr>
                             </m:ctrlPr>
@@ -16007,7 +16007,7 @@
                             <m:sSubPr>
                               <m:ctrlPr>
                                 <a:rPr lang="en-US" sz="2000" b="0" i="1" smtClean="0">
-                                  <a:latin typeface="Cambria Math" charset="0"/>
+                                  <a:latin typeface="Cambria Math" panose="02040503050406030204" pitchFamily="18" charset="0"/>
                                   <a:cs typeface="Arial" panose="020B0604020202020204" pitchFamily="34" charset="0"/>
                                 </a:rPr>
                               </m:ctrlPr>
@@ -16042,7 +16042,7 @@
                             <m:sSubPr>
                               <m:ctrlPr>
                                 <a:rPr lang="en-US" sz="2000" b="0" i="1" smtClean="0">
-                                  <a:latin typeface="Cambria Math" charset="0"/>
+                                  <a:latin typeface="Cambria Math" panose="02040503050406030204" pitchFamily="18" charset="0"/>
                                   <a:cs typeface="Arial" panose="020B0604020202020204" pitchFamily="34" charset="0"/>
                                 </a:rPr>
                               </m:ctrlPr>
@@ -16172,7 +16172,7 @@
                             <m:sSubPr>
                               <m:ctrlPr>
                                 <a:rPr lang="en-US" sz="2000" b="0" i="1" smtClean="0">
-                                  <a:latin typeface="Cambria Math" charset="0"/>
+                                  <a:latin typeface="Cambria Math" panose="02040503050406030204" pitchFamily="18" charset="0"/>
                                   <a:cs typeface="Arial" panose="020B0604020202020204" pitchFamily="34" charset="0"/>
                                 </a:rPr>
                               </m:ctrlPr>
@@ -16207,7 +16207,7 @@
                             <m:sSubPr>
                               <m:ctrlPr>
                                 <a:rPr lang="en-US" sz="2000" b="0" i="1" smtClean="0">
-                                  <a:latin typeface="Cambria Math" charset="0"/>
+                                  <a:latin typeface="Cambria Math" panose="02040503050406030204" pitchFamily="18" charset="0"/>
                                   <a:cs typeface="Arial" panose="020B0604020202020204" pitchFamily="34" charset="0"/>
                                 </a:rPr>
                               </m:ctrlPr>
@@ -17297,7 +17297,7 @@
                           <m:sSubPr>
                             <m:ctrlPr>
                               <a:rPr lang="en-US" sz="2000" b="0" i="1" smtClean="0">
-                                <a:latin typeface="Cambria Math" charset="0"/>
+                                <a:latin typeface="Cambria Math" panose="02040503050406030204" pitchFamily="18" charset="0"/>
                                 <a:cs typeface="Arial" panose="020B0604020202020204" pitchFamily="34" charset="0"/>
                               </a:rPr>
                             </m:ctrlPr>
@@ -17332,7 +17332,7 @@
                           <m:sSubPr>
                             <m:ctrlPr>
                               <a:rPr lang="en-US" sz="2000" b="0" i="1" smtClean="0">
-                                <a:latin typeface="Cambria Math" charset="0"/>
+                                <a:latin typeface="Cambria Math" panose="02040503050406030204" pitchFamily="18" charset="0"/>
                                 <a:cs typeface="Arial" panose="020B0604020202020204" pitchFamily="34" charset="0"/>
                               </a:rPr>
                             </m:ctrlPr>
@@ -17462,7 +17462,7 @@
                           <m:sSubPr>
                             <m:ctrlPr>
                               <a:rPr lang="en-US" sz="2000" b="0" i="1" smtClean="0">
-                                <a:latin typeface="Cambria Math" charset="0"/>
+                                <a:latin typeface="Cambria Math" panose="02040503050406030204" pitchFamily="18" charset="0"/>
                                 <a:cs typeface="Arial" panose="020B0604020202020204" pitchFamily="34" charset="0"/>
                               </a:rPr>
                             </m:ctrlPr>
@@ -17497,7 +17497,7 @@
                           <m:sSubPr>
                             <m:ctrlPr>
                               <a:rPr lang="en-US" sz="2000" b="0" i="1" smtClean="0">
-                                <a:latin typeface="Cambria Math" charset="0"/>
+                                <a:latin typeface="Cambria Math" panose="02040503050406030204" pitchFamily="18" charset="0"/>
                                 <a:cs typeface="Arial" panose="020B0604020202020204" pitchFamily="34" charset="0"/>
                               </a:rPr>
                             </m:ctrlPr>
@@ -17758,7 +17758,7 @@
                             <m:chr m:val="⃗"/>
                             <m:ctrlPr>
                               <a:rPr lang="en-US" sz="2000" b="0" i="1" smtClean="0">
-                                <a:latin typeface="Cambria Math" charset="0"/>
+                                <a:latin typeface="Cambria Math" panose="02040503050406030204" pitchFamily="18" charset="0"/>
                                 <a:cs typeface="Arial" panose="020B0604020202020204" pitchFamily="34" charset="0"/>
                               </a:rPr>
                             </m:ctrlPr>
@@ -17785,7 +17785,7 @@
                             <m:chr m:val="⃗"/>
                             <m:ctrlPr>
                               <a:rPr lang="en-US" sz="2000" b="0" i="1" smtClean="0">
-                                <a:latin typeface="Cambria Math" charset="0"/>
+                                <a:latin typeface="Cambria Math" panose="02040503050406030204" pitchFamily="18" charset="0"/>
                                 <a:cs typeface="Arial" panose="020B0604020202020204" pitchFamily="34" charset="0"/>
                               </a:rPr>
                             </m:ctrlPr>
@@ -18501,7 +18501,7 @@
                             <m:sSubPr>
                               <m:ctrlPr>
                                 <a:rPr lang="en-US" sz="2000" b="0" i="1" smtClean="0">
-                                  <a:latin typeface="Cambria Math" charset="0"/>
+                                  <a:latin typeface="Cambria Math" panose="02040503050406030204" pitchFamily="18" charset="0"/>
                                   <a:cs typeface="Arial" panose="020B0604020202020204" pitchFamily="34" charset="0"/>
                                 </a:rPr>
                               </m:ctrlPr>
@@ -18557,7 +18557,7 @@
                             <m:sSubSupPr>
                               <m:ctrlPr>
                                 <a:rPr lang="en-US" sz="2000" b="0" i="1" smtClean="0">
-                                  <a:latin typeface="Cambria Math" charset="0"/>
+                                  <a:latin typeface="Cambria Math" panose="02040503050406030204" pitchFamily="18" charset="0"/>
                                   <a:cs typeface="Arial" panose="020B0604020202020204" pitchFamily="34" charset="0"/>
                                 </a:rPr>
                               </m:ctrlPr>
@@ -18798,7 +18798,7 @@
                             <m:dPr>
                               <m:ctrlPr>
                                 <a:rPr lang="en-US" sz="2000" b="0" i="1" smtClean="0">
-                                  <a:latin typeface="Cambria Math" charset="0"/>
+                                  <a:latin typeface="Cambria Math" panose="02040503050406030204" pitchFamily="18" charset="0"/>
                                   <a:cs typeface="Arial" panose="020B0604020202020204" pitchFamily="34" charset="0"/>
                                 </a:rPr>
                               </m:ctrlPr>
@@ -18845,7 +18845,7 @@
                             <m:sSupPr>
                               <m:ctrlPr>
                                 <a:rPr lang="en-US" sz="2000" b="0" i="1" smtClean="0">
-                                  <a:latin typeface="Cambria Math" charset="0"/>
+                                  <a:latin typeface="Cambria Math" panose="02040503050406030204" pitchFamily="18" charset="0"/>
                                   <a:cs typeface="Arial" panose="020B0604020202020204" pitchFamily="34" charset="0"/>
                                 </a:rPr>
                               </m:ctrlPr>
@@ -18991,7 +18991,7 @@
                           <m:sSubPr>
                             <m:ctrlPr>
                               <a:rPr lang="en-US" sz="2000" b="0" i="1" smtClean="0">
-                                <a:latin typeface="Cambria Math" charset="0"/>
+                                <a:latin typeface="Cambria Math" panose="02040503050406030204" pitchFamily="18" charset="0"/>
                                 <a:cs typeface="Arial" panose="020B0604020202020204" pitchFamily="34" charset="0"/>
                               </a:rPr>
                             </m:ctrlPr>
@@ -19254,7 +19254,7 @@
                             <m:chr m:val="⃗"/>
                             <m:ctrlPr>
                               <a:rPr lang="en-US" sz="2000" b="0" i="1" smtClean="0">
-                                <a:latin typeface="Cambria Math" charset="0"/>
+                                <a:latin typeface="Cambria Math" panose="02040503050406030204" pitchFamily="18" charset="0"/>
                                 <a:cs typeface="Arial" panose="020B0604020202020204" pitchFamily="34" charset="0"/>
                               </a:rPr>
                             </m:ctrlPr>
@@ -20416,7 +20416,7 @@
                                 <a:solidFill>
                                   <a:srgbClr val="FF0000"/>
                                 </a:solidFill>
-                                <a:latin typeface="Cambria Math" charset="0"/>
+                                <a:latin typeface="Cambria Math" panose="02040503050406030204" pitchFamily="18" charset="0"/>
                                 <a:cs typeface="Arial" panose="020B0604020202020204" pitchFamily="34" charset="0"/>
                               </a:rPr>
                             </m:ctrlPr>
@@ -20525,7 +20525,7 @@
               <p:nvPr/>
             </p:nvPicPr>
             <p:blipFill rotWithShape="1">
-              <a:blip r:embed="rId46">
+              <a:blip r:embed="rId46" cstate="print">
                 <a:duotone>
                   <a:schemeClr val="accent4">
                     <a:shade val="45000"/>
@@ -20561,7 +20561,7 @@
               <p:nvPr/>
             </p:nvPicPr>
             <p:blipFill rotWithShape="1">
-              <a:blip r:embed="rId46">
+              <a:blip r:embed="rId46" cstate="print">
                 <a:duotone>
                   <a:schemeClr val="accent4">
                     <a:shade val="45000"/>
@@ -20598,7 +20598,7 @@
             <p:nvPr/>
           </p:nvPicPr>
           <p:blipFill rotWithShape="1">
-            <a:blip r:embed="rId47">
+            <a:blip r:embed="rId47" cstate="print">
               <a:extLst>
                 <a:ext uri="{28A0092B-C50C-407E-A947-70E740481C1C}">
                   <a14:useLocalDpi xmlns:a14="http://schemas.microsoft.com/office/drawing/2010/main" val="0"/>
@@ -21618,7 +21618,7 @@
             <p:nvPr/>
           </p:nvPicPr>
           <p:blipFill rotWithShape="1">
-            <a:blip r:embed="rId47">
+            <a:blip r:embed="rId47" cstate="print">
               <a:alphaModFix amt="57000"/>
               <a:extLst>
                 <a:ext uri="{28A0092B-C50C-407E-A947-70E740481C1C}">
@@ -21707,7 +21707,7 @@
               <p:nvPr/>
             </p:nvPicPr>
             <p:blipFill rotWithShape="1">
-              <a:blip r:embed="rId2">
+              <a:blip r:embed="rId2" cstate="print">
                 <a:duotone>
                   <a:schemeClr val="accent4">
                     <a:shade val="45000"/>
@@ -21743,7 +21743,7 @@
               <p:nvPr/>
             </p:nvPicPr>
             <p:blipFill rotWithShape="1">
-              <a:blip r:embed="rId2">
+              <a:blip r:embed="rId2" cstate="print">
                 <a:duotone>
                   <a:schemeClr val="accent4">
                     <a:shade val="45000"/>
@@ -21780,7 +21780,7 @@
             <p:nvPr/>
           </p:nvPicPr>
           <p:blipFill rotWithShape="1">
-            <a:blip r:embed="rId3">
+            <a:blip r:embed="rId3" cstate="print">
               <a:extLst>
                 <a:ext uri="{28A0092B-C50C-407E-A947-70E740481C1C}">
                   <a14:useLocalDpi xmlns:a14="http://schemas.microsoft.com/office/drawing/2010/main" val="0"/>
@@ -22502,7 +22502,7 @@
             <p:nvPr/>
           </p:nvPicPr>
           <p:blipFill rotWithShape="1">
-            <a:blip r:embed="rId3">
+            <a:blip r:embed="rId3" cstate="print">
               <a:alphaModFix amt="57000"/>
               <a:extLst>
                 <a:ext uri="{28A0092B-C50C-407E-A947-70E740481C1C}">
@@ -22694,7 +22694,7 @@
                                   <m:chr m:val="⃗"/>
                                   <m:ctrlPr>
                                     <a:rPr lang="en-US" sz="2000" b="0" i="1" smtClean="0">
-                                      <a:latin typeface="Cambria Math" charset="0"/>
+                                      <a:latin typeface="Cambria Math" panose="02040503050406030204" pitchFamily="18" charset="0"/>
                                       <a:cs typeface="Arial" panose="020B0604020202020204" pitchFamily="34" charset="0"/>
                                     </a:rPr>
                                   </m:ctrlPr>
@@ -22832,7 +22832,7 @@
                                 <m:chr m:val="⃗"/>
                                 <m:ctrlPr>
                                   <a:rPr lang="en-US" sz="2000" b="0" i="1" smtClean="0">
-                                    <a:latin typeface="Cambria Math" charset="0"/>
+                                    <a:latin typeface="Cambria Math" panose="02040503050406030204" pitchFamily="18" charset="0"/>
                                     <a:cs typeface="Arial" panose="020B0604020202020204" pitchFamily="34" charset="0"/>
                                   </a:rPr>
                                 </m:ctrlPr>
@@ -23596,7 +23596,7 @@
                               <m:chr m:val="⃗"/>
                               <m:ctrlPr>
                                 <a:rPr lang="en-US" sz="2000" b="0" i="1" smtClean="0">
-                                  <a:latin typeface="Cambria Math" charset="0"/>
+                                  <a:latin typeface="Cambria Math" panose="02040503050406030204" pitchFamily="18" charset="0"/>
                                   <a:cs typeface="Arial" panose="020B0604020202020204" pitchFamily="34" charset="0"/>
                                 </a:rPr>
                               </m:ctrlPr>
@@ -23804,7 +23804,7 @@
                             <m:sSubPr>
                               <m:ctrlPr>
                                 <a:rPr lang="en-US" sz="2000" b="0" i="1" smtClean="0">
-                                  <a:latin typeface="Cambria Math" charset="0"/>
+                                  <a:latin typeface="Cambria Math" panose="02040503050406030204" pitchFamily="18" charset="0"/>
                                   <a:cs typeface="Arial" panose="020B0604020202020204" pitchFamily="34" charset="0"/>
                                 </a:rPr>
                               </m:ctrlPr>
@@ -23815,7 +23815,7 @@
                                   <m:chr m:val="⃗"/>
                                   <m:ctrlPr>
                                     <a:rPr lang="en-US" sz="2000" b="0" i="1" smtClean="0">
-                                      <a:latin typeface="Cambria Math" charset="0"/>
+                                      <a:latin typeface="Cambria Math" panose="02040503050406030204" pitchFamily="18" charset="0"/>
                                       <a:cs typeface="Arial" panose="020B0604020202020204" pitchFamily="34" charset="0"/>
                                     </a:rPr>
                                   </m:ctrlPr>
@@ -23926,7 +23926,7 @@
                             <m:sSubPr>
                               <m:ctrlPr>
                                 <a:rPr lang="en-US" sz="2000" b="0" i="1" smtClean="0">
-                                  <a:latin typeface="Cambria Math" charset="0"/>
+                                  <a:latin typeface="Cambria Math" panose="02040503050406030204" pitchFamily="18" charset="0"/>
                                   <a:cs typeface="Arial" panose="020B0604020202020204" pitchFamily="34" charset="0"/>
                                 </a:rPr>
                               </m:ctrlPr>
@@ -23937,7 +23937,7 @@
                                   <m:chr m:val="⃗"/>
                                   <m:ctrlPr>
                                     <a:rPr lang="en-US" sz="2000" b="0" i="1" smtClean="0">
-                                      <a:latin typeface="Cambria Math" charset="0"/>
+                                      <a:latin typeface="Cambria Math" panose="02040503050406030204" pitchFamily="18" charset="0"/>
                                       <a:cs typeface="Arial" panose="020B0604020202020204" pitchFamily="34" charset="0"/>
                                     </a:rPr>
                                   </m:ctrlPr>
@@ -24049,7 +24049,7 @@
                               <m:chr m:val="⃗"/>
                               <m:ctrlPr>
                                 <a:rPr lang="en-US" sz="2000" b="0" i="1" smtClean="0">
-                                  <a:latin typeface="Cambria Math" charset="0"/>
+                                  <a:latin typeface="Cambria Math" panose="02040503050406030204" pitchFamily="18" charset="0"/>
                                   <a:cs typeface="Arial" panose="020B0604020202020204" pitchFamily="34" charset="0"/>
                                 </a:rPr>
                               </m:ctrlPr>
@@ -24311,7 +24311,7 @@
                             <m:chr m:val="⃗"/>
                             <m:ctrlPr>
                               <a:rPr lang="en-US" sz="2000" b="0" i="1" smtClean="0">
-                                <a:latin typeface="Cambria Math" charset="0"/>
+                                <a:latin typeface="Cambria Math" panose="02040503050406030204" pitchFamily="18" charset="0"/>
                                 <a:cs typeface="Arial" panose="020B0604020202020204" pitchFamily="34" charset="0"/>
                               </a:rPr>
                             </m:ctrlPr>
@@ -25076,7 +25076,7 @@
                           <m:sSupPr>
                             <m:ctrlPr>
                               <a:rPr lang="en-US" sz="2000" b="0" i="1" smtClean="0">
-                                <a:latin typeface="Cambria Math" charset="0"/>
+                                <a:latin typeface="Cambria Math" panose="02040503050406030204" pitchFamily="18" charset="0"/>
                                 <a:cs typeface="Arial" panose="020B0604020202020204" pitchFamily="34" charset="0"/>
                               </a:rPr>
                             </m:ctrlPr>
@@ -25087,7 +25087,7 @@
                                 <m:chr m:val="⃗"/>
                                 <m:ctrlPr>
                                   <a:rPr lang="en-US" sz="2000" b="0" i="1" smtClean="0">
-                                    <a:latin typeface="Cambria Math" charset="0"/>
+                                    <a:latin typeface="Cambria Math" panose="02040503050406030204" pitchFamily="18" charset="0"/>
                                     <a:cs typeface="Arial" panose="020B0604020202020204" pitchFamily="34" charset="0"/>
                                   </a:rPr>
                                 </m:ctrlPr>
@@ -25125,7 +25125,7 @@
                             <m:chr m:val="⃗"/>
                             <m:ctrlPr>
                               <a:rPr lang="en-US" sz="2000" b="0" i="1" smtClean="0">
-                                <a:latin typeface="Cambria Math" charset="0"/>
+                                <a:latin typeface="Cambria Math" panose="02040503050406030204" pitchFamily="18" charset="0"/>
                                 <a:cs typeface="Arial" panose="020B0604020202020204" pitchFamily="34" charset="0"/>
                               </a:rPr>
                             </m:ctrlPr>
@@ -25455,7 +25455,7 @@
                             <m:chr m:val="⃗"/>
                             <m:ctrlPr>
                               <a:rPr lang="en-US" sz="2000" b="0" i="1" smtClean="0">
-                                <a:latin typeface="Cambria Math" charset="0"/>
+                                <a:latin typeface="Cambria Math" panose="02040503050406030204" pitchFamily="18" charset="0"/>
                                 <a:cs typeface="Arial" panose="020B0604020202020204" pitchFamily="34" charset="0"/>
                               </a:rPr>
                             </m:ctrlPr>
@@ -25569,7 +25569,7 @@
                                 <a:solidFill>
                                   <a:srgbClr val="FF0000"/>
                                 </a:solidFill>
-                                <a:latin typeface="Cambria Math" charset="0"/>
+                                <a:latin typeface="Cambria Math" panose="02040503050406030204" pitchFamily="18" charset="0"/>
                                 <a:cs typeface="Arial" panose="020B0604020202020204" pitchFamily="34" charset="0"/>
                               </a:rPr>
                             </m:ctrlPr>
@@ -25934,7 +25934,7 @@
                             <m:chr m:val="⃗"/>
                             <m:ctrlPr>
                               <a:rPr lang="en-CA" b="0" i="1" smtClean="0">
-                                <a:latin typeface="Cambria Math" charset="0"/>
+                                <a:latin typeface="Cambria Math" panose="02040503050406030204" pitchFamily="18" charset="0"/>
                               </a:rPr>
                             </m:ctrlPr>
                           </m:accPr>
@@ -26030,7 +26030,7 @@
                             <m:chr m:val="⃗"/>
                             <m:ctrlPr>
                               <a:rPr lang="en-CA" b="0" i="1" smtClean="0">
-                                <a:latin typeface="Cambria Math" charset="0"/>
+                                <a:latin typeface="Cambria Math" panose="02040503050406030204" pitchFamily="18" charset="0"/>
                               </a:rPr>
                             </m:ctrlPr>
                           </m:accPr>
@@ -26131,7 +26131,7 @@
                           <m:funcPr>
                             <m:ctrlPr>
                               <a:rPr lang="en-CA" b="0" i="1" smtClean="0">
-                                <a:latin typeface="Cambria Math" charset="0"/>
+                                <a:latin typeface="Cambria Math" panose="02040503050406030204" pitchFamily="18" charset="0"/>
                               </a:rPr>
                             </m:ctrlPr>
                           </m:funcPr>
@@ -26390,7 +26390,7 @@
             <p:nvPr/>
           </p:nvPicPr>
           <p:blipFill rotWithShape="1">
-            <a:blip r:embed="rId7">
+            <a:blip r:embed="rId7" cstate="print">
               <a:extLst>
                 <a:ext uri="{28A0092B-C50C-407E-A947-70E740481C1C}">
                   <a14:useLocalDpi xmlns:a14="http://schemas.microsoft.com/office/drawing/2010/main" val="0"/>
@@ -26419,7 +26419,7 @@
             <p:nvPr/>
           </p:nvPicPr>
           <p:blipFill rotWithShape="1">
-            <a:blip r:embed="rId8">
+            <a:blip r:embed="rId8" cstate="print">
               <a:extLst>
                 <a:ext uri="{28A0092B-C50C-407E-A947-70E740481C1C}">
                   <a14:useLocalDpi xmlns:a14="http://schemas.microsoft.com/office/drawing/2010/main" val="0"/>
@@ -26448,7 +26448,7 @@
             <p:nvPr/>
           </p:nvPicPr>
           <p:blipFill rotWithShape="1">
-            <a:blip r:embed="rId9">
+            <a:blip r:embed="rId9" cstate="print">
               <a:extLst>
                 <a:ext uri="{28A0092B-C50C-407E-A947-70E740481C1C}">
                   <a14:useLocalDpi xmlns:a14="http://schemas.microsoft.com/office/drawing/2010/main" val="0"/>
@@ -27104,8 +27104,8 @@
             </mc:Fallback>
           </mc:AlternateContent>
         </p:grpSp>
-        <mc:AlternateContent xmlns:mc="http://schemas.openxmlformats.org/markup-compatibility/2006">
-          <mc:Choice xmlns:a14="http://schemas.microsoft.com/office/drawing/2010/main" Requires="a14">
+        <mc:AlternateContent xmlns:mc="http://schemas.openxmlformats.org/markup-compatibility/2006" xmlns:a14="http://schemas.microsoft.com/office/drawing/2010/main">
+          <mc:Choice Requires="a14">
             <p:sp>
               <p:nvSpPr>
                 <p:cNvPr id="30" name="TextBox 29"/>
@@ -27149,7 +27149,7 @@
               </p:txBody>
             </p:sp>
           </mc:Choice>
-          <mc:Fallback>
+          <mc:Fallback xmlns="">
             <p:sp>
               <p:nvSpPr>
                 <p:cNvPr id="30" name="TextBox 29"/>
@@ -27514,7 +27514,7 @@
                             <m:sSubPr>
                               <m:ctrlPr>
                                 <a:rPr lang="en-CA" b="0" i="1" smtClean="0">
-                                  <a:latin typeface="Cambria Math" charset="0"/>
+                                  <a:latin typeface="Cambria Math" panose="02040503050406030204" pitchFamily="18" charset="0"/>
                                 </a:rPr>
                               </m:ctrlPr>
                             </m:sSubPr>
@@ -27524,7 +27524,7 @@
                                   <m:chr m:val="⃗"/>
                                   <m:ctrlPr>
                                     <a:rPr lang="en-CA" b="0" i="1" smtClean="0">
-                                      <a:latin typeface="Cambria Math" charset="0"/>
+                                      <a:latin typeface="Cambria Math" panose="02040503050406030204" pitchFamily="18" charset="0"/>
                                     </a:rPr>
                                   </m:ctrlPr>
                                 </m:accPr>
@@ -27635,7 +27635,7 @@
                             <m:sSubPr>
                               <m:ctrlPr>
                                 <a:rPr lang="en-CA" b="0" i="1" smtClean="0">
-                                  <a:latin typeface="Cambria Math" charset="0"/>
+                                  <a:latin typeface="Cambria Math" panose="02040503050406030204" pitchFamily="18" charset="0"/>
                                 </a:rPr>
                               </m:ctrlPr>
                             </m:sSubPr>
@@ -27645,7 +27645,7 @@
                                   <m:chr m:val="⃗"/>
                                   <m:ctrlPr>
                                     <a:rPr lang="en-CA" b="0" i="1" smtClean="0">
-                                      <a:latin typeface="Cambria Math" charset="0"/>
+                                      <a:latin typeface="Cambria Math" panose="02040503050406030204" pitchFamily="18" charset="0"/>
                                     </a:rPr>
                                   </m:ctrlPr>
                                 </m:accPr>
@@ -27756,7 +27756,7 @@
                             <m:sSubPr>
                               <m:ctrlPr>
                                 <a:rPr lang="en-CA" b="0" i="1" smtClean="0">
-                                  <a:latin typeface="Cambria Math" charset="0"/>
+                                  <a:latin typeface="Cambria Math" panose="02040503050406030204" pitchFamily="18" charset="0"/>
                                 </a:rPr>
                               </m:ctrlPr>
                             </m:sSubPr>
@@ -27766,7 +27766,7 @@
                                   <m:chr m:val="⃗"/>
                                   <m:ctrlPr>
                                     <a:rPr lang="en-CA" b="0" i="1" smtClean="0">
-                                      <a:latin typeface="Cambria Math" charset="0"/>
+                                      <a:latin typeface="Cambria Math" panose="02040503050406030204" pitchFamily="18" charset="0"/>
                                     </a:rPr>
                                   </m:ctrlPr>
                                 </m:accPr>
@@ -27877,7 +27877,7 @@
                             <m:sSubPr>
                               <m:ctrlPr>
                                 <a:rPr lang="en-CA" b="0" i="1" smtClean="0">
-                                  <a:latin typeface="Cambria Math" charset="0"/>
+                                  <a:latin typeface="Cambria Math" panose="02040503050406030204" pitchFamily="18" charset="0"/>
                                 </a:rPr>
                               </m:ctrlPr>
                             </m:sSubPr>
@@ -27887,7 +27887,7 @@
                                   <m:chr m:val="⃗"/>
                                   <m:ctrlPr>
                                     <a:rPr lang="en-CA" b="0" i="1" smtClean="0">
-                                      <a:latin typeface="Cambria Math" charset="0"/>
+                                      <a:latin typeface="Cambria Math" panose="02040503050406030204" pitchFamily="18" charset="0"/>
                                     </a:rPr>
                                   </m:ctrlPr>
                                 </m:accPr>
@@ -28289,7 +28289,7 @@
                             <m:sSubPr>
                               <m:ctrlPr>
                                 <a:rPr lang="en-CA" b="0" i="1" smtClean="0">
-                                  <a:latin typeface="Cambria Math" charset="0"/>
+                                  <a:latin typeface="Cambria Math" panose="02040503050406030204" pitchFamily="18" charset="0"/>
                                 </a:rPr>
                               </m:ctrlPr>
                             </m:sSubPr>
@@ -28392,7 +28392,7 @@
                             <m:sSubPr>
                               <m:ctrlPr>
                                 <a:rPr lang="en-CA" b="0" i="1" smtClean="0">
-                                  <a:latin typeface="Cambria Math" charset="0"/>
+                                  <a:latin typeface="Cambria Math" panose="02040503050406030204" pitchFamily="18" charset="0"/>
                                 </a:rPr>
                               </m:ctrlPr>
                             </m:sSubPr>
@@ -28617,7 +28617,7 @@
                               <m:chr m:val="⃗"/>
                               <m:ctrlPr>
                                 <a:rPr lang="en-CA" b="0" i="1" smtClean="0">
-                                  <a:latin typeface="Cambria Math" charset="0"/>
+                                  <a:latin typeface="Cambria Math" panose="02040503050406030204" pitchFamily="18" charset="0"/>
                                 </a:rPr>
                               </m:ctrlPr>
                             </m:accPr>
@@ -28750,7 +28750,7 @@
                               <m:chr m:val="⃗"/>
                               <m:ctrlPr>
                                 <a:rPr lang="en-CA" b="0" i="1" smtClean="0">
-                                  <a:latin typeface="Cambria Math" charset="0"/>
+                                  <a:latin typeface="Cambria Math" panose="02040503050406030204" pitchFamily="18" charset="0"/>
                                 </a:rPr>
                               </m:ctrlPr>
                             </m:accPr>
@@ -28952,7 +28952,7 @@
                                   <m:chr m:val="⃗"/>
                                   <m:ctrlPr>
                                     <a:rPr lang="en-US" sz="2000" b="0" i="1" smtClean="0">
-                                      <a:latin typeface="Cambria Math" charset="0"/>
+                                      <a:latin typeface="Cambria Math" panose="02040503050406030204" pitchFamily="18" charset="0"/>
                                       <a:cs typeface="Arial" panose="020B0604020202020204" pitchFamily="34" charset="0"/>
                                     </a:rPr>
                                   </m:ctrlPr>
@@ -29812,7 +29812,7 @@
                           <m:sSubPr>
                             <m:ctrlPr>
                               <a:rPr lang="en-US" sz="2000" b="0" i="1" smtClean="0">
-                                <a:latin typeface="Cambria Math" charset="0"/>
+                                <a:latin typeface="Cambria Math" panose="02040503050406030204" pitchFamily="18" charset="0"/>
                                 <a:cs typeface="Arial" panose="020B0604020202020204" pitchFamily="34" charset="0"/>
                               </a:rPr>
                             </m:ctrlPr>
@@ -29823,7 +29823,7 @@
                                 <m:chr m:val="⃗"/>
                                 <m:ctrlPr>
                                   <a:rPr lang="en-US" sz="2000" b="0" i="1" smtClean="0">
-                                    <a:latin typeface="Cambria Math" charset="0"/>
+                                    <a:latin typeface="Cambria Math" panose="02040503050406030204" pitchFamily="18" charset="0"/>
                                     <a:cs typeface="Arial" panose="020B0604020202020204" pitchFamily="34" charset="0"/>
                                   </a:rPr>
                                 </m:ctrlPr>
@@ -29934,7 +29934,7 @@
                           <m:sSubPr>
                             <m:ctrlPr>
                               <a:rPr lang="en-US" sz="2000" b="0" i="1" smtClean="0">
-                                <a:latin typeface="Cambria Math" charset="0"/>
+                                <a:latin typeface="Cambria Math" panose="02040503050406030204" pitchFamily="18" charset="0"/>
                                 <a:cs typeface="Arial" panose="020B0604020202020204" pitchFamily="34" charset="0"/>
                               </a:rPr>
                             </m:ctrlPr>
@@ -29945,7 +29945,7 @@
                                 <m:chr m:val="⃗"/>
                                 <m:ctrlPr>
                                   <a:rPr lang="en-US" sz="2000" b="0" i="1" smtClean="0">
-                                    <a:latin typeface="Cambria Math" charset="0"/>
+                                    <a:latin typeface="Cambria Math" panose="02040503050406030204" pitchFamily="18" charset="0"/>
                                     <a:cs typeface="Arial" panose="020B0604020202020204" pitchFamily="34" charset="0"/>
                                   </a:rPr>
                                 </m:ctrlPr>
@@ -30057,7 +30057,7 @@
                             <m:chr m:val="⃗"/>
                             <m:ctrlPr>
                               <a:rPr lang="en-US" sz="2000" b="0" i="1" smtClean="0">
-                                <a:latin typeface="Cambria Math" charset="0"/>
+                                <a:latin typeface="Cambria Math" panose="02040503050406030204" pitchFamily="18" charset="0"/>
                                 <a:cs typeface="Arial" panose="020B0604020202020204" pitchFamily="34" charset="0"/>
                               </a:rPr>
                             </m:ctrlPr>
@@ -30671,7 +30671,7 @@
                             <m:chr m:val="⃗"/>
                             <m:ctrlPr>
                               <a:rPr lang="en-US" sz="2000" b="0" i="1" smtClean="0">
-                                <a:latin typeface="Cambria Math" charset="0"/>
+                                <a:latin typeface="Cambria Math" panose="02040503050406030204" pitchFamily="18" charset="0"/>
                                 <a:cs typeface="Arial" panose="020B0604020202020204" pitchFamily="34" charset="0"/>
                               </a:rPr>
                             </m:ctrlPr>
@@ -30879,7 +30879,7 @@
                           <m:sSubPr>
                             <m:ctrlPr>
                               <a:rPr lang="en-US" sz="2000" b="0" i="1" smtClean="0">
-                                <a:latin typeface="Cambria Math" charset="0"/>
+                                <a:latin typeface="Cambria Math" panose="02040503050406030204" pitchFamily="18" charset="0"/>
                                 <a:cs typeface="Arial" panose="020B0604020202020204" pitchFamily="34" charset="0"/>
                               </a:rPr>
                             </m:ctrlPr>
@@ -30890,7 +30890,7 @@
                                 <m:chr m:val="⃗"/>
                                 <m:ctrlPr>
                                   <a:rPr lang="en-US" sz="2000" b="0" i="1" smtClean="0">
-                                    <a:latin typeface="Cambria Math" charset="0"/>
+                                    <a:latin typeface="Cambria Math" panose="02040503050406030204" pitchFamily="18" charset="0"/>
                                     <a:cs typeface="Arial" panose="020B0604020202020204" pitchFamily="34" charset="0"/>
                                   </a:rPr>
                                 </m:ctrlPr>
@@ -31001,7 +31001,7 @@
                           <m:sSubPr>
                             <m:ctrlPr>
                               <a:rPr lang="en-US" sz="2000" b="0" i="1" smtClean="0">
-                                <a:latin typeface="Cambria Math" charset="0"/>
+                                <a:latin typeface="Cambria Math" panose="02040503050406030204" pitchFamily="18" charset="0"/>
                                 <a:cs typeface="Arial" panose="020B0604020202020204" pitchFamily="34" charset="0"/>
                               </a:rPr>
                             </m:ctrlPr>
@@ -31012,7 +31012,7 @@
                                 <m:chr m:val="⃗"/>
                                 <m:ctrlPr>
                                   <a:rPr lang="en-US" sz="2000" b="0" i="1" smtClean="0">
-                                    <a:latin typeface="Cambria Math" charset="0"/>
+                                    <a:latin typeface="Cambria Math" panose="02040503050406030204" pitchFamily="18" charset="0"/>
                                     <a:cs typeface="Arial" panose="020B0604020202020204" pitchFamily="34" charset="0"/>
                                   </a:rPr>
                                 </m:ctrlPr>
@@ -31124,7 +31124,7 @@
                             <m:chr m:val="⃗"/>
                             <m:ctrlPr>
                               <a:rPr lang="en-US" sz="2000" b="0" i="1" smtClean="0">
-                                <a:latin typeface="Cambria Math" charset="0"/>
+                                <a:latin typeface="Cambria Math" panose="02040503050406030204" pitchFamily="18" charset="0"/>
                                 <a:cs typeface="Arial" panose="020B0604020202020204" pitchFamily="34" charset="0"/>
                               </a:rPr>
                             </m:ctrlPr>
@@ -31346,303 +31346,452 @@
       </p:grpSpPr>
       <p:grpSp>
         <p:nvGrpSpPr>
-          <p:cNvPr id="64" name="Group 63"/>
+          <p:cNvPr id="31" name="Group 30"/>
           <p:cNvGrpSpPr/>
           <p:nvPr/>
         </p:nvGrpSpPr>
         <p:grpSpPr>
           <a:xfrm>
-            <a:off x="2940077" y="3627390"/>
-            <a:ext cx="6123089" cy="1942605"/>
-            <a:chOff x="2940077" y="3627390"/>
-            <a:chExt cx="6123089" cy="1942605"/>
+            <a:off x="2865432" y="731801"/>
+            <a:ext cx="6543772" cy="2184364"/>
+            <a:chOff x="3043002" y="769232"/>
+            <a:chExt cx="6543772" cy="2184364"/>
           </a:xfrm>
         </p:grpSpPr>
         <p:grpSp>
           <p:nvGrpSpPr>
-            <p:cNvPr id="37" name="Group 36"/>
+            <p:cNvPr id="9" name="Group 8"/>
             <p:cNvGrpSpPr/>
             <p:nvPr/>
           </p:nvGrpSpPr>
           <p:grpSpPr>
             <a:xfrm>
-              <a:off x="2940077" y="3627390"/>
-              <a:ext cx="6123089" cy="1942605"/>
-              <a:chOff x="2188563" y="2425906"/>
-              <a:chExt cx="6123089" cy="1942605"/>
+              <a:off x="3043002" y="956870"/>
+              <a:ext cx="6543772" cy="1996726"/>
+              <a:chOff x="3043002" y="956870"/>
+              <a:chExt cx="6543772" cy="1996726"/>
             </a:xfrm>
           </p:grpSpPr>
           <p:grpSp>
             <p:nvGrpSpPr>
-              <p:cNvPr id="38" name="Group 37"/>
+              <p:cNvPr id="36" name="Group 35"/>
               <p:cNvGrpSpPr/>
               <p:nvPr/>
             </p:nvGrpSpPr>
             <p:grpSpPr>
               <a:xfrm>
-                <a:off x="2188563" y="2425906"/>
-                <a:ext cx="6123089" cy="1942605"/>
+                <a:off x="3043002" y="956870"/>
+                <a:ext cx="6543772" cy="1996726"/>
                 <a:chOff x="2188563" y="2425906"/>
-                <a:chExt cx="6123089" cy="1942605"/>
+                <a:chExt cx="6543772" cy="1996726"/>
               </a:xfrm>
             </p:grpSpPr>
-            <p:cxnSp>
-              <p:nvCxnSpPr>
-                <p:cNvPr id="45" name="Straight Connector 44"/>
-                <p:cNvCxnSpPr/>
+            <p:grpSp>
+              <p:nvGrpSpPr>
+                <p:cNvPr id="12" name="Group 11"/>
+                <p:cNvGrpSpPr/>
                 <p:nvPr/>
-              </p:nvCxnSpPr>
-              <p:spPr>
+              </p:nvGrpSpPr>
+              <p:grpSpPr>
                 <a:xfrm>
-                  <a:off x="2188563" y="3807501"/>
-                  <a:ext cx="1044000" cy="0"/>
+                  <a:off x="2188563" y="2425906"/>
+                  <a:ext cx="6120000" cy="1942605"/>
+                  <a:chOff x="2188563" y="2425906"/>
+                  <a:chExt cx="6120000" cy="1942605"/>
                 </a:xfrm>
-                <a:prstGeom prst="line">
-                  <a:avLst/>
-                </a:prstGeom>
-                <a:ln w="38100">
+              </p:grpSpPr>
+              <p:cxnSp>
+                <p:nvCxnSpPr>
+                  <p:cNvPr id="5" name="Straight Connector 4"/>
+                  <p:cNvCxnSpPr/>
+                  <p:nvPr/>
+                </p:nvCxnSpPr>
+                <p:spPr>
+                  <a:xfrm>
+                    <a:off x="2188563" y="3807501"/>
+                    <a:ext cx="1044000" cy="0"/>
+                  </a:xfrm>
+                  <a:prstGeom prst="line">
+                    <a:avLst/>
+                  </a:prstGeom>
+                  <a:ln w="38100">
+                    <a:solidFill>
+                      <a:schemeClr val="tx1"/>
+                    </a:solidFill>
+                  </a:ln>
+                </p:spPr>
+                <p:style>
+                  <a:lnRef idx="1">
+                    <a:schemeClr val="accent1"/>
+                  </a:lnRef>
+                  <a:fillRef idx="0">
+                    <a:schemeClr val="accent1"/>
+                  </a:fillRef>
+                  <a:effectRef idx="0">
+                    <a:schemeClr val="accent1"/>
+                  </a:effectRef>
+                  <a:fontRef idx="minor">
+                    <a:schemeClr val="tx1"/>
+                  </a:fontRef>
+                </p:style>
+              </p:cxnSp>
+              <p:cxnSp>
+                <p:nvCxnSpPr>
+                  <p:cNvPr id="6" name="Straight Connector 5"/>
+                  <p:cNvCxnSpPr/>
+                  <p:nvPr/>
+                </p:nvCxnSpPr>
+                <p:spPr>
+                  <a:xfrm>
+                    <a:off x="2188563" y="4364636"/>
+                    <a:ext cx="6120000" cy="0"/>
+                  </a:xfrm>
+                  <a:prstGeom prst="line">
+                    <a:avLst/>
+                  </a:prstGeom>
+                  <a:ln w="38100">
+                    <a:solidFill>
+                      <a:schemeClr val="tx1"/>
+                    </a:solidFill>
+                  </a:ln>
+                </p:spPr>
+                <p:style>
+                  <a:lnRef idx="1">
+                    <a:schemeClr val="accent1"/>
+                  </a:lnRef>
+                  <a:fillRef idx="0">
+                    <a:schemeClr val="accent1"/>
+                  </a:fillRef>
+                  <a:effectRef idx="0">
+                    <a:schemeClr val="accent1"/>
+                  </a:effectRef>
+                  <a:fontRef idx="minor">
+                    <a:schemeClr val="tx1"/>
+                  </a:fontRef>
+                </p:style>
+              </p:cxnSp>
+              <p:cxnSp>
+                <p:nvCxnSpPr>
+                  <p:cNvPr id="7" name="Straight Connector 6"/>
+                  <p:cNvCxnSpPr/>
+                  <p:nvPr/>
+                </p:nvCxnSpPr>
+                <p:spPr>
+                  <a:xfrm>
+                    <a:off x="5854321" y="3786852"/>
+                    <a:ext cx="2448000" cy="0"/>
+                  </a:xfrm>
+                  <a:prstGeom prst="line">
+                    <a:avLst/>
+                  </a:prstGeom>
+                  <a:ln w="38100">
+                    <a:solidFill>
+                      <a:schemeClr val="tx1"/>
+                    </a:solidFill>
+                  </a:ln>
+                </p:spPr>
+                <p:style>
+                  <a:lnRef idx="1">
+                    <a:schemeClr val="accent1"/>
+                  </a:lnRef>
+                  <a:fillRef idx="0">
+                    <a:schemeClr val="accent1"/>
+                  </a:fillRef>
+                  <a:effectRef idx="0">
+                    <a:schemeClr val="accent1"/>
+                  </a:effectRef>
+                  <a:fontRef idx="minor">
+                    <a:schemeClr val="tx1"/>
+                  </a:fontRef>
+                </p:style>
+              </p:cxnSp>
+              <p:cxnSp>
+                <p:nvCxnSpPr>
+                  <p:cNvPr id="8" name="Straight Connector 7"/>
+                  <p:cNvCxnSpPr/>
+                  <p:nvPr/>
+                </p:nvCxnSpPr>
+                <p:spPr>
+                  <a:xfrm>
+                    <a:off x="2208549" y="3792511"/>
+                    <a:ext cx="0" cy="576000"/>
+                  </a:xfrm>
+                  <a:prstGeom prst="line">
+                    <a:avLst/>
+                  </a:prstGeom>
+                  <a:ln w="38100">
+                    <a:solidFill>
+                      <a:schemeClr val="tx1"/>
+                    </a:solidFill>
+                  </a:ln>
+                </p:spPr>
+                <p:style>
+                  <a:lnRef idx="1">
+                    <a:schemeClr val="accent1"/>
+                  </a:lnRef>
+                  <a:fillRef idx="0">
+                    <a:schemeClr val="accent1"/>
+                  </a:fillRef>
+                  <a:effectRef idx="0">
+                    <a:schemeClr val="accent1"/>
+                  </a:effectRef>
+                  <a:fontRef idx="minor">
+                    <a:schemeClr val="tx1"/>
+                  </a:fontRef>
+                </p:style>
+              </p:cxnSp>
+              <p:cxnSp>
+                <p:nvCxnSpPr>
+                  <p:cNvPr id="10" name="Straight Connector 9"/>
+                  <p:cNvCxnSpPr/>
+                  <p:nvPr/>
+                </p:nvCxnSpPr>
+                <p:spPr>
+                  <a:xfrm>
+                    <a:off x="8286076" y="3777521"/>
+                    <a:ext cx="0" cy="576000"/>
+                  </a:xfrm>
+                  <a:prstGeom prst="line">
+                    <a:avLst/>
+                  </a:prstGeom>
+                  <a:ln w="38100">
+                    <a:solidFill>
+                      <a:schemeClr val="tx1"/>
+                    </a:solidFill>
+                  </a:ln>
+                </p:spPr>
+                <p:style>
+                  <a:lnRef idx="1">
+                    <a:schemeClr val="accent1"/>
+                  </a:lnRef>
+                  <a:fillRef idx="0">
+                    <a:schemeClr val="accent1"/>
+                  </a:fillRef>
+                  <a:effectRef idx="0">
+                    <a:schemeClr val="accent1"/>
+                  </a:effectRef>
+                  <a:fontRef idx="minor">
+                    <a:schemeClr val="tx1"/>
+                  </a:fontRef>
+                </p:style>
+              </p:cxnSp>
+              <p:cxnSp>
+                <p:nvCxnSpPr>
+                  <p:cNvPr id="11" name="Straight Connector 10"/>
+                  <p:cNvCxnSpPr/>
+                  <p:nvPr/>
+                </p:nvCxnSpPr>
+                <p:spPr>
+                  <a:xfrm>
+                    <a:off x="5848662" y="2425906"/>
+                    <a:ext cx="0" cy="1368000"/>
+                  </a:xfrm>
+                  <a:prstGeom prst="line">
+                    <a:avLst/>
+                  </a:prstGeom>
+                  <a:ln w="38100">
+                    <a:solidFill>
+                      <a:schemeClr val="tx1"/>
+                    </a:solidFill>
+                  </a:ln>
+                </p:spPr>
+                <p:style>
+                  <a:lnRef idx="1">
+                    <a:schemeClr val="accent1"/>
+                  </a:lnRef>
+                  <a:fillRef idx="0">
+                    <a:schemeClr val="accent1"/>
+                  </a:fillRef>
+                  <a:effectRef idx="0">
+                    <a:schemeClr val="accent1"/>
+                  </a:effectRef>
+                  <a:fontRef idx="minor">
+                    <a:schemeClr val="tx1"/>
+                  </a:fontRef>
+                </p:style>
+              </p:cxnSp>
+              <p:cxnSp>
+                <p:nvCxnSpPr>
+                  <p:cNvPr id="13" name="Straight Connector 12"/>
+                  <p:cNvCxnSpPr/>
+                  <p:nvPr/>
+                </p:nvCxnSpPr>
+                <p:spPr>
+                  <a:xfrm flipH="1">
+                    <a:off x="3207897" y="2425906"/>
+                    <a:ext cx="2655754" cy="1382990"/>
+                  </a:xfrm>
+                  <a:prstGeom prst="line">
+                    <a:avLst/>
+                  </a:prstGeom>
+                  <a:ln w="38100">
+                    <a:solidFill>
+                      <a:schemeClr val="tx1"/>
+                    </a:solidFill>
+                  </a:ln>
+                </p:spPr>
+                <p:style>
+                  <a:lnRef idx="1">
+                    <a:schemeClr val="accent1"/>
+                  </a:lnRef>
+                  <a:fillRef idx="0">
+                    <a:schemeClr val="accent1"/>
+                  </a:fillRef>
+                  <a:effectRef idx="0">
+                    <a:schemeClr val="accent1"/>
+                  </a:effectRef>
+                  <a:fontRef idx="minor">
+                    <a:schemeClr val="tx1"/>
+                  </a:fontRef>
+                </p:style>
+              </p:cxnSp>
+              <mc:AlternateContent xmlns:mc="http://schemas.openxmlformats.org/markup-compatibility/2006">
+                <mc:Choice xmlns:a14="http://schemas.microsoft.com/office/drawing/2010/main" Requires="a14">
+                  <p:sp>
+                    <p:nvSpPr>
+                      <p:cNvPr id="24" name="TextBox 23"/>
+                      <p:cNvSpPr txBox="1"/>
+                      <p:nvPr/>
+                    </p:nvSpPr>
+                    <p:spPr>
+                      <a:xfrm>
+                        <a:off x="5468390" y="2937205"/>
+                        <a:ext cx="185115" cy="276999"/>
+                      </a:xfrm>
+                      <a:prstGeom prst="rect">
+                        <a:avLst/>
+                      </a:prstGeom>
+                      <a:noFill/>
+                    </p:spPr>
+                    <p:txBody>
+                      <a:bodyPr wrap="none" lIns="0" tIns="0" rIns="0" bIns="0" rtlCol="0">
+                        <a:spAutoFit/>
+                      </a:bodyPr>
+                      <a:lstStyle/>
+                      <a:p>
+                        <a:pPr/>
+                        <a14:m>
+                          <m:oMathPara xmlns:m="http://schemas.openxmlformats.org/officeDocument/2006/math">
+                            <m:oMathParaPr>
+                              <m:jc m:val="centerGroup"/>
+                            </m:oMathParaPr>
+                            <m:oMath xmlns:m="http://schemas.openxmlformats.org/officeDocument/2006/math">
+                              <m:r>
+                                <a:rPr lang="en-CA" b="0" i="1" smtClean="0">
+                                  <a:latin typeface="Cambria Math" charset="0"/>
+                                </a:rPr>
+                                <m:t>h</m:t>
+                              </m:r>
+                            </m:oMath>
+                          </m:oMathPara>
+                        </a14:m>
+                        <a:endParaRPr lang="en-US" dirty="0"/>
+                      </a:p>
+                    </p:txBody>
+                  </p:sp>
+                </mc:Choice>
+                <mc:Fallback>
+                  <p:sp>
+                    <p:nvSpPr>
+                      <p:cNvPr id="24" name="TextBox 23"/>
+                      <p:cNvSpPr txBox="1">
+                        <a:spLocks noRot="1" noChangeAspect="1" noMove="1" noResize="1" noEditPoints="1" noAdjustHandles="1" noChangeArrowheads="1" noChangeShapeType="1" noTextEdit="1"/>
+                      </p:cNvSpPr>
+                      <p:nvPr/>
+                    </p:nvSpPr>
+                    <p:spPr>
+                      <a:xfrm>
+                        <a:off x="5468390" y="2937205"/>
+                        <a:ext cx="185115" cy="276999"/>
+                      </a:xfrm>
+                      <a:prstGeom prst="rect">
+                        <a:avLst/>
+                      </a:prstGeom>
+                      <a:blipFill>
+                        <a:blip r:embed="rId2"/>
+                        <a:stretch>
+                          <a:fillRect l="-33333" r="-30000" b="-8889"/>
+                        </a:stretch>
+                      </a:blipFill>
+                    </p:spPr>
+                    <p:txBody>
+                      <a:bodyPr/>
+                      <a:lstStyle/>
+                      <a:p>
+                        <a:r>
+                          <a:rPr lang="en-US">
+                            <a:noFill/>
+                          </a:rPr>
+                          <a:t> </a:t>
+                        </a:r>
+                      </a:p>
+                    </p:txBody>
+                  </p:sp>
+                </mc:Fallback>
+              </mc:AlternateContent>
+              <p:sp>
+                <p:nvSpPr>
+                  <p:cNvPr id="2" name="Rectangle 1"/>
+                  <p:cNvSpPr/>
+                  <p:nvPr/>
+                </p:nvSpPr>
+                <p:spPr>
+                  <a:xfrm rot="19940179">
+                    <a:off x="3096324" y="3209472"/>
+                    <a:ext cx="176859" cy="574838"/>
+                  </a:xfrm>
+                  <a:prstGeom prst="rect">
+                    <a:avLst/>
+                  </a:prstGeom>
                   <a:solidFill>
-                    <a:schemeClr val="tx1"/>
+                    <a:schemeClr val="bg2">
+                      <a:lumMod val="75000"/>
+                    </a:schemeClr>
                   </a:solidFill>
-                </a:ln>
-              </p:spPr>
-              <p:style>
-                <a:lnRef idx="1">
-                  <a:schemeClr val="accent1"/>
-                </a:lnRef>
-                <a:fillRef idx="0">
-                  <a:schemeClr val="accent1"/>
-                </a:fillRef>
-                <a:effectRef idx="0">
-                  <a:schemeClr val="accent1"/>
-                </a:effectRef>
-                <a:fontRef idx="minor">
-                  <a:schemeClr val="tx1"/>
-                </a:fontRef>
-              </p:style>
-            </p:cxnSp>
-            <p:cxnSp>
-              <p:nvCxnSpPr>
-                <p:cNvPr id="46" name="Straight Connector 45"/>
-                <p:cNvCxnSpPr/>
-                <p:nvPr/>
-              </p:nvCxnSpPr>
-              <p:spPr>
-                <a:xfrm>
-                  <a:off x="2188563" y="4364636"/>
-                  <a:ext cx="6120000" cy="0"/>
-                </a:xfrm>
-                <a:prstGeom prst="line">
-                  <a:avLst/>
-                </a:prstGeom>
-                <a:ln w="38100">
-                  <a:solidFill>
-                    <a:schemeClr val="tx1"/>
-                  </a:solidFill>
-                </a:ln>
-              </p:spPr>
-              <p:style>
-                <a:lnRef idx="1">
-                  <a:schemeClr val="accent1"/>
-                </a:lnRef>
-                <a:fillRef idx="0">
-                  <a:schemeClr val="accent1"/>
-                </a:fillRef>
-                <a:effectRef idx="0">
-                  <a:schemeClr val="accent1"/>
-                </a:effectRef>
-                <a:fontRef idx="minor">
-                  <a:schemeClr val="tx1"/>
-                </a:fontRef>
-              </p:style>
-            </p:cxnSp>
-            <p:cxnSp>
-              <p:nvCxnSpPr>
-                <p:cNvPr id="47" name="Straight Connector 46"/>
-                <p:cNvCxnSpPr/>
-                <p:nvPr/>
-              </p:nvCxnSpPr>
-              <p:spPr>
-                <a:xfrm>
-                  <a:off x="5863652" y="3777521"/>
-                  <a:ext cx="2448000" cy="0"/>
-                </a:xfrm>
-                <a:prstGeom prst="line">
-                  <a:avLst/>
-                </a:prstGeom>
-                <a:ln w="38100">
-                  <a:solidFill>
-                    <a:schemeClr val="tx1"/>
-                  </a:solidFill>
-                </a:ln>
-              </p:spPr>
-              <p:style>
-                <a:lnRef idx="1">
-                  <a:schemeClr val="accent1"/>
-                </a:lnRef>
-                <a:fillRef idx="0">
-                  <a:schemeClr val="accent1"/>
-                </a:fillRef>
-                <a:effectRef idx="0">
-                  <a:schemeClr val="accent1"/>
-                </a:effectRef>
-                <a:fontRef idx="minor">
-                  <a:schemeClr val="tx1"/>
-                </a:fontRef>
-              </p:style>
-            </p:cxnSp>
-            <p:cxnSp>
-              <p:nvCxnSpPr>
-                <p:cNvPr id="48" name="Straight Connector 47"/>
-                <p:cNvCxnSpPr/>
-                <p:nvPr/>
-              </p:nvCxnSpPr>
-              <p:spPr>
-                <a:xfrm>
-                  <a:off x="2208549" y="3792511"/>
-                  <a:ext cx="0" cy="576000"/>
-                </a:xfrm>
-                <a:prstGeom prst="line">
-                  <a:avLst/>
-                </a:prstGeom>
-                <a:ln w="38100">
-                  <a:solidFill>
-                    <a:schemeClr val="tx1"/>
-                  </a:solidFill>
-                </a:ln>
-              </p:spPr>
-              <p:style>
-                <a:lnRef idx="1">
-                  <a:schemeClr val="accent1"/>
-                </a:lnRef>
-                <a:fillRef idx="0">
-                  <a:schemeClr val="accent1"/>
-                </a:fillRef>
-                <a:effectRef idx="0">
-                  <a:schemeClr val="accent1"/>
-                </a:effectRef>
-                <a:fontRef idx="minor">
-                  <a:schemeClr val="tx1"/>
-                </a:fontRef>
-              </p:style>
-            </p:cxnSp>
-            <p:cxnSp>
-              <p:nvCxnSpPr>
-                <p:cNvPr id="49" name="Straight Connector 48"/>
-                <p:cNvCxnSpPr/>
-                <p:nvPr/>
-              </p:nvCxnSpPr>
-              <p:spPr>
-                <a:xfrm>
-                  <a:off x="8286076" y="3777521"/>
-                  <a:ext cx="0" cy="576000"/>
-                </a:xfrm>
-                <a:prstGeom prst="line">
-                  <a:avLst/>
-                </a:prstGeom>
-                <a:ln w="38100">
-                  <a:solidFill>
-                    <a:schemeClr val="tx1"/>
-                  </a:solidFill>
-                </a:ln>
-              </p:spPr>
-              <p:style>
-                <a:lnRef idx="1">
-                  <a:schemeClr val="accent1"/>
-                </a:lnRef>
-                <a:fillRef idx="0">
-                  <a:schemeClr val="accent1"/>
-                </a:fillRef>
-                <a:effectRef idx="0">
-                  <a:schemeClr val="accent1"/>
-                </a:effectRef>
-                <a:fontRef idx="minor">
-                  <a:schemeClr val="tx1"/>
-                </a:fontRef>
-              </p:style>
-            </p:cxnSp>
-            <p:cxnSp>
-              <p:nvCxnSpPr>
-                <p:cNvPr id="50" name="Straight Connector 49"/>
-                <p:cNvCxnSpPr/>
-                <p:nvPr/>
-              </p:nvCxnSpPr>
-              <p:spPr>
-                <a:xfrm>
-                  <a:off x="5848662" y="2425906"/>
-                  <a:ext cx="0" cy="1368000"/>
-                </a:xfrm>
-                <a:prstGeom prst="line">
-                  <a:avLst/>
-                </a:prstGeom>
-                <a:ln w="38100">
-                  <a:solidFill>
-                    <a:schemeClr val="tx1"/>
-                  </a:solidFill>
-                </a:ln>
-              </p:spPr>
-              <p:style>
-                <a:lnRef idx="1">
-                  <a:schemeClr val="accent1"/>
-                </a:lnRef>
-                <a:fillRef idx="0">
-                  <a:schemeClr val="accent1"/>
-                </a:fillRef>
-                <a:effectRef idx="0">
-                  <a:schemeClr val="accent1"/>
-                </a:effectRef>
-                <a:fontRef idx="minor">
-                  <a:schemeClr val="tx1"/>
-                </a:fontRef>
-              </p:style>
-            </p:cxnSp>
-            <p:cxnSp>
-              <p:nvCxnSpPr>
-                <p:cNvPr id="51" name="Straight Connector 50"/>
-                <p:cNvCxnSpPr/>
-                <p:nvPr/>
-              </p:nvCxnSpPr>
-              <p:spPr>
-                <a:xfrm flipH="1">
-                  <a:off x="3207897" y="2425906"/>
-                  <a:ext cx="2655754" cy="1382990"/>
-                </a:xfrm>
-                <a:prstGeom prst="line">
-                  <a:avLst/>
-                </a:prstGeom>
-                <a:ln w="38100">
-                  <a:solidFill>
-                    <a:schemeClr val="tx1"/>
-                  </a:solidFill>
-                </a:ln>
-              </p:spPr>
-              <p:style>
-                <a:lnRef idx="1">
-                  <a:schemeClr val="accent1"/>
-                </a:lnRef>
-                <a:fillRef idx="0">
-                  <a:schemeClr val="accent1"/>
-                </a:fillRef>
-                <a:effectRef idx="0">
-                  <a:schemeClr val="accent1"/>
-                </a:effectRef>
-                <a:fontRef idx="minor">
-                  <a:schemeClr val="tx1"/>
-                </a:fontRef>
-              </p:style>
-            </p:cxnSp>
-            <mc:AlternateContent xmlns:mc="http://schemas.openxmlformats.org/markup-compatibility/2006" xmlns:a14="http://schemas.microsoft.com/office/drawing/2010/main">
-              <mc:Choice Requires="a14">
+                  <a:ln w="38100">
+                    <a:solidFill>
+                      <a:schemeClr val="tx1"/>
+                    </a:solidFill>
+                  </a:ln>
+                </p:spPr>
+                <p:style>
+                  <a:lnRef idx="2">
+                    <a:schemeClr val="accent1">
+                      <a:shade val="50000"/>
+                    </a:schemeClr>
+                  </a:lnRef>
+                  <a:fillRef idx="1">
+                    <a:schemeClr val="accent1"/>
+                  </a:fillRef>
+                  <a:effectRef idx="0">
+                    <a:schemeClr val="accent1"/>
+                  </a:effectRef>
+                  <a:fontRef idx="minor">
+                    <a:schemeClr val="lt1"/>
+                  </a:fontRef>
+                </p:style>
+                <p:txBody>
+                  <a:bodyPr rtlCol="0" anchor="ctr"/>
+                  <a:lstStyle/>
+                  <a:p>
+                    <a:pPr algn="ctr"/>
+                    <a:endParaRPr lang="en-US"/>
+                  </a:p>
+                </p:txBody>
+              </p:sp>
+            </p:grpSp>
+            <mc:AlternateContent xmlns:mc="http://schemas.openxmlformats.org/markup-compatibility/2006">
+              <mc:Choice xmlns:a14="http://schemas.microsoft.com/office/drawing/2010/main" Requires="a14">
                 <p:sp>
                   <p:nvSpPr>
-                    <p:cNvPr id="55" name="TextBox 54"/>
+                    <p:cNvPr id="14" name="TextBox 13"/>
                     <p:cNvSpPr txBox="1"/>
                     <p:nvPr/>
                   </p:nvSpPr>
                   <p:spPr>
-                    <a:xfrm>
-                      <a:off x="5564413" y="3004643"/>
-                      <a:ext cx="185115" cy="276999"/>
+                    <a:xfrm rot="19980000">
+                      <a:off x="2808388" y="2952777"/>
+                      <a:ext cx="250838" cy="276999"/>
                     </a:xfrm>
                     <a:prstGeom prst="rect">
                       <a:avLst/>
@@ -31666,7 +31815,7 @@
                               <a:rPr lang="en-CA" b="0" i="1" smtClean="0">
                                 <a:latin typeface="Cambria Math" charset="0"/>
                               </a:rPr>
-                              <m:t>h</m:t>
+                              <m:t>𝑚</m:t>
                             </m:r>
                           </m:oMath>
                         </m:oMathPara>
@@ -31676,10 +31825,161 @@
                   </p:txBody>
                 </p:sp>
               </mc:Choice>
-              <mc:Fallback xmlns="">
+              <mc:Fallback>
                 <p:sp>
                   <p:nvSpPr>
-                    <p:cNvPr id="55" name="TextBox 54"/>
+                    <p:cNvPr id="14" name="TextBox 13"/>
+                    <p:cNvSpPr txBox="1">
+                      <a:spLocks noRot="1" noChangeAspect="1" noMove="1" noResize="1" noEditPoints="1" noAdjustHandles="1" noChangeArrowheads="1" noChangeShapeType="1" noTextEdit="1"/>
+                    </p:cNvSpPr>
+                    <p:nvPr/>
+                  </p:nvSpPr>
+                  <p:spPr>
+                    <a:xfrm rot="19980000">
+                      <a:off x="2808388" y="2952777"/>
+                      <a:ext cx="250838" cy="276999"/>
+                    </a:xfrm>
+                    <a:prstGeom prst="rect">
+                      <a:avLst/>
+                    </a:prstGeom>
+                    <a:blipFill>
+                      <a:blip r:embed="rId3"/>
+                      <a:stretch>
+                        <a:fillRect r="-6897" b="-3333"/>
+                      </a:stretch>
+                    </a:blipFill>
+                  </p:spPr>
+                  <p:txBody>
+                    <a:bodyPr/>
+                    <a:lstStyle/>
+                    <a:p>
+                      <a:r>
+                        <a:rPr lang="en-US">
+                          <a:noFill/>
+                        </a:rPr>
+                        <a:t> </a:t>
+                      </a:r>
+                    </a:p>
+                  </p:txBody>
+                </p:sp>
+              </mc:Fallback>
+            </mc:AlternateContent>
+            <p:cxnSp>
+              <p:nvCxnSpPr>
+                <p:cNvPr id="18" name="Straight Arrow Connector 17"/>
+                <p:cNvCxnSpPr/>
+                <p:nvPr/>
+              </p:nvCxnSpPr>
+              <p:spPr>
+                <a:xfrm flipV="1">
+                  <a:off x="3252409" y="2986258"/>
+                  <a:ext cx="855372" cy="455892"/>
+                </a:xfrm>
+                <a:prstGeom prst="straightConnector1">
+                  <a:avLst/>
+                </a:prstGeom>
+                <a:ln w="38100">
+                  <a:solidFill>
+                    <a:schemeClr val="tx1"/>
+                  </a:solidFill>
+                  <a:tailEnd type="triangle"/>
+                </a:ln>
+              </p:spPr>
+              <p:style>
+                <a:lnRef idx="1">
+                  <a:schemeClr val="accent1"/>
+                </a:lnRef>
+                <a:fillRef idx="0">
+                  <a:schemeClr val="accent1"/>
+                </a:fillRef>
+                <a:effectRef idx="0">
+                  <a:schemeClr val="accent1"/>
+                </a:effectRef>
+                <a:fontRef idx="minor">
+                  <a:schemeClr val="tx1"/>
+                </a:fontRef>
+              </p:style>
+            </p:cxnSp>
+            <mc:AlternateContent xmlns:mc="http://schemas.openxmlformats.org/markup-compatibility/2006">
+              <mc:Choice xmlns:a14="http://schemas.microsoft.com/office/drawing/2010/main" Requires="a14">
+                <p:sp>
+                  <p:nvSpPr>
+                    <p:cNvPr id="21" name="TextBox 20"/>
+                    <p:cNvSpPr txBox="1"/>
+                    <p:nvPr/>
+                  </p:nvSpPr>
+                  <p:spPr>
+                    <a:xfrm>
+                      <a:off x="3306824" y="2939064"/>
+                      <a:ext cx="357423" cy="276999"/>
+                    </a:xfrm>
+                    <a:prstGeom prst="rect">
+                      <a:avLst/>
+                    </a:prstGeom>
+                    <a:noFill/>
+                  </p:spPr>
+                  <p:txBody>
+                    <a:bodyPr wrap="square" lIns="0" tIns="0" rIns="0" bIns="0" rtlCol="0">
+                      <a:spAutoFit/>
+                    </a:bodyPr>
+                    <a:lstStyle/>
+                    <a:p>
+                      <a:pPr/>
+                      <a14:m>
+                        <m:oMathPara xmlns:m="http://schemas.openxmlformats.org/officeDocument/2006/math">
+                          <m:oMathParaPr>
+                            <m:jc m:val="centerGroup"/>
+                          </m:oMathParaPr>
+                          <m:oMath xmlns:m="http://schemas.openxmlformats.org/officeDocument/2006/math">
+                            <m:sSub>
+                              <m:sSubPr>
+                                <m:ctrlPr>
+                                  <a:rPr lang="en-CA" b="0" i="1" smtClean="0">
+                                    <a:latin typeface="Cambria Math" panose="02040503050406030204" pitchFamily="18" charset="0"/>
+                                  </a:rPr>
+                                </m:ctrlPr>
+                              </m:sSubPr>
+                              <m:e>
+                                <m:acc>
+                                  <m:accPr>
+                                    <m:chr m:val="⃗"/>
+                                    <m:ctrlPr>
+                                      <a:rPr lang="en-CA" b="0" i="1" smtClean="0">
+                                        <a:latin typeface="Cambria Math" panose="02040503050406030204" pitchFamily="18" charset="0"/>
+                                      </a:rPr>
+                                    </m:ctrlPr>
+                                  </m:accPr>
+                                  <m:e>
+                                    <m:r>
+                                      <a:rPr lang="en-CA" b="0" i="1" smtClean="0">
+                                        <a:latin typeface="Cambria Math" charset="0"/>
+                                      </a:rPr>
+                                      <m:t>𝑣</m:t>
+                                    </m:r>
+                                  </m:e>
+                                </m:acc>
+                              </m:e>
+                              <m:sub>
+                                <m:r>
+                                  <a:rPr lang="en-CA" b="0" i="1" smtClean="0">
+                                    <a:latin typeface="Cambria Math" charset="0"/>
+                                  </a:rPr>
+                                  <m:t>𝑖</m:t>
+                                </m:r>
+                              </m:sub>
+                            </m:sSub>
+                          </m:oMath>
+                        </m:oMathPara>
+                      </a14:m>
+                      <a:endParaRPr lang="en-US" dirty="0"/>
+                    </a:p>
+                  </p:txBody>
+                </p:sp>
+              </mc:Choice>
+              <mc:Fallback>
+                <p:sp>
+                  <p:nvSpPr>
+                    <p:cNvPr id="21" name="TextBox 20"/>
                     <p:cNvSpPr txBox="1">
                       <a:spLocks noRot="1" noChangeAspect="1" noMove="1" noResize="1" noEditPoints="1" noAdjustHandles="1" noChangeArrowheads="1" noChangeShapeType="1" noTextEdit="1"/>
                     </p:cNvSpPr>
@@ -31687,16 +31987,167 @@
                   </p:nvSpPr>
                   <p:spPr>
                     <a:xfrm>
-                      <a:off x="5564413" y="3004643"/>
-                      <a:ext cx="185115" cy="276999"/>
+                      <a:off x="3306824" y="2939064"/>
+                      <a:ext cx="357423" cy="276999"/>
                     </a:xfrm>
                     <a:prstGeom prst="rect">
                       <a:avLst/>
                     </a:prstGeom>
-                    <a:blipFill rotWithShape="0">
-                      <a:blip r:embed="rId6"/>
+                    <a:blipFill>
+                      <a:blip r:embed="rId4"/>
                       <a:stretch>
-                        <a:fillRect l="-33333" r="-30000" b="-8889"/>
+                        <a:fillRect t="-46667" r="-64407" b="-20000"/>
+                      </a:stretch>
+                    </a:blipFill>
+                  </p:spPr>
+                  <p:txBody>
+                    <a:bodyPr/>
+                    <a:lstStyle/>
+                    <a:p>
+                      <a:r>
+                        <a:rPr lang="en-US">
+                          <a:noFill/>
+                        </a:rPr>
+                        <a:t> </a:t>
+                      </a:r>
+                    </a:p>
+                  </p:txBody>
+                </p:sp>
+              </mc:Fallback>
+            </mc:AlternateContent>
+            <p:cxnSp>
+              <p:nvCxnSpPr>
+                <p:cNvPr id="29" name="Straight Arrow Connector 28"/>
+                <p:cNvCxnSpPr/>
+                <p:nvPr/>
+              </p:nvCxnSpPr>
+              <p:spPr>
+                <a:xfrm>
+                  <a:off x="8286076" y="3687300"/>
+                  <a:ext cx="163955" cy="735332"/>
+                </a:xfrm>
+                <a:prstGeom prst="straightConnector1">
+                  <a:avLst/>
+                </a:prstGeom>
+                <a:ln w="38100">
+                  <a:solidFill>
+                    <a:schemeClr val="tx1"/>
+                  </a:solidFill>
+                  <a:tailEnd type="triangle"/>
+                </a:ln>
+              </p:spPr>
+              <p:style>
+                <a:lnRef idx="1">
+                  <a:schemeClr val="accent1"/>
+                </a:lnRef>
+                <a:fillRef idx="0">
+                  <a:schemeClr val="accent1"/>
+                </a:fillRef>
+                <a:effectRef idx="0">
+                  <a:schemeClr val="accent1"/>
+                </a:effectRef>
+                <a:fontRef idx="minor">
+                  <a:schemeClr val="tx1"/>
+                </a:fontRef>
+              </p:style>
+            </p:cxnSp>
+            <mc:AlternateContent xmlns:mc="http://schemas.openxmlformats.org/markup-compatibility/2006">
+              <mc:Choice xmlns:a14="http://schemas.microsoft.com/office/drawing/2010/main" Requires="a14">
+                <p:sp>
+                  <p:nvSpPr>
+                    <p:cNvPr id="30" name="TextBox 29"/>
+                    <p:cNvSpPr txBox="1"/>
+                    <p:nvPr/>
+                  </p:nvSpPr>
+                  <p:spPr>
+                    <a:xfrm>
+                      <a:off x="8455529" y="3905341"/>
+                      <a:ext cx="276806" cy="299249"/>
+                    </a:xfrm>
+                    <a:prstGeom prst="rect">
+                      <a:avLst/>
+                    </a:prstGeom>
+                    <a:noFill/>
+                  </p:spPr>
+                  <p:txBody>
+                    <a:bodyPr wrap="none" lIns="0" tIns="0" rIns="0" bIns="0" rtlCol="0">
+                      <a:spAutoFit/>
+                    </a:bodyPr>
+                    <a:lstStyle/>
+                    <a:p>
+                      <a:pPr/>
+                      <a14:m>
+                        <m:oMathPara xmlns:m="http://schemas.openxmlformats.org/officeDocument/2006/math">
+                          <m:oMathParaPr>
+                            <m:jc m:val="centerGroup"/>
+                          </m:oMathParaPr>
+                          <m:oMath xmlns:m="http://schemas.openxmlformats.org/officeDocument/2006/math">
+                            <m:sSub>
+                              <m:sSubPr>
+                                <m:ctrlPr>
+                                  <a:rPr lang="en-CA" b="0" i="1" smtClean="0">
+                                    <a:latin typeface="Cambria Math" panose="02040503050406030204" pitchFamily="18" charset="0"/>
+                                  </a:rPr>
+                                </m:ctrlPr>
+                              </m:sSubPr>
+                              <m:e>
+                                <m:acc>
+                                  <m:accPr>
+                                    <m:chr m:val="⃗"/>
+                                    <m:ctrlPr>
+                                      <a:rPr lang="en-CA" b="0" i="1" smtClean="0">
+                                        <a:latin typeface="Cambria Math" panose="02040503050406030204" pitchFamily="18" charset="0"/>
+                                      </a:rPr>
+                                    </m:ctrlPr>
+                                  </m:accPr>
+                                  <m:e>
+                                    <m:r>
+                                      <a:rPr lang="en-CA" b="0" i="1" smtClean="0">
+                                        <a:latin typeface="Cambria Math" charset="0"/>
+                                      </a:rPr>
+                                      <m:t>𝑣</m:t>
+                                    </m:r>
+                                  </m:e>
+                                </m:acc>
+                              </m:e>
+                              <m:sub>
+                                <m:r>
+                                  <a:rPr lang="en-CA" b="0" i="1" smtClean="0">
+                                    <a:latin typeface="Cambria Math" charset="0"/>
+                                  </a:rPr>
+                                  <m:t>𝑓</m:t>
+                                </m:r>
+                              </m:sub>
+                            </m:sSub>
+                          </m:oMath>
+                        </m:oMathPara>
+                      </a14:m>
+                      <a:endParaRPr lang="en-US" dirty="0"/>
+                    </a:p>
+                  </p:txBody>
+                </p:sp>
+              </mc:Choice>
+              <mc:Fallback>
+                <p:sp>
+                  <p:nvSpPr>
+                    <p:cNvPr id="30" name="TextBox 29"/>
+                    <p:cNvSpPr txBox="1">
+                      <a:spLocks noRot="1" noChangeAspect="1" noMove="1" noResize="1" noEditPoints="1" noAdjustHandles="1" noChangeArrowheads="1" noChangeShapeType="1" noTextEdit="1"/>
+                    </p:cNvSpPr>
+                    <p:nvPr/>
+                  </p:nvSpPr>
+                  <p:spPr>
+                    <a:xfrm>
+                      <a:off x="8455529" y="3905341"/>
+                      <a:ext cx="276806" cy="299249"/>
+                    </a:xfrm>
+                    <a:prstGeom prst="rect">
+                      <a:avLst/>
+                    </a:prstGeom>
+                    <a:blipFill>
+                      <a:blip r:embed="rId5"/>
+                      <a:stretch>
+                        <a:fillRect l="-19565" t="-42857" r="-67391" b="-28571"/>
                       </a:stretch>
                     </a:blipFill>
                   </p:spPr>
@@ -31718,25 +32169,224 @@
           </p:grpSp>
           <p:cxnSp>
             <p:nvCxnSpPr>
-              <p:cNvPr id="40" name="Straight Arrow Connector 39"/>
+              <p:cNvPr id="4" name="Straight Arrow Connector 3"/>
               <p:cNvCxnSpPr/>
               <p:nvPr/>
             </p:nvCxnSpPr>
             <p:spPr>
-              <a:xfrm flipH="1">
-                <a:off x="5951587" y="2470415"/>
-                <a:ext cx="11198" cy="1224000"/>
+              <a:xfrm>
+                <a:off x="6615042" y="1048669"/>
+                <a:ext cx="0" cy="1228625"/>
               </a:xfrm>
               <a:prstGeom prst="straightConnector1">
                 <a:avLst/>
               </a:prstGeom>
-              <a:ln w="28575">
+              <a:ln w="38100">
                 <a:solidFill>
                   <a:schemeClr val="tx1"/>
                 </a:solidFill>
-                <a:prstDash val="sysDash"/>
-                <a:headEnd type="none" w="med" len="med"/>
-                <a:tailEnd type="none" w="med" len="med"/>
+                <a:headEnd type="triangle"/>
+                <a:tailEnd type="triangle"/>
+              </a:ln>
+            </p:spPr>
+            <p:style>
+              <a:lnRef idx="1">
+                <a:schemeClr val="accent1"/>
+              </a:lnRef>
+              <a:fillRef idx="0">
+                <a:schemeClr val="accent1"/>
+              </a:fillRef>
+              <a:effectRef idx="0">
+                <a:schemeClr val="accent1"/>
+              </a:effectRef>
+              <a:fontRef idx="minor">
+                <a:schemeClr val="tx1"/>
+              </a:fontRef>
+            </p:style>
+          </p:cxnSp>
+        </p:grpSp>
+        <p:sp>
+          <p:nvSpPr>
+            <p:cNvPr id="3" name="Freeform 2"/>
+            <p:cNvSpPr/>
+            <p:nvPr/>
+          </p:nvSpPr>
+          <p:spPr>
+            <a:xfrm>
+              <a:off x="6708710" y="769232"/>
+              <a:ext cx="2431805" cy="1460783"/>
+            </a:xfrm>
+            <a:custGeom>
+              <a:avLst/>
+              <a:gdLst>
+                <a:gd name="connsiteX0" fmla="*/ 0 w 2453951"/>
+                <a:gd name="connsiteY0" fmla="*/ 41032 h 1300664"/>
+                <a:gd name="connsiteX1" fmla="*/ 989045 w 2453951"/>
+                <a:gd name="connsiteY1" fmla="*/ 22370 h 1300664"/>
+                <a:gd name="connsiteX2" fmla="*/ 1996751 w 2453951"/>
+                <a:gd name="connsiteY2" fmla="*/ 311619 h 1300664"/>
+                <a:gd name="connsiteX3" fmla="*/ 2453951 w 2453951"/>
+                <a:gd name="connsiteY3" fmla="*/ 1300664 h 1300664"/>
+                <a:gd name="connsiteX0" fmla="*/ 0 w 2453951"/>
+                <a:gd name="connsiteY0" fmla="*/ 192633 h 1452265"/>
+                <a:gd name="connsiteX1" fmla="*/ 1083201 w 2453951"/>
+                <a:gd name="connsiteY1" fmla="*/ 6611 h 1452265"/>
+                <a:gd name="connsiteX2" fmla="*/ 1996751 w 2453951"/>
+                <a:gd name="connsiteY2" fmla="*/ 463220 h 1452265"/>
+                <a:gd name="connsiteX3" fmla="*/ 2453951 w 2453951"/>
+                <a:gd name="connsiteY3" fmla="*/ 1452265 h 1452265"/>
+                <a:gd name="connsiteX0" fmla="*/ 0 w 2453951"/>
+                <a:gd name="connsiteY0" fmla="*/ 192633 h 1452265"/>
+                <a:gd name="connsiteX1" fmla="*/ 1120863 w 2453951"/>
+                <a:gd name="connsiteY1" fmla="*/ 6611 h 1452265"/>
+                <a:gd name="connsiteX2" fmla="*/ 1996751 w 2453951"/>
+                <a:gd name="connsiteY2" fmla="*/ 463220 h 1452265"/>
+                <a:gd name="connsiteX3" fmla="*/ 2453951 w 2453951"/>
+                <a:gd name="connsiteY3" fmla="*/ 1452265 h 1452265"/>
+                <a:gd name="connsiteX0" fmla="*/ 0 w 2453951"/>
+                <a:gd name="connsiteY0" fmla="*/ 194587 h 1454219"/>
+                <a:gd name="connsiteX1" fmla="*/ 1120863 w 2453951"/>
+                <a:gd name="connsiteY1" fmla="*/ 8565 h 1454219"/>
+                <a:gd name="connsiteX2" fmla="*/ 1996751 w 2453951"/>
+                <a:gd name="connsiteY2" fmla="*/ 465174 h 1454219"/>
+                <a:gd name="connsiteX3" fmla="*/ 2453951 w 2453951"/>
+                <a:gd name="connsiteY3" fmla="*/ 1454219 h 1454219"/>
+                <a:gd name="connsiteX0" fmla="*/ 0 w 2453951"/>
+                <a:gd name="connsiteY0" fmla="*/ 196015 h 1455647"/>
+                <a:gd name="connsiteX1" fmla="*/ 1120863 w 2453951"/>
+                <a:gd name="connsiteY1" fmla="*/ 9993 h 1455647"/>
+                <a:gd name="connsiteX2" fmla="*/ 1996751 w 2453951"/>
+                <a:gd name="connsiteY2" fmla="*/ 466602 h 1455647"/>
+                <a:gd name="connsiteX3" fmla="*/ 2453951 w 2453951"/>
+                <a:gd name="connsiteY3" fmla="*/ 1455647 h 1455647"/>
+                <a:gd name="connsiteX0" fmla="*/ 0 w 2453951"/>
+                <a:gd name="connsiteY0" fmla="*/ 196015 h 1455647"/>
+                <a:gd name="connsiteX1" fmla="*/ 1120863 w 2453951"/>
+                <a:gd name="connsiteY1" fmla="*/ 9993 h 1455647"/>
+                <a:gd name="connsiteX2" fmla="*/ 1996751 w 2453951"/>
+                <a:gd name="connsiteY2" fmla="*/ 466602 h 1455647"/>
+                <a:gd name="connsiteX3" fmla="*/ 2453951 w 2453951"/>
+                <a:gd name="connsiteY3" fmla="*/ 1455647 h 1455647"/>
+              </a:gdLst>
+              <a:ahLst/>
+              <a:cxnLst>
+                <a:cxn ang="0">
+                  <a:pos x="connsiteX0" y="connsiteY0"/>
+                </a:cxn>
+                <a:cxn ang="0">
+                  <a:pos x="connsiteX1" y="connsiteY1"/>
+                </a:cxn>
+                <a:cxn ang="0">
+                  <a:pos x="connsiteX2" y="connsiteY2"/>
+                </a:cxn>
+                <a:cxn ang="0">
+                  <a:pos x="connsiteX3" y="connsiteY3"/>
+                </a:cxn>
+              </a:cxnLst>
+              <a:rect l="l" t="t" r="r" b="b"/>
+              <a:pathLst>
+                <a:path w="2453951" h="1455647">
+                  <a:moveTo>
+                    <a:pt x="0" y="196015"/>
+                  </a:moveTo>
+                  <a:cubicBezTo>
+                    <a:pt x="328126" y="80455"/>
+                    <a:pt x="788071" y="-35105"/>
+                    <a:pt x="1120863" y="9993"/>
+                  </a:cubicBezTo>
+                  <a:cubicBezTo>
+                    <a:pt x="1453655" y="55091"/>
+                    <a:pt x="1774570" y="225660"/>
+                    <a:pt x="1996751" y="466602"/>
+                  </a:cubicBezTo>
+                  <a:cubicBezTo>
+                    <a:pt x="2218932" y="707544"/>
+                    <a:pt x="2347426" y="1067649"/>
+                    <a:pt x="2453951" y="1455647"/>
+                  </a:cubicBezTo>
+                </a:path>
+              </a:pathLst>
+            </a:custGeom>
+            <a:noFill/>
+            <a:ln w="38100">
+              <a:solidFill>
+                <a:schemeClr val="tx1"/>
+              </a:solidFill>
+              <a:prstDash val="dash"/>
+            </a:ln>
+          </p:spPr>
+          <p:style>
+            <a:lnRef idx="2">
+              <a:schemeClr val="accent1">
+                <a:shade val="50000"/>
+              </a:schemeClr>
+            </a:lnRef>
+            <a:fillRef idx="1">
+              <a:schemeClr val="accent1"/>
+            </a:fillRef>
+            <a:effectRef idx="0">
+              <a:schemeClr val="accent1"/>
+            </a:effectRef>
+            <a:fontRef idx="minor">
+              <a:schemeClr val="lt1"/>
+            </a:fontRef>
+          </p:style>
+          <p:txBody>
+            <a:bodyPr rtlCol="0" anchor="ctr"/>
+            <a:lstStyle/>
+            <a:p>
+              <a:pPr algn="ctr"/>
+              <a:endParaRPr lang="en-US"/>
+            </a:p>
+          </p:txBody>
+        </p:sp>
+      </p:grpSp>
+      <p:grpSp>
+        <p:nvGrpSpPr>
+          <p:cNvPr id="27" name="Group 26"/>
+          <p:cNvGrpSpPr/>
+          <p:nvPr/>
+        </p:nvGrpSpPr>
+        <p:grpSpPr>
+          <a:xfrm>
+            <a:off x="2865432" y="3572937"/>
+            <a:ext cx="6123089" cy="2290337"/>
+            <a:chOff x="2940077" y="3279658"/>
+            <a:chExt cx="6123089" cy="2290337"/>
+          </a:xfrm>
+        </p:grpSpPr>
+        <p:grpSp>
+          <p:nvGrpSpPr>
+            <p:cNvPr id="38" name="Group 37"/>
+            <p:cNvGrpSpPr/>
+            <p:nvPr/>
+          </p:nvGrpSpPr>
+          <p:grpSpPr>
+            <a:xfrm>
+              <a:off x="2940077" y="3627390"/>
+              <a:ext cx="6123089" cy="1942605"/>
+              <a:chOff x="2188563" y="2425906"/>
+              <a:chExt cx="6123089" cy="1942605"/>
+            </a:xfrm>
+          </p:grpSpPr>
+          <p:cxnSp>
+            <p:nvCxnSpPr>
+              <p:cNvPr id="45" name="Straight Connector 44"/>
+              <p:cNvCxnSpPr/>
+              <p:nvPr/>
+            </p:nvCxnSpPr>
+            <p:spPr>
+              <a:xfrm>
+                <a:off x="2188563" y="3807501"/>
+                <a:ext cx="1044000" cy="0"/>
+              </a:xfrm>
+              <a:prstGeom prst="line">
+                <a:avLst/>
+              </a:prstGeom>
+              <a:ln w="38100">
+                <a:solidFill>
+                  <a:schemeClr val="tx1"/>
+                </a:solidFill>
               </a:ln>
             </p:spPr>
             <p:style>
@@ -31756,25 +32406,22 @@
           </p:cxnSp>
           <p:cxnSp>
             <p:nvCxnSpPr>
-              <p:cNvPr id="43" name="Straight Arrow Connector 42"/>
+              <p:cNvPr id="46" name="Straight Connector 45"/>
               <p:cNvCxnSpPr/>
               <p:nvPr/>
             </p:nvCxnSpPr>
             <p:spPr>
               <a:xfrm>
-                <a:off x="5962785" y="3673452"/>
-                <a:ext cx="2192822" cy="1752"/>
+                <a:off x="2188563" y="4364636"/>
+                <a:ext cx="6120000" cy="0"/>
               </a:xfrm>
-              <a:prstGeom prst="straightConnector1">
+              <a:prstGeom prst="line">
                 <a:avLst/>
               </a:prstGeom>
-              <a:ln w="28575">
+              <a:ln w="38100">
                 <a:solidFill>
                   <a:schemeClr val="tx1"/>
                 </a:solidFill>
-                <a:prstDash val="sysDash"/>
-                <a:headEnd type="none" w="med" len="med"/>
-                <a:tailEnd type="none" w="med" len="med"/>
               </a:ln>
             </p:spPr>
             <p:style>
@@ -31792,574 +32439,193 @@
               </a:fontRef>
             </p:style>
           </p:cxnSp>
-          <mc:AlternateContent xmlns:mc="http://schemas.openxmlformats.org/markup-compatibility/2006" xmlns:a14="http://schemas.microsoft.com/office/drawing/2010/main">
-            <mc:Choice Requires="a14">
+          <p:cxnSp>
+            <p:nvCxnSpPr>
+              <p:cNvPr id="47" name="Straight Connector 46"/>
+              <p:cNvCxnSpPr/>
+              <p:nvPr/>
+            </p:nvCxnSpPr>
+            <p:spPr>
+              <a:xfrm>
+                <a:off x="5863652" y="3777521"/>
+                <a:ext cx="2448000" cy="0"/>
+              </a:xfrm>
+              <a:prstGeom prst="line">
+                <a:avLst/>
+              </a:prstGeom>
+              <a:ln w="38100">
+                <a:solidFill>
+                  <a:schemeClr val="tx1"/>
+                </a:solidFill>
+              </a:ln>
+            </p:spPr>
+            <p:style>
+              <a:lnRef idx="1">
+                <a:schemeClr val="accent1"/>
+              </a:lnRef>
+              <a:fillRef idx="0">
+                <a:schemeClr val="accent1"/>
+              </a:fillRef>
+              <a:effectRef idx="0">
+                <a:schemeClr val="accent1"/>
+              </a:effectRef>
+              <a:fontRef idx="minor">
+                <a:schemeClr val="tx1"/>
+              </a:fontRef>
+            </p:style>
+          </p:cxnSp>
+          <p:cxnSp>
+            <p:nvCxnSpPr>
+              <p:cNvPr id="48" name="Straight Connector 47"/>
+              <p:cNvCxnSpPr/>
+              <p:nvPr/>
+            </p:nvCxnSpPr>
+            <p:spPr>
+              <a:xfrm>
+                <a:off x="2208549" y="3792511"/>
+                <a:ext cx="0" cy="576000"/>
+              </a:xfrm>
+              <a:prstGeom prst="line">
+                <a:avLst/>
+              </a:prstGeom>
+              <a:ln w="38100">
+                <a:solidFill>
+                  <a:schemeClr val="tx1"/>
+                </a:solidFill>
+              </a:ln>
+            </p:spPr>
+            <p:style>
+              <a:lnRef idx="1">
+                <a:schemeClr val="accent1"/>
+              </a:lnRef>
+              <a:fillRef idx="0">
+                <a:schemeClr val="accent1"/>
+              </a:fillRef>
+              <a:effectRef idx="0">
+                <a:schemeClr val="accent1"/>
+              </a:effectRef>
+              <a:fontRef idx="minor">
+                <a:schemeClr val="tx1"/>
+              </a:fontRef>
+            </p:style>
+          </p:cxnSp>
+          <p:cxnSp>
+            <p:nvCxnSpPr>
+              <p:cNvPr id="49" name="Straight Connector 48"/>
+              <p:cNvCxnSpPr/>
+              <p:nvPr/>
+            </p:nvCxnSpPr>
+            <p:spPr>
+              <a:xfrm>
+                <a:off x="8286076" y="3777521"/>
+                <a:ext cx="0" cy="576000"/>
+              </a:xfrm>
+              <a:prstGeom prst="line">
+                <a:avLst/>
+              </a:prstGeom>
+              <a:ln w="38100">
+                <a:solidFill>
+                  <a:schemeClr val="tx1"/>
+                </a:solidFill>
+              </a:ln>
+            </p:spPr>
+            <p:style>
+              <a:lnRef idx="1">
+                <a:schemeClr val="accent1"/>
+              </a:lnRef>
+              <a:fillRef idx="0">
+                <a:schemeClr val="accent1"/>
+              </a:fillRef>
+              <a:effectRef idx="0">
+                <a:schemeClr val="accent1"/>
+              </a:effectRef>
+              <a:fontRef idx="minor">
+                <a:schemeClr val="tx1"/>
+              </a:fontRef>
+            </p:style>
+          </p:cxnSp>
+          <p:cxnSp>
+            <p:nvCxnSpPr>
+              <p:cNvPr id="50" name="Straight Connector 49"/>
+              <p:cNvCxnSpPr/>
+              <p:nvPr/>
+            </p:nvCxnSpPr>
+            <p:spPr>
+              <a:xfrm>
+                <a:off x="5848662" y="2425906"/>
+                <a:ext cx="0" cy="1368000"/>
+              </a:xfrm>
+              <a:prstGeom prst="line">
+                <a:avLst/>
+              </a:prstGeom>
+              <a:ln w="38100">
+                <a:solidFill>
+                  <a:schemeClr val="tx1"/>
+                </a:solidFill>
+              </a:ln>
+            </p:spPr>
+            <p:style>
+              <a:lnRef idx="1">
+                <a:schemeClr val="accent1"/>
+              </a:lnRef>
+              <a:fillRef idx="0">
+                <a:schemeClr val="accent1"/>
+              </a:fillRef>
+              <a:effectRef idx="0">
+                <a:schemeClr val="accent1"/>
+              </a:effectRef>
+              <a:fontRef idx="minor">
+                <a:schemeClr val="tx1"/>
+              </a:fontRef>
+            </p:style>
+          </p:cxnSp>
+          <p:cxnSp>
+            <p:nvCxnSpPr>
+              <p:cNvPr id="51" name="Straight Connector 50"/>
+              <p:cNvCxnSpPr/>
+              <p:nvPr/>
+            </p:nvCxnSpPr>
+            <p:spPr>
+              <a:xfrm flipH="1">
+                <a:off x="3207897" y="2425906"/>
+                <a:ext cx="2655754" cy="1382990"/>
+              </a:xfrm>
+              <a:prstGeom prst="line">
+                <a:avLst/>
+              </a:prstGeom>
+              <a:ln w="38100">
+                <a:solidFill>
+                  <a:schemeClr val="tx1"/>
+                </a:solidFill>
+              </a:ln>
+            </p:spPr>
+            <p:style>
+              <a:lnRef idx="1">
+                <a:schemeClr val="accent1"/>
+              </a:lnRef>
+              <a:fillRef idx="0">
+                <a:schemeClr val="accent1"/>
+              </a:fillRef>
+              <a:effectRef idx="0">
+                <a:schemeClr val="accent1"/>
+              </a:effectRef>
+              <a:fontRef idx="minor">
+                <a:schemeClr val="tx1"/>
+              </a:fontRef>
+            </p:style>
+          </p:cxnSp>
+          <mc:AlternateContent xmlns:mc="http://schemas.openxmlformats.org/markup-compatibility/2006">
+            <mc:Choice xmlns:a14="http://schemas.microsoft.com/office/drawing/2010/main" Requires="a14">
               <p:sp>
                 <p:nvSpPr>
-                  <p:cNvPr id="44" name="TextBox 43"/>
+                  <p:cNvPr id="55" name="TextBox 54"/>
                   <p:cNvSpPr txBox="1"/>
                   <p:nvPr/>
                 </p:nvSpPr>
                 <p:spPr>
                   <a:xfrm>
-                    <a:off x="7094298" y="2655897"/>
-                    <a:ext cx="193258" cy="317972"/>
-                  </a:xfrm>
-                  <a:prstGeom prst="rect">
-                    <a:avLst/>
-                  </a:prstGeom>
-                  <a:noFill/>
-                </p:spPr>
-                <p:txBody>
-                  <a:bodyPr wrap="none" lIns="0" tIns="0" rIns="0" bIns="0" rtlCol="0">
-                    <a:spAutoFit/>
-                  </a:bodyPr>
-                  <a:lstStyle/>
-                  <a:p>
-                    <a:pPr/>
-                    <a14:m>
-                      <m:oMathPara xmlns:m="http://schemas.openxmlformats.org/officeDocument/2006/math">
-                        <m:oMathParaPr>
-                          <m:jc m:val="centerGroup"/>
-                        </m:oMathParaPr>
-                        <m:oMath xmlns:m="http://schemas.openxmlformats.org/officeDocument/2006/math">
-                          <m:acc>
-                            <m:accPr>
-                              <m:chr m:val="⃗"/>
-                              <m:ctrlPr>
-                                <a:rPr lang="en-CA" b="0" i="1" smtClean="0">
-                                  <a:latin typeface="Cambria Math" charset="0"/>
-                                </a:rPr>
-                              </m:ctrlPr>
-                            </m:accPr>
-                            <m:e>
-                              <m:r>
-                                <a:rPr lang="en-CA" b="0" i="1" smtClean="0">
-                                  <a:latin typeface="Cambria Math" charset="0"/>
-                                </a:rPr>
-                                <m:t>𝑑</m:t>
-                              </m:r>
-                            </m:e>
-                          </m:acc>
-                        </m:oMath>
-                      </m:oMathPara>
-                    </a14:m>
-                    <a:endParaRPr lang="en-US" dirty="0"/>
-                  </a:p>
-                </p:txBody>
-              </p:sp>
-            </mc:Choice>
-            <mc:Fallback xmlns="">
-              <p:sp>
-                <p:nvSpPr>
-                  <p:cNvPr id="44" name="TextBox 43"/>
-                  <p:cNvSpPr txBox="1">
-                    <a:spLocks noRot="1" noChangeAspect="1" noMove="1" noResize="1" noEditPoints="1" noAdjustHandles="1" noChangeArrowheads="1" noChangeShapeType="1" noTextEdit="1"/>
-                  </p:cNvSpPr>
-                  <p:nvPr/>
-                </p:nvSpPr>
-                <p:spPr>
-                  <a:xfrm>
-                    <a:off x="7094298" y="2655897"/>
-                    <a:ext cx="193258" cy="317972"/>
-                  </a:xfrm>
-                  <a:prstGeom prst="rect">
-                    <a:avLst/>
-                  </a:prstGeom>
-                  <a:blipFill rotWithShape="0">
-                    <a:blip r:embed="rId7"/>
-                    <a:stretch>
-                      <a:fillRect l="-31250" t="-38462" r="-100000" b="-7692"/>
-                    </a:stretch>
-                  </a:blipFill>
-                </p:spPr>
-                <p:txBody>
-                  <a:bodyPr/>
-                  <a:lstStyle/>
-                  <a:p>
-                    <a:r>
-                      <a:rPr lang="en-US">
-                        <a:noFill/>
-                      </a:rPr>
-                      <a:t> </a:t>
-                    </a:r>
-                  </a:p>
-                </p:txBody>
-              </p:sp>
-            </mc:Fallback>
-          </mc:AlternateContent>
-        </p:grpSp>
-        <p:cxnSp>
-          <p:nvCxnSpPr>
-            <p:cNvPr id="61" name="Straight Arrow Connector 60"/>
-            <p:cNvCxnSpPr/>
-            <p:nvPr/>
-          </p:nvCxnSpPr>
-          <p:spPr>
-            <a:xfrm>
-              <a:off x="6699311" y="3649678"/>
-              <a:ext cx="2158247" cy="1174230"/>
-            </a:xfrm>
-            <a:prstGeom prst="straightConnector1">
-              <a:avLst/>
-            </a:prstGeom>
-            <a:ln w="38100">
-              <a:solidFill>
-                <a:schemeClr val="tx1"/>
-              </a:solidFill>
-              <a:tailEnd type="triangle"/>
-            </a:ln>
-          </p:spPr>
-          <p:style>
-            <a:lnRef idx="1">
-              <a:schemeClr val="accent1"/>
-            </a:lnRef>
-            <a:fillRef idx="0">
-              <a:schemeClr val="accent1"/>
-            </a:fillRef>
-            <a:effectRef idx="0">
-              <a:schemeClr val="accent1"/>
-            </a:effectRef>
-            <a:fontRef idx="minor">
-              <a:schemeClr val="tx1"/>
-            </a:fontRef>
-          </p:style>
-        </p:cxnSp>
-      </p:grpSp>
-      <p:grpSp>
-        <p:nvGrpSpPr>
-          <p:cNvPr id="9" name="Group 8"/>
-          <p:cNvGrpSpPr/>
-          <p:nvPr/>
-        </p:nvGrpSpPr>
-        <p:grpSpPr>
-          <a:xfrm>
-            <a:off x="3043002" y="836747"/>
-            <a:ext cx="6325850" cy="4158443"/>
-            <a:chOff x="3043002" y="836747"/>
-            <a:chExt cx="6325850" cy="4158443"/>
-          </a:xfrm>
-        </p:grpSpPr>
-        <p:grpSp>
-          <p:nvGrpSpPr>
-            <p:cNvPr id="36" name="Group 35"/>
-            <p:cNvGrpSpPr/>
-            <p:nvPr/>
-          </p:nvGrpSpPr>
-          <p:grpSpPr>
-            <a:xfrm>
-              <a:off x="3043002" y="836747"/>
-              <a:ext cx="6325850" cy="4158443"/>
-              <a:chOff x="2188563" y="2305783"/>
-              <a:chExt cx="6325850" cy="4158443"/>
-            </a:xfrm>
-          </p:grpSpPr>
-          <p:grpSp>
-            <p:nvGrpSpPr>
-              <p:cNvPr id="12" name="Group 11"/>
-              <p:cNvGrpSpPr/>
-              <p:nvPr/>
-            </p:nvGrpSpPr>
-            <p:grpSpPr>
-              <a:xfrm>
-                <a:off x="2188563" y="2425906"/>
-                <a:ext cx="6123089" cy="1942605"/>
-                <a:chOff x="2188563" y="2425906"/>
-                <a:chExt cx="6123089" cy="1942605"/>
-              </a:xfrm>
-            </p:grpSpPr>
-            <p:cxnSp>
-              <p:nvCxnSpPr>
-                <p:cNvPr id="5" name="Straight Connector 4"/>
-                <p:cNvCxnSpPr/>
-                <p:nvPr/>
-              </p:nvCxnSpPr>
-              <p:spPr>
-                <a:xfrm>
-                  <a:off x="2188563" y="3807501"/>
-                  <a:ext cx="1044000" cy="0"/>
-                </a:xfrm>
-                <a:prstGeom prst="line">
-                  <a:avLst/>
-                </a:prstGeom>
-                <a:ln w="38100">
-                  <a:solidFill>
-                    <a:schemeClr val="tx1"/>
-                  </a:solidFill>
-                </a:ln>
-              </p:spPr>
-              <p:style>
-                <a:lnRef idx="1">
-                  <a:schemeClr val="accent1"/>
-                </a:lnRef>
-                <a:fillRef idx="0">
-                  <a:schemeClr val="accent1"/>
-                </a:fillRef>
-                <a:effectRef idx="0">
-                  <a:schemeClr val="accent1"/>
-                </a:effectRef>
-                <a:fontRef idx="minor">
-                  <a:schemeClr val="tx1"/>
-                </a:fontRef>
-              </p:style>
-            </p:cxnSp>
-            <p:cxnSp>
-              <p:nvCxnSpPr>
-                <p:cNvPr id="6" name="Straight Connector 5"/>
-                <p:cNvCxnSpPr/>
-                <p:nvPr/>
-              </p:nvCxnSpPr>
-              <p:spPr>
-                <a:xfrm>
-                  <a:off x="2188563" y="4364636"/>
-                  <a:ext cx="6120000" cy="0"/>
-                </a:xfrm>
-                <a:prstGeom prst="line">
-                  <a:avLst/>
-                </a:prstGeom>
-                <a:ln w="38100">
-                  <a:solidFill>
-                    <a:schemeClr val="tx1"/>
-                  </a:solidFill>
-                </a:ln>
-              </p:spPr>
-              <p:style>
-                <a:lnRef idx="1">
-                  <a:schemeClr val="accent1"/>
-                </a:lnRef>
-                <a:fillRef idx="0">
-                  <a:schemeClr val="accent1"/>
-                </a:fillRef>
-                <a:effectRef idx="0">
-                  <a:schemeClr val="accent1"/>
-                </a:effectRef>
-                <a:fontRef idx="minor">
-                  <a:schemeClr val="tx1"/>
-                </a:fontRef>
-              </p:style>
-            </p:cxnSp>
-            <p:cxnSp>
-              <p:nvCxnSpPr>
-                <p:cNvPr id="7" name="Straight Connector 6"/>
-                <p:cNvCxnSpPr/>
-                <p:nvPr/>
-              </p:nvCxnSpPr>
-              <p:spPr>
-                <a:xfrm>
-                  <a:off x="5863652" y="3777521"/>
-                  <a:ext cx="2448000" cy="0"/>
-                </a:xfrm>
-                <a:prstGeom prst="line">
-                  <a:avLst/>
-                </a:prstGeom>
-                <a:ln w="38100">
-                  <a:solidFill>
-                    <a:schemeClr val="tx1"/>
-                  </a:solidFill>
-                </a:ln>
-              </p:spPr>
-              <p:style>
-                <a:lnRef idx="1">
-                  <a:schemeClr val="accent1"/>
-                </a:lnRef>
-                <a:fillRef idx="0">
-                  <a:schemeClr val="accent1"/>
-                </a:fillRef>
-                <a:effectRef idx="0">
-                  <a:schemeClr val="accent1"/>
-                </a:effectRef>
-                <a:fontRef idx="minor">
-                  <a:schemeClr val="tx1"/>
-                </a:fontRef>
-              </p:style>
-            </p:cxnSp>
-            <p:cxnSp>
-              <p:nvCxnSpPr>
-                <p:cNvPr id="8" name="Straight Connector 7"/>
-                <p:cNvCxnSpPr/>
-                <p:nvPr/>
-              </p:nvCxnSpPr>
-              <p:spPr>
-                <a:xfrm>
-                  <a:off x="2208549" y="3792511"/>
-                  <a:ext cx="0" cy="576000"/>
-                </a:xfrm>
-                <a:prstGeom prst="line">
-                  <a:avLst/>
-                </a:prstGeom>
-                <a:ln w="38100">
-                  <a:solidFill>
-                    <a:schemeClr val="tx1"/>
-                  </a:solidFill>
-                </a:ln>
-              </p:spPr>
-              <p:style>
-                <a:lnRef idx="1">
-                  <a:schemeClr val="accent1"/>
-                </a:lnRef>
-                <a:fillRef idx="0">
-                  <a:schemeClr val="accent1"/>
-                </a:fillRef>
-                <a:effectRef idx="0">
-                  <a:schemeClr val="accent1"/>
-                </a:effectRef>
-                <a:fontRef idx="minor">
-                  <a:schemeClr val="tx1"/>
-                </a:fontRef>
-              </p:style>
-            </p:cxnSp>
-            <p:cxnSp>
-              <p:nvCxnSpPr>
-                <p:cNvPr id="10" name="Straight Connector 9"/>
-                <p:cNvCxnSpPr/>
-                <p:nvPr/>
-              </p:nvCxnSpPr>
-              <p:spPr>
-                <a:xfrm>
-                  <a:off x="8286076" y="3777521"/>
-                  <a:ext cx="0" cy="576000"/>
-                </a:xfrm>
-                <a:prstGeom prst="line">
-                  <a:avLst/>
-                </a:prstGeom>
-                <a:ln w="38100">
-                  <a:solidFill>
-                    <a:schemeClr val="tx1"/>
-                  </a:solidFill>
-                </a:ln>
-              </p:spPr>
-              <p:style>
-                <a:lnRef idx="1">
-                  <a:schemeClr val="accent1"/>
-                </a:lnRef>
-                <a:fillRef idx="0">
-                  <a:schemeClr val="accent1"/>
-                </a:fillRef>
-                <a:effectRef idx="0">
-                  <a:schemeClr val="accent1"/>
-                </a:effectRef>
-                <a:fontRef idx="minor">
-                  <a:schemeClr val="tx1"/>
-                </a:fontRef>
-              </p:style>
-            </p:cxnSp>
-            <p:cxnSp>
-              <p:nvCxnSpPr>
-                <p:cNvPr id="11" name="Straight Connector 10"/>
-                <p:cNvCxnSpPr/>
-                <p:nvPr/>
-              </p:nvCxnSpPr>
-              <p:spPr>
-                <a:xfrm>
-                  <a:off x="5848662" y="2425906"/>
-                  <a:ext cx="0" cy="1368000"/>
-                </a:xfrm>
-                <a:prstGeom prst="line">
-                  <a:avLst/>
-                </a:prstGeom>
-                <a:ln w="38100">
-                  <a:solidFill>
-                    <a:schemeClr val="tx1"/>
-                  </a:solidFill>
-                </a:ln>
-              </p:spPr>
-              <p:style>
-                <a:lnRef idx="1">
-                  <a:schemeClr val="accent1"/>
-                </a:lnRef>
-                <a:fillRef idx="0">
-                  <a:schemeClr val="accent1"/>
-                </a:fillRef>
-                <a:effectRef idx="0">
-                  <a:schemeClr val="accent1"/>
-                </a:effectRef>
-                <a:fontRef idx="minor">
-                  <a:schemeClr val="tx1"/>
-                </a:fontRef>
-              </p:style>
-            </p:cxnSp>
-            <p:cxnSp>
-              <p:nvCxnSpPr>
-                <p:cNvPr id="13" name="Straight Connector 12"/>
-                <p:cNvCxnSpPr/>
-                <p:nvPr/>
-              </p:nvCxnSpPr>
-              <p:spPr>
-                <a:xfrm flipH="1">
-                  <a:off x="3207897" y="2425906"/>
-                  <a:ext cx="2655754" cy="1382990"/>
-                </a:xfrm>
-                <a:prstGeom prst="line">
-                  <a:avLst/>
-                </a:prstGeom>
-                <a:ln w="38100">
-                  <a:solidFill>
-                    <a:schemeClr val="tx1"/>
-                  </a:solidFill>
-                </a:ln>
-              </p:spPr>
-              <p:style>
-                <a:lnRef idx="1">
-                  <a:schemeClr val="accent1"/>
-                </a:lnRef>
-                <a:fillRef idx="0">
-                  <a:schemeClr val="accent1"/>
-                </a:fillRef>
-                <a:effectRef idx="0">
-                  <a:schemeClr val="accent1"/>
-                </a:effectRef>
-                <a:fontRef idx="minor">
-                  <a:schemeClr val="tx1"/>
-                </a:fontRef>
-              </p:style>
-            </p:cxnSp>
-            <mc:AlternateContent xmlns:mc="http://schemas.openxmlformats.org/markup-compatibility/2006" xmlns:a14="http://schemas.microsoft.com/office/drawing/2010/main">
-              <mc:Choice Requires="a14">
-                <p:sp>
-                  <p:nvSpPr>
-                    <p:cNvPr id="24" name="TextBox 23"/>
-                    <p:cNvSpPr txBox="1"/>
-                    <p:nvPr/>
-                  </p:nvSpPr>
-                  <p:spPr>
-                    <a:xfrm>
-                      <a:off x="6300748" y="2968396"/>
-                      <a:ext cx="185115" cy="276999"/>
-                    </a:xfrm>
-                    <a:prstGeom prst="rect">
-                      <a:avLst/>
-                    </a:prstGeom>
-                    <a:noFill/>
-                  </p:spPr>
-                  <p:txBody>
-                    <a:bodyPr wrap="none" lIns="0" tIns="0" rIns="0" bIns="0" rtlCol="0">
-                      <a:spAutoFit/>
-                    </a:bodyPr>
-                    <a:lstStyle/>
-                    <a:p>
-                      <a:pPr/>
-                      <a14:m>
-                        <m:oMathPara xmlns:m="http://schemas.openxmlformats.org/officeDocument/2006/math">
-                          <m:oMathParaPr>
-                            <m:jc m:val="centerGroup"/>
-                          </m:oMathParaPr>
-                          <m:oMath xmlns:m="http://schemas.openxmlformats.org/officeDocument/2006/math">
-                            <m:r>
-                              <a:rPr lang="en-CA" b="0" i="1" smtClean="0">
-                                <a:latin typeface="Cambria Math" charset="0"/>
-                              </a:rPr>
-                              <m:t>h</m:t>
-                            </m:r>
-                          </m:oMath>
-                        </m:oMathPara>
-                      </a14:m>
-                      <a:endParaRPr lang="en-US" dirty="0"/>
-                    </a:p>
-                  </p:txBody>
-                </p:sp>
-              </mc:Choice>
-              <mc:Fallback xmlns="">
-                <p:sp>
-                  <p:nvSpPr>
-                    <p:cNvPr id="24" name="TextBox 23"/>
-                    <p:cNvSpPr txBox="1">
-                      <a:spLocks noRot="1" noChangeAspect="1" noMove="1" noResize="1" noEditPoints="1" noAdjustHandles="1" noChangeArrowheads="1" noChangeShapeType="1" noTextEdit="1"/>
-                    </p:cNvSpPr>
-                    <p:nvPr/>
-                  </p:nvSpPr>
-                  <p:spPr>
-                    <a:xfrm>
-                      <a:off x="6300748" y="2968396"/>
-                      <a:ext cx="185115" cy="276999"/>
-                    </a:xfrm>
-                    <a:prstGeom prst="rect">
-                      <a:avLst/>
-                    </a:prstGeom>
-                    <a:blipFill rotWithShape="0">
-                      <a:blip r:embed="rId2"/>
-                      <a:stretch>
-                        <a:fillRect l="-33333" r="-30000" b="-8889"/>
-                      </a:stretch>
-                    </a:blipFill>
-                  </p:spPr>
-                  <p:txBody>
-                    <a:bodyPr/>
-                    <a:lstStyle/>
-                    <a:p>
-                      <a:r>
-                        <a:rPr lang="en-US">
-                          <a:noFill/>
-                        </a:rPr>
-                        <a:t> </a:t>
-                      </a:r>
-                    </a:p>
-                  </p:txBody>
-                </p:sp>
-              </mc:Fallback>
-            </mc:AlternateContent>
-            <p:sp>
-              <p:nvSpPr>
-                <p:cNvPr id="2" name="Rectangle 1"/>
-                <p:cNvSpPr/>
-                <p:nvPr/>
-              </p:nvSpPr>
-              <p:spPr>
-                <a:xfrm rot="19940179">
-                  <a:off x="3031583" y="2946522"/>
-                  <a:ext cx="720000" cy="720000"/>
-                </a:xfrm>
-                <a:prstGeom prst="rect">
-                  <a:avLst/>
-                </a:prstGeom>
-                <a:solidFill>
-                  <a:schemeClr val="bg2">
-                    <a:lumMod val="75000"/>
-                  </a:schemeClr>
-                </a:solidFill>
-                <a:ln w="38100">
-                  <a:solidFill>
-                    <a:schemeClr val="tx1"/>
-                  </a:solidFill>
-                </a:ln>
-              </p:spPr>
-              <p:style>
-                <a:lnRef idx="2">
-                  <a:schemeClr val="accent1">
-                    <a:shade val="50000"/>
-                  </a:schemeClr>
-                </a:lnRef>
-                <a:fillRef idx="1">
-                  <a:schemeClr val="accent1"/>
-                </a:fillRef>
-                <a:effectRef idx="0">
-                  <a:schemeClr val="accent1"/>
-                </a:effectRef>
-                <a:fontRef idx="minor">
-                  <a:schemeClr val="lt1"/>
-                </a:fontRef>
-              </p:style>
-              <p:txBody>
-                <a:bodyPr rtlCol="0" anchor="ctr"/>
-                <a:lstStyle/>
-                <a:p>
-                  <a:pPr algn="ctr"/>
-                  <a:endParaRPr lang="en-US"/>
-                </a:p>
-              </p:txBody>
-            </p:sp>
-          </p:grpSp>
-          <mc:AlternateContent xmlns:mc="http://schemas.openxmlformats.org/markup-compatibility/2006" xmlns:a14="http://schemas.microsoft.com/office/drawing/2010/main">
-            <mc:Choice Requires="a14">
-              <p:sp>
-                <p:nvSpPr>
-                  <p:cNvPr id="14" name="TextBox 13"/>
-                  <p:cNvSpPr txBox="1"/>
-                  <p:nvPr/>
-                </p:nvSpPr>
-                <p:spPr>
-                  <a:xfrm rot="-1620000">
-                    <a:off x="3257103" y="3140436"/>
-                    <a:ext cx="250838" cy="276999"/>
+                    <a:off x="5534312" y="2978901"/>
+                    <a:ext cx="185115" cy="276999"/>
                   </a:xfrm>
                   <a:prstGeom prst="rect">
                     <a:avLst/>
@@ -32383,7 +32649,7 @@
                             <a:rPr lang="en-CA" b="0" i="1" smtClean="0">
                               <a:latin typeface="Cambria Math" charset="0"/>
                             </a:rPr>
-                            <m:t>𝑚</m:t>
+                            <m:t>h</m:t>
                           </m:r>
                         </m:oMath>
                       </m:oMathPara>
@@ -32393,161 +32659,10 @@
                 </p:txBody>
               </p:sp>
             </mc:Choice>
-            <mc:Fallback xmlns="">
+            <mc:Fallback>
               <p:sp>
                 <p:nvSpPr>
-                  <p:cNvPr id="14" name="TextBox 13"/>
-                  <p:cNvSpPr txBox="1">
-                    <a:spLocks noRot="1" noChangeAspect="1" noMove="1" noResize="1" noEditPoints="1" noAdjustHandles="1" noChangeArrowheads="1" noChangeShapeType="1" noTextEdit="1"/>
-                  </p:cNvSpPr>
-                  <p:nvPr/>
-                </p:nvSpPr>
-                <p:spPr>
-                  <a:xfrm rot="-1620000">
-                    <a:off x="3257103" y="3140436"/>
-                    <a:ext cx="250838" cy="276999"/>
-                  </a:xfrm>
-                  <a:prstGeom prst="rect">
-                    <a:avLst/>
-                  </a:prstGeom>
-                  <a:blipFill rotWithShape="0">
-                    <a:blip r:embed="rId3"/>
-                    <a:stretch>
-                      <a:fillRect r="-5172" b="-1667"/>
-                    </a:stretch>
-                  </a:blipFill>
-                </p:spPr>
-                <p:txBody>
-                  <a:bodyPr/>
-                  <a:lstStyle/>
-                  <a:p>
-                    <a:r>
-                      <a:rPr lang="en-US">
-                        <a:noFill/>
-                      </a:rPr>
-                      <a:t> </a:t>
-                    </a:r>
-                  </a:p>
-                </p:txBody>
-              </p:sp>
-            </mc:Fallback>
-          </mc:AlternateContent>
-          <p:cxnSp>
-            <p:nvCxnSpPr>
-              <p:cNvPr id="18" name="Straight Arrow Connector 17"/>
-              <p:cNvCxnSpPr/>
-              <p:nvPr/>
-            </p:nvCxnSpPr>
-            <p:spPr>
-              <a:xfrm flipV="1">
-                <a:off x="3129632" y="2424698"/>
-                <a:ext cx="855372" cy="455892"/>
-              </a:xfrm>
-              <a:prstGeom prst="straightConnector1">
-                <a:avLst/>
-              </a:prstGeom>
-              <a:ln w="38100">
-                <a:solidFill>
-                  <a:schemeClr val="tx1"/>
-                </a:solidFill>
-                <a:tailEnd type="triangle"/>
-              </a:ln>
-            </p:spPr>
-            <p:style>
-              <a:lnRef idx="1">
-                <a:schemeClr val="accent1"/>
-              </a:lnRef>
-              <a:fillRef idx="0">
-                <a:schemeClr val="accent1"/>
-              </a:fillRef>
-              <a:effectRef idx="0">
-                <a:schemeClr val="accent1"/>
-              </a:effectRef>
-              <a:fontRef idx="minor">
-                <a:schemeClr val="tx1"/>
-              </a:fontRef>
-            </p:style>
-          </p:cxnSp>
-          <mc:AlternateContent xmlns:mc="http://schemas.openxmlformats.org/markup-compatibility/2006" xmlns:a14="http://schemas.microsoft.com/office/drawing/2010/main">
-            <mc:Choice Requires="a14">
-              <p:sp>
-                <p:nvSpPr>
-                  <p:cNvPr id="21" name="TextBox 20"/>
-                  <p:cNvSpPr txBox="1"/>
-                  <p:nvPr/>
-                </p:nvSpPr>
-                <p:spPr>
-                  <a:xfrm>
-                    <a:off x="3306824" y="2305783"/>
-                    <a:ext cx="250325" cy="276999"/>
-                  </a:xfrm>
-                  <a:prstGeom prst="rect">
-                    <a:avLst/>
-                  </a:prstGeom>
-                  <a:noFill/>
-                </p:spPr>
-                <p:txBody>
-                  <a:bodyPr wrap="none" lIns="0" tIns="0" rIns="0" bIns="0" rtlCol="0">
-                    <a:spAutoFit/>
-                  </a:bodyPr>
-                  <a:lstStyle/>
-                  <a:p>
-                    <a:pPr/>
-                    <a14:m>
-                      <m:oMathPara xmlns:m="http://schemas.openxmlformats.org/officeDocument/2006/math">
-                        <m:oMathParaPr>
-                          <m:jc m:val="centerGroup"/>
-                        </m:oMathParaPr>
-                        <m:oMath xmlns:m="http://schemas.openxmlformats.org/officeDocument/2006/math">
-                          <m:sSub>
-                            <m:sSubPr>
-                              <m:ctrlPr>
-                                <a:rPr lang="en-CA" b="0" i="1" smtClean="0">
-                                  <a:latin typeface="Cambria Math" charset="0"/>
-                                </a:rPr>
-                              </m:ctrlPr>
-                            </m:sSubPr>
-                            <m:e>
-                              <m:acc>
-                                <m:accPr>
-                                  <m:chr m:val="⃗"/>
-                                  <m:ctrlPr>
-                                    <a:rPr lang="en-CA" b="0" i="1" smtClean="0">
-                                      <a:latin typeface="Cambria Math" charset="0"/>
-                                    </a:rPr>
-                                  </m:ctrlPr>
-                                </m:accPr>
-                                <m:e>
-                                  <m:r>
-                                    <a:rPr lang="en-CA" b="0" i="1" smtClean="0">
-                                      <a:latin typeface="Cambria Math" charset="0"/>
-                                    </a:rPr>
-                                    <m:t>𝑣</m:t>
-                                  </m:r>
-                                </m:e>
-                              </m:acc>
-                            </m:e>
-                            <m:sub>
-                              <m:r>
-                                <a:rPr lang="en-CA" b="0" i="1" smtClean="0">
-                                  <a:latin typeface="Cambria Math" charset="0"/>
-                                </a:rPr>
-                                <m:t>𝑖</m:t>
-                              </m:r>
-                            </m:sub>
-                          </m:sSub>
-                        </m:oMath>
-                      </m:oMathPara>
-                    </a14:m>
-                    <a:endParaRPr lang="en-US" dirty="0"/>
-                  </a:p>
-                </p:txBody>
-              </p:sp>
-            </mc:Choice>
-            <mc:Fallback xmlns="">
-              <p:sp>
-                <p:nvSpPr>
-                  <p:cNvPr id="21" name="TextBox 20"/>
+                  <p:cNvPr id="55" name="TextBox 54"/>
                   <p:cNvSpPr txBox="1">
                     <a:spLocks noRot="1" noChangeAspect="1" noMove="1" noResize="1" noEditPoints="1" noAdjustHandles="1" noChangeArrowheads="1" noChangeShapeType="1" noTextEdit="1"/>
                   </p:cNvSpPr>
@@ -32555,214 +32670,16 @@
                 </p:nvSpPr>
                 <p:spPr>
                   <a:xfrm>
-                    <a:off x="3306824" y="2305783"/>
-                    <a:ext cx="250325" cy="276999"/>
+                    <a:off x="5534312" y="2978901"/>
+                    <a:ext cx="185115" cy="276999"/>
                   </a:xfrm>
                   <a:prstGeom prst="rect">
                     <a:avLst/>
                   </a:prstGeom>
-                  <a:blipFill rotWithShape="0">
-                    <a:blip r:embed="rId4"/>
+                  <a:blipFill>
+                    <a:blip r:embed="rId6"/>
                     <a:stretch>
-                      <a:fillRect l="-19512" t="-36957" r="-70732" b="-19565"/>
-                    </a:stretch>
-                  </a:blipFill>
-                </p:spPr>
-                <p:txBody>
-                  <a:bodyPr/>
-                  <a:lstStyle/>
-                  <a:p>
-                    <a:r>
-                      <a:rPr lang="en-US">
-                        <a:noFill/>
-                      </a:rPr>
-                      <a:t> </a:t>
-                    </a:r>
-                  </a:p>
-                </p:txBody>
-              </p:sp>
-            </mc:Fallback>
-          </mc:AlternateContent>
-          <p:sp>
-            <p:nvSpPr>
-              <p:cNvPr id="22" name="Arc 21"/>
-              <p:cNvSpPr/>
-              <p:nvPr/>
-            </p:nvSpPr>
-            <p:spPr>
-              <a:xfrm rot="16200000">
-                <a:off x="3593294" y="1543108"/>
-                <a:ext cx="4049413" cy="5792824"/>
-              </a:xfrm>
-              <a:prstGeom prst="arc">
-                <a:avLst>
-                  <a:gd name="adj1" fmla="val 341948"/>
-                  <a:gd name="adj2" fmla="val 4443231"/>
-                </a:avLst>
-              </a:prstGeom>
-              <a:ln w="28575">
-                <a:solidFill>
-                  <a:schemeClr val="tx1"/>
-                </a:solidFill>
-                <a:prstDash val="dash"/>
-              </a:ln>
-            </p:spPr>
-            <p:style>
-              <a:lnRef idx="1">
-                <a:schemeClr val="accent1"/>
-              </a:lnRef>
-              <a:fillRef idx="0">
-                <a:schemeClr val="accent1"/>
-              </a:fillRef>
-              <a:effectRef idx="0">
-                <a:schemeClr val="accent1"/>
-              </a:effectRef>
-              <a:fontRef idx="minor">
-                <a:schemeClr val="tx1"/>
-              </a:fontRef>
-            </p:style>
-            <p:txBody>
-              <a:bodyPr rtlCol="0" anchor="ctr"/>
-              <a:lstStyle/>
-              <a:p>
-                <a:pPr algn="ctr"/>
-                <a:endParaRPr lang="en-US"/>
-              </a:p>
-            </p:txBody>
-          </p:sp>
-          <p:cxnSp>
-            <p:nvCxnSpPr>
-              <p:cNvPr id="29" name="Straight Arrow Connector 28"/>
-              <p:cNvCxnSpPr/>
-              <p:nvPr/>
-            </p:nvCxnSpPr>
-            <p:spPr>
-              <a:xfrm>
-                <a:off x="7960007" y="3079926"/>
-                <a:ext cx="361223" cy="666221"/>
-              </a:xfrm>
-              <a:prstGeom prst="straightConnector1">
-                <a:avLst/>
-              </a:prstGeom>
-              <a:ln w="38100">
-                <a:solidFill>
-                  <a:schemeClr val="tx1"/>
-                </a:solidFill>
-                <a:tailEnd type="triangle"/>
-              </a:ln>
-            </p:spPr>
-            <p:style>
-              <a:lnRef idx="1">
-                <a:schemeClr val="accent1"/>
-              </a:lnRef>
-              <a:fillRef idx="0">
-                <a:schemeClr val="accent1"/>
-              </a:fillRef>
-              <a:effectRef idx="0">
-                <a:schemeClr val="accent1"/>
-              </a:effectRef>
-              <a:fontRef idx="minor">
-                <a:schemeClr val="tx1"/>
-              </a:fontRef>
-            </p:style>
-          </p:cxnSp>
-          <mc:AlternateContent xmlns:mc="http://schemas.openxmlformats.org/markup-compatibility/2006" xmlns:a14="http://schemas.microsoft.com/office/drawing/2010/main">
-            <mc:Choice Requires="a14">
-              <p:sp>
-                <p:nvSpPr>
-                  <p:cNvPr id="30" name="TextBox 29"/>
-                  <p:cNvSpPr txBox="1"/>
-                  <p:nvPr/>
-                </p:nvSpPr>
-                <p:spPr>
-                  <a:xfrm>
-                    <a:off x="8138926" y="3132018"/>
-                    <a:ext cx="276806" cy="299249"/>
-                  </a:xfrm>
-                  <a:prstGeom prst="rect">
-                    <a:avLst/>
-                  </a:prstGeom>
-                  <a:noFill/>
-                </p:spPr>
-                <p:txBody>
-                  <a:bodyPr wrap="none" lIns="0" tIns="0" rIns="0" bIns="0" rtlCol="0">
-                    <a:spAutoFit/>
-                  </a:bodyPr>
-                  <a:lstStyle/>
-                  <a:p>
-                    <a:pPr/>
-                    <a14:m>
-                      <m:oMathPara xmlns:m="http://schemas.openxmlformats.org/officeDocument/2006/math">
-                        <m:oMathParaPr>
-                          <m:jc m:val="centerGroup"/>
-                        </m:oMathParaPr>
-                        <m:oMath xmlns:m="http://schemas.openxmlformats.org/officeDocument/2006/math">
-                          <m:sSub>
-                            <m:sSubPr>
-                              <m:ctrlPr>
-                                <a:rPr lang="en-CA" b="0" i="1" smtClean="0">
-                                  <a:latin typeface="Cambria Math" charset="0"/>
-                                </a:rPr>
-                              </m:ctrlPr>
-                            </m:sSubPr>
-                            <m:e>
-                              <m:acc>
-                                <m:accPr>
-                                  <m:chr m:val="⃗"/>
-                                  <m:ctrlPr>
-                                    <a:rPr lang="en-CA" b="0" i="1" smtClean="0">
-                                      <a:latin typeface="Cambria Math" charset="0"/>
-                                    </a:rPr>
-                                  </m:ctrlPr>
-                                </m:accPr>
-                                <m:e>
-                                  <m:r>
-                                    <a:rPr lang="en-CA" b="0" i="1" smtClean="0">
-                                      <a:latin typeface="Cambria Math" charset="0"/>
-                                    </a:rPr>
-                                    <m:t>𝑣</m:t>
-                                  </m:r>
-                                </m:e>
-                              </m:acc>
-                            </m:e>
-                            <m:sub>
-                              <m:r>
-                                <a:rPr lang="en-CA" b="0" i="1" smtClean="0">
-                                  <a:latin typeface="Cambria Math" charset="0"/>
-                                </a:rPr>
-                                <m:t>𝑓</m:t>
-                              </m:r>
-                            </m:sub>
-                          </m:sSub>
-                        </m:oMath>
-                      </m:oMathPara>
-                    </a14:m>
-                    <a:endParaRPr lang="en-US" dirty="0"/>
-                  </a:p>
-                </p:txBody>
-              </p:sp>
-            </mc:Choice>
-            <mc:Fallback xmlns="">
-              <p:sp>
-                <p:nvSpPr>
-                  <p:cNvPr id="30" name="TextBox 29"/>
-                  <p:cNvSpPr txBox="1">
-                    <a:spLocks noRot="1" noChangeAspect="1" noMove="1" noResize="1" noEditPoints="1" noAdjustHandles="1" noChangeArrowheads="1" noChangeShapeType="1" noTextEdit="1"/>
-                  </p:cNvSpPr>
-                  <p:nvPr/>
-                </p:nvSpPr>
-                <p:spPr>
-                  <a:xfrm>
-                    <a:off x="8138926" y="3132018"/>
-                    <a:ext cx="276806" cy="299249"/>
-                  </a:xfrm>
-                  <a:prstGeom prst="rect">
-                    <a:avLst/>
-                  </a:prstGeom>
-                  <a:blipFill rotWithShape="0">
-                    <a:blip r:embed="rId5"/>
-                    <a:stretch>
-                      <a:fillRect l="-15217" t="-34694" r="-63043" b="-28571"/>
+                      <a:fillRect l="-33333" r="-30000" b="-8889"/>
                     </a:stretch>
                   </a:blipFill>
                 </p:spPr>
@@ -32782,15 +32699,187 @@
             </mc:Fallback>
           </mc:AlternateContent>
         </p:grpSp>
+        <p:sp>
+          <p:nvSpPr>
+            <p:cNvPr id="39" name="Freeform 38"/>
+            <p:cNvSpPr/>
+            <p:nvPr/>
+          </p:nvSpPr>
+          <p:spPr>
+            <a:xfrm>
+              <a:off x="6610475" y="3414153"/>
+              <a:ext cx="2431805" cy="1460783"/>
+            </a:xfrm>
+            <a:custGeom>
+              <a:avLst/>
+              <a:gdLst>
+                <a:gd name="connsiteX0" fmla="*/ 0 w 2453951"/>
+                <a:gd name="connsiteY0" fmla="*/ 41032 h 1300664"/>
+                <a:gd name="connsiteX1" fmla="*/ 989045 w 2453951"/>
+                <a:gd name="connsiteY1" fmla="*/ 22370 h 1300664"/>
+                <a:gd name="connsiteX2" fmla="*/ 1996751 w 2453951"/>
+                <a:gd name="connsiteY2" fmla="*/ 311619 h 1300664"/>
+                <a:gd name="connsiteX3" fmla="*/ 2453951 w 2453951"/>
+                <a:gd name="connsiteY3" fmla="*/ 1300664 h 1300664"/>
+                <a:gd name="connsiteX0" fmla="*/ 0 w 2453951"/>
+                <a:gd name="connsiteY0" fmla="*/ 192633 h 1452265"/>
+                <a:gd name="connsiteX1" fmla="*/ 1083201 w 2453951"/>
+                <a:gd name="connsiteY1" fmla="*/ 6611 h 1452265"/>
+                <a:gd name="connsiteX2" fmla="*/ 1996751 w 2453951"/>
+                <a:gd name="connsiteY2" fmla="*/ 463220 h 1452265"/>
+                <a:gd name="connsiteX3" fmla="*/ 2453951 w 2453951"/>
+                <a:gd name="connsiteY3" fmla="*/ 1452265 h 1452265"/>
+                <a:gd name="connsiteX0" fmla="*/ 0 w 2453951"/>
+                <a:gd name="connsiteY0" fmla="*/ 192633 h 1452265"/>
+                <a:gd name="connsiteX1" fmla="*/ 1120863 w 2453951"/>
+                <a:gd name="connsiteY1" fmla="*/ 6611 h 1452265"/>
+                <a:gd name="connsiteX2" fmla="*/ 1996751 w 2453951"/>
+                <a:gd name="connsiteY2" fmla="*/ 463220 h 1452265"/>
+                <a:gd name="connsiteX3" fmla="*/ 2453951 w 2453951"/>
+                <a:gd name="connsiteY3" fmla="*/ 1452265 h 1452265"/>
+                <a:gd name="connsiteX0" fmla="*/ 0 w 2453951"/>
+                <a:gd name="connsiteY0" fmla="*/ 194587 h 1454219"/>
+                <a:gd name="connsiteX1" fmla="*/ 1120863 w 2453951"/>
+                <a:gd name="connsiteY1" fmla="*/ 8565 h 1454219"/>
+                <a:gd name="connsiteX2" fmla="*/ 1996751 w 2453951"/>
+                <a:gd name="connsiteY2" fmla="*/ 465174 h 1454219"/>
+                <a:gd name="connsiteX3" fmla="*/ 2453951 w 2453951"/>
+                <a:gd name="connsiteY3" fmla="*/ 1454219 h 1454219"/>
+                <a:gd name="connsiteX0" fmla="*/ 0 w 2453951"/>
+                <a:gd name="connsiteY0" fmla="*/ 196015 h 1455647"/>
+                <a:gd name="connsiteX1" fmla="*/ 1120863 w 2453951"/>
+                <a:gd name="connsiteY1" fmla="*/ 9993 h 1455647"/>
+                <a:gd name="connsiteX2" fmla="*/ 1996751 w 2453951"/>
+                <a:gd name="connsiteY2" fmla="*/ 466602 h 1455647"/>
+                <a:gd name="connsiteX3" fmla="*/ 2453951 w 2453951"/>
+                <a:gd name="connsiteY3" fmla="*/ 1455647 h 1455647"/>
+                <a:gd name="connsiteX0" fmla="*/ 0 w 2453951"/>
+                <a:gd name="connsiteY0" fmla="*/ 196015 h 1455647"/>
+                <a:gd name="connsiteX1" fmla="*/ 1120863 w 2453951"/>
+                <a:gd name="connsiteY1" fmla="*/ 9993 h 1455647"/>
+                <a:gd name="connsiteX2" fmla="*/ 1996751 w 2453951"/>
+                <a:gd name="connsiteY2" fmla="*/ 466602 h 1455647"/>
+                <a:gd name="connsiteX3" fmla="*/ 2453951 w 2453951"/>
+                <a:gd name="connsiteY3" fmla="*/ 1455647 h 1455647"/>
+              </a:gdLst>
+              <a:ahLst/>
+              <a:cxnLst>
+                <a:cxn ang="0">
+                  <a:pos x="connsiteX0" y="connsiteY0"/>
+                </a:cxn>
+                <a:cxn ang="0">
+                  <a:pos x="connsiteX1" y="connsiteY1"/>
+                </a:cxn>
+                <a:cxn ang="0">
+                  <a:pos x="connsiteX2" y="connsiteY2"/>
+                </a:cxn>
+                <a:cxn ang="0">
+                  <a:pos x="connsiteX3" y="connsiteY3"/>
+                </a:cxn>
+              </a:cxnLst>
+              <a:rect l="l" t="t" r="r" b="b"/>
+              <a:pathLst>
+                <a:path w="2453951" h="1455647">
+                  <a:moveTo>
+                    <a:pt x="0" y="196015"/>
+                  </a:moveTo>
+                  <a:cubicBezTo>
+                    <a:pt x="328126" y="80455"/>
+                    <a:pt x="788071" y="-35105"/>
+                    <a:pt x="1120863" y="9993"/>
+                  </a:cubicBezTo>
+                  <a:cubicBezTo>
+                    <a:pt x="1453655" y="55091"/>
+                    <a:pt x="1774570" y="225660"/>
+                    <a:pt x="1996751" y="466602"/>
+                  </a:cubicBezTo>
+                  <a:cubicBezTo>
+                    <a:pt x="2218932" y="707544"/>
+                    <a:pt x="2347426" y="1067649"/>
+                    <a:pt x="2453951" y="1455647"/>
+                  </a:cubicBezTo>
+                </a:path>
+              </a:pathLst>
+            </a:custGeom>
+            <a:noFill/>
+            <a:ln w="38100">
+              <a:solidFill>
+                <a:schemeClr val="tx1"/>
+              </a:solidFill>
+              <a:prstDash val="dash"/>
+            </a:ln>
+          </p:spPr>
+          <p:style>
+            <a:lnRef idx="2">
+              <a:schemeClr val="accent1">
+                <a:shade val="50000"/>
+              </a:schemeClr>
+            </a:lnRef>
+            <a:fillRef idx="1">
+              <a:schemeClr val="accent1"/>
+            </a:fillRef>
+            <a:effectRef idx="0">
+              <a:schemeClr val="accent1"/>
+            </a:effectRef>
+            <a:fontRef idx="minor">
+              <a:schemeClr val="lt1"/>
+            </a:fontRef>
+          </p:style>
+          <p:txBody>
+            <a:bodyPr rtlCol="0" anchor="ctr"/>
+            <a:lstStyle/>
+            <a:p>
+              <a:pPr algn="ctr"/>
+              <a:endParaRPr lang="en-US"/>
+            </a:p>
+          </p:txBody>
+        </p:sp>
         <p:cxnSp>
           <p:nvCxnSpPr>
-            <p:cNvPr id="4" name="Straight Arrow Connector 3"/>
+            <p:cNvPr id="41" name="Straight Arrow Connector 40"/>
+            <p:cNvCxnSpPr/>
+            <p:nvPr/>
+          </p:nvCxnSpPr>
+          <p:spPr>
+            <a:xfrm flipH="1">
+              <a:off x="6600176" y="5097707"/>
+              <a:ext cx="2411839" cy="14141"/>
+            </a:xfrm>
+            <a:prstGeom prst="straightConnector1">
+              <a:avLst/>
+            </a:prstGeom>
+            <a:ln w="38100">
+              <a:solidFill>
+                <a:schemeClr val="tx1"/>
+              </a:solidFill>
+              <a:headEnd type="triangle"/>
+              <a:tailEnd type="triangle"/>
+            </a:ln>
+          </p:spPr>
+          <p:style>
+            <a:lnRef idx="1">
+              <a:schemeClr val="accent1"/>
+            </a:lnRef>
+            <a:fillRef idx="0">
+              <a:schemeClr val="accent1"/>
+            </a:fillRef>
+            <a:effectRef idx="0">
+              <a:schemeClr val="accent1"/>
+            </a:effectRef>
+            <a:fontRef idx="minor">
+              <a:schemeClr val="tx1"/>
+            </a:fontRef>
+          </p:style>
+        </p:cxnSp>
+        <p:cxnSp>
+          <p:nvCxnSpPr>
+            <p:cNvPr id="42" name="Straight Arrow Connector 41"/>
             <p:cNvCxnSpPr/>
             <p:nvPr/>
           </p:nvCxnSpPr>
           <p:spPr>
             <a:xfrm>
-              <a:off x="7447400" y="1079860"/>
+              <a:off x="6507944" y="3750380"/>
               <a:ext cx="0" cy="1228625"/>
             </a:xfrm>
             <a:prstGeom prst="straightConnector1">
@@ -32819,6 +32908,402 @@
             </a:fontRef>
           </p:style>
         </p:cxnSp>
+        <mc:AlternateContent xmlns:mc="http://schemas.openxmlformats.org/markup-compatibility/2006">
+          <mc:Choice xmlns:a14="http://schemas.microsoft.com/office/drawing/2010/main" Requires="a14">
+            <p:sp>
+              <p:nvSpPr>
+                <p:cNvPr id="52" name="TextBox 51"/>
+                <p:cNvSpPr txBox="1"/>
+                <p:nvPr/>
+              </p:nvSpPr>
+              <p:spPr>
+                <a:xfrm>
+                  <a:off x="7654051" y="5116489"/>
+                  <a:ext cx="193258" cy="276999"/>
+                </a:xfrm>
+                <a:prstGeom prst="rect">
+                  <a:avLst/>
+                </a:prstGeom>
+                <a:noFill/>
+              </p:spPr>
+              <p:txBody>
+                <a:bodyPr wrap="none" lIns="0" tIns="0" rIns="0" bIns="0" rtlCol="0">
+                  <a:spAutoFit/>
+                </a:bodyPr>
+                <a:lstStyle/>
+                <a:p>
+                  <a:pPr/>
+                  <a14:m>
+                    <m:oMathPara xmlns:m="http://schemas.openxmlformats.org/officeDocument/2006/math">
+                      <m:oMathParaPr>
+                        <m:jc m:val="centerGroup"/>
+                      </m:oMathParaPr>
+                      <m:oMath xmlns:m="http://schemas.openxmlformats.org/officeDocument/2006/math">
+                        <m:r>
+                          <a:rPr lang="en-US" b="0" i="1" smtClean="0">
+                            <a:latin typeface="Cambria Math" panose="02040503050406030204" pitchFamily="18" charset="0"/>
+                          </a:rPr>
+                          <m:t>𝑑</m:t>
+                        </m:r>
+                      </m:oMath>
+                    </m:oMathPara>
+                  </a14:m>
+                  <a:endParaRPr lang="en-US" dirty="0"/>
+                </a:p>
+              </p:txBody>
+            </p:sp>
+          </mc:Choice>
+          <mc:Fallback>
+            <p:sp>
+              <p:nvSpPr>
+                <p:cNvPr id="52" name="TextBox 51"/>
+                <p:cNvSpPr txBox="1">
+                  <a:spLocks noRot="1" noChangeAspect="1" noMove="1" noResize="1" noEditPoints="1" noAdjustHandles="1" noChangeArrowheads="1" noChangeShapeType="1" noTextEdit="1"/>
+                </p:cNvSpPr>
+                <p:nvPr/>
+              </p:nvSpPr>
+              <p:spPr>
+                <a:xfrm>
+                  <a:off x="7654051" y="5116489"/>
+                  <a:ext cx="193258" cy="276999"/>
+                </a:xfrm>
+                <a:prstGeom prst="rect">
+                  <a:avLst/>
+                </a:prstGeom>
+                <a:blipFill>
+                  <a:blip r:embed="rId7"/>
+                  <a:stretch>
+                    <a:fillRect l="-31250" r="-25000" b="-6522"/>
+                  </a:stretch>
+                </a:blipFill>
+              </p:spPr>
+              <p:txBody>
+                <a:bodyPr/>
+                <a:lstStyle/>
+                <a:p>
+                  <a:r>
+                    <a:rPr lang="en-US">
+                      <a:noFill/>
+                    </a:rPr>
+                    <a:t> </a:t>
+                  </a:r>
+                </a:p>
+              </p:txBody>
+            </p:sp>
+          </mc:Fallback>
+        </mc:AlternateContent>
+        <p:cxnSp>
+          <p:nvCxnSpPr>
+            <p:cNvPr id="19" name="Straight Arrow Connector 18"/>
+            <p:cNvCxnSpPr/>
+            <p:nvPr/>
+          </p:nvCxnSpPr>
+          <p:spPr>
+            <a:xfrm>
+              <a:off x="8145624" y="3554963"/>
+              <a:ext cx="298580" cy="195417"/>
+            </a:xfrm>
+            <a:prstGeom prst="straightConnector1">
+              <a:avLst/>
+            </a:prstGeom>
+            <a:ln w="38100">
+              <a:solidFill>
+                <a:srgbClr val="FF0000"/>
+              </a:solidFill>
+              <a:tailEnd type="triangle"/>
+            </a:ln>
+          </p:spPr>
+          <p:style>
+            <a:lnRef idx="1">
+              <a:schemeClr val="accent1"/>
+            </a:lnRef>
+            <a:fillRef idx="0">
+              <a:schemeClr val="accent1"/>
+            </a:fillRef>
+            <a:effectRef idx="0">
+              <a:schemeClr val="accent1"/>
+            </a:effectRef>
+            <a:fontRef idx="minor">
+              <a:schemeClr val="tx1"/>
+            </a:fontRef>
+          </p:style>
+        </p:cxnSp>
+        <mc:AlternateContent xmlns:mc="http://schemas.openxmlformats.org/markup-compatibility/2006">
+          <mc:Choice xmlns:a14="http://schemas.microsoft.com/office/drawing/2010/main" Requires="a14">
+            <p:sp>
+              <p:nvSpPr>
+                <p:cNvPr id="20" name="TextBox 19"/>
+                <p:cNvSpPr txBox="1"/>
+                <p:nvPr/>
+              </p:nvSpPr>
+              <p:spPr>
+                <a:xfrm>
+                  <a:off x="8304738" y="3279658"/>
+                  <a:ext cx="317651" cy="353302"/>
+                </a:xfrm>
+                <a:prstGeom prst="rect">
+                  <a:avLst/>
+                </a:prstGeom>
+                <a:noFill/>
+              </p:spPr>
+              <p:txBody>
+                <a:bodyPr wrap="none" lIns="0" tIns="0" rIns="0" bIns="0" rtlCol="0">
+                  <a:spAutoFit/>
+                </a:bodyPr>
+                <a:lstStyle/>
+                <a:p>
+                  <a14:m>
+                    <m:oMathPara xmlns:m="http://schemas.openxmlformats.org/officeDocument/2006/math">
+                      <m:oMathParaPr>
+                        <m:jc m:val="centerGroup"/>
+                      </m:oMathParaPr>
+                      <m:oMath xmlns:m="http://schemas.openxmlformats.org/officeDocument/2006/math">
+                        <m:r>
+                          <a:rPr lang="en-US" sz="2000" b="0" i="1" smtClean="0">
+                            <a:solidFill>
+                              <a:srgbClr val="FF0000"/>
+                            </a:solidFill>
+                            <a:latin typeface="Cambria Math" panose="02040503050406030204" pitchFamily="18" charset="0"/>
+                            <a:cs typeface="Arial" panose="020B0604020202020204" pitchFamily="34" charset="0"/>
+                          </a:rPr>
+                          <m:t>𝑑</m:t>
+                        </m:r>
+                        <m:acc>
+                          <m:accPr>
+                            <m:chr m:val="⃗"/>
+                            <m:ctrlPr>
+                              <a:rPr lang="en-US" sz="2000" b="0" i="1" smtClean="0">
+                                <a:solidFill>
+                                  <a:srgbClr val="FF0000"/>
+                                </a:solidFill>
+                                <a:latin typeface="Cambria Math" panose="02040503050406030204" pitchFamily="18" charset="0"/>
+                                <a:cs typeface="Arial" panose="020B0604020202020204" pitchFamily="34" charset="0"/>
+                              </a:rPr>
+                            </m:ctrlPr>
+                          </m:accPr>
+                          <m:e>
+                            <m:r>
+                              <a:rPr lang="en-US" sz="2000" b="0" i="1" smtClean="0">
+                                <a:solidFill>
+                                  <a:srgbClr val="FF0000"/>
+                                </a:solidFill>
+                                <a:latin typeface="Cambria Math" panose="02040503050406030204" pitchFamily="18" charset="0"/>
+                                <a:cs typeface="Arial" panose="020B0604020202020204" pitchFamily="34" charset="0"/>
+                              </a:rPr>
+                              <m:t>𝑙</m:t>
+                            </m:r>
+                          </m:e>
+                        </m:acc>
+                      </m:oMath>
+                    </m:oMathPara>
+                  </a14:m>
+                  <a:endParaRPr lang="en-US" sz="2000" dirty="0" smtClean="0">
+                    <a:solidFill>
+                      <a:srgbClr val="FF0000"/>
+                    </a:solidFill>
+                    <a:latin typeface="Arial" panose="020B0604020202020204" pitchFamily="34" charset="0"/>
+                    <a:cs typeface="Arial" panose="020B0604020202020204" pitchFamily="34" charset="0"/>
+                  </a:endParaRPr>
+                </a:p>
+              </p:txBody>
+            </p:sp>
+          </mc:Choice>
+          <mc:Fallback>
+            <p:sp>
+              <p:nvSpPr>
+                <p:cNvPr id="20" name="TextBox 19"/>
+                <p:cNvSpPr txBox="1">
+                  <a:spLocks noRot="1" noChangeAspect="1" noMove="1" noResize="1" noEditPoints="1" noAdjustHandles="1" noChangeArrowheads="1" noChangeShapeType="1" noTextEdit="1"/>
+                </p:cNvSpPr>
+                <p:nvPr/>
+              </p:nvSpPr>
+              <p:spPr>
+                <a:xfrm>
+                  <a:off x="8304738" y="3279658"/>
+                  <a:ext cx="317651" cy="353302"/>
+                </a:xfrm>
+                <a:prstGeom prst="rect">
+                  <a:avLst/>
+                </a:prstGeom>
+                <a:blipFill>
+                  <a:blip r:embed="rId8"/>
+                  <a:stretch>
+                    <a:fillRect l="-17308" t="-32759" r="-105769" b="-8621"/>
+                  </a:stretch>
+                </a:blipFill>
+              </p:spPr>
+              <p:txBody>
+                <a:bodyPr/>
+                <a:lstStyle/>
+                <a:p>
+                  <a:r>
+                    <a:rPr lang="en-US">
+                      <a:noFill/>
+                    </a:rPr>
+                    <a:t> </a:t>
+                  </a:r>
+                </a:p>
+              </p:txBody>
+            </p:sp>
+          </mc:Fallback>
+        </mc:AlternateContent>
+        <p:cxnSp>
+          <p:nvCxnSpPr>
+            <p:cNvPr id="25" name="Straight Arrow Connector 24"/>
+            <p:cNvCxnSpPr/>
+            <p:nvPr/>
+          </p:nvCxnSpPr>
+          <p:spPr>
+            <a:xfrm>
+              <a:off x="8145624" y="3554963"/>
+              <a:ext cx="0" cy="756427"/>
+            </a:xfrm>
+            <a:prstGeom prst="straightConnector1">
+              <a:avLst/>
+            </a:prstGeom>
+            <a:ln w="38100">
+              <a:solidFill>
+                <a:schemeClr val="tx1"/>
+              </a:solidFill>
+              <a:tailEnd type="triangle"/>
+            </a:ln>
+          </p:spPr>
+          <p:style>
+            <a:lnRef idx="1">
+              <a:schemeClr val="accent1"/>
+            </a:lnRef>
+            <a:fillRef idx="0">
+              <a:schemeClr val="accent1"/>
+            </a:fillRef>
+            <a:effectRef idx="0">
+              <a:schemeClr val="accent1"/>
+            </a:effectRef>
+            <a:fontRef idx="minor">
+              <a:schemeClr val="tx1"/>
+            </a:fontRef>
+          </p:style>
+        </p:cxnSp>
+        <mc:AlternateContent xmlns:mc="http://schemas.openxmlformats.org/markup-compatibility/2006">
+          <mc:Choice xmlns:a14="http://schemas.microsoft.com/office/drawing/2010/main" Requires="a14">
+            <p:sp>
+              <p:nvSpPr>
+                <p:cNvPr id="26" name="TextBox 25"/>
+                <p:cNvSpPr txBox="1"/>
+                <p:nvPr/>
+              </p:nvSpPr>
+              <p:spPr>
+                <a:xfrm>
+                  <a:off x="7834578" y="3697637"/>
+                  <a:ext cx="303865" cy="377219"/>
+                </a:xfrm>
+                <a:prstGeom prst="rect">
+                  <a:avLst/>
+                </a:prstGeom>
+                <a:noFill/>
+              </p:spPr>
+              <p:txBody>
+                <a:bodyPr wrap="none" lIns="0" tIns="0" rIns="0" bIns="0" rtlCol="0">
+                  <a:spAutoFit/>
+                </a:bodyPr>
+                <a:lstStyle/>
+                <a:p>
+                  <a14:m>
+                    <m:oMathPara xmlns:m="http://schemas.openxmlformats.org/officeDocument/2006/math">
+                      <m:oMathParaPr>
+                        <m:jc m:val="centerGroup"/>
+                      </m:oMathParaPr>
+                      <m:oMath xmlns:m="http://schemas.openxmlformats.org/officeDocument/2006/math">
+                        <m:sSub>
+                          <m:sSubPr>
+                            <m:ctrlPr>
+                              <a:rPr lang="en-US" sz="2000" b="0" i="1" smtClean="0">
+                                <a:latin typeface="Cambria Math" panose="02040503050406030204" pitchFamily="18" charset="0"/>
+                                <a:cs typeface="Arial" panose="020B0604020202020204" pitchFamily="34" charset="0"/>
+                              </a:rPr>
+                            </m:ctrlPr>
+                          </m:sSubPr>
+                          <m:e>
+                            <m:acc>
+                              <m:accPr>
+                                <m:chr m:val="⃗"/>
+                                <m:ctrlPr>
+                                  <a:rPr lang="en-US" sz="2000" b="0" i="1" smtClean="0">
+                                    <a:latin typeface="Cambria Math" panose="02040503050406030204" pitchFamily="18" charset="0"/>
+                                    <a:cs typeface="Arial" panose="020B0604020202020204" pitchFamily="34" charset="0"/>
+                                  </a:rPr>
+                                </m:ctrlPr>
+                              </m:accPr>
+                              <m:e>
+                                <m:r>
+                                  <a:rPr lang="en-US" sz="2000" b="0" i="1" smtClean="0">
+                                    <a:latin typeface="Cambria Math" panose="02040503050406030204" pitchFamily="18" charset="0"/>
+                                    <a:cs typeface="Arial" panose="020B0604020202020204" pitchFamily="34" charset="0"/>
+                                  </a:rPr>
+                                  <m:t>𝐹</m:t>
+                                </m:r>
+                              </m:e>
+                            </m:acc>
+                          </m:e>
+                          <m:sub>
+                            <m:r>
+                              <a:rPr lang="en-US" sz="2000" b="0" i="1" smtClean="0">
+                                <a:latin typeface="Cambria Math" panose="02040503050406030204" pitchFamily="18" charset="0"/>
+                                <a:cs typeface="Arial" panose="020B0604020202020204" pitchFamily="34" charset="0"/>
+                              </a:rPr>
+                              <m:t>𝑔</m:t>
+                            </m:r>
+                          </m:sub>
+                        </m:sSub>
+                      </m:oMath>
+                    </m:oMathPara>
+                  </a14:m>
+                  <a:endParaRPr lang="en-US" sz="2000" dirty="0" smtClean="0">
+                    <a:latin typeface="Arial" panose="020B0604020202020204" pitchFamily="34" charset="0"/>
+                    <a:cs typeface="Arial" panose="020B0604020202020204" pitchFamily="34" charset="0"/>
+                  </a:endParaRPr>
+                </a:p>
+              </p:txBody>
+            </p:sp>
+          </mc:Choice>
+          <mc:Fallback>
+            <p:sp>
+              <p:nvSpPr>
+                <p:cNvPr id="26" name="TextBox 25"/>
+                <p:cNvSpPr txBox="1">
+                  <a:spLocks noRot="1" noChangeAspect="1" noMove="1" noResize="1" noEditPoints="1" noAdjustHandles="1" noChangeArrowheads="1" noChangeShapeType="1" noTextEdit="1"/>
+                </p:cNvSpPr>
+                <p:nvPr/>
+              </p:nvSpPr>
+              <p:spPr>
+                <a:xfrm>
+                  <a:off x="7834578" y="3697637"/>
+                  <a:ext cx="303865" cy="377219"/>
+                </a:xfrm>
+                <a:prstGeom prst="rect">
+                  <a:avLst/>
+                </a:prstGeom>
+                <a:blipFill>
+                  <a:blip r:embed="rId9"/>
+                  <a:stretch>
+                    <a:fillRect l="-18000" t="-32258" r="-70000" b="-17742"/>
+                  </a:stretch>
+                </a:blipFill>
+              </p:spPr>
+              <p:txBody>
+                <a:bodyPr/>
+                <a:lstStyle/>
+                <a:p>
+                  <a:r>
+                    <a:rPr lang="en-US">
+                      <a:noFill/>
+                    </a:rPr>
+                    <a:t> </a:t>
+                  </a:r>
+                </a:p>
+              </p:txBody>
+            </p:sp>
+          </mc:Fallback>
+        </mc:AlternateContent>
       </p:grpSp>
     </p:spTree>
     <p:extLst>

--- a/tex/figures/WorkEnergy/Figures.pptx
+++ b/tex/figures/WorkEnergy/Figures.pptx
@@ -252,7 +252,7 @@
           <a:p>
             <a:fld id="{F7249F8D-641B-4CAF-BAE5-10524742F6F1}" type="datetimeFigureOut">
               <a:rPr lang="en-CA" smtClean="0"/>
-              <a:t>2018-08-21</a:t>
+              <a:t>2018-08-22</a:t>
             </a:fld>
             <a:endParaRPr lang="en-CA"/>
           </a:p>
@@ -422,7 +422,7 @@
           <a:p>
             <a:fld id="{F7249F8D-641B-4CAF-BAE5-10524742F6F1}" type="datetimeFigureOut">
               <a:rPr lang="en-CA" smtClean="0"/>
-              <a:t>2018-08-21</a:t>
+              <a:t>2018-08-22</a:t>
             </a:fld>
             <a:endParaRPr lang="en-CA"/>
           </a:p>
@@ -602,7 +602,7 @@
           <a:p>
             <a:fld id="{F7249F8D-641B-4CAF-BAE5-10524742F6F1}" type="datetimeFigureOut">
               <a:rPr lang="en-CA" smtClean="0"/>
-              <a:t>2018-08-21</a:t>
+              <a:t>2018-08-22</a:t>
             </a:fld>
             <a:endParaRPr lang="en-CA"/>
           </a:p>
@@ -772,7 +772,7 @@
           <a:p>
             <a:fld id="{F7249F8D-641B-4CAF-BAE5-10524742F6F1}" type="datetimeFigureOut">
               <a:rPr lang="en-CA" smtClean="0"/>
-              <a:t>2018-08-21</a:t>
+              <a:t>2018-08-22</a:t>
             </a:fld>
             <a:endParaRPr lang="en-CA"/>
           </a:p>
@@ -1018,7 +1018,7 @@
           <a:p>
             <a:fld id="{F7249F8D-641B-4CAF-BAE5-10524742F6F1}" type="datetimeFigureOut">
               <a:rPr lang="en-CA" smtClean="0"/>
-              <a:t>2018-08-21</a:t>
+              <a:t>2018-08-22</a:t>
             </a:fld>
             <a:endParaRPr lang="en-CA"/>
           </a:p>
@@ -1250,7 +1250,7 @@
           <a:p>
             <a:fld id="{F7249F8D-641B-4CAF-BAE5-10524742F6F1}" type="datetimeFigureOut">
               <a:rPr lang="en-CA" smtClean="0"/>
-              <a:t>2018-08-21</a:t>
+              <a:t>2018-08-22</a:t>
             </a:fld>
             <a:endParaRPr lang="en-CA"/>
           </a:p>
@@ -1617,7 +1617,7 @@
           <a:p>
             <a:fld id="{F7249F8D-641B-4CAF-BAE5-10524742F6F1}" type="datetimeFigureOut">
               <a:rPr lang="en-CA" smtClean="0"/>
-              <a:t>2018-08-21</a:t>
+              <a:t>2018-08-22</a:t>
             </a:fld>
             <a:endParaRPr lang="en-CA"/>
           </a:p>
@@ -1735,7 +1735,7 @@
           <a:p>
             <a:fld id="{F7249F8D-641B-4CAF-BAE5-10524742F6F1}" type="datetimeFigureOut">
               <a:rPr lang="en-CA" smtClean="0"/>
-              <a:t>2018-08-21</a:t>
+              <a:t>2018-08-22</a:t>
             </a:fld>
             <a:endParaRPr lang="en-CA"/>
           </a:p>
@@ -1830,7 +1830,7 @@
           <a:p>
             <a:fld id="{F7249F8D-641B-4CAF-BAE5-10524742F6F1}" type="datetimeFigureOut">
               <a:rPr lang="en-CA" smtClean="0"/>
-              <a:t>2018-08-21</a:t>
+              <a:t>2018-08-22</a:t>
             </a:fld>
             <a:endParaRPr lang="en-CA"/>
           </a:p>
@@ -2107,7 +2107,7 @@
           <a:p>
             <a:fld id="{F7249F8D-641B-4CAF-BAE5-10524742F6F1}" type="datetimeFigureOut">
               <a:rPr lang="en-CA" smtClean="0"/>
-              <a:t>2018-08-21</a:t>
+              <a:t>2018-08-22</a:t>
             </a:fld>
             <a:endParaRPr lang="en-CA"/>
           </a:p>
@@ -2360,7 +2360,7 @@
           <a:p>
             <a:fld id="{F7249F8D-641B-4CAF-BAE5-10524742F6F1}" type="datetimeFigureOut">
               <a:rPr lang="en-CA" smtClean="0"/>
-              <a:t>2018-08-21</a:t>
+              <a:t>2018-08-22</a:t>
             </a:fld>
             <a:endParaRPr lang="en-CA"/>
           </a:p>
@@ -2573,7 +2573,7 @@
           <a:p>
             <a:fld id="{F7249F8D-641B-4CAF-BAE5-10524742F6F1}" type="datetimeFigureOut">
               <a:rPr lang="en-CA" smtClean="0"/>
-              <a:t>2018-08-21</a:t>
+              <a:t>2018-08-22</a:t>
             </a:fld>
             <a:endParaRPr lang="en-CA"/>
           </a:p>
@@ -31645,8 +31645,8 @@
                   </a:fontRef>
                 </p:style>
               </p:cxnSp>
-              <mc:AlternateContent xmlns:mc="http://schemas.openxmlformats.org/markup-compatibility/2006">
-                <mc:Choice xmlns:a14="http://schemas.microsoft.com/office/drawing/2010/main" Requires="a14">
+              <mc:AlternateContent xmlns:mc="http://schemas.openxmlformats.org/markup-compatibility/2006" xmlns:a14="http://schemas.microsoft.com/office/drawing/2010/main">
+                <mc:Choice Requires="a14">
                   <p:sp>
                     <p:nvSpPr>
                       <p:cNvPr id="24" name="TextBox 23"/>
@@ -31690,7 +31690,7 @@
                     </p:txBody>
                   </p:sp>
                 </mc:Choice>
-                <mc:Fallback>
+                <mc:Fallback xmlns="">
                   <p:sp>
                     <p:nvSpPr>
                       <p:cNvPr id="24" name="TextBox 23"/>
@@ -31780,8 +31780,8 @@
                 </p:txBody>
               </p:sp>
             </p:grpSp>
-            <mc:AlternateContent xmlns:mc="http://schemas.openxmlformats.org/markup-compatibility/2006">
-              <mc:Choice xmlns:a14="http://schemas.microsoft.com/office/drawing/2010/main" Requires="a14">
+            <mc:AlternateContent xmlns:mc="http://schemas.openxmlformats.org/markup-compatibility/2006" xmlns:a14="http://schemas.microsoft.com/office/drawing/2010/main">
+              <mc:Choice Requires="a14">
                 <p:sp>
                   <p:nvSpPr>
                     <p:cNvPr id="14" name="TextBox 13"/>
@@ -31825,7 +31825,7 @@
                   </p:txBody>
                 </p:sp>
               </mc:Choice>
-              <mc:Fallback>
+              <mc:Fallback xmlns="">
                 <p:sp>
                   <p:nvSpPr>
                     <p:cNvPr id="14" name="TextBox 13"/>
@@ -31900,8 +31900,8 @@
                 </a:fontRef>
               </p:style>
             </p:cxnSp>
-            <mc:AlternateContent xmlns:mc="http://schemas.openxmlformats.org/markup-compatibility/2006">
-              <mc:Choice xmlns:a14="http://schemas.microsoft.com/office/drawing/2010/main" Requires="a14">
+            <mc:AlternateContent xmlns:mc="http://schemas.openxmlformats.org/markup-compatibility/2006" xmlns:a14="http://schemas.microsoft.com/office/drawing/2010/main">
+              <mc:Choice Requires="a14">
                 <p:sp>
                   <p:nvSpPr>
                     <p:cNvPr id="21" name="TextBox 20"/>
@@ -31976,7 +31976,7 @@
                   </p:txBody>
                 </p:sp>
               </mc:Choice>
-              <mc:Fallback>
+              <mc:Fallback xmlns="">
                 <p:sp>
                   <p:nvSpPr>
                     <p:cNvPr id="21" name="TextBox 20"/>
@@ -32051,8 +32051,8 @@
                 </a:fontRef>
               </p:style>
             </p:cxnSp>
-            <mc:AlternateContent xmlns:mc="http://schemas.openxmlformats.org/markup-compatibility/2006">
-              <mc:Choice xmlns:a14="http://schemas.microsoft.com/office/drawing/2010/main" Requires="a14">
+            <mc:AlternateContent xmlns:mc="http://schemas.openxmlformats.org/markup-compatibility/2006" xmlns:a14="http://schemas.microsoft.com/office/drawing/2010/main">
+              <mc:Choice Requires="a14">
                 <p:sp>
                   <p:nvSpPr>
                     <p:cNvPr id="30" name="TextBox 29"/>
@@ -32127,7 +32127,7 @@
                   </p:txBody>
                 </p:sp>
               </mc:Choice>
-              <mc:Fallback>
+              <mc:Fallback xmlns="">
                 <p:sp>
                   <p:nvSpPr>
                     <p:cNvPr id="30" name="TextBox 29"/>
@@ -32614,8 +32614,8 @@
               </a:fontRef>
             </p:style>
           </p:cxnSp>
-          <mc:AlternateContent xmlns:mc="http://schemas.openxmlformats.org/markup-compatibility/2006">
-            <mc:Choice xmlns:a14="http://schemas.microsoft.com/office/drawing/2010/main" Requires="a14">
+          <mc:AlternateContent xmlns:mc="http://schemas.openxmlformats.org/markup-compatibility/2006" xmlns:a14="http://schemas.microsoft.com/office/drawing/2010/main">
+            <mc:Choice Requires="a14">
               <p:sp>
                 <p:nvSpPr>
                   <p:cNvPr id="55" name="TextBox 54"/>
@@ -32659,7 +32659,7 @@
                 </p:txBody>
               </p:sp>
             </mc:Choice>
-            <mc:Fallback>
+            <mc:Fallback xmlns="">
               <p:sp>
                 <p:nvSpPr>
                   <p:cNvPr id="55" name="TextBox 54"/>
@@ -32836,43 +32836,6 @@
         </p:sp>
         <p:cxnSp>
           <p:nvCxnSpPr>
-            <p:cNvPr id="41" name="Straight Arrow Connector 40"/>
-            <p:cNvCxnSpPr/>
-            <p:nvPr/>
-          </p:nvCxnSpPr>
-          <p:spPr>
-            <a:xfrm flipH="1">
-              <a:off x="6600176" y="5097707"/>
-              <a:ext cx="2411839" cy="14141"/>
-            </a:xfrm>
-            <a:prstGeom prst="straightConnector1">
-              <a:avLst/>
-            </a:prstGeom>
-            <a:ln w="38100">
-              <a:solidFill>
-                <a:schemeClr val="tx1"/>
-              </a:solidFill>
-              <a:headEnd type="triangle"/>
-              <a:tailEnd type="triangle"/>
-            </a:ln>
-          </p:spPr>
-          <p:style>
-            <a:lnRef idx="1">
-              <a:schemeClr val="accent1"/>
-            </a:lnRef>
-            <a:fillRef idx="0">
-              <a:schemeClr val="accent1"/>
-            </a:fillRef>
-            <a:effectRef idx="0">
-              <a:schemeClr val="accent1"/>
-            </a:effectRef>
-            <a:fontRef idx="minor">
-              <a:schemeClr val="tx1"/>
-            </a:fontRef>
-          </p:style>
-        </p:cxnSp>
-        <p:cxnSp>
-          <p:nvCxnSpPr>
             <p:cNvPr id="42" name="Straight Arrow Connector 41"/>
             <p:cNvCxnSpPr/>
             <p:nvPr/>
@@ -32908,90 +32871,6 @@
             </a:fontRef>
           </p:style>
         </p:cxnSp>
-        <mc:AlternateContent xmlns:mc="http://schemas.openxmlformats.org/markup-compatibility/2006">
-          <mc:Choice xmlns:a14="http://schemas.microsoft.com/office/drawing/2010/main" Requires="a14">
-            <p:sp>
-              <p:nvSpPr>
-                <p:cNvPr id="52" name="TextBox 51"/>
-                <p:cNvSpPr txBox="1"/>
-                <p:nvPr/>
-              </p:nvSpPr>
-              <p:spPr>
-                <a:xfrm>
-                  <a:off x="7654051" y="5116489"/>
-                  <a:ext cx="193258" cy="276999"/>
-                </a:xfrm>
-                <a:prstGeom prst="rect">
-                  <a:avLst/>
-                </a:prstGeom>
-                <a:noFill/>
-              </p:spPr>
-              <p:txBody>
-                <a:bodyPr wrap="none" lIns="0" tIns="0" rIns="0" bIns="0" rtlCol="0">
-                  <a:spAutoFit/>
-                </a:bodyPr>
-                <a:lstStyle/>
-                <a:p>
-                  <a:pPr/>
-                  <a14:m>
-                    <m:oMathPara xmlns:m="http://schemas.openxmlformats.org/officeDocument/2006/math">
-                      <m:oMathParaPr>
-                        <m:jc m:val="centerGroup"/>
-                      </m:oMathParaPr>
-                      <m:oMath xmlns:m="http://schemas.openxmlformats.org/officeDocument/2006/math">
-                        <m:r>
-                          <a:rPr lang="en-US" b="0" i="1" smtClean="0">
-                            <a:latin typeface="Cambria Math" panose="02040503050406030204" pitchFamily="18" charset="0"/>
-                          </a:rPr>
-                          <m:t>𝑑</m:t>
-                        </m:r>
-                      </m:oMath>
-                    </m:oMathPara>
-                  </a14:m>
-                  <a:endParaRPr lang="en-US" dirty="0"/>
-                </a:p>
-              </p:txBody>
-            </p:sp>
-          </mc:Choice>
-          <mc:Fallback>
-            <p:sp>
-              <p:nvSpPr>
-                <p:cNvPr id="52" name="TextBox 51"/>
-                <p:cNvSpPr txBox="1">
-                  <a:spLocks noRot="1" noChangeAspect="1" noMove="1" noResize="1" noEditPoints="1" noAdjustHandles="1" noChangeArrowheads="1" noChangeShapeType="1" noTextEdit="1"/>
-                </p:cNvSpPr>
-                <p:nvPr/>
-              </p:nvSpPr>
-              <p:spPr>
-                <a:xfrm>
-                  <a:off x="7654051" y="5116489"/>
-                  <a:ext cx="193258" cy="276999"/>
-                </a:xfrm>
-                <a:prstGeom prst="rect">
-                  <a:avLst/>
-                </a:prstGeom>
-                <a:blipFill>
-                  <a:blip r:embed="rId7"/>
-                  <a:stretch>
-                    <a:fillRect l="-31250" r="-25000" b="-6522"/>
-                  </a:stretch>
-                </a:blipFill>
-              </p:spPr>
-              <p:txBody>
-                <a:bodyPr/>
-                <a:lstStyle/>
-                <a:p>
-                  <a:r>
-                    <a:rPr lang="en-US">
-                      <a:noFill/>
-                    </a:rPr>
-                    <a:t> </a:t>
-                  </a:r>
-                </a:p>
-              </p:txBody>
-            </p:sp>
-          </mc:Fallback>
-        </mc:AlternateContent>
         <p:cxnSp>
           <p:nvCxnSpPr>
             <p:cNvPr id="19" name="Straight Arrow Connector 18"/>
@@ -33028,8 +32907,8 @@
             </a:fontRef>
           </p:style>
         </p:cxnSp>
-        <mc:AlternateContent xmlns:mc="http://schemas.openxmlformats.org/markup-compatibility/2006">
-          <mc:Choice xmlns:a14="http://schemas.microsoft.com/office/drawing/2010/main" Requires="a14">
+        <mc:AlternateContent xmlns:mc="http://schemas.openxmlformats.org/markup-compatibility/2006" xmlns:a14="http://schemas.microsoft.com/office/drawing/2010/main">
+          <mc:Choice Requires="a14">
             <p:sp>
               <p:nvSpPr>
                 <p:cNvPr id="20" name="TextBox 19"/>
@@ -33052,6 +32931,7 @@
                 </a:bodyPr>
                 <a:lstStyle/>
                 <a:p>
+                  <a:pPr/>
                   <a14:m>
                     <m:oMathPara xmlns:m="http://schemas.openxmlformats.org/officeDocument/2006/math">
                       <m:oMathParaPr>
@@ -33108,7 +32988,7 @@
               </p:txBody>
             </p:sp>
           </mc:Choice>
-          <mc:Fallback>
+          <mc:Fallback xmlns="">
             <p:sp>
               <p:nvSpPr>
                 <p:cNvPr id="20" name="TextBox 19"/>
@@ -33183,8 +33063,8 @@
             </a:fontRef>
           </p:style>
         </p:cxnSp>
-        <mc:AlternateContent xmlns:mc="http://schemas.openxmlformats.org/markup-compatibility/2006">
-          <mc:Choice xmlns:a14="http://schemas.microsoft.com/office/drawing/2010/main" Requires="a14">
+        <mc:AlternateContent xmlns:mc="http://schemas.openxmlformats.org/markup-compatibility/2006" xmlns:a14="http://schemas.microsoft.com/office/drawing/2010/main">
+          <mc:Choice Requires="a14">
             <p:sp>
               <p:nvSpPr>
                 <p:cNvPr id="26" name="TextBox 25"/>
@@ -33207,6 +33087,7 @@
                 </a:bodyPr>
                 <a:lstStyle/>
                 <a:p>
+                  <a:pPr/>
                   <a14:m>
                     <m:oMathPara xmlns:m="http://schemas.openxmlformats.org/officeDocument/2006/math">
                       <m:oMathParaPr>
@@ -33265,7 +33146,7 @@
               </p:txBody>
             </p:sp>
           </mc:Choice>
-          <mc:Fallback>
+          <mc:Fallback xmlns="">
             <p:sp>
               <p:nvSpPr>
                 <p:cNvPr id="26" name="TextBox 25"/>

--- a/tex/figures/WorkEnergy/Figures.pptx
+++ b/tex/figures/WorkEnergy/Figures.pptx
@@ -4424,44 +4424,6 @@
           <a:chExt cx="0" cy="0"/>
         </a:xfrm>
       </p:grpSpPr>
-      <p:cxnSp>
-        <p:nvCxnSpPr>
-          <p:cNvPr id="28" name="Straight Connector 27"/>
-          <p:cNvCxnSpPr>
-            <a:endCxn id="19" idx="6"/>
-          </p:cNvCxnSpPr>
-          <p:nvPr/>
-        </p:nvCxnSpPr>
-        <p:spPr>
-          <a:xfrm>
-            <a:off x="2199294" y="2759469"/>
-            <a:ext cx="1246515" cy="11298"/>
-          </a:xfrm>
-          <a:prstGeom prst="line">
-            <a:avLst/>
-          </a:prstGeom>
-          <a:ln w="19050">
-            <a:solidFill>
-              <a:schemeClr val="tx1"/>
-            </a:solidFill>
-            <a:prstDash val="dash"/>
-          </a:ln>
-        </p:spPr>
-        <p:style>
-          <a:lnRef idx="1">
-            <a:schemeClr val="accent1"/>
-          </a:lnRef>
-          <a:fillRef idx="0">
-            <a:schemeClr val="accent1"/>
-          </a:fillRef>
-          <a:effectRef idx="0">
-            <a:schemeClr val="accent1"/>
-          </a:effectRef>
-          <a:fontRef idx="minor">
-            <a:schemeClr val="tx1"/>
-          </a:fontRef>
-        </p:style>
-      </p:cxnSp>
       <p:grpSp>
         <p:nvGrpSpPr>
           <p:cNvPr id="78" name="Group 77"/>
@@ -4709,8 +4671,8 @@
                 </p:nvCxnSpPr>
                 <p:spPr>
                   <a:xfrm>
-                    <a:off x="7251723" y="1414148"/>
-                    <a:ext cx="0" cy="644821"/>
+                    <a:off x="7246822" y="1351669"/>
+                    <a:ext cx="0" cy="933743"/>
                   </a:xfrm>
                   <a:prstGeom prst="straightConnector1">
                     <a:avLst/>
@@ -5556,7 +5518,7 @@
         </p:nvGrpSpPr>
         <p:grpSpPr>
           <a:xfrm>
-            <a:off x="5946646" y="1974167"/>
+            <a:off x="5825348" y="3512004"/>
             <a:ext cx="2914596" cy="2493995"/>
             <a:chOff x="3457017" y="3549266"/>
             <a:chExt cx="2914596" cy="2493995"/>
@@ -5777,8 +5739,8 @@
                   </a:fontRef>
                 </p:style>
               </p:cxnSp>
-              <mc:AlternateContent xmlns:mc="http://schemas.openxmlformats.org/markup-compatibility/2006" xmlns:a14="http://schemas.microsoft.com/office/drawing/2010/main">
-                <mc:Choice Requires="a14">
+              <mc:AlternateContent xmlns:mc="http://schemas.openxmlformats.org/markup-compatibility/2006">
+                <mc:Choice xmlns:a14="http://schemas.microsoft.com/office/drawing/2010/main" Requires="a14">
                   <p:sp>
                     <p:nvSpPr>
                       <p:cNvPr id="102" name="TextBox 101"/>
@@ -5787,8 +5749,8 @@
                     </p:nvSpPr>
                     <p:spPr>
                       <a:xfrm>
-                        <a:off x="6509299" y="2666126"/>
-                        <a:ext cx="189475" cy="276999"/>
+                        <a:off x="6422160" y="2666126"/>
+                        <a:ext cx="276614" cy="276999"/>
                       </a:xfrm>
                       <a:prstGeom prst="rect">
                         <a:avLst/>
@@ -5808,14 +5770,37 @@
                               <m:jc m:val="centerGroup"/>
                             </m:oMathParaPr>
                             <m:oMath xmlns:m="http://schemas.openxmlformats.org/officeDocument/2006/math">
-                              <m:r>
-                                <a:rPr lang="en-US" i="1" smtClean="0">
-                                  <a:latin typeface="Cambria Math" charset="0"/>
-                                  <a:ea typeface="Cambria Math" charset="0"/>
-                                  <a:cs typeface="Cambria Math" charset="0"/>
-                                </a:rPr>
-                                <m:t>𝜃</m:t>
-                              </m:r>
+                              <m:sSub>
+                                <m:sSubPr>
+                                  <m:ctrlPr>
+                                    <a:rPr lang="en-US" b="0" i="1" smtClean="0">
+                                      <a:latin typeface="Cambria Math" panose="02040503050406030204" pitchFamily="18" charset="0"/>
+                                      <a:ea typeface="Cambria Math" charset="0"/>
+                                      <a:cs typeface="Cambria Math" charset="0"/>
+                                    </a:rPr>
+                                  </m:ctrlPr>
+                                </m:sSubPr>
+                                <m:e>
+                                  <m:r>
+                                    <a:rPr lang="en-US" i="1" smtClean="0">
+                                      <a:latin typeface="Cambria Math" charset="0"/>
+                                      <a:ea typeface="Cambria Math" charset="0"/>
+                                      <a:cs typeface="Cambria Math" charset="0"/>
+                                    </a:rPr>
+                                    <m:t>𝜃</m:t>
+                                  </m:r>
+                                </m:e>
+                                <m:sub>
+                                  <m:r>
+                                    <a:rPr lang="en-US" b="0" i="1" smtClean="0">
+                                      <a:latin typeface="Cambria Math" panose="02040503050406030204" pitchFamily="18" charset="0"/>
+                                      <a:ea typeface="Cambria Math" charset="0"/>
+                                      <a:cs typeface="Cambria Math" charset="0"/>
+                                    </a:rPr>
+                                    <m:t>1</m:t>
+                                  </m:r>
+                                </m:sub>
+                              </m:sSub>
                             </m:oMath>
                           </m:oMathPara>
                         </a14:m>
@@ -5824,10 +5809,10 @@
                     </p:txBody>
                   </p:sp>
                 </mc:Choice>
-                <mc:Fallback xmlns="">
+                <mc:Fallback>
                   <p:sp>
                     <p:nvSpPr>
-                      <p:cNvPr id="31" name="TextBox 30"/>
+                      <p:cNvPr id="102" name="TextBox 101"/>
                       <p:cNvSpPr txBox="1">
                         <a:spLocks noRot="1" noChangeAspect="1" noMove="1" noResize="1" noEditPoints="1" noAdjustHandles="1" noChangeArrowheads="1" noChangeShapeType="1" noTextEdit="1"/>
                       </p:cNvSpPr>
@@ -5835,16 +5820,16 @@
                     </p:nvSpPr>
                     <p:spPr>
                       <a:xfrm>
-                        <a:off x="6509299" y="2666126"/>
-                        <a:ext cx="189475" cy="276999"/>
+                        <a:off x="6422160" y="2666126"/>
+                        <a:ext cx="276614" cy="276999"/>
                       </a:xfrm>
                       <a:prstGeom prst="rect">
                         <a:avLst/>
                       </a:prstGeom>
-                      <a:blipFill rotWithShape="0">
-                        <a:blip r:embed="rId5"/>
+                      <a:blipFill>
+                        <a:blip r:embed="rId37"/>
                         <a:stretch>
-                          <a:fillRect l="-32258" r="-22581" b="-6522"/>
+                          <a:fillRect l="-22222" r="-6667" b="-15556"/>
                         </a:stretch>
                       </a:blipFill>
                     </p:spPr>
@@ -5972,7 +5957,7 @@
                         <a:avLst/>
                       </a:prstGeom>
                       <a:blipFill rotWithShape="0">
-                        <a:blip r:embed="rId37"/>
+                        <a:blip r:embed="rId38"/>
                         <a:stretch>
                           <a:fillRect l="-30000" r="-23333" b="-6667"/>
                         </a:stretch>
@@ -6057,7 +6042,7 @@
                       <a:avLst/>
                     </a:prstGeom>
                     <a:blipFill rotWithShape="0">
-                      <a:blip r:embed="rId38"/>
+                      <a:blip r:embed="rId39"/>
                       <a:stretch>
                         <a:fillRect l="-2000"/>
                       </a:stretch>
@@ -6142,7 +6127,7 @@
                     <a:avLst/>
                   </a:prstGeom>
                   <a:blipFill rotWithShape="0">
-                    <a:blip r:embed="rId39"/>
+                    <a:blip r:embed="rId40"/>
                     <a:stretch>
                       <a:fillRect r="-8889"/>
                     </a:stretch>
@@ -6225,8 +6210,8 @@
             </a:fontRef>
           </p:style>
         </p:cxnSp>
-        <mc:AlternateContent xmlns:mc="http://schemas.openxmlformats.org/markup-compatibility/2006" xmlns:a14="http://schemas.microsoft.com/office/drawing/2010/main">
-          <mc:Choice Requires="a14">
+        <mc:AlternateContent xmlns:mc="http://schemas.openxmlformats.org/markup-compatibility/2006">
+          <mc:Choice xmlns:a14="http://schemas.microsoft.com/office/drawing/2010/main" Requires="a14">
             <p:sp>
               <p:nvSpPr>
                 <p:cNvPr id="109" name="TextBox 108"/>
@@ -6282,14 +6267,37 @@
                             </m:r>
                           </m:fName>
                           <m:e>
-                            <m:r>
-                              <a:rPr lang="en-CA" b="0" i="1" smtClean="0">
-                                <a:latin typeface="Cambria Math" charset="0"/>
-                                <a:ea typeface="Cambria Math" charset="0"/>
-                                <a:cs typeface="Cambria Math" charset="0"/>
-                              </a:rPr>
-                              <m:t>𝜃</m:t>
-                            </m:r>
+                            <m:sSub>
+                              <m:sSubPr>
+                                <m:ctrlPr>
+                                  <a:rPr lang="en-US" b="0" i="1" smtClean="0">
+                                    <a:latin typeface="Cambria Math" panose="02040503050406030204" pitchFamily="18" charset="0"/>
+                                    <a:ea typeface="Cambria Math" charset="0"/>
+                                    <a:cs typeface="Cambria Math" charset="0"/>
+                                  </a:rPr>
+                                </m:ctrlPr>
+                              </m:sSubPr>
+                              <m:e>
+                                <m:r>
+                                  <a:rPr lang="en-CA" b="0" i="1" smtClean="0">
+                                    <a:latin typeface="Cambria Math" charset="0"/>
+                                    <a:ea typeface="Cambria Math" charset="0"/>
+                                    <a:cs typeface="Cambria Math" charset="0"/>
+                                  </a:rPr>
+                                  <m:t>𝜃</m:t>
+                                </m:r>
+                              </m:e>
+                              <m:sub>
+                                <m:r>
+                                  <a:rPr lang="en-US" b="0" i="1" smtClean="0">
+                                    <a:latin typeface="Cambria Math" panose="02040503050406030204" pitchFamily="18" charset="0"/>
+                                    <a:ea typeface="Cambria Math" charset="0"/>
+                                    <a:cs typeface="Cambria Math" charset="0"/>
+                                  </a:rPr>
+                                  <m:t>1</m:t>
+                                </m:r>
+                              </m:sub>
+                            </m:sSub>
                           </m:e>
                         </m:func>
                       </m:oMath>
@@ -6300,7 +6308,7 @@
               </p:txBody>
             </p:sp>
           </mc:Choice>
-          <mc:Fallback xmlns="">
+          <mc:Fallback>
             <p:sp>
               <p:nvSpPr>
                 <p:cNvPr id="109" name="TextBox 108"/>
@@ -6317,10 +6325,10 @@
                 <a:prstGeom prst="rect">
                   <a:avLst/>
                 </a:prstGeom>
-                <a:blipFill rotWithShape="0">
-                  <a:blip r:embed="rId40"/>
+                <a:blipFill>
+                  <a:blip r:embed="rId41"/>
                   <a:stretch>
-                    <a:fillRect r="-6522"/>
+                    <a:fillRect t="-746" r="-15217" b="-5970"/>
                   </a:stretch>
                 </a:blipFill>
               </p:spPr>
@@ -6531,7 +6539,7 @@
                   <a:avLst/>
                 </a:prstGeom>
                 <a:blipFill rotWithShape="0">
-                  <a:blip r:embed="rId41"/>
+                  <a:blip r:embed="rId42"/>
                   <a:stretch>
                     <a:fillRect b="-6667"/>
                   </a:stretch>
@@ -6555,291 +6563,558 @@
       </p:grpSp>
       <p:grpSp>
         <p:nvGrpSpPr>
-          <p:cNvPr id="119" name="Group 118"/>
+          <p:cNvPr id="31" name="Group 30"/>
           <p:cNvGrpSpPr/>
           <p:nvPr/>
         </p:nvGrpSpPr>
         <p:grpSpPr>
           <a:xfrm>
-            <a:off x="321900" y="-555509"/>
+            <a:off x="-48685" y="-551080"/>
             <a:ext cx="4180330" cy="4044771"/>
-            <a:chOff x="321900" y="-555509"/>
+            <a:chOff x="798830" y="-568640"/>
             <a:chExt cx="4180330" cy="4044771"/>
           </a:xfrm>
         </p:grpSpPr>
+        <p:cxnSp>
+          <p:nvCxnSpPr>
+            <p:cNvPr id="28" name="Straight Connector 27"/>
+            <p:cNvCxnSpPr/>
+            <p:nvPr/>
+          </p:nvCxnSpPr>
+          <p:spPr>
+            <a:xfrm flipV="1">
+              <a:off x="2161017" y="2757636"/>
+              <a:ext cx="1559859" cy="1990"/>
+            </a:xfrm>
+            <a:prstGeom prst="line">
+              <a:avLst/>
+            </a:prstGeom>
+            <a:ln w="19050">
+              <a:solidFill>
+                <a:schemeClr val="tx1"/>
+              </a:solidFill>
+              <a:prstDash val="dash"/>
+            </a:ln>
+          </p:spPr>
+          <p:style>
+            <a:lnRef idx="1">
+              <a:schemeClr val="accent1"/>
+            </a:lnRef>
+            <a:fillRef idx="0">
+              <a:schemeClr val="accent1"/>
+            </a:fillRef>
+            <a:effectRef idx="0">
+              <a:schemeClr val="accent1"/>
+            </a:effectRef>
+            <a:fontRef idx="minor">
+              <a:schemeClr val="tx1"/>
+            </a:fontRef>
+          </p:style>
+        </p:cxnSp>
         <p:grpSp>
           <p:nvGrpSpPr>
-            <p:cNvPr id="70" name="Group 69"/>
+            <p:cNvPr id="119" name="Group 118"/>
             <p:cNvGrpSpPr/>
             <p:nvPr/>
           </p:nvGrpSpPr>
           <p:grpSpPr>
             <a:xfrm>
-              <a:off x="321900" y="-555509"/>
-              <a:ext cx="4180330" cy="3759200"/>
-              <a:chOff x="772176" y="-545199"/>
-              <a:chExt cx="4180330" cy="3759200"/>
+              <a:off x="798830" y="-568640"/>
+              <a:ext cx="4180330" cy="4044771"/>
+              <a:chOff x="321900" y="-555509"/>
+              <a:chExt cx="4180330" cy="4044771"/>
             </a:xfrm>
           </p:grpSpPr>
           <p:grpSp>
             <p:nvGrpSpPr>
-              <p:cNvPr id="26" name="Group 25"/>
+              <p:cNvPr id="70" name="Group 69"/>
               <p:cNvGrpSpPr/>
               <p:nvPr/>
             </p:nvGrpSpPr>
             <p:grpSpPr>
               <a:xfrm>
-                <a:off x="772176" y="-545199"/>
-                <a:ext cx="3759201" cy="3759200"/>
-                <a:chOff x="502353" y="2302932"/>
-                <a:chExt cx="3759201" cy="3759200"/>
+                <a:off x="321900" y="-555509"/>
+                <a:ext cx="4180330" cy="3759200"/>
+                <a:chOff x="772176" y="-545199"/>
+                <a:chExt cx="4180330" cy="3759200"/>
               </a:xfrm>
             </p:grpSpPr>
             <p:grpSp>
               <p:nvGrpSpPr>
-                <p:cNvPr id="16" name="Group 15"/>
+                <p:cNvPr id="26" name="Group 25"/>
                 <p:cNvGrpSpPr/>
                 <p:nvPr/>
               </p:nvGrpSpPr>
               <p:grpSpPr>
-                <a:xfrm flipH="1">
-                  <a:off x="502353" y="2302932"/>
+                <a:xfrm>
+                  <a:off x="772176" y="-545199"/>
                   <a:ext cx="3759201" cy="3759200"/>
-                  <a:chOff x="4848475" y="407844"/>
+                  <a:chOff x="502353" y="2302932"/>
                   <a:chExt cx="3759201" cy="3759200"/>
                 </a:xfrm>
               </p:grpSpPr>
-              <p:sp>
-                <p:nvSpPr>
-                  <p:cNvPr id="17" name="Rectangle 16"/>
-                  <p:cNvSpPr/>
+              <p:grpSp>
+                <p:nvGrpSpPr>
+                  <p:cNvPr id="16" name="Group 15"/>
+                  <p:cNvGrpSpPr/>
                   <p:nvPr/>
-                </p:nvSpPr>
-                <p:spPr>
-                  <a:xfrm>
-                    <a:off x="6366831" y="2077155"/>
-                    <a:ext cx="722489" cy="305280"/>
+                </p:nvGrpSpPr>
+                <p:grpSpPr>
+                  <a:xfrm flipH="1">
+                    <a:off x="502353" y="2302932"/>
+                    <a:ext cx="3759201" cy="3759200"/>
+                    <a:chOff x="4848475" y="407844"/>
+                    <a:chExt cx="3759201" cy="3759200"/>
                   </a:xfrm>
-                  <a:prstGeom prst="rect">
-                    <a:avLst/>
-                  </a:prstGeom>
-                  <a:solidFill>
-                    <a:schemeClr val="tx1"/>
-                  </a:solidFill>
-                  <a:ln>
+                </p:grpSpPr>
+                <p:sp>
+                  <p:nvSpPr>
+                    <p:cNvPr id="17" name="Rectangle 16"/>
+                    <p:cNvSpPr/>
+                    <p:nvPr/>
+                  </p:nvSpPr>
+                  <p:spPr>
+                    <a:xfrm>
+                      <a:off x="6366831" y="2077155"/>
+                      <a:ext cx="722489" cy="305280"/>
+                    </a:xfrm>
+                    <a:prstGeom prst="rect">
+                      <a:avLst/>
+                    </a:prstGeom>
                     <a:solidFill>
                       <a:schemeClr val="tx1"/>
                     </a:solidFill>
-                  </a:ln>
-                </p:spPr>
-                <p:style>
-                  <a:lnRef idx="2">
-                    <a:schemeClr val="accent1">
-                      <a:shade val="50000"/>
-                    </a:schemeClr>
-                  </a:lnRef>
-                  <a:fillRef idx="1">
-                    <a:schemeClr val="accent1"/>
-                  </a:fillRef>
-                  <a:effectRef idx="0">
-                    <a:schemeClr val="accent1"/>
-                  </a:effectRef>
-                  <a:fontRef idx="minor">
-                    <a:schemeClr val="lt1"/>
-                  </a:fontRef>
-                </p:style>
-                <p:txBody>
-                  <a:bodyPr rtlCol="0" anchor="ctr"/>
-                  <a:lstStyle/>
-                  <a:p>
-                    <a:pPr algn="ctr"/>
-                    <a:endParaRPr lang="en-US"/>
-                  </a:p>
-                </p:txBody>
-              </p:sp>
-              <p:sp>
-                <p:nvSpPr>
-                  <p:cNvPr id="18" name="Arc 17"/>
-                  <p:cNvSpPr/>
-                  <p:nvPr/>
-                </p:nvSpPr>
-                <p:spPr>
-                  <a:xfrm rot="13844285">
-                    <a:off x="4848476" y="407843"/>
-                    <a:ext cx="3759200" cy="3759201"/>
-                  </a:xfrm>
-                  <a:prstGeom prst="arc">
-                    <a:avLst>
-                      <a:gd name="adj1" fmla="val 13152779"/>
-                      <a:gd name="adj2" fmla="val 18188222"/>
-                    </a:avLst>
-                  </a:prstGeom>
-                  <a:ln w="19050">
+                    <a:ln>
+                      <a:solidFill>
+                        <a:schemeClr val="tx1"/>
+                      </a:solidFill>
+                    </a:ln>
+                  </p:spPr>
+                  <p:style>
+                    <a:lnRef idx="2">
+                      <a:schemeClr val="accent1">
+                        <a:shade val="50000"/>
+                      </a:schemeClr>
+                    </a:lnRef>
+                    <a:fillRef idx="1">
+                      <a:schemeClr val="accent1"/>
+                    </a:fillRef>
+                    <a:effectRef idx="0">
+                      <a:schemeClr val="accent1"/>
+                    </a:effectRef>
+                    <a:fontRef idx="minor">
+                      <a:schemeClr val="lt1"/>
+                    </a:fontRef>
+                  </p:style>
+                  <p:txBody>
+                    <a:bodyPr rtlCol="0" anchor="ctr"/>
+                    <a:lstStyle/>
+                    <a:p>
+                      <a:pPr algn="ctr"/>
+                      <a:endParaRPr lang="en-US"/>
+                    </a:p>
+                  </p:txBody>
+                </p:sp>
+                <p:sp>
+                  <p:nvSpPr>
+                    <p:cNvPr id="18" name="Arc 17"/>
+                    <p:cNvSpPr/>
+                    <p:nvPr/>
+                  </p:nvSpPr>
+                  <p:spPr>
+                    <a:xfrm rot="13844285">
+                      <a:off x="4848476" y="407843"/>
+                      <a:ext cx="3759200" cy="3759201"/>
+                    </a:xfrm>
+                    <a:prstGeom prst="arc">
+                      <a:avLst>
+                        <a:gd name="adj1" fmla="val 13152779"/>
+                        <a:gd name="adj2" fmla="val 18188222"/>
+                      </a:avLst>
+                    </a:prstGeom>
+                    <a:ln w="19050">
+                      <a:solidFill>
+                        <a:schemeClr val="tx1"/>
+                      </a:solidFill>
+                      <a:prstDash val="dash"/>
+                      <a:headEnd type="none" w="med" len="med"/>
+                      <a:tailEnd type="triangle" w="med" len="med"/>
+                    </a:ln>
+                  </p:spPr>
+                  <p:style>
+                    <a:lnRef idx="1">
+                      <a:schemeClr val="accent1"/>
+                    </a:lnRef>
+                    <a:fillRef idx="0">
+                      <a:schemeClr val="accent1"/>
+                    </a:fillRef>
+                    <a:effectRef idx="0">
+                      <a:schemeClr val="accent1"/>
+                    </a:effectRef>
+                    <a:fontRef idx="minor">
+                      <a:schemeClr val="tx1"/>
+                    </a:fontRef>
+                  </p:style>
+                  <p:txBody>
+                    <a:bodyPr rtlCol="0" anchor="ctr"/>
+                    <a:lstStyle/>
+                    <a:p>
+                      <a:pPr algn="ctr"/>
+                      <a:endParaRPr lang="en-US"/>
+                    </a:p>
+                  </p:txBody>
+                </p:sp>
+                <p:sp>
+                  <p:nvSpPr>
+                    <p:cNvPr id="19" name="Oval 18"/>
+                    <p:cNvSpPr/>
+                    <p:nvPr/>
+                  </p:nvSpPr>
+                  <p:spPr>
+                    <a:xfrm flipH="1" flipV="1">
+                      <a:off x="5483767" y="3662120"/>
+                      <a:ext cx="144000" cy="144000"/>
+                    </a:xfrm>
+                    <a:prstGeom prst="ellipse">
+                      <a:avLst/>
+                    </a:prstGeom>
                     <a:solidFill>
                       <a:schemeClr val="tx1"/>
                     </a:solidFill>
-                    <a:prstDash val="dash"/>
-                    <a:headEnd type="none" w="med" len="med"/>
-                    <a:tailEnd type="triangle" w="med" len="med"/>
-                  </a:ln>
-                </p:spPr>
-                <p:style>
-                  <a:lnRef idx="1">
-                    <a:schemeClr val="accent1"/>
-                  </a:lnRef>
-                  <a:fillRef idx="0">
-                    <a:schemeClr val="accent1"/>
-                  </a:fillRef>
-                  <a:effectRef idx="0">
-                    <a:schemeClr val="accent1"/>
-                  </a:effectRef>
-                  <a:fontRef idx="minor">
-                    <a:schemeClr val="tx1"/>
-                  </a:fontRef>
-                </p:style>
-                <p:txBody>
-                  <a:bodyPr rtlCol="0" anchor="ctr"/>
-                  <a:lstStyle/>
-                  <a:p>
-                    <a:pPr algn="ctr"/>
-                    <a:endParaRPr lang="en-US"/>
-                  </a:p>
-                </p:txBody>
-              </p:sp>
-              <p:sp>
-                <p:nvSpPr>
-                  <p:cNvPr id="19" name="Oval 18"/>
-                  <p:cNvSpPr/>
-                  <p:nvPr/>
-                </p:nvSpPr>
-                <p:spPr>
-                  <a:xfrm flipH="1" flipV="1">
-                    <a:off x="5483767" y="3662120"/>
-                    <a:ext cx="144000" cy="144000"/>
-                  </a:xfrm>
-                  <a:prstGeom prst="ellipse">
-                    <a:avLst/>
-                  </a:prstGeom>
-                  <a:solidFill>
-                    <a:schemeClr val="tx1"/>
-                  </a:solidFill>
-                  <a:ln w="38100">
-                    <a:solidFill>
+                    <a:ln w="38100">
+                      <a:solidFill>
+                        <a:schemeClr val="tx1"/>
+                      </a:solidFill>
+                    </a:ln>
+                  </p:spPr>
+                  <p:style>
+                    <a:lnRef idx="2">
+                      <a:schemeClr val="accent1">
+                        <a:shade val="50000"/>
+                      </a:schemeClr>
+                    </a:lnRef>
+                    <a:fillRef idx="1">
+                      <a:schemeClr val="accent1"/>
+                    </a:fillRef>
+                    <a:effectRef idx="0">
+                      <a:schemeClr val="accent1"/>
+                    </a:effectRef>
+                    <a:fontRef idx="minor">
+                      <a:schemeClr val="lt1"/>
+                    </a:fontRef>
+                  </p:style>
+                  <p:txBody>
+                    <a:bodyPr rtlCol="0" anchor="ctr"/>
+                    <a:lstStyle/>
+                    <a:p>
+                      <a:pPr algn="ctr"/>
+                      <a:endParaRPr lang="en-US"/>
+                    </a:p>
+                  </p:txBody>
+                </p:sp>
+                <p:cxnSp>
+                  <p:nvCxnSpPr>
+                    <p:cNvPr id="20" name="Straight Connector 19"/>
+                    <p:cNvCxnSpPr>
+                      <a:stCxn id="19" idx="3"/>
+                      <a:endCxn id="17" idx="2"/>
+                    </p:cNvCxnSpPr>
+                    <p:nvPr/>
+                  </p:nvCxnSpPr>
+                  <p:spPr>
+                    <a:xfrm flipV="1">
+                      <a:off x="5606679" y="2382435"/>
+                      <a:ext cx="1121397" cy="1300773"/>
+                    </a:xfrm>
+                    <a:prstGeom prst="line">
+                      <a:avLst/>
+                    </a:prstGeom>
+                    <a:ln w="38100">
+                      <a:solidFill>
+                        <a:schemeClr val="tx1"/>
+                      </a:solidFill>
+                    </a:ln>
+                  </p:spPr>
+                  <p:style>
+                    <a:lnRef idx="1">
+                      <a:schemeClr val="accent1"/>
+                    </a:lnRef>
+                    <a:fillRef idx="0">
+                      <a:schemeClr val="accent1"/>
+                    </a:fillRef>
+                    <a:effectRef idx="0">
+                      <a:schemeClr val="accent1"/>
+                    </a:effectRef>
+                    <a:fontRef idx="minor">
                       <a:schemeClr val="tx1"/>
-                    </a:solidFill>
-                  </a:ln>
-                </p:spPr>
-                <p:style>
-                  <a:lnRef idx="2">
-                    <a:schemeClr val="accent1">
-                      <a:shade val="50000"/>
-                    </a:schemeClr>
-                  </a:lnRef>
-                  <a:fillRef idx="1">
-                    <a:schemeClr val="accent1"/>
-                  </a:fillRef>
-                  <a:effectRef idx="0">
-                    <a:schemeClr val="accent1"/>
-                  </a:effectRef>
-                  <a:fontRef idx="minor">
-                    <a:schemeClr val="lt1"/>
-                  </a:fontRef>
-                </p:style>
-                <p:txBody>
-                  <a:bodyPr rtlCol="0" anchor="ctr"/>
-                  <a:lstStyle/>
-                  <a:p>
-                    <a:pPr algn="ctr"/>
-                    <a:endParaRPr lang="en-US"/>
-                  </a:p>
-                </p:txBody>
-              </p:sp>
-              <p:cxnSp>
-                <p:nvCxnSpPr>
-                  <p:cNvPr id="20" name="Straight Connector 19"/>
-                  <p:cNvCxnSpPr>
-                    <a:stCxn id="19" idx="3"/>
-                    <a:endCxn id="17" idx="2"/>
-                  </p:cNvCxnSpPr>
-                  <p:nvPr/>
-                </p:nvCxnSpPr>
-                <p:spPr>
-                  <a:xfrm flipV="1">
-                    <a:off x="5606679" y="2382435"/>
-                    <a:ext cx="1121397" cy="1300773"/>
-                  </a:xfrm>
-                  <a:prstGeom prst="line">
-                    <a:avLst/>
-                  </a:prstGeom>
-                  <a:ln w="38100">
-                    <a:solidFill>
+                    </a:fontRef>
+                  </p:style>
+                </p:cxnSp>
+                <p:cxnSp>
+                  <p:nvCxnSpPr>
+                    <p:cNvPr id="21" name="Straight Connector 20"/>
+                    <p:cNvCxnSpPr/>
+                    <p:nvPr/>
+                  </p:nvCxnSpPr>
+                  <p:spPr>
+                    <a:xfrm flipH="1" flipV="1">
+                      <a:off x="6738236" y="2382435"/>
+                      <a:ext cx="0" cy="1764000"/>
+                    </a:xfrm>
+                    <a:prstGeom prst="line">
+                      <a:avLst/>
+                    </a:prstGeom>
+                    <a:ln w="12700">
+                      <a:solidFill>
+                        <a:schemeClr val="tx1"/>
+                      </a:solidFill>
+                      <a:prstDash val="solid"/>
+                    </a:ln>
+                  </p:spPr>
+                  <p:style>
+                    <a:lnRef idx="1">
+                      <a:schemeClr val="accent1"/>
+                    </a:lnRef>
+                    <a:fillRef idx="0">
+                      <a:schemeClr val="accent1"/>
+                    </a:fillRef>
+                    <a:effectRef idx="0">
+                      <a:schemeClr val="accent1"/>
+                    </a:effectRef>
+                    <a:fontRef idx="minor">
                       <a:schemeClr val="tx1"/>
-                    </a:solidFill>
-                  </a:ln>
-                </p:spPr>
-                <p:style>
-                  <a:lnRef idx="1">
-                    <a:schemeClr val="accent1"/>
-                  </a:lnRef>
-                  <a:fillRef idx="0">
-                    <a:schemeClr val="accent1"/>
-                  </a:fillRef>
-                  <a:effectRef idx="0">
-                    <a:schemeClr val="accent1"/>
-                  </a:effectRef>
-                  <a:fontRef idx="minor">
-                    <a:schemeClr val="tx1"/>
-                  </a:fontRef>
-                </p:style>
-              </p:cxnSp>
-              <p:cxnSp>
-                <p:nvCxnSpPr>
-                  <p:cNvPr id="21" name="Straight Connector 20"/>
-                  <p:cNvCxnSpPr/>
-                  <p:nvPr/>
-                </p:nvCxnSpPr>
-                <p:spPr>
-                  <a:xfrm flipH="1" flipV="1">
-                    <a:off x="6738236" y="2382435"/>
-                    <a:ext cx="0" cy="1764000"/>
-                  </a:xfrm>
-                  <a:prstGeom prst="line">
-                    <a:avLst/>
-                  </a:prstGeom>
-                  <a:ln w="12700">
-                    <a:solidFill>
+                    </a:fontRef>
+                  </p:style>
+                </p:cxnSp>
+                <mc:AlternateContent xmlns:mc="http://schemas.openxmlformats.org/markup-compatibility/2006" xmlns:a14="http://schemas.microsoft.com/office/drawing/2010/main">
+                  <mc:Choice Requires="a14">
+                    <p:sp>
+                      <p:nvSpPr>
+                        <p:cNvPr id="22" name="TextBox 21"/>
+                        <p:cNvSpPr txBox="1"/>
+                        <p:nvPr/>
+                      </p:nvSpPr>
+                      <p:spPr>
+                        <a:xfrm>
+                          <a:off x="6509299" y="2666126"/>
+                          <a:ext cx="189475" cy="276999"/>
+                        </a:xfrm>
+                        <a:prstGeom prst="rect">
+                          <a:avLst/>
+                        </a:prstGeom>
+                        <a:noFill/>
+                      </p:spPr>
+                      <p:txBody>
+                        <a:bodyPr wrap="none" lIns="0" tIns="0" rIns="0" bIns="0" rtlCol="0">
+                          <a:spAutoFit/>
+                        </a:bodyPr>
+                        <a:lstStyle/>
+                        <a:p>
+                          <a:pPr/>
+                          <a14:m>
+                            <m:oMathPara xmlns:m="http://schemas.openxmlformats.org/officeDocument/2006/math">
+                              <m:oMathParaPr>
+                                <m:jc m:val="centerGroup"/>
+                              </m:oMathParaPr>
+                              <m:oMath xmlns:m="http://schemas.openxmlformats.org/officeDocument/2006/math">
+                                <m:r>
+                                  <a:rPr lang="en-US" i="1" smtClean="0">
+                                    <a:latin typeface="Cambria Math" charset="0"/>
+                                    <a:ea typeface="Cambria Math" charset="0"/>
+                                    <a:cs typeface="Cambria Math" charset="0"/>
+                                  </a:rPr>
+                                  <m:t>𝜃</m:t>
+                                </m:r>
+                              </m:oMath>
+                            </m:oMathPara>
+                          </a14:m>
+                          <a:endParaRPr lang="en-US" dirty="0"/>
+                        </a:p>
+                      </p:txBody>
+                    </p:sp>
+                  </mc:Choice>
+                  <mc:Fallback xmlns="">
+                    <p:sp>
+                      <p:nvSpPr>
+                        <p:cNvPr id="31" name="TextBox 30"/>
+                        <p:cNvSpPr txBox="1">
+                          <a:spLocks noRot="1" noChangeAspect="1" noMove="1" noResize="1" noEditPoints="1" noAdjustHandles="1" noChangeArrowheads="1" noChangeShapeType="1" noTextEdit="1"/>
+                        </p:cNvSpPr>
+                        <p:nvPr/>
+                      </p:nvSpPr>
+                      <p:spPr>
+                        <a:xfrm>
+                          <a:off x="6509299" y="2666126"/>
+                          <a:ext cx="189475" cy="276999"/>
+                        </a:xfrm>
+                        <a:prstGeom prst="rect">
+                          <a:avLst/>
+                        </a:prstGeom>
+                        <a:blipFill rotWithShape="0">
+                          <a:blip r:embed="rId5"/>
+                          <a:stretch>
+                            <a:fillRect l="-32258" r="-22581" b="-6522"/>
+                          </a:stretch>
+                        </a:blipFill>
+                      </p:spPr>
+                      <p:txBody>
+                        <a:bodyPr/>
+                        <a:lstStyle/>
+                        <a:p>
+                          <a:r>
+                            <a:rPr lang="en-US">
+                              <a:noFill/>
+                            </a:rPr>
+                            <a:t> </a:t>
+                          </a:r>
+                        </a:p>
+                      </p:txBody>
+                    </p:sp>
+                  </mc:Fallback>
+                </mc:AlternateContent>
+                <p:sp>
+                  <p:nvSpPr>
+                    <p:cNvPr id="23" name="Arc 22"/>
+                    <p:cNvSpPr/>
+                    <p:nvPr/>
+                  </p:nvSpPr>
+                  <p:spPr>
+                    <a:xfrm rot="10800000">
+                      <a:off x="6507585" y="2256674"/>
+                      <a:ext cx="432000" cy="432000"/>
+                    </a:xfrm>
+                    <a:prstGeom prst="arc">
+                      <a:avLst>
+                        <a:gd name="adj1" fmla="val 16200000"/>
+                        <a:gd name="adj2" fmla="val 19306772"/>
+                      </a:avLst>
+                    </a:prstGeom>
+                    <a:ln w="12700">
+                      <a:solidFill>
+                        <a:schemeClr val="tx1"/>
+                      </a:solidFill>
+                    </a:ln>
+                  </p:spPr>
+                  <p:style>
+                    <a:lnRef idx="1">
+                      <a:schemeClr val="accent1"/>
+                    </a:lnRef>
+                    <a:fillRef idx="0">
+                      <a:schemeClr val="accent1"/>
+                    </a:fillRef>
+                    <a:effectRef idx="0">
+                      <a:schemeClr val="accent1"/>
+                    </a:effectRef>
+                    <a:fontRef idx="minor">
                       <a:schemeClr val="tx1"/>
-                    </a:solidFill>
-                    <a:prstDash val="solid"/>
-                  </a:ln>
-                </p:spPr>
-                <p:style>
-                  <a:lnRef idx="1">
-                    <a:schemeClr val="accent1"/>
-                  </a:lnRef>
-                  <a:fillRef idx="0">
-                    <a:schemeClr val="accent1"/>
-                  </a:fillRef>
-                  <a:effectRef idx="0">
-                    <a:schemeClr val="accent1"/>
-                  </a:effectRef>
-                  <a:fontRef idx="minor">
-                    <a:schemeClr val="tx1"/>
-                  </a:fontRef>
-                </p:style>
-              </p:cxnSp>
+                    </a:fontRef>
+                  </p:style>
+                  <p:txBody>
+                    <a:bodyPr rtlCol="0" anchor="ctr"/>
+                    <a:lstStyle/>
+                    <a:p>
+                      <a:pPr algn="ctr"/>
+                      <a:endParaRPr lang="en-US"/>
+                    </a:p>
+                  </p:txBody>
+                </p:sp>
+                <mc:AlternateContent xmlns:mc="http://schemas.openxmlformats.org/markup-compatibility/2006" xmlns:a14="http://schemas.microsoft.com/office/drawing/2010/main">
+                  <mc:Choice Requires="a14">
+                    <p:sp>
+                      <p:nvSpPr>
+                        <p:cNvPr id="24" name="TextBox 23"/>
+                        <p:cNvSpPr txBox="1"/>
+                        <p:nvPr/>
+                      </p:nvSpPr>
+                      <p:spPr>
+                        <a:xfrm>
+                          <a:off x="5924997" y="2825313"/>
+                          <a:ext cx="181075" cy="276999"/>
+                        </a:xfrm>
+                        <a:prstGeom prst="rect">
+                          <a:avLst/>
+                        </a:prstGeom>
+                        <a:noFill/>
+                      </p:spPr>
+                      <p:txBody>
+                        <a:bodyPr wrap="none" lIns="0" tIns="0" rIns="0" bIns="0" rtlCol="0">
+                          <a:spAutoFit/>
+                        </a:bodyPr>
+                        <a:lstStyle/>
+                        <a:p>
+                          <a:pPr/>
+                          <a14:m>
+                            <m:oMathPara xmlns:m="http://schemas.openxmlformats.org/officeDocument/2006/math">
+                              <m:oMathParaPr>
+                                <m:jc m:val="centerGroup"/>
+                              </m:oMathParaPr>
+                              <m:oMath xmlns:m="http://schemas.openxmlformats.org/officeDocument/2006/math">
+                                <m:r>
+                                  <a:rPr lang="en-CA" b="0" i="1" smtClean="0">
+                                    <a:latin typeface="Cambria Math" charset="0"/>
+                                  </a:rPr>
+                                  <m:t>𝐿</m:t>
+                                </m:r>
+                              </m:oMath>
+                            </m:oMathPara>
+                          </a14:m>
+                          <a:endParaRPr lang="en-US" dirty="0"/>
+                        </a:p>
+                      </p:txBody>
+                    </p:sp>
+                  </mc:Choice>
+                  <mc:Fallback xmlns="">
+                    <p:sp>
+                      <p:nvSpPr>
+                        <p:cNvPr id="24" name="TextBox 23"/>
+                        <p:cNvSpPr txBox="1">
+                          <a:spLocks noRot="1" noChangeAspect="1" noMove="1" noResize="1" noEditPoints="1" noAdjustHandles="1" noChangeArrowheads="1" noChangeShapeType="1" noTextEdit="1"/>
+                        </p:cNvSpPr>
+                        <p:nvPr/>
+                      </p:nvSpPr>
+                      <p:spPr>
+                        <a:xfrm>
+                          <a:off x="5924997" y="2825313"/>
+                          <a:ext cx="181075" cy="276999"/>
+                        </a:xfrm>
+                        <a:prstGeom prst="rect">
+                          <a:avLst/>
+                        </a:prstGeom>
+                        <a:blipFill rotWithShape="0">
+                          <a:blip r:embed="rId43"/>
+                          <a:stretch>
+                            <a:fillRect l="-30000" r="-23333" b="-4348"/>
+                          </a:stretch>
+                        </a:blipFill>
+                      </p:spPr>
+                      <p:txBody>
+                        <a:bodyPr/>
+                        <a:lstStyle/>
+                        <a:p>
+                          <a:r>
+                            <a:rPr lang="en-US">
+                              <a:noFill/>
+                            </a:rPr>
+                            <a:t> </a:t>
+                          </a:r>
+                        </a:p>
+                      </p:txBody>
+                    </p:sp>
+                  </mc:Fallback>
+                </mc:AlternateContent>
+              </p:grpSp>
               <mc:AlternateContent xmlns:mc="http://schemas.openxmlformats.org/markup-compatibility/2006" xmlns:a14="http://schemas.microsoft.com/office/drawing/2010/main">
                 <mc:Choice Requires="a14">
                   <p:sp>
                     <p:nvSpPr>
-                      <p:cNvPr id="22" name="TextBox 21"/>
+                      <p:cNvPr id="25" name="TextBox 24"/>
                       <p:cNvSpPr txBox="1"/>
                       <p:nvPr/>
                     </p:nvSpPr>
                     <p:spPr>
-                      <a:xfrm>
-                        <a:off x="6509299" y="2666126"/>
-                        <a:ext cx="189475" cy="276999"/>
+                      <a:xfrm flipH="1">
+                        <a:off x="3414022" y="5232002"/>
+                        <a:ext cx="305418" cy="276999"/>
                       </a:xfrm>
                       <a:prstGeom prst="rect">
                         <a:avLst/>
@@ -6847,139 +7122,7 @@
                       <a:noFill/>
                     </p:spPr>
                     <p:txBody>
-                      <a:bodyPr wrap="none" lIns="0" tIns="0" rIns="0" bIns="0" rtlCol="0">
-                        <a:spAutoFit/>
-                      </a:bodyPr>
-                      <a:lstStyle/>
-                      <a:p>
-                        <a:pPr/>
-                        <a14:m>
-                          <m:oMathPara xmlns:m="http://schemas.openxmlformats.org/officeDocument/2006/math">
-                            <m:oMathParaPr>
-                              <m:jc m:val="centerGroup"/>
-                            </m:oMathParaPr>
-                            <m:oMath xmlns:m="http://schemas.openxmlformats.org/officeDocument/2006/math">
-                              <m:r>
-                                <a:rPr lang="en-US" i="1" smtClean="0">
-                                  <a:latin typeface="Cambria Math" charset="0"/>
-                                  <a:ea typeface="Cambria Math" charset="0"/>
-                                  <a:cs typeface="Cambria Math" charset="0"/>
-                                </a:rPr>
-                                <m:t>𝜃</m:t>
-                              </m:r>
-                            </m:oMath>
-                          </m:oMathPara>
-                        </a14:m>
-                        <a:endParaRPr lang="en-US" dirty="0"/>
-                      </a:p>
-                    </p:txBody>
-                  </p:sp>
-                </mc:Choice>
-                <mc:Fallback xmlns="">
-                  <p:sp>
-                    <p:nvSpPr>
-                      <p:cNvPr id="31" name="TextBox 30"/>
-                      <p:cNvSpPr txBox="1">
-                        <a:spLocks noRot="1" noChangeAspect="1" noMove="1" noResize="1" noEditPoints="1" noAdjustHandles="1" noChangeArrowheads="1" noChangeShapeType="1" noTextEdit="1"/>
-                      </p:cNvSpPr>
-                      <p:nvPr/>
-                    </p:nvSpPr>
-                    <p:spPr>
-                      <a:xfrm>
-                        <a:off x="6509299" y="2666126"/>
-                        <a:ext cx="189475" cy="276999"/>
-                      </a:xfrm>
-                      <a:prstGeom prst="rect">
-                        <a:avLst/>
-                      </a:prstGeom>
-                      <a:blipFill rotWithShape="0">
-                        <a:blip r:embed="rId5"/>
-                        <a:stretch>
-                          <a:fillRect l="-32258" r="-22581" b="-6522"/>
-                        </a:stretch>
-                      </a:blipFill>
-                    </p:spPr>
-                    <p:txBody>
-                      <a:bodyPr/>
-                      <a:lstStyle/>
-                      <a:p>
-                        <a:r>
-                          <a:rPr lang="en-US">
-                            <a:noFill/>
-                          </a:rPr>
-                          <a:t> </a:t>
-                        </a:r>
-                      </a:p>
-                    </p:txBody>
-                  </p:sp>
-                </mc:Fallback>
-              </mc:AlternateContent>
-              <p:sp>
-                <p:nvSpPr>
-                  <p:cNvPr id="23" name="Arc 22"/>
-                  <p:cNvSpPr/>
-                  <p:nvPr/>
-                </p:nvSpPr>
-                <p:spPr>
-                  <a:xfrm rot="10800000">
-                    <a:off x="6507585" y="2256674"/>
-                    <a:ext cx="432000" cy="432000"/>
-                  </a:xfrm>
-                  <a:prstGeom prst="arc">
-                    <a:avLst>
-                      <a:gd name="adj1" fmla="val 16200000"/>
-                      <a:gd name="adj2" fmla="val 19306772"/>
-                    </a:avLst>
-                  </a:prstGeom>
-                  <a:ln w="12700">
-                    <a:solidFill>
-                      <a:schemeClr val="tx1"/>
-                    </a:solidFill>
-                  </a:ln>
-                </p:spPr>
-                <p:style>
-                  <a:lnRef idx="1">
-                    <a:schemeClr val="accent1"/>
-                  </a:lnRef>
-                  <a:fillRef idx="0">
-                    <a:schemeClr val="accent1"/>
-                  </a:fillRef>
-                  <a:effectRef idx="0">
-                    <a:schemeClr val="accent1"/>
-                  </a:effectRef>
-                  <a:fontRef idx="minor">
-                    <a:schemeClr val="tx1"/>
-                  </a:fontRef>
-                </p:style>
-                <p:txBody>
-                  <a:bodyPr rtlCol="0" anchor="ctr"/>
-                  <a:lstStyle/>
-                  <a:p>
-                    <a:pPr algn="ctr"/>
-                    <a:endParaRPr lang="en-US"/>
-                  </a:p>
-                </p:txBody>
-              </p:sp>
-              <mc:AlternateContent xmlns:mc="http://schemas.openxmlformats.org/markup-compatibility/2006" xmlns:a14="http://schemas.microsoft.com/office/drawing/2010/main">
-                <mc:Choice Requires="a14">
-                  <p:sp>
-                    <p:nvSpPr>
-                      <p:cNvPr id="24" name="TextBox 23"/>
-                      <p:cNvSpPr txBox="1"/>
-                      <p:nvPr/>
-                    </p:nvSpPr>
-                    <p:spPr>
-                      <a:xfrm>
-                        <a:off x="5924997" y="2825313"/>
-                        <a:ext cx="181075" cy="276999"/>
-                      </a:xfrm>
-                      <a:prstGeom prst="rect">
-                        <a:avLst/>
-                      </a:prstGeom>
-                      <a:noFill/>
-                    </p:spPr>
-                    <p:txBody>
-                      <a:bodyPr wrap="none" lIns="0" tIns="0" rIns="0" bIns="0" rtlCol="0">
+                      <a:bodyPr wrap="square" lIns="0" tIns="0" rIns="0" bIns="0" rtlCol="0">
                         <a:spAutoFit/>
                       </a:bodyPr>
                       <a:lstStyle/>
@@ -6995,7 +7138,7 @@
                                 <a:rPr lang="en-CA" b="0" i="1" smtClean="0">
                                   <a:latin typeface="Cambria Math" charset="0"/>
                                 </a:rPr>
-                                <m:t>𝐿</m:t>
+                                <m:t>𝑚</m:t>
                               </m:r>
                             </m:oMath>
                           </m:oMathPara>
@@ -7008,24 +7151,24 @@
                 <mc:Fallback xmlns="">
                   <p:sp>
                     <p:nvSpPr>
-                      <p:cNvPr id="24" name="TextBox 23"/>
+                      <p:cNvPr id="25" name="TextBox 24"/>
                       <p:cNvSpPr txBox="1">
                         <a:spLocks noRot="1" noChangeAspect="1" noMove="1" noResize="1" noEditPoints="1" noAdjustHandles="1" noChangeArrowheads="1" noChangeShapeType="1" noTextEdit="1"/>
                       </p:cNvSpPr>
                       <p:nvPr/>
                     </p:nvSpPr>
                     <p:spPr>
-                      <a:xfrm>
-                        <a:off x="5924997" y="2825313"/>
-                        <a:ext cx="181075" cy="276999"/>
+                      <a:xfrm flipH="1">
+                        <a:off x="3414022" y="5232002"/>
+                        <a:ext cx="305418" cy="276999"/>
                       </a:xfrm>
                       <a:prstGeom prst="rect">
                         <a:avLst/>
                       </a:prstGeom>
                       <a:blipFill rotWithShape="0">
-                        <a:blip r:embed="rId42"/>
+                        <a:blip r:embed="rId44"/>
                         <a:stretch>
-                          <a:fillRect l="-30000" r="-23333" b="-4348"/>
+                          <a:fillRect/>
                         </a:stretch>
                       </a:blipFill>
                     </p:spPr>
@@ -7045,17 +7188,125 @@
                 </mc:Fallback>
               </mc:AlternateContent>
             </p:grpSp>
+            <p:cxnSp>
+              <p:nvCxnSpPr>
+                <p:cNvPr id="30" name="Straight Connector 29"/>
+                <p:cNvCxnSpPr/>
+                <p:nvPr/>
+              </p:nvCxnSpPr>
+              <p:spPr>
+                <a:xfrm>
+                  <a:off x="1918877" y="2783067"/>
+                  <a:ext cx="216000" cy="0"/>
+                </a:xfrm>
+                <a:prstGeom prst="line">
+                  <a:avLst/>
+                </a:prstGeom>
+                <a:ln w="28575">
+                  <a:solidFill>
+                    <a:schemeClr val="tx1"/>
+                  </a:solidFill>
+                  <a:prstDash val="solid"/>
+                </a:ln>
+              </p:spPr>
+              <p:style>
+                <a:lnRef idx="1">
+                  <a:schemeClr val="accent1"/>
+                </a:lnRef>
+                <a:fillRef idx="0">
+                  <a:schemeClr val="accent1"/>
+                </a:fillRef>
+                <a:effectRef idx="0">
+                  <a:schemeClr val="accent1"/>
+                </a:effectRef>
+                <a:fontRef idx="minor">
+                  <a:schemeClr val="tx1"/>
+                </a:fontRef>
+              </p:style>
+            </p:cxnSp>
+            <p:cxnSp>
+              <p:nvCxnSpPr>
+                <p:cNvPr id="36" name="Straight Connector 35"/>
+                <p:cNvCxnSpPr/>
+                <p:nvPr/>
+              </p:nvCxnSpPr>
+              <p:spPr>
+                <a:xfrm>
+                  <a:off x="1921377" y="3190297"/>
+                  <a:ext cx="216000" cy="0"/>
+                </a:xfrm>
+                <a:prstGeom prst="line">
+                  <a:avLst/>
+                </a:prstGeom>
+                <a:ln w="28575">
+                  <a:solidFill>
+                    <a:schemeClr val="tx1"/>
+                  </a:solidFill>
+                  <a:prstDash val="solid"/>
+                </a:ln>
+              </p:spPr>
+              <p:style>
+                <a:lnRef idx="1">
+                  <a:schemeClr val="accent1"/>
+                </a:lnRef>
+                <a:fillRef idx="0">
+                  <a:schemeClr val="accent1"/>
+                </a:fillRef>
+                <a:effectRef idx="0">
+                  <a:schemeClr val="accent1"/>
+                </a:effectRef>
+                <a:fontRef idx="minor">
+                  <a:schemeClr val="tx1"/>
+                </a:fontRef>
+              </p:style>
+            </p:cxnSp>
+            <p:cxnSp>
+              <p:nvCxnSpPr>
+                <p:cNvPr id="37" name="Straight Connector 36"/>
+                <p:cNvCxnSpPr/>
+                <p:nvPr/>
+              </p:nvCxnSpPr>
+              <p:spPr>
+                <a:xfrm flipH="1">
+                  <a:off x="2017338" y="2794723"/>
+                  <a:ext cx="1508" cy="401359"/>
+                </a:xfrm>
+                <a:prstGeom prst="line">
+                  <a:avLst/>
+                </a:prstGeom>
+                <a:ln w="28575">
+                  <a:solidFill>
+                    <a:schemeClr val="tx1"/>
+                  </a:solidFill>
+                  <a:prstDash val="solid"/>
+                </a:ln>
+              </p:spPr>
+              <p:style>
+                <a:lnRef idx="1">
+                  <a:schemeClr val="accent1"/>
+                </a:lnRef>
+                <a:fillRef idx="0">
+                  <a:schemeClr val="accent1"/>
+                </a:fillRef>
+                <a:effectRef idx="0">
+                  <a:schemeClr val="accent1"/>
+                </a:effectRef>
+                <a:fontRef idx="minor">
+                  <a:schemeClr val="tx1"/>
+                </a:fontRef>
+              </p:style>
+            </p:cxnSp>
             <mc:AlternateContent xmlns:mc="http://schemas.openxmlformats.org/markup-compatibility/2006" xmlns:a14="http://schemas.microsoft.com/office/drawing/2010/main">
               <mc:Choice Requires="a14">
                 <p:sp>
                   <p:nvSpPr>
-                    <p:cNvPr id="25" name="TextBox 24"/>
+                    <p:cNvPr id="48" name="TextBox 47"/>
                     <p:cNvSpPr txBox="1"/>
                     <p:nvPr/>
                   </p:nvSpPr>
                   <p:spPr>
                     <a:xfrm flipH="1">
-                      <a:off x="3414022" y="5232002"/>
+                      <a:off x="1630453" y="2845247"/>
                       <a:ext cx="305418" cy="276999"/>
                     </a:xfrm>
                     <a:prstGeom prst="rect">
@@ -7080,7 +7331,7 @@
                               <a:rPr lang="en-CA" b="0" i="1" smtClean="0">
                                 <a:latin typeface="Cambria Math" charset="0"/>
                               </a:rPr>
-                              <m:t>𝑚</m:t>
+                              <m:t>h</m:t>
                             </m:r>
                           </m:oMath>
                         </m:oMathPara>
@@ -7093,7 +7344,7 @@
               <mc:Fallback xmlns="">
                 <p:sp>
                   <p:nvSpPr>
-                    <p:cNvPr id="25" name="TextBox 24"/>
+                    <p:cNvPr id="48" name="TextBox 47"/>
                     <p:cNvSpPr txBox="1">
                       <a:spLocks noRot="1" noChangeAspect="1" noMove="1" noResize="1" noEditPoints="1" noAdjustHandles="1" noChangeArrowheads="1" noChangeShapeType="1" noTextEdit="1"/>
                     </p:cNvSpPr>
@@ -7101,16 +7352,16 @@
                   </p:nvSpPr>
                   <p:spPr>
                     <a:xfrm flipH="1">
-                      <a:off x="3414022" y="5232002"/>
+                      <a:off x="1630453" y="2845247"/>
                       <a:ext cx="305418" cy="276999"/>
                     </a:xfrm>
                     <a:prstGeom prst="rect">
                       <a:avLst/>
                     </a:prstGeom>
                     <a:blipFill rotWithShape="0">
-                      <a:blip r:embed="rId43"/>
+                      <a:blip r:embed="rId45"/>
                       <a:stretch>
-                        <a:fillRect/>
+                        <a:fillRect b="-8889"/>
                       </a:stretch>
                     </a:blipFill>
                   </p:spPr>
@@ -7129,127 +7380,397 @@
                 </p:sp>
               </mc:Fallback>
             </mc:AlternateContent>
+            <p:grpSp>
+              <p:nvGrpSpPr>
+                <p:cNvPr id="51" name="Group 50"/>
+                <p:cNvGrpSpPr/>
+                <p:nvPr/>
+              </p:nvGrpSpPr>
+              <p:grpSpPr>
+                <a:xfrm>
+                  <a:off x="4063877" y="389011"/>
+                  <a:ext cx="888629" cy="709995"/>
+                  <a:chOff x="758520" y="708040"/>
+                  <a:chExt cx="2566756" cy="2135605"/>
+                </a:xfrm>
+              </p:grpSpPr>
+              <p:grpSp>
+                <p:nvGrpSpPr>
+                  <p:cNvPr id="59" name="Group 58"/>
+                  <p:cNvGrpSpPr/>
+                  <p:nvPr/>
+                </p:nvGrpSpPr>
+                <p:grpSpPr>
+                  <a:xfrm>
+                    <a:off x="758520" y="708040"/>
+                    <a:ext cx="2566756" cy="2135605"/>
+                    <a:chOff x="785815" y="680744"/>
+                    <a:chExt cx="2566756" cy="2135605"/>
+                  </a:xfrm>
+                </p:grpSpPr>
+                <p:cxnSp>
+                  <p:nvCxnSpPr>
+                    <p:cNvPr id="61" name="Straight Arrow Connector 60"/>
+                    <p:cNvCxnSpPr/>
+                    <p:nvPr/>
+                  </p:nvCxnSpPr>
+                  <p:spPr>
+                    <a:xfrm flipV="1">
+                      <a:off x="1516583" y="680744"/>
+                      <a:ext cx="7683" cy="1859535"/>
+                    </a:xfrm>
+                    <a:prstGeom prst="straightConnector1">
+                      <a:avLst/>
+                    </a:prstGeom>
+                    <a:ln w="38100">
+                      <a:solidFill>
+                        <a:schemeClr val="tx1"/>
+                      </a:solidFill>
+                      <a:tailEnd type="triangle"/>
+                    </a:ln>
+                  </p:spPr>
+                  <p:style>
+                    <a:lnRef idx="1">
+                      <a:schemeClr val="accent1"/>
+                    </a:lnRef>
+                    <a:fillRef idx="0">
+                      <a:schemeClr val="accent1"/>
+                    </a:fillRef>
+                    <a:effectRef idx="0">
+                      <a:schemeClr val="accent1"/>
+                    </a:effectRef>
+                    <a:fontRef idx="minor">
+                      <a:schemeClr val="tx1"/>
+                    </a:fontRef>
+                  </p:style>
+                </p:cxnSp>
+                <p:cxnSp>
+                  <p:nvCxnSpPr>
+                    <p:cNvPr id="62" name="Straight Arrow Connector 61"/>
+                    <p:cNvCxnSpPr/>
+                    <p:nvPr/>
+                  </p:nvCxnSpPr>
+                  <p:spPr>
+                    <a:xfrm flipV="1">
+                      <a:off x="1477667" y="2535259"/>
+                      <a:ext cx="1874904" cy="0"/>
+                    </a:xfrm>
+                    <a:prstGeom prst="straightConnector1">
+                      <a:avLst/>
+                    </a:prstGeom>
+                    <a:ln w="38100">
+                      <a:solidFill>
+                        <a:schemeClr val="tx1"/>
+                      </a:solidFill>
+                      <a:tailEnd type="triangle"/>
+                    </a:ln>
+                  </p:spPr>
+                  <p:style>
+                    <a:lnRef idx="1">
+                      <a:schemeClr val="accent1"/>
+                    </a:lnRef>
+                    <a:fillRef idx="0">
+                      <a:schemeClr val="accent1"/>
+                    </a:fillRef>
+                    <a:effectRef idx="0">
+                      <a:schemeClr val="accent1"/>
+                    </a:effectRef>
+                    <a:fontRef idx="minor">
+                      <a:schemeClr val="tx1"/>
+                    </a:fontRef>
+                  </p:style>
+                </p:cxnSp>
+                <mc:AlternateContent xmlns:mc="http://schemas.openxmlformats.org/markup-compatibility/2006" xmlns:a14="http://schemas.microsoft.com/office/drawing/2010/main">
+                  <mc:Choice Requires="a14">
+                    <p:sp>
+                      <p:nvSpPr>
+                        <p:cNvPr id="63" name="Rectangle 62"/>
+                        <p:cNvSpPr/>
+                        <p:nvPr/>
+                      </p:nvSpPr>
+                      <p:spPr>
+                        <a:xfrm>
+                          <a:off x="2697555" y="2447016"/>
+                          <a:ext cx="367985" cy="369333"/>
+                        </a:xfrm>
+                        <a:prstGeom prst="rect">
+                          <a:avLst/>
+                        </a:prstGeom>
+                      </p:spPr>
+                      <p:txBody>
+                        <a:bodyPr wrap="none">
+                          <a:spAutoFit/>
+                        </a:bodyPr>
+                        <a:lstStyle/>
+                        <a:p>
+                          <a:pPr/>
+                          <a14:m>
+                            <m:oMathPara xmlns:m="http://schemas.openxmlformats.org/officeDocument/2006/math">
+                              <m:oMathParaPr>
+                                <m:jc m:val="centerGroup"/>
+                              </m:oMathParaPr>
+                              <m:oMath xmlns:m="http://schemas.openxmlformats.org/officeDocument/2006/math">
+                                <m:r>
+                                  <a:rPr lang="en-US" i="1">
+                                    <a:latin typeface="Cambria Math" panose="02040503050406030204" pitchFamily="18" charset="0"/>
+                                    <a:cs typeface="Arial" panose="020B0604020202020204" pitchFamily="34" charset="0"/>
+                                  </a:rPr>
+                                  <m:t>𝑥</m:t>
+                                </m:r>
+                              </m:oMath>
+                            </m:oMathPara>
+                          </a14:m>
+                          <a:endParaRPr lang="en-CA" dirty="0"/>
+                        </a:p>
+                      </p:txBody>
+                    </p:sp>
+                  </mc:Choice>
+                  <mc:Fallback xmlns="">
+                    <p:sp>
+                      <p:nvSpPr>
+                        <p:cNvPr id="107" name="Rectangle 106"/>
+                        <p:cNvSpPr>
+                          <a:spLocks noRot="1" noChangeAspect="1" noMove="1" noResize="1" noEditPoints="1" noAdjustHandles="1" noChangeArrowheads="1" noChangeShapeType="1" noTextEdit="1"/>
+                        </p:cNvSpPr>
+                        <p:nvPr/>
+                      </p:nvSpPr>
+                      <p:spPr>
+                        <a:xfrm>
+                          <a:off x="2697555" y="2447016"/>
+                          <a:ext cx="367985" cy="369333"/>
+                        </a:xfrm>
+                        <a:prstGeom prst="rect">
+                          <a:avLst/>
+                        </a:prstGeom>
+                        <a:blipFill>
+                          <a:blip r:embed="rId27"/>
+                          <a:stretch>
+                            <a:fillRect r="-95238" b="-160000"/>
+                          </a:stretch>
+                        </a:blipFill>
+                      </p:spPr>
+                      <p:txBody>
+                        <a:bodyPr/>
+                        <a:lstStyle/>
+                        <a:p>
+                          <a:r>
+                            <a:rPr lang="en-US">
+                              <a:noFill/>
+                            </a:rPr>
+                            <a:t> </a:t>
+                          </a:r>
+                        </a:p>
+                      </p:txBody>
+                    </p:sp>
+                  </mc:Fallback>
+                </mc:AlternateContent>
+                <mc:AlternateContent xmlns:mc="http://schemas.openxmlformats.org/markup-compatibility/2006" xmlns:a14="http://schemas.microsoft.com/office/drawing/2010/main">
+                  <mc:Choice Requires="a14">
+                    <p:sp>
+                      <p:nvSpPr>
+                        <p:cNvPr id="64" name="Rectangle 63"/>
+                        <p:cNvSpPr/>
+                        <p:nvPr/>
+                      </p:nvSpPr>
+                      <p:spPr>
+                        <a:xfrm>
+                          <a:off x="785815" y="912420"/>
+                          <a:ext cx="371385" cy="369333"/>
+                        </a:xfrm>
+                        <a:prstGeom prst="rect">
+                          <a:avLst/>
+                        </a:prstGeom>
+                      </p:spPr>
+                      <p:txBody>
+                        <a:bodyPr wrap="none">
+                          <a:spAutoFit/>
+                        </a:bodyPr>
+                        <a:lstStyle/>
+                        <a:p>
+                          <a:pPr/>
+                          <a14:m>
+                            <m:oMathPara xmlns:m="http://schemas.openxmlformats.org/officeDocument/2006/math">
+                              <m:oMathParaPr>
+                                <m:jc m:val="centerGroup"/>
+                              </m:oMathParaPr>
+                              <m:oMath xmlns:m="http://schemas.openxmlformats.org/officeDocument/2006/math">
+                                <m:r>
+                                  <a:rPr lang="en-US" b="0" i="1" smtClean="0">
+                                    <a:latin typeface="Cambria Math" panose="02040503050406030204" pitchFamily="18" charset="0"/>
+                                  </a:rPr>
+                                  <m:t>𝑦</m:t>
+                                </m:r>
+                              </m:oMath>
+                            </m:oMathPara>
+                          </a14:m>
+                          <a:endParaRPr lang="en-CA" dirty="0"/>
+                        </a:p>
+                      </p:txBody>
+                    </p:sp>
+                  </mc:Choice>
+                  <mc:Fallback xmlns="">
+                    <p:sp>
+                      <p:nvSpPr>
+                        <p:cNvPr id="108" name="Rectangle 107"/>
+                        <p:cNvSpPr>
+                          <a:spLocks noRot="1" noChangeAspect="1" noMove="1" noResize="1" noEditPoints="1" noAdjustHandles="1" noChangeArrowheads="1" noChangeShapeType="1" noTextEdit="1"/>
+                        </p:cNvSpPr>
+                        <p:nvPr/>
+                      </p:nvSpPr>
+                      <p:spPr>
+                        <a:xfrm>
+                          <a:off x="785815" y="912420"/>
+                          <a:ext cx="371385" cy="369333"/>
+                        </a:xfrm>
+                        <a:prstGeom prst="rect">
+                          <a:avLst/>
+                        </a:prstGeom>
+                        <a:blipFill>
+                          <a:blip r:embed="rId28"/>
+                          <a:stretch>
+                            <a:fillRect l="-19048" r="-114286" b="-220000"/>
+                          </a:stretch>
+                        </a:blipFill>
+                      </p:spPr>
+                      <p:txBody>
+                        <a:bodyPr/>
+                        <a:lstStyle/>
+                        <a:p>
+                          <a:r>
+                            <a:rPr lang="en-US">
+                              <a:noFill/>
+                            </a:rPr>
+                            <a:t> </a:t>
+                          </a:r>
+                        </a:p>
+                      </p:txBody>
+                    </p:sp>
+                  </mc:Fallback>
+                </mc:AlternateContent>
+                <mc:AlternateContent xmlns:mc="http://schemas.openxmlformats.org/markup-compatibility/2006" xmlns:a14="http://schemas.microsoft.com/office/drawing/2010/main">
+                  <mc:Choice Requires="a14">
+                    <p:sp>
+                      <p:nvSpPr>
+                        <p:cNvPr id="65" name="Rectangle 64"/>
+                        <p:cNvSpPr/>
+                        <p:nvPr/>
+                      </p:nvSpPr>
+                      <p:spPr>
+                        <a:xfrm>
+                          <a:off x="1006642" y="2350591"/>
+                          <a:ext cx="367985" cy="369333"/>
+                        </a:xfrm>
+                        <a:prstGeom prst="rect">
+                          <a:avLst/>
+                        </a:prstGeom>
+                      </p:spPr>
+                      <p:txBody>
+                        <a:bodyPr wrap="none">
+                          <a:spAutoFit/>
+                        </a:bodyPr>
+                        <a:lstStyle/>
+                        <a:p>
+                          <a:pPr/>
+                          <a14:m>
+                            <m:oMathPara xmlns:m="http://schemas.openxmlformats.org/officeDocument/2006/math">
+                              <m:oMathParaPr>
+                                <m:jc m:val="centerGroup"/>
+                              </m:oMathParaPr>
+                              <m:oMath xmlns:m="http://schemas.openxmlformats.org/officeDocument/2006/math">
+                                <m:r>
+                                  <a:rPr lang="en-US" b="0" i="1" smtClean="0">
+                                    <a:latin typeface="Cambria Math" panose="02040503050406030204" pitchFamily="18" charset="0"/>
+                                    <a:cs typeface="Arial" panose="020B0604020202020204" pitchFamily="34" charset="0"/>
+                                  </a:rPr>
+                                  <m:t>0</m:t>
+                                </m:r>
+                              </m:oMath>
+                            </m:oMathPara>
+                          </a14:m>
+                          <a:endParaRPr lang="en-CA" dirty="0"/>
+                        </a:p>
+                      </p:txBody>
+                    </p:sp>
+                  </mc:Choice>
+                  <mc:Fallback xmlns="">
+                    <p:sp>
+                      <p:nvSpPr>
+                        <p:cNvPr id="109" name="Rectangle 108"/>
+                        <p:cNvSpPr>
+                          <a:spLocks noRot="1" noChangeAspect="1" noMove="1" noResize="1" noEditPoints="1" noAdjustHandles="1" noChangeArrowheads="1" noChangeShapeType="1" noTextEdit="1"/>
+                        </p:cNvSpPr>
+                        <p:nvPr/>
+                      </p:nvSpPr>
+                      <p:spPr>
+                        <a:xfrm>
+                          <a:off x="1006642" y="2350591"/>
+                          <a:ext cx="367985" cy="369333"/>
+                        </a:xfrm>
+                        <a:prstGeom prst="rect">
+                          <a:avLst/>
+                        </a:prstGeom>
+                        <a:blipFill>
+                          <a:blip r:embed="rId29"/>
+                          <a:stretch>
+                            <a:fillRect l="-14286" r="-114286" b="-180000"/>
+                          </a:stretch>
+                        </a:blipFill>
+                      </p:spPr>
+                      <p:txBody>
+                        <a:bodyPr/>
+                        <a:lstStyle/>
+                        <a:p>
+                          <a:r>
+                            <a:rPr lang="en-US">
+                              <a:noFill/>
+                            </a:rPr>
+                            <a:t> </a:t>
+                          </a:r>
+                        </a:p>
+                      </p:txBody>
+                    </p:sp>
+                  </mc:Fallback>
+                </mc:AlternateContent>
+              </p:grpSp>
+              <p:sp>
+                <p:nvSpPr>
+                  <p:cNvPr id="60" name="Rectangle 59"/>
+                  <p:cNvSpPr/>
+                  <p:nvPr/>
+                </p:nvSpPr>
+                <p:spPr>
+                  <a:xfrm>
+                    <a:off x="1129904" y="1614682"/>
+                    <a:ext cx="184731" cy="369332"/>
+                  </a:xfrm>
+                  <a:prstGeom prst="rect">
+                    <a:avLst/>
+                  </a:prstGeom>
+                </p:spPr>
+                <p:txBody>
+                  <a:bodyPr wrap="none">
+                    <a:spAutoFit/>
+                  </a:bodyPr>
+                  <a:lstStyle/>
+                  <a:p>
+                    <a:endParaRPr lang="en-CA" dirty="0"/>
+                  </a:p>
+                </p:txBody>
+              </p:sp>
+            </p:grpSp>
           </p:grpSp>
-          <p:cxnSp>
-            <p:nvCxnSpPr>
-              <p:cNvPr id="30" name="Straight Connector 29"/>
-              <p:cNvCxnSpPr/>
-              <p:nvPr/>
-            </p:nvCxnSpPr>
-            <p:spPr>
-              <a:xfrm>
-                <a:off x="1918877" y="2783067"/>
-                <a:ext cx="216000" cy="0"/>
-              </a:xfrm>
-              <a:prstGeom prst="line">
-                <a:avLst/>
-              </a:prstGeom>
-              <a:ln w="28575">
-                <a:solidFill>
-                  <a:schemeClr val="tx1"/>
-                </a:solidFill>
-                <a:prstDash val="solid"/>
-              </a:ln>
-            </p:spPr>
-            <p:style>
-              <a:lnRef idx="1">
-                <a:schemeClr val="accent1"/>
-              </a:lnRef>
-              <a:fillRef idx="0">
-                <a:schemeClr val="accent1"/>
-              </a:fillRef>
-              <a:effectRef idx="0">
-                <a:schemeClr val="accent1"/>
-              </a:effectRef>
-              <a:fontRef idx="minor">
-                <a:schemeClr val="tx1"/>
-              </a:fontRef>
-            </p:style>
-          </p:cxnSp>
-          <p:cxnSp>
-            <p:nvCxnSpPr>
-              <p:cNvPr id="36" name="Straight Connector 35"/>
-              <p:cNvCxnSpPr/>
-              <p:nvPr/>
-            </p:nvCxnSpPr>
-            <p:spPr>
-              <a:xfrm>
-                <a:off x="1921377" y="3190297"/>
-                <a:ext cx="216000" cy="0"/>
-              </a:xfrm>
-              <a:prstGeom prst="line">
-                <a:avLst/>
-              </a:prstGeom>
-              <a:ln w="28575">
-                <a:solidFill>
-                  <a:schemeClr val="tx1"/>
-                </a:solidFill>
-                <a:prstDash val="solid"/>
-              </a:ln>
-            </p:spPr>
-            <p:style>
-              <a:lnRef idx="1">
-                <a:schemeClr val="accent1"/>
-              </a:lnRef>
-              <a:fillRef idx="0">
-                <a:schemeClr val="accent1"/>
-              </a:fillRef>
-              <a:effectRef idx="0">
-                <a:schemeClr val="accent1"/>
-              </a:effectRef>
-              <a:fontRef idx="minor">
-                <a:schemeClr val="tx1"/>
-              </a:fontRef>
-            </p:style>
-          </p:cxnSp>
-          <p:cxnSp>
-            <p:nvCxnSpPr>
-              <p:cNvPr id="37" name="Straight Connector 36"/>
-              <p:cNvCxnSpPr/>
-              <p:nvPr/>
-            </p:nvCxnSpPr>
-            <p:spPr>
-              <a:xfrm flipH="1">
-                <a:off x="2017338" y="2794723"/>
-                <a:ext cx="1508" cy="401359"/>
-              </a:xfrm>
-              <a:prstGeom prst="line">
-                <a:avLst/>
-              </a:prstGeom>
-              <a:ln w="28575">
-                <a:solidFill>
-                  <a:schemeClr val="tx1"/>
-                </a:solidFill>
-                <a:prstDash val="solid"/>
-              </a:ln>
-            </p:spPr>
-            <p:style>
-              <a:lnRef idx="1">
-                <a:schemeClr val="accent1"/>
-              </a:lnRef>
-              <a:fillRef idx="0">
-                <a:schemeClr val="accent1"/>
-              </a:fillRef>
-              <a:effectRef idx="0">
-                <a:schemeClr val="accent1"/>
-              </a:effectRef>
-              <a:fontRef idx="minor">
-                <a:schemeClr val="tx1"/>
-              </a:fontRef>
-            </p:style>
-          </p:cxnSp>
           <mc:AlternateContent xmlns:mc="http://schemas.openxmlformats.org/markup-compatibility/2006" xmlns:a14="http://schemas.microsoft.com/office/drawing/2010/main">
             <mc:Choice Requires="a14">
               <p:sp>
                 <p:nvSpPr>
-                  <p:cNvPr id="48" name="TextBox 47"/>
+                  <p:cNvPr id="117" name="TextBox 116"/>
                   <p:cNvSpPr txBox="1"/>
                   <p:nvPr/>
                 </p:nvSpPr>
                 <p:spPr>
-                  <a:xfrm flipH="1">
-                    <a:off x="1630453" y="2845247"/>
-                    <a:ext cx="305418" cy="276999"/>
+                  <a:xfrm>
+                    <a:off x="3465095" y="2854078"/>
+                    <a:ext cx="554061" cy="215444"/>
                   </a:xfrm>
                   <a:prstGeom prst="rect">
                     <a:avLst/>
@@ -7257,7 +7778,7 @@
                   <a:noFill/>
                 </p:spPr>
                 <p:txBody>
-                  <a:bodyPr wrap="square" lIns="0" tIns="0" rIns="0" bIns="0" rtlCol="0">
+                  <a:bodyPr wrap="none" lIns="0" tIns="0" rIns="0" bIns="0" rtlCol="0">
                     <a:spAutoFit/>
                   </a:bodyPr>
                   <a:lstStyle/>
@@ -7270,15 +7791,56 @@
                         </m:oMathParaPr>
                         <m:oMath xmlns:m="http://schemas.openxmlformats.org/officeDocument/2006/math">
                           <m:r>
-                            <a:rPr lang="en-CA" b="0" i="1" smtClean="0">
+                            <a:rPr lang="en-US" sz="1400" i="1" smtClean="0">
                               <a:latin typeface="Cambria Math" charset="0"/>
+                              <a:ea typeface="Cambria Math" charset="0"/>
+                              <a:cs typeface="Cambria Math" charset="0"/>
                             </a:rPr>
-                            <m:t>h</m:t>
+                            <m:t>𝜃</m:t>
                           </m:r>
+                          <m:r>
+                            <a:rPr lang="en-CA" sz="1400" b="0" i="1" smtClean="0">
+                              <a:latin typeface="Cambria Math" charset="0"/>
+                              <a:ea typeface="Cambria Math" charset="0"/>
+                              <a:cs typeface="Cambria Math" charset="0"/>
+                            </a:rPr>
+                            <m:t>=</m:t>
+                          </m:r>
+                          <m:sSub>
+                            <m:sSubPr>
+                              <m:ctrlPr>
+                                <a:rPr lang="en-CA" sz="1400" b="0" i="1" smtClean="0">
+                                  <a:latin typeface="Cambria Math" panose="02040503050406030204" pitchFamily="18" charset="0"/>
+                                  <a:ea typeface="Cambria Math" charset="0"/>
+                                  <a:cs typeface="Cambria Math" charset="0"/>
+                                </a:rPr>
+                              </m:ctrlPr>
+                            </m:sSubPr>
+                            <m:e>
+                              <m:r>
+                                <a:rPr lang="en-CA" sz="1400" b="0" i="1" smtClean="0">
+                                  <a:latin typeface="Cambria Math" charset="0"/>
+                                  <a:ea typeface="Cambria Math" charset="0"/>
+                                  <a:cs typeface="Cambria Math" charset="0"/>
+                                </a:rPr>
+                                <m:t>𝜃</m:t>
+                              </m:r>
+                            </m:e>
+                            <m:sub>
+                              <m:r>
+                                <a:rPr lang="en-CA" sz="1400" b="0" i="1" smtClean="0">
+                                  <a:latin typeface="Cambria Math" charset="0"/>
+                                  <a:ea typeface="Cambria Math" charset="0"/>
+                                  <a:cs typeface="Cambria Math" charset="0"/>
+                                </a:rPr>
+                                <m:t>1</m:t>
+                              </m:r>
+                            </m:sub>
+                          </m:sSub>
                         </m:oMath>
                       </m:oMathPara>
                     </a14:m>
-                    <a:endParaRPr lang="en-US" dirty="0"/>
+                    <a:endParaRPr lang="en-US" sz="1400" dirty="0"/>
                   </a:p>
                 </p:txBody>
               </p:sp>
@@ -7286,24 +7848,24 @@
             <mc:Fallback xmlns="">
               <p:sp>
                 <p:nvSpPr>
-                  <p:cNvPr id="48" name="TextBox 47"/>
+                  <p:cNvPr id="117" name="TextBox 116"/>
                   <p:cNvSpPr txBox="1">
                     <a:spLocks noRot="1" noChangeAspect="1" noMove="1" noResize="1" noEditPoints="1" noAdjustHandles="1" noChangeArrowheads="1" noChangeShapeType="1" noTextEdit="1"/>
                   </p:cNvSpPr>
                   <p:nvPr/>
                 </p:nvSpPr>
                 <p:spPr>
-                  <a:xfrm flipH="1">
-                    <a:off x="1630453" y="2845247"/>
-                    <a:ext cx="305418" cy="276999"/>
+                  <a:xfrm>
+                    <a:off x="3465095" y="2854078"/>
+                    <a:ext cx="554061" cy="215444"/>
                   </a:xfrm>
                   <a:prstGeom prst="rect">
                     <a:avLst/>
                   </a:prstGeom>
                   <a:blipFill rotWithShape="0">
-                    <a:blip r:embed="rId44"/>
+                    <a:blip r:embed="rId46"/>
                     <a:stretch>
-                      <a:fillRect b="-8889"/>
+                      <a:fillRect l="-6593" r="-1099" b="-11111"/>
                     </a:stretch>
                   </a:blipFill>
                 </p:spPr>
@@ -7322,37 +7884,346 @@
               </p:sp>
             </mc:Fallback>
           </mc:AlternateContent>
+          <mc:AlternateContent xmlns:mc="http://schemas.openxmlformats.org/markup-compatibility/2006" xmlns:a14="http://schemas.microsoft.com/office/drawing/2010/main">
+            <mc:Choice Requires="a14">
+              <p:sp>
+                <p:nvSpPr>
+                  <p:cNvPr id="118" name="TextBox 117"/>
+                  <p:cNvSpPr txBox="1"/>
+                  <p:nvPr/>
+                </p:nvSpPr>
+                <p:spPr>
+                  <a:xfrm>
+                    <a:off x="1959228" y="3273818"/>
+                    <a:ext cx="480131" cy="215444"/>
+                  </a:xfrm>
+                  <a:prstGeom prst="rect">
+                    <a:avLst/>
+                  </a:prstGeom>
+                  <a:noFill/>
+                </p:spPr>
+                <p:txBody>
+                  <a:bodyPr wrap="none" lIns="0" tIns="0" rIns="0" bIns="0" rtlCol="0">
+                    <a:spAutoFit/>
+                  </a:bodyPr>
+                  <a:lstStyle/>
+                  <a:p>
+                    <a:pPr/>
+                    <a14:m>
+                      <m:oMathPara xmlns:m="http://schemas.openxmlformats.org/officeDocument/2006/math">
+                        <m:oMathParaPr>
+                          <m:jc m:val="centerGroup"/>
+                        </m:oMathParaPr>
+                        <m:oMath xmlns:m="http://schemas.openxmlformats.org/officeDocument/2006/math">
+                          <m:r>
+                            <a:rPr lang="en-US" sz="1400" i="1" smtClean="0">
+                              <a:latin typeface="Cambria Math" charset="0"/>
+                              <a:ea typeface="Cambria Math" charset="0"/>
+                              <a:cs typeface="Cambria Math" charset="0"/>
+                            </a:rPr>
+                            <m:t>𝜃</m:t>
+                          </m:r>
+                          <m:r>
+                            <a:rPr lang="en-CA" sz="1400" b="0" i="1" smtClean="0">
+                              <a:latin typeface="Cambria Math" charset="0"/>
+                              <a:ea typeface="Cambria Math" charset="0"/>
+                              <a:cs typeface="Cambria Math" charset="0"/>
+                            </a:rPr>
+                            <m:t>=0</m:t>
+                          </m:r>
+                        </m:oMath>
+                      </m:oMathPara>
+                    </a14:m>
+                    <a:endParaRPr lang="en-US" sz="1400" dirty="0"/>
+                  </a:p>
+                </p:txBody>
+              </p:sp>
+            </mc:Choice>
+            <mc:Fallback xmlns="">
+              <p:sp>
+                <p:nvSpPr>
+                  <p:cNvPr id="118" name="TextBox 117"/>
+                  <p:cNvSpPr txBox="1">
+                    <a:spLocks noRot="1" noChangeAspect="1" noMove="1" noResize="1" noEditPoints="1" noAdjustHandles="1" noChangeArrowheads="1" noChangeShapeType="1" noTextEdit="1"/>
+                  </p:cNvSpPr>
+                  <p:nvPr/>
+                </p:nvSpPr>
+                <p:spPr>
+                  <a:xfrm>
+                    <a:off x="1959228" y="3273818"/>
+                    <a:ext cx="480131" cy="215444"/>
+                  </a:xfrm>
+                  <a:prstGeom prst="rect">
+                    <a:avLst/>
+                  </a:prstGeom>
+                  <a:blipFill rotWithShape="0">
+                    <a:blip r:embed="rId47"/>
+                    <a:stretch>
+                      <a:fillRect l="-7595" r="-8861" b="-8571"/>
+                    </a:stretch>
+                  </a:blipFill>
+                </p:spPr>
+                <p:txBody>
+                  <a:bodyPr/>
+                  <a:lstStyle/>
+                  <a:p>
+                    <a:r>
+                      <a:rPr lang="en-US">
+                        <a:noFill/>
+                      </a:rPr>
+                      <a:t> </a:t>
+                    </a:r>
+                  </a:p>
+                </p:txBody>
+              </p:sp>
+            </mc:Fallback>
+          </mc:AlternateContent>
+        </p:grpSp>
+        <p:cxnSp>
+          <p:nvCxnSpPr>
+            <p:cNvPr id="27" name="Straight Arrow Connector 26"/>
+            <p:cNvCxnSpPr>
+              <a:stCxn id="19" idx="6"/>
+            </p:cNvCxnSpPr>
+            <p:nvPr/>
+          </p:nvCxnSpPr>
+          <p:spPr>
+            <a:xfrm>
+              <a:off x="3922739" y="2757636"/>
+              <a:ext cx="573347" cy="1990"/>
+            </a:xfrm>
+            <a:prstGeom prst="straightConnector1">
+              <a:avLst/>
+            </a:prstGeom>
+            <a:ln w="38100">
+              <a:solidFill>
+                <a:schemeClr val="tx1"/>
+              </a:solidFill>
+              <a:tailEnd type="triangle"/>
+            </a:ln>
+          </p:spPr>
+          <p:style>
+            <a:lnRef idx="1">
+              <a:schemeClr val="accent1"/>
+            </a:lnRef>
+            <a:fillRef idx="0">
+              <a:schemeClr val="accent1"/>
+            </a:fillRef>
+            <a:effectRef idx="0">
+              <a:schemeClr val="accent1"/>
+            </a:effectRef>
+            <a:fontRef idx="minor">
+              <a:schemeClr val="tx1"/>
+            </a:fontRef>
+          </p:style>
+        </p:cxnSp>
+        <mc:AlternateContent xmlns:mc="http://schemas.openxmlformats.org/markup-compatibility/2006">
+          <mc:Choice xmlns:a14="http://schemas.microsoft.com/office/drawing/2010/main" Requires="a14">
+            <p:sp>
+              <p:nvSpPr>
+                <p:cNvPr id="29" name="TextBox 28"/>
+                <p:cNvSpPr txBox="1"/>
+                <p:nvPr/>
+              </p:nvSpPr>
+              <p:spPr>
+                <a:xfrm>
+                  <a:off x="4230706" y="2384557"/>
+                  <a:ext cx="237629" cy="345159"/>
+                </a:xfrm>
+                <a:prstGeom prst="rect">
+                  <a:avLst/>
+                </a:prstGeom>
+                <a:noFill/>
+              </p:spPr>
+              <p:txBody>
+                <a:bodyPr wrap="none" lIns="0" tIns="0" rIns="0" bIns="0" rtlCol="0">
+                  <a:spAutoFit/>
+                </a:bodyPr>
+                <a:lstStyle/>
+                <a:p>
+                  <a14:m>
+                    <m:oMathPara xmlns:m="http://schemas.openxmlformats.org/officeDocument/2006/math">
+                      <m:oMathParaPr>
+                        <m:jc m:val="centerGroup"/>
+                      </m:oMathParaPr>
+                      <m:oMath xmlns:m="http://schemas.openxmlformats.org/officeDocument/2006/math">
+                        <m:acc>
+                          <m:accPr>
+                            <m:chr m:val="⃗"/>
+                            <m:ctrlPr>
+                              <a:rPr lang="en-US" sz="2000" b="0" i="1" smtClean="0">
+                                <a:latin typeface="Cambria Math" panose="02040503050406030204" pitchFamily="18" charset="0"/>
+                                <a:cs typeface="Arial" panose="020B0604020202020204" pitchFamily="34" charset="0"/>
+                              </a:rPr>
+                            </m:ctrlPr>
+                          </m:accPr>
+                          <m:e>
+                            <m:r>
+                              <a:rPr lang="en-US" sz="2000" b="0" i="1" smtClean="0">
+                                <a:latin typeface="Cambria Math" panose="02040503050406030204" pitchFamily="18" charset="0"/>
+                                <a:cs typeface="Arial" panose="020B0604020202020204" pitchFamily="34" charset="0"/>
+                              </a:rPr>
+                              <m:t>𝐹</m:t>
+                            </m:r>
+                          </m:e>
+                        </m:acc>
+                      </m:oMath>
+                    </m:oMathPara>
+                  </a14:m>
+                  <a:endParaRPr lang="en-US" sz="2000" dirty="0" smtClean="0">
+                    <a:latin typeface="Arial" panose="020B0604020202020204" pitchFamily="34" charset="0"/>
+                    <a:cs typeface="Arial" panose="020B0604020202020204" pitchFamily="34" charset="0"/>
+                  </a:endParaRPr>
+                </a:p>
+              </p:txBody>
+            </p:sp>
+          </mc:Choice>
+          <mc:Fallback>
+            <p:sp>
+              <p:nvSpPr>
+                <p:cNvPr id="29" name="TextBox 28"/>
+                <p:cNvSpPr txBox="1">
+                  <a:spLocks noRot="1" noChangeAspect="1" noMove="1" noResize="1" noEditPoints="1" noAdjustHandles="1" noChangeArrowheads="1" noChangeShapeType="1" noTextEdit="1"/>
+                </p:cNvSpPr>
+                <p:nvPr/>
+              </p:nvSpPr>
+              <p:spPr>
+                <a:xfrm>
+                  <a:off x="4230706" y="2384557"/>
+                  <a:ext cx="237629" cy="345159"/>
+                </a:xfrm>
+                <a:prstGeom prst="rect">
+                  <a:avLst/>
+                </a:prstGeom>
+                <a:blipFill>
+                  <a:blip r:embed="rId48"/>
+                  <a:stretch>
+                    <a:fillRect l="-23077" t="-33333" r="-89744" b="-8772"/>
+                  </a:stretch>
+                </a:blipFill>
+              </p:spPr>
+              <p:txBody>
+                <a:bodyPr/>
+                <a:lstStyle/>
+                <a:p>
+                  <a:r>
+                    <a:rPr lang="en-US">
+                      <a:noFill/>
+                    </a:rPr>
+                    <a:t> </a:t>
+                  </a:r>
+                </a:p>
+              </p:txBody>
+            </p:sp>
+          </mc:Fallback>
+        </mc:AlternateContent>
+      </p:grpSp>
+      <p:grpSp>
+        <p:nvGrpSpPr>
+          <p:cNvPr id="50" name="Group 49"/>
+          <p:cNvGrpSpPr/>
+          <p:nvPr/>
+        </p:nvGrpSpPr>
+        <p:grpSpPr>
+          <a:xfrm>
+            <a:off x="7927596" y="1613463"/>
+            <a:ext cx="2209779" cy="2161399"/>
+            <a:chOff x="7927596" y="1613463"/>
+            <a:chExt cx="2209779" cy="2161399"/>
+          </a:xfrm>
+        </p:grpSpPr>
+        <p:sp>
+          <p:nvSpPr>
+            <p:cNvPr id="79" name="Arc 78"/>
+            <p:cNvSpPr/>
+            <p:nvPr/>
+          </p:nvSpPr>
+          <p:spPr>
+            <a:xfrm>
+              <a:off x="7927596" y="1613463"/>
+              <a:ext cx="1822893" cy="1835589"/>
+            </a:xfrm>
+            <a:prstGeom prst="arc">
+              <a:avLst>
+                <a:gd name="adj1" fmla="val 21554106"/>
+                <a:gd name="adj2" fmla="val 5314264"/>
+              </a:avLst>
+            </a:prstGeom>
+            <a:ln w="19050">
+              <a:solidFill>
+                <a:schemeClr val="tx1"/>
+              </a:solidFill>
+              <a:prstDash val="dash"/>
+            </a:ln>
+          </p:spPr>
+          <p:style>
+            <a:lnRef idx="1">
+              <a:schemeClr val="accent1"/>
+            </a:lnRef>
+            <a:fillRef idx="0">
+              <a:schemeClr val="accent1"/>
+            </a:fillRef>
+            <a:effectRef idx="0">
+              <a:schemeClr val="accent1"/>
+            </a:effectRef>
+            <a:fontRef idx="minor">
+              <a:schemeClr val="tx1"/>
+            </a:fontRef>
+          </p:style>
+          <p:txBody>
+            <a:bodyPr rtlCol="0" anchor="ctr"/>
+            <a:lstStyle/>
+            <a:p>
+              <a:pPr algn="ctr"/>
+              <a:endParaRPr lang="en-US"/>
+            </a:p>
+          </p:txBody>
+        </p:sp>
+        <p:grpSp>
+          <p:nvGrpSpPr>
+            <p:cNvPr id="49" name="Group 48"/>
+            <p:cNvGrpSpPr/>
+            <p:nvPr/>
+          </p:nvGrpSpPr>
+          <p:grpSpPr>
+            <a:xfrm>
+              <a:off x="8609212" y="1906354"/>
+              <a:ext cx="1528163" cy="1868508"/>
+              <a:chOff x="8609212" y="1906354"/>
+              <a:chExt cx="1528163" cy="1868508"/>
+            </a:xfrm>
+          </p:grpSpPr>
           <p:grpSp>
             <p:nvGrpSpPr>
-              <p:cNvPr id="51" name="Group 50"/>
+              <p:cNvPr id="80" name="Group 79"/>
               <p:cNvGrpSpPr/>
               <p:nvPr/>
             </p:nvGrpSpPr>
             <p:grpSpPr>
               <a:xfrm>
-                <a:off x="4063877" y="389011"/>
-                <a:ext cx="888629" cy="709995"/>
+                <a:off x="8609212" y="1906354"/>
+                <a:ext cx="898789" cy="709995"/>
                 <a:chOff x="758520" y="708040"/>
-                <a:chExt cx="2566756" cy="2135605"/>
+                <a:chExt cx="2596102" cy="2135605"/>
               </a:xfrm>
             </p:grpSpPr>
             <p:grpSp>
               <p:nvGrpSpPr>
-                <p:cNvPr id="59" name="Group 58"/>
+                <p:cNvPr id="83" name="Group 82"/>
                 <p:cNvGrpSpPr/>
                 <p:nvPr/>
               </p:nvGrpSpPr>
               <p:grpSpPr>
                 <a:xfrm>
                   <a:off x="758520" y="708040"/>
-                  <a:ext cx="2566756" cy="2135605"/>
+                  <a:ext cx="2596102" cy="2135605"/>
                   <a:chOff x="785815" y="680744"/>
-                  <a:chExt cx="2566756" cy="2135605"/>
+                  <a:chExt cx="2596102" cy="2135605"/>
                 </a:xfrm>
               </p:grpSpPr>
               <p:cxnSp>
                 <p:nvCxnSpPr>
-                  <p:cNvPr id="61" name="Straight Arrow Connector 60"/>
+                  <p:cNvPr id="85" name="Straight Arrow Connector 84"/>
                   <p:cNvCxnSpPr/>
                   <p:nvPr/>
                 </p:nvCxnSpPr>
@@ -7388,14 +8259,14 @@
               </p:cxnSp>
               <p:cxnSp>
                 <p:nvCxnSpPr>
-                  <p:cNvPr id="62" name="Straight Arrow Connector 61"/>
+                  <p:cNvPr id="87" name="Straight Arrow Connector 86"/>
                   <p:cNvCxnSpPr/>
                   <p:nvPr/>
                 </p:nvCxnSpPr>
                 <p:spPr>
                   <a:xfrm flipV="1">
-                    <a:off x="1477667" y="2535259"/>
-                    <a:ext cx="1874904" cy="0"/>
+                    <a:off x="1507013" y="2535259"/>
+                    <a:ext cx="1874904" cy="1"/>
                   </a:xfrm>
                   <a:prstGeom prst="straightConnector1">
                     <a:avLst/>
@@ -7426,7 +8297,7 @@
                 <mc:Choice Requires="a14">
                   <p:sp>
                     <p:nvSpPr>
-                      <p:cNvPr id="63" name="Rectangle 62"/>
+                      <p:cNvPr id="88" name="Rectangle 87"/>
                       <p:cNvSpPr/>
                       <p:nvPr/>
                     </p:nvSpPr>
@@ -7485,7 +8356,7 @@
                         <a:avLst/>
                       </a:prstGeom>
                       <a:blipFill>
-                        <a:blip r:embed="rId27"/>
+                        <a:blip r:embed="rId49"/>
                         <a:stretch>
                           <a:fillRect r="-95238" b="-160000"/>
                         </a:stretch>
@@ -7510,7 +8381,7 @@
                 <mc:Choice Requires="a14">
                   <p:sp>
                     <p:nvSpPr>
-                      <p:cNvPr id="64" name="Rectangle 63"/>
+                      <p:cNvPr id="90" name="Rectangle 89"/>
                       <p:cNvSpPr/>
                       <p:nvPr/>
                     </p:nvSpPr>
@@ -7568,7 +8439,7 @@
                         <a:avLst/>
                       </a:prstGeom>
                       <a:blipFill>
-                        <a:blip r:embed="rId28"/>
+                        <a:blip r:embed="rId50"/>
                         <a:stretch>
                           <a:fillRect l="-19048" r="-114286" b="-220000"/>
                         </a:stretch>
@@ -7589,17 +8460,17 @@
                   </p:sp>
                 </mc:Fallback>
               </mc:AlternateContent>
-              <mc:AlternateContent xmlns:mc="http://schemas.openxmlformats.org/markup-compatibility/2006" xmlns:a14="http://schemas.microsoft.com/office/drawing/2010/main">
-                <mc:Choice Requires="a14">
+              <mc:AlternateContent xmlns:mc="http://schemas.openxmlformats.org/markup-compatibility/2006">
+                <mc:Choice xmlns:a14="http://schemas.microsoft.com/office/drawing/2010/main" Requires="a14">
                   <p:sp>
                     <p:nvSpPr>
-                      <p:cNvPr id="65" name="Rectangle 64"/>
+                      <p:cNvPr id="91" name="Rectangle 90"/>
                       <p:cNvSpPr/>
                       <p:nvPr/>
                     </p:nvSpPr>
                     <p:spPr>
                       <a:xfrm>
-                        <a:off x="1006642" y="2350591"/>
+                        <a:off x="859297" y="2209752"/>
                         <a:ext cx="367985" cy="369333"/>
                       </a:xfrm>
                       <a:prstGeom prst="rect">
@@ -7634,10 +8505,10 @@
                     </p:txBody>
                   </p:sp>
                 </mc:Choice>
-                <mc:Fallback xmlns="">
+                <mc:Fallback>
                   <p:sp>
                     <p:nvSpPr>
-                      <p:cNvPr id="109" name="Rectangle 108"/>
+                      <p:cNvPr id="91" name="Rectangle 90"/>
                       <p:cNvSpPr>
                         <a:spLocks noRot="1" noChangeAspect="1" noMove="1" noResize="1" noEditPoints="1" noAdjustHandles="1" noChangeArrowheads="1" noChangeShapeType="1" noTextEdit="1"/>
                       </p:cNvSpPr>
@@ -7645,14 +8516,14 @@
                     </p:nvSpPr>
                     <p:spPr>
                       <a:xfrm>
-                        <a:off x="1006642" y="2350591"/>
+                        <a:off x="859297" y="2209752"/>
                         <a:ext cx="367985" cy="369333"/>
                       </a:xfrm>
                       <a:prstGeom prst="rect">
                         <a:avLst/>
                       </a:prstGeom>
                       <a:blipFill>
-                        <a:blip r:embed="rId29"/>
+                        <a:blip r:embed="rId51"/>
                         <a:stretch>
                           <a:fillRect l="-14286" r="-114286" b="-180000"/>
                         </a:stretch>
@@ -7676,7 +8547,7 @@
             </p:grpSp>
             <p:sp>
               <p:nvSpPr>
-                <p:cNvPr id="60" name="Rectangle 59"/>
+                <p:cNvPr id="84" name="Rectangle 83"/>
                 <p:cNvSpPr/>
                 <p:nvPr/>
               </p:nvSpPr>
@@ -7700,226 +8571,803 @@
               </p:txBody>
             </p:sp>
           </p:grpSp>
+          <p:cxnSp>
+            <p:nvCxnSpPr>
+              <p:cNvPr id="34" name="Straight Connector 33"/>
+              <p:cNvCxnSpPr/>
+              <p:nvPr/>
+            </p:nvCxnSpPr>
+            <p:spPr>
+              <a:xfrm>
+                <a:off x="8842668" y="2493562"/>
+                <a:ext cx="340780" cy="892407"/>
+              </a:xfrm>
+              <a:prstGeom prst="line">
+                <a:avLst/>
+              </a:prstGeom>
+              <a:ln w="9525">
+                <a:solidFill>
+                  <a:schemeClr val="tx1"/>
+                </a:solidFill>
+                <a:prstDash val="sysDot"/>
+              </a:ln>
+            </p:spPr>
+            <p:style>
+              <a:lnRef idx="1">
+                <a:schemeClr val="accent1"/>
+              </a:lnRef>
+              <a:fillRef idx="0">
+                <a:schemeClr val="accent1"/>
+              </a:fillRef>
+              <a:effectRef idx="0">
+                <a:schemeClr val="accent1"/>
+              </a:effectRef>
+              <a:fontRef idx="minor">
+                <a:schemeClr val="tx1"/>
+              </a:fontRef>
+            </p:style>
+          </p:cxnSp>
+          <p:cxnSp>
+            <p:nvCxnSpPr>
+              <p:cNvPr id="92" name="Straight Connector 91"/>
+              <p:cNvCxnSpPr/>
+              <p:nvPr/>
+            </p:nvCxnSpPr>
+            <p:spPr>
+              <a:xfrm>
+                <a:off x="8858896" y="2508231"/>
+                <a:ext cx="555801" cy="676185"/>
+              </a:xfrm>
+              <a:prstGeom prst="line">
+                <a:avLst/>
+              </a:prstGeom>
+              <a:ln w="9525">
+                <a:solidFill>
+                  <a:schemeClr val="tx1"/>
+                </a:solidFill>
+                <a:prstDash val="sysDot"/>
+              </a:ln>
+            </p:spPr>
+            <p:style>
+              <a:lnRef idx="1">
+                <a:schemeClr val="accent1"/>
+              </a:lnRef>
+              <a:fillRef idx="0">
+                <a:schemeClr val="accent1"/>
+              </a:fillRef>
+              <a:effectRef idx="0">
+                <a:schemeClr val="accent1"/>
+              </a:effectRef>
+              <a:fontRef idx="minor">
+                <a:schemeClr val="tx1"/>
+              </a:fontRef>
+            </p:style>
+          </p:cxnSp>
+          <p:cxnSp>
+            <p:nvCxnSpPr>
+              <p:cNvPr id="93" name="Straight Arrow Connector 92"/>
+              <p:cNvCxnSpPr/>
+              <p:nvPr/>
+            </p:nvCxnSpPr>
+            <p:spPr>
+              <a:xfrm flipV="1">
+                <a:off x="9183448" y="3203078"/>
+                <a:ext cx="324553" cy="181595"/>
+              </a:xfrm>
+              <a:prstGeom prst="straightConnector1">
+                <a:avLst/>
+              </a:prstGeom>
+              <a:ln w="38100">
+                <a:solidFill>
+                  <a:srgbClr val="FF0000"/>
+                </a:solidFill>
+                <a:tailEnd type="triangle"/>
+              </a:ln>
+            </p:spPr>
+            <p:style>
+              <a:lnRef idx="1">
+                <a:schemeClr val="accent1"/>
+              </a:lnRef>
+              <a:fillRef idx="0">
+                <a:schemeClr val="accent1"/>
+              </a:fillRef>
+              <a:effectRef idx="0">
+                <a:schemeClr val="accent1"/>
+              </a:effectRef>
+              <a:fontRef idx="minor">
+                <a:schemeClr val="tx1"/>
+              </a:fontRef>
+            </p:style>
+          </p:cxnSp>
+          <mc:AlternateContent xmlns:mc="http://schemas.openxmlformats.org/markup-compatibility/2006">
+            <mc:Choice xmlns:a14="http://schemas.microsoft.com/office/drawing/2010/main" Requires="a14">
+              <p:sp>
+                <p:nvSpPr>
+                  <p:cNvPr id="94" name="TextBox 93"/>
+                  <p:cNvSpPr txBox="1"/>
+                  <p:nvPr/>
+                </p:nvSpPr>
+                <p:spPr>
+                  <a:xfrm>
+                    <a:off x="9331210" y="2777186"/>
+                    <a:ext cx="317651" cy="353302"/>
+                  </a:xfrm>
+                  <a:prstGeom prst="rect">
+                    <a:avLst/>
+                  </a:prstGeom>
+                  <a:noFill/>
+                </p:spPr>
+                <p:txBody>
+                  <a:bodyPr wrap="none" lIns="0" tIns="0" rIns="0" bIns="0" rtlCol="0">
+                    <a:spAutoFit/>
+                  </a:bodyPr>
+                  <a:lstStyle/>
+                  <a:p>
+                    <a:pPr/>
+                    <a14:m>
+                      <m:oMathPara xmlns:m="http://schemas.openxmlformats.org/officeDocument/2006/math">
+                        <m:oMathParaPr>
+                          <m:jc m:val="centerGroup"/>
+                        </m:oMathParaPr>
+                        <m:oMath xmlns:m="http://schemas.openxmlformats.org/officeDocument/2006/math">
+                          <m:r>
+                            <a:rPr lang="en-US" sz="2000" b="0" i="1" smtClean="0">
+                              <a:solidFill>
+                                <a:srgbClr val="FF0000"/>
+                              </a:solidFill>
+                              <a:latin typeface="Cambria Math" panose="02040503050406030204" pitchFamily="18" charset="0"/>
+                              <a:cs typeface="Arial" panose="020B0604020202020204" pitchFamily="34" charset="0"/>
+                            </a:rPr>
+                            <m:t>𝑑</m:t>
+                          </m:r>
+                          <m:acc>
+                            <m:accPr>
+                              <m:chr m:val="⃗"/>
+                              <m:ctrlPr>
+                                <a:rPr lang="en-US" sz="2000" b="0" i="1" smtClean="0">
+                                  <a:solidFill>
+                                    <a:srgbClr val="FF0000"/>
+                                  </a:solidFill>
+                                  <a:latin typeface="Cambria Math" panose="02040503050406030204" pitchFamily="18" charset="0"/>
+                                  <a:cs typeface="Arial" panose="020B0604020202020204" pitchFamily="34" charset="0"/>
+                                </a:rPr>
+                              </m:ctrlPr>
+                            </m:accPr>
+                            <m:e>
+                              <m:r>
+                                <a:rPr lang="en-US" sz="2000" b="0" i="1" smtClean="0">
+                                  <a:solidFill>
+                                    <a:srgbClr val="FF0000"/>
+                                  </a:solidFill>
+                                  <a:latin typeface="Cambria Math" panose="02040503050406030204" pitchFamily="18" charset="0"/>
+                                  <a:cs typeface="Arial" panose="020B0604020202020204" pitchFamily="34" charset="0"/>
+                                </a:rPr>
+                                <m:t>𝑙</m:t>
+                              </m:r>
+                            </m:e>
+                          </m:acc>
+                        </m:oMath>
+                      </m:oMathPara>
+                    </a14:m>
+                    <a:endParaRPr lang="en-US" sz="2000" dirty="0" smtClean="0">
+                      <a:solidFill>
+                        <a:srgbClr val="FF0000"/>
+                      </a:solidFill>
+                      <a:latin typeface="Arial" panose="020B0604020202020204" pitchFamily="34" charset="0"/>
+                      <a:cs typeface="Arial" panose="020B0604020202020204" pitchFamily="34" charset="0"/>
+                    </a:endParaRPr>
+                  </a:p>
+                </p:txBody>
+              </p:sp>
+            </mc:Choice>
+            <mc:Fallback>
+              <p:sp>
+                <p:nvSpPr>
+                  <p:cNvPr id="94" name="TextBox 93"/>
+                  <p:cNvSpPr txBox="1">
+                    <a:spLocks noRot="1" noChangeAspect="1" noMove="1" noResize="1" noEditPoints="1" noAdjustHandles="1" noChangeArrowheads="1" noChangeShapeType="1" noTextEdit="1"/>
+                  </p:cNvSpPr>
+                  <p:nvPr/>
+                </p:nvSpPr>
+                <p:spPr>
+                  <a:xfrm>
+                    <a:off x="9331210" y="2777186"/>
+                    <a:ext cx="317651" cy="353302"/>
+                  </a:xfrm>
+                  <a:prstGeom prst="rect">
+                    <a:avLst/>
+                  </a:prstGeom>
+                  <a:blipFill>
+                    <a:blip r:embed="rId52"/>
+                    <a:stretch>
+                      <a:fillRect l="-17308" t="-34483" r="-103846" b="-8621"/>
+                    </a:stretch>
+                  </a:blipFill>
+                </p:spPr>
+                <p:txBody>
+                  <a:bodyPr/>
+                  <a:lstStyle/>
+                  <a:p>
+                    <a:r>
+                      <a:rPr lang="en-US">
+                        <a:noFill/>
+                      </a:rPr>
+                      <a:t> </a:t>
+                    </a:r>
+                  </a:p>
+                </p:txBody>
+              </p:sp>
+            </mc:Fallback>
+          </mc:AlternateContent>
+          <mc:AlternateContent xmlns:mc="http://schemas.openxmlformats.org/markup-compatibility/2006">
+            <mc:Choice xmlns:a14="http://schemas.microsoft.com/office/drawing/2010/main" Requires="a14">
+              <p:sp>
+                <p:nvSpPr>
+                  <p:cNvPr id="98" name="Rectangle 97"/>
+                  <p:cNvSpPr/>
+                  <p:nvPr/>
+                </p:nvSpPr>
+                <p:spPr>
+                  <a:xfrm>
+                    <a:off x="9577353" y="3371931"/>
+                    <a:ext cx="560022" cy="402931"/>
+                  </a:xfrm>
+                  <a:prstGeom prst="rect">
+                    <a:avLst/>
+                  </a:prstGeom>
+                </p:spPr>
+                <p:txBody>
+                  <a:bodyPr wrap="square">
+                    <a:spAutoFit/>
+                  </a:bodyPr>
+                  <a:lstStyle/>
+                  <a:p>
+                    <a:pPr/>
+                    <a14:m>
+                      <m:oMathPara xmlns:m="http://schemas.openxmlformats.org/officeDocument/2006/math">
+                        <m:oMathParaPr>
+                          <m:jc m:val="centerGroup"/>
+                        </m:oMathParaPr>
+                        <m:oMath xmlns:m="http://schemas.openxmlformats.org/officeDocument/2006/math">
+                          <m:acc>
+                            <m:accPr>
+                              <m:chr m:val="⃗"/>
+                              <m:ctrlPr>
+                                <a:rPr lang="en-CA" i="1" smtClean="0">
+                                  <a:latin typeface="Cambria Math" panose="02040503050406030204" pitchFamily="18" charset="0"/>
+                                </a:rPr>
+                              </m:ctrlPr>
+                            </m:accPr>
+                            <m:e>
+                              <m:r>
+                                <a:rPr lang="en-CA" b="0" i="1" smtClean="0">
+                                  <a:latin typeface="Cambria Math" charset="0"/>
+                                </a:rPr>
+                                <m:t>𝐹</m:t>
+                              </m:r>
+                            </m:e>
+                          </m:acc>
+                        </m:oMath>
+                      </m:oMathPara>
+                    </a14:m>
+                    <a:endParaRPr lang="en-CA" dirty="0"/>
+                  </a:p>
+                </p:txBody>
+              </p:sp>
+            </mc:Choice>
+            <mc:Fallback>
+              <p:sp>
+                <p:nvSpPr>
+                  <p:cNvPr id="98" name="Rectangle 97"/>
+                  <p:cNvSpPr>
+                    <a:spLocks noRot="1" noChangeAspect="1" noMove="1" noResize="1" noEditPoints="1" noAdjustHandles="1" noChangeArrowheads="1" noChangeShapeType="1" noTextEdit="1"/>
+                  </p:cNvSpPr>
+                  <p:nvPr/>
+                </p:nvSpPr>
+                <p:spPr>
+                  <a:xfrm>
+                    <a:off x="9577353" y="3371931"/>
+                    <a:ext cx="560022" cy="402931"/>
+                  </a:xfrm>
+                  <a:prstGeom prst="rect">
+                    <a:avLst/>
+                  </a:prstGeom>
+                  <a:blipFill>
+                    <a:blip r:embed="rId53"/>
+                    <a:stretch>
+                      <a:fillRect t="-22727" r="-30435"/>
+                    </a:stretch>
+                  </a:blipFill>
+                </p:spPr>
+                <p:txBody>
+                  <a:bodyPr/>
+                  <a:lstStyle/>
+                  <a:p>
+                    <a:r>
+                      <a:rPr lang="en-US">
+                        <a:noFill/>
+                      </a:rPr>
+                      <a:t> </a:t>
+                    </a:r>
+                  </a:p>
+                </p:txBody>
+              </p:sp>
+            </mc:Fallback>
+          </mc:AlternateContent>
+          <p:cxnSp>
+            <p:nvCxnSpPr>
+              <p:cNvPr id="106" name="Straight Arrow Connector 105"/>
+              <p:cNvCxnSpPr/>
+              <p:nvPr/>
+            </p:nvCxnSpPr>
+            <p:spPr>
+              <a:xfrm flipV="1">
+                <a:off x="9169134" y="3389202"/>
+                <a:ext cx="636792" cy="1251"/>
+              </a:xfrm>
+              <a:prstGeom prst="straightConnector1">
+                <a:avLst/>
+              </a:prstGeom>
+              <a:ln w="38100">
+                <a:solidFill>
+                  <a:schemeClr val="tx1"/>
+                </a:solidFill>
+                <a:tailEnd type="triangle"/>
+              </a:ln>
+            </p:spPr>
+            <p:style>
+              <a:lnRef idx="1">
+                <a:schemeClr val="accent1"/>
+              </a:lnRef>
+              <a:fillRef idx="0">
+                <a:schemeClr val="accent1"/>
+              </a:fillRef>
+              <a:effectRef idx="0">
+                <a:schemeClr val="accent1"/>
+              </a:effectRef>
+              <a:fontRef idx="minor">
+                <a:schemeClr val="tx1"/>
+              </a:fontRef>
+            </p:style>
+          </p:cxnSp>
+          <mc:AlternateContent xmlns:mc="http://schemas.openxmlformats.org/markup-compatibility/2006">
+            <mc:Choice xmlns:a14="http://schemas.microsoft.com/office/drawing/2010/main" Requires="a14">
+              <p:sp>
+                <p:nvSpPr>
+                  <p:cNvPr id="42" name="TextBox 41"/>
+                  <p:cNvSpPr txBox="1"/>
+                  <p:nvPr/>
+                </p:nvSpPr>
+                <p:spPr>
+                  <a:xfrm>
+                    <a:off x="9102937" y="2592605"/>
+                    <a:ext cx="170944" cy="246221"/>
+                  </a:xfrm>
+                  <a:prstGeom prst="rect">
+                    <a:avLst/>
+                  </a:prstGeom>
+                  <a:noFill/>
+                </p:spPr>
+                <p:txBody>
+                  <a:bodyPr wrap="none" lIns="0" tIns="0" rIns="0" bIns="0" rtlCol="0">
+                    <a:spAutoFit/>
+                  </a:bodyPr>
+                  <a:lstStyle/>
+                  <a:p>
+                    <a14:m>
+                      <m:oMathPara xmlns:m="http://schemas.openxmlformats.org/officeDocument/2006/math">
+                        <m:oMathParaPr>
+                          <m:jc m:val="centerGroup"/>
+                        </m:oMathParaPr>
+                        <m:oMath xmlns:m="http://schemas.openxmlformats.org/officeDocument/2006/math">
+                          <m:r>
+                            <a:rPr lang="en-US" sz="1600" b="0" i="1" smtClean="0">
+                              <a:latin typeface="Cambria Math" panose="02040503050406030204" pitchFamily="18" charset="0"/>
+                              <a:cs typeface="Arial" panose="020B0604020202020204" pitchFamily="34" charset="0"/>
+                            </a:rPr>
+                            <m:t>𝐿</m:t>
+                          </m:r>
+                        </m:oMath>
+                      </m:oMathPara>
+                    </a14:m>
+                    <a:endParaRPr lang="en-US" sz="2000" dirty="0" smtClean="0">
+                      <a:latin typeface="Arial" panose="020B0604020202020204" pitchFamily="34" charset="0"/>
+                      <a:cs typeface="Arial" panose="020B0604020202020204" pitchFamily="34" charset="0"/>
+                    </a:endParaRPr>
+                  </a:p>
+                </p:txBody>
+              </p:sp>
+            </mc:Choice>
+            <mc:Fallback>
+              <p:sp>
+                <p:nvSpPr>
+                  <p:cNvPr id="42" name="TextBox 41"/>
+                  <p:cNvSpPr txBox="1">
+                    <a:spLocks noRot="1" noChangeAspect="1" noMove="1" noResize="1" noEditPoints="1" noAdjustHandles="1" noChangeArrowheads="1" noChangeShapeType="1" noTextEdit="1"/>
+                  </p:cNvSpPr>
+                  <p:nvPr/>
+                </p:nvSpPr>
+                <p:spPr>
+                  <a:xfrm>
+                    <a:off x="9102937" y="2592605"/>
+                    <a:ext cx="170944" cy="246221"/>
+                  </a:xfrm>
+                  <a:prstGeom prst="rect">
+                    <a:avLst/>
+                  </a:prstGeom>
+                  <a:blipFill>
+                    <a:blip r:embed="rId54"/>
+                    <a:stretch>
+                      <a:fillRect l="-21429" r="-25000" b="-7317"/>
+                    </a:stretch>
+                  </a:blipFill>
+                </p:spPr>
+                <p:txBody>
+                  <a:bodyPr/>
+                  <a:lstStyle/>
+                  <a:p>
+                    <a:r>
+                      <a:rPr lang="en-US">
+                        <a:noFill/>
+                      </a:rPr>
+                      <a:t> </a:t>
+                    </a:r>
+                  </a:p>
+                </p:txBody>
+              </p:sp>
+            </mc:Fallback>
+          </mc:AlternateContent>
+          <mc:AlternateContent xmlns:mc="http://schemas.openxmlformats.org/markup-compatibility/2006">
+            <mc:Choice xmlns:a14="http://schemas.microsoft.com/office/drawing/2010/main" Requires="a14">
+              <p:sp>
+                <p:nvSpPr>
+                  <p:cNvPr id="43" name="TextBox 42"/>
+                  <p:cNvSpPr txBox="1"/>
+                  <p:nvPr/>
+                </p:nvSpPr>
+                <p:spPr>
+                  <a:xfrm>
+                    <a:off x="9071398" y="2974596"/>
+                    <a:ext cx="224099" cy="184666"/>
+                  </a:xfrm>
+                  <a:prstGeom prst="rect">
+                    <a:avLst/>
+                  </a:prstGeom>
+                  <a:noFill/>
+                </p:spPr>
+                <p:txBody>
+                  <a:bodyPr wrap="none" lIns="0" tIns="0" rIns="0" bIns="0" rtlCol="0">
+                    <a:spAutoFit/>
+                  </a:bodyPr>
+                  <a:lstStyle/>
+                  <a:p>
+                    <a14:m>
+                      <m:oMathPara xmlns:m="http://schemas.openxmlformats.org/officeDocument/2006/math">
+                        <m:oMathParaPr>
+                          <m:jc m:val="centerGroup"/>
+                        </m:oMathParaPr>
+                        <m:oMath xmlns:m="http://schemas.openxmlformats.org/officeDocument/2006/math">
+                          <m:r>
+                            <a:rPr lang="en-US" sz="1200" b="0" i="1" smtClean="0">
+                              <a:latin typeface="Cambria Math" panose="02040503050406030204" pitchFamily="18" charset="0"/>
+                              <a:cs typeface="Arial" panose="020B0604020202020204" pitchFamily="34" charset="0"/>
+                            </a:rPr>
+                            <m:t>𝑑</m:t>
+                          </m:r>
+                          <m:r>
+                            <a:rPr lang="en-US" sz="1200" b="0" i="1" smtClean="0">
+                              <a:latin typeface="Cambria Math" panose="02040503050406030204" pitchFamily="18" charset="0"/>
+                              <a:cs typeface="Arial" panose="020B0604020202020204" pitchFamily="34" charset="0"/>
+                            </a:rPr>
+                            <m:t>𝜃</m:t>
+                          </m:r>
+                        </m:oMath>
+                      </m:oMathPara>
+                    </a14:m>
+                    <a:endParaRPr lang="en-US" sz="1200" dirty="0" smtClean="0">
+                      <a:latin typeface="Arial" panose="020B0604020202020204" pitchFamily="34" charset="0"/>
+                      <a:cs typeface="Arial" panose="020B0604020202020204" pitchFamily="34" charset="0"/>
+                    </a:endParaRPr>
+                  </a:p>
+                </p:txBody>
+              </p:sp>
+            </mc:Choice>
+            <mc:Fallback>
+              <p:sp>
+                <p:nvSpPr>
+                  <p:cNvPr id="43" name="TextBox 42"/>
+                  <p:cNvSpPr txBox="1">
+                    <a:spLocks noRot="1" noChangeAspect="1" noMove="1" noResize="1" noEditPoints="1" noAdjustHandles="1" noChangeArrowheads="1" noChangeShapeType="1" noTextEdit="1"/>
+                  </p:cNvSpPr>
+                  <p:nvPr/>
+                </p:nvSpPr>
+                <p:spPr>
+                  <a:xfrm>
+                    <a:off x="9071398" y="2974596"/>
+                    <a:ext cx="224099" cy="184666"/>
+                  </a:xfrm>
+                  <a:prstGeom prst="rect">
+                    <a:avLst/>
+                  </a:prstGeom>
+                  <a:blipFill>
+                    <a:blip r:embed="rId55"/>
+                    <a:stretch>
+                      <a:fillRect l="-13514" r="-13514" b="-10000"/>
+                    </a:stretch>
+                  </a:blipFill>
+                </p:spPr>
+                <p:txBody>
+                  <a:bodyPr/>
+                  <a:lstStyle/>
+                  <a:p>
+                    <a:r>
+                      <a:rPr lang="en-US">
+                        <a:noFill/>
+                      </a:rPr>
+                      <a:t> </a:t>
+                    </a:r>
+                  </a:p>
+                </p:txBody>
+              </p:sp>
+            </mc:Fallback>
+          </mc:AlternateContent>
+          <p:sp>
+            <p:nvSpPr>
+              <p:cNvPr id="44" name="Arc 43"/>
+              <p:cNvSpPr/>
+              <p:nvPr/>
+            </p:nvSpPr>
+            <p:spPr>
+              <a:xfrm rot="886598">
+                <a:off x="8878279" y="2553826"/>
+                <a:ext cx="256350" cy="340916"/>
+              </a:xfrm>
+              <a:prstGeom prst="arc">
+                <a:avLst>
+                  <a:gd name="adj1" fmla="val 1272275"/>
+                  <a:gd name="adj2" fmla="val 4600486"/>
+                </a:avLst>
+              </a:prstGeom>
+              <a:ln w="19050">
+                <a:solidFill>
+                  <a:schemeClr val="tx1"/>
+                </a:solidFill>
+              </a:ln>
+            </p:spPr>
+            <p:style>
+              <a:lnRef idx="1">
+                <a:schemeClr val="accent1"/>
+              </a:lnRef>
+              <a:fillRef idx="0">
+                <a:schemeClr val="accent1"/>
+              </a:fillRef>
+              <a:effectRef idx="0">
+                <a:schemeClr val="accent1"/>
+              </a:effectRef>
+              <a:fontRef idx="minor">
+                <a:schemeClr val="tx1"/>
+              </a:fontRef>
+            </p:style>
+            <p:txBody>
+              <a:bodyPr rtlCol="0" anchor="ctr"/>
+              <a:lstStyle/>
+              <a:p>
+                <a:pPr algn="ctr"/>
+                <a:endParaRPr lang="en-US"/>
+              </a:p>
+            </p:txBody>
+          </p:sp>
+          <mc:AlternateContent xmlns:mc="http://schemas.openxmlformats.org/markup-compatibility/2006">
+            <mc:Choice xmlns:a14="http://schemas.microsoft.com/office/drawing/2010/main" Requires="a14">
+              <p:sp>
+                <p:nvSpPr>
+                  <p:cNvPr id="45" name="TextBox 44"/>
+                  <p:cNvSpPr txBox="1"/>
+                  <p:nvPr/>
+                </p:nvSpPr>
+                <p:spPr>
+                  <a:xfrm>
+                    <a:off x="8869216" y="3037938"/>
+                    <a:ext cx="200696" cy="276999"/>
+                  </a:xfrm>
+                  <a:prstGeom prst="rect">
+                    <a:avLst/>
+                  </a:prstGeom>
+                  <a:noFill/>
+                </p:spPr>
+                <p:txBody>
+                  <a:bodyPr wrap="none" lIns="0" tIns="0" rIns="0" bIns="0" rtlCol="0">
+                    <a:spAutoFit/>
+                  </a:bodyPr>
+                  <a:lstStyle/>
+                  <a:p>
+                    <a14:m>
+                      <m:oMathPara xmlns:m="http://schemas.openxmlformats.org/officeDocument/2006/math">
+                        <m:oMathParaPr>
+                          <m:jc m:val="centerGroup"/>
+                        </m:oMathParaPr>
+                        <m:oMath xmlns:m="http://schemas.openxmlformats.org/officeDocument/2006/math">
+                          <m:r>
+                            <a:rPr lang="en-US" b="0" i="1" smtClean="0">
+                              <a:latin typeface="Cambria Math" panose="02040503050406030204" pitchFamily="18" charset="0"/>
+                              <a:cs typeface="Arial" panose="020B0604020202020204" pitchFamily="34" charset="0"/>
+                            </a:rPr>
+                            <m:t>𝜃</m:t>
+                          </m:r>
+                        </m:oMath>
+                      </m:oMathPara>
+                    </a14:m>
+                    <a:endParaRPr lang="en-US" dirty="0" smtClean="0">
+                      <a:latin typeface="Arial" panose="020B0604020202020204" pitchFamily="34" charset="0"/>
+                      <a:cs typeface="Arial" panose="020B0604020202020204" pitchFamily="34" charset="0"/>
+                    </a:endParaRPr>
+                  </a:p>
+                </p:txBody>
+              </p:sp>
+            </mc:Choice>
+            <mc:Fallback>
+              <p:sp>
+                <p:nvSpPr>
+                  <p:cNvPr id="45" name="TextBox 44"/>
+                  <p:cNvSpPr txBox="1">
+                    <a:spLocks noRot="1" noChangeAspect="1" noMove="1" noResize="1" noEditPoints="1" noAdjustHandles="1" noChangeArrowheads="1" noChangeShapeType="1" noTextEdit="1"/>
+                  </p:cNvSpPr>
+                  <p:nvPr/>
+                </p:nvSpPr>
+                <p:spPr>
+                  <a:xfrm>
+                    <a:off x="8869216" y="3037938"/>
+                    <a:ext cx="200696" cy="276999"/>
+                  </a:xfrm>
+                  <a:prstGeom prst="rect">
+                    <a:avLst/>
+                  </a:prstGeom>
+                  <a:blipFill>
+                    <a:blip r:embed="rId56"/>
+                    <a:stretch>
+                      <a:fillRect l="-27273" r="-18182" b="-8696"/>
+                    </a:stretch>
+                  </a:blipFill>
+                </p:spPr>
+                <p:txBody>
+                  <a:bodyPr/>
+                  <a:lstStyle/>
+                  <a:p>
+                    <a:r>
+                      <a:rPr lang="en-US">
+                        <a:noFill/>
+                      </a:rPr>
+                      <a:t> </a:t>
+                    </a:r>
+                  </a:p>
+                </p:txBody>
+              </p:sp>
+            </mc:Fallback>
+          </mc:AlternateContent>
+          <p:cxnSp>
+            <p:nvCxnSpPr>
+              <p:cNvPr id="47" name="Straight Connector 46"/>
+              <p:cNvCxnSpPr/>
+              <p:nvPr/>
+            </p:nvCxnSpPr>
+            <p:spPr>
+              <a:xfrm>
+                <a:off x="8867453" y="2498900"/>
+                <a:ext cx="11240" cy="1196415"/>
+              </a:xfrm>
+              <a:prstGeom prst="line">
+                <a:avLst/>
+              </a:prstGeom>
+              <a:ln w="19050">
+                <a:solidFill>
+                  <a:schemeClr val="tx1"/>
+                </a:solidFill>
+                <a:prstDash val="sysDash"/>
+              </a:ln>
+            </p:spPr>
+            <p:style>
+              <a:lnRef idx="1">
+                <a:schemeClr val="accent1"/>
+              </a:lnRef>
+              <a:fillRef idx="0">
+                <a:schemeClr val="accent1"/>
+              </a:fillRef>
+              <a:effectRef idx="0">
+                <a:schemeClr val="accent1"/>
+              </a:effectRef>
+              <a:fontRef idx="minor">
+                <a:schemeClr val="tx1"/>
+              </a:fontRef>
+            </p:style>
+          </p:cxnSp>
+          <mc:AlternateContent xmlns:mc="http://schemas.openxmlformats.org/markup-compatibility/2006">
+            <mc:Choice xmlns:a14="http://schemas.microsoft.com/office/drawing/2010/main" Requires="a14">
+              <p:sp>
+                <p:nvSpPr>
+                  <p:cNvPr id="107" name="TextBox 106"/>
+                  <p:cNvSpPr txBox="1"/>
+                  <p:nvPr/>
+                </p:nvSpPr>
+                <p:spPr>
+                  <a:xfrm>
+                    <a:off x="9497614" y="3199017"/>
+                    <a:ext cx="134331" cy="184666"/>
+                  </a:xfrm>
+                  <a:prstGeom prst="rect">
+                    <a:avLst/>
+                  </a:prstGeom>
+                  <a:noFill/>
+                </p:spPr>
+                <p:txBody>
+                  <a:bodyPr wrap="none" lIns="0" tIns="0" rIns="0" bIns="0" rtlCol="0">
+                    <a:spAutoFit/>
+                  </a:bodyPr>
+                  <a:lstStyle/>
+                  <a:p>
+                    <a14:m>
+                      <m:oMathPara xmlns:m="http://schemas.openxmlformats.org/officeDocument/2006/math">
+                        <m:oMathParaPr>
+                          <m:jc m:val="centerGroup"/>
+                        </m:oMathParaPr>
+                        <m:oMath xmlns:m="http://schemas.openxmlformats.org/officeDocument/2006/math">
+                          <m:r>
+                            <a:rPr lang="en-US" sz="1200" b="0" i="1" smtClean="0">
+                              <a:latin typeface="Cambria Math" panose="02040503050406030204" pitchFamily="18" charset="0"/>
+                              <a:cs typeface="Arial" panose="020B0604020202020204" pitchFamily="34" charset="0"/>
+                            </a:rPr>
+                            <m:t>𝜃</m:t>
+                          </m:r>
+                        </m:oMath>
+                      </m:oMathPara>
+                    </a14:m>
+                    <a:endParaRPr lang="en-US" sz="1200" dirty="0" smtClean="0">
+                      <a:latin typeface="Arial" panose="020B0604020202020204" pitchFamily="34" charset="0"/>
+                      <a:cs typeface="Arial" panose="020B0604020202020204" pitchFamily="34" charset="0"/>
+                    </a:endParaRPr>
+                  </a:p>
+                </p:txBody>
+              </p:sp>
+            </mc:Choice>
+            <mc:Fallback>
+              <p:sp>
+                <p:nvSpPr>
+                  <p:cNvPr id="107" name="TextBox 106"/>
+                  <p:cNvSpPr txBox="1">
+                    <a:spLocks noRot="1" noChangeAspect="1" noMove="1" noResize="1" noEditPoints="1" noAdjustHandles="1" noChangeArrowheads="1" noChangeShapeType="1" noTextEdit="1"/>
+                  </p:cNvSpPr>
+                  <p:nvPr/>
+                </p:nvSpPr>
+                <p:spPr>
+                  <a:xfrm>
+                    <a:off x="9497614" y="3199017"/>
+                    <a:ext cx="134331" cy="184666"/>
+                  </a:xfrm>
+                  <a:prstGeom prst="rect">
+                    <a:avLst/>
+                  </a:prstGeom>
+                  <a:blipFill>
+                    <a:blip r:embed="rId57"/>
+                    <a:stretch>
+                      <a:fillRect l="-22727" r="-22727" b="-10000"/>
+                    </a:stretch>
+                  </a:blipFill>
+                </p:spPr>
+                <p:txBody>
+                  <a:bodyPr/>
+                  <a:lstStyle/>
+                  <a:p>
+                    <a:r>
+                      <a:rPr lang="en-US">
+                        <a:noFill/>
+                      </a:rPr>
+                      <a:t> </a:t>
+                    </a:r>
+                  </a:p>
+                </p:txBody>
+              </p:sp>
+            </mc:Fallback>
+          </mc:AlternateContent>
         </p:grpSp>
-        <mc:AlternateContent xmlns:mc="http://schemas.openxmlformats.org/markup-compatibility/2006" xmlns:a14="http://schemas.microsoft.com/office/drawing/2010/main">
-          <mc:Choice Requires="a14">
-            <p:sp>
-              <p:nvSpPr>
-                <p:cNvPr id="117" name="TextBox 116"/>
-                <p:cNvSpPr txBox="1"/>
-                <p:nvPr/>
-              </p:nvSpPr>
-              <p:spPr>
-                <a:xfrm>
-                  <a:off x="3465095" y="2854078"/>
-                  <a:ext cx="554061" cy="215444"/>
-                </a:xfrm>
-                <a:prstGeom prst="rect">
-                  <a:avLst/>
-                </a:prstGeom>
-                <a:noFill/>
-              </p:spPr>
-              <p:txBody>
-                <a:bodyPr wrap="none" lIns="0" tIns="0" rIns="0" bIns="0" rtlCol="0">
-                  <a:spAutoFit/>
-                </a:bodyPr>
-                <a:lstStyle/>
-                <a:p>
-                  <a:pPr/>
-                  <a14:m>
-                    <m:oMathPara xmlns:m="http://schemas.openxmlformats.org/officeDocument/2006/math">
-                      <m:oMathParaPr>
-                        <m:jc m:val="centerGroup"/>
-                      </m:oMathParaPr>
-                      <m:oMath xmlns:m="http://schemas.openxmlformats.org/officeDocument/2006/math">
-                        <m:r>
-                          <a:rPr lang="en-US" sz="1400" i="1" smtClean="0">
-                            <a:latin typeface="Cambria Math" charset="0"/>
-                            <a:ea typeface="Cambria Math" charset="0"/>
-                            <a:cs typeface="Cambria Math" charset="0"/>
-                          </a:rPr>
-                          <m:t>𝜃</m:t>
-                        </m:r>
-                        <m:r>
-                          <a:rPr lang="en-CA" sz="1400" b="0" i="1" smtClean="0">
-                            <a:latin typeface="Cambria Math" charset="0"/>
-                            <a:ea typeface="Cambria Math" charset="0"/>
-                            <a:cs typeface="Cambria Math" charset="0"/>
-                          </a:rPr>
-                          <m:t>=</m:t>
-                        </m:r>
-                        <m:sSub>
-                          <m:sSubPr>
-                            <m:ctrlPr>
-                              <a:rPr lang="en-CA" sz="1400" b="0" i="1" smtClean="0">
-                                <a:latin typeface="Cambria Math" panose="02040503050406030204" pitchFamily="18" charset="0"/>
-                                <a:ea typeface="Cambria Math" charset="0"/>
-                                <a:cs typeface="Cambria Math" charset="0"/>
-                              </a:rPr>
-                            </m:ctrlPr>
-                          </m:sSubPr>
-                          <m:e>
-                            <m:r>
-                              <a:rPr lang="en-CA" sz="1400" b="0" i="1" smtClean="0">
-                                <a:latin typeface="Cambria Math" charset="0"/>
-                                <a:ea typeface="Cambria Math" charset="0"/>
-                                <a:cs typeface="Cambria Math" charset="0"/>
-                              </a:rPr>
-                              <m:t>𝜃</m:t>
-                            </m:r>
-                          </m:e>
-                          <m:sub>
-                            <m:r>
-                              <a:rPr lang="en-CA" sz="1400" b="0" i="1" smtClean="0">
-                                <a:latin typeface="Cambria Math" charset="0"/>
-                                <a:ea typeface="Cambria Math" charset="0"/>
-                                <a:cs typeface="Cambria Math" charset="0"/>
-                              </a:rPr>
-                              <m:t>1</m:t>
-                            </m:r>
-                          </m:sub>
-                        </m:sSub>
-                      </m:oMath>
-                    </m:oMathPara>
-                  </a14:m>
-                  <a:endParaRPr lang="en-US" sz="1400" dirty="0"/>
-                </a:p>
-              </p:txBody>
-            </p:sp>
-          </mc:Choice>
-          <mc:Fallback xmlns="">
-            <p:sp>
-              <p:nvSpPr>
-                <p:cNvPr id="117" name="TextBox 116"/>
-                <p:cNvSpPr txBox="1">
-                  <a:spLocks noRot="1" noChangeAspect="1" noMove="1" noResize="1" noEditPoints="1" noAdjustHandles="1" noChangeArrowheads="1" noChangeShapeType="1" noTextEdit="1"/>
-                </p:cNvSpPr>
-                <p:nvPr/>
-              </p:nvSpPr>
-              <p:spPr>
-                <a:xfrm>
-                  <a:off x="3465095" y="2854078"/>
-                  <a:ext cx="554061" cy="215444"/>
-                </a:xfrm>
-                <a:prstGeom prst="rect">
-                  <a:avLst/>
-                </a:prstGeom>
-                <a:blipFill rotWithShape="0">
-                  <a:blip r:embed="rId45"/>
-                  <a:stretch>
-                    <a:fillRect l="-6593" r="-1099" b="-11111"/>
-                  </a:stretch>
-                </a:blipFill>
-              </p:spPr>
-              <p:txBody>
-                <a:bodyPr/>
-                <a:lstStyle/>
-                <a:p>
-                  <a:r>
-                    <a:rPr lang="en-US">
-                      <a:noFill/>
-                    </a:rPr>
-                    <a:t> </a:t>
-                  </a:r>
-                </a:p>
-              </p:txBody>
-            </p:sp>
-          </mc:Fallback>
-        </mc:AlternateContent>
-        <mc:AlternateContent xmlns:mc="http://schemas.openxmlformats.org/markup-compatibility/2006" xmlns:a14="http://schemas.microsoft.com/office/drawing/2010/main">
-          <mc:Choice Requires="a14">
-            <p:sp>
-              <p:nvSpPr>
-                <p:cNvPr id="118" name="TextBox 117"/>
-                <p:cNvSpPr txBox="1"/>
-                <p:nvPr/>
-              </p:nvSpPr>
-              <p:spPr>
-                <a:xfrm>
-                  <a:off x="1959228" y="3273818"/>
-                  <a:ext cx="480131" cy="215444"/>
-                </a:xfrm>
-                <a:prstGeom prst="rect">
-                  <a:avLst/>
-                </a:prstGeom>
-                <a:noFill/>
-              </p:spPr>
-              <p:txBody>
-                <a:bodyPr wrap="none" lIns="0" tIns="0" rIns="0" bIns="0" rtlCol="0">
-                  <a:spAutoFit/>
-                </a:bodyPr>
-                <a:lstStyle/>
-                <a:p>
-                  <a:pPr/>
-                  <a14:m>
-                    <m:oMathPara xmlns:m="http://schemas.openxmlformats.org/officeDocument/2006/math">
-                      <m:oMathParaPr>
-                        <m:jc m:val="centerGroup"/>
-                      </m:oMathParaPr>
-                      <m:oMath xmlns:m="http://schemas.openxmlformats.org/officeDocument/2006/math">
-                        <m:r>
-                          <a:rPr lang="en-US" sz="1400" i="1" smtClean="0">
-                            <a:latin typeface="Cambria Math" charset="0"/>
-                            <a:ea typeface="Cambria Math" charset="0"/>
-                            <a:cs typeface="Cambria Math" charset="0"/>
-                          </a:rPr>
-                          <m:t>𝜃</m:t>
-                        </m:r>
-                        <m:r>
-                          <a:rPr lang="en-CA" sz="1400" b="0" i="1" smtClean="0">
-                            <a:latin typeface="Cambria Math" charset="0"/>
-                            <a:ea typeface="Cambria Math" charset="0"/>
-                            <a:cs typeface="Cambria Math" charset="0"/>
-                          </a:rPr>
-                          <m:t>=0</m:t>
-                        </m:r>
-                      </m:oMath>
-                    </m:oMathPara>
-                  </a14:m>
-                  <a:endParaRPr lang="en-US" sz="1400" dirty="0"/>
-                </a:p>
-              </p:txBody>
-            </p:sp>
-          </mc:Choice>
-          <mc:Fallback xmlns="">
-            <p:sp>
-              <p:nvSpPr>
-                <p:cNvPr id="118" name="TextBox 117"/>
-                <p:cNvSpPr txBox="1">
-                  <a:spLocks noRot="1" noChangeAspect="1" noMove="1" noResize="1" noEditPoints="1" noAdjustHandles="1" noChangeArrowheads="1" noChangeShapeType="1" noTextEdit="1"/>
-                </p:cNvSpPr>
-                <p:nvPr/>
-              </p:nvSpPr>
-              <p:spPr>
-                <a:xfrm>
-                  <a:off x="1959228" y="3273818"/>
-                  <a:ext cx="480131" cy="215444"/>
-                </a:xfrm>
-                <a:prstGeom prst="rect">
-                  <a:avLst/>
-                </a:prstGeom>
-                <a:blipFill rotWithShape="0">
-                  <a:blip r:embed="rId46"/>
-                  <a:stretch>
-                    <a:fillRect l="-7595" r="-8861" b="-8571"/>
-                  </a:stretch>
-                </a:blipFill>
-              </p:spPr>
-              <p:txBody>
-                <a:bodyPr/>
-                <a:lstStyle/>
-                <a:p>
-                  <a:r>
-                    <a:rPr lang="en-US">
-                      <a:noFill/>
-                    </a:rPr>
-                    <a:t> </a:t>
-                  </a:r>
-                </a:p>
-              </p:txBody>
-            </p:sp>
-          </mc:Fallback>
-        </mc:AlternateContent>
       </p:grpSp>
     </p:spTree>
     <p:extLst>
